--- a/Documentation/Keymap.pptx
+++ b/Documentation/Keymap.pptx
@@ -197,7 +197,7 @@
           <a:p>
             <a:fld id="{D04F8CED-0623-C742-B972-F53D35E16E19}" type="datetimeFigureOut">
               <a:rPr lang="de-DE" smtClean="0"/>
-              <a:t>19.02.17</a:t>
+              <a:t>26.02.17</a:t>
             </a:fld>
             <a:endParaRPr lang="de-DE"/>
           </a:p>
@@ -680,7 +680,7 @@
           <a:p>
             <a:fld id="{A97692CC-6688-1145-811E-FE1ABB97A7A4}" type="datetimeFigureOut">
               <a:rPr lang="de-DE" smtClean="0"/>
-              <a:t>19.02.17</a:t>
+              <a:t>26.02.17</a:t>
             </a:fld>
             <a:endParaRPr lang="de-DE"/>
           </a:p>
@@ -845,7 +845,7 @@
           <a:p>
             <a:fld id="{A97692CC-6688-1145-811E-FE1ABB97A7A4}" type="datetimeFigureOut">
               <a:rPr lang="de-DE" smtClean="0"/>
-              <a:t>19.02.17</a:t>
+              <a:t>26.02.17</a:t>
             </a:fld>
             <a:endParaRPr lang="de-DE"/>
           </a:p>
@@ -1020,7 +1020,7 @@
           <a:p>
             <a:fld id="{A97692CC-6688-1145-811E-FE1ABB97A7A4}" type="datetimeFigureOut">
               <a:rPr lang="de-DE" smtClean="0"/>
-              <a:t>19.02.17</a:t>
+              <a:t>26.02.17</a:t>
             </a:fld>
             <a:endParaRPr lang="de-DE"/>
           </a:p>
@@ -1185,7 +1185,7 @@
           <a:p>
             <a:fld id="{A97692CC-6688-1145-811E-FE1ABB97A7A4}" type="datetimeFigureOut">
               <a:rPr lang="de-DE" smtClean="0"/>
-              <a:t>19.02.17</a:t>
+              <a:t>26.02.17</a:t>
             </a:fld>
             <a:endParaRPr lang="de-DE"/>
           </a:p>
@@ -1424,7 +1424,7 @@
           <a:p>
             <a:fld id="{A97692CC-6688-1145-811E-FE1ABB97A7A4}" type="datetimeFigureOut">
               <a:rPr lang="de-DE" smtClean="0"/>
-              <a:t>19.02.17</a:t>
+              <a:t>26.02.17</a:t>
             </a:fld>
             <a:endParaRPr lang="de-DE"/>
           </a:p>
@@ -1651,7 +1651,7 @@
           <a:p>
             <a:fld id="{A97692CC-6688-1145-811E-FE1ABB97A7A4}" type="datetimeFigureOut">
               <a:rPr lang="de-DE" smtClean="0"/>
-              <a:t>19.02.17</a:t>
+              <a:t>26.02.17</a:t>
             </a:fld>
             <a:endParaRPr lang="de-DE"/>
           </a:p>
@@ -2013,7 +2013,7 @@
           <a:p>
             <a:fld id="{A97692CC-6688-1145-811E-FE1ABB97A7A4}" type="datetimeFigureOut">
               <a:rPr lang="de-DE" smtClean="0"/>
-              <a:t>19.02.17</a:t>
+              <a:t>26.02.17</a:t>
             </a:fld>
             <a:endParaRPr lang="de-DE"/>
           </a:p>
@@ -2126,7 +2126,7 @@
           <a:p>
             <a:fld id="{A97692CC-6688-1145-811E-FE1ABB97A7A4}" type="datetimeFigureOut">
               <a:rPr lang="de-DE" smtClean="0"/>
-              <a:t>19.02.17</a:t>
+              <a:t>26.02.17</a:t>
             </a:fld>
             <a:endParaRPr lang="de-DE"/>
           </a:p>
@@ -2216,7 +2216,7 @@
           <a:p>
             <a:fld id="{A97692CC-6688-1145-811E-FE1ABB97A7A4}" type="datetimeFigureOut">
               <a:rPr lang="de-DE" smtClean="0"/>
-              <a:t>19.02.17</a:t>
+              <a:t>26.02.17</a:t>
             </a:fld>
             <a:endParaRPr lang="de-DE"/>
           </a:p>
@@ -2488,7 +2488,7 @@
           <a:p>
             <a:fld id="{A97692CC-6688-1145-811E-FE1ABB97A7A4}" type="datetimeFigureOut">
               <a:rPr lang="de-DE" smtClean="0"/>
-              <a:t>19.02.17</a:t>
+              <a:t>26.02.17</a:t>
             </a:fld>
             <a:endParaRPr lang="de-DE"/>
           </a:p>
@@ -2740,7 +2740,7 @@
           <a:p>
             <a:fld id="{A97692CC-6688-1145-811E-FE1ABB97A7A4}" type="datetimeFigureOut">
               <a:rPr lang="de-DE" smtClean="0"/>
-              <a:t>19.02.17</a:t>
+              <a:t>26.02.17</a:t>
             </a:fld>
             <a:endParaRPr lang="de-DE"/>
           </a:p>
@@ -2948,7 +2948,7 @@
           <a:p>
             <a:fld id="{A97692CC-6688-1145-811E-FE1ABB97A7A4}" type="datetimeFigureOut">
               <a:rPr lang="de-DE" smtClean="0"/>
-              <a:t>19.02.17</a:t>
+              <a:t>26.02.17</a:t>
             </a:fld>
             <a:endParaRPr lang="de-DE"/>
           </a:p>
@@ -3355,6 +3355,67 @@
       </p:grpSpPr>
       <p:sp>
         <p:nvSpPr>
+          <p:cNvPr id="287" name="Abgerundetes Rechteck 286"/>
+          <p:cNvSpPr/>
+          <p:nvPr/>
+        </p:nvSpPr>
+        <p:spPr>
+          <a:xfrm>
+            <a:off x="1767162" y="3171503"/>
+            <a:ext cx="495160" cy="483856"/>
+          </a:xfrm>
+          <a:prstGeom prst="roundRect">
+            <a:avLst>
+              <a:gd name="adj" fmla="val 8710"/>
+            </a:avLst>
+          </a:prstGeom>
+          <a:solidFill>
+            <a:schemeClr val="accent4">
+              <a:lumMod val="20000"/>
+              <a:lumOff val="80000"/>
+            </a:schemeClr>
+          </a:solidFill>
+          <a:ln>
+            <a:solidFill>
+              <a:schemeClr val="accent4">
+                <a:lumMod val="50000"/>
+              </a:schemeClr>
+            </a:solidFill>
+          </a:ln>
+        </p:spPr>
+        <p:style>
+          <a:lnRef idx="2">
+            <a:schemeClr val="accent1">
+              <a:shade val="50000"/>
+            </a:schemeClr>
+          </a:lnRef>
+          <a:fillRef idx="1">
+            <a:schemeClr val="accent1"/>
+          </a:fillRef>
+          <a:effectRef idx="0">
+            <a:schemeClr val="accent1"/>
+          </a:effectRef>
+          <a:fontRef idx="minor">
+            <a:schemeClr val="lt1"/>
+          </a:fontRef>
+        </p:style>
+        <p:txBody>
+          <a:bodyPr rtlCol="0" anchor="b"/>
+          <a:lstStyle/>
+          <a:p>
+            <a:endParaRPr lang="de-DE" sz="1000" dirty="0">
+              <a:solidFill>
+                <a:schemeClr val="tx1"/>
+              </a:solidFill>
+              <a:latin typeface="Helvetica Neue LT Std 67 Medium Condensed" charset="0"/>
+              <a:ea typeface="Helvetica Neue LT Std 67 Medium Condensed" charset="0"/>
+              <a:cs typeface="Helvetica Neue LT Std 67 Medium Condensed" charset="0"/>
+            </a:endParaRPr>
+          </a:p>
+        </p:txBody>
+      </p:sp>
+      <p:sp>
+        <p:nvSpPr>
           <p:cNvPr id="276" name="Abgerundetes Rechteck 275"/>
           <p:cNvSpPr/>
           <p:nvPr/>
@@ -13563,71 +13624,13 @@
       </p:sp>
       <p:sp>
         <p:nvSpPr>
-          <p:cNvPr id="192" name="Abgerundetes Rechteck 191"/>
-          <p:cNvSpPr/>
-          <p:nvPr/>
-        </p:nvSpPr>
-        <p:spPr>
-          <a:xfrm>
-            <a:off x="1771597" y="3173686"/>
-            <a:ext cx="495160" cy="483856"/>
-          </a:xfrm>
-          <a:prstGeom prst="roundRect">
-            <a:avLst>
-              <a:gd name="adj" fmla="val 8710"/>
-            </a:avLst>
-          </a:prstGeom>
-          <a:solidFill>
-            <a:schemeClr val="bg1"/>
-          </a:solidFill>
-          <a:ln>
-            <a:solidFill>
-              <a:schemeClr val="bg1">
-                <a:lumMod val="50000"/>
-              </a:schemeClr>
-            </a:solidFill>
-          </a:ln>
-        </p:spPr>
-        <p:style>
-          <a:lnRef idx="2">
-            <a:schemeClr val="accent1">
-              <a:shade val="50000"/>
-            </a:schemeClr>
-          </a:lnRef>
-          <a:fillRef idx="1">
-            <a:schemeClr val="accent1"/>
-          </a:fillRef>
-          <a:effectRef idx="0">
-            <a:schemeClr val="accent1"/>
-          </a:effectRef>
-          <a:fontRef idx="minor">
-            <a:schemeClr val="lt1"/>
-          </a:fontRef>
-        </p:style>
-        <p:txBody>
-          <a:bodyPr rtlCol="0" anchor="b"/>
-          <a:lstStyle/>
-          <a:p>
-            <a:endParaRPr lang="de-DE" sz="1000" dirty="0">
-              <a:solidFill>
-                <a:schemeClr val="tx1"/>
-              </a:solidFill>
-              <a:latin typeface="Helvetica Neue LT Std 67 Medium Condensed" charset="0"/>
-              <a:ea typeface="Helvetica Neue LT Std 67 Medium Condensed" charset="0"/>
-              <a:cs typeface="Helvetica Neue LT Std 67 Medium Condensed" charset="0"/>
-            </a:endParaRPr>
-          </a:p>
-        </p:txBody>
-      </p:sp>
-      <p:sp>
-        <p:nvSpPr>
           <p:cNvPr id="193" name="Textfeld 192"/>
           <p:cNvSpPr txBox="1"/>
           <p:nvPr/>
         </p:nvSpPr>
         <p:spPr>
           <a:xfrm>
-            <a:off x="1733572" y="3442975"/>
+            <a:off x="1733542" y="3453985"/>
             <a:ext cx="284052" cy="253916"/>
           </a:xfrm>
           <a:prstGeom prst="rect">
@@ -17690,19 +17693,6 @@
               </a:rPr>
               <a:t>Color</a:t>
             </a:r>
-            <a:r>
-              <a:rPr lang="de-DE" sz="500" dirty="0" smtClean="0">
-                <a:solidFill>
-                  <a:schemeClr val="accent6">
-                    <a:lumMod val="75000"/>
-                  </a:schemeClr>
-                </a:solidFill>
-                <a:latin typeface="Helvetica Neue LT Std 67 Medium Condensed" charset="0"/>
-                <a:ea typeface="Helvetica Neue LT Std 67 Medium Condensed" charset="0"/>
-                <a:cs typeface="Helvetica Neue LT Std 67 Medium Condensed" charset="0"/>
-              </a:rPr>
-              <a:t/>
-            </a:r>
             <a:br>
               <a:rPr lang="de-DE" sz="500" dirty="0" smtClean="0">
                 <a:solidFill>
@@ -18060,6 +18050,138 @@
                 </a:schemeClr>
               </a:solidFill>
             </a:endParaRPr>
+          </a:p>
+        </p:txBody>
+      </p:sp>
+      <p:sp>
+        <p:nvSpPr>
+          <p:cNvPr id="285" name="Rechteck 284"/>
+          <p:cNvSpPr/>
+          <p:nvPr/>
+        </p:nvSpPr>
+        <p:spPr>
+          <a:xfrm>
+            <a:off x="1721654" y="3155120"/>
+            <a:ext cx="248786" cy="246221"/>
+          </a:xfrm>
+          <a:prstGeom prst="rect">
+            <a:avLst/>
+          </a:prstGeom>
+        </p:spPr>
+        <p:txBody>
+          <a:bodyPr wrap="none">
+            <a:spAutoFit/>
+          </a:bodyPr>
+          <a:lstStyle/>
+          <a:p>
+            <a:r>
+              <a:rPr lang="de-DE" sz="1000" dirty="0" smtClean="0">
+                <a:solidFill>
+                  <a:schemeClr val="accent2">
+                    <a:lumMod val="75000"/>
+                  </a:schemeClr>
+                </a:solidFill>
+                <a:latin typeface="Helvetica Neue LT Std 67 Medium Condensed" charset="0"/>
+                <a:ea typeface="Helvetica Neue LT Std 67 Medium Condensed" charset="0"/>
+                <a:cs typeface="Helvetica Neue LT Std 67 Medium Condensed" charset="0"/>
+              </a:rPr>
+              <a:t>⇧</a:t>
+            </a:r>
+            <a:endParaRPr lang="de-DE" sz="1400" dirty="0"/>
+          </a:p>
+        </p:txBody>
+      </p:sp>
+      <p:sp>
+        <p:nvSpPr>
+          <p:cNvPr id="286" name="Rechteck 285"/>
+          <p:cNvSpPr/>
+          <p:nvPr/>
+        </p:nvSpPr>
+        <p:spPr>
+          <a:xfrm>
+            <a:off x="1784865" y="3195152"/>
+            <a:ext cx="490840" cy="220573"/>
+          </a:xfrm>
+          <a:prstGeom prst="rect">
+            <a:avLst/>
+          </a:prstGeom>
+        </p:spPr>
+        <p:txBody>
+          <a:bodyPr wrap="none">
+            <a:spAutoFit/>
+          </a:bodyPr>
+          <a:lstStyle/>
+          <a:p>
+            <a:pPr>
+              <a:lnSpc>
+                <a:spcPts val="500"/>
+              </a:lnSpc>
+            </a:pPr>
+            <a:r>
+              <a:rPr lang="de-DE" sz="500" dirty="0">
+                <a:solidFill>
+                  <a:schemeClr val="accent2">
+                    <a:lumMod val="75000"/>
+                  </a:schemeClr>
+                </a:solidFill>
+                <a:latin typeface="Helvetica Neue LT Std 67 Medium Condensed" charset="0"/>
+                <a:ea typeface="Helvetica Neue LT Std 67 Medium Condensed" charset="0"/>
+                <a:cs typeface="Helvetica Neue LT Std 67 Medium Condensed" charset="0"/>
+              </a:rPr>
+              <a:t> </a:t>
+            </a:r>
+            <a:r>
+              <a:rPr lang="de-DE" sz="500" dirty="0" smtClean="0">
+                <a:solidFill>
+                  <a:schemeClr val="accent2">
+                    <a:lumMod val="75000"/>
+                  </a:schemeClr>
+                </a:solidFill>
+                <a:latin typeface="Helvetica Neue LT Std 67 Medium Condensed" charset="0"/>
+                <a:ea typeface="Helvetica Neue LT Std 67 Medium Condensed" charset="0"/>
+                <a:cs typeface="Helvetica Neue LT Std 67 Medium Condensed" charset="0"/>
+              </a:rPr>
+              <a:t>Add Stretch</a:t>
+            </a:r>
+            <a:r>
+              <a:rPr lang="de-DE" sz="500" dirty="0" smtClean="0">
+                <a:solidFill>
+                  <a:schemeClr val="accent2">
+                    <a:lumMod val="75000"/>
+                  </a:schemeClr>
+                </a:solidFill>
+                <a:latin typeface="Helvetica Neue LT Std 67 Medium Condensed" charset="0"/>
+                <a:ea typeface="Helvetica Neue LT Std 67 Medium Condensed" charset="0"/>
+                <a:cs typeface="Helvetica Neue LT Std 67 Medium Condensed" charset="0"/>
+              </a:rPr>
+              <a:t/>
+            </a:r>
+            <a:br>
+              <a:rPr lang="de-DE" sz="500" dirty="0" smtClean="0">
+                <a:solidFill>
+                  <a:schemeClr val="accent2">
+                    <a:lumMod val="75000"/>
+                  </a:schemeClr>
+                </a:solidFill>
+                <a:latin typeface="Helvetica Neue LT Std 67 Medium Condensed" charset="0"/>
+                <a:ea typeface="Helvetica Neue LT Std 67 Medium Condensed" charset="0"/>
+                <a:cs typeface="Helvetica Neue LT Std 67 Medium Condensed" charset="0"/>
+              </a:rPr>
+            </a:br>
+            <a:r>
+              <a:rPr lang="de-DE" sz="500" dirty="0" smtClean="0">
+                <a:solidFill>
+                  <a:schemeClr val="accent2">
+                    <a:lumMod val="75000"/>
+                  </a:schemeClr>
+                </a:solidFill>
+                <a:latin typeface="Helvetica Neue LT Std 67 Medium Condensed" charset="0"/>
+                <a:ea typeface="Helvetica Neue LT Std 67 Medium Condensed" charset="0"/>
+                <a:cs typeface="Helvetica Neue LT Std 67 Medium Condensed" charset="0"/>
+              </a:rPr>
+              <a:t> Marker</a:t>
+            </a:r>
+            <a:endParaRPr lang="de-DE" sz="500" dirty="0"/>
           </a:p>
         </p:txBody>
       </p:sp>

--- a/Documentation/Keymap.pptx
+++ b/Documentation/Keymap.pptx
@@ -197,7 +197,7 @@
           <a:p>
             <a:fld id="{D04F8CED-0623-C742-B972-F53D35E16E19}" type="datetimeFigureOut">
               <a:rPr lang="de-DE" smtClean="0"/>
-              <a:t>26.02.17</a:t>
+              <a:t>01.03.17</a:t>
             </a:fld>
             <a:endParaRPr lang="de-DE"/>
           </a:p>
@@ -680,7 +680,7 @@
           <a:p>
             <a:fld id="{A97692CC-6688-1145-811E-FE1ABB97A7A4}" type="datetimeFigureOut">
               <a:rPr lang="de-DE" smtClean="0"/>
-              <a:t>26.02.17</a:t>
+              <a:t>01.03.17</a:t>
             </a:fld>
             <a:endParaRPr lang="de-DE"/>
           </a:p>
@@ -845,7 +845,7 @@
           <a:p>
             <a:fld id="{A97692CC-6688-1145-811E-FE1ABB97A7A4}" type="datetimeFigureOut">
               <a:rPr lang="de-DE" smtClean="0"/>
-              <a:t>26.02.17</a:t>
+              <a:t>01.03.17</a:t>
             </a:fld>
             <a:endParaRPr lang="de-DE"/>
           </a:p>
@@ -1020,7 +1020,7 @@
           <a:p>
             <a:fld id="{A97692CC-6688-1145-811E-FE1ABB97A7A4}" type="datetimeFigureOut">
               <a:rPr lang="de-DE" smtClean="0"/>
-              <a:t>26.02.17</a:t>
+              <a:t>01.03.17</a:t>
             </a:fld>
             <a:endParaRPr lang="de-DE"/>
           </a:p>
@@ -1185,7 +1185,7 @@
           <a:p>
             <a:fld id="{A97692CC-6688-1145-811E-FE1ABB97A7A4}" type="datetimeFigureOut">
               <a:rPr lang="de-DE" smtClean="0"/>
-              <a:t>26.02.17</a:t>
+              <a:t>01.03.17</a:t>
             </a:fld>
             <a:endParaRPr lang="de-DE"/>
           </a:p>
@@ -1424,7 +1424,7 @@
           <a:p>
             <a:fld id="{A97692CC-6688-1145-811E-FE1ABB97A7A4}" type="datetimeFigureOut">
               <a:rPr lang="de-DE" smtClean="0"/>
-              <a:t>26.02.17</a:t>
+              <a:t>01.03.17</a:t>
             </a:fld>
             <a:endParaRPr lang="de-DE"/>
           </a:p>
@@ -1651,7 +1651,7 @@
           <a:p>
             <a:fld id="{A97692CC-6688-1145-811E-FE1ABB97A7A4}" type="datetimeFigureOut">
               <a:rPr lang="de-DE" smtClean="0"/>
-              <a:t>26.02.17</a:t>
+              <a:t>01.03.17</a:t>
             </a:fld>
             <a:endParaRPr lang="de-DE"/>
           </a:p>
@@ -2013,7 +2013,7 @@
           <a:p>
             <a:fld id="{A97692CC-6688-1145-811E-FE1ABB97A7A4}" type="datetimeFigureOut">
               <a:rPr lang="de-DE" smtClean="0"/>
-              <a:t>26.02.17</a:t>
+              <a:t>01.03.17</a:t>
             </a:fld>
             <a:endParaRPr lang="de-DE"/>
           </a:p>
@@ -2126,7 +2126,7 @@
           <a:p>
             <a:fld id="{A97692CC-6688-1145-811E-FE1ABB97A7A4}" type="datetimeFigureOut">
               <a:rPr lang="de-DE" smtClean="0"/>
-              <a:t>26.02.17</a:t>
+              <a:t>01.03.17</a:t>
             </a:fld>
             <a:endParaRPr lang="de-DE"/>
           </a:p>
@@ -2216,7 +2216,7 @@
           <a:p>
             <a:fld id="{A97692CC-6688-1145-811E-FE1ABB97A7A4}" type="datetimeFigureOut">
               <a:rPr lang="de-DE" smtClean="0"/>
-              <a:t>26.02.17</a:t>
+              <a:t>01.03.17</a:t>
             </a:fld>
             <a:endParaRPr lang="de-DE"/>
           </a:p>
@@ -2488,7 +2488,7 @@
           <a:p>
             <a:fld id="{A97692CC-6688-1145-811E-FE1ABB97A7A4}" type="datetimeFigureOut">
               <a:rPr lang="de-DE" smtClean="0"/>
-              <a:t>26.02.17</a:t>
+              <a:t>01.03.17</a:t>
             </a:fld>
             <a:endParaRPr lang="de-DE"/>
           </a:p>
@@ -2740,7 +2740,7 @@
           <a:p>
             <a:fld id="{A97692CC-6688-1145-811E-FE1ABB97A7A4}" type="datetimeFigureOut">
               <a:rPr lang="de-DE" smtClean="0"/>
-              <a:t>26.02.17</a:t>
+              <a:t>01.03.17</a:t>
             </a:fld>
             <a:endParaRPr lang="de-DE"/>
           </a:p>
@@ -2948,7 +2948,7 @@
           <a:p>
             <a:fld id="{A97692CC-6688-1145-811E-FE1ABB97A7A4}" type="datetimeFigureOut">
               <a:rPr lang="de-DE" smtClean="0"/>
-              <a:t>26.02.17</a:t>
+              <a:t>01.03.17</a:t>
             </a:fld>
             <a:endParaRPr lang="de-DE"/>
           </a:p>
@@ -3355,6 +3355,67 @@
       </p:grpSpPr>
       <p:sp>
         <p:nvSpPr>
+          <p:cNvPr id="288" name="Abgerundetes Rechteck 287"/>
+          <p:cNvSpPr/>
+          <p:nvPr/>
+        </p:nvSpPr>
+        <p:spPr>
+          <a:xfrm>
+            <a:off x="1297753" y="3765311"/>
+            <a:ext cx="495160" cy="483856"/>
+          </a:xfrm>
+          <a:prstGeom prst="roundRect">
+            <a:avLst>
+              <a:gd name="adj" fmla="val 8710"/>
+            </a:avLst>
+          </a:prstGeom>
+          <a:solidFill>
+            <a:schemeClr val="accent6">
+              <a:lumMod val="20000"/>
+              <a:lumOff val="80000"/>
+            </a:schemeClr>
+          </a:solidFill>
+          <a:ln>
+            <a:solidFill>
+              <a:schemeClr val="accent6">
+                <a:lumMod val="50000"/>
+              </a:schemeClr>
+            </a:solidFill>
+          </a:ln>
+        </p:spPr>
+        <p:style>
+          <a:lnRef idx="2">
+            <a:schemeClr val="accent1">
+              <a:shade val="50000"/>
+            </a:schemeClr>
+          </a:lnRef>
+          <a:fillRef idx="1">
+            <a:schemeClr val="accent1"/>
+          </a:fillRef>
+          <a:effectRef idx="0">
+            <a:schemeClr val="accent1"/>
+          </a:effectRef>
+          <a:fontRef idx="minor">
+            <a:schemeClr val="lt1"/>
+          </a:fontRef>
+        </p:style>
+        <p:txBody>
+          <a:bodyPr rtlCol="0" anchor="b"/>
+          <a:lstStyle/>
+          <a:p>
+            <a:endParaRPr lang="de-DE" sz="1000" dirty="0">
+              <a:solidFill>
+                <a:schemeClr val="tx1"/>
+              </a:solidFill>
+              <a:latin typeface="Helvetica Neue LT Std 67 Medium Condensed" charset="0"/>
+              <a:ea typeface="Helvetica Neue LT Std 67 Medium Condensed" charset="0"/>
+              <a:cs typeface="Helvetica Neue LT Std 67 Medium Condensed" charset="0"/>
+            </a:endParaRPr>
+          </a:p>
+        </p:txBody>
+      </p:sp>
+      <p:sp>
+        <p:nvSpPr>
           <p:cNvPr id="287" name="Abgerundetes Rechteck 286"/>
           <p:cNvSpPr/>
           <p:nvPr/>
@@ -13863,13 +13924,54 @@
       </p:sp>
       <p:sp>
         <p:nvSpPr>
-          <p:cNvPr id="200" name="Abgerundetes Rechteck 199"/>
+          <p:cNvPr id="201" name="Textfeld 200"/>
+          <p:cNvSpPr txBox="1"/>
+          <p:nvPr/>
+        </p:nvSpPr>
+        <p:spPr>
+          <a:xfrm>
+            <a:off x="1270548" y="4040765"/>
+            <a:ext cx="255198" cy="253916"/>
+          </a:xfrm>
+          <a:prstGeom prst="rect">
+            <a:avLst/>
+          </a:prstGeom>
+          <a:noFill/>
+          <a:ln>
+            <a:noFill/>
+          </a:ln>
+        </p:spPr>
+        <p:txBody>
+          <a:bodyPr wrap="none" rtlCol="0">
+            <a:spAutoFit/>
+          </a:bodyPr>
+          <a:lstStyle/>
+          <a:p>
+            <a:r>
+              <a:rPr lang="de-DE" sz="1050" dirty="0" smtClean="0">
+                <a:latin typeface="Helvetica Neue LT Std 67 Medium Condensed" charset="0"/>
+                <a:ea typeface="Helvetica Neue LT Std 67 Medium Condensed" charset="0"/>
+                <a:cs typeface="Helvetica Neue LT Std 67 Medium Condensed" charset="0"/>
+              </a:rPr>
+              <a:t>A</a:t>
+            </a:r>
+            <a:endParaRPr lang="de-DE" sz="1050" dirty="0">
+              <a:latin typeface="Helvetica Neue LT Std 67 Medium Condensed" charset="0"/>
+              <a:ea typeface="Helvetica Neue LT Std 67 Medium Condensed" charset="0"/>
+              <a:cs typeface="Helvetica Neue LT Std 67 Medium Condensed" charset="0"/>
+            </a:endParaRPr>
+          </a:p>
+        </p:txBody>
+      </p:sp>
+      <p:sp>
+        <p:nvSpPr>
+          <p:cNvPr id="202" name="Abgerundetes Rechteck 201"/>
           <p:cNvSpPr/>
           <p:nvPr/>
         </p:nvSpPr>
         <p:spPr>
           <a:xfrm>
-            <a:off x="1308573" y="3772794"/>
+            <a:off x="2517008" y="3772794"/>
             <a:ext cx="495160" cy="483856"/>
           </a:xfrm>
           <a:prstGeom prst="roundRect">
@@ -13921,14 +14023,14 @@
       </p:sp>
       <p:sp>
         <p:nvSpPr>
-          <p:cNvPr id="201" name="Textfeld 200"/>
+          <p:cNvPr id="203" name="Textfeld 202"/>
           <p:cNvSpPr txBox="1"/>
           <p:nvPr/>
         </p:nvSpPr>
         <p:spPr>
           <a:xfrm>
-            <a:off x="1270548" y="4040765"/>
-            <a:ext cx="255198" cy="253916"/>
+            <a:off x="2478983" y="4039579"/>
+            <a:ext cx="260008" cy="253916"/>
           </a:xfrm>
           <a:prstGeom prst="rect">
             <a:avLst/>
@@ -13950,7 +14052,7 @@
                 <a:ea typeface="Helvetica Neue LT Std 67 Medium Condensed" charset="0"/>
                 <a:cs typeface="Helvetica Neue LT Std 67 Medium Condensed" charset="0"/>
               </a:rPr>
-              <a:t>A</a:t>
+              <a:t>D</a:t>
             </a:r>
             <a:endParaRPr lang="de-DE" sz="1050" dirty="0">
               <a:latin typeface="Helvetica Neue LT Std 67 Medium Condensed" charset="0"/>
@@ -13962,13 +14064,13 @@
       </p:sp>
       <p:sp>
         <p:nvSpPr>
-          <p:cNvPr id="202" name="Abgerundetes Rechteck 201"/>
+          <p:cNvPr id="206" name="Abgerundetes Rechteck 205"/>
           <p:cNvSpPr/>
           <p:nvPr/>
         </p:nvSpPr>
         <p:spPr>
           <a:xfrm>
-            <a:off x="2517008" y="3772794"/>
+            <a:off x="4325984" y="3772794"/>
             <a:ext cx="495160" cy="483856"/>
           </a:xfrm>
           <a:prstGeom prst="roundRect">
@@ -14020,13 +14122,13 @@
       </p:sp>
       <p:sp>
         <p:nvSpPr>
-          <p:cNvPr id="203" name="Textfeld 202"/>
+          <p:cNvPr id="207" name="Textfeld 206"/>
           <p:cNvSpPr txBox="1"/>
           <p:nvPr/>
         </p:nvSpPr>
         <p:spPr>
           <a:xfrm>
-            <a:off x="2478983" y="4039579"/>
+            <a:off x="4287959" y="4029640"/>
             <a:ext cx="260008" cy="253916"/>
           </a:xfrm>
           <a:prstGeom prst="rect">
@@ -14049,7 +14151,7 @@
                 <a:ea typeface="Helvetica Neue LT Std 67 Medium Condensed" charset="0"/>
                 <a:cs typeface="Helvetica Neue LT Std 67 Medium Condensed" charset="0"/>
               </a:rPr>
-              <a:t>D</a:t>
+              <a:t>H</a:t>
             </a:r>
             <a:endParaRPr lang="de-DE" sz="1050" dirty="0">
               <a:latin typeface="Helvetica Neue LT Std 67 Medium Condensed" charset="0"/>
@@ -14061,13 +14163,13 @@
       </p:sp>
       <p:sp>
         <p:nvSpPr>
-          <p:cNvPr id="206" name="Abgerundetes Rechteck 205"/>
+          <p:cNvPr id="208" name="Abgerundetes Rechteck 207"/>
           <p:cNvSpPr/>
           <p:nvPr/>
         </p:nvSpPr>
         <p:spPr>
           <a:xfrm>
-            <a:off x="4325984" y="3772794"/>
+            <a:off x="4916820" y="3772794"/>
             <a:ext cx="495160" cy="483856"/>
           </a:xfrm>
           <a:prstGeom prst="roundRect">
@@ -14119,14 +14221,14 @@
       </p:sp>
       <p:sp>
         <p:nvSpPr>
-          <p:cNvPr id="207" name="Textfeld 206"/>
+          <p:cNvPr id="209" name="Textfeld 208"/>
           <p:cNvSpPr txBox="1"/>
           <p:nvPr/>
         </p:nvSpPr>
         <p:spPr>
           <a:xfrm>
-            <a:off x="4287959" y="4029640"/>
-            <a:ext cx="260008" cy="253916"/>
+            <a:off x="4878795" y="4027695"/>
+            <a:ext cx="243978" cy="253916"/>
           </a:xfrm>
           <a:prstGeom prst="rect">
             <a:avLst/>
@@ -14148,7 +14250,7 @@
                 <a:ea typeface="Helvetica Neue LT Std 67 Medium Condensed" charset="0"/>
                 <a:cs typeface="Helvetica Neue LT Std 67 Medium Condensed" charset="0"/>
               </a:rPr>
-              <a:t>H</a:t>
+              <a:t>J</a:t>
             </a:r>
             <a:endParaRPr lang="de-DE" sz="1050" dirty="0">
               <a:latin typeface="Helvetica Neue LT Std 67 Medium Condensed" charset="0"/>
@@ -14160,13 +14262,13 @@
       </p:sp>
       <p:sp>
         <p:nvSpPr>
-          <p:cNvPr id="208" name="Abgerundetes Rechteck 207"/>
+          <p:cNvPr id="210" name="Abgerundetes Rechteck 209"/>
           <p:cNvSpPr/>
           <p:nvPr/>
         </p:nvSpPr>
         <p:spPr>
           <a:xfrm>
-            <a:off x="4916820" y="3772794"/>
+            <a:off x="5516804" y="3772794"/>
             <a:ext cx="495160" cy="483856"/>
           </a:xfrm>
           <a:prstGeom prst="roundRect">
@@ -14218,14 +14320,14 @@
       </p:sp>
       <p:sp>
         <p:nvSpPr>
-          <p:cNvPr id="209" name="Textfeld 208"/>
+          <p:cNvPr id="211" name="Textfeld 210"/>
           <p:cNvSpPr txBox="1"/>
           <p:nvPr/>
         </p:nvSpPr>
         <p:spPr>
           <a:xfrm>
-            <a:off x="4878795" y="4027695"/>
-            <a:ext cx="243978" cy="253916"/>
+            <a:off x="5478779" y="4025956"/>
+            <a:ext cx="255198" cy="253916"/>
           </a:xfrm>
           <a:prstGeom prst="rect">
             <a:avLst/>
@@ -14247,7 +14349,7 @@
                 <a:ea typeface="Helvetica Neue LT Std 67 Medium Condensed" charset="0"/>
                 <a:cs typeface="Helvetica Neue LT Std 67 Medium Condensed" charset="0"/>
               </a:rPr>
-              <a:t>J</a:t>
+              <a:t>K</a:t>
             </a:r>
             <a:endParaRPr lang="de-DE" sz="1050" dirty="0">
               <a:latin typeface="Helvetica Neue LT Std 67 Medium Condensed" charset="0"/>
@@ -14259,13 +14361,13 @@
       </p:sp>
       <p:sp>
         <p:nvSpPr>
-          <p:cNvPr id="210" name="Abgerundetes Rechteck 209"/>
+          <p:cNvPr id="212" name="Abgerundetes Rechteck 211"/>
           <p:cNvSpPr/>
           <p:nvPr/>
         </p:nvSpPr>
         <p:spPr>
           <a:xfrm>
-            <a:off x="5516804" y="3772794"/>
+            <a:off x="6724413" y="3772794"/>
             <a:ext cx="495160" cy="483856"/>
           </a:xfrm>
           <a:prstGeom prst="roundRect">
@@ -14317,14 +14419,14 @@
       </p:sp>
       <p:sp>
         <p:nvSpPr>
-          <p:cNvPr id="211" name="Textfeld 210"/>
+          <p:cNvPr id="213" name="Textfeld 212"/>
           <p:cNvSpPr txBox="1"/>
           <p:nvPr/>
         </p:nvSpPr>
         <p:spPr>
           <a:xfrm>
-            <a:off x="5478779" y="4025956"/>
-            <a:ext cx="255198" cy="253916"/>
+            <a:off x="6686388" y="4038068"/>
+            <a:ext cx="260008" cy="253916"/>
           </a:xfrm>
           <a:prstGeom prst="rect">
             <a:avLst/>
@@ -14346,7 +14448,7 @@
                 <a:ea typeface="Helvetica Neue LT Std 67 Medium Condensed" charset="0"/>
                 <a:cs typeface="Helvetica Neue LT Std 67 Medium Condensed" charset="0"/>
               </a:rPr>
-              <a:t>K</a:t>
+              <a:t>Ö</a:t>
             </a:r>
             <a:endParaRPr lang="de-DE" sz="1050" dirty="0">
               <a:latin typeface="Helvetica Neue LT Std 67 Medium Condensed" charset="0"/>
@@ -14358,13 +14460,95 @@
       </p:sp>
       <p:sp>
         <p:nvSpPr>
-          <p:cNvPr id="212" name="Abgerundetes Rechteck 211"/>
+          <p:cNvPr id="215" name="Textfeld 214"/>
+          <p:cNvSpPr txBox="1"/>
+          <p:nvPr/>
+        </p:nvSpPr>
+        <p:spPr>
+          <a:xfrm>
+            <a:off x="7880176" y="4030871"/>
+            <a:ext cx="248786" cy="253916"/>
+          </a:xfrm>
+          <a:prstGeom prst="rect">
+            <a:avLst/>
+          </a:prstGeom>
+          <a:noFill/>
+          <a:ln>
+            <a:noFill/>
+          </a:ln>
+        </p:spPr>
+        <p:txBody>
+          <a:bodyPr wrap="none" rtlCol="0">
+            <a:spAutoFit/>
+          </a:bodyPr>
+          <a:lstStyle/>
+          <a:p>
+            <a:r>
+              <a:rPr lang="de-DE" sz="1050" dirty="0" smtClean="0">
+                <a:latin typeface="Helvetica Neue LT Std 67 Medium Condensed" charset="0"/>
+                <a:ea typeface="Helvetica Neue LT Std 67 Medium Condensed" charset="0"/>
+                <a:cs typeface="Helvetica Neue LT Std 67 Medium Condensed" charset="0"/>
+              </a:rPr>
+              <a:t>#</a:t>
+            </a:r>
+            <a:endParaRPr lang="de-DE" sz="1050" dirty="0">
+              <a:latin typeface="Helvetica Neue LT Std 67 Medium Condensed" charset="0"/>
+              <a:ea typeface="Helvetica Neue LT Std 67 Medium Condensed" charset="0"/>
+              <a:cs typeface="Helvetica Neue LT Std 67 Medium Condensed" charset="0"/>
+            </a:endParaRPr>
+          </a:p>
+        </p:txBody>
+      </p:sp>
+      <p:sp>
+        <p:nvSpPr>
+          <p:cNvPr id="221" name="Textfeld 220"/>
+          <p:cNvSpPr txBox="1"/>
+          <p:nvPr/>
+        </p:nvSpPr>
+        <p:spPr>
+          <a:xfrm>
+            <a:off x="3375987" y="4612399"/>
+            <a:ext cx="248786" cy="253916"/>
+          </a:xfrm>
+          <a:prstGeom prst="rect">
+            <a:avLst/>
+          </a:prstGeom>
+          <a:noFill/>
+          <a:ln>
+            <a:noFill/>
+          </a:ln>
+        </p:spPr>
+        <p:txBody>
+          <a:bodyPr wrap="none" rtlCol="0">
+            <a:spAutoFit/>
+          </a:bodyPr>
+          <a:lstStyle/>
+          <a:p>
+            <a:r>
+              <a:rPr lang="de-DE" sz="1050" dirty="0" smtClean="0">
+                <a:latin typeface="Helvetica Neue LT Std 67 Medium Condensed" charset="0"/>
+                <a:ea typeface="Helvetica Neue LT Std 67 Medium Condensed" charset="0"/>
+                <a:cs typeface="Helvetica Neue LT Std 67 Medium Condensed" charset="0"/>
+              </a:rPr>
+              <a:t>V</a:t>
+            </a:r>
+            <a:endParaRPr lang="de-DE" sz="1050" dirty="0">
+              <a:latin typeface="Helvetica Neue LT Std 67 Medium Condensed" charset="0"/>
+              <a:ea typeface="Helvetica Neue LT Std 67 Medium Condensed" charset="0"/>
+              <a:cs typeface="Helvetica Neue LT Std 67 Medium Condensed" charset="0"/>
+            </a:endParaRPr>
+          </a:p>
+        </p:txBody>
+      </p:sp>
+      <p:sp>
+        <p:nvSpPr>
+          <p:cNvPr id="222" name="Abgerundetes Rechteck 221"/>
           <p:cNvSpPr/>
           <p:nvPr/>
         </p:nvSpPr>
         <p:spPr>
           <a:xfrm>
-            <a:off x="6724413" y="3772794"/>
+            <a:off x="4020078" y="4346279"/>
             <a:ext cx="495160" cy="483856"/>
           </a:xfrm>
           <a:prstGeom prst="roundRect">
@@ -14416,14 +14600,14 @@
       </p:sp>
       <p:sp>
         <p:nvSpPr>
-          <p:cNvPr id="213" name="Textfeld 212"/>
+          <p:cNvPr id="223" name="Textfeld 222"/>
           <p:cNvSpPr txBox="1"/>
           <p:nvPr/>
         </p:nvSpPr>
         <p:spPr>
           <a:xfrm>
-            <a:off x="6686388" y="4038068"/>
-            <a:ext cx="260008" cy="253916"/>
+            <a:off x="3982053" y="4611491"/>
+            <a:ext cx="256802" cy="253916"/>
           </a:xfrm>
           <a:prstGeom prst="rect">
             <a:avLst/>
@@ -14445,7 +14629,7 @@
                 <a:ea typeface="Helvetica Neue LT Std 67 Medium Condensed" charset="0"/>
                 <a:cs typeface="Helvetica Neue LT Std 67 Medium Condensed" charset="0"/>
               </a:rPr>
-              <a:t>Ö</a:t>
+              <a:t>B</a:t>
             </a:r>
             <a:endParaRPr lang="de-DE" sz="1050" dirty="0">
               <a:latin typeface="Helvetica Neue LT Std 67 Medium Condensed" charset="0"/>
@@ -14457,95 +14641,13 @@
       </p:sp>
       <p:sp>
         <p:nvSpPr>
-          <p:cNvPr id="215" name="Textfeld 214"/>
-          <p:cNvSpPr txBox="1"/>
-          <p:nvPr/>
-        </p:nvSpPr>
-        <p:spPr>
-          <a:xfrm>
-            <a:off x="7880176" y="4030871"/>
-            <a:ext cx="248786" cy="253916"/>
-          </a:xfrm>
-          <a:prstGeom prst="rect">
-            <a:avLst/>
-          </a:prstGeom>
-          <a:noFill/>
-          <a:ln>
-            <a:noFill/>
-          </a:ln>
-        </p:spPr>
-        <p:txBody>
-          <a:bodyPr wrap="none" rtlCol="0">
-            <a:spAutoFit/>
-          </a:bodyPr>
-          <a:lstStyle/>
-          <a:p>
-            <a:r>
-              <a:rPr lang="de-DE" sz="1050" dirty="0" smtClean="0">
-                <a:latin typeface="Helvetica Neue LT Std 67 Medium Condensed" charset="0"/>
-                <a:ea typeface="Helvetica Neue LT Std 67 Medium Condensed" charset="0"/>
-                <a:cs typeface="Helvetica Neue LT Std 67 Medium Condensed" charset="0"/>
-              </a:rPr>
-              <a:t>#</a:t>
-            </a:r>
-            <a:endParaRPr lang="de-DE" sz="1050" dirty="0">
-              <a:latin typeface="Helvetica Neue LT Std 67 Medium Condensed" charset="0"/>
-              <a:ea typeface="Helvetica Neue LT Std 67 Medium Condensed" charset="0"/>
-              <a:cs typeface="Helvetica Neue LT Std 67 Medium Condensed" charset="0"/>
-            </a:endParaRPr>
-          </a:p>
-        </p:txBody>
-      </p:sp>
-      <p:sp>
-        <p:nvSpPr>
-          <p:cNvPr id="221" name="Textfeld 220"/>
-          <p:cNvSpPr txBox="1"/>
-          <p:nvPr/>
-        </p:nvSpPr>
-        <p:spPr>
-          <a:xfrm>
-            <a:off x="3375987" y="4612399"/>
-            <a:ext cx="248786" cy="253916"/>
-          </a:xfrm>
-          <a:prstGeom prst="rect">
-            <a:avLst/>
-          </a:prstGeom>
-          <a:noFill/>
-          <a:ln>
-            <a:noFill/>
-          </a:ln>
-        </p:spPr>
-        <p:txBody>
-          <a:bodyPr wrap="none" rtlCol="0">
-            <a:spAutoFit/>
-          </a:bodyPr>
-          <a:lstStyle/>
-          <a:p>
-            <a:r>
-              <a:rPr lang="de-DE" sz="1050" dirty="0" smtClean="0">
-                <a:latin typeface="Helvetica Neue LT Std 67 Medium Condensed" charset="0"/>
-                <a:ea typeface="Helvetica Neue LT Std 67 Medium Condensed" charset="0"/>
-                <a:cs typeface="Helvetica Neue LT Std 67 Medium Condensed" charset="0"/>
-              </a:rPr>
-              <a:t>V</a:t>
-            </a:r>
-            <a:endParaRPr lang="de-DE" sz="1050" dirty="0">
-              <a:latin typeface="Helvetica Neue LT Std 67 Medium Condensed" charset="0"/>
-              <a:ea typeface="Helvetica Neue LT Std 67 Medium Condensed" charset="0"/>
-              <a:cs typeface="Helvetica Neue LT Std 67 Medium Condensed" charset="0"/>
-            </a:endParaRPr>
-          </a:p>
-        </p:txBody>
-      </p:sp>
-      <p:sp>
-        <p:nvSpPr>
-          <p:cNvPr id="222" name="Abgerundetes Rechteck 221"/>
+          <p:cNvPr id="224" name="Abgerundetes Rechteck 223"/>
           <p:cNvSpPr/>
           <p:nvPr/>
         </p:nvSpPr>
         <p:spPr>
           <a:xfrm>
-            <a:off x="4020078" y="4346279"/>
+            <a:off x="4618087" y="4346279"/>
             <a:ext cx="495160" cy="483856"/>
           </a:xfrm>
           <a:prstGeom prst="roundRect">
@@ -14597,14 +14699,14 @@
       </p:sp>
       <p:sp>
         <p:nvSpPr>
-          <p:cNvPr id="223" name="Textfeld 222"/>
+          <p:cNvPr id="225" name="Textfeld 224"/>
           <p:cNvSpPr txBox="1"/>
           <p:nvPr/>
         </p:nvSpPr>
         <p:spPr>
           <a:xfrm>
-            <a:off x="3982053" y="4611491"/>
-            <a:ext cx="256802" cy="253916"/>
+            <a:off x="4580062" y="4609314"/>
+            <a:ext cx="261610" cy="253916"/>
           </a:xfrm>
           <a:prstGeom prst="rect">
             <a:avLst/>
@@ -14626,7 +14728,7 @@
                 <a:ea typeface="Helvetica Neue LT Std 67 Medium Condensed" charset="0"/>
                 <a:cs typeface="Helvetica Neue LT Std 67 Medium Condensed" charset="0"/>
               </a:rPr>
-              <a:t>B</a:t>
+              <a:t>N</a:t>
             </a:r>
             <a:endParaRPr lang="de-DE" sz="1050" dirty="0">
               <a:latin typeface="Helvetica Neue LT Std 67 Medium Condensed" charset="0"/>
@@ -14638,14 +14740,55 @@
       </p:sp>
       <p:sp>
         <p:nvSpPr>
-          <p:cNvPr id="224" name="Abgerundetes Rechteck 223"/>
+          <p:cNvPr id="227" name="Textfeld 226"/>
+          <p:cNvSpPr txBox="1"/>
+          <p:nvPr/>
+        </p:nvSpPr>
+        <p:spPr>
+          <a:xfrm>
+            <a:off x="6380654" y="4620694"/>
+            <a:ext cx="216726" cy="253916"/>
+          </a:xfrm>
+          <a:prstGeom prst="rect">
+            <a:avLst/>
+          </a:prstGeom>
+          <a:noFill/>
+          <a:ln>
+            <a:noFill/>
+          </a:ln>
+        </p:spPr>
+        <p:txBody>
+          <a:bodyPr wrap="none" rtlCol="0">
+            <a:spAutoFit/>
+          </a:bodyPr>
+          <a:lstStyle/>
+          <a:p>
+            <a:r>
+              <a:rPr lang="de-DE" sz="1050" dirty="0" smtClean="0">
+                <a:latin typeface="Helvetica Neue LT Std 67 Medium Condensed" charset="0"/>
+                <a:ea typeface="Helvetica Neue LT Std 67 Medium Condensed" charset="0"/>
+                <a:cs typeface="Helvetica Neue LT Std 67 Medium Condensed" charset="0"/>
+              </a:rPr>
+              <a:t>.</a:t>
+            </a:r>
+            <a:endParaRPr lang="de-DE" sz="1050" dirty="0">
+              <a:latin typeface="Helvetica Neue LT Std 67 Medium Condensed" charset="0"/>
+              <a:ea typeface="Helvetica Neue LT Std 67 Medium Condensed" charset="0"/>
+              <a:cs typeface="Helvetica Neue LT Std 67 Medium Condensed" charset="0"/>
+            </a:endParaRPr>
+          </a:p>
+        </p:txBody>
+      </p:sp>
+      <p:sp>
+        <p:nvSpPr>
+          <p:cNvPr id="230" name="Abgerundetes Rechteck 229"/>
           <p:cNvSpPr/>
           <p:nvPr/>
         </p:nvSpPr>
         <p:spPr>
           <a:xfrm>
-            <a:off x="4618087" y="4346279"/>
-            <a:ext cx="495160" cy="483856"/>
+            <a:off x="861232" y="4939926"/>
+            <a:ext cx="508273" cy="565152"/>
           </a:xfrm>
           <a:prstGeom prst="roundRect">
             <a:avLst>
@@ -14696,22 +14839,19 @@
       </p:sp>
       <p:sp>
         <p:nvSpPr>
-          <p:cNvPr id="225" name="Textfeld 224"/>
+          <p:cNvPr id="231" name="Textfeld 230"/>
           <p:cNvSpPr txBox="1"/>
           <p:nvPr/>
         </p:nvSpPr>
         <p:spPr>
           <a:xfrm>
-            <a:off x="4580062" y="4609314"/>
-            <a:ext cx="261610" cy="253916"/>
+            <a:off x="1056062" y="5237666"/>
+            <a:ext cx="352982" cy="253916"/>
           </a:xfrm>
           <a:prstGeom prst="rect">
             <a:avLst/>
           </a:prstGeom>
           <a:noFill/>
-          <a:ln>
-            <a:noFill/>
-          </a:ln>
         </p:spPr>
         <p:txBody>
           <a:bodyPr wrap="none" rtlCol="0">
@@ -14720,12 +14860,12 @@
           <a:lstStyle/>
           <a:p>
             <a:r>
-              <a:rPr lang="de-DE" sz="1050" dirty="0" smtClean="0">
-                <a:latin typeface="Helvetica Neue LT Std 67 Medium Condensed" charset="0"/>
-                <a:ea typeface="Helvetica Neue LT Std 67 Medium Condensed" charset="0"/>
-                <a:cs typeface="Helvetica Neue LT Std 67 Medium Condensed" charset="0"/>
-              </a:rPr>
-              <a:t>N</a:t>
+              <a:rPr lang="de-DE" sz="1050" dirty="0" err="1" smtClean="0">
+                <a:latin typeface="Helvetica Neue LT Std 67 Medium Condensed" charset="0"/>
+                <a:ea typeface="Helvetica Neue LT Std 67 Medium Condensed" charset="0"/>
+                <a:cs typeface="Helvetica Neue LT Std 67 Medium Condensed" charset="0"/>
+              </a:rPr>
+              <a:t>ctrl</a:t>
             </a:r>
             <a:endParaRPr lang="de-DE" sz="1050" dirty="0">
               <a:latin typeface="Helvetica Neue LT Std 67 Medium Condensed" charset="0"/>
@@ -14737,54 +14877,13 @@
       </p:sp>
       <p:sp>
         <p:nvSpPr>
-          <p:cNvPr id="227" name="Textfeld 226"/>
-          <p:cNvSpPr txBox="1"/>
-          <p:nvPr/>
-        </p:nvSpPr>
-        <p:spPr>
-          <a:xfrm>
-            <a:off x="6380654" y="4620694"/>
-            <a:ext cx="216726" cy="253916"/>
-          </a:xfrm>
-          <a:prstGeom prst="rect">
-            <a:avLst/>
-          </a:prstGeom>
-          <a:noFill/>
-          <a:ln>
-            <a:noFill/>
-          </a:ln>
-        </p:spPr>
-        <p:txBody>
-          <a:bodyPr wrap="none" rtlCol="0">
-            <a:spAutoFit/>
-          </a:bodyPr>
-          <a:lstStyle/>
-          <a:p>
-            <a:r>
-              <a:rPr lang="de-DE" sz="1050" dirty="0" smtClean="0">
-                <a:latin typeface="Helvetica Neue LT Std 67 Medium Condensed" charset="0"/>
-                <a:ea typeface="Helvetica Neue LT Std 67 Medium Condensed" charset="0"/>
-                <a:cs typeface="Helvetica Neue LT Std 67 Medium Condensed" charset="0"/>
-              </a:rPr>
-              <a:t>.</a:t>
-            </a:r>
-            <a:endParaRPr lang="de-DE" sz="1050" dirty="0">
-              <a:latin typeface="Helvetica Neue LT Std 67 Medium Condensed" charset="0"/>
-              <a:ea typeface="Helvetica Neue LT Std 67 Medium Condensed" charset="0"/>
-              <a:cs typeface="Helvetica Neue LT Std 67 Medium Condensed" charset="0"/>
-            </a:endParaRPr>
-          </a:p>
-        </p:txBody>
-      </p:sp>
-      <p:sp>
-        <p:nvSpPr>
-          <p:cNvPr id="230" name="Abgerundetes Rechteck 229"/>
+          <p:cNvPr id="232" name="Abgerundetes Rechteck 231"/>
           <p:cNvSpPr/>
           <p:nvPr/>
         </p:nvSpPr>
         <p:spPr>
           <a:xfrm>
-            <a:off x="861232" y="4939926"/>
+            <a:off x="268822" y="4939778"/>
             <a:ext cx="508273" cy="565152"/>
           </a:xfrm>
           <a:prstGeom prst="roundRect">
@@ -14836,14 +14935,14 @@
       </p:sp>
       <p:sp>
         <p:nvSpPr>
-          <p:cNvPr id="231" name="Textfeld 230"/>
+          <p:cNvPr id="233" name="Textfeld 232"/>
           <p:cNvSpPr txBox="1"/>
           <p:nvPr/>
         </p:nvSpPr>
         <p:spPr>
           <a:xfrm>
-            <a:off x="1056062" y="5237666"/>
-            <a:ext cx="352982" cy="253916"/>
+            <a:off x="463652" y="5237518"/>
+            <a:ext cx="285656" cy="253916"/>
           </a:xfrm>
           <a:prstGeom prst="rect">
             <a:avLst/>
@@ -14862,7 +14961,7 @@
                 <a:ea typeface="Helvetica Neue LT Std 67 Medium Condensed" charset="0"/>
                 <a:cs typeface="Helvetica Neue LT Std 67 Medium Condensed" charset="0"/>
               </a:rPr>
-              <a:t>ctrl</a:t>
+              <a:t>fn</a:t>
             </a:r>
             <a:endParaRPr lang="de-DE" sz="1050" dirty="0">
               <a:latin typeface="Helvetica Neue LT Std 67 Medium Condensed" charset="0"/>
@@ -14874,14 +14973,14 @@
       </p:sp>
       <p:sp>
         <p:nvSpPr>
-          <p:cNvPr id="232" name="Abgerundetes Rechteck 231"/>
+          <p:cNvPr id="234" name="Abgerundetes Rechteck 233"/>
           <p:cNvSpPr/>
           <p:nvPr/>
         </p:nvSpPr>
         <p:spPr>
           <a:xfrm>
-            <a:off x="268822" y="4939778"/>
-            <a:ext cx="508273" cy="565152"/>
+            <a:off x="268320" y="3772794"/>
+            <a:ext cx="940728" cy="483856"/>
           </a:xfrm>
           <a:prstGeom prst="roundRect">
             <a:avLst>
@@ -14932,52 +15031,55 @@
       </p:sp>
       <p:sp>
         <p:nvSpPr>
-          <p:cNvPr id="233" name="Textfeld 232"/>
+          <p:cNvPr id="235" name="Textfeld 234"/>
           <p:cNvSpPr txBox="1"/>
           <p:nvPr/>
         </p:nvSpPr>
         <p:spPr>
           <a:xfrm>
-            <a:off x="463652" y="5237518"/>
-            <a:ext cx="285656" cy="253916"/>
+            <a:off x="254068" y="3981582"/>
+            <a:ext cx="709352" cy="369332"/>
           </a:xfrm>
           <a:prstGeom prst="rect">
             <a:avLst/>
           </a:prstGeom>
           <a:noFill/>
-        </p:spPr>
-        <p:txBody>
-          <a:bodyPr wrap="none" rtlCol="0">
+          <a:ln>
+            <a:noFill/>
+          </a:ln>
+        </p:spPr>
+        <p:txBody>
+          <a:bodyPr wrap="square" rtlCol="0">
             <a:spAutoFit/>
           </a:bodyPr>
           <a:lstStyle/>
           <a:p>
             <a:r>
-              <a:rPr lang="de-DE" sz="1050" dirty="0" err="1" smtClean="0">
-                <a:latin typeface="Helvetica Neue LT Std 67 Medium Condensed" charset="0"/>
-                <a:ea typeface="Helvetica Neue LT Std 67 Medium Condensed" charset="0"/>
-                <a:cs typeface="Helvetica Neue LT Std 67 Medium Condensed" charset="0"/>
-              </a:rPr>
-              <a:t>fn</a:t>
-            </a:r>
-            <a:endParaRPr lang="de-DE" sz="1050" dirty="0">
-              <a:latin typeface="Helvetica Neue LT Std 67 Medium Condensed" charset="0"/>
-              <a:ea typeface="Helvetica Neue LT Std 67 Medium Condensed" charset="0"/>
-              <a:cs typeface="Helvetica Neue LT Std 67 Medium Condensed" charset="0"/>
-            </a:endParaRPr>
-          </a:p>
-        </p:txBody>
-      </p:sp>
-      <p:sp>
-        <p:nvSpPr>
-          <p:cNvPr id="234" name="Abgerundetes Rechteck 233"/>
+              <a:rPr lang="de-DE" dirty="0" smtClean="0">
+                <a:latin typeface="Helvetica Neue LT Std 67 Medium Condensed" charset="0"/>
+                <a:ea typeface="Helvetica Neue LT Std 67 Medium Condensed" charset="0"/>
+                <a:cs typeface="Helvetica Neue LT Std 67 Medium Condensed" charset="0"/>
+              </a:rPr>
+              <a:t>⇪</a:t>
+            </a:r>
+            <a:endParaRPr lang="de-DE" sz="700" dirty="0">
+              <a:latin typeface="Helvetica Neue LT Std 67 Medium Condensed" charset="0"/>
+              <a:ea typeface="Helvetica Neue LT Std 67 Medium Condensed" charset="0"/>
+              <a:cs typeface="Helvetica Neue LT Std 67 Medium Condensed" charset="0"/>
+            </a:endParaRPr>
+          </a:p>
+        </p:txBody>
+      </p:sp>
+      <p:sp>
+        <p:nvSpPr>
+          <p:cNvPr id="236" name="Abgerundetes Rechteck 235"/>
           <p:cNvSpPr/>
           <p:nvPr/>
         </p:nvSpPr>
         <p:spPr>
           <a:xfrm>
-            <a:off x="268320" y="3772794"/>
-            <a:ext cx="940728" cy="483856"/>
+            <a:off x="900827" y="2140413"/>
+            <a:ext cx="495160" cy="349570"/>
           </a:xfrm>
           <a:prstGeom prst="roundRect">
             <a:avLst>
@@ -15028,54 +15130,51 @@
       </p:sp>
       <p:sp>
         <p:nvSpPr>
-          <p:cNvPr id="235" name="Textfeld 234"/>
+          <p:cNvPr id="237" name="Textfeld 236"/>
           <p:cNvSpPr txBox="1"/>
           <p:nvPr/>
         </p:nvSpPr>
         <p:spPr>
           <a:xfrm>
-            <a:off x="254068" y="3981582"/>
-            <a:ext cx="709352" cy="369332"/>
+            <a:off x="862802" y="2321699"/>
+            <a:ext cx="282450" cy="215444"/>
           </a:xfrm>
           <a:prstGeom prst="rect">
             <a:avLst/>
           </a:prstGeom>
           <a:noFill/>
-          <a:ln>
-            <a:noFill/>
-          </a:ln>
-        </p:spPr>
-        <p:txBody>
-          <a:bodyPr wrap="square" rtlCol="0">
+        </p:spPr>
+        <p:txBody>
+          <a:bodyPr wrap="none" rtlCol="0">
             <a:spAutoFit/>
           </a:bodyPr>
           <a:lstStyle/>
           <a:p>
             <a:r>
-              <a:rPr lang="de-DE" dirty="0" smtClean="0">
-                <a:latin typeface="Helvetica Neue LT Std 67 Medium Condensed" charset="0"/>
-                <a:ea typeface="Helvetica Neue LT Std 67 Medium Condensed" charset="0"/>
-                <a:cs typeface="Helvetica Neue LT Std 67 Medium Condensed" charset="0"/>
-              </a:rPr>
-              <a:t>⇪</a:t>
-            </a:r>
-            <a:endParaRPr lang="de-DE" sz="700" dirty="0">
-              <a:latin typeface="Helvetica Neue LT Std 67 Medium Condensed" charset="0"/>
-              <a:ea typeface="Helvetica Neue LT Std 67 Medium Condensed" charset="0"/>
-              <a:cs typeface="Helvetica Neue LT Std 67 Medium Condensed" charset="0"/>
-            </a:endParaRPr>
-          </a:p>
-        </p:txBody>
-      </p:sp>
-      <p:sp>
-        <p:nvSpPr>
-          <p:cNvPr id="236" name="Abgerundetes Rechteck 235"/>
+              <a:rPr lang="de-DE" sz="800" dirty="0" smtClean="0">
+                <a:latin typeface="Helvetica Neue LT Std 67 Medium Condensed" charset="0"/>
+                <a:ea typeface="Helvetica Neue LT Std 67 Medium Condensed" charset="0"/>
+                <a:cs typeface="Helvetica Neue LT Std 67 Medium Condensed" charset="0"/>
+              </a:rPr>
+              <a:t>F1</a:t>
+            </a:r>
+            <a:endParaRPr lang="de-DE" sz="800" dirty="0">
+              <a:latin typeface="Helvetica Neue LT Std 67 Medium Condensed" charset="0"/>
+              <a:ea typeface="Helvetica Neue LT Std 67 Medium Condensed" charset="0"/>
+              <a:cs typeface="Helvetica Neue LT Std 67 Medium Condensed" charset="0"/>
+            </a:endParaRPr>
+          </a:p>
+        </p:txBody>
+      </p:sp>
+      <p:sp>
+        <p:nvSpPr>
+          <p:cNvPr id="238" name="Abgerundetes Rechteck 237"/>
           <p:cNvSpPr/>
           <p:nvPr/>
         </p:nvSpPr>
         <p:spPr>
           <a:xfrm>
-            <a:off x="900827" y="2140413"/>
+            <a:off x="1522612" y="2140413"/>
             <a:ext cx="495160" cy="349570"/>
           </a:xfrm>
           <a:prstGeom prst="roundRect">
@@ -15127,13 +15226,13 @@
       </p:sp>
       <p:sp>
         <p:nvSpPr>
-          <p:cNvPr id="237" name="Textfeld 236"/>
+          <p:cNvPr id="239" name="Textfeld 238"/>
           <p:cNvSpPr txBox="1"/>
           <p:nvPr/>
         </p:nvSpPr>
         <p:spPr>
           <a:xfrm>
-            <a:off x="862802" y="2321699"/>
+            <a:off x="1484587" y="2321072"/>
             <a:ext cx="282450" cy="215444"/>
           </a:xfrm>
           <a:prstGeom prst="rect">
@@ -15153,7 +15252,7 @@
                 <a:ea typeface="Helvetica Neue LT Std 67 Medium Condensed" charset="0"/>
                 <a:cs typeface="Helvetica Neue LT Std 67 Medium Condensed" charset="0"/>
               </a:rPr>
-              <a:t>F1</a:t>
+              <a:t>F2</a:t>
             </a:r>
             <a:endParaRPr lang="de-DE" sz="800" dirty="0">
               <a:latin typeface="Helvetica Neue LT Std 67 Medium Condensed" charset="0"/>
@@ -15165,13 +15264,13 @@
       </p:sp>
       <p:sp>
         <p:nvSpPr>
-          <p:cNvPr id="238" name="Abgerundetes Rechteck 237"/>
+          <p:cNvPr id="240" name="Abgerundetes Rechteck 239"/>
           <p:cNvSpPr/>
           <p:nvPr/>
         </p:nvSpPr>
         <p:spPr>
           <a:xfrm>
-            <a:off x="1522612" y="2140413"/>
+            <a:off x="2142616" y="2140413"/>
             <a:ext cx="495160" cy="349570"/>
           </a:xfrm>
           <a:prstGeom prst="roundRect">
@@ -15223,13 +15322,13 @@
       </p:sp>
       <p:sp>
         <p:nvSpPr>
-          <p:cNvPr id="239" name="Textfeld 238"/>
+          <p:cNvPr id="241" name="Textfeld 240"/>
           <p:cNvSpPr txBox="1"/>
           <p:nvPr/>
         </p:nvSpPr>
         <p:spPr>
           <a:xfrm>
-            <a:off x="1484587" y="2321072"/>
+            <a:off x="2104591" y="2326716"/>
             <a:ext cx="282450" cy="215444"/>
           </a:xfrm>
           <a:prstGeom prst="rect">
@@ -15249,7 +15348,7 @@
                 <a:ea typeface="Helvetica Neue LT Std 67 Medium Condensed" charset="0"/>
                 <a:cs typeface="Helvetica Neue LT Std 67 Medium Condensed" charset="0"/>
               </a:rPr>
-              <a:t>F2</a:t>
+              <a:t>F3</a:t>
             </a:r>
             <a:endParaRPr lang="de-DE" sz="800" dirty="0">
               <a:latin typeface="Helvetica Neue LT Std 67 Medium Condensed" charset="0"/>
@@ -15261,13 +15360,13 @@
       </p:sp>
       <p:sp>
         <p:nvSpPr>
-          <p:cNvPr id="240" name="Abgerundetes Rechteck 239"/>
+          <p:cNvPr id="242" name="Abgerundetes Rechteck 241"/>
           <p:cNvSpPr/>
           <p:nvPr/>
         </p:nvSpPr>
         <p:spPr>
           <a:xfrm>
-            <a:off x="2142616" y="2140413"/>
+            <a:off x="2760575" y="2140413"/>
             <a:ext cx="495160" cy="349570"/>
           </a:xfrm>
           <a:prstGeom prst="roundRect">
@@ -15319,13 +15418,13 @@
       </p:sp>
       <p:sp>
         <p:nvSpPr>
-          <p:cNvPr id="241" name="Textfeld 240"/>
+          <p:cNvPr id="243" name="Textfeld 242"/>
           <p:cNvSpPr txBox="1"/>
           <p:nvPr/>
         </p:nvSpPr>
         <p:spPr>
           <a:xfrm>
-            <a:off x="2104591" y="2326716"/>
+            <a:off x="2715876" y="2324714"/>
             <a:ext cx="282450" cy="215444"/>
           </a:xfrm>
           <a:prstGeom prst="rect">
@@ -15345,7 +15444,7 @@
                 <a:ea typeface="Helvetica Neue LT Std 67 Medium Condensed" charset="0"/>
                 <a:cs typeface="Helvetica Neue LT Std 67 Medium Condensed" charset="0"/>
               </a:rPr>
-              <a:t>F3</a:t>
+              <a:t>F4</a:t>
             </a:r>
             <a:endParaRPr lang="de-DE" sz="800" dirty="0">
               <a:latin typeface="Helvetica Neue LT Std 67 Medium Condensed" charset="0"/>
@@ -15357,13 +15456,13 @@
       </p:sp>
       <p:sp>
         <p:nvSpPr>
-          <p:cNvPr id="242" name="Abgerundetes Rechteck 241"/>
+          <p:cNvPr id="244" name="Abgerundetes Rechteck 243"/>
           <p:cNvSpPr/>
           <p:nvPr/>
         </p:nvSpPr>
         <p:spPr>
           <a:xfrm>
-            <a:off x="2760575" y="2140413"/>
+            <a:off x="3382265" y="2140413"/>
             <a:ext cx="495160" cy="349570"/>
           </a:xfrm>
           <a:prstGeom prst="roundRect">
@@ -15415,13 +15514,13 @@
       </p:sp>
       <p:sp>
         <p:nvSpPr>
-          <p:cNvPr id="243" name="Textfeld 242"/>
+          <p:cNvPr id="245" name="Textfeld 244"/>
           <p:cNvSpPr txBox="1"/>
           <p:nvPr/>
         </p:nvSpPr>
         <p:spPr>
           <a:xfrm>
-            <a:off x="2715876" y="2324714"/>
+            <a:off x="3350914" y="2323366"/>
             <a:ext cx="282450" cy="215444"/>
           </a:xfrm>
           <a:prstGeom prst="rect">
@@ -15441,7 +15540,7 @@
                 <a:ea typeface="Helvetica Neue LT Std 67 Medium Condensed" charset="0"/>
                 <a:cs typeface="Helvetica Neue LT Std 67 Medium Condensed" charset="0"/>
               </a:rPr>
-              <a:t>F4</a:t>
+              <a:t>F5</a:t>
             </a:r>
             <a:endParaRPr lang="de-DE" sz="800" dirty="0">
               <a:latin typeface="Helvetica Neue LT Std 67 Medium Condensed" charset="0"/>
@@ -15453,13 +15552,13 @@
       </p:sp>
       <p:sp>
         <p:nvSpPr>
-          <p:cNvPr id="244" name="Abgerundetes Rechteck 243"/>
+          <p:cNvPr id="246" name="Abgerundetes Rechteck 245"/>
           <p:cNvSpPr/>
           <p:nvPr/>
         </p:nvSpPr>
         <p:spPr>
           <a:xfrm>
-            <a:off x="3382265" y="2140413"/>
+            <a:off x="3994850" y="2140413"/>
             <a:ext cx="495160" cy="349570"/>
           </a:xfrm>
           <a:prstGeom prst="roundRect">
@@ -15511,13 +15610,13 @@
       </p:sp>
       <p:sp>
         <p:nvSpPr>
-          <p:cNvPr id="245" name="Textfeld 244"/>
+          <p:cNvPr id="247" name="Textfeld 246"/>
           <p:cNvSpPr txBox="1"/>
           <p:nvPr/>
         </p:nvSpPr>
         <p:spPr>
           <a:xfrm>
-            <a:off x="3350914" y="2323366"/>
+            <a:off x="3956825" y="2323144"/>
             <a:ext cx="282450" cy="215444"/>
           </a:xfrm>
           <a:prstGeom prst="rect">
@@ -15537,7 +15636,7 @@
                 <a:ea typeface="Helvetica Neue LT Std 67 Medium Condensed" charset="0"/>
                 <a:cs typeface="Helvetica Neue LT Std 67 Medium Condensed" charset="0"/>
               </a:rPr>
-              <a:t>F5</a:t>
+              <a:t>F6</a:t>
             </a:r>
             <a:endParaRPr lang="de-DE" sz="800" dirty="0">
               <a:latin typeface="Helvetica Neue LT Std 67 Medium Condensed" charset="0"/>
@@ -15549,13 +15648,13 @@
       </p:sp>
       <p:sp>
         <p:nvSpPr>
-          <p:cNvPr id="246" name="Abgerundetes Rechteck 245"/>
+          <p:cNvPr id="248" name="Abgerundetes Rechteck 247"/>
           <p:cNvSpPr/>
           <p:nvPr/>
         </p:nvSpPr>
         <p:spPr>
           <a:xfrm>
-            <a:off x="3994850" y="2140413"/>
+            <a:off x="7111064" y="2140413"/>
             <a:ext cx="495160" cy="349570"/>
           </a:xfrm>
           <a:prstGeom prst="roundRect">
@@ -15607,14 +15706,14 @@
       </p:sp>
       <p:sp>
         <p:nvSpPr>
-          <p:cNvPr id="247" name="Textfeld 246"/>
+          <p:cNvPr id="249" name="Textfeld 248"/>
           <p:cNvSpPr txBox="1"/>
           <p:nvPr/>
         </p:nvSpPr>
         <p:spPr>
           <a:xfrm>
-            <a:off x="3956825" y="2323144"/>
-            <a:ext cx="282450" cy="215444"/>
+            <a:off x="7073039" y="2323144"/>
+            <a:ext cx="332142" cy="215444"/>
           </a:xfrm>
           <a:prstGeom prst="rect">
             <a:avLst/>
@@ -15633,7 +15732,7 @@
                 <a:ea typeface="Helvetica Neue LT Std 67 Medium Condensed" charset="0"/>
                 <a:cs typeface="Helvetica Neue LT Std 67 Medium Condensed" charset="0"/>
               </a:rPr>
-              <a:t>F6</a:t>
+              <a:t>F11</a:t>
             </a:r>
             <a:endParaRPr lang="de-DE" sz="800" dirty="0">
               <a:latin typeface="Helvetica Neue LT Std 67 Medium Condensed" charset="0"/>
@@ -15645,13 +15744,13 @@
       </p:sp>
       <p:sp>
         <p:nvSpPr>
-          <p:cNvPr id="248" name="Abgerundetes Rechteck 247"/>
+          <p:cNvPr id="250" name="Abgerundetes Rechteck 249"/>
           <p:cNvSpPr/>
           <p:nvPr/>
         </p:nvSpPr>
         <p:spPr>
           <a:xfrm>
-            <a:off x="7111064" y="2140413"/>
+            <a:off x="7737683" y="2140413"/>
             <a:ext cx="495160" cy="349570"/>
           </a:xfrm>
           <a:prstGeom prst="roundRect">
@@ -15703,13 +15802,13 @@
       </p:sp>
       <p:sp>
         <p:nvSpPr>
-          <p:cNvPr id="249" name="Textfeld 248"/>
+          <p:cNvPr id="251" name="Textfeld 250"/>
           <p:cNvSpPr txBox="1"/>
           <p:nvPr/>
         </p:nvSpPr>
         <p:spPr>
           <a:xfrm>
-            <a:off x="7073039" y="2323144"/>
+            <a:off x="7699658" y="2322724"/>
             <a:ext cx="332142" cy="215444"/>
           </a:xfrm>
           <a:prstGeom prst="rect">
@@ -15729,7 +15828,7 @@
                 <a:ea typeface="Helvetica Neue LT Std 67 Medium Condensed" charset="0"/>
                 <a:cs typeface="Helvetica Neue LT Std 67 Medium Condensed" charset="0"/>
               </a:rPr>
-              <a:t>F11</a:t>
+              <a:t>F12</a:t>
             </a:r>
             <a:endParaRPr lang="de-DE" sz="800" dirty="0">
               <a:latin typeface="Helvetica Neue LT Std 67 Medium Condensed" charset="0"/>
@@ -15741,13 +15840,13 @@
       </p:sp>
       <p:sp>
         <p:nvSpPr>
-          <p:cNvPr id="250" name="Abgerundetes Rechteck 249"/>
+          <p:cNvPr id="252" name="Abgerundetes Rechteck 251"/>
           <p:cNvSpPr/>
           <p:nvPr/>
         </p:nvSpPr>
         <p:spPr>
           <a:xfrm>
-            <a:off x="7737683" y="2140413"/>
+            <a:off x="8353581" y="2140413"/>
             <a:ext cx="495160" cy="349570"/>
           </a:xfrm>
           <a:prstGeom prst="roundRect">
@@ -15799,14 +15898,14 @@
       </p:sp>
       <p:sp>
         <p:nvSpPr>
-          <p:cNvPr id="251" name="Textfeld 250"/>
+          <p:cNvPr id="253" name="Textfeld 252"/>
           <p:cNvSpPr txBox="1"/>
           <p:nvPr/>
         </p:nvSpPr>
         <p:spPr>
           <a:xfrm>
-            <a:off x="7699658" y="2322724"/>
-            <a:ext cx="332142" cy="215444"/>
+            <a:off x="8295533" y="2314271"/>
+            <a:ext cx="251992" cy="215444"/>
           </a:xfrm>
           <a:prstGeom prst="rect">
             <a:avLst/>
@@ -15820,31 +15919,31 @@
           <a:lstStyle/>
           <a:p>
             <a:r>
-              <a:rPr lang="de-DE" sz="800" dirty="0" smtClean="0">
-                <a:latin typeface="Helvetica Neue LT Std 67 Medium Condensed" charset="0"/>
-                <a:ea typeface="Helvetica Neue LT Std 67 Medium Condensed" charset="0"/>
-                <a:cs typeface="Helvetica Neue LT Std 67 Medium Condensed" charset="0"/>
-              </a:rPr>
-              <a:t>F12</a:t>
-            </a:r>
-            <a:endParaRPr lang="de-DE" sz="800" dirty="0">
-              <a:latin typeface="Helvetica Neue LT Std 67 Medium Condensed" charset="0"/>
-              <a:ea typeface="Helvetica Neue LT Std 67 Medium Condensed" charset="0"/>
-              <a:cs typeface="Helvetica Neue LT Std 67 Medium Condensed" charset="0"/>
-            </a:endParaRPr>
-          </a:p>
-        </p:txBody>
-      </p:sp>
-      <p:sp>
-        <p:nvSpPr>
-          <p:cNvPr id="252" name="Abgerundetes Rechteck 251"/>
+              <a:rPr lang="de-DE" sz="800" b="1" dirty="0" smtClean="0">
+                <a:latin typeface="Helvetica Neue LT Std 67 Medium Condensed" charset="0"/>
+                <a:ea typeface="Helvetica Neue LT Std 67 Medium Condensed" charset="0"/>
+                <a:cs typeface="Helvetica Neue LT Std 67 Medium Condensed" charset="0"/>
+              </a:rPr>
+              <a:t>⌽</a:t>
+            </a:r>
+            <a:endParaRPr lang="de-DE" sz="800" b="1" dirty="0">
+              <a:latin typeface="Helvetica Neue LT Std 67 Medium Condensed" charset="0"/>
+              <a:ea typeface="Helvetica Neue LT Std 67 Medium Condensed" charset="0"/>
+              <a:cs typeface="Helvetica Neue LT Std 67 Medium Condensed" charset="0"/>
+            </a:endParaRPr>
+          </a:p>
+        </p:txBody>
+      </p:sp>
+      <p:sp>
+        <p:nvSpPr>
+          <p:cNvPr id="254" name="Abgerundetes Rechteck 253"/>
           <p:cNvSpPr/>
           <p:nvPr/>
         </p:nvSpPr>
         <p:spPr>
           <a:xfrm>
-            <a:off x="8353581" y="2140413"/>
-            <a:ext cx="495160" cy="349570"/>
+            <a:off x="6566843" y="3174834"/>
+            <a:ext cx="495160" cy="483856"/>
           </a:xfrm>
           <a:prstGeom prst="roundRect">
             <a:avLst>
@@ -15852,11 +15951,14 @@
             </a:avLst>
           </a:prstGeom>
           <a:solidFill>
-            <a:schemeClr val="bg1"/>
+            <a:schemeClr val="accent6">
+              <a:lumMod val="20000"/>
+              <a:lumOff val="80000"/>
+            </a:schemeClr>
           </a:solidFill>
           <a:ln>
             <a:solidFill>
-              <a:schemeClr val="bg1">
+              <a:schemeClr val="accent6">
                 <a:lumMod val="50000"/>
               </a:schemeClr>
             </a:solidFill>
@@ -15895,105 +15997,6 @@
       </p:sp>
       <p:sp>
         <p:nvSpPr>
-          <p:cNvPr id="253" name="Textfeld 252"/>
-          <p:cNvSpPr txBox="1"/>
-          <p:nvPr/>
-        </p:nvSpPr>
-        <p:spPr>
-          <a:xfrm>
-            <a:off x="8295533" y="2314271"/>
-            <a:ext cx="251992" cy="215444"/>
-          </a:xfrm>
-          <a:prstGeom prst="rect">
-            <a:avLst/>
-          </a:prstGeom>
-          <a:noFill/>
-        </p:spPr>
-        <p:txBody>
-          <a:bodyPr wrap="none" rtlCol="0">
-            <a:spAutoFit/>
-          </a:bodyPr>
-          <a:lstStyle/>
-          <a:p>
-            <a:r>
-              <a:rPr lang="de-DE" sz="800" b="1" dirty="0" smtClean="0">
-                <a:latin typeface="Helvetica Neue LT Std 67 Medium Condensed" charset="0"/>
-                <a:ea typeface="Helvetica Neue LT Std 67 Medium Condensed" charset="0"/>
-                <a:cs typeface="Helvetica Neue LT Std 67 Medium Condensed" charset="0"/>
-              </a:rPr>
-              <a:t>⌽</a:t>
-            </a:r>
-            <a:endParaRPr lang="de-DE" sz="800" b="1" dirty="0">
-              <a:latin typeface="Helvetica Neue LT Std 67 Medium Condensed" charset="0"/>
-              <a:ea typeface="Helvetica Neue LT Std 67 Medium Condensed" charset="0"/>
-              <a:cs typeface="Helvetica Neue LT Std 67 Medium Condensed" charset="0"/>
-            </a:endParaRPr>
-          </a:p>
-        </p:txBody>
-      </p:sp>
-      <p:sp>
-        <p:nvSpPr>
-          <p:cNvPr id="254" name="Abgerundetes Rechteck 253"/>
-          <p:cNvSpPr/>
-          <p:nvPr/>
-        </p:nvSpPr>
-        <p:spPr>
-          <a:xfrm>
-            <a:off x="6566843" y="3174834"/>
-            <a:ext cx="495160" cy="483856"/>
-          </a:xfrm>
-          <a:prstGeom prst="roundRect">
-            <a:avLst>
-              <a:gd name="adj" fmla="val 8710"/>
-            </a:avLst>
-          </a:prstGeom>
-          <a:solidFill>
-            <a:schemeClr val="accent6">
-              <a:lumMod val="20000"/>
-              <a:lumOff val="80000"/>
-            </a:schemeClr>
-          </a:solidFill>
-          <a:ln>
-            <a:solidFill>
-              <a:schemeClr val="accent6">
-                <a:lumMod val="50000"/>
-              </a:schemeClr>
-            </a:solidFill>
-          </a:ln>
-        </p:spPr>
-        <p:style>
-          <a:lnRef idx="2">
-            <a:schemeClr val="accent1">
-              <a:shade val="50000"/>
-            </a:schemeClr>
-          </a:lnRef>
-          <a:fillRef idx="1">
-            <a:schemeClr val="accent1"/>
-          </a:fillRef>
-          <a:effectRef idx="0">
-            <a:schemeClr val="accent1"/>
-          </a:effectRef>
-          <a:fontRef idx="minor">
-            <a:schemeClr val="lt1"/>
-          </a:fontRef>
-        </p:style>
-        <p:txBody>
-          <a:bodyPr rtlCol="0" anchor="b"/>
-          <a:lstStyle/>
-          <a:p>
-            <a:endParaRPr lang="de-DE" sz="1000" dirty="0">
-              <a:solidFill>
-                <a:schemeClr val="tx1"/>
-              </a:solidFill>
-              <a:latin typeface="Helvetica Neue LT Std 67 Medium Condensed" charset="0"/>
-              <a:ea typeface="Helvetica Neue LT Std 67 Medium Condensed" charset="0"/>
-              <a:cs typeface="Helvetica Neue LT Std 67 Medium Condensed" charset="0"/>
-            </a:endParaRPr>
-          </a:p>
-        </p:txBody>
-      </p:sp>
-      <p:sp>
-        <p:nvSpPr>
           <p:cNvPr id="195" name="Textfeld 194"/>
           <p:cNvSpPr txBox="1"/>
           <p:nvPr/>
@@ -16041,7 +16044,7 @@
         </p:nvSpPr>
         <p:spPr>
           <a:xfrm>
-            <a:off x="6665998" y="3436679"/>
+            <a:off x="1389833" y="3782484"/>
             <a:ext cx="447558" cy="220573"/>
           </a:xfrm>
           <a:prstGeom prst="rect">
@@ -18143,19 +18146,6 @@
               </a:rPr>
               <a:t>Add Stretch</a:t>
             </a:r>
-            <a:r>
-              <a:rPr lang="de-DE" sz="500" dirty="0" smtClean="0">
-                <a:solidFill>
-                  <a:schemeClr val="accent2">
-                    <a:lumMod val="75000"/>
-                  </a:schemeClr>
-                </a:solidFill>
-                <a:latin typeface="Helvetica Neue LT Std 67 Medium Condensed" charset="0"/>
-                <a:ea typeface="Helvetica Neue LT Std 67 Medium Condensed" charset="0"/>
-                <a:cs typeface="Helvetica Neue LT Std 67 Medium Condensed" charset="0"/>
-              </a:rPr>
-              <a:t/>
-            </a:r>
             <a:br>
               <a:rPr lang="de-DE" sz="500" dirty="0" smtClean="0">
                 <a:solidFill>
@@ -18182,6 +18172,109 @@
               <a:t> Marker</a:t>
             </a:r>
             <a:endParaRPr lang="de-DE" sz="500" dirty="0"/>
+          </a:p>
+        </p:txBody>
+      </p:sp>
+      <p:sp>
+        <p:nvSpPr>
+          <p:cNvPr id="289" name="Rechteck 288"/>
+          <p:cNvSpPr/>
+          <p:nvPr/>
+        </p:nvSpPr>
+        <p:spPr>
+          <a:xfrm>
+            <a:off x="6653555" y="3432354"/>
+            <a:ext cx="457176" cy="223779"/>
+          </a:xfrm>
+          <a:prstGeom prst="rect">
+            <a:avLst/>
+          </a:prstGeom>
+        </p:spPr>
+        <p:txBody>
+          <a:bodyPr wrap="none">
+            <a:spAutoFit/>
+          </a:bodyPr>
+          <a:lstStyle/>
+          <a:p>
+            <a:pPr algn="r">
+              <a:lnSpc>
+                <a:spcPts val="500"/>
+              </a:lnSpc>
+            </a:pPr>
+            <a:r>
+              <a:rPr lang="de-DE" sz="500" dirty="0">
+                <a:solidFill>
+                  <a:schemeClr val="accent6">
+                    <a:lumMod val="75000"/>
+                  </a:schemeClr>
+                </a:solidFill>
+                <a:latin typeface="Helvetica Neue LT Std 67 Medium Condensed" charset="0"/>
+                <a:ea typeface="Helvetica Neue LT Std 67 Medium Condensed" charset="0"/>
+                <a:cs typeface="Helvetica Neue LT Std 67 Medium Condensed" charset="0"/>
+              </a:rPr>
+              <a:t>⌥ </a:t>
+            </a:r>
+            <a:r>
+              <a:rPr lang="de-DE" sz="500" dirty="0" smtClean="0">
+                <a:solidFill>
+                  <a:schemeClr val="accent6">
+                    <a:lumMod val="75000"/>
+                  </a:schemeClr>
+                </a:solidFill>
+                <a:latin typeface="Helvetica Neue LT Std 67 Medium Condensed" charset="0"/>
+                <a:ea typeface="Helvetica Neue LT Std 67 Medium Condensed" charset="0"/>
+                <a:cs typeface="Helvetica Neue LT Std 67 Medium Condensed" charset="0"/>
+              </a:rPr>
+              <a:t>Preview</a:t>
+            </a:r>
+            <a:r>
+              <a:rPr lang="de-DE" sz="500" dirty="0" smtClean="0">
+                <a:solidFill>
+                  <a:schemeClr val="accent6">
+                    <a:lumMod val="75000"/>
+                  </a:schemeClr>
+                </a:solidFill>
+                <a:latin typeface="Helvetica Neue LT Std 67 Medium Condensed" charset="0"/>
+                <a:ea typeface="Helvetica Neue LT Std 67 Medium Condensed" charset="0"/>
+                <a:cs typeface="Helvetica Neue LT Std 67 Medium Condensed" charset="0"/>
+              </a:rPr>
+              <a:t/>
+            </a:r>
+            <a:br>
+              <a:rPr lang="de-DE" sz="500" dirty="0" smtClean="0">
+                <a:solidFill>
+                  <a:schemeClr val="accent6">
+                    <a:lumMod val="75000"/>
+                  </a:schemeClr>
+                </a:solidFill>
+                <a:latin typeface="Helvetica Neue LT Std 67 Medium Condensed" charset="0"/>
+                <a:ea typeface="Helvetica Neue LT Std 67 Medium Condensed" charset="0"/>
+                <a:cs typeface="Helvetica Neue LT Std 67 Medium Condensed" charset="0"/>
+              </a:rPr>
+            </a:br>
+            <a:r>
+              <a:rPr lang="de-DE" sz="500" dirty="0" smtClean="0">
+                <a:solidFill>
+                  <a:schemeClr val="accent6">
+                    <a:lumMod val="75000"/>
+                  </a:schemeClr>
+                </a:solidFill>
+                <a:latin typeface="Helvetica Neue LT Std 67 Medium Condensed" charset="0"/>
+                <a:ea typeface="Helvetica Neue LT Std 67 Medium Condensed" charset="0"/>
+                <a:cs typeface="Helvetica Neue LT Std 67 Medium Condensed" charset="0"/>
+              </a:rPr>
+              <a:t>Relative</a:t>
+            </a:r>
+            <a:endParaRPr lang="de-DE" sz="500" dirty="0">
+              <a:solidFill>
+                <a:schemeClr val="accent6">
+                  <a:lumMod val="75000"/>
+                </a:schemeClr>
+              </a:solidFill>
+              <a:latin typeface="Helvetica Neue LT Std 67 Medium Condensed" charset="0"/>
+              <a:ea typeface="Helvetica Neue LT Std 67 Medium Condensed" charset="0"/>
+              <a:cs typeface="Helvetica Neue LT Std 67 Medium Condensed" charset="0"/>
+            </a:endParaRPr>
           </a:p>
         </p:txBody>
       </p:sp>

--- a/Documentation/Keymap.pptx
+++ b/Documentation/Keymap.pptx
@@ -197,7 +197,7 @@
           <a:p>
             <a:fld id="{D04F8CED-0623-C742-B972-F53D35E16E19}" type="datetimeFigureOut">
               <a:rPr lang="de-DE" smtClean="0"/>
-              <a:t>01.03.17</a:t>
+              <a:t>06.03.17</a:t>
             </a:fld>
             <a:endParaRPr lang="de-DE"/>
           </a:p>
@@ -680,7 +680,7 @@
           <a:p>
             <a:fld id="{A97692CC-6688-1145-811E-FE1ABB97A7A4}" type="datetimeFigureOut">
               <a:rPr lang="de-DE" smtClean="0"/>
-              <a:t>01.03.17</a:t>
+              <a:t>06.03.17</a:t>
             </a:fld>
             <a:endParaRPr lang="de-DE"/>
           </a:p>
@@ -845,7 +845,7 @@
           <a:p>
             <a:fld id="{A97692CC-6688-1145-811E-FE1ABB97A7A4}" type="datetimeFigureOut">
               <a:rPr lang="de-DE" smtClean="0"/>
-              <a:t>01.03.17</a:t>
+              <a:t>06.03.17</a:t>
             </a:fld>
             <a:endParaRPr lang="de-DE"/>
           </a:p>
@@ -1020,7 +1020,7 @@
           <a:p>
             <a:fld id="{A97692CC-6688-1145-811E-FE1ABB97A7A4}" type="datetimeFigureOut">
               <a:rPr lang="de-DE" smtClean="0"/>
-              <a:t>01.03.17</a:t>
+              <a:t>06.03.17</a:t>
             </a:fld>
             <a:endParaRPr lang="de-DE"/>
           </a:p>
@@ -1185,7 +1185,7 @@
           <a:p>
             <a:fld id="{A97692CC-6688-1145-811E-FE1ABB97A7A4}" type="datetimeFigureOut">
               <a:rPr lang="de-DE" smtClean="0"/>
-              <a:t>01.03.17</a:t>
+              <a:t>06.03.17</a:t>
             </a:fld>
             <a:endParaRPr lang="de-DE"/>
           </a:p>
@@ -1424,7 +1424,7 @@
           <a:p>
             <a:fld id="{A97692CC-6688-1145-811E-FE1ABB97A7A4}" type="datetimeFigureOut">
               <a:rPr lang="de-DE" smtClean="0"/>
-              <a:t>01.03.17</a:t>
+              <a:t>06.03.17</a:t>
             </a:fld>
             <a:endParaRPr lang="de-DE"/>
           </a:p>
@@ -1651,7 +1651,7 @@
           <a:p>
             <a:fld id="{A97692CC-6688-1145-811E-FE1ABB97A7A4}" type="datetimeFigureOut">
               <a:rPr lang="de-DE" smtClean="0"/>
-              <a:t>01.03.17</a:t>
+              <a:t>06.03.17</a:t>
             </a:fld>
             <a:endParaRPr lang="de-DE"/>
           </a:p>
@@ -2013,7 +2013,7 @@
           <a:p>
             <a:fld id="{A97692CC-6688-1145-811E-FE1ABB97A7A4}" type="datetimeFigureOut">
               <a:rPr lang="de-DE" smtClean="0"/>
-              <a:t>01.03.17</a:t>
+              <a:t>06.03.17</a:t>
             </a:fld>
             <a:endParaRPr lang="de-DE"/>
           </a:p>
@@ -2126,7 +2126,7 @@
           <a:p>
             <a:fld id="{A97692CC-6688-1145-811E-FE1ABB97A7A4}" type="datetimeFigureOut">
               <a:rPr lang="de-DE" smtClean="0"/>
-              <a:t>01.03.17</a:t>
+              <a:t>06.03.17</a:t>
             </a:fld>
             <a:endParaRPr lang="de-DE"/>
           </a:p>
@@ -2216,7 +2216,7 @@
           <a:p>
             <a:fld id="{A97692CC-6688-1145-811E-FE1ABB97A7A4}" type="datetimeFigureOut">
               <a:rPr lang="de-DE" smtClean="0"/>
-              <a:t>01.03.17</a:t>
+              <a:t>06.03.17</a:t>
             </a:fld>
             <a:endParaRPr lang="de-DE"/>
           </a:p>
@@ -2488,7 +2488,7 @@
           <a:p>
             <a:fld id="{A97692CC-6688-1145-811E-FE1ABB97A7A4}" type="datetimeFigureOut">
               <a:rPr lang="de-DE" smtClean="0"/>
-              <a:t>01.03.17</a:t>
+              <a:t>06.03.17</a:t>
             </a:fld>
             <a:endParaRPr lang="de-DE"/>
           </a:p>
@@ -2740,7 +2740,7 @@
           <a:p>
             <a:fld id="{A97692CC-6688-1145-811E-FE1ABB97A7A4}" type="datetimeFigureOut">
               <a:rPr lang="de-DE" smtClean="0"/>
-              <a:t>01.03.17</a:t>
+              <a:t>06.03.17</a:t>
             </a:fld>
             <a:endParaRPr lang="de-DE"/>
           </a:p>
@@ -2948,7 +2948,7 @@
           <a:p>
             <a:fld id="{A97692CC-6688-1145-811E-FE1ABB97A7A4}" type="datetimeFigureOut">
               <a:rPr lang="de-DE" smtClean="0"/>
-              <a:t>01.03.17</a:t>
+              <a:t>06.03.17</a:t>
             </a:fld>
             <a:endParaRPr lang="de-DE"/>
           </a:p>
@@ -3355,13 +3355,13 @@
       </p:grpSpPr>
       <p:sp>
         <p:nvSpPr>
-          <p:cNvPr id="288" name="Abgerundetes Rechteck 287"/>
+          <p:cNvPr id="296" name="Abgerundetes Rechteck 295"/>
           <p:cNvSpPr/>
           <p:nvPr/>
         </p:nvSpPr>
         <p:spPr>
           <a:xfrm>
-            <a:off x="1297753" y="3765311"/>
+            <a:off x="4327748" y="3771791"/>
             <a:ext cx="495160" cy="483856"/>
           </a:xfrm>
           <a:prstGeom prst="roundRect">
@@ -3416,13 +3416,80 @@
       </p:sp>
       <p:sp>
         <p:nvSpPr>
-          <p:cNvPr id="287" name="Abgerundetes Rechteck 286"/>
+          <p:cNvPr id="297" name="Textfeld 296"/>
+          <p:cNvSpPr txBox="1"/>
+          <p:nvPr/>
+        </p:nvSpPr>
+        <p:spPr>
+          <a:xfrm>
+            <a:off x="4101876" y="3780303"/>
+            <a:ext cx="759239" cy="246221"/>
+          </a:xfrm>
+          <a:prstGeom prst="rect">
+            <a:avLst/>
+          </a:prstGeom>
+          <a:noFill/>
+        </p:spPr>
+        <p:txBody>
+          <a:bodyPr wrap="square" rtlCol="0" anchor="t">
+            <a:spAutoFit/>
+          </a:bodyPr>
+          <a:lstStyle/>
+          <a:p>
+            <a:pPr algn="r"/>
+            <a:r>
+              <a:rPr lang="de-DE" sz="500" dirty="0" err="1" smtClean="0">
+                <a:latin typeface="Helvetica Neue LT Std 67 Medium Condensed" charset="0"/>
+                <a:ea typeface="Helvetica Neue LT Std 67 Medium Condensed" charset="0"/>
+                <a:cs typeface="Helvetica Neue LT Std 67 Medium Condensed" charset="0"/>
+              </a:rPr>
+              <a:t>Toggle</a:t>
+            </a:r>
+            <a:r>
+              <a:rPr lang="de-DE" sz="500" dirty="0" smtClean="0">
+                <a:latin typeface="Helvetica Neue LT Std 67 Medium Condensed" charset="0"/>
+                <a:ea typeface="Helvetica Neue LT Std 67 Medium Condensed" charset="0"/>
+                <a:cs typeface="Helvetica Neue LT Std 67 Medium Condensed" charset="0"/>
+              </a:rPr>
+              <a:t> Track</a:t>
+            </a:r>
+            <a:br>
+              <a:rPr lang="de-DE" sz="500" dirty="0" smtClean="0">
+                <a:latin typeface="Helvetica Neue LT Std 67 Medium Condensed" charset="0"/>
+                <a:ea typeface="Helvetica Neue LT Std 67 Medium Condensed" charset="0"/>
+                <a:cs typeface="Helvetica Neue LT Std 67 Medium Condensed" charset="0"/>
+              </a:rPr>
+            </a:br>
+            <a:r>
+              <a:rPr lang="de-DE" sz="500" dirty="0" smtClean="0">
+                <a:latin typeface="Helvetica Neue LT Std 67 Medium Condensed" charset="0"/>
+                <a:ea typeface="Helvetica Neue LT Std 67 Medium Condensed" charset="0"/>
+                <a:cs typeface="Helvetica Neue LT Std 67 Medium Condensed" charset="0"/>
+              </a:rPr>
+              <a:t>Height</a:t>
+            </a:r>
+            <a:endParaRPr lang="de-DE" sz="500" dirty="0" smtClean="0">
+              <a:solidFill>
+                <a:schemeClr val="accent2">
+                  <a:lumMod val="75000"/>
+                </a:schemeClr>
+              </a:solidFill>
+              <a:latin typeface="Helvetica Neue LT Std 67 Medium Condensed" charset="0"/>
+              <a:ea typeface="Helvetica Neue LT Std 67 Medium Condensed" charset="0"/>
+              <a:cs typeface="Helvetica Neue LT Std 67 Medium Condensed" charset="0"/>
+            </a:endParaRPr>
+          </a:p>
+        </p:txBody>
+      </p:sp>
+      <p:sp>
+        <p:nvSpPr>
+          <p:cNvPr id="288" name="Abgerundetes Rechteck 287"/>
           <p:cNvSpPr/>
           <p:nvPr/>
         </p:nvSpPr>
         <p:spPr>
           <a:xfrm>
-            <a:off x="1767162" y="3171503"/>
+            <a:off x="1297753" y="3765311"/>
             <a:ext cx="495160" cy="483856"/>
           </a:xfrm>
           <a:prstGeom prst="roundRect">
@@ -3431,14 +3498,14 @@
             </a:avLst>
           </a:prstGeom>
           <a:solidFill>
-            <a:schemeClr val="accent4">
+            <a:schemeClr val="accent6">
               <a:lumMod val="20000"/>
               <a:lumOff val="80000"/>
             </a:schemeClr>
           </a:solidFill>
           <a:ln>
             <a:solidFill>
-              <a:schemeClr val="accent4">
+              <a:schemeClr val="accent6">
                 <a:lumMod val="50000"/>
               </a:schemeClr>
             </a:solidFill>
@@ -3477,13 +3544,13 @@
       </p:sp>
       <p:sp>
         <p:nvSpPr>
-          <p:cNvPr id="276" name="Abgerundetes Rechteck 275"/>
+          <p:cNvPr id="287" name="Abgerundetes Rechteck 286"/>
           <p:cNvSpPr/>
           <p:nvPr/>
         </p:nvSpPr>
         <p:spPr>
           <a:xfrm>
-            <a:off x="3116992" y="3772794"/>
+            <a:off x="1767162" y="3171503"/>
             <a:ext cx="495160" cy="483856"/>
           </a:xfrm>
           <a:prstGeom prst="roundRect">
@@ -3492,14 +3559,14 @@
             </a:avLst>
           </a:prstGeom>
           <a:solidFill>
-            <a:schemeClr val="accent6">
+            <a:schemeClr val="accent4">
               <a:lumMod val="20000"/>
               <a:lumOff val="80000"/>
             </a:schemeClr>
           </a:solidFill>
           <a:ln>
             <a:solidFill>
-              <a:schemeClr val="accent6">
+              <a:schemeClr val="accent4">
                 <a:lumMod val="50000"/>
               </a:schemeClr>
             </a:solidFill>
@@ -3538,13 +3605,13 @@
       </p:sp>
       <p:sp>
         <p:nvSpPr>
-          <p:cNvPr id="270" name="Abgerundetes Rechteck 269"/>
+          <p:cNvPr id="276" name="Abgerundetes Rechteck 275"/>
           <p:cNvSpPr/>
           <p:nvPr/>
         </p:nvSpPr>
         <p:spPr>
           <a:xfrm>
-            <a:off x="3416663" y="4346778"/>
+            <a:off x="3116992" y="3772794"/>
             <a:ext cx="495160" cy="483856"/>
           </a:xfrm>
           <a:prstGeom prst="roundRect">
@@ -3553,11 +3620,14 @@
             </a:avLst>
           </a:prstGeom>
           <a:solidFill>
-            <a:srgbClr val="FFD579"/>
+            <a:schemeClr val="accent6">
+              <a:lumMod val="20000"/>
+              <a:lumOff val="80000"/>
+            </a:schemeClr>
           </a:solidFill>
           <a:ln>
             <a:solidFill>
-              <a:schemeClr val="accent4">
+              <a:schemeClr val="accent6">
                 <a:lumMod val="50000"/>
               </a:schemeClr>
             </a:solidFill>
@@ -3596,13 +3666,13 @@
       </p:sp>
       <p:sp>
         <p:nvSpPr>
-          <p:cNvPr id="274" name="Abgerundetes Rechteck 273"/>
+          <p:cNvPr id="270" name="Abgerundetes Rechteck 269"/>
           <p:cNvSpPr/>
           <p:nvPr/>
         </p:nvSpPr>
         <p:spPr>
           <a:xfrm>
-            <a:off x="6415726" y="4344972"/>
+            <a:off x="3416663" y="4346778"/>
             <a:ext cx="495160" cy="483856"/>
           </a:xfrm>
           <a:prstGeom prst="roundRect">
@@ -3654,13 +3724,13 @@
       </p:sp>
       <p:sp>
         <p:nvSpPr>
-          <p:cNvPr id="268" name="Abgerundetes Rechteck 267"/>
+          <p:cNvPr id="274" name="Abgerundetes Rechteck 273"/>
           <p:cNvSpPr/>
           <p:nvPr/>
         </p:nvSpPr>
         <p:spPr>
           <a:xfrm>
-            <a:off x="7910232" y="3762249"/>
+            <a:off x="6415726" y="4344972"/>
             <a:ext cx="495160" cy="483856"/>
           </a:xfrm>
           <a:prstGeom prst="roundRect">
@@ -3669,14 +3739,11 @@
             </a:avLst>
           </a:prstGeom>
           <a:solidFill>
-            <a:schemeClr val="accent6">
-              <a:lumMod val="20000"/>
-              <a:lumOff val="80000"/>
-            </a:schemeClr>
+            <a:srgbClr val="FFD579"/>
           </a:solidFill>
           <a:ln>
             <a:solidFill>
-              <a:schemeClr val="accent6">
+              <a:schemeClr val="accent4">
                 <a:lumMod val="50000"/>
               </a:schemeClr>
             </a:solidFill>
@@ -3715,88 +3782,13 @@
       </p:sp>
       <p:sp>
         <p:nvSpPr>
-          <p:cNvPr id="269" name="Textfeld 268"/>
-          <p:cNvSpPr txBox="1"/>
-          <p:nvPr/>
-        </p:nvSpPr>
-        <p:spPr>
-          <a:xfrm>
-            <a:off x="7690032" y="3780472"/>
-            <a:ext cx="759239" cy="246221"/>
-          </a:xfrm>
-          <a:prstGeom prst="rect">
-            <a:avLst/>
-          </a:prstGeom>
-          <a:noFill/>
-        </p:spPr>
-        <p:txBody>
-          <a:bodyPr wrap="square" rtlCol="0" anchor="t">
-            <a:spAutoFit/>
-          </a:bodyPr>
-          <a:lstStyle/>
-          <a:p>
-            <a:pPr algn="r"/>
-            <a:r>
-              <a:rPr lang="de-DE" sz="500" dirty="0" err="1" smtClean="0">
-                <a:latin typeface="Helvetica Neue LT Std 67 Medium Condensed" charset="0"/>
-                <a:ea typeface="Helvetica Neue LT Std 67 Medium Condensed" charset="0"/>
-                <a:cs typeface="Helvetica Neue LT Std 67 Medium Condensed" charset="0"/>
-              </a:rPr>
-              <a:t>Toggle</a:t>
-            </a:r>
-            <a:r>
-              <a:rPr lang="de-DE" sz="500" dirty="0" smtClean="0">
-                <a:latin typeface="Helvetica Neue LT Std 67 Medium Condensed" charset="0"/>
-                <a:ea typeface="Helvetica Neue LT Std 67 Medium Condensed" charset="0"/>
-                <a:cs typeface="Helvetica Neue LT Std 67 Medium Condensed" charset="0"/>
-              </a:rPr>
-              <a:t> Mouse</a:t>
-            </a:r>
-            <a:br>
-              <a:rPr lang="de-DE" sz="500" dirty="0" smtClean="0">
-                <a:latin typeface="Helvetica Neue LT Std 67 Medium Condensed" charset="0"/>
-                <a:ea typeface="Helvetica Neue LT Std 67 Medium Condensed" charset="0"/>
-                <a:cs typeface="Helvetica Neue LT Std 67 Medium Condensed" charset="0"/>
-              </a:rPr>
-            </a:br>
-            <a:r>
-              <a:rPr lang="de-DE" sz="500" dirty="0" err="1" smtClean="0">
-                <a:latin typeface="Helvetica Neue LT Std 67 Medium Condensed" charset="0"/>
-                <a:ea typeface="Helvetica Neue LT Std 67 Medium Condensed" charset="0"/>
-                <a:cs typeface="Helvetica Neue LT Std 67 Medium Condensed" charset="0"/>
-              </a:rPr>
-              <a:t>Selection</a:t>
-            </a:r>
-            <a:r>
-              <a:rPr lang="de-DE" sz="500" dirty="0" smtClean="0">
-                <a:latin typeface="Helvetica Neue LT Std 67 Medium Condensed" charset="0"/>
-                <a:ea typeface="Helvetica Neue LT Std 67 Medium Condensed" charset="0"/>
-                <a:cs typeface="Helvetica Neue LT Std 67 Medium Condensed" charset="0"/>
-              </a:rPr>
-              <a:t> Mode</a:t>
-            </a:r>
-            <a:endParaRPr lang="de-DE" sz="500" dirty="0" smtClean="0">
-              <a:solidFill>
-                <a:schemeClr val="accent2">
-                  <a:lumMod val="75000"/>
-                </a:schemeClr>
-              </a:solidFill>
-              <a:latin typeface="Helvetica Neue LT Std 67 Medium Condensed" charset="0"/>
-              <a:ea typeface="Helvetica Neue LT Std 67 Medium Condensed" charset="0"/>
-              <a:cs typeface="Helvetica Neue LT Std 67 Medium Condensed" charset="0"/>
-            </a:endParaRPr>
-          </a:p>
-        </p:txBody>
-      </p:sp>
-      <p:sp>
-        <p:nvSpPr>
-          <p:cNvPr id="258" name="Abgerundetes Rechteck 257"/>
+          <p:cNvPr id="268" name="Abgerundetes Rechteck 267"/>
           <p:cNvSpPr/>
           <p:nvPr/>
         </p:nvSpPr>
         <p:spPr>
           <a:xfrm>
-            <a:off x="1007835" y="4346279"/>
+            <a:off x="7910232" y="3762249"/>
             <a:ext cx="495160" cy="483856"/>
           </a:xfrm>
           <a:prstGeom prst="roundRect">
@@ -3805,14 +3797,14 @@
             </a:avLst>
           </a:prstGeom>
           <a:solidFill>
-            <a:schemeClr val="accent4">
+            <a:schemeClr val="accent6">
               <a:lumMod val="20000"/>
               <a:lumOff val="80000"/>
             </a:schemeClr>
           </a:solidFill>
           <a:ln>
             <a:solidFill>
-              <a:schemeClr val="accent4">
+              <a:schemeClr val="accent6">
                 <a:lumMod val="50000"/>
               </a:schemeClr>
             </a:solidFill>
@@ -3851,13 +3843,88 @@
       </p:sp>
       <p:sp>
         <p:nvSpPr>
-          <p:cNvPr id="260" name="Abgerundetes Rechteck 259"/>
+          <p:cNvPr id="269" name="Textfeld 268"/>
+          <p:cNvSpPr txBox="1"/>
+          <p:nvPr/>
+        </p:nvSpPr>
+        <p:spPr>
+          <a:xfrm>
+            <a:off x="7690032" y="3780472"/>
+            <a:ext cx="759239" cy="246221"/>
+          </a:xfrm>
+          <a:prstGeom prst="rect">
+            <a:avLst/>
+          </a:prstGeom>
+          <a:noFill/>
+        </p:spPr>
+        <p:txBody>
+          <a:bodyPr wrap="square" rtlCol="0" anchor="t">
+            <a:spAutoFit/>
+          </a:bodyPr>
+          <a:lstStyle/>
+          <a:p>
+            <a:pPr algn="r"/>
+            <a:r>
+              <a:rPr lang="de-DE" sz="500" dirty="0" err="1" smtClean="0">
+                <a:latin typeface="Helvetica Neue LT Std 67 Medium Condensed" charset="0"/>
+                <a:ea typeface="Helvetica Neue LT Std 67 Medium Condensed" charset="0"/>
+                <a:cs typeface="Helvetica Neue LT Std 67 Medium Condensed" charset="0"/>
+              </a:rPr>
+              <a:t>Toggle</a:t>
+            </a:r>
+            <a:r>
+              <a:rPr lang="de-DE" sz="500" dirty="0" smtClean="0">
+                <a:latin typeface="Helvetica Neue LT Std 67 Medium Condensed" charset="0"/>
+                <a:ea typeface="Helvetica Neue LT Std 67 Medium Condensed" charset="0"/>
+                <a:cs typeface="Helvetica Neue LT Std 67 Medium Condensed" charset="0"/>
+              </a:rPr>
+              <a:t> Mouse</a:t>
+            </a:r>
+            <a:br>
+              <a:rPr lang="de-DE" sz="500" dirty="0" smtClean="0">
+                <a:latin typeface="Helvetica Neue LT Std 67 Medium Condensed" charset="0"/>
+                <a:ea typeface="Helvetica Neue LT Std 67 Medium Condensed" charset="0"/>
+                <a:cs typeface="Helvetica Neue LT Std 67 Medium Condensed" charset="0"/>
+              </a:rPr>
+            </a:br>
+            <a:r>
+              <a:rPr lang="de-DE" sz="500" dirty="0" err="1" smtClean="0">
+                <a:latin typeface="Helvetica Neue LT Std 67 Medium Condensed" charset="0"/>
+                <a:ea typeface="Helvetica Neue LT Std 67 Medium Condensed" charset="0"/>
+                <a:cs typeface="Helvetica Neue LT Std 67 Medium Condensed" charset="0"/>
+              </a:rPr>
+              <a:t>Selection</a:t>
+            </a:r>
+            <a:r>
+              <a:rPr lang="de-DE" sz="500" dirty="0" smtClean="0">
+                <a:latin typeface="Helvetica Neue LT Std 67 Medium Condensed" charset="0"/>
+                <a:ea typeface="Helvetica Neue LT Std 67 Medium Condensed" charset="0"/>
+                <a:cs typeface="Helvetica Neue LT Std 67 Medium Condensed" charset="0"/>
+              </a:rPr>
+              <a:t> Mode</a:t>
+            </a:r>
+            <a:endParaRPr lang="de-DE" sz="500" dirty="0" smtClean="0">
+              <a:solidFill>
+                <a:schemeClr val="accent2">
+                  <a:lumMod val="75000"/>
+                </a:schemeClr>
+              </a:solidFill>
+              <a:latin typeface="Helvetica Neue LT Std 67 Medium Condensed" charset="0"/>
+              <a:ea typeface="Helvetica Neue LT Std 67 Medium Condensed" charset="0"/>
+              <a:cs typeface="Helvetica Neue LT Std 67 Medium Condensed" charset="0"/>
+            </a:endParaRPr>
+          </a:p>
+        </p:txBody>
+      </p:sp>
+      <p:sp>
+        <p:nvSpPr>
+          <p:cNvPr id="258" name="Abgerundetes Rechteck 257"/>
           <p:cNvSpPr/>
           <p:nvPr/>
         </p:nvSpPr>
         <p:spPr>
           <a:xfrm>
-            <a:off x="2197935" y="4346279"/>
+            <a:off x="1007835" y="4346279"/>
             <a:ext cx="495160" cy="483856"/>
           </a:xfrm>
           <a:prstGeom prst="roundRect">
@@ -3912,13 +3979,13 @@
       </p:sp>
       <p:sp>
         <p:nvSpPr>
-          <p:cNvPr id="262" name="Abgerundetes Rechteck 261"/>
+          <p:cNvPr id="260" name="Abgerundetes Rechteck 259"/>
           <p:cNvSpPr/>
           <p:nvPr/>
         </p:nvSpPr>
         <p:spPr>
           <a:xfrm>
-            <a:off x="2807240" y="4346279"/>
+            <a:off x="2197935" y="4346279"/>
             <a:ext cx="495160" cy="483856"/>
           </a:xfrm>
           <a:prstGeom prst="roundRect">
@@ -3973,13 +4040,13 @@
       </p:sp>
       <p:sp>
         <p:nvSpPr>
-          <p:cNvPr id="256" name="Abgerundetes Rechteck 255"/>
+          <p:cNvPr id="262" name="Abgerundetes Rechteck 261"/>
           <p:cNvSpPr/>
           <p:nvPr/>
         </p:nvSpPr>
         <p:spPr>
           <a:xfrm>
-            <a:off x="1602977" y="4346279"/>
+            <a:off x="2807240" y="4346279"/>
             <a:ext cx="495160" cy="483856"/>
           </a:xfrm>
           <a:prstGeom prst="roundRect">
@@ -4034,117 +4101,13 @@
       </p:sp>
       <p:sp>
         <p:nvSpPr>
-          <p:cNvPr id="257" name="Textfeld 256"/>
-          <p:cNvSpPr txBox="1"/>
-          <p:nvPr/>
-        </p:nvSpPr>
-        <p:spPr>
-          <a:xfrm>
-            <a:off x="1556206" y="4339288"/>
-            <a:ext cx="585965" cy="323165"/>
-          </a:xfrm>
-          <a:prstGeom prst="rect">
-            <a:avLst/>
-          </a:prstGeom>
-          <a:noFill/>
-        </p:spPr>
-        <p:txBody>
-          <a:bodyPr wrap="square" rtlCol="0" anchor="t">
-            <a:spAutoFit/>
-          </a:bodyPr>
-          <a:lstStyle/>
-          <a:p>
-            <a:pPr algn="r">
-              <a:lnSpc>
-                <a:spcPts val="600"/>
-              </a:lnSpc>
-            </a:pPr>
-            <a:r>
-              <a:rPr lang="de-DE" sz="500" dirty="0" smtClean="0">
-                <a:latin typeface="Helvetica Neue LT Std 67 Medium Condensed" charset="0"/>
-                <a:ea typeface="Helvetica Neue LT Std 67 Medium Condensed" charset="0"/>
-                <a:cs typeface="Helvetica Neue LT Std 67 Medium Condensed" charset="0"/>
-              </a:rPr>
-              <a:t> </a:t>
-            </a:r>
-            <a:r>
-              <a:rPr lang="de-DE" sz="500" dirty="0" err="1" smtClean="0">
-                <a:latin typeface="Helvetica Neue LT Std 67 Medium Condensed" charset="0"/>
-                <a:ea typeface="Helvetica Neue LT Std 67 Medium Condensed" charset="0"/>
-                <a:cs typeface="Helvetica Neue LT Std 67 Medium Condensed" charset="0"/>
-              </a:rPr>
-              <a:t>Nudge</a:t>
-            </a:r>
-            <a:r>
-              <a:rPr lang="de-DE" sz="500" dirty="0" smtClean="0">
-                <a:latin typeface="Helvetica Neue LT Std 67 Medium Condensed" charset="0"/>
-                <a:ea typeface="Helvetica Neue LT Std 67 Medium Condensed" charset="0"/>
-                <a:cs typeface="Helvetica Neue LT Std 67 Medium Condensed" charset="0"/>
-              </a:rPr>
-              <a:t> Start </a:t>
-            </a:r>
-            <a:r>
-              <a:rPr lang="de-DE" sz="500" dirty="0" err="1" smtClean="0">
-                <a:latin typeface="Helvetica Neue LT Std 67 Medium Condensed" charset="0"/>
-                <a:ea typeface="Helvetica Neue LT Std 67 Medium Condensed" charset="0"/>
-                <a:cs typeface="Helvetica Neue LT Std 67 Medium Condensed" charset="0"/>
-              </a:rPr>
-              <a:t>of</a:t>
-            </a:r>
-            <a:r>
-              <a:rPr lang="de-DE" sz="500" dirty="0" smtClean="0">
-                <a:latin typeface="Helvetica Neue LT Std 67 Medium Condensed" charset="0"/>
-                <a:ea typeface="Helvetica Neue LT Std 67 Medium Condensed" charset="0"/>
-                <a:cs typeface="Helvetica Neue LT Std 67 Medium Condensed" charset="0"/>
-              </a:rPr>
-              <a:t> Time-</a:t>
-            </a:r>
-            <a:r>
-              <a:rPr lang="de-DE" sz="500" dirty="0" err="1" smtClean="0">
-                <a:latin typeface="Helvetica Neue LT Std 67 Medium Condensed" charset="0"/>
-                <a:ea typeface="Helvetica Neue LT Std 67 Medium Condensed" charset="0"/>
-                <a:cs typeface="Helvetica Neue LT Std 67 Medium Condensed" charset="0"/>
-              </a:rPr>
-              <a:t>Selection</a:t>
-            </a:r>
-            <a:r>
-              <a:rPr lang="de-DE" sz="500" dirty="0" smtClean="0">
-                <a:latin typeface="Helvetica Neue LT Std 67 Medium Condensed" charset="0"/>
-                <a:ea typeface="Helvetica Neue LT Std 67 Medium Condensed" charset="0"/>
-                <a:cs typeface="Helvetica Neue LT Std 67 Medium Condensed" charset="0"/>
-              </a:rPr>
-              <a:t> </a:t>
-            </a:r>
-            <a:r>
-              <a:rPr lang="de-DE" sz="500" dirty="0" err="1" smtClean="0">
-                <a:latin typeface="Helvetica Neue LT Std 67 Medium Condensed" charset="0"/>
-                <a:ea typeface="Helvetica Neue LT Std 67 Medium Condensed" charset="0"/>
-                <a:cs typeface="Helvetica Neue LT Std 67 Medium Condensed" charset="0"/>
-              </a:rPr>
-              <a:t>Right</a:t>
-            </a:r>
-            <a:endParaRPr lang="de-DE" sz="500" dirty="0" smtClean="0">
-              <a:solidFill>
-                <a:schemeClr val="accent2">
-                  <a:lumMod val="75000"/>
-                </a:schemeClr>
-              </a:solidFill>
-              <a:latin typeface="Helvetica Neue LT Std 67 Medium Condensed" charset="0"/>
-              <a:ea typeface="Helvetica Neue LT Std 67 Medium Condensed" charset="0"/>
-              <a:cs typeface="Helvetica Neue LT Std 67 Medium Condensed" charset="0"/>
-            </a:endParaRPr>
-          </a:p>
-        </p:txBody>
-      </p:sp>
-      <p:sp>
-        <p:nvSpPr>
-          <p:cNvPr id="39" name="Abgerundetes Rechteck 38"/>
+          <p:cNvPr id="256" name="Abgerundetes Rechteck 255"/>
           <p:cNvSpPr/>
           <p:nvPr/>
         </p:nvSpPr>
         <p:spPr>
           <a:xfrm>
-            <a:off x="5354571" y="3173686"/>
+            <a:off x="1602977" y="4346279"/>
             <a:ext cx="495160" cy="483856"/>
           </a:xfrm>
           <a:prstGeom prst="roundRect">
@@ -4199,13 +4162,117 @@
       </p:sp>
       <p:sp>
         <p:nvSpPr>
-          <p:cNvPr id="5" name="Abgerundetes Rechteck 4"/>
+          <p:cNvPr id="257" name="Textfeld 256"/>
+          <p:cNvSpPr txBox="1"/>
+          <p:nvPr/>
+        </p:nvSpPr>
+        <p:spPr>
+          <a:xfrm>
+            <a:off x="1556206" y="4339288"/>
+            <a:ext cx="585965" cy="323165"/>
+          </a:xfrm>
+          <a:prstGeom prst="rect">
+            <a:avLst/>
+          </a:prstGeom>
+          <a:noFill/>
+        </p:spPr>
+        <p:txBody>
+          <a:bodyPr wrap="square" rtlCol="0" anchor="t">
+            <a:spAutoFit/>
+          </a:bodyPr>
+          <a:lstStyle/>
+          <a:p>
+            <a:pPr algn="r">
+              <a:lnSpc>
+                <a:spcPts val="600"/>
+              </a:lnSpc>
+            </a:pPr>
+            <a:r>
+              <a:rPr lang="de-DE" sz="500" dirty="0" smtClean="0">
+                <a:latin typeface="Helvetica Neue LT Std 67 Medium Condensed" charset="0"/>
+                <a:ea typeface="Helvetica Neue LT Std 67 Medium Condensed" charset="0"/>
+                <a:cs typeface="Helvetica Neue LT Std 67 Medium Condensed" charset="0"/>
+              </a:rPr>
+              <a:t> </a:t>
+            </a:r>
+            <a:r>
+              <a:rPr lang="de-DE" sz="500" dirty="0" err="1" smtClean="0">
+                <a:latin typeface="Helvetica Neue LT Std 67 Medium Condensed" charset="0"/>
+                <a:ea typeface="Helvetica Neue LT Std 67 Medium Condensed" charset="0"/>
+                <a:cs typeface="Helvetica Neue LT Std 67 Medium Condensed" charset="0"/>
+              </a:rPr>
+              <a:t>Nudge</a:t>
+            </a:r>
+            <a:r>
+              <a:rPr lang="de-DE" sz="500" dirty="0" smtClean="0">
+                <a:latin typeface="Helvetica Neue LT Std 67 Medium Condensed" charset="0"/>
+                <a:ea typeface="Helvetica Neue LT Std 67 Medium Condensed" charset="0"/>
+                <a:cs typeface="Helvetica Neue LT Std 67 Medium Condensed" charset="0"/>
+              </a:rPr>
+              <a:t> Start </a:t>
+            </a:r>
+            <a:r>
+              <a:rPr lang="de-DE" sz="500" dirty="0" err="1" smtClean="0">
+                <a:latin typeface="Helvetica Neue LT Std 67 Medium Condensed" charset="0"/>
+                <a:ea typeface="Helvetica Neue LT Std 67 Medium Condensed" charset="0"/>
+                <a:cs typeface="Helvetica Neue LT Std 67 Medium Condensed" charset="0"/>
+              </a:rPr>
+              <a:t>of</a:t>
+            </a:r>
+            <a:r>
+              <a:rPr lang="de-DE" sz="500" dirty="0" smtClean="0">
+                <a:latin typeface="Helvetica Neue LT Std 67 Medium Condensed" charset="0"/>
+                <a:ea typeface="Helvetica Neue LT Std 67 Medium Condensed" charset="0"/>
+                <a:cs typeface="Helvetica Neue LT Std 67 Medium Condensed" charset="0"/>
+              </a:rPr>
+              <a:t> Time-</a:t>
+            </a:r>
+            <a:r>
+              <a:rPr lang="de-DE" sz="500" dirty="0" err="1" smtClean="0">
+                <a:latin typeface="Helvetica Neue LT Std 67 Medium Condensed" charset="0"/>
+                <a:ea typeface="Helvetica Neue LT Std 67 Medium Condensed" charset="0"/>
+                <a:cs typeface="Helvetica Neue LT Std 67 Medium Condensed" charset="0"/>
+              </a:rPr>
+              <a:t>Selection</a:t>
+            </a:r>
+            <a:r>
+              <a:rPr lang="de-DE" sz="500" dirty="0" smtClean="0">
+                <a:latin typeface="Helvetica Neue LT Std 67 Medium Condensed" charset="0"/>
+                <a:ea typeface="Helvetica Neue LT Std 67 Medium Condensed" charset="0"/>
+                <a:cs typeface="Helvetica Neue LT Std 67 Medium Condensed" charset="0"/>
+              </a:rPr>
+              <a:t> </a:t>
+            </a:r>
+            <a:r>
+              <a:rPr lang="de-DE" sz="500" dirty="0" err="1" smtClean="0">
+                <a:latin typeface="Helvetica Neue LT Std 67 Medium Condensed" charset="0"/>
+                <a:ea typeface="Helvetica Neue LT Std 67 Medium Condensed" charset="0"/>
+                <a:cs typeface="Helvetica Neue LT Std 67 Medium Condensed" charset="0"/>
+              </a:rPr>
+              <a:t>Right</a:t>
+            </a:r>
+            <a:endParaRPr lang="de-DE" sz="500" dirty="0" smtClean="0">
+              <a:solidFill>
+                <a:schemeClr val="accent2">
+                  <a:lumMod val="75000"/>
+                </a:schemeClr>
+              </a:solidFill>
+              <a:latin typeface="Helvetica Neue LT Std 67 Medium Condensed" charset="0"/>
+              <a:ea typeface="Helvetica Neue LT Std 67 Medium Condensed" charset="0"/>
+              <a:cs typeface="Helvetica Neue LT Std 67 Medium Condensed" charset="0"/>
+            </a:endParaRPr>
+          </a:p>
+        </p:txBody>
+      </p:sp>
+      <p:sp>
+        <p:nvSpPr>
+          <p:cNvPr id="39" name="Abgerundetes Rechteck 38"/>
           <p:cNvSpPr/>
           <p:nvPr/>
         </p:nvSpPr>
         <p:spPr>
           <a:xfrm>
-            <a:off x="2363189" y="3173686"/>
+            <a:off x="5354571" y="3173686"/>
             <a:ext cx="495160" cy="483856"/>
           </a:xfrm>
           <a:prstGeom prst="roundRect">
@@ -4214,14 +4281,16 @@
             </a:avLst>
           </a:prstGeom>
           <a:solidFill>
-            <a:schemeClr val="accent1">
+            <a:schemeClr val="accent4">
               <a:lumMod val="20000"/>
               <a:lumOff val="80000"/>
             </a:schemeClr>
           </a:solidFill>
           <a:ln>
             <a:solidFill>
-              <a:schemeClr val="accent1"/>
+              <a:schemeClr val="accent4">
+                <a:lumMod val="50000"/>
+              </a:schemeClr>
             </a:solidFill>
           </a:ln>
         </p:spPr>
@@ -4258,117 +4327,13 @@
       </p:sp>
       <p:sp>
         <p:nvSpPr>
-          <p:cNvPr id="6" name="Textfeld 5"/>
-          <p:cNvSpPr txBox="1"/>
-          <p:nvPr/>
-        </p:nvSpPr>
-        <p:spPr>
-          <a:xfrm>
-            <a:off x="2476232" y="3174542"/>
-            <a:ext cx="375424" cy="246221"/>
-          </a:xfrm>
-          <a:prstGeom prst="rect">
-            <a:avLst/>
-          </a:prstGeom>
-          <a:noFill/>
-        </p:spPr>
-        <p:txBody>
-          <a:bodyPr wrap="none" rtlCol="0">
-            <a:spAutoFit/>
-          </a:bodyPr>
-          <a:lstStyle/>
-          <a:p>
-            <a:pPr>
-              <a:lnSpc>
-                <a:spcPts val="640"/>
-              </a:lnSpc>
-            </a:pPr>
-            <a:r>
-              <a:rPr lang="de-DE" sz="500" dirty="0" smtClean="0">
-                <a:latin typeface="Helvetica Neue LT Std 67 Medium Condensed" charset="0"/>
-                <a:ea typeface="Helvetica Neue LT Std 67 Medium Condensed" charset="0"/>
-                <a:cs typeface="Helvetica Neue LT Std 67 Medium Condensed" charset="0"/>
-              </a:rPr>
-              <a:t>Set Edit</a:t>
-            </a:r>
-            <a:r>
-              <a:rPr lang="de-DE" sz="500" dirty="0">
-                <a:latin typeface="Helvetica Neue LT Std 67 Medium Condensed" charset="0"/>
-                <a:ea typeface="Helvetica Neue LT Std 67 Medium Condensed" charset="0"/>
-                <a:cs typeface="Helvetica Neue LT Std 67 Medium Condensed" charset="0"/>
-              </a:rPr>
-              <a:t/>
-            </a:r>
-            <a:br>
-              <a:rPr lang="de-DE" sz="500" dirty="0">
-                <a:latin typeface="Helvetica Neue LT Std 67 Medium Condensed" charset="0"/>
-                <a:ea typeface="Helvetica Neue LT Std 67 Medium Condensed" charset="0"/>
-                <a:cs typeface="Helvetica Neue LT Std 67 Medium Condensed" charset="0"/>
-              </a:rPr>
-            </a:br>
-            <a:r>
-              <a:rPr lang="de-DE" sz="500" dirty="0" smtClean="0">
-                <a:latin typeface="Helvetica Neue LT Std 67 Medium Condensed" charset="0"/>
-                <a:ea typeface="Helvetica Neue LT Std 67 Medium Condensed" charset="0"/>
-                <a:cs typeface="Helvetica Neue LT Std 67 Medium Condensed" charset="0"/>
-              </a:rPr>
-              <a:t>Marker</a:t>
-            </a:r>
-            <a:endParaRPr lang="de-DE" sz="500" dirty="0">
-              <a:latin typeface="Helvetica Neue LT Std 67 Medium Condensed" charset="0"/>
-              <a:ea typeface="Helvetica Neue LT Std 67 Medium Condensed" charset="0"/>
-              <a:cs typeface="Helvetica Neue LT Std 67 Medium Condensed" charset="0"/>
-            </a:endParaRPr>
-          </a:p>
-        </p:txBody>
-      </p:sp>
-      <p:sp>
-        <p:nvSpPr>
-          <p:cNvPr id="8" name="Textfeld 7"/>
-          <p:cNvSpPr txBox="1"/>
-          <p:nvPr/>
-        </p:nvSpPr>
-        <p:spPr>
-          <a:xfrm>
-            <a:off x="2322668" y="3444003"/>
-            <a:ext cx="251992" cy="261610"/>
-          </a:xfrm>
-          <a:prstGeom prst="rect">
-            <a:avLst/>
-          </a:prstGeom>
-          <a:noFill/>
-        </p:spPr>
-        <p:txBody>
-          <a:bodyPr wrap="none" rtlCol="0">
-            <a:spAutoFit/>
-          </a:bodyPr>
-          <a:lstStyle/>
-          <a:p>
-            <a:r>
-              <a:rPr lang="de-DE" sz="1050" smtClean="0">
-                <a:latin typeface="Helvetica Neue LT Std 67 Medium Condensed" charset="0"/>
-                <a:ea typeface="Helvetica Neue LT Std 67 Medium Condensed" charset="0"/>
-                <a:cs typeface="Helvetica Neue LT Std 67 Medium Condensed" charset="0"/>
-              </a:rPr>
-              <a:t>E</a:t>
-            </a:r>
-            <a:endParaRPr lang="de-DE" sz="1050">
-              <a:latin typeface="Helvetica Neue LT Std 67 Medium Condensed" charset="0"/>
-              <a:ea typeface="Helvetica Neue LT Std 67 Medium Condensed" charset="0"/>
-              <a:cs typeface="Helvetica Neue LT Std 67 Medium Condensed" charset="0"/>
-            </a:endParaRPr>
-          </a:p>
-        </p:txBody>
-      </p:sp>
-      <p:sp>
-        <p:nvSpPr>
-          <p:cNvPr id="12" name="Abgerundetes Rechteck 11"/>
+          <p:cNvPr id="5" name="Abgerundetes Rechteck 4"/>
           <p:cNvSpPr/>
           <p:nvPr/>
         </p:nvSpPr>
         <p:spPr>
           <a:xfrm>
-            <a:off x="5217376" y="4346279"/>
+            <a:off x="2363189" y="3173686"/>
             <a:ext cx="495160" cy="483856"/>
           </a:xfrm>
           <a:prstGeom prst="roundRect">
@@ -4421,72 +4386,14 @@
       </p:sp>
       <p:sp>
         <p:nvSpPr>
-          <p:cNvPr id="13" name="Textfeld 12"/>
+          <p:cNvPr id="6" name="Textfeld 5"/>
           <p:cNvSpPr txBox="1"/>
           <p:nvPr/>
         </p:nvSpPr>
         <p:spPr>
           <a:xfrm>
-            <a:off x="5300301" y="4333581"/>
-            <a:ext cx="759239" cy="246221"/>
-          </a:xfrm>
-          <a:prstGeom prst="rect">
-            <a:avLst/>
-          </a:prstGeom>
-          <a:noFill/>
-        </p:spPr>
-        <p:txBody>
-          <a:bodyPr wrap="square" rtlCol="0" anchor="t">
-            <a:spAutoFit/>
-          </a:bodyPr>
-          <a:lstStyle/>
-          <a:p>
-            <a:r>
-              <a:rPr lang="de-DE" sz="500" dirty="0" smtClean="0">
-                <a:latin typeface="Helvetica Neue LT Std 67 Medium Condensed" charset="0"/>
-                <a:ea typeface="Helvetica Neue LT Std 67 Medium Condensed" charset="0"/>
-                <a:cs typeface="Helvetica Neue LT Std 67 Medium Condensed" charset="0"/>
-              </a:rPr>
-              <a:t>Set Chapter</a:t>
-            </a:r>
-            <a:br>
-              <a:rPr lang="de-DE" sz="500" dirty="0" smtClean="0">
-                <a:latin typeface="Helvetica Neue LT Std 67 Medium Condensed" charset="0"/>
-                <a:ea typeface="Helvetica Neue LT Std 67 Medium Condensed" charset="0"/>
-                <a:cs typeface="Helvetica Neue LT Std 67 Medium Condensed" charset="0"/>
-              </a:rPr>
-            </a:br>
-            <a:r>
-              <a:rPr lang="de-DE" sz="500" dirty="0" smtClean="0">
-                <a:latin typeface="Helvetica Neue LT Std 67 Medium Condensed" charset="0"/>
-                <a:ea typeface="Helvetica Neue LT Std 67 Medium Condensed" charset="0"/>
-                <a:cs typeface="Helvetica Neue LT Std 67 Medium Condensed" charset="0"/>
-              </a:rPr>
-              <a:t>Marker</a:t>
-            </a:r>
-            <a:endParaRPr lang="de-DE" sz="500" dirty="0" smtClean="0">
-              <a:solidFill>
-                <a:schemeClr val="accent2">
-                  <a:lumMod val="75000"/>
-                </a:schemeClr>
-              </a:solidFill>
-              <a:latin typeface="Helvetica Neue LT Std 67 Medium Condensed" charset="0"/>
-              <a:ea typeface="Helvetica Neue LT Std 67 Medium Condensed" charset="0"/>
-              <a:cs typeface="Helvetica Neue LT Std 67 Medium Condensed" charset="0"/>
-            </a:endParaRPr>
-          </a:p>
-        </p:txBody>
-      </p:sp>
-      <p:sp>
-        <p:nvSpPr>
-          <p:cNvPr id="14" name="Textfeld 13"/>
-          <p:cNvSpPr txBox="1"/>
-          <p:nvPr/>
-        </p:nvSpPr>
-        <p:spPr>
-          <a:xfrm>
-            <a:off x="5152455" y="4640484"/>
-            <a:ext cx="282450" cy="253916"/>
+            <a:off x="2476232" y="3174542"/>
+            <a:ext cx="375424" cy="246221"/>
           </a:xfrm>
           <a:prstGeom prst="rect">
             <a:avLst/>
@@ -4499,69 +4406,97 @@
           </a:bodyPr>
           <a:lstStyle/>
           <a:p>
-            <a:r>
-              <a:rPr lang="de-DE" sz="1050" dirty="0" smtClean="0">
-                <a:latin typeface="Helvetica Neue LT Std 67 Medium Condensed" charset="0"/>
-                <a:ea typeface="Helvetica Neue LT Std 67 Medium Condensed" charset="0"/>
-                <a:cs typeface="Helvetica Neue LT Std 67 Medium Condensed" charset="0"/>
-              </a:rPr>
-              <a:t>M</a:t>
-            </a:r>
-            <a:endParaRPr lang="de-DE" sz="1050" dirty="0">
-              <a:latin typeface="Helvetica Neue LT Std 67 Medium Condensed" charset="0"/>
-              <a:ea typeface="Helvetica Neue LT Std 67 Medium Condensed" charset="0"/>
-              <a:cs typeface="Helvetica Neue LT Std 67 Medium Condensed" charset="0"/>
-            </a:endParaRPr>
-          </a:p>
-        </p:txBody>
-      </p:sp>
-      <p:sp>
-        <p:nvSpPr>
-          <p:cNvPr id="15" name="Rechteck 14"/>
-          <p:cNvSpPr/>
-          <p:nvPr/>
-        </p:nvSpPr>
-        <p:spPr>
-          <a:xfrm>
-            <a:off x="5149391" y="4486212"/>
-            <a:ext cx="248786" cy="246221"/>
-          </a:xfrm>
-          <a:prstGeom prst="rect">
-            <a:avLst/>
-          </a:prstGeom>
-        </p:spPr>
-        <p:txBody>
-          <a:bodyPr wrap="none">
+            <a:pPr>
+              <a:lnSpc>
+                <a:spcPts val="640"/>
+              </a:lnSpc>
+            </a:pPr>
+            <a:r>
+              <a:rPr lang="de-DE" sz="500" dirty="0" smtClean="0">
+                <a:latin typeface="Helvetica Neue LT Std 67 Medium Condensed" charset="0"/>
+                <a:ea typeface="Helvetica Neue LT Std 67 Medium Condensed" charset="0"/>
+                <a:cs typeface="Helvetica Neue LT Std 67 Medium Condensed" charset="0"/>
+              </a:rPr>
+              <a:t>Set Edit</a:t>
+            </a:r>
+            <a:r>
+              <a:rPr lang="de-DE" sz="500" dirty="0">
+                <a:latin typeface="Helvetica Neue LT Std 67 Medium Condensed" charset="0"/>
+                <a:ea typeface="Helvetica Neue LT Std 67 Medium Condensed" charset="0"/>
+                <a:cs typeface="Helvetica Neue LT Std 67 Medium Condensed" charset="0"/>
+              </a:rPr>
+              <a:t/>
+            </a:r>
+            <a:br>
+              <a:rPr lang="de-DE" sz="500" dirty="0">
+                <a:latin typeface="Helvetica Neue LT Std 67 Medium Condensed" charset="0"/>
+                <a:ea typeface="Helvetica Neue LT Std 67 Medium Condensed" charset="0"/>
+                <a:cs typeface="Helvetica Neue LT Std 67 Medium Condensed" charset="0"/>
+              </a:rPr>
+            </a:br>
+            <a:r>
+              <a:rPr lang="de-DE" sz="500" dirty="0" smtClean="0">
+                <a:latin typeface="Helvetica Neue LT Std 67 Medium Condensed" charset="0"/>
+                <a:ea typeface="Helvetica Neue LT Std 67 Medium Condensed" charset="0"/>
+                <a:cs typeface="Helvetica Neue LT Std 67 Medium Condensed" charset="0"/>
+              </a:rPr>
+              <a:t>Marker</a:t>
+            </a:r>
+            <a:endParaRPr lang="de-DE" sz="500" dirty="0">
+              <a:latin typeface="Helvetica Neue LT Std 67 Medium Condensed" charset="0"/>
+              <a:ea typeface="Helvetica Neue LT Std 67 Medium Condensed" charset="0"/>
+              <a:cs typeface="Helvetica Neue LT Std 67 Medium Condensed" charset="0"/>
+            </a:endParaRPr>
+          </a:p>
+        </p:txBody>
+      </p:sp>
+      <p:sp>
+        <p:nvSpPr>
+          <p:cNvPr id="8" name="Textfeld 7"/>
+          <p:cNvSpPr txBox="1"/>
+          <p:nvPr/>
+        </p:nvSpPr>
+        <p:spPr>
+          <a:xfrm>
+            <a:off x="2322668" y="3444003"/>
+            <a:ext cx="251992" cy="261610"/>
+          </a:xfrm>
+          <a:prstGeom prst="rect">
+            <a:avLst/>
+          </a:prstGeom>
+          <a:noFill/>
+        </p:spPr>
+        <p:txBody>
+          <a:bodyPr wrap="none" rtlCol="0">
             <a:spAutoFit/>
           </a:bodyPr>
           <a:lstStyle/>
           <a:p>
             <a:r>
-              <a:rPr lang="de-DE" sz="1000" dirty="0" smtClean="0">
-                <a:solidFill>
-                  <a:schemeClr val="accent2">
-                    <a:lumMod val="75000"/>
-                  </a:schemeClr>
-                </a:solidFill>
-                <a:latin typeface="Helvetica Neue LT Std 67 Medium Condensed" charset="0"/>
-                <a:ea typeface="Helvetica Neue LT Std 67 Medium Condensed" charset="0"/>
-                <a:cs typeface="Helvetica Neue LT Std 67 Medium Condensed" charset="0"/>
-              </a:rPr>
-              <a:t>⇧</a:t>
-            </a:r>
-            <a:endParaRPr lang="de-DE" sz="1400" dirty="0"/>
-          </a:p>
-        </p:txBody>
-      </p:sp>
-      <p:sp>
-        <p:nvSpPr>
-          <p:cNvPr id="19" name="Abgerundetes Rechteck 18"/>
+              <a:rPr lang="de-DE" sz="1050" smtClean="0">
+                <a:latin typeface="Helvetica Neue LT Std 67 Medium Condensed" charset="0"/>
+                <a:ea typeface="Helvetica Neue LT Std 67 Medium Condensed" charset="0"/>
+                <a:cs typeface="Helvetica Neue LT Std 67 Medium Condensed" charset="0"/>
+              </a:rPr>
+              <a:t>E</a:t>
+            </a:r>
+            <a:endParaRPr lang="de-DE" sz="1050">
+              <a:latin typeface="Helvetica Neue LT Std 67 Medium Condensed" charset="0"/>
+              <a:ea typeface="Helvetica Neue LT Std 67 Medium Condensed" charset="0"/>
+              <a:cs typeface="Helvetica Neue LT Std 67 Medium Condensed" charset="0"/>
+            </a:endParaRPr>
+          </a:p>
+        </p:txBody>
+      </p:sp>
+      <p:sp>
+        <p:nvSpPr>
+          <p:cNvPr id="12" name="Abgerundetes Rechteck 11"/>
           <p:cNvSpPr/>
           <p:nvPr/>
         </p:nvSpPr>
         <p:spPr>
           <a:xfrm>
-            <a:off x="1916624" y="3772794"/>
+            <a:off x="5217376" y="4346279"/>
             <a:ext cx="495160" cy="483856"/>
           </a:xfrm>
           <a:prstGeom prst="roundRect">
@@ -4570,16 +4505,14 @@
             </a:avLst>
           </a:prstGeom>
           <a:solidFill>
-            <a:schemeClr val="accent4">
+            <a:schemeClr val="accent1">
               <a:lumMod val="20000"/>
               <a:lumOff val="80000"/>
             </a:schemeClr>
           </a:solidFill>
           <a:ln>
             <a:solidFill>
-              <a:schemeClr val="accent4">
-                <a:lumMod val="50000"/>
-              </a:schemeClr>
+              <a:schemeClr val="accent1"/>
             </a:solidFill>
           </a:ln>
         </p:spPr>
@@ -4616,14 +4549,14 @@
       </p:sp>
       <p:sp>
         <p:nvSpPr>
-          <p:cNvPr id="20" name="Textfeld 19"/>
+          <p:cNvPr id="13" name="Textfeld 12"/>
           <p:cNvSpPr txBox="1"/>
           <p:nvPr/>
         </p:nvSpPr>
         <p:spPr>
           <a:xfrm>
-            <a:off x="1871739" y="3785107"/>
-            <a:ext cx="759239" cy="284693"/>
+            <a:off x="5300301" y="4333581"/>
+            <a:ext cx="759239" cy="246221"/>
           </a:xfrm>
           <a:prstGeom prst="rect">
             <a:avLst/>
@@ -4636,18 +4569,13 @@
           </a:bodyPr>
           <a:lstStyle/>
           <a:p>
-            <a:pPr>
-              <a:lnSpc>
-                <a:spcPts val="500"/>
-              </a:lnSpc>
-            </a:pPr>
             <a:r>
               <a:rPr lang="de-DE" sz="500" dirty="0" smtClean="0">
                 <a:latin typeface="Helvetica Neue LT Std 67 Medium Condensed" charset="0"/>
                 <a:ea typeface="Helvetica Neue LT Std 67 Medium Condensed" charset="0"/>
                 <a:cs typeface="Helvetica Neue LT Std 67 Medium Condensed" charset="0"/>
               </a:rPr>
-              <a:t>          Split Items</a:t>
+              <a:t>Set Chapter</a:t>
             </a:r>
             <a:br>
               <a:rPr lang="de-DE" sz="500" dirty="0" smtClean="0">
@@ -4656,7 +4584,15 @@
                 <a:cs typeface="Helvetica Neue LT Std 67 Medium Condensed" charset="0"/>
               </a:rPr>
             </a:br>
-            <a:endParaRPr lang="de-DE" sz="1000" dirty="0" smtClean="0">
+            <a:r>
+              <a:rPr lang="de-DE" sz="500" dirty="0" smtClean="0">
+                <a:latin typeface="Helvetica Neue LT Std 67 Medium Condensed" charset="0"/>
+                <a:ea typeface="Helvetica Neue LT Std 67 Medium Condensed" charset="0"/>
+                <a:cs typeface="Helvetica Neue LT Std 67 Medium Condensed" charset="0"/>
+              </a:rPr>
+              <a:t>Marker</a:t>
+            </a:r>
+            <a:endParaRPr lang="de-DE" sz="500" dirty="0" smtClean="0">
               <a:solidFill>
                 <a:schemeClr val="accent2">
                   <a:lumMod val="75000"/>
@@ -4667,14 +4603,69 @@
               <a:cs typeface="Helvetica Neue LT Std 67 Medium Condensed" charset="0"/>
             </a:endParaRPr>
           </a:p>
-          <a:p>
-            <a:pPr>
-              <a:lnSpc>
-                <a:spcPts val="500"/>
-              </a:lnSpc>
-            </a:pPr>
-            <a:r>
-              <a:rPr lang="de-DE" sz="1000" dirty="0">
+        </p:txBody>
+      </p:sp>
+      <p:sp>
+        <p:nvSpPr>
+          <p:cNvPr id="14" name="Textfeld 13"/>
+          <p:cNvSpPr txBox="1"/>
+          <p:nvPr/>
+        </p:nvSpPr>
+        <p:spPr>
+          <a:xfrm>
+            <a:off x="5152455" y="4640484"/>
+            <a:ext cx="282450" cy="253916"/>
+          </a:xfrm>
+          <a:prstGeom prst="rect">
+            <a:avLst/>
+          </a:prstGeom>
+          <a:noFill/>
+        </p:spPr>
+        <p:txBody>
+          <a:bodyPr wrap="none" rtlCol="0">
+            <a:spAutoFit/>
+          </a:bodyPr>
+          <a:lstStyle/>
+          <a:p>
+            <a:r>
+              <a:rPr lang="de-DE" sz="1050" dirty="0" smtClean="0">
+                <a:latin typeface="Helvetica Neue LT Std 67 Medium Condensed" charset="0"/>
+                <a:ea typeface="Helvetica Neue LT Std 67 Medium Condensed" charset="0"/>
+                <a:cs typeface="Helvetica Neue LT Std 67 Medium Condensed" charset="0"/>
+              </a:rPr>
+              <a:t>M</a:t>
+            </a:r>
+            <a:endParaRPr lang="de-DE" sz="1050" dirty="0">
+              <a:latin typeface="Helvetica Neue LT Std 67 Medium Condensed" charset="0"/>
+              <a:ea typeface="Helvetica Neue LT Std 67 Medium Condensed" charset="0"/>
+              <a:cs typeface="Helvetica Neue LT Std 67 Medium Condensed" charset="0"/>
+            </a:endParaRPr>
+          </a:p>
+        </p:txBody>
+      </p:sp>
+      <p:sp>
+        <p:nvSpPr>
+          <p:cNvPr id="15" name="Rechteck 14"/>
+          <p:cNvSpPr/>
+          <p:nvPr/>
+        </p:nvSpPr>
+        <p:spPr>
+          <a:xfrm>
+            <a:off x="5149391" y="4486212"/>
+            <a:ext cx="248786" cy="246221"/>
+          </a:xfrm>
+          <a:prstGeom prst="rect">
+            <a:avLst/>
+          </a:prstGeom>
+        </p:spPr>
+        <p:txBody>
+          <a:bodyPr wrap="none">
+            <a:spAutoFit/>
+          </a:bodyPr>
+          <a:lstStyle/>
+          <a:p>
+            <a:r>
+              <a:rPr lang="de-DE" sz="1000" dirty="0" smtClean="0">
                 <a:solidFill>
                   <a:schemeClr val="accent2">
                     <a:lumMod val="75000"/>
@@ -4684,229 +4675,22 @@
                 <a:ea typeface="Helvetica Neue LT Std 67 Medium Condensed" charset="0"/>
                 <a:cs typeface="Helvetica Neue LT Std 67 Medium Condensed" charset="0"/>
               </a:rPr>
-              <a:t> </a:t>
-            </a:r>
-            <a:r>
-              <a:rPr lang="de-DE" sz="1000" dirty="0" smtClean="0">
-                <a:solidFill>
-                  <a:schemeClr val="accent2">
-                    <a:lumMod val="75000"/>
-                  </a:schemeClr>
-                </a:solidFill>
-                <a:latin typeface="Helvetica Neue LT Std 67 Medium Condensed" charset="0"/>
-                <a:ea typeface="Helvetica Neue LT Std 67 Medium Condensed" charset="0"/>
-                <a:cs typeface="Helvetica Neue LT Std 67 Medium Condensed" charset="0"/>
-              </a:rPr>
-              <a:t> </a:t>
-            </a:r>
-            <a:r>
-              <a:rPr lang="de-DE" sz="500" dirty="0" smtClean="0">
-                <a:solidFill>
-                  <a:schemeClr val="accent2">
-                    <a:lumMod val="75000"/>
-                  </a:schemeClr>
-                </a:solidFill>
-                <a:latin typeface="Helvetica Neue LT Std 67 Medium Condensed" charset="0"/>
-                <a:ea typeface="Helvetica Neue LT Std 67 Medium Condensed" charset="0"/>
-                <a:cs typeface="Helvetica Neue LT Std 67 Medium Condensed" charset="0"/>
-              </a:rPr>
-              <a:t>Split Time Sel.</a:t>
-            </a:r>
-          </a:p>
-        </p:txBody>
-      </p:sp>
-      <p:sp>
-        <p:nvSpPr>
-          <p:cNvPr id="21" name="Textfeld 20"/>
-          <p:cNvSpPr txBox="1"/>
-          <p:nvPr/>
-        </p:nvSpPr>
-        <p:spPr>
-          <a:xfrm>
-            <a:off x="1850564" y="4049674"/>
-            <a:ext cx="255198" cy="253916"/>
-          </a:xfrm>
-          <a:prstGeom prst="rect">
-            <a:avLst/>
-          </a:prstGeom>
-          <a:noFill/>
-        </p:spPr>
-        <p:txBody>
-          <a:bodyPr wrap="none" rtlCol="0">
-            <a:spAutoFit/>
-          </a:bodyPr>
-          <a:lstStyle/>
-          <a:p>
-            <a:r>
-              <a:rPr lang="de-DE" sz="1050" dirty="0" smtClean="0">
-                <a:latin typeface="Helvetica Neue LT Std 67 Medium Condensed" charset="0"/>
-                <a:ea typeface="Helvetica Neue LT Std 67 Medium Condensed" charset="0"/>
-                <a:cs typeface="Helvetica Neue LT Std 67 Medium Condensed" charset="0"/>
-              </a:rPr>
-              <a:t>S</a:t>
-            </a:r>
-            <a:endParaRPr lang="de-DE" sz="1050" dirty="0">
-              <a:latin typeface="Helvetica Neue LT Std 67 Medium Condensed" charset="0"/>
-              <a:ea typeface="Helvetica Neue LT Std 67 Medium Condensed" charset="0"/>
-              <a:cs typeface="Helvetica Neue LT Std 67 Medium Condensed" charset="0"/>
-            </a:endParaRPr>
-          </a:p>
-        </p:txBody>
-      </p:sp>
-      <p:sp>
-        <p:nvSpPr>
-          <p:cNvPr id="22" name="Rechteck 21"/>
+              <a:t>⇧</a:t>
+            </a:r>
+            <a:endParaRPr lang="de-DE" sz="1400" dirty="0"/>
+          </a:p>
+        </p:txBody>
+      </p:sp>
+      <p:sp>
+        <p:nvSpPr>
+          <p:cNvPr id="19" name="Abgerundetes Rechteck 18"/>
           <p:cNvSpPr/>
           <p:nvPr/>
         </p:nvSpPr>
         <p:spPr>
           <a:xfrm>
-            <a:off x="1850667" y="3855184"/>
-            <a:ext cx="248786" cy="246221"/>
-          </a:xfrm>
-          <a:prstGeom prst="rect">
-            <a:avLst/>
-          </a:prstGeom>
-        </p:spPr>
-        <p:txBody>
-          <a:bodyPr wrap="none">
-            <a:spAutoFit/>
-          </a:bodyPr>
-          <a:lstStyle/>
-          <a:p>
-            <a:r>
-              <a:rPr lang="de-DE" sz="1000" dirty="0" smtClean="0">
-                <a:solidFill>
-                  <a:schemeClr val="accent2">
-                    <a:lumMod val="75000"/>
-                  </a:schemeClr>
-                </a:solidFill>
-                <a:latin typeface="Helvetica Neue LT Std 67 Medium Condensed" charset="0"/>
-                <a:ea typeface="Helvetica Neue LT Std 67 Medium Condensed" charset="0"/>
-                <a:cs typeface="Helvetica Neue LT Std 67 Medium Condensed" charset="0"/>
-              </a:rPr>
-              <a:t>⇧</a:t>
-            </a:r>
-            <a:endParaRPr lang="de-DE" sz="1400" dirty="0"/>
-          </a:p>
-        </p:txBody>
-      </p:sp>
-      <p:sp>
-        <p:nvSpPr>
-          <p:cNvPr id="3" name="Rechteck 2"/>
-          <p:cNvSpPr/>
-          <p:nvPr/>
-        </p:nvSpPr>
-        <p:spPr>
-          <a:xfrm>
-            <a:off x="5243927" y="4583655"/>
-            <a:ext cx="537327" cy="188513"/>
-          </a:xfrm>
-          <a:prstGeom prst="rect">
-            <a:avLst/>
-          </a:prstGeom>
-        </p:spPr>
-        <p:txBody>
-          <a:bodyPr wrap="none">
-            <a:spAutoFit/>
-          </a:bodyPr>
-          <a:lstStyle/>
-          <a:p>
-            <a:pPr>
-              <a:lnSpc>
-                <a:spcPts val="800"/>
-              </a:lnSpc>
-            </a:pPr>
-            <a:r>
-              <a:rPr lang="de-DE" sz="500" dirty="0">
-                <a:solidFill>
-                  <a:schemeClr val="accent6">
-                    <a:lumMod val="75000"/>
-                  </a:schemeClr>
-                </a:solidFill>
-                <a:latin typeface="Helvetica Neue LT Std 67 Medium Condensed" charset="0"/>
-                <a:ea typeface="Helvetica Neue LT Std 67 Medium Condensed" charset="0"/>
-                <a:cs typeface="Helvetica Neue LT Std 67 Medium Condensed" charset="0"/>
-              </a:rPr>
-              <a:t>⌥ T-2 Marker</a:t>
-            </a:r>
-          </a:p>
-        </p:txBody>
-      </p:sp>
-      <p:sp>
-        <p:nvSpPr>
-          <p:cNvPr id="7" name="Rechteck 6"/>
-          <p:cNvSpPr/>
-          <p:nvPr/>
-        </p:nvSpPr>
-        <p:spPr>
-          <a:xfrm>
-            <a:off x="5212602" y="4526244"/>
-            <a:ext cx="572593" cy="169277"/>
-          </a:xfrm>
-          <a:prstGeom prst="rect">
-            <a:avLst/>
-          </a:prstGeom>
-        </p:spPr>
-        <p:txBody>
-          <a:bodyPr wrap="none">
-            <a:spAutoFit/>
-          </a:bodyPr>
-          <a:lstStyle/>
-          <a:p>
-            <a:r>
-              <a:rPr lang="de-DE" sz="500" dirty="0">
-                <a:solidFill>
-                  <a:schemeClr val="accent2">
-                    <a:lumMod val="75000"/>
-                  </a:schemeClr>
-                </a:solidFill>
-                <a:latin typeface="Helvetica Neue LT Std 67 Medium Condensed" charset="0"/>
-                <a:ea typeface="Helvetica Neue LT Std 67 Medium Condensed" charset="0"/>
-                <a:cs typeface="Helvetica Neue LT Std 67 Medium Condensed" charset="0"/>
-              </a:rPr>
-              <a:t> </a:t>
-            </a:r>
-            <a:r>
-              <a:rPr lang="de-DE" sz="500" dirty="0" err="1">
-                <a:solidFill>
-                  <a:schemeClr val="accent2">
-                    <a:lumMod val="75000"/>
-                  </a:schemeClr>
-                </a:solidFill>
-                <a:latin typeface="Helvetica Neue LT Std 67 Medium Condensed" charset="0"/>
-                <a:ea typeface="Helvetica Neue LT Std 67 Medium Condensed" charset="0"/>
-                <a:cs typeface="Helvetica Neue LT Std 67 Medium Condensed" charset="0"/>
-              </a:rPr>
-              <a:t>Named</a:t>
-            </a:r>
-            <a:r>
-              <a:rPr lang="de-DE" sz="500" dirty="0">
-                <a:solidFill>
-                  <a:schemeClr val="accent2">
-                    <a:lumMod val="75000"/>
-                  </a:schemeClr>
-                </a:solidFill>
-                <a:latin typeface="Helvetica Neue LT Std 67 Medium Condensed" charset="0"/>
-                <a:ea typeface="Helvetica Neue LT Std 67 Medium Condensed" charset="0"/>
-                <a:cs typeface="Helvetica Neue LT Std 67 Medium Condensed" charset="0"/>
-              </a:rPr>
-              <a:t> Marker</a:t>
-            </a:r>
-            <a:endParaRPr lang="de-DE" sz="500" dirty="0"/>
-          </a:p>
-        </p:txBody>
-      </p:sp>
-      <p:sp>
-        <p:nvSpPr>
-          <p:cNvPr id="23" name="Abgerundetes Rechteck 22"/>
-          <p:cNvSpPr/>
-          <p:nvPr/>
-        </p:nvSpPr>
-        <p:spPr>
-          <a:xfrm>
-            <a:off x="268822" y="4346279"/>
-            <a:ext cx="638144" cy="483856"/>
+            <a:off x="1916624" y="3772794"/>
+            <a:ext cx="495160" cy="483856"/>
           </a:xfrm>
           <a:prstGeom prst="roundRect">
             <a:avLst>
@@ -4914,13 +4698,14 @@
             </a:avLst>
           </a:prstGeom>
           <a:solidFill>
-            <a:schemeClr val="accent2">
-              <a:lumMod val="75000"/>
+            <a:schemeClr val="accent4">
+              <a:lumMod val="20000"/>
+              <a:lumOff val="80000"/>
             </a:schemeClr>
           </a:solidFill>
           <a:ln>
             <a:solidFill>
-              <a:schemeClr val="accent2">
+              <a:schemeClr val="accent4">
                 <a:lumMod val="50000"/>
               </a:schemeClr>
             </a:solidFill>
@@ -4959,14 +4744,153 @@
       </p:sp>
       <p:sp>
         <p:nvSpPr>
-          <p:cNvPr id="25" name="Rechteck 24"/>
+          <p:cNvPr id="20" name="Textfeld 19"/>
+          <p:cNvSpPr txBox="1"/>
+          <p:nvPr/>
+        </p:nvSpPr>
+        <p:spPr>
+          <a:xfrm>
+            <a:off x="1871739" y="3785107"/>
+            <a:ext cx="759239" cy="284693"/>
+          </a:xfrm>
+          <a:prstGeom prst="rect">
+            <a:avLst/>
+          </a:prstGeom>
+          <a:noFill/>
+        </p:spPr>
+        <p:txBody>
+          <a:bodyPr wrap="square" rtlCol="0" anchor="t">
+            <a:spAutoFit/>
+          </a:bodyPr>
+          <a:lstStyle/>
+          <a:p>
+            <a:pPr>
+              <a:lnSpc>
+                <a:spcPts val="500"/>
+              </a:lnSpc>
+            </a:pPr>
+            <a:r>
+              <a:rPr lang="de-DE" sz="500" dirty="0" smtClean="0">
+                <a:latin typeface="Helvetica Neue LT Std 67 Medium Condensed" charset="0"/>
+                <a:ea typeface="Helvetica Neue LT Std 67 Medium Condensed" charset="0"/>
+                <a:cs typeface="Helvetica Neue LT Std 67 Medium Condensed" charset="0"/>
+              </a:rPr>
+              <a:t>          Split Items</a:t>
+            </a:r>
+            <a:br>
+              <a:rPr lang="de-DE" sz="500" dirty="0" smtClean="0">
+                <a:latin typeface="Helvetica Neue LT Std 67 Medium Condensed" charset="0"/>
+                <a:ea typeface="Helvetica Neue LT Std 67 Medium Condensed" charset="0"/>
+                <a:cs typeface="Helvetica Neue LT Std 67 Medium Condensed" charset="0"/>
+              </a:rPr>
+            </a:br>
+            <a:endParaRPr lang="de-DE" sz="1000" dirty="0" smtClean="0">
+              <a:solidFill>
+                <a:schemeClr val="accent2">
+                  <a:lumMod val="75000"/>
+                </a:schemeClr>
+              </a:solidFill>
+              <a:latin typeface="Helvetica Neue LT Std 67 Medium Condensed" charset="0"/>
+              <a:ea typeface="Helvetica Neue LT Std 67 Medium Condensed" charset="0"/>
+              <a:cs typeface="Helvetica Neue LT Std 67 Medium Condensed" charset="0"/>
+            </a:endParaRPr>
+          </a:p>
+          <a:p>
+            <a:pPr>
+              <a:lnSpc>
+                <a:spcPts val="500"/>
+              </a:lnSpc>
+            </a:pPr>
+            <a:r>
+              <a:rPr lang="de-DE" sz="1000" dirty="0">
+                <a:solidFill>
+                  <a:schemeClr val="accent2">
+                    <a:lumMod val="75000"/>
+                  </a:schemeClr>
+                </a:solidFill>
+                <a:latin typeface="Helvetica Neue LT Std 67 Medium Condensed" charset="0"/>
+                <a:ea typeface="Helvetica Neue LT Std 67 Medium Condensed" charset="0"/>
+                <a:cs typeface="Helvetica Neue LT Std 67 Medium Condensed" charset="0"/>
+              </a:rPr>
+              <a:t> </a:t>
+            </a:r>
+            <a:r>
+              <a:rPr lang="de-DE" sz="1000" dirty="0" smtClean="0">
+                <a:solidFill>
+                  <a:schemeClr val="accent2">
+                    <a:lumMod val="75000"/>
+                  </a:schemeClr>
+                </a:solidFill>
+                <a:latin typeface="Helvetica Neue LT Std 67 Medium Condensed" charset="0"/>
+                <a:ea typeface="Helvetica Neue LT Std 67 Medium Condensed" charset="0"/>
+                <a:cs typeface="Helvetica Neue LT Std 67 Medium Condensed" charset="0"/>
+              </a:rPr>
+              <a:t> </a:t>
+            </a:r>
+            <a:r>
+              <a:rPr lang="de-DE" sz="500" dirty="0" smtClean="0">
+                <a:solidFill>
+                  <a:schemeClr val="accent2">
+                    <a:lumMod val="75000"/>
+                  </a:schemeClr>
+                </a:solidFill>
+                <a:latin typeface="Helvetica Neue LT Std 67 Medium Condensed" charset="0"/>
+                <a:ea typeface="Helvetica Neue LT Std 67 Medium Condensed" charset="0"/>
+                <a:cs typeface="Helvetica Neue LT Std 67 Medium Condensed" charset="0"/>
+              </a:rPr>
+              <a:t>Split Time Sel.</a:t>
+            </a:r>
+          </a:p>
+        </p:txBody>
+      </p:sp>
+      <p:sp>
+        <p:nvSpPr>
+          <p:cNvPr id="21" name="Textfeld 20"/>
+          <p:cNvSpPr txBox="1"/>
+          <p:nvPr/>
+        </p:nvSpPr>
+        <p:spPr>
+          <a:xfrm>
+            <a:off x="1850564" y="4049674"/>
+            <a:ext cx="255198" cy="253916"/>
+          </a:xfrm>
+          <a:prstGeom prst="rect">
+            <a:avLst/>
+          </a:prstGeom>
+          <a:noFill/>
+        </p:spPr>
+        <p:txBody>
+          <a:bodyPr wrap="none" rtlCol="0">
+            <a:spAutoFit/>
+          </a:bodyPr>
+          <a:lstStyle/>
+          <a:p>
+            <a:r>
+              <a:rPr lang="de-DE" sz="1050" dirty="0" smtClean="0">
+                <a:latin typeface="Helvetica Neue LT Std 67 Medium Condensed" charset="0"/>
+                <a:ea typeface="Helvetica Neue LT Std 67 Medium Condensed" charset="0"/>
+                <a:cs typeface="Helvetica Neue LT Std 67 Medium Condensed" charset="0"/>
+              </a:rPr>
+              <a:t>S</a:t>
+            </a:r>
+            <a:endParaRPr lang="de-DE" sz="1050" dirty="0">
+              <a:latin typeface="Helvetica Neue LT Std 67 Medium Condensed" charset="0"/>
+              <a:ea typeface="Helvetica Neue LT Std 67 Medium Condensed" charset="0"/>
+              <a:cs typeface="Helvetica Neue LT Std 67 Medium Condensed" charset="0"/>
+            </a:endParaRPr>
+          </a:p>
+        </p:txBody>
+      </p:sp>
+      <p:sp>
+        <p:nvSpPr>
+          <p:cNvPr id="22" name="Rechteck 21"/>
           <p:cNvSpPr/>
           <p:nvPr/>
         </p:nvSpPr>
         <p:spPr>
           <a:xfrm>
-            <a:off x="235145" y="4350239"/>
-            <a:ext cx="389850" cy="584775"/>
+            <a:off x="1850667" y="3855184"/>
+            <a:ext cx="248786" cy="246221"/>
           </a:xfrm>
           <a:prstGeom prst="rect">
             <a:avLst/>
@@ -4979,9 +4903,11 @@
           <a:lstStyle/>
           <a:p>
             <a:r>
-              <a:rPr lang="de-DE" sz="3200" dirty="0" smtClean="0">
-                <a:solidFill>
-                  <a:schemeClr val="bg1"/>
+              <a:rPr lang="de-DE" sz="1000" dirty="0" smtClean="0">
+                <a:solidFill>
+                  <a:schemeClr val="accent2">
+                    <a:lumMod val="75000"/>
+                  </a:schemeClr>
                 </a:solidFill>
                 <a:latin typeface="Helvetica Neue LT Std 67 Medium Condensed" charset="0"/>
                 <a:ea typeface="Helvetica Neue LT Std 67 Medium Condensed" charset="0"/>
@@ -4989,68 +4915,126 @@
               </a:rPr>
               <a:t>⇧</a:t>
             </a:r>
-            <a:endParaRPr lang="de-DE" sz="4800" dirty="0">
-              <a:solidFill>
-                <a:schemeClr val="bg1"/>
-              </a:solidFill>
-            </a:endParaRPr>
-          </a:p>
-        </p:txBody>
-      </p:sp>
-      <p:sp>
-        <p:nvSpPr>
-          <p:cNvPr id="9" name="Textfeld 8"/>
-          <p:cNvSpPr txBox="1"/>
-          <p:nvPr/>
-        </p:nvSpPr>
-        <p:spPr>
-          <a:xfrm>
-            <a:off x="470019" y="4559894"/>
-            <a:ext cx="410690" cy="253916"/>
-          </a:xfrm>
-          <a:prstGeom prst="rect">
-            <a:avLst/>
-          </a:prstGeom>
-          <a:noFill/>
-        </p:spPr>
-        <p:txBody>
-          <a:bodyPr wrap="none" rtlCol="0">
+            <a:endParaRPr lang="de-DE" sz="1400" dirty="0"/>
+          </a:p>
+        </p:txBody>
+      </p:sp>
+      <p:sp>
+        <p:nvSpPr>
+          <p:cNvPr id="3" name="Rechteck 2"/>
+          <p:cNvSpPr/>
+          <p:nvPr/>
+        </p:nvSpPr>
+        <p:spPr>
+          <a:xfrm>
+            <a:off x="5243927" y="4583655"/>
+            <a:ext cx="537327" cy="188513"/>
+          </a:xfrm>
+          <a:prstGeom prst="rect">
+            <a:avLst/>
+          </a:prstGeom>
+        </p:spPr>
+        <p:txBody>
+          <a:bodyPr wrap="none">
             <a:spAutoFit/>
           </a:bodyPr>
           <a:lstStyle/>
           <a:p>
-            <a:r>
-              <a:rPr lang="de-DE" sz="1050" smtClean="0">
-                <a:solidFill>
-                  <a:schemeClr val="bg1"/>
-                </a:solidFill>
-                <a:latin typeface="Helvetica Neue LT Std 67 Medium Condensed" charset="0"/>
-                <a:ea typeface="Helvetica Neue LT Std 67 Medium Condensed" charset="0"/>
-                <a:cs typeface="Helvetica Neue LT Std 67 Medium Condensed" charset="0"/>
-              </a:rPr>
-              <a:t>shift</a:t>
-            </a:r>
-            <a:endParaRPr lang="de-DE" sz="1050" dirty="0">
-              <a:solidFill>
-                <a:schemeClr val="bg1"/>
-              </a:solidFill>
-              <a:latin typeface="Helvetica Neue LT Std 67 Medium Condensed" charset="0"/>
-              <a:ea typeface="Helvetica Neue LT Std 67 Medium Condensed" charset="0"/>
-              <a:cs typeface="Helvetica Neue LT Std 67 Medium Condensed" charset="0"/>
-            </a:endParaRPr>
-          </a:p>
-        </p:txBody>
-      </p:sp>
-      <p:sp>
-        <p:nvSpPr>
-          <p:cNvPr id="26" name="Abgerundetes Rechteck 25"/>
+            <a:pPr>
+              <a:lnSpc>
+                <a:spcPts val="800"/>
+              </a:lnSpc>
+            </a:pPr>
+            <a:r>
+              <a:rPr lang="de-DE" sz="500" dirty="0">
+                <a:solidFill>
+                  <a:schemeClr val="accent6">
+                    <a:lumMod val="75000"/>
+                  </a:schemeClr>
+                </a:solidFill>
+                <a:latin typeface="Helvetica Neue LT Std 67 Medium Condensed" charset="0"/>
+                <a:ea typeface="Helvetica Neue LT Std 67 Medium Condensed" charset="0"/>
+                <a:cs typeface="Helvetica Neue LT Std 67 Medium Condensed" charset="0"/>
+              </a:rPr>
+              <a:t>⌥ T-2 Marker</a:t>
+            </a:r>
+          </a:p>
+        </p:txBody>
+      </p:sp>
+      <p:sp>
+        <p:nvSpPr>
+          <p:cNvPr id="7" name="Rechteck 6"/>
           <p:cNvSpPr/>
           <p:nvPr/>
         </p:nvSpPr>
         <p:spPr>
           <a:xfrm>
-            <a:off x="7610042" y="4346279"/>
-            <a:ext cx="1244026" cy="483856"/>
+            <a:off x="5212602" y="4526244"/>
+            <a:ext cx="572593" cy="169277"/>
+          </a:xfrm>
+          <a:prstGeom prst="rect">
+            <a:avLst/>
+          </a:prstGeom>
+        </p:spPr>
+        <p:txBody>
+          <a:bodyPr wrap="none">
+            <a:spAutoFit/>
+          </a:bodyPr>
+          <a:lstStyle/>
+          <a:p>
+            <a:r>
+              <a:rPr lang="de-DE" sz="500" dirty="0">
+                <a:solidFill>
+                  <a:schemeClr val="accent2">
+                    <a:lumMod val="75000"/>
+                  </a:schemeClr>
+                </a:solidFill>
+                <a:latin typeface="Helvetica Neue LT Std 67 Medium Condensed" charset="0"/>
+                <a:ea typeface="Helvetica Neue LT Std 67 Medium Condensed" charset="0"/>
+                <a:cs typeface="Helvetica Neue LT Std 67 Medium Condensed" charset="0"/>
+              </a:rPr>
+              <a:t> </a:t>
+            </a:r>
+            <a:r>
+              <a:rPr lang="de-DE" sz="500" dirty="0" err="1">
+                <a:solidFill>
+                  <a:schemeClr val="accent2">
+                    <a:lumMod val="75000"/>
+                  </a:schemeClr>
+                </a:solidFill>
+                <a:latin typeface="Helvetica Neue LT Std 67 Medium Condensed" charset="0"/>
+                <a:ea typeface="Helvetica Neue LT Std 67 Medium Condensed" charset="0"/>
+                <a:cs typeface="Helvetica Neue LT Std 67 Medium Condensed" charset="0"/>
+              </a:rPr>
+              <a:t>Named</a:t>
+            </a:r>
+            <a:r>
+              <a:rPr lang="de-DE" sz="500" dirty="0">
+                <a:solidFill>
+                  <a:schemeClr val="accent2">
+                    <a:lumMod val="75000"/>
+                  </a:schemeClr>
+                </a:solidFill>
+                <a:latin typeface="Helvetica Neue LT Std 67 Medium Condensed" charset="0"/>
+                <a:ea typeface="Helvetica Neue LT Std 67 Medium Condensed" charset="0"/>
+                <a:cs typeface="Helvetica Neue LT Std 67 Medium Condensed" charset="0"/>
+              </a:rPr>
+              <a:t> Marker</a:t>
+            </a:r>
+            <a:endParaRPr lang="de-DE" sz="500" dirty="0"/>
+          </a:p>
+        </p:txBody>
+      </p:sp>
+      <p:sp>
+        <p:nvSpPr>
+          <p:cNvPr id="23" name="Abgerundetes Rechteck 22"/>
+          <p:cNvSpPr/>
+          <p:nvPr/>
+        </p:nvSpPr>
+        <p:spPr>
+          <a:xfrm>
+            <a:off x="268822" y="4346279"/>
+            <a:ext cx="638144" cy="483856"/>
           </a:xfrm>
           <a:prstGeom prst="roundRect">
             <a:avLst>
@@ -5103,13 +5087,13 @@
       </p:sp>
       <p:sp>
         <p:nvSpPr>
-          <p:cNvPr id="27" name="Rechteck 26"/>
+          <p:cNvPr id="25" name="Rechteck 24"/>
           <p:cNvSpPr/>
           <p:nvPr/>
         </p:nvSpPr>
         <p:spPr>
           <a:xfrm>
-            <a:off x="8453592" y="4348443"/>
+            <a:off x="235145" y="4350239"/>
             <a:ext cx="389850" cy="584775"/>
           </a:xfrm>
           <a:prstGeom prst="rect">
@@ -5143,13 +5127,13 @@
       </p:sp>
       <p:sp>
         <p:nvSpPr>
-          <p:cNvPr id="28" name="Textfeld 27"/>
+          <p:cNvPr id="9" name="Textfeld 8"/>
           <p:cNvSpPr txBox="1"/>
           <p:nvPr/>
         </p:nvSpPr>
         <p:spPr>
           <a:xfrm>
-            <a:off x="8197814" y="4558098"/>
+            <a:off x="470019" y="4559894"/>
             <a:ext cx="410690" cy="253916"/>
           </a:xfrm>
           <a:prstGeom prst="rect">
@@ -5187,14 +5171,14 @@
       </p:sp>
       <p:sp>
         <p:nvSpPr>
-          <p:cNvPr id="29" name="Abgerundetes Rechteck 28"/>
+          <p:cNvPr id="26" name="Abgerundetes Rechteck 25"/>
           <p:cNvSpPr/>
           <p:nvPr/>
         </p:nvSpPr>
         <p:spPr>
           <a:xfrm>
-            <a:off x="1465491" y="4934941"/>
-            <a:ext cx="508273" cy="565152"/>
+            <a:off x="7610042" y="4346279"/>
+            <a:ext cx="1244026" cy="483856"/>
           </a:xfrm>
           <a:prstGeom prst="roundRect">
             <a:avLst>
@@ -5202,13 +5186,13 @@
             </a:avLst>
           </a:prstGeom>
           <a:solidFill>
-            <a:schemeClr val="accent6">
+            <a:schemeClr val="accent2">
               <a:lumMod val="75000"/>
             </a:schemeClr>
           </a:solidFill>
           <a:ln>
             <a:solidFill>
-              <a:schemeClr val="accent6">
+              <a:schemeClr val="accent2">
                 <a:lumMod val="50000"/>
               </a:schemeClr>
             </a:solidFill>
@@ -5247,14 +5231,14 @@
       </p:sp>
       <p:sp>
         <p:nvSpPr>
-          <p:cNvPr id="30" name="Rechteck 29"/>
+          <p:cNvPr id="27" name="Rechteck 26"/>
           <p:cNvSpPr/>
           <p:nvPr/>
         </p:nvSpPr>
         <p:spPr>
           <a:xfrm>
-            <a:off x="1443190" y="5149404"/>
-            <a:ext cx="393056" cy="369332"/>
+            <a:off x="8453592" y="4348443"/>
+            <a:ext cx="389850" cy="584775"/>
           </a:xfrm>
           <a:prstGeom prst="rect">
             <a:avLst/>
@@ -5267,7 +5251,7 @@
           <a:lstStyle/>
           <a:p>
             <a:r>
-              <a:rPr lang="de-DE" dirty="0">
+              <a:rPr lang="de-DE" sz="3200" dirty="0" smtClean="0">
                 <a:solidFill>
                   <a:schemeClr val="bg1"/>
                 </a:solidFill>
@@ -5275,9 +5259,9 @@
                 <a:ea typeface="Helvetica Neue LT Std 67 Medium Condensed" charset="0"/>
                 <a:cs typeface="Helvetica Neue LT Std 67 Medium Condensed" charset="0"/>
               </a:rPr>
-              <a:t>⌥</a:t>
-            </a:r>
-            <a:endParaRPr lang="de-DE" sz="11500" dirty="0">
+              <a:t>⇧</a:t>
+            </a:r>
+            <a:endParaRPr lang="de-DE" sz="4800" dirty="0">
               <a:solidFill>
                 <a:schemeClr val="bg1"/>
               </a:solidFill>
@@ -5287,14 +5271,14 @@
       </p:sp>
       <p:sp>
         <p:nvSpPr>
-          <p:cNvPr id="31" name="Textfeld 30"/>
+          <p:cNvPr id="28" name="Textfeld 27"/>
           <p:cNvSpPr txBox="1"/>
           <p:nvPr/>
         </p:nvSpPr>
         <p:spPr>
           <a:xfrm>
-            <a:off x="1700366" y="5232681"/>
-            <a:ext cx="314510" cy="253916"/>
+            <a:off x="8197814" y="4558098"/>
+            <a:ext cx="410690" cy="253916"/>
           </a:xfrm>
           <a:prstGeom prst="rect">
             <a:avLst/>
@@ -5308,7 +5292,7 @@
           <a:lstStyle/>
           <a:p>
             <a:r>
-              <a:rPr lang="de-DE" sz="1050" dirty="0" smtClean="0">
+              <a:rPr lang="de-DE" sz="1050" smtClean="0">
                 <a:solidFill>
                   <a:schemeClr val="bg1"/>
                 </a:solidFill>
@@ -5316,7 +5300,7 @@
                 <a:ea typeface="Helvetica Neue LT Std 67 Medium Condensed" charset="0"/>
                 <a:cs typeface="Helvetica Neue LT Std 67 Medium Condensed" charset="0"/>
               </a:rPr>
-              <a:t>alt</a:t>
+              <a:t>shift</a:t>
             </a:r>
             <a:endParaRPr lang="de-DE" sz="1050" dirty="0">
               <a:solidFill>
@@ -5331,13 +5315,13 @@
       </p:sp>
       <p:sp>
         <p:nvSpPr>
-          <p:cNvPr id="32" name="Abgerundetes Rechteck 31"/>
+          <p:cNvPr id="29" name="Abgerundetes Rechteck 28"/>
           <p:cNvSpPr/>
           <p:nvPr/>
         </p:nvSpPr>
         <p:spPr>
           <a:xfrm>
-            <a:off x="6543084" y="4934941"/>
+            <a:off x="1465491" y="4934941"/>
             <a:ext cx="508273" cy="565152"/>
           </a:xfrm>
           <a:prstGeom prst="roundRect">
@@ -5391,13 +5375,13 @@
       </p:sp>
       <p:sp>
         <p:nvSpPr>
-          <p:cNvPr id="33" name="Rechteck 32"/>
+          <p:cNvPr id="30" name="Rechteck 29"/>
           <p:cNvSpPr/>
           <p:nvPr/>
         </p:nvSpPr>
         <p:spPr>
           <a:xfrm>
-            <a:off x="6520783" y="5149404"/>
+            <a:off x="1443190" y="5149404"/>
             <a:ext cx="393056" cy="369332"/>
           </a:xfrm>
           <a:prstGeom prst="rect">
@@ -5431,13 +5415,13 @@
       </p:sp>
       <p:sp>
         <p:nvSpPr>
-          <p:cNvPr id="34" name="Textfeld 33"/>
+          <p:cNvPr id="31" name="Textfeld 30"/>
           <p:cNvSpPr txBox="1"/>
           <p:nvPr/>
         </p:nvSpPr>
         <p:spPr>
           <a:xfrm>
-            <a:off x="6777959" y="5232681"/>
+            <a:off x="1700366" y="5232681"/>
             <a:ext cx="314510" cy="253916"/>
           </a:xfrm>
           <a:prstGeom prst="rect">
@@ -5475,242 +5459,14 @@
       </p:sp>
       <p:sp>
         <p:nvSpPr>
-          <p:cNvPr id="10" name="Textfeld 9"/>
-          <p:cNvSpPr txBox="1"/>
-          <p:nvPr/>
-        </p:nvSpPr>
-        <p:spPr>
-          <a:xfrm>
-            <a:off x="2292716" y="3143061"/>
-            <a:ext cx="364202" cy="307777"/>
-          </a:xfrm>
-          <a:prstGeom prst="rect">
-            <a:avLst/>
-          </a:prstGeom>
-          <a:noFill/>
-        </p:spPr>
-        <p:txBody>
-          <a:bodyPr wrap="none" rtlCol="0">
-            <a:spAutoFit/>
-          </a:bodyPr>
-          <a:lstStyle/>
-          <a:p>
-            <a:r>
-              <a:rPr lang="de-DE" sz="1400" dirty="0" err="1" smtClean="0">
-                <a:latin typeface="ultraschall" charset="-127"/>
-                <a:ea typeface="ultraschall" charset="-127"/>
-                <a:cs typeface="ultraschall" charset="-127"/>
-              </a:rPr>
-              <a:t>e</a:t>
-            </a:r>
-            <a:endParaRPr lang="de-DE" sz="1400" dirty="0">
-              <a:latin typeface="ultraschall" charset="-127"/>
-              <a:ea typeface="ultraschall" charset="-127"/>
-              <a:cs typeface="ultraschall" charset="-127"/>
-            </a:endParaRPr>
-          </a:p>
-        </p:txBody>
-      </p:sp>
-      <p:sp>
-        <p:nvSpPr>
-          <p:cNvPr id="35" name="Textfeld 34"/>
-          <p:cNvSpPr txBox="1"/>
-          <p:nvPr/>
-        </p:nvSpPr>
-        <p:spPr>
-          <a:xfrm>
-            <a:off x="5125142" y="4298578"/>
-            <a:ext cx="364202" cy="307777"/>
-          </a:xfrm>
-          <a:prstGeom prst="rect">
-            <a:avLst/>
-          </a:prstGeom>
-          <a:noFill/>
-        </p:spPr>
-        <p:txBody>
-          <a:bodyPr wrap="none" rtlCol="0">
-            <a:spAutoFit/>
-          </a:bodyPr>
-          <a:lstStyle/>
-          <a:p>
-            <a:r>
-              <a:rPr lang="de-DE" sz="1400" smtClean="0">
-                <a:latin typeface="ultraschall" charset="-127"/>
-                <a:ea typeface="ultraschall" charset="-127"/>
-                <a:cs typeface="ultraschall" charset="-127"/>
-              </a:rPr>
-              <a:t>d</a:t>
-            </a:r>
-            <a:endParaRPr lang="de-DE" sz="1400" dirty="0">
-              <a:latin typeface="ultraschall" charset="-127"/>
-              <a:ea typeface="ultraschall" charset="-127"/>
-              <a:cs typeface="ultraschall" charset="-127"/>
-            </a:endParaRPr>
-          </a:p>
-        </p:txBody>
-      </p:sp>
-      <p:sp>
-        <p:nvSpPr>
-          <p:cNvPr id="37" name="Textfeld 36"/>
-          <p:cNvSpPr txBox="1"/>
-          <p:nvPr/>
-        </p:nvSpPr>
-        <p:spPr>
-          <a:xfrm>
-            <a:off x="1858113" y="3708899"/>
-            <a:ext cx="325730" cy="261610"/>
-          </a:xfrm>
-          <a:prstGeom prst="rect">
-            <a:avLst/>
-          </a:prstGeom>
-          <a:noFill/>
-        </p:spPr>
-        <p:txBody>
-          <a:bodyPr wrap="none" rtlCol="0">
-            <a:spAutoFit/>
-          </a:bodyPr>
-          <a:lstStyle/>
-          <a:p>
-            <a:r>
-              <a:rPr lang="de-DE" sz="1100" dirty="0" smtClean="0">
-                <a:latin typeface="ultraschall" charset="-127"/>
-                <a:ea typeface="ultraschall" charset="-127"/>
-                <a:cs typeface="ultraschall" charset="-127"/>
-              </a:rPr>
-              <a:t>f</a:t>
-            </a:r>
-            <a:endParaRPr lang="de-DE" sz="1100" dirty="0">
-              <a:latin typeface="ultraschall" charset="-127"/>
-              <a:ea typeface="ultraschall" charset="-127"/>
-              <a:cs typeface="ultraschall" charset="-127"/>
-            </a:endParaRPr>
-          </a:p>
-        </p:txBody>
-      </p:sp>
-      <p:sp>
-        <p:nvSpPr>
-          <p:cNvPr id="38" name="Textfeld 37"/>
-          <p:cNvSpPr txBox="1"/>
-          <p:nvPr/>
-        </p:nvSpPr>
-        <p:spPr>
-          <a:xfrm>
-            <a:off x="5139420" y="3174060"/>
-            <a:ext cx="759239" cy="246221"/>
-          </a:xfrm>
-          <a:prstGeom prst="rect">
-            <a:avLst/>
-          </a:prstGeom>
-          <a:noFill/>
-        </p:spPr>
-        <p:txBody>
-          <a:bodyPr wrap="square" rtlCol="0" anchor="t">
-            <a:spAutoFit/>
-          </a:bodyPr>
-          <a:lstStyle/>
-          <a:p>
-            <a:pPr algn="r"/>
-            <a:r>
-              <a:rPr lang="de-DE" sz="500" dirty="0" smtClean="0">
-                <a:latin typeface="Helvetica Neue LT Std 67 Medium Condensed" charset="0"/>
-                <a:ea typeface="Helvetica Neue LT Std 67 Medium Condensed" charset="0"/>
-                <a:cs typeface="Helvetica Neue LT Std 67 Medium Condensed" charset="0"/>
-              </a:rPr>
-              <a:t>Set Start </a:t>
-            </a:r>
-            <a:r>
-              <a:rPr lang="de-DE" sz="500" dirty="0" err="1" smtClean="0">
-                <a:latin typeface="Helvetica Neue LT Std 67 Medium Condensed" charset="0"/>
-                <a:ea typeface="Helvetica Neue LT Std 67 Medium Condensed" charset="0"/>
-                <a:cs typeface="Helvetica Neue LT Std 67 Medium Condensed" charset="0"/>
-              </a:rPr>
-              <a:t>of</a:t>
-            </a:r>
-            <a:endParaRPr lang="de-DE" sz="500" dirty="0" smtClean="0">
-              <a:latin typeface="Helvetica Neue LT Std 67 Medium Condensed" charset="0"/>
-              <a:ea typeface="Helvetica Neue LT Std 67 Medium Condensed" charset="0"/>
-              <a:cs typeface="Helvetica Neue LT Std 67 Medium Condensed" charset="0"/>
-            </a:endParaRPr>
-          </a:p>
-          <a:p>
-            <a:pPr algn="r"/>
-            <a:r>
-              <a:rPr lang="de-DE" sz="500" dirty="0" smtClean="0">
-                <a:latin typeface="Helvetica Neue LT Std 67 Medium Condensed" charset="0"/>
-                <a:ea typeface="Helvetica Neue LT Std 67 Medium Condensed" charset="0"/>
-                <a:cs typeface="Helvetica Neue LT Std 67 Medium Condensed" charset="0"/>
-              </a:rPr>
-              <a:t>Time-</a:t>
-            </a:r>
-            <a:r>
-              <a:rPr lang="de-DE" sz="500" dirty="0" err="1" smtClean="0">
-                <a:latin typeface="Helvetica Neue LT Std 67 Medium Condensed" charset="0"/>
-                <a:ea typeface="Helvetica Neue LT Std 67 Medium Condensed" charset="0"/>
-                <a:cs typeface="Helvetica Neue LT Std 67 Medium Condensed" charset="0"/>
-              </a:rPr>
-              <a:t>Selection</a:t>
-            </a:r>
-            <a:endParaRPr lang="de-DE" sz="500" dirty="0" smtClean="0">
-              <a:solidFill>
-                <a:schemeClr val="accent2">
-                  <a:lumMod val="75000"/>
-                </a:schemeClr>
-              </a:solidFill>
-              <a:latin typeface="Helvetica Neue LT Std 67 Medium Condensed" charset="0"/>
-              <a:ea typeface="Helvetica Neue LT Std 67 Medium Condensed" charset="0"/>
-              <a:cs typeface="Helvetica Neue LT Std 67 Medium Condensed" charset="0"/>
-            </a:endParaRPr>
-          </a:p>
-        </p:txBody>
-      </p:sp>
-      <p:sp>
-        <p:nvSpPr>
-          <p:cNvPr id="40" name="Textfeld 39"/>
-          <p:cNvSpPr txBox="1"/>
-          <p:nvPr/>
-        </p:nvSpPr>
-        <p:spPr>
-          <a:xfrm>
-            <a:off x="5316546" y="3447615"/>
-            <a:ext cx="215123" cy="253916"/>
-          </a:xfrm>
-          <a:prstGeom prst="rect">
-            <a:avLst/>
-          </a:prstGeom>
-          <a:noFill/>
-        </p:spPr>
-        <p:txBody>
-          <a:bodyPr wrap="none" rtlCol="0">
-            <a:spAutoFit/>
-          </a:bodyPr>
-          <a:lstStyle/>
-          <a:p>
-            <a:r>
-              <a:rPr lang="de-DE" sz="1050" smtClean="0">
-                <a:latin typeface="Helvetica Neue LT Std 67 Medium Condensed" charset="0"/>
-                <a:ea typeface="Helvetica Neue LT Std 67 Medium Condensed" charset="0"/>
-                <a:cs typeface="Helvetica Neue LT Std 67 Medium Condensed" charset="0"/>
-              </a:rPr>
-              <a:t>I</a:t>
-            </a:r>
-            <a:endParaRPr lang="de-DE" sz="1050" dirty="0">
-              <a:latin typeface="Helvetica Neue LT Std 67 Medium Condensed" charset="0"/>
-              <a:ea typeface="Helvetica Neue LT Std 67 Medium Condensed" charset="0"/>
-              <a:cs typeface="Helvetica Neue LT Std 67 Medium Condensed" charset="0"/>
-            </a:endParaRPr>
-          </a:p>
-        </p:txBody>
-      </p:sp>
-      <p:sp>
-        <p:nvSpPr>
-          <p:cNvPr id="41" name="Abgerundetes Rechteck 40"/>
+          <p:cNvPr id="32" name="Abgerundetes Rechteck 31"/>
           <p:cNvSpPr/>
           <p:nvPr/>
         </p:nvSpPr>
         <p:spPr>
           <a:xfrm>
-            <a:off x="5958468" y="3173686"/>
-            <a:ext cx="495160" cy="483856"/>
+            <a:off x="6543084" y="4934941"/>
+            <a:ext cx="508273" cy="565152"/>
           </a:xfrm>
           <a:prstGeom prst="roundRect">
             <a:avLst>
@@ -5718,14 +5474,13 @@
             </a:avLst>
           </a:prstGeom>
           <a:solidFill>
-            <a:schemeClr val="accent4">
-              <a:lumMod val="20000"/>
-              <a:lumOff val="80000"/>
+            <a:schemeClr val="accent6">
+              <a:lumMod val="75000"/>
             </a:schemeClr>
           </a:solidFill>
           <a:ln>
             <a:solidFill>
-              <a:schemeClr val="accent4">
+              <a:schemeClr val="accent6">
                 <a:lumMod val="50000"/>
               </a:schemeClr>
             </a:solidFill>
@@ -5764,13 +5519,211 @@
       </p:sp>
       <p:sp>
         <p:nvSpPr>
-          <p:cNvPr id="42" name="Textfeld 41"/>
+          <p:cNvPr id="33" name="Rechteck 32"/>
+          <p:cNvSpPr/>
+          <p:nvPr/>
+        </p:nvSpPr>
+        <p:spPr>
+          <a:xfrm>
+            <a:off x="6520783" y="5149404"/>
+            <a:ext cx="393056" cy="369332"/>
+          </a:xfrm>
+          <a:prstGeom prst="rect">
+            <a:avLst/>
+          </a:prstGeom>
+        </p:spPr>
+        <p:txBody>
+          <a:bodyPr wrap="none">
+            <a:spAutoFit/>
+          </a:bodyPr>
+          <a:lstStyle/>
+          <a:p>
+            <a:r>
+              <a:rPr lang="de-DE" dirty="0">
+                <a:solidFill>
+                  <a:schemeClr val="bg1"/>
+                </a:solidFill>
+                <a:latin typeface="Helvetica Neue LT Std 67 Medium Condensed" charset="0"/>
+                <a:ea typeface="Helvetica Neue LT Std 67 Medium Condensed" charset="0"/>
+                <a:cs typeface="Helvetica Neue LT Std 67 Medium Condensed" charset="0"/>
+              </a:rPr>
+              <a:t>⌥</a:t>
+            </a:r>
+            <a:endParaRPr lang="de-DE" sz="11500" dirty="0">
+              <a:solidFill>
+                <a:schemeClr val="bg1"/>
+              </a:solidFill>
+            </a:endParaRPr>
+          </a:p>
+        </p:txBody>
+      </p:sp>
+      <p:sp>
+        <p:nvSpPr>
+          <p:cNvPr id="34" name="Textfeld 33"/>
           <p:cNvSpPr txBox="1"/>
           <p:nvPr/>
         </p:nvSpPr>
         <p:spPr>
           <a:xfrm>
-            <a:off x="5743317" y="3177004"/>
+            <a:off x="6777959" y="5232681"/>
+            <a:ext cx="314510" cy="253916"/>
+          </a:xfrm>
+          <a:prstGeom prst="rect">
+            <a:avLst/>
+          </a:prstGeom>
+          <a:noFill/>
+        </p:spPr>
+        <p:txBody>
+          <a:bodyPr wrap="none" rtlCol="0">
+            <a:spAutoFit/>
+          </a:bodyPr>
+          <a:lstStyle/>
+          <a:p>
+            <a:r>
+              <a:rPr lang="de-DE" sz="1050" dirty="0" smtClean="0">
+                <a:solidFill>
+                  <a:schemeClr val="bg1"/>
+                </a:solidFill>
+                <a:latin typeface="Helvetica Neue LT Std 67 Medium Condensed" charset="0"/>
+                <a:ea typeface="Helvetica Neue LT Std 67 Medium Condensed" charset="0"/>
+                <a:cs typeface="Helvetica Neue LT Std 67 Medium Condensed" charset="0"/>
+              </a:rPr>
+              <a:t>alt</a:t>
+            </a:r>
+            <a:endParaRPr lang="de-DE" sz="1050" dirty="0">
+              <a:solidFill>
+                <a:schemeClr val="bg1"/>
+              </a:solidFill>
+              <a:latin typeface="Helvetica Neue LT Std 67 Medium Condensed" charset="0"/>
+              <a:ea typeface="Helvetica Neue LT Std 67 Medium Condensed" charset="0"/>
+              <a:cs typeface="Helvetica Neue LT Std 67 Medium Condensed" charset="0"/>
+            </a:endParaRPr>
+          </a:p>
+        </p:txBody>
+      </p:sp>
+      <p:sp>
+        <p:nvSpPr>
+          <p:cNvPr id="10" name="Textfeld 9"/>
+          <p:cNvSpPr txBox="1"/>
+          <p:nvPr/>
+        </p:nvSpPr>
+        <p:spPr>
+          <a:xfrm>
+            <a:off x="2292716" y="3143061"/>
+            <a:ext cx="364202" cy="307777"/>
+          </a:xfrm>
+          <a:prstGeom prst="rect">
+            <a:avLst/>
+          </a:prstGeom>
+          <a:noFill/>
+        </p:spPr>
+        <p:txBody>
+          <a:bodyPr wrap="none" rtlCol="0">
+            <a:spAutoFit/>
+          </a:bodyPr>
+          <a:lstStyle/>
+          <a:p>
+            <a:r>
+              <a:rPr lang="de-DE" sz="1400" dirty="0" err="1" smtClean="0">
+                <a:latin typeface="ultraschall" charset="-127"/>
+                <a:ea typeface="ultraschall" charset="-127"/>
+                <a:cs typeface="ultraschall" charset="-127"/>
+              </a:rPr>
+              <a:t>e</a:t>
+            </a:r>
+            <a:endParaRPr lang="de-DE" sz="1400" dirty="0">
+              <a:latin typeface="ultraschall" charset="-127"/>
+              <a:ea typeface="ultraschall" charset="-127"/>
+              <a:cs typeface="ultraschall" charset="-127"/>
+            </a:endParaRPr>
+          </a:p>
+        </p:txBody>
+      </p:sp>
+      <p:sp>
+        <p:nvSpPr>
+          <p:cNvPr id="35" name="Textfeld 34"/>
+          <p:cNvSpPr txBox="1"/>
+          <p:nvPr/>
+        </p:nvSpPr>
+        <p:spPr>
+          <a:xfrm>
+            <a:off x="5125142" y="4298578"/>
+            <a:ext cx="364202" cy="307777"/>
+          </a:xfrm>
+          <a:prstGeom prst="rect">
+            <a:avLst/>
+          </a:prstGeom>
+          <a:noFill/>
+        </p:spPr>
+        <p:txBody>
+          <a:bodyPr wrap="none" rtlCol="0">
+            <a:spAutoFit/>
+          </a:bodyPr>
+          <a:lstStyle/>
+          <a:p>
+            <a:r>
+              <a:rPr lang="de-DE" sz="1400" smtClean="0">
+                <a:latin typeface="ultraschall" charset="-127"/>
+                <a:ea typeface="ultraschall" charset="-127"/>
+                <a:cs typeface="ultraschall" charset="-127"/>
+              </a:rPr>
+              <a:t>d</a:t>
+            </a:r>
+            <a:endParaRPr lang="de-DE" sz="1400" dirty="0">
+              <a:latin typeface="ultraschall" charset="-127"/>
+              <a:ea typeface="ultraschall" charset="-127"/>
+              <a:cs typeface="ultraschall" charset="-127"/>
+            </a:endParaRPr>
+          </a:p>
+        </p:txBody>
+      </p:sp>
+      <p:sp>
+        <p:nvSpPr>
+          <p:cNvPr id="37" name="Textfeld 36"/>
+          <p:cNvSpPr txBox="1"/>
+          <p:nvPr/>
+        </p:nvSpPr>
+        <p:spPr>
+          <a:xfrm>
+            <a:off x="1858113" y="3708899"/>
+            <a:ext cx="325730" cy="261610"/>
+          </a:xfrm>
+          <a:prstGeom prst="rect">
+            <a:avLst/>
+          </a:prstGeom>
+          <a:noFill/>
+        </p:spPr>
+        <p:txBody>
+          <a:bodyPr wrap="none" rtlCol="0">
+            <a:spAutoFit/>
+          </a:bodyPr>
+          <a:lstStyle/>
+          <a:p>
+            <a:r>
+              <a:rPr lang="de-DE" sz="1100" dirty="0" smtClean="0">
+                <a:latin typeface="ultraschall" charset="-127"/>
+                <a:ea typeface="ultraschall" charset="-127"/>
+                <a:cs typeface="ultraschall" charset="-127"/>
+              </a:rPr>
+              <a:t>f</a:t>
+            </a:r>
+            <a:endParaRPr lang="de-DE" sz="1100" dirty="0">
+              <a:latin typeface="ultraschall" charset="-127"/>
+              <a:ea typeface="ultraschall" charset="-127"/>
+              <a:cs typeface="ultraschall" charset="-127"/>
+            </a:endParaRPr>
+          </a:p>
+        </p:txBody>
+      </p:sp>
+      <p:sp>
+        <p:nvSpPr>
+          <p:cNvPr id="38" name="Textfeld 37"/>
+          <p:cNvSpPr txBox="1"/>
+          <p:nvPr/>
+        </p:nvSpPr>
+        <p:spPr>
+          <a:xfrm>
+            <a:off x="5139420" y="3174060"/>
             <a:ext cx="759239" cy="246221"/>
           </a:xfrm>
           <a:prstGeom prst="rect">
@@ -5791,7 +5744,23 @@
                 <a:ea typeface="Helvetica Neue LT Std 67 Medium Condensed" charset="0"/>
                 <a:cs typeface="Helvetica Neue LT Std 67 Medium Condensed" charset="0"/>
               </a:rPr>
-              <a:t>Set End </a:t>
+              <a:t>Set </a:t>
+            </a:r>
+            <a:r>
+              <a:rPr lang="de-DE" sz="500" dirty="0" err="1" smtClean="0">
+                <a:latin typeface="Helvetica Neue LT Std 67 Medium Condensed" charset="0"/>
+                <a:ea typeface="Helvetica Neue LT Std 67 Medium Condensed" charset="0"/>
+                <a:cs typeface="Helvetica Neue LT Std 67 Medium Condensed" charset="0"/>
+              </a:rPr>
+              <a:t>Inpoint</a:t>
+            </a:r>
+            <a:r>
+              <a:rPr lang="de-DE" sz="500" dirty="0" smtClean="0">
+                <a:latin typeface="Helvetica Neue LT Std 67 Medium Condensed" charset="0"/>
+                <a:ea typeface="Helvetica Neue LT Std 67 Medium Condensed" charset="0"/>
+                <a:cs typeface="Helvetica Neue LT Std 67 Medium Condensed" charset="0"/>
+              </a:rPr>
+              <a:t> </a:t>
             </a:r>
             <a:r>
               <a:rPr lang="de-DE" sz="500" dirty="0" err="1" smtClean="0">
@@ -5840,13 +5809,204 @@
       </p:sp>
       <p:sp>
         <p:nvSpPr>
+          <p:cNvPr id="40" name="Textfeld 39"/>
+          <p:cNvSpPr txBox="1"/>
+          <p:nvPr/>
+        </p:nvSpPr>
+        <p:spPr>
+          <a:xfrm>
+            <a:off x="5316546" y="3447615"/>
+            <a:ext cx="215123" cy="253916"/>
+          </a:xfrm>
+          <a:prstGeom prst="rect">
+            <a:avLst/>
+          </a:prstGeom>
+          <a:noFill/>
+        </p:spPr>
+        <p:txBody>
+          <a:bodyPr wrap="none" rtlCol="0">
+            <a:spAutoFit/>
+          </a:bodyPr>
+          <a:lstStyle/>
+          <a:p>
+            <a:r>
+              <a:rPr lang="de-DE" sz="1050" smtClean="0">
+                <a:latin typeface="Helvetica Neue LT Std 67 Medium Condensed" charset="0"/>
+                <a:ea typeface="Helvetica Neue LT Std 67 Medium Condensed" charset="0"/>
+                <a:cs typeface="Helvetica Neue LT Std 67 Medium Condensed" charset="0"/>
+              </a:rPr>
+              <a:t>I</a:t>
+            </a:r>
+            <a:endParaRPr lang="de-DE" sz="1050" dirty="0">
+              <a:latin typeface="Helvetica Neue LT Std 67 Medium Condensed" charset="0"/>
+              <a:ea typeface="Helvetica Neue LT Std 67 Medium Condensed" charset="0"/>
+              <a:cs typeface="Helvetica Neue LT Std 67 Medium Condensed" charset="0"/>
+            </a:endParaRPr>
+          </a:p>
+        </p:txBody>
+      </p:sp>
+      <p:sp>
+        <p:nvSpPr>
+          <p:cNvPr id="41" name="Abgerundetes Rechteck 40"/>
+          <p:cNvSpPr/>
+          <p:nvPr/>
+        </p:nvSpPr>
+        <p:spPr>
+          <a:xfrm>
+            <a:off x="5958468" y="3173686"/>
+            <a:ext cx="495160" cy="483856"/>
+          </a:xfrm>
+          <a:prstGeom prst="roundRect">
+            <a:avLst>
+              <a:gd name="adj" fmla="val 8710"/>
+            </a:avLst>
+          </a:prstGeom>
+          <a:solidFill>
+            <a:schemeClr val="accent4">
+              <a:lumMod val="20000"/>
+              <a:lumOff val="80000"/>
+            </a:schemeClr>
+          </a:solidFill>
+          <a:ln>
+            <a:solidFill>
+              <a:schemeClr val="accent4">
+                <a:lumMod val="50000"/>
+              </a:schemeClr>
+            </a:solidFill>
+          </a:ln>
+        </p:spPr>
+        <p:style>
+          <a:lnRef idx="2">
+            <a:schemeClr val="accent1">
+              <a:shade val="50000"/>
+            </a:schemeClr>
+          </a:lnRef>
+          <a:fillRef idx="1">
+            <a:schemeClr val="accent1"/>
+          </a:fillRef>
+          <a:effectRef idx="0">
+            <a:schemeClr val="accent1"/>
+          </a:effectRef>
+          <a:fontRef idx="minor">
+            <a:schemeClr val="lt1"/>
+          </a:fontRef>
+        </p:style>
+        <p:txBody>
+          <a:bodyPr rtlCol="0" anchor="b"/>
+          <a:lstStyle/>
+          <a:p>
+            <a:endParaRPr lang="de-DE" sz="1000" dirty="0">
+              <a:solidFill>
+                <a:schemeClr val="tx1"/>
+              </a:solidFill>
+              <a:latin typeface="Helvetica Neue LT Std 67 Medium Condensed" charset="0"/>
+              <a:ea typeface="Helvetica Neue LT Std 67 Medium Condensed" charset="0"/>
+              <a:cs typeface="Helvetica Neue LT Std 67 Medium Condensed" charset="0"/>
+            </a:endParaRPr>
+          </a:p>
+        </p:txBody>
+      </p:sp>
+      <p:sp>
+        <p:nvSpPr>
+          <p:cNvPr id="42" name="Textfeld 41"/>
+          <p:cNvSpPr txBox="1"/>
+          <p:nvPr/>
+        </p:nvSpPr>
+        <p:spPr>
+          <a:xfrm>
+            <a:off x="5743317" y="3177004"/>
+            <a:ext cx="759239" cy="246221"/>
+          </a:xfrm>
+          <a:prstGeom prst="rect">
+            <a:avLst/>
+          </a:prstGeom>
+          <a:noFill/>
+        </p:spPr>
+        <p:txBody>
+          <a:bodyPr wrap="square" rtlCol="0" anchor="t">
+            <a:spAutoFit/>
+          </a:bodyPr>
+          <a:lstStyle/>
+          <a:p>
+            <a:pPr algn="r"/>
+            <a:r>
+              <a:rPr lang="de-DE" sz="500" dirty="0" smtClean="0">
+                <a:latin typeface="Helvetica Neue LT Std 67 Medium Condensed" charset="0"/>
+                <a:ea typeface="Helvetica Neue LT Std 67 Medium Condensed" charset="0"/>
+                <a:cs typeface="Helvetica Neue LT Std 67 Medium Condensed" charset="0"/>
+              </a:rPr>
+              <a:t>Set </a:t>
+            </a:r>
+            <a:r>
+              <a:rPr lang="de-DE" sz="500" dirty="0" err="1" smtClean="0">
+                <a:latin typeface="Helvetica Neue LT Std 67 Medium Condensed" charset="0"/>
+                <a:ea typeface="Helvetica Neue LT Std 67 Medium Condensed" charset="0"/>
+                <a:cs typeface="Helvetica Neue LT Std 67 Medium Condensed" charset="0"/>
+              </a:rPr>
+              <a:t>Outpoint</a:t>
+            </a:r>
+            <a:r>
+              <a:rPr lang="de-DE" sz="500" dirty="0" smtClean="0">
+                <a:latin typeface="Helvetica Neue LT Std 67 Medium Condensed" charset="0"/>
+                <a:ea typeface="Helvetica Neue LT Std 67 Medium Condensed" charset="0"/>
+                <a:cs typeface="Helvetica Neue LT Std 67 Medium Condensed" charset="0"/>
+              </a:rPr>
+              <a:t> </a:t>
+            </a:r>
+            <a:r>
+              <a:rPr lang="de-DE" sz="500" dirty="0" err="1" smtClean="0">
+                <a:latin typeface="Helvetica Neue LT Std 67 Medium Condensed" charset="0"/>
+                <a:ea typeface="Helvetica Neue LT Std 67 Medium Condensed" charset="0"/>
+                <a:cs typeface="Helvetica Neue LT Std 67 Medium Condensed" charset="0"/>
+              </a:rPr>
+              <a:t>of</a:t>
+            </a:r>
+            <a:endParaRPr lang="de-DE" sz="500" dirty="0" smtClean="0">
+              <a:latin typeface="Helvetica Neue LT Std 67 Medium Condensed" charset="0"/>
+              <a:ea typeface="Helvetica Neue LT Std 67 Medium Condensed" charset="0"/>
+              <a:cs typeface="Helvetica Neue LT Std 67 Medium Condensed" charset="0"/>
+            </a:endParaRPr>
+          </a:p>
+          <a:p>
+            <a:pPr algn="r"/>
+            <a:r>
+              <a:rPr lang="de-DE" sz="500" dirty="0" smtClean="0">
+                <a:latin typeface="Helvetica Neue LT Std 67 Medium Condensed" charset="0"/>
+                <a:ea typeface="Helvetica Neue LT Std 67 Medium Condensed" charset="0"/>
+                <a:cs typeface="Helvetica Neue LT Std 67 Medium Condensed" charset="0"/>
+              </a:rPr>
+              <a:t>Time-</a:t>
+            </a:r>
+            <a:r>
+              <a:rPr lang="de-DE" sz="500" dirty="0" err="1" smtClean="0">
+                <a:latin typeface="Helvetica Neue LT Std 67 Medium Condensed" charset="0"/>
+                <a:ea typeface="Helvetica Neue LT Std 67 Medium Condensed" charset="0"/>
+                <a:cs typeface="Helvetica Neue LT Std 67 Medium Condensed" charset="0"/>
+              </a:rPr>
+              <a:t>Selection</a:t>
+            </a:r>
+            <a:endParaRPr lang="de-DE" sz="500" dirty="0" smtClean="0">
+              <a:solidFill>
+                <a:schemeClr val="accent2">
+                  <a:lumMod val="75000"/>
+                </a:schemeClr>
+              </a:solidFill>
+              <a:latin typeface="Helvetica Neue LT Std 67 Medium Condensed" charset="0"/>
+              <a:ea typeface="Helvetica Neue LT Std 67 Medium Condensed" charset="0"/>
+              <a:cs typeface="Helvetica Neue LT Std 67 Medium Condensed" charset="0"/>
+            </a:endParaRPr>
+          </a:p>
+        </p:txBody>
+      </p:sp>
+      <p:sp>
+        <p:nvSpPr>
           <p:cNvPr id="43" name="Textfeld 42"/>
           <p:cNvSpPr txBox="1"/>
           <p:nvPr/>
         </p:nvSpPr>
         <p:spPr>
           <a:xfrm>
-            <a:off x="5920443" y="3450559"/>
+            <a:off x="5921380" y="3461539"/>
             <a:ext cx="260008" cy="253916"/>
           </a:xfrm>
           <a:prstGeom prst="rect">
@@ -10231,7 +10391,7 @@
         </p:nvSpPr>
         <p:spPr>
           <a:xfrm>
-            <a:off x="5383369" y="3349455"/>
+            <a:off x="5420369" y="3412482"/>
             <a:ext cx="248786" cy="246221"/>
           </a:xfrm>
           <a:prstGeom prst="rect">
@@ -10269,7 +10429,7 @@
         </p:nvSpPr>
         <p:spPr>
           <a:xfrm>
-            <a:off x="5446580" y="3389487"/>
+            <a:off x="3642049" y="3350575"/>
             <a:ext cx="463588" cy="223779"/>
           </a:xfrm>
           <a:prstGeom prst="rect">
@@ -14055,64 +14215,6 @@
               <a:t>D</a:t>
             </a:r>
             <a:endParaRPr lang="de-DE" sz="1050" dirty="0">
-              <a:latin typeface="Helvetica Neue LT Std 67 Medium Condensed" charset="0"/>
-              <a:ea typeface="Helvetica Neue LT Std 67 Medium Condensed" charset="0"/>
-              <a:cs typeface="Helvetica Neue LT Std 67 Medium Condensed" charset="0"/>
-            </a:endParaRPr>
-          </a:p>
-        </p:txBody>
-      </p:sp>
-      <p:sp>
-        <p:nvSpPr>
-          <p:cNvPr id="206" name="Abgerundetes Rechteck 205"/>
-          <p:cNvSpPr/>
-          <p:nvPr/>
-        </p:nvSpPr>
-        <p:spPr>
-          <a:xfrm>
-            <a:off x="4325984" y="3772794"/>
-            <a:ext cx="495160" cy="483856"/>
-          </a:xfrm>
-          <a:prstGeom prst="roundRect">
-            <a:avLst>
-              <a:gd name="adj" fmla="val 8710"/>
-            </a:avLst>
-          </a:prstGeom>
-          <a:solidFill>
-            <a:schemeClr val="bg1"/>
-          </a:solidFill>
-          <a:ln>
-            <a:solidFill>
-              <a:schemeClr val="bg1">
-                <a:lumMod val="50000"/>
-              </a:schemeClr>
-            </a:solidFill>
-          </a:ln>
-        </p:spPr>
-        <p:style>
-          <a:lnRef idx="2">
-            <a:schemeClr val="accent1">
-              <a:shade val="50000"/>
-            </a:schemeClr>
-          </a:lnRef>
-          <a:fillRef idx="1">
-            <a:schemeClr val="accent1"/>
-          </a:fillRef>
-          <a:effectRef idx="0">
-            <a:schemeClr val="accent1"/>
-          </a:effectRef>
-          <a:fontRef idx="minor">
-            <a:schemeClr val="lt1"/>
-          </a:fontRef>
-        </p:style>
-        <p:txBody>
-          <a:bodyPr rtlCol="0" anchor="b"/>
-          <a:lstStyle/>
-          <a:p>
-            <a:endParaRPr lang="de-DE" sz="1000" dirty="0">
-              <a:solidFill>
-                <a:schemeClr val="tx1"/>
-              </a:solidFill>
               <a:latin typeface="Helvetica Neue LT Std 67 Medium Condensed" charset="0"/>
               <a:ea typeface="Helvetica Neue LT Std 67 Medium Condensed" charset="0"/>
               <a:cs typeface="Helvetica Neue LT Std 67 Medium Condensed" charset="0"/>
@@ -18227,7 +18329,7 @@
               </a:rPr>
               <a:t>Preview</a:t>
             </a:r>
-            <a:r>
+            <a:br>
               <a:rPr lang="de-DE" sz="500" dirty="0" smtClean="0">
                 <a:solidFill>
                   <a:schemeClr val="accent6">
@@ -18238,9 +18340,8 @@
                 <a:ea typeface="Helvetica Neue LT Std 67 Medium Condensed" charset="0"/>
                 <a:cs typeface="Helvetica Neue LT Std 67 Medium Condensed" charset="0"/>
               </a:rPr>
-              <a:t/>
-            </a:r>
-            <a:br>
+            </a:br>
+            <a:r>
               <a:rPr lang="de-DE" sz="500" dirty="0" smtClean="0">
                 <a:solidFill>
                   <a:schemeClr val="accent6">
@@ -18251,9 +18352,181 @@
                 <a:ea typeface="Helvetica Neue LT Std 67 Medium Condensed" charset="0"/>
                 <a:cs typeface="Helvetica Neue LT Std 67 Medium Condensed" charset="0"/>
               </a:rPr>
+              <a:t>Relative</a:t>
+            </a:r>
+            <a:endParaRPr lang="de-DE" sz="500" dirty="0">
+              <a:solidFill>
+                <a:schemeClr val="accent6">
+                  <a:lumMod val="75000"/>
+                </a:schemeClr>
+              </a:solidFill>
+              <a:latin typeface="Helvetica Neue LT Std 67 Medium Condensed" charset="0"/>
+              <a:ea typeface="Helvetica Neue LT Std 67 Medium Condensed" charset="0"/>
+              <a:cs typeface="Helvetica Neue LT Std 67 Medium Condensed" charset="0"/>
+            </a:endParaRPr>
+          </a:p>
+        </p:txBody>
+      </p:sp>
+      <p:sp>
+        <p:nvSpPr>
+          <p:cNvPr id="290" name="Rechteck 289"/>
+          <p:cNvSpPr/>
+          <p:nvPr/>
+        </p:nvSpPr>
+        <p:spPr>
+          <a:xfrm>
+            <a:off x="3560046" y="3289661"/>
+            <a:ext cx="248786" cy="246221"/>
+          </a:xfrm>
+          <a:prstGeom prst="rect">
+            <a:avLst/>
+          </a:prstGeom>
+        </p:spPr>
+        <p:txBody>
+          <a:bodyPr wrap="none">
+            <a:spAutoFit/>
+          </a:bodyPr>
+          <a:lstStyle/>
+          <a:p>
+            <a:r>
+              <a:rPr lang="de-DE" sz="1000" dirty="0" smtClean="0">
+                <a:solidFill>
+                  <a:schemeClr val="accent2">
+                    <a:lumMod val="75000"/>
+                  </a:schemeClr>
+                </a:solidFill>
+                <a:latin typeface="Helvetica Neue LT Std 67 Medium Condensed" charset="0"/>
+                <a:ea typeface="Helvetica Neue LT Std 67 Medium Condensed" charset="0"/>
+                <a:cs typeface="Helvetica Neue LT Std 67 Medium Condensed" charset="0"/>
+              </a:rPr>
+              <a:t>⇧</a:t>
+            </a:r>
+            <a:endParaRPr lang="de-DE" sz="1400" dirty="0"/>
+          </a:p>
+        </p:txBody>
+      </p:sp>
+      <p:sp>
+        <p:nvSpPr>
+          <p:cNvPr id="291" name="Rechteck 290"/>
+          <p:cNvSpPr/>
+          <p:nvPr/>
+        </p:nvSpPr>
+        <p:spPr>
+          <a:xfrm>
+            <a:off x="5491149" y="3465363"/>
+            <a:ext cx="421910" cy="223779"/>
+          </a:xfrm>
+          <a:prstGeom prst="rect">
+            <a:avLst/>
+          </a:prstGeom>
+        </p:spPr>
+        <p:txBody>
+          <a:bodyPr wrap="none">
+            <a:spAutoFit/>
+          </a:bodyPr>
+          <a:lstStyle/>
+          <a:p>
+            <a:pPr>
+              <a:lnSpc>
+                <a:spcPts val="500"/>
+              </a:lnSpc>
+            </a:pPr>
+            <a:r>
+              <a:rPr lang="de-DE" sz="500" dirty="0" smtClean="0">
+                <a:solidFill>
+                  <a:schemeClr val="accent2">
+                    <a:lumMod val="75000"/>
+                  </a:schemeClr>
+                </a:solidFill>
+                <a:latin typeface="Helvetica Neue LT Std 67 Medium Condensed" charset="0"/>
+                <a:ea typeface="Helvetica Neue LT Std 67 Medium Condensed" charset="0"/>
+                <a:cs typeface="Helvetica Neue LT Std 67 Medium Condensed" charset="0"/>
+              </a:rPr>
+              <a:t>Play </a:t>
+            </a:r>
+            <a:r>
+              <a:rPr lang="de-DE" sz="500" dirty="0" err="1" smtClean="0">
+                <a:solidFill>
+                  <a:schemeClr val="accent2">
+                    <a:lumMod val="75000"/>
+                  </a:schemeClr>
+                </a:solidFill>
+                <a:latin typeface="Helvetica Neue LT Std 67 Medium Condensed" charset="0"/>
+                <a:ea typeface="Helvetica Neue LT Std 67 Medium Condensed" charset="0"/>
+                <a:cs typeface="Helvetica Neue LT Std 67 Medium Condensed" charset="0"/>
+              </a:rPr>
+              <a:t>from</a:t>
+            </a:r>
+            <a:r>
+              <a:rPr lang="de-DE" sz="500" dirty="0">
+                <a:solidFill>
+                  <a:schemeClr val="accent2">
+                    <a:lumMod val="75000"/>
+                  </a:schemeClr>
+                </a:solidFill>
+                <a:latin typeface="Helvetica Neue LT Std 67 Medium Condensed" charset="0"/>
+                <a:ea typeface="Helvetica Neue LT Std 67 Medium Condensed" charset="0"/>
+                <a:cs typeface="Helvetica Neue LT Std 67 Medium Condensed" charset="0"/>
+              </a:rPr>
+              <a:t/>
+            </a:r>
+            <a:br>
+              <a:rPr lang="de-DE" sz="500" dirty="0">
+                <a:solidFill>
+                  <a:schemeClr val="accent2">
+                    <a:lumMod val="75000"/>
+                  </a:schemeClr>
+                </a:solidFill>
+                <a:latin typeface="Helvetica Neue LT Std 67 Medium Condensed" charset="0"/>
+                <a:ea typeface="Helvetica Neue LT Std 67 Medium Condensed" charset="0"/>
+                <a:cs typeface="Helvetica Neue LT Std 67 Medium Condensed" charset="0"/>
+              </a:rPr>
             </a:br>
             <a:r>
-              <a:rPr lang="de-DE" sz="500" dirty="0" smtClean="0">
+              <a:rPr lang="de-DE" sz="500" dirty="0" err="1" smtClean="0">
+                <a:solidFill>
+                  <a:schemeClr val="accent2">
+                    <a:lumMod val="75000"/>
+                  </a:schemeClr>
+                </a:solidFill>
+                <a:latin typeface="Helvetica Neue LT Std 67 Medium Condensed" charset="0"/>
+                <a:ea typeface="Helvetica Neue LT Std 67 Medium Condensed" charset="0"/>
+                <a:cs typeface="Helvetica Neue LT Std 67 Medium Condensed" charset="0"/>
+              </a:rPr>
+              <a:t>Inpoint</a:t>
+            </a:r>
+            <a:endParaRPr lang="de-DE" sz="500" dirty="0"/>
+          </a:p>
+        </p:txBody>
+      </p:sp>
+      <p:sp>
+        <p:nvSpPr>
+          <p:cNvPr id="292" name="Rechteck 291"/>
+          <p:cNvSpPr/>
+          <p:nvPr/>
+        </p:nvSpPr>
+        <p:spPr>
+          <a:xfrm>
+            <a:off x="5331164" y="3367405"/>
+            <a:ext cx="570990" cy="156453"/>
+          </a:xfrm>
+          <a:prstGeom prst="rect">
+            <a:avLst/>
+          </a:prstGeom>
+        </p:spPr>
+        <p:txBody>
+          <a:bodyPr wrap="none">
+            <a:spAutoFit/>
+          </a:bodyPr>
+          <a:lstStyle/>
+          <a:p>
+            <a:pPr algn="r">
+              <a:lnSpc>
+                <a:spcPts val="500"/>
+              </a:lnSpc>
+            </a:pPr>
+            <a:r>
+              <a:rPr lang="de-DE" sz="500" dirty="0">
                 <a:solidFill>
                   <a:schemeClr val="accent6">
                     <a:lumMod val="75000"/>
@@ -18263,7 +18536,295 @@
                 <a:ea typeface="Helvetica Neue LT Std 67 Medium Condensed" charset="0"/>
                 <a:cs typeface="Helvetica Neue LT Std 67 Medium Condensed" charset="0"/>
               </a:rPr>
-              <a:t>Relative</a:t>
+              <a:t>⌥ </a:t>
+            </a:r>
+            <a:r>
+              <a:rPr lang="de-DE" sz="500" dirty="0" smtClean="0">
+                <a:solidFill>
+                  <a:schemeClr val="accent6">
+                    <a:lumMod val="75000"/>
+                  </a:schemeClr>
+                </a:solidFill>
+                <a:latin typeface="Helvetica Neue LT Std 67 Medium Condensed" charset="0"/>
+                <a:ea typeface="Helvetica Neue LT Std 67 Medium Condensed" charset="0"/>
+                <a:cs typeface="Helvetica Neue LT Std 67 Medium Condensed" charset="0"/>
+              </a:rPr>
+              <a:t>Go </a:t>
+            </a:r>
+            <a:r>
+              <a:rPr lang="de-DE" sz="500" dirty="0" err="1" smtClean="0">
+                <a:solidFill>
+                  <a:schemeClr val="accent6">
+                    <a:lumMod val="75000"/>
+                  </a:schemeClr>
+                </a:solidFill>
+                <a:latin typeface="Helvetica Neue LT Std 67 Medium Condensed" charset="0"/>
+                <a:ea typeface="Helvetica Neue LT Std 67 Medium Condensed" charset="0"/>
+                <a:cs typeface="Helvetica Neue LT Std 67 Medium Condensed" charset="0"/>
+              </a:rPr>
+              <a:t>to</a:t>
+            </a:r>
+            <a:r>
+              <a:rPr lang="de-DE" sz="500" dirty="0" smtClean="0">
+                <a:solidFill>
+                  <a:schemeClr val="accent6">
+                    <a:lumMod val="75000"/>
+                  </a:schemeClr>
+                </a:solidFill>
+                <a:latin typeface="Helvetica Neue LT Std 67 Medium Condensed" charset="0"/>
+                <a:ea typeface="Helvetica Neue LT Std 67 Medium Condensed" charset="0"/>
+                <a:cs typeface="Helvetica Neue LT Std 67 Medium Condensed" charset="0"/>
+              </a:rPr>
+              <a:t> </a:t>
+            </a:r>
+            <a:r>
+              <a:rPr lang="de-DE" sz="500" dirty="0" err="1" smtClean="0">
+                <a:solidFill>
+                  <a:schemeClr val="accent6">
+                    <a:lumMod val="75000"/>
+                  </a:schemeClr>
+                </a:solidFill>
+                <a:latin typeface="Helvetica Neue LT Std 67 Medium Condensed" charset="0"/>
+                <a:ea typeface="Helvetica Neue LT Std 67 Medium Condensed" charset="0"/>
+                <a:cs typeface="Helvetica Neue LT Std 67 Medium Condensed" charset="0"/>
+              </a:rPr>
+              <a:t>Inpoint</a:t>
+            </a:r>
+            <a:endParaRPr lang="de-DE" sz="500" dirty="0">
+              <a:solidFill>
+                <a:schemeClr val="accent6">
+                  <a:lumMod val="75000"/>
+                </a:schemeClr>
+              </a:solidFill>
+              <a:latin typeface="Helvetica Neue LT Std 67 Medium Condensed" charset="0"/>
+              <a:ea typeface="Helvetica Neue LT Std 67 Medium Condensed" charset="0"/>
+              <a:cs typeface="Helvetica Neue LT Std 67 Medium Condensed" charset="0"/>
+            </a:endParaRPr>
+          </a:p>
+        </p:txBody>
+      </p:sp>
+      <p:sp>
+        <p:nvSpPr>
+          <p:cNvPr id="293" name="Rechteck 292"/>
+          <p:cNvSpPr/>
+          <p:nvPr/>
+        </p:nvSpPr>
+        <p:spPr>
+          <a:xfrm>
+            <a:off x="6027340" y="3411600"/>
+            <a:ext cx="248786" cy="246221"/>
+          </a:xfrm>
+          <a:prstGeom prst="rect">
+            <a:avLst/>
+          </a:prstGeom>
+        </p:spPr>
+        <p:txBody>
+          <a:bodyPr wrap="none">
+            <a:spAutoFit/>
+          </a:bodyPr>
+          <a:lstStyle/>
+          <a:p>
+            <a:r>
+              <a:rPr lang="de-DE" sz="1000" dirty="0" smtClean="0">
+                <a:solidFill>
+                  <a:schemeClr val="accent2">
+                    <a:lumMod val="75000"/>
+                  </a:schemeClr>
+                </a:solidFill>
+                <a:latin typeface="Helvetica Neue LT Std 67 Medium Condensed" charset="0"/>
+                <a:ea typeface="Helvetica Neue LT Std 67 Medium Condensed" charset="0"/>
+                <a:cs typeface="Helvetica Neue LT Std 67 Medium Condensed" charset="0"/>
+              </a:rPr>
+              <a:t>⇧</a:t>
+            </a:r>
+            <a:endParaRPr lang="de-DE" sz="1400" dirty="0"/>
+          </a:p>
+        </p:txBody>
+      </p:sp>
+      <p:sp>
+        <p:nvSpPr>
+          <p:cNvPr id="294" name="Rechteck 293"/>
+          <p:cNvSpPr/>
+          <p:nvPr/>
+        </p:nvSpPr>
+        <p:spPr>
+          <a:xfrm>
+            <a:off x="6098120" y="3464481"/>
+            <a:ext cx="421910" cy="223779"/>
+          </a:xfrm>
+          <a:prstGeom prst="rect">
+            <a:avLst/>
+          </a:prstGeom>
+        </p:spPr>
+        <p:txBody>
+          <a:bodyPr wrap="none">
+            <a:spAutoFit/>
+          </a:bodyPr>
+          <a:lstStyle/>
+          <a:p>
+            <a:pPr>
+              <a:lnSpc>
+                <a:spcPts val="500"/>
+              </a:lnSpc>
+            </a:pPr>
+            <a:r>
+              <a:rPr lang="de-DE" sz="500" dirty="0" smtClean="0">
+                <a:solidFill>
+                  <a:schemeClr val="accent2">
+                    <a:lumMod val="75000"/>
+                  </a:schemeClr>
+                </a:solidFill>
+                <a:latin typeface="Helvetica Neue LT Std 67 Medium Condensed" charset="0"/>
+                <a:ea typeface="Helvetica Neue LT Std 67 Medium Condensed" charset="0"/>
+                <a:cs typeface="Helvetica Neue LT Std 67 Medium Condensed" charset="0"/>
+              </a:rPr>
+              <a:t>Play </a:t>
+            </a:r>
+            <a:r>
+              <a:rPr lang="de-DE" sz="500" dirty="0" err="1" smtClean="0">
+                <a:solidFill>
+                  <a:schemeClr val="accent2">
+                    <a:lumMod val="75000"/>
+                  </a:schemeClr>
+                </a:solidFill>
+                <a:latin typeface="Helvetica Neue LT Std 67 Medium Condensed" charset="0"/>
+                <a:ea typeface="Helvetica Neue LT Std 67 Medium Condensed" charset="0"/>
+                <a:cs typeface="Helvetica Neue LT Std 67 Medium Condensed" charset="0"/>
+              </a:rPr>
+              <a:t>from</a:t>
+            </a:r>
+            <a:r>
+              <a:rPr lang="de-DE" sz="500" dirty="0">
+                <a:solidFill>
+                  <a:schemeClr val="accent2">
+                    <a:lumMod val="75000"/>
+                  </a:schemeClr>
+                </a:solidFill>
+                <a:latin typeface="Helvetica Neue LT Std 67 Medium Condensed" charset="0"/>
+                <a:ea typeface="Helvetica Neue LT Std 67 Medium Condensed" charset="0"/>
+                <a:cs typeface="Helvetica Neue LT Std 67 Medium Condensed" charset="0"/>
+              </a:rPr>
+              <a:t/>
+            </a:r>
+            <a:br>
+              <a:rPr lang="de-DE" sz="500" dirty="0">
+                <a:solidFill>
+                  <a:schemeClr val="accent2">
+                    <a:lumMod val="75000"/>
+                  </a:schemeClr>
+                </a:solidFill>
+                <a:latin typeface="Helvetica Neue LT Std 67 Medium Condensed" charset="0"/>
+                <a:ea typeface="Helvetica Neue LT Std 67 Medium Condensed" charset="0"/>
+                <a:cs typeface="Helvetica Neue LT Std 67 Medium Condensed" charset="0"/>
+              </a:rPr>
+            </a:br>
+            <a:r>
+              <a:rPr lang="de-DE" sz="500" dirty="0" err="1" smtClean="0">
+                <a:solidFill>
+                  <a:schemeClr val="accent2">
+                    <a:lumMod val="75000"/>
+                  </a:schemeClr>
+                </a:solidFill>
+                <a:latin typeface="Helvetica Neue LT Std 67 Medium Condensed" charset="0"/>
+                <a:ea typeface="Helvetica Neue LT Std 67 Medium Condensed" charset="0"/>
+                <a:cs typeface="Helvetica Neue LT Std 67 Medium Condensed" charset="0"/>
+              </a:rPr>
+              <a:t>Outpoint</a:t>
+            </a:r>
+            <a:endParaRPr lang="de-DE" sz="500" dirty="0"/>
+          </a:p>
+        </p:txBody>
+      </p:sp>
+      <p:sp>
+        <p:nvSpPr>
+          <p:cNvPr id="295" name="Rechteck 294"/>
+          <p:cNvSpPr/>
+          <p:nvPr/>
+        </p:nvSpPr>
+        <p:spPr>
+          <a:xfrm>
+            <a:off x="5899663" y="3366523"/>
+            <a:ext cx="609462" cy="156453"/>
+          </a:xfrm>
+          <a:prstGeom prst="rect">
+            <a:avLst/>
+          </a:prstGeom>
+        </p:spPr>
+        <p:txBody>
+          <a:bodyPr wrap="none">
+            <a:spAutoFit/>
+          </a:bodyPr>
+          <a:lstStyle/>
+          <a:p>
+            <a:pPr algn="r">
+              <a:lnSpc>
+                <a:spcPts val="500"/>
+              </a:lnSpc>
+            </a:pPr>
+            <a:r>
+              <a:rPr lang="de-DE" sz="500" dirty="0">
+                <a:solidFill>
+                  <a:schemeClr val="accent6">
+                    <a:lumMod val="75000"/>
+                  </a:schemeClr>
+                </a:solidFill>
+                <a:latin typeface="Helvetica Neue LT Std 67 Medium Condensed" charset="0"/>
+                <a:ea typeface="Helvetica Neue LT Std 67 Medium Condensed" charset="0"/>
+                <a:cs typeface="Helvetica Neue LT Std 67 Medium Condensed" charset="0"/>
+              </a:rPr>
+              <a:t>⌥ </a:t>
+            </a:r>
+            <a:r>
+              <a:rPr lang="de-DE" sz="500" dirty="0" smtClean="0">
+                <a:solidFill>
+                  <a:schemeClr val="accent6">
+                    <a:lumMod val="75000"/>
+                  </a:schemeClr>
+                </a:solidFill>
+                <a:latin typeface="Helvetica Neue LT Std 67 Medium Condensed" charset="0"/>
+                <a:ea typeface="Helvetica Neue LT Std 67 Medium Condensed" charset="0"/>
+                <a:cs typeface="Helvetica Neue LT Std 67 Medium Condensed" charset="0"/>
+              </a:rPr>
+              <a:t>Go </a:t>
+            </a:r>
+            <a:r>
+              <a:rPr lang="de-DE" sz="500" dirty="0" err="1" smtClean="0">
+                <a:solidFill>
+                  <a:schemeClr val="accent6">
+                    <a:lumMod val="75000"/>
+                  </a:schemeClr>
+                </a:solidFill>
+                <a:latin typeface="Helvetica Neue LT Std 67 Medium Condensed" charset="0"/>
+                <a:ea typeface="Helvetica Neue LT Std 67 Medium Condensed" charset="0"/>
+                <a:cs typeface="Helvetica Neue LT Std 67 Medium Condensed" charset="0"/>
+              </a:rPr>
+              <a:t>to</a:t>
+            </a:r>
+            <a:r>
+              <a:rPr lang="de-DE" sz="500" dirty="0" smtClean="0">
+                <a:solidFill>
+                  <a:schemeClr val="accent6">
+                    <a:lumMod val="75000"/>
+                  </a:schemeClr>
+                </a:solidFill>
+                <a:latin typeface="Helvetica Neue LT Std 67 Medium Condensed" charset="0"/>
+                <a:ea typeface="Helvetica Neue LT Std 67 Medium Condensed" charset="0"/>
+                <a:cs typeface="Helvetica Neue LT Std 67 Medium Condensed" charset="0"/>
+              </a:rPr>
+              <a:t> </a:t>
+            </a:r>
+            <a:r>
+              <a:rPr lang="de-DE" sz="500" dirty="0" err="1" smtClean="0">
+                <a:solidFill>
+                  <a:schemeClr val="accent6">
+                    <a:lumMod val="75000"/>
+                  </a:schemeClr>
+                </a:solidFill>
+                <a:latin typeface="Helvetica Neue LT Std 67 Medium Condensed" charset="0"/>
+                <a:ea typeface="Helvetica Neue LT Std 67 Medium Condensed" charset="0"/>
+                <a:cs typeface="Helvetica Neue LT Std 67 Medium Condensed" charset="0"/>
+              </a:rPr>
+              <a:t>Outpoint</a:t>
             </a:r>
             <a:endParaRPr lang="de-DE" sz="500" dirty="0">
               <a:solidFill>

--- a/Documentation/Keymap.pptx
+++ b/Documentation/Keymap.pptx
@@ -17914,7 +17914,17 @@
                   </a:schemeClr>
                 </a:solidFill>
               </a:rPr>
-              <a:t>Version: 3.0.0</a:t>
+              <a:t>Version: </a:t>
+            </a:r>
+            <a:r>
+              <a:rPr lang="de-DE" sz="1400" dirty="0" smtClean="0">
+                <a:solidFill>
+                  <a:schemeClr val="bg2">
+                    <a:lumMod val="50000"/>
+                  </a:schemeClr>
+                </a:solidFill>
+              </a:rPr>
+              <a:t>3.0.2</a:t>
             </a:r>
             <a:endParaRPr lang="de-DE" sz="1400" dirty="0">
               <a:solidFill>
@@ -18831,6 +18841,138 @@
                 <a:schemeClr val="accent6">
                   <a:lumMod val="75000"/>
                 </a:schemeClr>
+              </a:solidFill>
+              <a:latin typeface="Helvetica Neue LT Std 67 Medium Condensed" charset="0"/>
+              <a:ea typeface="Helvetica Neue LT Std 67 Medium Condensed" charset="0"/>
+              <a:cs typeface="Helvetica Neue LT Std 67 Medium Condensed" charset="0"/>
+            </a:endParaRPr>
+          </a:p>
+        </p:txBody>
+      </p:sp>
+      <p:sp>
+        <p:nvSpPr>
+          <p:cNvPr id="298" name="Textfeld 297"/>
+          <p:cNvSpPr txBox="1"/>
+          <p:nvPr/>
+        </p:nvSpPr>
+        <p:spPr>
+          <a:xfrm>
+            <a:off x="2061449" y="4951864"/>
+            <a:ext cx="611065" cy="253916"/>
+          </a:xfrm>
+          <a:prstGeom prst="rect">
+            <a:avLst/>
+          </a:prstGeom>
+          <a:noFill/>
+        </p:spPr>
+        <p:txBody>
+          <a:bodyPr wrap="none" rtlCol="0">
+            <a:spAutoFit/>
+          </a:bodyPr>
+          <a:lstStyle/>
+          <a:p>
+            <a:r>
+              <a:rPr lang="de-DE" sz="1050" dirty="0" err="1" smtClean="0">
+                <a:solidFill>
+                  <a:schemeClr val="bg1"/>
+                </a:solidFill>
+                <a:latin typeface="Helvetica Neue LT Std 67 Medium Condensed" charset="0"/>
+                <a:ea typeface="Helvetica Neue LT Std 67 Medium Condensed" charset="0"/>
+                <a:cs typeface="Helvetica Neue LT Std 67 Medium Condensed" charset="0"/>
+              </a:rPr>
+              <a:t>Win</a:t>
+            </a:r>
+            <a:r>
+              <a:rPr lang="de-DE" sz="1050" dirty="0" smtClean="0">
+                <a:solidFill>
+                  <a:schemeClr val="bg1"/>
+                </a:solidFill>
+                <a:latin typeface="Helvetica Neue LT Std 67 Medium Condensed" charset="0"/>
+                <a:ea typeface="Helvetica Neue LT Std 67 Medium Condensed" charset="0"/>
+                <a:cs typeface="Helvetica Neue LT Std 67 Medium Condensed" charset="0"/>
+              </a:rPr>
+              <a:t>: </a:t>
+            </a:r>
+            <a:r>
+              <a:rPr lang="de-DE" sz="1050" dirty="0" err="1" smtClean="0">
+                <a:solidFill>
+                  <a:schemeClr val="bg1"/>
+                </a:solidFill>
+                <a:latin typeface="Helvetica Neue LT Std 67 Medium Condensed" charset="0"/>
+                <a:ea typeface="Helvetica Neue LT Std 67 Medium Condensed" charset="0"/>
+                <a:cs typeface="Helvetica Neue LT Std 67 Medium Condensed" charset="0"/>
+              </a:rPr>
+              <a:t>ctrl</a:t>
+            </a:r>
+            <a:endParaRPr lang="de-DE" sz="1050" dirty="0">
+              <a:solidFill>
+                <a:schemeClr val="bg1"/>
+              </a:solidFill>
+              <a:latin typeface="Helvetica Neue LT Std 67 Medium Condensed" charset="0"/>
+              <a:ea typeface="Helvetica Neue LT Std 67 Medium Condensed" charset="0"/>
+              <a:cs typeface="Helvetica Neue LT Std 67 Medium Condensed" charset="0"/>
+            </a:endParaRPr>
+          </a:p>
+        </p:txBody>
+      </p:sp>
+      <p:sp>
+        <p:nvSpPr>
+          <p:cNvPr id="299" name="Textfeld 298"/>
+          <p:cNvSpPr txBox="1"/>
+          <p:nvPr/>
+        </p:nvSpPr>
+        <p:spPr>
+          <a:xfrm>
+            <a:off x="5804788" y="4953320"/>
+            <a:ext cx="611065" cy="253916"/>
+          </a:xfrm>
+          <a:prstGeom prst="rect">
+            <a:avLst/>
+          </a:prstGeom>
+          <a:noFill/>
+        </p:spPr>
+        <p:txBody>
+          <a:bodyPr wrap="none" rtlCol="0">
+            <a:spAutoFit/>
+          </a:bodyPr>
+          <a:lstStyle/>
+          <a:p>
+            <a:r>
+              <a:rPr lang="de-DE" sz="1050" dirty="0" err="1" smtClean="0">
+                <a:solidFill>
+                  <a:schemeClr val="bg1"/>
+                </a:solidFill>
+                <a:latin typeface="Helvetica Neue LT Std 67 Medium Condensed" charset="0"/>
+                <a:ea typeface="Helvetica Neue LT Std 67 Medium Condensed" charset="0"/>
+                <a:cs typeface="Helvetica Neue LT Std 67 Medium Condensed" charset="0"/>
+              </a:rPr>
+              <a:t>Win</a:t>
+            </a:r>
+            <a:r>
+              <a:rPr lang="de-DE" sz="1050" dirty="0" smtClean="0">
+                <a:solidFill>
+                  <a:schemeClr val="bg1"/>
+                </a:solidFill>
+                <a:latin typeface="Helvetica Neue LT Std 67 Medium Condensed" charset="0"/>
+                <a:ea typeface="Helvetica Neue LT Std 67 Medium Condensed" charset="0"/>
+                <a:cs typeface="Helvetica Neue LT Std 67 Medium Condensed" charset="0"/>
+              </a:rPr>
+              <a:t>: </a:t>
+            </a:r>
+            <a:r>
+              <a:rPr lang="de-DE" sz="1050" dirty="0" err="1" smtClean="0">
+                <a:solidFill>
+                  <a:schemeClr val="bg1"/>
+                </a:solidFill>
+                <a:latin typeface="Helvetica Neue LT Std 67 Medium Condensed" charset="0"/>
+                <a:ea typeface="Helvetica Neue LT Std 67 Medium Condensed" charset="0"/>
+                <a:cs typeface="Helvetica Neue LT Std 67 Medium Condensed" charset="0"/>
+              </a:rPr>
+              <a:t>ctrl</a:t>
+            </a:r>
+            <a:endParaRPr lang="de-DE" sz="1050" dirty="0">
+              <a:solidFill>
+                <a:schemeClr val="bg1"/>
               </a:solidFill>
               <a:latin typeface="Helvetica Neue LT Std 67 Medium Condensed" charset="0"/>
               <a:ea typeface="Helvetica Neue LT Std 67 Medium Condensed" charset="0"/>

--- a/Documentation/Keymap.pptx
+++ b/Documentation/Keymap.pptx
@@ -197,7 +197,7 @@
           <a:p>
             <a:fld id="{D04F8CED-0623-C742-B972-F53D35E16E19}" type="datetimeFigureOut">
               <a:rPr lang="de-DE" smtClean="0"/>
-              <a:t>06.03.17</a:t>
+              <a:t>07.03.17</a:t>
             </a:fld>
             <a:endParaRPr lang="de-DE"/>
           </a:p>
@@ -680,7 +680,7 @@
           <a:p>
             <a:fld id="{A97692CC-6688-1145-811E-FE1ABB97A7A4}" type="datetimeFigureOut">
               <a:rPr lang="de-DE" smtClean="0"/>
-              <a:t>06.03.17</a:t>
+              <a:t>07.03.17</a:t>
             </a:fld>
             <a:endParaRPr lang="de-DE"/>
           </a:p>
@@ -845,7 +845,7 @@
           <a:p>
             <a:fld id="{A97692CC-6688-1145-811E-FE1ABB97A7A4}" type="datetimeFigureOut">
               <a:rPr lang="de-DE" smtClean="0"/>
-              <a:t>06.03.17</a:t>
+              <a:t>07.03.17</a:t>
             </a:fld>
             <a:endParaRPr lang="de-DE"/>
           </a:p>
@@ -1020,7 +1020,7 @@
           <a:p>
             <a:fld id="{A97692CC-6688-1145-811E-FE1ABB97A7A4}" type="datetimeFigureOut">
               <a:rPr lang="de-DE" smtClean="0"/>
-              <a:t>06.03.17</a:t>
+              <a:t>07.03.17</a:t>
             </a:fld>
             <a:endParaRPr lang="de-DE"/>
           </a:p>
@@ -1185,7 +1185,7 @@
           <a:p>
             <a:fld id="{A97692CC-6688-1145-811E-FE1ABB97A7A4}" type="datetimeFigureOut">
               <a:rPr lang="de-DE" smtClean="0"/>
-              <a:t>06.03.17</a:t>
+              <a:t>07.03.17</a:t>
             </a:fld>
             <a:endParaRPr lang="de-DE"/>
           </a:p>
@@ -1424,7 +1424,7 @@
           <a:p>
             <a:fld id="{A97692CC-6688-1145-811E-FE1ABB97A7A4}" type="datetimeFigureOut">
               <a:rPr lang="de-DE" smtClean="0"/>
-              <a:t>06.03.17</a:t>
+              <a:t>07.03.17</a:t>
             </a:fld>
             <a:endParaRPr lang="de-DE"/>
           </a:p>
@@ -1651,7 +1651,7 @@
           <a:p>
             <a:fld id="{A97692CC-6688-1145-811E-FE1ABB97A7A4}" type="datetimeFigureOut">
               <a:rPr lang="de-DE" smtClean="0"/>
-              <a:t>06.03.17</a:t>
+              <a:t>07.03.17</a:t>
             </a:fld>
             <a:endParaRPr lang="de-DE"/>
           </a:p>
@@ -2013,7 +2013,7 @@
           <a:p>
             <a:fld id="{A97692CC-6688-1145-811E-FE1ABB97A7A4}" type="datetimeFigureOut">
               <a:rPr lang="de-DE" smtClean="0"/>
-              <a:t>06.03.17</a:t>
+              <a:t>07.03.17</a:t>
             </a:fld>
             <a:endParaRPr lang="de-DE"/>
           </a:p>
@@ -2126,7 +2126,7 @@
           <a:p>
             <a:fld id="{A97692CC-6688-1145-811E-FE1ABB97A7A4}" type="datetimeFigureOut">
               <a:rPr lang="de-DE" smtClean="0"/>
-              <a:t>06.03.17</a:t>
+              <a:t>07.03.17</a:t>
             </a:fld>
             <a:endParaRPr lang="de-DE"/>
           </a:p>
@@ -2216,7 +2216,7 @@
           <a:p>
             <a:fld id="{A97692CC-6688-1145-811E-FE1ABB97A7A4}" type="datetimeFigureOut">
               <a:rPr lang="de-DE" smtClean="0"/>
-              <a:t>06.03.17</a:t>
+              <a:t>07.03.17</a:t>
             </a:fld>
             <a:endParaRPr lang="de-DE"/>
           </a:p>
@@ -2488,7 +2488,7 @@
           <a:p>
             <a:fld id="{A97692CC-6688-1145-811E-FE1ABB97A7A4}" type="datetimeFigureOut">
               <a:rPr lang="de-DE" smtClean="0"/>
-              <a:t>06.03.17</a:t>
+              <a:t>07.03.17</a:t>
             </a:fld>
             <a:endParaRPr lang="de-DE"/>
           </a:p>
@@ -2740,7 +2740,7 @@
           <a:p>
             <a:fld id="{A97692CC-6688-1145-811E-FE1ABB97A7A4}" type="datetimeFigureOut">
               <a:rPr lang="de-DE" smtClean="0"/>
-              <a:t>06.03.17</a:t>
+              <a:t>07.03.17</a:t>
             </a:fld>
             <a:endParaRPr lang="de-DE"/>
           </a:p>
@@ -2948,7 +2948,7 @@
           <a:p>
             <a:fld id="{A97692CC-6688-1145-811E-FE1ABB97A7A4}" type="datetimeFigureOut">
               <a:rPr lang="de-DE" smtClean="0"/>
-              <a:t>06.03.17</a:t>
+              <a:t>07.03.17</a:t>
             </a:fld>
             <a:endParaRPr lang="de-DE"/>
           </a:p>
@@ -3355,6 +3355,187 @@
       </p:grpSpPr>
       <p:sp>
         <p:nvSpPr>
+          <p:cNvPr id="310" name="Abgerundetes Rechteck 309"/>
+          <p:cNvSpPr/>
+          <p:nvPr/>
+        </p:nvSpPr>
+        <p:spPr>
+          <a:xfrm>
+            <a:off x="4618424" y="4345071"/>
+            <a:ext cx="495160" cy="483856"/>
+          </a:xfrm>
+          <a:prstGeom prst="roundRect">
+            <a:avLst>
+              <a:gd name="adj" fmla="val 8710"/>
+            </a:avLst>
+          </a:prstGeom>
+          <a:solidFill>
+            <a:schemeClr val="accent4">
+              <a:lumMod val="20000"/>
+              <a:lumOff val="80000"/>
+            </a:schemeClr>
+          </a:solidFill>
+          <a:ln>
+            <a:solidFill>
+              <a:schemeClr val="accent4">
+                <a:lumMod val="50000"/>
+              </a:schemeClr>
+            </a:solidFill>
+          </a:ln>
+        </p:spPr>
+        <p:style>
+          <a:lnRef idx="2">
+            <a:schemeClr val="accent1">
+              <a:shade val="50000"/>
+            </a:schemeClr>
+          </a:lnRef>
+          <a:fillRef idx="1">
+            <a:schemeClr val="accent1"/>
+          </a:fillRef>
+          <a:effectRef idx="0">
+            <a:schemeClr val="accent1"/>
+          </a:effectRef>
+          <a:fontRef idx="minor">
+            <a:schemeClr val="lt1"/>
+          </a:fontRef>
+        </p:style>
+        <p:txBody>
+          <a:bodyPr rtlCol="0" anchor="b"/>
+          <a:lstStyle/>
+          <a:p>
+            <a:endParaRPr lang="de-DE" sz="1000" dirty="0">
+              <a:solidFill>
+                <a:schemeClr val="tx1"/>
+              </a:solidFill>
+              <a:latin typeface="Helvetica Neue LT Std 67 Medium Condensed" charset="0"/>
+              <a:ea typeface="Helvetica Neue LT Std 67 Medium Condensed" charset="0"/>
+              <a:cs typeface="Helvetica Neue LT Std 67 Medium Condensed" charset="0"/>
+            </a:endParaRPr>
+          </a:p>
+        </p:txBody>
+      </p:sp>
+      <p:sp>
+        <p:nvSpPr>
+          <p:cNvPr id="307" name="Abgerundetes Rechteck 306"/>
+          <p:cNvSpPr/>
+          <p:nvPr/>
+        </p:nvSpPr>
+        <p:spPr>
+          <a:xfrm>
+            <a:off x="4918021" y="3771051"/>
+            <a:ext cx="495160" cy="483856"/>
+          </a:xfrm>
+          <a:prstGeom prst="roundRect">
+            <a:avLst>
+              <a:gd name="adj" fmla="val 8710"/>
+            </a:avLst>
+          </a:prstGeom>
+          <a:solidFill>
+            <a:schemeClr val="accent1">
+              <a:lumMod val="20000"/>
+              <a:lumOff val="80000"/>
+            </a:schemeClr>
+          </a:solidFill>
+          <a:ln>
+            <a:solidFill>
+              <a:schemeClr val="accent1"/>
+            </a:solidFill>
+          </a:ln>
+        </p:spPr>
+        <p:style>
+          <a:lnRef idx="2">
+            <a:schemeClr val="accent1">
+              <a:shade val="50000"/>
+            </a:schemeClr>
+          </a:lnRef>
+          <a:fillRef idx="1">
+            <a:schemeClr val="accent1"/>
+          </a:fillRef>
+          <a:effectRef idx="0">
+            <a:schemeClr val="accent1"/>
+          </a:effectRef>
+          <a:fontRef idx="minor">
+            <a:schemeClr val="lt1"/>
+          </a:fontRef>
+        </p:style>
+        <p:txBody>
+          <a:bodyPr rtlCol="0" anchor="b"/>
+          <a:lstStyle/>
+          <a:p>
+            <a:endParaRPr lang="de-DE" sz="1000" dirty="0">
+              <a:solidFill>
+                <a:schemeClr val="tx1"/>
+              </a:solidFill>
+              <a:latin typeface="Helvetica Neue LT Std 67 Medium Condensed" charset="0"/>
+              <a:ea typeface="Helvetica Neue LT Std 67 Medium Condensed" charset="0"/>
+              <a:cs typeface="Helvetica Neue LT Std 67 Medium Condensed" charset="0"/>
+            </a:endParaRPr>
+          </a:p>
+        </p:txBody>
+      </p:sp>
+      <p:sp>
+        <p:nvSpPr>
+          <p:cNvPr id="304" name="Abgerundetes Rechteck 303"/>
+          <p:cNvSpPr/>
+          <p:nvPr/>
+        </p:nvSpPr>
+        <p:spPr>
+          <a:xfrm>
+            <a:off x="2519035" y="3773947"/>
+            <a:ext cx="495160" cy="483856"/>
+          </a:xfrm>
+          <a:prstGeom prst="roundRect">
+            <a:avLst>
+              <a:gd name="adj" fmla="val 8710"/>
+            </a:avLst>
+          </a:prstGeom>
+          <a:solidFill>
+            <a:schemeClr val="accent4">
+              <a:lumMod val="20000"/>
+              <a:lumOff val="80000"/>
+            </a:schemeClr>
+          </a:solidFill>
+          <a:ln>
+            <a:solidFill>
+              <a:schemeClr val="accent4">
+                <a:lumMod val="50000"/>
+              </a:schemeClr>
+            </a:solidFill>
+          </a:ln>
+        </p:spPr>
+        <p:style>
+          <a:lnRef idx="2">
+            <a:schemeClr val="accent1">
+              <a:shade val="50000"/>
+            </a:schemeClr>
+          </a:lnRef>
+          <a:fillRef idx="1">
+            <a:schemeClr val="accent1"/>
+          </a:fillRef>
+          <a:effectRef idx="0">
+            <a:schemeClr val="accent1"/>
+          </a:effectRef>
+          <a:fontRef idx="minor">
+            <a:schemeClr val="lt1"/>
+          </a:fontRef>
+        </p:style>
+        <p:txBody>
+          <a:bodyPr rtlCol="0" anchor="b"/>
+          <a:lstStyle/>
+          <a:p>
+            <a:endParaRPr lang="de-DE" sz="1000" dirty="0">
+              <a:solidFill>
+                <a:schemeClr val="tx1"/>
+              </a:solidFill>
+              <a:latin typeface="Helvetica Neue LT Std 67 Medium Condensed" charset="0"/>
+              <a:ea typeface="Helvetica Neue LT Std 67 Medium Condensed" charset="0"/>
+              <a:cs typeface="Helvetica Neue LT Std 67 Medium Condensed" charset="0"/>
+            </a:endParaRPr>
+          </a:p>
+        </p:txBody>
+      </p:sp>
+      <p:sp>
+        <p:nvSpPr>
           <p:cNvPr id="296" name="Abgerundetes Rechteck 295"/>
           <p:cNvSpPr/>
           <p:nvPr/>
@@ -10609,7 +10790,7 @@
         </p:nvSpPr>
         <p:spPr>
           <a:xfrm>
-            <a:off x="2901323" y="3142733"/>
+            <a:off x="2901323" y="3247232"/>
             <a:ext cx="248786" cy="246221"/>
           </a:xfrm>
           <a:prstGeom prst="rect">
@@ -10647,8 +10828,8 @@
         </p:nvSpPr>
         <p:spPr>
           <a:xfrm>
-            <a:off x="2964534" y="3182765"/>
-            <a:ext cx="577402" cy="287899"/>
+            <a:off x="2958003" y="3300328"/>
+            <a:ext cx="574196" cy="223779"/>
           </a:xfrm>
           <a:prstGeom prst="rect">
             <a:avLst/>
@@ -10740,45 +10921,7 @@
                 <a:ea typeface="Helvetica Neue LT Std 67 Medium Condensed" charset="0"/>
                 <a:cs typeface="Helvetica Neue LT Std 67 Medium Condensed" charset="0"/>
               </a:rPr>
-              <a:t/>
-            </a:r>
-            <a:br>
-              <a:rPr lang="de-DE" sz="500" dirty="0" smtClean="0">
-                <a:solidFill>
-                  <a:schemeClr val="accent2">
-                    <a:lumMod val="75000"/>
-                  </a:schemeClr>
-                </a:solidFill>
-                <a:latin typeface="Helvetica Neue LT Std 67 Medium Condensed" charset="0"/>
-                <a:ea typeface="Helvetica Neue LT Std 67 Medium Condensed" charset="0"/>
-                <a:cs typeface="Helvetica Neue LT Std 67 Medium Condensed" charset="0"/>
-              </a:rPr>
-            </a:br>
-            <a:r>
-              <a:rPr lang="de-DE" sz="500" dirty="0" smtClean="0">
-                <a:solidFill>
-                  <a:schemeClr val="accent2">
-                    <a:lumMod val="75000"/>
-                  </a:schemeClr>
-                </a:solidFill>
-                <a:latin typeface="Helvetica Neue LT Std 67 Medium Condensed" charset="0"/>
-                <a:ea typeface="Helvetica Neue LT Std 67 Medium Condensed" charset="0"/>
-                <a:cs typeface="Helvetica Neue LT Std 67 Medium Condensed" charset="0"/>
-              </a:rPr>
-              <a:t> Time-</a:t>
-            </a:r>
-            <a:r>
-              <a:rPr lang="de-DE" sz="500" dirty="0" err="1" smtClean="0">
-                <a:solidFill>
-                  <a:schemeClr val="accent2">
-                    <a:lumMod val="75000"/>
-                  </a:schemeClr>
-                </a:solidFill>
-                <a:latin typeface="Helvetica Neue LT Std 67 Medium Condensed" charset="0"/>
-                <a:ea typeface="Helvetica Neue LT Std 67 Medium Condensed" charset="0"/>
-                <a:cs typeface="Helvetica Neue LT Std 67 Medium Condensed" charset="0"/>
-              </a:rPr>
-              <a:t>Selection</a:t>
+              <a:t> Time-Sel.</a:t>
             </a:r>
             <a:endParaRPr lang="de-DE" sz="500" dirty="0"/>
           </a:p>
@@ -10981,7 +11124,7 @@
         </p:nvSpPr>
         <p:spPr>
           <a:xfrm>
-            <a:off x="7749768" y="3191909"/>
+            <a:off x="7917509" y="3191909"/>
             <a:ext cx="759239" cy="169277"/>
           </a:xfrm>
           <a:prstGeom prst="rect">
@@ -14125,13 +14268,136 @@
       </p:sp>
       <p:sp>
         <p:nvSpPr>
-          <p:cNvPr id="202" name="Abgerundetes Rechteck 201"/>
+          <p:cNvPr id="203" name="Textfeld 202"/>
+          <p:cNvSpPr txBox="1"/>
+          <p:nvPr/>
+        </p:nvSpPr>
+        <p:spPr>
+          <a:xfrm>
+            <a:off x="2478983" y="4039579"/>
+            <a:ext cx="260008" cy="253916"/>
+          </a:xfrm>
+          <a:prstGeom prst="rect">
+            <a:avLst/>
+          </a:prstGeom>
+          <a:noFill/>
+          <a:ln>
+            <a:noFill/>
+          </a:ln>
+        </p:spPr>
+        <p:txBody>
+          <a:bodyPr wrap="none" rtlCol="0">
+            <a:spAutoFit/>
+          </a:bodyPr>
+          <a:lstStyle/>
+          <a:p>
+            <a:r>
+              <a:rPr lang="de-DE" sz="1050" dirty="0" smtClean="0">
+                <a:latin typeface="Helvetica Neue LT Std 67 Medium Condensed" charset="0"/>
+                <a:ea typeface="Helvetica Neue LT Std 67 Medium Condensed" charset="0"/>
+                <a:cs typeface="Helvetica Neue LT Std 67 Medium Condensed" charset="0"/>
+              </a:rPr>
+              <a:t>D</a:t>
+            </a:r>
+            <a:endParaRPr lang="de-DE" sz="1050" dirty="0">
+              <a:latin typeface="Helvetica Neue LT Std 67 Medium Condensed" charset="0"/>
+              <a:ea typeface="Helvetica Neue LT Std 67 Medium Condensed" charset="0"/>
+              <a:cs typeface="Helvetica Neue LT Std 67 Medium Condensed" charset="0"/>
+            </a:endParaRPr>
+          </a:p>
+        </p:txBody>
+      </p:sp>
+      <p:sp>
+        <p:nvSpPr>
+          <p:cNvPr id="207" name="Textfeld 206"/>
+          <p:cNvSpPr txBox="1"/>
+          <p:nvPr/>
+        </p:nvSpPr>
+        <p:spPr>
+          <a:xfrm>
+            <a:off x="4287959" y="4029640"/>
+            <a:ext cx="260008" cy="253916"/>
+          </a:xfrm>
+          <a:prstGeom prst="rect">
+            <a:avLst/>
+          </a:prstGeom>
+          <a:noFill/>
+          <a:ln>
+            <a:noFill/>
+          </a:ln>
+        </p:spPr>
+        <p:txBody>
+          <a:bodyPr wrap="none" rtlCol="0">
+            <a:spAutoFit/>
+          </a:bodyPr>
+          <a:lstStyle/>
+          <a:p>
+            <a:r>
+              <a:rPr lang="de-DE" sz="1050" dirty="0" smtClean="0">
+                <a:latin typeface="Helvetica Neue LT Std 67 Medium Condensed" charset="0"/>
+                <a:ea typeface="Helvetica Neue LT Std 67 Medium Condensed" charset="0"/>
+                <a:cs typeface="Helvetica Neue LT Std 67 Medium Condensed" charset="0"/>
+              </a:rPr>
+              <a:t>H</a:t>
+            </a:r>
+            <a:endParaRPr lang="de-DE" sz="1050" dirty="0">
+              <a:latin typeface="Helvetica Neue LT Std 67 Medium Condensed" charset="0"/>
+              <a:ea typeface="Helvetica Neue LT Std 67 Medium Condensed" charset="0"/>
+              <a:cs typeface="Helvetica Neue LT Std 67 Medium Condensed" charset="0"/>
+            </a:endParaRPr>
+          </a:p>
+        </p:txBody>
+      </p:sp>
+      <p:sp>
+        <p:nvSpPr>
+          <p:cNvPr id="209" name="Textfeld 208"/>
+          <p:cNvSpPr txBox="1"/>
+          <p:nvPr/>
+        </p:nvSpPr>
+        <p:spPr>
+          <a:xfrm>
+            <a:off x="4878795" y="4027695"/>
+            <a:ext cx="243978" cy="253916"/>
+          </a:xfrm>
+          <a:prstGeom prst="rect">
+            <a:avLst/>
+          </a:prstGeom>
+          <a:noFill/>
+          <a:ln>
+            <a:noFill/>
+          </a:ln>
+        </p:spPr>
+        <p:txBody>
+          <a:bodyPr wrap="none" rtlCol="0">
+            <a:spAutoFit/>
+          </a:bodyPr>
+          <a:lstStyle/>
+          <a:p>
+            <a:r>
+              <a:rPr lang="de-DE" sz="1050" dirty="0" smtClean="0">
+                <a:latin typeface="Helvetica Neue LT Std 67 Medium Condensed" charset="0"/>
+                <a:ea typeface="Helvetica Neue LT Std 67 Medium Condensed" charset="0"/>
+                <a:cs typeface="Helvetica Neue LT Std 67 Medium Condensed" charset="0"/>
+              </a:rPr>
+              <a:t>J</a:t>
+            </a:r>
+            <a:endParaRPr lang="de-DE" sz="1050" dirty="0">
+              <a:latin typeface="Helvetica Neue LT Std 67 Medium Condensed" charset="0"/>
+              <a:ea typeface="Helvetica Neue LT Std 67 Medium Condensed" charset="0"/>
+              <a:cs typeface="Helvetica Neue LT Std 67 Medium Condensed" charset="0"/>
+            </a:endParaRPr>
+          </a:p>
+        </p:txBody>
+      </p:sp>
+      <p:sp>
+        <p:nvSpPr>
+          <p:cNvPr id="210" name="Abgerundetes Rechteck 209"/>
           <p:cNvSpPr/>
           <p:nvPr/>
         </p:nvSpPr>
         <p:spPr>
           <a:xfrm>
-            <a:off x="2517008" y="3772794"/>
+            <a:off x="5516804" y="3772794"/>
             <a:ext cx="495160" cy="483856"/>
           </a:xfrm>
           <a:prstGeom prst="roundRect">
@@ -14183,14 +14449,14 @@
       </p:sp>
       <p:sp>
         <p:nvSpPr>
-          <p:cNvPr id="203" name="Textfeld 202"/>
+          <p:cNvPr id="211" name="Textfeld 210"/>
           <p:cNvSpPr txBox="1"/>
           <p:nvPr/>
         </p:nvSpPr>
         <p:spPr>
           <a:xfrm>
-            <a:off x="2478983" y="4039579"/>
-            <a:ext cx="260008" cy="253916"/>
+            <a:off x="5478779" y="4025956"/>
+            <a:ext cx="255198" cy="253916"/>
           </a:xfrm>
           <a:prstGeom prst="rect">
             <a:avLst/>
@@ -14212,7 +14478,7 @@
                 <a:ea typeface="Helvetica Neue LT Std 67 Medium Condensed" charset="0"/>
                 <a:cs typeface="Helvetica Neue LT Std 67 Medium Condensed" charset="0"/>
               </a:rPr>
-              <a:t>D</a:t>
+              <a:t>K</a:t>
             </a:r>
             <a:endParaRPr lang="de-DE" sz="1050" dirty="0">
               <a:latin typeface="Helvetica Neue LT Std 67 Medium Condensed" charset="0"/>
@@ -14224,54 +14490,13 @@
       </p:sp>
       <p:sp>
         <p:nvSpPr>
-          <p:cNvPr id="207" name="Textfeld 206"/>
-          <p:cNvSpPr txBox="1"/>
-          <p:nvPr/>
-        </p:nvSpPr>
-        <p:spPr>
-          <a:xfrm>
-            <a:off x="4287959" y="4029640"/>
-            <a:ext cx="260008" cy="253916"/>
-          </a:xfrm>
-          <a:prstGeom prst="rect">
-            <a:avLst/>
-          </a:prstGeom>
-          <a:noFill/>
-          <a:ln>
-            <a:noFill/>
-          </a:ln>
-        </p:spPr>
-        <p:txBody>
-          <a:bodyPr wrap="none" rtlCol="0">
-            <a:spAutoFit/>
-          </a:bodyPr>
-          <a:lstStyle/>
-          <a:p>
-            <a:r>
-              <a:rPr lang="de-DE" sz="1050" dirty="0" smtClean="0">
-                <a:latin typeface="Helvetica Neue LT Std 67 Medium Condensed" charset="0"/>
-                <a:ea typeface="Helvetica Neue LT Std 67 Medium Condensed" charset="0"/>
-                <a:cs typeface="Helvetica Neue LT Std 67 Medium Condensed" charset="0"/>
-              </a:rPr>
-              <a:t>H</a:t>
-            </a:r>
-            <a:endParaRPr lang="de-DE" sz="1050" dirty="0">
-              <a:latin typeface="Helvetica Neue LT Std 67 Medium Condensed" charset="0"/>
-              <a:ea typeface="Helvetica Neue LT Std 67 Medium Condensed" charset="0"/>
-              <a:cs typeface="Helvetica Neue LT Std 67 Medium Condensed" charset="0"/>
-            </a:endParaRPr>
-          </a:p>
-        </p:txBody>
-      </p:sp>
-      <p:sp>
-        <p:nvSpPr>
-          <p:cNvPr id="208" name="Abgerundetes Rechteck 207"/>
+          <p:cNvPr id="212" name="Abgerundetes Rechteck 211"/>
           <p:cNvSpPr/>
           <p:nvPr/>
         </p:nvSpPr>
         <p:spPr>
           <a:xfrm>
-            <a:off x="4916820" y="3772794"/>
+            <a:off x="6724413" y="3772794"/>
             <a:ext cx="495160" cy="483856"/>
           </a:xfrm>
           <a:prstGeom prst="roundRect">
@@ -14323,14 +14548,14 @@
       </p:sp>
       <p:sp>
         <p:nvSpPr>
-          <p:cNvPr id="209" name="Textfeld 208"/>
+          <p:cNvPr id="213" name="Textfeld 212"/>
           <p:cNvSpPr txBox="1"/>
           <p:nvPr/>
         </p:nvSpPr>
         <p:spPr>
           <a:xfrm>
-            <a:off x="4878795" y="4027695"/>
-            <a:ext cx="243978" cy="253916"/>
+            <a:off x="6686388" y="4038068"/>
+            <a:ext cx="260008" cy="253916"/>
           </a:xfrm>
           <a:prstGeom prst="rect">
             <a:avLst/>
@@ -14352,7 +14577,7 @@
                 <a:ea typeface="Helvetica Neue LT Std 67 Medium Condensed" charset="0"/>
                 <a:cs typeface="Helvetica Neue LT Std 67 Medium Condensed" charset="0"/>
               </a:rPr>
-              <a:t>J</a:t>
+              <a:t>Ö</a:t>
             </a:r>
             <a:endParaRPr lang="de-DE" sz="1050" dirty="0">
               <a:latin typeface="Helvetica Neue LT Std 67 Medium Condensed" charset="0"/>
@@ -14364,13 +14589,95 @@
       </p:sp>
       <p:sp>
         <p:nvSpPr>
-          <p:cNvPr id="210" name="Abgerundetes Rechteck 209"/>
+          <p:cNvPr id="215" name="Textfeld 214"/>
+          <p:cNvSpPr txBox="1"/>
+          <p:nvPr/>
+        </p:nvSpPr>
+        <p:spPr>
+          <a:xfrm>
+            <a:off x="7880176" y="4030871"/>
+            <a:ext cx="248786" cy="253916"/>
+          </a:xfrm>
+          <a:prstGeom prst="rect">
+            <a:avLst/>
+          </a:prstGeom>
+          <a:noFill/>
+          <a:ln>
+            <a:noFill/>
+          </a:ln>
+        </p:spPr>
+        <p:txBody>
+          <a:bodyPr wrap="none" rtlCol="0">
+            <a:spAutoFit/>
+          </a:bodyPr>
+          <a:lstStyle/>
+          <a:p>
+            <a:r>
+              <a:rPr lang="de-DE" sz="1050" dirty="0" smtClean="0">
+                <a:latin typeface="Helvetica Neue LT Std 67 Medium Condensed" charset="0"/>
+                <a:ea typeface="Helvetica Neue LT Std 67 Medium Condensed" charset="0"/>
+                <a:cs typeface="Helvetica Neue LT Std 67 Medium Condensed" charset="0"/>
+              </a:rPr>
+              <a:t>#</a:t>
+            </a:r>
+            <a:endParaRPr lang="de-DE" sz="1050" dirty="0">
+              <a:latin typeface="Helvetica Neue LT Std 67 Medium Condensed" charset="0"/>
+              <a:ea typeface="Helvetica Neue LT Std 67 Medium Condensed" charset="0"/>
+              <a:cs typeface="Helvetica Neue LT Std 67 Medium Condensed" charset="0"/>
+            </a:endParaRPr>
+          </a:p>
+        </p:txBody>
+      </p:sp>
+      <p:sp>
+        <p:nvSpPr>
+          <p:cNvPr id="221" name="Textfeld 220"/>
+          <p:cNvSpPr txBox="1"/>
+          <p:nvPr/>
+        </p:nvSpPr>
+        <p:spPr>
+          <a:xfrm>
+            <a:off x="3375987" y="4612399"/>
+            <a:ext cx="248786" cy="253916"/>
+          </a:xfrm>
+          <a:prstGeom prst="rect">
+            <a:avLst/>
+          </a:prstGeom>
+          <a:noFill/>
+          <a:ln>
+            <a:noFill/>
+          </a:ln>
+        </p:spPr>
+        <p:txBody>
+          <a:bodyPr wrap="none" rtlCol="0">
+            <a:spAutoFit/>
+          </a:bodyPr>
+          <a:lstStyle/>
+          <a:p>
+            <a:r>
+              <a:rPr lang="de-DE" sz="1050" dirty="0" smtClean="0">
+                <a:latin typeface="Helvetica Neue LT Std 67 Medium Condensed" charset="0"/>
+                <a:ea typeface="Helvetica Neue LT Std 67 Medium Condensed" charset="0"/>
+                <a:cs typeface="Helvetica Neue LT Std 67 Medium Condensed" charset="0"/>
+              </a:rPr>
+              <a:t>V</a:t>
+            </a:r>
+            <a:endParaRPr lang="de-DE" sz="1050" dirty="0">
+              <a:latin typeface="Helvetica Neue LT Std 67 Medium Condensed" charset="0"/>
+              <a:ea typeface="Helvetica Neue LT Std 67 Medium Condensed" charset="0"/>
+              <a:cs typeface="Helvetica Neue LT Std 67 Medium Condensed" charset="0"/>
+            </a:endParaRPr>
+          </a:p>
+        </p:txBody>
+      </p:sp>
+      <p:sp>
+        <p:nvSpPr>
+          <p:cNvPr id="222" name="Abgerundetes Rechteck 221"/>
           <p:cNvSpPr/>
           <p:nvPr/>
         </p:nvSpPr>
         <p:spPr>
           <a:xfrm>
-            <a:off x="5516804" y="3772794"/>
+            <a:off x="4020078" y="4346279"/>
             <a:ext cx="495160" cy="483856"/>
           </a:xfrm>
           <a:prstGeom prst="roundRect">
@@ -14422,14 +14729,14 @@
       </p:sp>
       <p:sp>
         <p:nvSpPr>
-          <p:cNvPr id="211" name="Textfeld 210"/>
+          <p:cNvPr id="223" name="Textfeld 222"/>
           <p:cNvSpPr txBox="1"/>
           <p:nvPr/>
         </p:nvSpPr>
         <p:spPr>
           <a:xfrm>
-            <a:off x="5478779" y="4025956"/>
-            <a:ext cx="255198" cy="253916"/>
+            <a:off x="3982053" y="4611491"/>
+            <a:ext cx="256802" cy="253916"/>
           </a:xfrm>
           <a:prstGeom prst="rect">
             <a:avLst/>
@@ -14451,347 +14758,9 @@
                 <a:ea typeface="Helvetica Neue LT Std 67 Medium Condensed" charset="0"/>
                 <a:cs typeface="Helvetica Neue LT Std 67 Medium Condensed" charset="0"/>
               </a:rPr>
-              <a:t>K</a:t>
+              <a:t>B</a:t>
             </a:r>
             <a:endParaRPr lang="de-DE" sz="1050" dirty="0">
-              <a:latin typeface="Helvetica Neue LT Std 67 Medium Condensed" charset="0"/>
-              <a:ea typeface="Helvetica Neue LT Std 67 Medium Condensed" charset="0"/>
-              <a:cs typeface="Helvetica Neue LT Std 67 Medium Condensed" charset="0"/>
-            </a:endParaRPr>
-          </a:p>
-        </p:txBody>
-      </p:sp>
-      <p:sp>
-        <p:nvSpPr>
-          <p:cNvPr id="212" name="Abgerundetes Rechteck 211"/>
-          <p:cNvSpPr/>
-          <p:nvPr/>
-        </p:nvSpPr>
-        <p:spPr>
-          <a:xfrm>
-            <a:off x="6724413" y="3772794"/>
-            <a:ext cx="495160" cy="483856"/>
-          </a:xfrm>
-          <a:prstGeom prst="roundRect">
-            <a:avLst>
-              <a:gd name="adj" fmla="val 8710"/>
-            </a:avLst>
-          </a:prstGeom>
-          <a:solidFill>
-            <a:schemeClr val="bg1"/>
-          </a:solidFill>
-          <a:ln>
-            <a:solidFill>
-              <a:schemeClr val="bg1">
-                <a:lumMod val="50000"/>
-              </a:schemeClr>
-            </a:solidFill>
-          </a:ln>
-        </p:spPr>
-        <p:style>
-          <a:lnRef idx="2">
-            <a:schemeClr val="accent1">
-              <a:shade val="50000"/>
-            </a:schemeClr>
-          </a:lnRef>
-          <a:fillRef idx="1">
-            <a:schemeClr val="accent1"/>
-          </a:fillRef>
-          <a:effectRef idx="0">
-            <a:schemeClr val="accent1"/>
-          </a:effectRef>
-          <a:fontRef idx="minor">
-            <a:schemeClr val="lt1"/>
-          </a:fontRef>
-        </p:style>
-        <p:txBody>
-          <a:bodyPr rtlCol="0" anchor="b"/>
-          <a:lstStyle/>
-          <a:p>
-            <a:endParaRPr lang="de-DE" sz="1000" dirty="0">
-              <a:solidFill>
-                <a:schemeClr val="tx1"/>
-              </a:solidFill>
-              <a:latin typeface="Helvetica Neue LT Std 67 Medium Condensed" charset="0"/>
-              <a:ea typeface="Helvetica Neue LT Std 67 Medium Condensed" charset="0"/>
-              <a:cs typeface="Helvetica Neue LT Std 67 Medium Condensed" charset="0"/>
-            </a:endParaRPr>
-          </a:p>
-        </p:txBody>
-      </p:sp>
-      <p:sp>
-        <p:nvSpPr>
-          <p:cNvPr id="213" name="Textfeld 212"/>
-          <p:cNvSpPr txBox="1"/>
-          <p:nvPr/>
-        </p:nvSpPr>
-        <p:spPr>
-          <a:xfrm>
-            <a:off x="6686388" y="4038068"/>
-            <a:ext cx="260008" cy="253916"/>
-          </a:xfrm>
-          <a:prstGeom prst="rect">
-            <a:avLst/>
-          </a:prstGeom>
-          <a:noFill/>
-          <a:ln>
-            <a:noFill/>
-          </a:ln>
-        </p:spPr>
-        <p:txBody>
-          <a:bodyPr wrap="none" rtlCol="0">
-            <a:spAutoFit/>
-          </a:bodyPr>
-          <a:lstStyle/>
-          <a:p>
-            <a:r>
-              <a:rPr lang="de-DE" sz="1050" dirty="0" smtClean="0">
-                <a:latin typeface="Helvetica Neue LT Std 67 Medium Condensed" charset="0"/>
-                <a:ea typeface="Helvetica Neue LT Std 67 Medium Condensed" charset="0"/>
-                <a:cs typeface="Helvetica Neue LT Std 67 Medium Condensed" charset="0"/>
-              </a:rPr>
-              <a:t>Ö</a:t>
-            </a:r>
-            <a:endParaRPr lang="de-DE" sz="1050" dirty="0">
-              <a:latin typeface="Helvetica Neue LT Std 67 Medium Condensed" charset="0"/>
-              <a:ea typeface="Helvetica Neue LT Std 67 Medium Condensed" charset="0"/>
-              <a:cs typeface="Helvetica Neue LT Std 67 Medium Condensed" charset="0"/>
-            </a:endParaRPr>
-          </a:p>
-        </p:txBody>
-      </p:sp>
-      <p:sp>
-        <p:nvSpPr>
-          <p:cNvPr id="215" name="Textfeld 214"/>
-          <p:cNvSpPr txBox="1"/>
-          <p:nvPr/>
-        </p:nvSpPr>
-        <p:spPr>
-          <a:xfrm>
-            <a:off x="7880176" y="4030871"/>
-            <a:ext cx="248786" cy="253916"/>
-          </a:xfrm>
-          <a:prstGeom prst="rect">
-            <a:avLst/>
-          </a:prstGeom>
-          <a:noFill/>
-          <a:ln>
-            <a:noFill/>
-          </a:ln>
-        </p:spPr>
-        <p:txBody>
-          <a:bodyPr wrap="none" rtlCol="0">
-            <a:spAutoFit/>
-          </a:bodyPr>
-          <a:lstStyle/>
-          <a:p>
-            <a:r>
-              <a:rPr lang="de-DE" sz="1050" dirty="0" smtClean="0">
-                <a:latin typeface="Helvetica Neue LT Std 67 Medium Condensed" charset="0"/>
-                <a:ea typeface="Helvetica Neue LT Std 67 Medium Condensed" charset="0"/>
-                <a:cs typeface="Helvetica Neue LT Std 67 Medium Condensed" charset="0"/>
-              </a:rPr>
-              <a:t>#</a:t>
-            </a:r>
-            <a:endParaRPr lang="de-DE" sz="1050" dirty="0">
-              <a:latin typeface="Helvetica Neue LT Std 67 Medium Condensed" charset="0"/>
-              <a:ea typeface="Helvetica Neue LT Std 67 Medium Condensed" charset="0"/>
-              <a:cs typeface="Helvetica Neue LT Std 67 Medium Condensed" charset="0"/>
-            </a:endParaRPr>
-          </a:p>
-        </p:txBody>
-      </p:sp>
-      <p:sp>
-        <p:nvSpPr>
-          <p:cNvPr id="221" name="Textfeld 220"/>
-          <p:cNvSpPr txBox="1"/>
-          <p:nvPr/>
-        </p:nvSpPr>
-        <p:spPr>
-          <a:xfrm>
-            <a:off x="3375987" y="4612399"/>
-            <a:ext cx="248786" cy="253916"/>
-          </a:xfrm>
-          <a:prstGeom prst="rect">
-            <a:avLst/>
-          </a:prstGeom>
-          <a:noFill/>
-          <a:ln>
-            <a:noFill/>
-          </a:ln>
-        </p:spPr>
-        <p:txBody>
-          <a:bodyPr wrap="none" rtlCol="0">
-            <a:spAutoFit/>
-          </a:bodyPr>
-          <a:lstStyle/>
-          <a:p>
-            <a:r>
-              <a:rPr lang="de-DE" sz="1050" dirty="0" smtClean="0">
-                <a:latin typeface="Helvetica Neue LT Std 67 Medium Condensed" charset="0"/>
-                <a:ea typeface="Helvetica Neue LT Std 67 Medium Condensed" charset="0"/>
-                <a:cs typeface="Helvetica Neue LT Std 67 Medium Condensed" charset="0"/>
-              </a:rPr>
-              <a:t>V</a:t>
-            </a:r>
-            <a:endParaRPr lang="de-DE" sz="1050" dirty="0">
-              <a:latin typeface="Helvetica Neue LT Std 67 Medium Condensed" charset="0"/>
-              <a:ea typeface="Helvetica Neue LT Std 67 Medium Condensed" charset="0"/>
-              <a:cs typeface="Helvetica Neue LT Std 67 Medium Condensed" charset="0"/>
-            </a:endParaRPr>
-          </a:p>
-        </p:txBody>
-      </p:sp>
-      <p:sp>
-        <p:nvSpPr>
-          <p:cNvPr id="222" name="Abgerundetes Rechteck 221"/>
-          <p:cNvSpPr/>
-          <p:nvPr/>
-        </p:nvSpPr>
-        <p:spPr>
-          <a:xfrm>
-            <a:off x="4020078" y="4346279"/>
-            <a:ext cx="495160" cy="483856"/>
-          </a:xfrm>
-          <a:prstGeom prst="roundRect">
-            <a:avLst>
-              <a:gd name="adj" fmla="val 8710"/>
-            </a:avLst>
-          </a:prstGeom>
-          <a:solidFill>
-            <a:schemeClr val="bg1"/>
-          </a:solidFill>
-          <a:ln>
-            <a:solidFill>
-              <a:schemeClr val="bg1">
-                <a:lumMod val="50000"/>
-              </a:schemeClr>
-            </a:solidFill>
-          </a:ln>
-        </p:spPr>
-        <p:style>
-          <a:lnRef idx="2">
-            <a:schemeClr val="accent1">
-              <a:shade val="50000"/>
-            </a:schemeClr>
-          </a:lnRef>
-          <a:fillRef idx="1">
-            <a:schemeClr val="accent1"/>
-          </a:fillRef>
-          <a:effectRef idx="0">
-            <a:schemeClr val="accent1"/>
-          </a:effectRef>
-          <a:fontRef idx="minor">
-            <a:schemeClr val="lt1"/>
-          </a:fontRef>
-        </p:style>
-        <p:txBody>
-          <a:bodyPr rtlCol="0" anchor="b"/>
-          <a:lstStyle/>
-          <a:p>
-            <a:endParaRPr lang="de-DE" sz="1000" dirty="0">
-              <a:solidFill>
-                <a:schemeClr val="tx1"/>
-              </a:solidFill>
-              <a:latin typeface="Helvetica Neue LT Std 67 Medium Condensed" charset="0"/>
-              <a:ea typeface="Helvetica Neue LT Std 67 Medium Condensed" charset="0"/>
-              <a:cs typeface="Helvetica Neue LT Std 67 Medium Condensed" charset="0"/>
-            </a:endParaRPr>
-          </a:p>
-        </p:txBody>
-      </p:sp>
-      <p:sp>
-        <p:nvSpPr>
-          <p:cNvPr id="223" name="Textfeld 222"/>
-          <p:cNvSpPr txBox="1"/>
-          <p:nvPr/>
-        </p:nvSpPr>
-        <p:spPr>
-          <a:xfrm>
-            <a:off x="3982053" y="4611491"/>
-            <a:ext cx="256802" cy="253916"/>
-          </a:xfrm>
-          <a:prstGeom prst="rect">
-            <a:avLst/>
-          </a:prstGeom>
-          <a:noFill/>
-          <a:ln>
-            <a:noFill/>
-          </a:ln>
-        </p:spPr>
-        <p:txBody>
-          <a:bodyPr wrap="none" rtlCol="0">
-            <a:spAutoFit/>
-          </a:bodyPr>
-          <a:lstStyle/>
-          <a:p>
-            <a:r>
-              <a:rPr lang="de-DE" sz="1050" dirty="0" smtClean="0">
-                <a:latin typeface="Helvetica Neue LT Std 67 Medium Condensed" charset="0"/>
-                <a:ea typeface="Helvetica Neue LT Std 67 Medium Condensed" charset="0"/>
-                <a:cs typeface="Helvetica Neue LT Std 67 Medium Condensed" charset="0"/>
-              </a:rPr>
-              <a:t>B</a:t>
-            </a:r>
-            <a:endParaRPr lang="de-DE" sz="1050" dirty="0">
-              <a:latin typeface="Helvetica Neue LT Std 67 Medium Condensed" charset="0"/>
-              <a:ea typeface="Helvetica Neue LT Std 67 Medium Condensed" charset="0"/>
-              <a:cs typeface="Helvetica Neue LT Std 67 Medium Condensed" charset="0"/>
-            </a:endParaRPr>
-          </a:p>
-        </p:txBody>
-      </p:sp>
-      <p:sp>
-        <p:nvSpPr>
-          <p:cNvPr id="224" name="Abgerundetes Rechteck 223"/>
-          <p:cNvSpPr/>
-          <p:nvPr/>
-        </p:nvSpPr>
-        <p:spPr>
-          <a:xfrm>
-            <a:off x="4618087" y="4346279"/>
-            <a:ext cx="495160" cy="483856"/>
-          </a:xfrm>
-          <a:prstGeom prst="roundRect">
-            <a:avLst>
-              <a:gd name="adj" fmla="val 8710"/>
-            </a:avLst>
-          </a:prstGeom>
-          <a:solidFill>
-            <a:schemeClr val="bg1"/>
-          </a:solidFill>
-          <a:ln>
-            <a:solidFill>
-              <a:schemeClr val="bg1">
-                <a:lumMod val="50000"/>
-              </a:schemeClr>
-            </a:solidFill>
-          </a:ln>
-        </p:spPr>
-        <p:style>
-          <a:lnRef idx="2">
-            <a:schemeClr val="accent1">
-              <a:shade val="50000"/>
-            </a:schemeClr>
-          </a:lnRef>
-          <a:fillRef idx="1">
-            <a:schemeClr val="accent1"/>
-          </a:fillRef>
-          <a:effectRef idx="0">
-            <a:schemeClr val="accent1"/>
-          </a:effectRef>
-          <a:fontRef idx="minor">
-            <a:schemeClr val="lt1"/>
-          </a:fontRef>
-        </p:style>
-        <p:txBody>
-          <a:bodyPr rtlCol="0" anchor="b"/>
-          <a:lstStyle/>
-          <a:p>
-            <a:endParaRPr lang="de-DE" sz="1000" dirty="0">
-              <a:solidFill>
-                <a:schemeClr val="tx1"/>
-              </a:solidFill>
               <a:latin typeface="Helvetica Neue LT Std 67 Medium Condensed" charset="0"/>
               <a:ea typeface="Helvetica Neue LT Std 67 Medium Condensed" charset="0"/>
               <a:cs typeface="Helvetica Neue LT Std 67 Medium Condensed" charset="0"/>
@@ -17914,17 +17883,7 @@
                   </a:schemeClr>
                 </a:solidFill>
               </a:rPr>
-              <a:t>Version: </a:t>
-            </a:r>
-            <a:r>
-              <a:rPr lang="de-DE" sz="1400" dirty="0" smtClean="0">
-                <a:solidFill>
-                  <a:schemeClr val="bg2">
-                    <a:lumMod val="50000"/>
-                  </a:schemeClr>
-                </a:solidFill>
-              </a:rPr>
-              <a:t>3.0.2</a:t>
+              <a:t>Version: 3.0.2</a:t>
             </a:r>
             <a:endParaRPr lang="de-DE" sz="1400" dirty="0">
               <a:solidFill>
@@ -18176,7 +18135,7 @@
         </p:nvSpPr>
         <p:spPr>
           <a:xfrm>
-            <a:off x="1721654" y="3155120"/>
+            <a:off x="1760840" y="3142058"/>
             <a:ext cx="248786" cy="246221"/>
           </a:xfrm>
           <a:prstGeom prst="rect">
@@ -18214,7 +18173,7 @@
         </p:nvSpPr>
         <p:spPr>
           <a:xfrm>
-            <a:off x="1784865" y="3195152"/>
+            <a:off x="1824051" y="3182090"/>
             <a:ext cx="490840" cy="220573"/>
           </a:xfrm>
           <a:prstGeom prst="rect">
@@ -18978,6 +18937,910 @@
               <a:ea typeface="Helvetica Neue LT Std 67 Medium Condensed" charset="0"/>
               <a:cs typeface="Helvetica Neue LT Std 67 Medium Condensed" charset="0"/>
             </a:endParaRPr>
+          </a:p>
+        </p:txBody>
+      </p:sp>
+      <p:sp>
+        <p:nvSpPr>
+          <p:cNvPr id="300" name="Rechteck 299"/>
+          <p:cNvSpPr/>
+          <p:nvPr/>
+        </p:nvSpPr>
+        <p:spPr>
+          <a:xfrm>
+            <a:off x="1813019" y="3332516"/>
+            <a:ext cx="494046" cy="220573"/>
+          </a:xfrm>
+          <a:prstGeom prst="rect">
+            <a:avLst/>
+          </a:prstGeom>
+        </p:spPr>
+        <p:txBody>
+          <a:bodyPr wrap="none">
+            <a:spAutoFit/>
+          </a:bodyPr>
+          <a:lstStyle/>
+          <a:p>
+            <a:pPr algn="r">
+              <a:lnSpc>
+                <a:spcPts val="500"/>
+              </a:lnSpc>
+            </a:pPr>
+            <a:r>
+              <a:rPr lang="de-DE" sz="500" dirty="0">
+                <a:solidFill>
+                  <a:schemeClr val="accent6">
+                    <a:lumMod val="75000"/>
+                  </a:schemeClr>
+                </a:solidFill>
+                <a:latin typeface="Helvetica Neue LT Std 67 Medium Condensed" charset="0"/>
+                <a:ea typeface="Helvetica Neue LT Std 67 Medium Condensed" charset="0"/>
+                <a:cs typeface="Helvetica Neue LT Std 67 Medium Condensed" charset="0"/>
+              </a:rPr>
+              <a:t>⌥ </a:t>
+            </a:r>
+            <a:r>
+              <a:rPr lang="de-DE" sz="500" dirty="0" smtClean="0">
+                <a:solidFill>
+                  <a:schemeClr val="accent6">
+                    <a:lumMod val="75000"/>
+                  </a:schemeClr>
+                </a:solidFill>
+                <a:latin typeface="Helvetica Neue LT Std 67 Medium Condensed" charset="0"/>
+                <a:ea typeface="Helvetica Neue LT Std 67 Medium Condensed" charset="0"/>
+                <a:cs typeface="Helvetica Neue LT Std 67 Medium Condensed" charset="0"/>
+              </a:rPr>
+              <a:t>Go </a:t>
+            </a:r>
+            <a:r>
+              <a:rPr lang="de-DE" sz="500" dirty="0" err="1" smtClean="0">
+                <a:solidFill>
+                  <a:schemeClr val="accent6">
+                    <a:lumMod val="75000"/>
+                  </a:schemeClr>
+                </a:solidFill>
+                <a:latin typeface="Helvetica Neue LT Std 67 Medium Condensed" charset="0"/>
+                <a:ea typeface="Helvetica Neue LT Std 67 Medium Condensed" charset="0"/>
+                <a:cs typeface="Helvetica Neue LT Std 67 Medium Condensed" charset="0"/>
+              </a:rPr>
+              <a:t>to</a:t>
+            </a:r>
+            <a:r>
+              <a:rPr lang="de-DE" sz="500" dirty="0" smtClean="0">
+                <a:solidFill>
+                  <a:schemeClr val="accent6">
+                    <a:lumMod val="75000"/>
+                  </a:schemeClr>
+                </a:solidFill>
+                <a:latin typeface="Helvetica Neue LT Std 67 Medium Condensed" charset="0"/>
+                <a:ea typeface="Helvetica Neue LT Std 67 Medium Condensed" charset="0"/>
+                <a:cs typeface="Helvetica Neue LT Std 67 Medium Condensed" charset="0"/>
+              </a:rPr>
+              <a:t> End</a:t>
+            </a:r>
+            <a:r>
+              <a:rPr lang="de-DE" sz="500" dirty="0" smtClean="0">
+                <a:solidFill>
+                  <a:schemeClr val="accent6">
+                    <a:lumMod val="75000"/>
+                  </a:schemeClr>
+                </a:solidFill>
+                <a:latin typeface="Helvetica Neue LT Std 67 Medium Condensed" charset="0"/>
+                <a:ea typeface="Helvetica Neue LT Std 67 Medium Condensed" charset="0"/>
+                <a:cs typeface="Helvetica Neue LT Std 67 Medium Condensed" charset="0"/>
+              </a:rPr>
+              <a:t/>
+            </a:r>
+            <a:br>
+              <a:rPr lang="de-DE" sz="500" dirty="0" smtClean="0">
+                <a:solidFill>
+                  <a:schemeClr val="accent6">
+                    <a:lumMod val="75000"/>
+                  </a:schemeClr>
+                </a:solidFill>
+                <a:latin typeface="Helvetica Neue LT Std 67 Medium Condensed" charset="0"/>
+                <a:ea typeface="Helvetica Neue LT Std 67 Medium Condensed" charset="0"/>
+                <a:cs typeface="Helvetica Neue LT Std 67 Medium Condensed" charset="0"/>
+              </a:rPr>
+            </a:br>
+            <a:r>
+              <a:rPr lang="de-DE" sz="500" dirty="0" err="1" smtClean="0">
+                <a:solidFill>
+                  <a:schemeClr val="accent6">
+                    <a:lumMod val="75000"/>
+                  </a:schemeClr>
+                </a:solidFill>
+                <a:latin typeface="Helvetica Neue LT Std 67 Medium Condensed" charset="0"/>
+                <a:ea typeface="Helvetica Neue LT Std 67 Medium Condensed" charset="0"/>
+                <a:cs typeface="Helvetica Neue LT Std 67 Medium Condensed" charset="0"/>
+              </a:rPr>
+              <a:t>of</a:t>
+            </a:r>
+            <a:r>
+              <a:rPr lang="de-DE" sz="500" dirty="0" smtClean="0">
+                <a:solidFill>
+                  <a:schemeClr val="accent6">
+                    <a:lumMod val="75000"/>
+                  </a:schemeClr>
+                </a:solidFill>
+                <a:latin typeface="Helvetica Neue LT Std 67 Medium Condensed" charset="0"/>
+                <a:ea typeface="Helvetica Neue LT Std 67 Medium Condensed" charset="0"/>
+                <a:cs typeface="Helvetica Neue LT Std 67 Medium Condensed" charset="0"/>
+              </a:rPr>
+              <a:t> Project</a:t>
+            </a:r>
+            <a:endParaRPr lang="de-DE" sz="500" dirty="0">
+              <a:solidFill>
+                <a:schemeClr val="accent6">
+                  <a:lumMod val="75000"/>
+                </a:schemeClr>
+              </a:solidFill>
+              <a:latin typeface="Helvetica Neue LT Std 67 Medium Condensed" charset="0"/>
+              <a:ea typeface="Helvetica Neue LT Std 67 Medium Condensed" charset="0"/>
+              <a:cs typeface="Helvetica Neue LT Std 67 Medium Condensed" charset="0"/>
+            </a:endParaRPr>
+          </a:p>
+        </p:txBody>
+      </p:sp>
+      <p:sp>
+        <p:nvSpPr>
+          <p:cNvPr id="301" name="Textfeld 300"/>
+          <p:cNvSpPr txBox="1"/>
+          <p:nvPr/>
+        </p:nvSpPr>
+        <p:spPr>
+          <a:xfrm>
+            <a:off x="3006354" y="3177876"/>
+            <a:ext cx="524503" cy="169277"/>
+          </a:xfrm>
+          <a:prstGeom prst="rect">
+            <a:avLst/>
+          </a:prstGeom>
+          <a:noFill/>
+        </p:spPr>
+        <p:txBody>
+          <a:bodyPr wrap="none" rtlCol="0">
+            <a:spAutoFit/>
+          </a:bodyPr>
+          <a:lstStyle/>
+          <a:p>
+            <a:pPr>
+              <a:lnSpc>
+                <a:spcPts val="640"/>
+              </a:lnSpc>
+            </a:pPr>
+            <a:r>
+              <a:rPr lang="de-DE" sz="500" dirty="0" err="1" smtClean="0">
+                <a:latin typeface="Helvetica Neue LT Std 67 Medium Condensed" charset="0"/>
+                <a:ea typeface="Helvetica Neue LT Std 67 Medium Condensed" charset="0"/>
+                <a:cs typeface="Helvetica Neue LT Std 67 Medium Condensed" charset="0"/>
+              </a:rPr>
+              <a:t>Toglle</a:t>
+            </a:r>
+            <a:r>
+              <a:rPr lang="de-DE" sz="500" dirty="0" smtClean="0">
+                <a:latin typeface="Helvetica Neue LT Std 67 Medium Condensed" charset="0"/>
+                <a:ea typeface="Helvetica Neue LT Std 67 Medium Condensed" charset="0"/>
+                <a:cs typeface="Helvetica Neue LT Std 67 Medium Condensed" charset="0"/>
+              </a:rPr>
+              <a:t> Repeat</a:t>
+            </a:r>
+            <a:endParaRPr lang="de-DE" sz="500" dirty="0">
+              <a:latin typeface="Helvetica Neue LT Std 67 Medium Condensed" charset="0"/>
+              <a:ea typeface="Helvetica Neue LT Std 67 Medium Condensed" charset="0"/>
+              <a:cs typeface="Helvetica Neue LT Std 67 Medium Condensed" charset="0"/>
+            </a:endParaRPr>
+          </a:p>
+        </p:txBody>
+      </p:sp>
+      <p:sp>
+        <p:nvSpPr>
+          <p:cNvPr id="302" name="Textfeld 301"/>
+          <p:cNvSpPr txBox="1"/>
+          <p:nvPr/>
+        </p:nvSpPr>
+        <p:spPr>
+          <a:xfrm>
+            <a:off x="1423693" y="3935589"/>
+            <a:ext cx="669410" cy="169277"/>
+          </a:xfrm>
+          <a:prstGeom prst="rect">
+            <a:avLst/>
+          </a:prstGeom>
+          <a:noFill/>
+        </p:spPr>
+        <p:txBody>
+          <a:bodyPr wrap="square" rtlCol="0" anchor="t">
+            <a:spAutoFit/>
+          </a:bodyPr>
+          <a:lstStyle/>
+          <a:p>
+            <a:r>
+              <a:rPr lang="de-DE" sz="500" smtClean="0">
+                <a:solidFill>
+                  <a:srgbClr val="7030A0"/>
+                </a:solidFill>
+                <a:latin typeface="Helvetica Neue LT Std 67 Medium Condensed" charset="0"/>
+                <a:ea typeface="Helvetica Neue LT Std 67 Medium Condensed" charset="0"/>
+                <a:cs typeface="Helvetica Neue LT Std 67 Medium Condensed" charset="0"/>
+              </a:rPr>
+              <a:t>Select </a:t>
+            </a:r>
+            <a:r>
+              <a:rPr lang="de-DE" sz="500" dirty="0" smtClean="0">
+                <a:solidFill>
+                  <a:srgbClr val="7030A0"/>
+                </a:solidFill>
+                <a:latin typeface="Helvetica Neue LT Std 67 Medium Condensed" charset="0"/>
+                <a:ea typeface="Helvetica Neue LT Std 67 Medium Condensed" charset="0"/>
+                <a:cs typeface="Helvetica Neue LT Std 67 Medium Condensed" charset="0"/>
+              </a:rPr>
+              <a:t>All</a:t>
+            </a:r>
+            <a:endParaRPr lang="de-DE" sz="500" dirty="0" smtClean="0">
+              <a:solidFill>
+                <a:srgbClr val="7030A0"/>
+              </a:solidFill>
+              <a:latin typeface="Helvetica Neue LT Std 67 Medium Condensed" charset="0"/>
+              <a:ea typeface="Helvetica Neue LT Std 67 Medium Condensed" charset="0"/>
+              <a:cs typeface="Helvetica Neue LT Std 67 Medium Condensed" charset="0"/>
+            </a:endParaRPr>
+          </a:p>
+        </p:txBody>
+      </p:sp>
+      <p:sp>
+        <p:nvSpPr>
+          <p:cNvPr id="303" name="Rechteck 302"/>
+          <p:cNvSpPr/>
+          <p:nvPr/>
+        </p:nvSpPr>
+        <p:spPr>
+          <a:xfrm>
+            <a:off x="1323995" y="3929777"/>
+            <a:ext cx="261610" cy="184666"/>
+          </a:xfrm>
+          <a:prstGeom prst="rect">
+            <a:avLst/>
+          </a:prstGeom>
+        </p:spPr>
+        <p:txBody>
+          <a:bodyPr wrap="none">
+            <a:spAutoFit/>
+          </a:bodyPr>
+          <a:lstStyle/>
+          <a:p>
+            <a:r>
+              <a:rPr lang="de-DE" sz="600" b="1" dirty="0" smtClean="0">
+                <a:solidFill>
+                  <a:srgbClr val="7030A0"/>
+                </a:solidFill>
+                <a:latin typeface="Helvetica Neue LT Std 67 Medium Condensed" charset="0"/>
+                <a:ea typeface="Helvetica Neue LT Std 67 Medium Condensed" charset="0"/>
+                <a:cs typeface="Helvetica Neue LT Std 67 Medium Condensed" charset="0"/>
+              </a:rPr>
+              <a:t>⌘</a:t>
+            </a:r>
+            <a:endParaRPr lang="de-DE" sz="4000" b="1" dirty="0">
+              <a:solidFill>
+                <a:srgbClr val="7030A0"/>
+              </a:solidFill>
+            </a:endParaRPr>
+          </a:p>
+        </p:txBody>
+      </p:sp>
+      <p:sp>
+        <p:nvSpPr>
+          <p:cNvPr id="305" name="Textfeld 304"/>
+          <p:cNvSpPr txBox="1"/>
+          <p:nvPr/>
+        </p:nvSpPr>
+        <p:spPr>
+          <a:xfrm>
+            <a:off x="2290184" y="3775438"/>
+            <a:ext cx="759239" cy="220573"/>
+          </a:xfrm>
+          <a:prstGeom prst="rect">
+            <a:avLst/>
+          </a:prstGeom>
+          <a:noFill/>
+        </p:spPr>
+        <p:txBody>
+          <a:bodyPr wrap="square" rtlCol="0" anchor="t">
+            <a:spAutoFit/>
+          </a:bodyPr>
+          <a:lstStyle/>
+          <a:p>
+            <a:pPr algn="r">
+              <a:lnSpc>
+                <a:spcPts val="500"/>
+              </a:lnSpc>
+            </a:pPr>
+            <a:r>
+              <a:rPr lang="de-DE" sz="500" smtClean="0">
+                <a:latin typeface="Helvetica Neue LT Std 67 Medium Condensed" charset="0"/>
+                <a:ea typeface="Helvetica Neue LT Std 67 Medium Condensed" charset="0"/>
+                <a:cs typeface="Helvetica Neue LT Std 67 Medium Condensed" charset="0"/>
+              </a:rPr>
+              <a:t>          </a:t>
+            </a:r>
+            <a:r>
+              <a:rPr lang="de-DE" sz="500" smtClean="0">
+                <a:latin typeface="Helvetica Neue LT Std 67 Medium Condensed" charset="0"/>
+                <a:ea typeface="Helvetica Neue LT Std 67 Medium Condensed" charset="0"/>
+                <a:cs typeface="Helvetica Neue LT Std 67 Medium Condensed" charset="0"/>
+              </a:rPr>
+              <a:t>Dynamic</a:t>
+            </a:r>
+            <a:br>
+              <a:rPr lang="de-DE" sz="500" smtClean="0">
+                <a:latin typeface="Helvetica Neue LT Std 67 Medium Condensed" charset="0"/>
+                <a:ea typeface="Helvetica Neue LT Std 67 Medium Condensed" charset="0"/>
+                <a:cs typeface="Helvetica Neue LT Std 67 Medium Condensed" charset="0"/>
+              </a:rPr>
+            </a:br>
+            <a:r>
+              <a:rPr lang="de-DE" sz="500" smtClean="0">
+                <a:latin typeface="Helvetica Neue LT Std 67 Medium Condensed" charset="0"/>
+                <a:ea typeface="Helvetica Neue LT Std 67 Medium Condensed" charset="0"/>
+                <a:cs typeface="Helvetica Neue LT Std 67 Medium Condensed" charset="0"/>
+              </a:rPr>
+              <a:t>Split Items</a:t>
+            </a:r>
+            <a:endParaRPr lang="de-DE" sz="1000" dirty="0" smtClean="0">
+              <a:solidFill>
+                <a:schemeClr val="accent2">
+                  <a:lumMod val="75000"/>
+                </a:schemeClr>
+              </a:solidFill>
+              <a:latin typeface="Helvetica Neue LT Std 67 Medium Condensed" charset="0"/>
+              <a:ea typeface="Helvetica Neue LT Std 67 Medium Condensed" charset="0"/>
+              <a:cs typeface="Helvetica Neue LT Std 67 Medium Condensed" charset="0"/>
+            </a:endParaRPr>
+          </a:p>
+        </p:txBody>
+      </p:sp>
+      <p:sp>
+        <p:nvSpPr>
+          <p:cNvPr id="306" name="Rechteck 305"/>
+          <p:cNvSpPr/>
+          <p:nvPr/>
+        </p:nvSpPr>
+        <p:spPr>
+          <a:xfrm>
+            <a:off x="2510305" y="3916889"/>
+            <a:ext cx="538930" cy="220573"/>
+          </a:xfrm>
+          <a:prstGeom prst="rect">
+            <a:avLst/>
+          </a:prstGeom>
+        </p:spPr>
+        <p:txBody>
+          <a:bodyPr wrap="none">
+            <a:spAutoFit/>
+          </a:bodyPr>
+          <a:lstStyle/>
+          <a:p>
+            <a:pPr algn="r">
+              <a:lnSpc>
+                <a:spcPts val="500"/>
+              </a:lnSpc>
+            </a:pPr>
+            <a:r>
+              <a:rPr lang="de-DE" sz="500" dirty="0">
+                <a:solidFill>
+                  <a:schemeClr val="accent6">
+                    <a:lumMod val="75000"/>
+                  </a:schemeClr>
+                </a:solidFill>
+                <a:latin typeface="Helvetica Neue LT Std 67 Medium Condensed" charset="0"/>
+                <a:ea typeface="Helvetica Neue LT Std 67 Medium Condensed" charset="0"/>
+                <a:cs typeface="Helvetica Neue LT Std 67 Medium Condensed" charset="0"/>
+              </a:rPr>
+              <a:t>⌥ </a:t>
+            </a:r>
+            <a:r>
+              <a:rPr lang="de-DE" sz="500" dirty="0" err="1" smtClean="0">
+                <a:solidFill>
+                  <a:schemeClr val="accent6">
+                    <a:lumMod val="75000"/>
+                  </a:schemeClr>
+                </a:solidFill>
+                <a:latin typeface="Helvetica Neue LT Std 67 Medium Condensed" charset="0"/>
+                <a:ea typeface="Helvetica Neue LT Std 67 Medium Condensed" charset="0"/>
+                <a:cs typeface="Helvetica Neue LT Std 67 Medium Condensed" charset="0"/>
+              </a:rPr>
+              <a:t>Toggle</a:t>
+            </a:r>
+            <a:r>
+              <a:rPr lang="de-DE" sz="500" dirty="0" smtClean="0">
+                <a:solidFill>
+                  <a:schemeClr val="accent6">
+                    <a:lumMod val="75000"/>
+                  </a:schemeClr>
+                </a:solidFill>
+                <a:latin typeface="Helvetica Neue LT Std 67 Medium Condensed" charset="0"/>
+                <a:ea typeface="Helvetica Neue LT Std 67 Medium Condensed" charset="0"/>
+                <a:cs typeface="Helvetica Neue LT Std 67 Medium Condensed" charset="0"/>
+              </a:rPr>
+              <a:t/>
+            </a:r>
+            <a:br>
+              <a:rPr lang="de-DE" sz="500" dirty="0" smtClean="0">
+                <a:solidFill>
+                  <a:schemeClr val="accent6">
+                    <a:lumMod val="75000"/>
+                  </a:schemeClr>
+                </a:solidFill>
+                <a:latin typeface="Helvetica Neue LT Std 67 Medium Condensed" charset="0"/>
+                <a:ea typeface="Helvetica Neue LT Std 67 Medium Condensed" charset="0"/>
+                <a:cs typeface="Helvetica Neue LT Std 67 Medium Condensed" charset="0"/>
+              </a:rPr>
+            </a:br>
+            <a:r>
+              <a:rPr lang="de-DE" sz="500" dirty="0" smtClean="0">
+                <a:solidFill>
+                  <a:schemeClr val="accent6">
+                    <a:lumMod val="75000"/>
+                  </a:schemeClr>
+                </a:solidFill>
+                <a:latin typeface="Helvetica Neue LT Std 67 Medium Condensed" charset="0"/>
+                <a:ea typeface="Helvetica Neue LT Std 67 Medium Condensed" charset="0"/>
+                <a:cs typeface="Helvetica Neue LT Std 67 Medium Condensed" charset="0"/>
+              </a:rPr>
+              <a:t>Docker Visible</a:t>
+            </a:r>
+            <a:endParaRPr lang="de-DE" sz="500" dirty="0">
+              <a:solidFill>
+                <a:schemeClr val="accent6">
+                  <a:lumMod val="75000"/>
+                </a:schemeClr>
+              </a:solidFill>
+              <a:latin typeface="Helvetica Neue LT Std 67 Medium Condensed" charset="0"/>
+              <a:ea typeface="Helvetica Neue LT Std 67 Medium Condensed" charset="0"/>
+              <a:cs typeface="Helvetica Neue LT Std 67 Medium Condensed" charset="0"/>
+            </a:endParaRPr>
+          </a:p>
+        </p:txBody>
+      </p:sp>
+      <p:sp>
+        <p:nvSpPr>
+          <p:cNvPr id="308" name="Textfeld 307"/>
+          <p:cNvSpPr txBox="1"/>
+          <p:nvPr/>
+        </p:nvSpPr>
+        <p:spPr>
+          <a:xfrm>
+            <a:off x="5023706" y="3778557"/>
+            <a:ext cx="759239" cy="169277"/>
+          </a:xfrm>
+          <a:prstGeom prst="rect">
+            <a:avLst/>
+          </a:prstGeom>
+          <a:noFill/>
+        </p:spPr>
+        <p:txBody>
+          <a:bodyPr wrap="square" rtlCol="0" anchor="t">
+            <a:spAutoFit/>
+          </a:bodyPr>
+          <a:lstStyle/>
+          <a:p>
+            <a:r>
+              <a:rPr lang="de-DE" sz="500" dirty="0" smtClean="0">
+                <a:solidFill>
+                  <a:srgbClr val="7030A0"/>
+                </a:solidFill>
+                <a:latin typeface="Helvetica Neue LT Std 67 Medium Condensed" charset="0"/>
+                <a:ea typeface="Helvetica Neue LT Std 67 Medium Condensed" charset="0"/>
+                <a:cs typeface="Helvetica Neue LT Std 67 Medium Condensed" charset="0"/>
+              </a:rPr>
+              <a:t>Jump </a:t>
+            </a:r>
+            <a:r>
+              <a:rPr lang="de-DE" sz="500" dirty="0" err="1" smtClean="0">
+                <a:solidFill>
+                  <a:srgbClr val="7030A0"/>
+                </a:solidFill>
+                <a:latin typeface="Helvetica Neue LT Std 67 Medium Condensed" charset="0"/>
+                <a:ea typeface="Helvetica Neue LT Std 67 Medium Condensed" charset="0"/>
+                <a:cs typeface="Helvetica Neue LT Std 67 Medium Condensed" charset="0"/>
+              </a:rPr>
+              <a:t>To</a:t>
+            </a:r>
+            <a:r>
+              <a:rPr lang="de-DE" sz="500" dirty="0" smtClean="0">
+                <a:solidFill>
+                  <a:srgbClr val="7030A0"/>
+                </a:solidFill>
+                <a:latin typeface="Helvetica Neue LT Std 67 Medium Condensed" charset="0"/>
+                <a:ea typeface="Helvetica Neue LT Std 67 Medium Condensed" charset="0"/>
+                <a:cs typeface="Helvetica Neue LT Std 67 Medium Condensed" charset="0"/>
+              </a:rPr>
+              <a:t>...</a:t>
+            </a:r>
+            <a:endParaRPr lang="de-DE" sz="500" dirty="0" smtClean="0">
+              <a:solidFill>
+                <a:srgbClr val="7030A0"/>
+              </a:solidFill>
+              <a:latin typeface="Helvetica Neue LT Std 67 Medium Condensed" charset="0"/>
+              <a:ea typeface="Helvetica Neue LT Std 67 Medium Condensed" charset="0"/>
+              <a:cs typeface="Helvetica Neue LT Std 67 Medium Condensed" charset="0"/>
+            </a:endParaRPr>
+          </a:p>
+        </p:txBody>
+      </p:sp>
+      <p:sp>
+        <p:nvSpPr>
+          <p:cNvPr id="309" name="Rechteck 308"/>
+          <p:cNvSpPr/>
+          <p:nvPr/>
+        </p:nvSpPr>
+        <p:spPr>
+          <a:xfrm>
+            <a:off x="4925898" y="3762730"/>
+            <a:ext cx="261610" cy="184666"/>
+          </a:xfrm>
+          <a:prstGeom prst="rect">
+            <a:avLst/>
+          </a:prstGeom>
+        </p:spPr>
+        <p:txBody>
+          <a:bodyPr wrap="none">
+            <a:spAutoFit/>
+          </a:bodyPr>
+          <a:lstStyle/>
+          <a:p>
+            <a:r>
+              <a:rPr lang="de-DE" sz="600" b="1" dirty="0" smtClean="0">
+                <a:solidFill>
+                  <a:srgbClr val="7030A0"/>
+                </a:solidFill>
+                <a:latin typeface="Helvetica Neue LT Std 67 Medium Condensed" charset="0"/>
+                <a:ea typeface="Helvetica Neue LT Std 67 Medium Condensed" charset="0"/>
+                <a:cs typeface="Helvetica Neue LT Std 67 Medium Condensed" charset="0"/>
+              </a:rPr>
+              <a:t>⌘</a:t>
+            </a:r>
+            <a:endParaRPr lang="de-DE" sz="4000" b="1" dirty="0">
+              <a:solidFill>
+                <a:srgbClr val="7030A0"/>
+              </a:solidFill>
+            </a:endParaRPr>
+          </a:p>
+        </p:txBody>
+      </p:sp>
+      <p:sp>
+        <p:nvSpPr>
+          <p:cNvPr id="311" name="Rechteck 310"/>
+          <p:cNvSpPr/>
+          <p:nvPr/>
+        </p:nvSpPr>
+        <p:spPr>
+          <a:xfrm>
+            <a:off x="4655383" y="4304804"/>
+            <a:ext cx="248786" cy="246221"/>
+          </a:xfrm>
+          <a:prstGeom prst="rect">
+            <a:avLst/>
+          </a:prstGeom>
+        </p:spPr>
+        <p:txBody>
+          <a:bodyPr wrap="none">
+            <a:spAutoFit/>
+          </a:bodyPr>
+          <a:lstStyle/>
+          <a:p>
+            <a:r>
+              <a:rPr lang="de-DE" sz="1000" dirty="0" smtClean="0">
+                <a:solidFill>
+                  <a:schemeClr val="accent2">
+                    <a:lumMod val="75000"/>
+                  </a:schemeClr>
+                </a:solidFill>
+                <a:latin typeface="Helvetica Neue LT Std 67 Medium Condensed" charset="0"/>
+                <a:ea typeface="Helvetica Neue LT Std 67 Medium Condensed" charset="0"/>
+                <a:cs typeface="Helvetica Neue LT Std 67 Medium Condensed" charset="0"/>
+              </a:rPr>
+              <a:t>⇧</a:t>
+            </a:r>
+            <a:endParaRPr lang="de-DE" sz="1400" dirty="0"/>
+          </a:p>
+        </p:txBody>
+      </p:sp>
+      <p:sp>
+        <p:nvSpPr>
+          <p:cNvPr id="312" name="Rechteck 311"/>
+          <p:cNvSpPr/>
+          <p:nvPr/>
+        </p:nvSpPr>
+        <p:spPr>
+          <a:xfrm>
+            <a:off x="4729422" y="4344836"/>
+            <a:ext cx="436338" cy="287899"/>
+          </a:xfrm>
+          <a:prstGeom prst="rect">
+            <a:avLst/>
+          </a:prstGeom>
+        </p:spPr>
+        <p:txBody>
+          <a:bodyPr wrap="none">
+            <a:spAutoFit/>
+          </a:bodyPr>
+          <a:lstStyle/>
+          <a:p>
+            <a:pPr algn="r">
+              <a:lnSpc>
+                <a:spcPts val="500"/>
+              </a:lnSpc>
+            </a:pPr>
+            <a:r>
+              <a:rPr lang="de-DE" sz="500" dirty="0">
+                <a:solidFill>
+                  <a:schemeClr val="accent2">
+                    <a:lumMod val="75000"/>
+                  </a:schemeClr>
+                </a:solidFill>
+                <a:latin typeface="Helvetica Neue LT Std 67 Medium Condensed" charset="0"/>
+                <a:ea typeface="Helvetica Neue LT Std 67 Medium Condensed" charset="0"/>
+                <a:cs typeface="Helvetica Neue LT Std 67 Medium Condensed" charset="0"/>
+              </a:rPr>
+              <a:t> </a:t>
+            </a:r>
+            <a:r>
+              <a:rPr lang="de-DE" sz="500" dirty="0" err="1" smtClean="0">
+                <a:solidFill>
+                  <a:schemeClr val="accent2">
+                    <a:lumMod val="75000"/>
+                  </a:schemeClr>
+                </a:solidFill>
+                <a:latin typeface="Helvetica Neue LT Std 67 Medium Condensed" charset="0"/>
+                <a:ea typeface="Helvetica Neue LT Std 67 Medium Condensed" charset="0"/>
+                <a:cs typeface="Helvetica Neue LT Std 67 Medium Condensed" charset="0"/>
+              </a:rPr>
+              <a:t>Toggle</a:t>
+            </a:r>
+            <a:r>
+              <a:rPr lang="de-DE" sz="500" dirty="0">
+                <a:solidFill>
+                  <a:schemeClr val="accent2">
+                    <a:lumMod val="75000"/>
+                  </a:schemeClr>
+                </a:solidFill>
+                <a:latin typeface="Helvetica Neue LT Std 67 Medium Condensed" charset="0"/>
+                <a:ea typeface="Helvetica Neue LT Std 67 Medium Condensed" charset="0"/>
+                <a:cs typeface="Helvetica Neue LT Std 67 Medium Condensed" charset="0"/>
+              </a:rPr>
+              <a:t/>
+            </a:r>
+            <a:br>
+              <a:rPr lang="de-DE" sz="500" dirty="0">
+                <a:solidFill>
+                  <a:schemeClr val="accent2">
+                    <a:lumMod val="75000"/>
+                  </a:schemeClr>
+                </a:solidFill>
+                <a:latin typeface="Helvetica Neue LT Std 67 Medium Condensed" charset="0"/>
+                <a:ea typeface="Helvetica Neue LT Std 67 Medium Condensed" charset="0"/>
+                <a:cs typeface="Helvetica Neue LT Std 67 Medium Condensed" charset="0"/>
+              </a:rPr>
+            </a:br>
+            <a:r>
+              <a:rPr lang="de-DE" sz="500" dirty="0" err="1" smtClean="0">
+                <a:solidFill>
+                  <a:schemeClr val="accent2">
+                    <a:lumMod val="75000"/>
+                  </a:schemeClr>
+                </a:solidFill>
+                <a:latin typeface="Helvetica Neue LT Std 67 Medium Condensed" charset="0"/>
+                <a:ea typeface="Helvetica Neue LT Std 67 Medium Condensed" charset="0"/>
+                <a:cs typeface="Helvetica Neue LT Std 67 Medium Condensed" charset="0"/>
+              </a:rPr>
+              <a:t>Normalize</a:t>
+            </a:r>
+            <a:r>
+              <a:rPr lang="de-DE" sz="500" dirty="0" smtClean="0">
+                <a:solidFill>
+                  <a:schemeClr val="accent2">
+                    <a:lumMod val="75000"/>
+                  </a:schemeClr>
+                </a:solidFill>
+                <a:latin typeface="Helvetica Neue LT Std 67 Medium Condensed" charset="0"/>
+                <a:ea typeface="Helvetica Neue LT Std 67 Medium Condensed" charset="0"/>
+                <a:cs typeface="Helvetica Neue LT Std 67 Medium Condensed" charset="0"/>
+              </a:rPr>
+              <a:t/>
+            </a:r>
+            <a:br>
+              <a:rPr lang="de-DE" sz="500" dirty="0" smtClean="0">
+                <a:solidFill>
+                  <a:schemeClr val="accent2">
+                    <a:lumMod val="75000"/>
+                  </a:schemeClr>
+                </a:solidFill>
+                <a:latin typeface="Helvetica Neue LT Std 67 Medium Condensed" charset="0"/>
+                <a:ea typeface="Helvetica Neue LT Std 67 Medium Condensed" charset="0"/>
+                <a:cs typeface="Helvetica Neue LT Std 67 Medium Condensed" charset="0"/>
+              </a:rPr>
+            </a:br>
+            <a:r>
+              <a:rPr lang="de-DE" sz="500" dirty="0" smtClean="0">
+                <a:solidFill>
+                  <a:schemeClr val="accent2">
+                    <a:lumMod val="75000"/>
+                  </a:schemeClr>
+                </a:solidFill>
+                <a:latin typeface="Helvetica Neue LT Std 67 Medium Condensed" charset="0"/>
+                <a:ea typeface="Helvetica Neue LT Std 67 Medium Condensed" charset="0"/>
+                <a:cs typeface="Helvetica Neue LT Std 67 Medium Condensed" charset="0"/>
+              </a:rPr>
+              <a:t>Items</a:t>
+            </a:r>
+            <a:endParaRPr lang="de-DE" sz="500" dirty="0"/>
+          </a:p>
+        </p:txBody>
+      </p:sp>
+      <p:sp>
+        <p:nvSpPr>
+          <p:cNvPr id="313" name="Rechteck 312"/>
+          <p:cNvSpPr/>
+          <p:nvPr/>
+        </p:nvSpPr>
+        <p:spPr>
+          <a:xfrm>
+            <a:off x="7838804" y="3270632"/>
+            <a:ext cx="248786" cy="246221"/>
+          </a:xfrm>
+          <a:prstGeom prst="rect">
+            <a:avLst/>
+          </a:prstGeom>
+        </p:spPr>
+        <p:txBody>
+          <a:bodyPr wrap="none">
+            <a:spAutoFit/>
+          </a:bodyPr>
+          <a:lstStyle/>
+          <a:p>
+            <a:r>
+              <a:rPr lang="de-DE" sz="1000" dirty="0" smtClean="0">
+                <a:solidFill>
+                  <a:schemeClr val="accent2">
+                    <a:lumMod val="75000"/>
+                  </a:schemeClr>
+                </a:solidFill>
+                <a:latin typeface="Helvetica Neue LT Std 67 Medium Condensed" charset="0"/>
+                <a:ea typeface="Helvetica Neue LT Std 67 Medium Condensed" charset="0"/>
+                <a:cs typeface="Helvetica Neue LT Std 67 Medium Condensed" charset="0"/>
+              </a:rPr>
+              <a:t>⇧</a:t>
+            </a:r>
+            <a:endParaRPr lang="de-DE" sz="1400" dirty="0"/>
+          </a:p>
+        </p:txBody>
+      </p:sp>
+      <p:sp>
+        <p:nvSpPr>
+          <p:cNvPr id="314" name="Rechteck 313"/>
+          <p:cNvSpPr/>
+          <p:nvPr/>
+        </p:nvSpPr>
+        <p:spPr>
+          <a:xfrm>
+            <a:off x="7902015" y="3310664"/>
+            <a:ext cx="394660" cy="323165"/>
+          </a:xfrm>
+          <a:prstGeom prst="rect">
+            <a:avLst/>
+          </a:prstGeom>
+        </p:spPr>
+        <p:txBody>
+          <a:bodyPr wrap="none">
+            <a:spAutoFit/>
+          </a:bodyPr>
+          <a:lstStyle/>
+          <a:p>
+            <a:pPr algn="r"/>
+            <a:r>
+              <a:rPr lang="de-DE" sz="500" dirty="0" smtClean="0">
+                <a:solidFill>
+                  <a:schemeClr val="accent2">
+                    <a:lumMod val="75000"/>
+                  </a:schemeClr>
+                </a:solidFill>
+                <a:latin typeface="Helvetica Neue LT Std 67 Medium Condensed" charset="0"/>
+                <a:ea typeface="Helvetica Neue LT Std 67 Medium Condensed" charset="0"/>
+                <a:cs typeface="Helvetica Neue LT Std 67 Medium Condensed" charset="0"/>
+              </a:rPr>
+              <a:t>Zoom </a:t>
+            </a:r>
+            <a:r>
+              <a:rPr lang="de-DE" sz="500" dirty="0" err="1" smtClean="0">
+                <a:solidFill>
+                  <a:schemeClr val="accent2">
+                    <a:lumMod val="75000"/>
+                  </a:schemeClr>
+                </a:solidFill>
+                <a:latin typeface="Helvetica Neue LT Std 67 Medium Condensed" charset="0"/>
+                <a:ea typeface="Helvetica Neue LT Std 67 Medium Condensed" charset="0"/>
+                <a:cs typeface="Helvetica Neue LT Std 67 Medium Condensed" charset="0"/>
+              </a:rPr>
+              <a:t>to</a:t>
+            </a:r>
+            <a:r>
+              <a:rPr lang="de-DE" sz="500" dirty="0">
+                <a:solidFill>
+                  <a:schemeClr val="accent2">
+                    <a:lumMod val="75000"/>
+                  </a:schemeClr>
+                </a:solidFill>
+                <a:latin typeface="Helvetica Neue LT Std 67 Medium Condensed" charset="0"/>
+                <a:ea typeface="Helvetica Neue LT Std 67 Medium Condensed" charset="0"/>
+                <a:cs typeface="Helvetica Neue LT Std 67 Medium Condensed" charset="0"/>
+              </a:rPr>
+              <a:t/>
+            </a:r>
+            <a:br>
+              <a:rPr lang="de-DE" sz="500" dirty="0">
+                <a:solidFill>
+                  <a:schemeClr val="accent2">
+                    <a:lumMod val="75000"/>
+                  </a:schemeClr>
+                </a:solidFill>
+                <a:latin typeface="Helvetica Neue LT Std 67 Medium Condensed" charset="0"/>
+                <a:ea typeface="Helvetica Neue LT Std 67 Medium Condensed" charset="0"/>
+                <a:cs typeface="Helvetica Neue LT Std 67 Medium Condensed" charset="0"/>
+              </a:rPr>
+            </a:br>
+            <a:r>
+              <a:rPr lang="de-DE" sz="500" dirty="0" err="1" smtClean="0">
+                <a:solidFill>
+                  <a:schemeClr val="accent2">
+                    <a:lumMod val="75000"/>
+                  </a:schemeClr>
+                </a:solidFill>
+                <a:latin typeface="Helvetica Neue LT Std 67 Medium Condensed" charset="0"/>
+                <a:ea typeface="Helvetica Neue LT Std 67 Medium Condensed" charset="0"/>
+                <a:cs typeface="Helvetica Neue LT Std 67 Medium Condensed" charset="0"/>
+              </a:rPr>
+              <a:t>selected</a:t>
+            </a:r>
+            <a:r>
+              <a:rPr lang="de-DE" sz="500" dirty="0" smtClean="0">
+                <a:solidFill>
+                  <a:schemeClr val="accent2">
+                    <a:lumMod val="75000"/>
+                  </a:schemeClr>
+                </a:solidFill>
+                <a:latin typeface="Helvetica Neue LT Std 67 Medium Condensed" charset="0"/>
+                <a:ea typeface="Helvetica Neue LT Std 67 Medium Condensed" charset="0"/>
+                <a:cs typeface="Helvetica Neue LT Std 67 Medium Condensed" charset="0"/>
+              </a:rPr>
+              <a:t/>
+            </a:r>
+            <a:br>
+              <a:rPr lang="de-DE" sz="500" dirty="0" smtClean="0">
+                <a:solidFill>
+                  <a:schemeClr val="accent2">
+                    <a:lumMod val="75000"/>
+                  </a:schemeClr>
+                </a:solidFill>
+                <a:latin typeface="Helvetica Neue LT Std 67 Medium Condensed" charset="0"/>
+                <a:ea typeface="Helvetica Neue LT Std 67 Medium Condensed" charset="0"/>
+                <a:cs typeface="Helvetica Neue LT Std 67 Medium Condensed" charset="0"/>
+              </a:rPr>
+            </a:br>
+            <a:r>
+              <a:rPr lang="de-DE" sz="500" dirty="0" smtClean="0">
+                <a:solidFill>
+                  <a:schemeClr val="accent2">
+                    <a:lumMod val="75000"/>
+                  </a:schemeClr>
+                </a:solidFill>
+                <a:latin typeface="Helvetica Neue LT Std 67 Medium Condensed" charset="0"/>
+                <a:ea typeface="Helvetica Neue LT Std 67 Medium Condensed" charset="0"/>
+                <a:cs typeface="Helvetica Neue LT Std 67 Medium Condensed" charset="0"/>
+              </a:rPr>
+              <a:t>Items</a:t>
+            </a:r>
+            <a:endParaRPr lang="de-DE" sz="500" dirty="0"/>
           </a:p>
         </p:txBody>
       </p:sp>

--- a/Documentation/Keymap.pptx
+++ b/Documentation/Keymap.pptx
@@ -19091,7 +19091,7 @@
         <p:spPr>
           <a:xfrm>
             <a:off x="3006354" y="3177876"/>
-            <a:ext cx="524503" cy="169277"/>
+            <a:ext cx="540533" cy="169277"/>
           </a:xfrm>
           <a:prstGeom prst="rect">
             <a:avLst/>
@@ -19115,7 +19115,7 @@
                 <a:ea typeface="Helvetica Neue LT Std 67 Medium Condensed" charset="0"/>
                 <a:cs typeface="Helvetica Neue LT Std 67 Medium Condensed" charset="0"/>
               </a:rPr>
-              <a:t>Toglle</a:t>
+              <a:t>Toggle</a:t>
             </a:r>
             <a:r>
               <a:rPr lang="de-DE" sz="500" dirty="0" smtClean="0">

--- a/Documentation/Keymap.pptx
+++ b/Documentation/Keymap.pptx
@@ -3355,6 +3355,65 @@
       </p:grpSpPr>
       <p:sp>
         <p:nvSpPr>
+          <p:cNvPr id="315" name="Abgerundetes Rechteck 314"/>
+          <p:cNvSpPr/>
+          <p:nvPr/>
+        </p:nvSpPr>
+        <p:spPr>
+          <a:xfrm>
+            <a:off x="5519438" y="3773279"/>
+            <a:ext cx="495160" cy="483856"/>
+          </a:xfrm>
+          <a:prstGeom prst="roundRect">
+            <a:avLst>
+              <a:gd name="adj" fmla="val 8710"/>
+            </a:avLst>
+          </a:prstGeom>
+          <a:solidFill>
+            <a:schemeClr val="accent1">
+              <a:lumMod val="20000"/>
+              <a:lumOff val="80000"/>
+            </a:schemeClr>
+          </a:solidFill>
+          <a:ln>
+            <a:solidFill>
+              <a:schemeClr val="accent1"/>
+            </a:solidFill>
+          </a:ln>
+        </p:spPr>
+        <p:style>
+          <a:lnRef idx="2">
+            <a:schemeClr val="accent1">
+              <a:shade val="50000"/>
+            </a:schemeClr>
+          </a:lnRef>
+          <a:fillRef idx="1">
+            <a:schemeClr val="accent1"/>
+          </a:fillRef>
+          <a:effectRef idx="0">
+            <a:schemeClr val="accent1"/>
+          </a:effectRef>
+          <a:fontRef idx="minor">
+            <a:schemeClr val="lt1"/>
+          </a:fontRef>
+        </p:style>
+        <p:txBody>
+          <a:bodyPr rtlCol="0" anchor="b"/>
+          <a:lstStyle/>
+          <a:p>
+            <a:endParaRPr lang="de-DE" sz="1000" dirty="0">
+              <a:solidFill>
+                <a:schemeClr val="tx1"/>
+              </a:solidFill>
+              <a:latin typeface="Helvetica Neue LT Std 67 Medium Condensed" charset="0"/>
+              <a:ea typeface="Helvetica Neue LT Std 67 Medium Condensed" charset="0"/>
+              <a:cs typeface="Helvetica Neue LT Std 67 Medium Condensed" charset="0"/>
+            </a:endParaRPr>
+          </a:p>
+        </p:txBody>
+      </p:sp>
+      <p:sp>
+        <p:nvSpPr>
           <p:cNvPr id="310" name="Abgerundetes Rechteck 309"/>
           <p:cNvSpPr/>
           <p:nvPr/>
@@ -14391,64 +14450,6 @@
       </p:sp>
       <p:sp>
         <p:nvSpPr>
-          <p:cNvPr id="210" name="Abgerundetes Rechteck 209"/>
-          <p:cNvSpPr/>
-          <p:nvPr/>
-        </p:nvSpPr>
-        <p:spPr>
-          <a:xfrm>
-            <a:off x="5516804" y="3772794"/>
-            <a:ext cx="495160" cy="483856"/>
-          </a:xfrm>
-          <a:prstGeom prst="roundRect">
-            <a:avLst>
-              <a:gd name="adj" fmla="val 8710"/>
-            </a:avLst>
-          </a:prstGeom>
-          <a:solidFill>
-            <a:schemeClr val="bg1"/>
-          </a:solidFill>
-          <a:ln>
-            <a:solidFill>
-              <a:schemeClr val="bg1">
-                <a:lumMod val="50000"/>
-              </a:schemeClr>
-            </a:solidFill>
-          </a:ln>
-        </p:spPr>
-        <p:style>
-          <a:lnRef idx="2">
-            <a:schemeClr val="accent1">
-              <a:shade val="50000"/>
-            </a:schemeClr>
-          </a:lnRef>
-          <a:fillRef idx="1">
-            <a:schemeClr val="accent1"/>
-          </a:fillRef>
-          <a:effectRef idx="0">
-            <a:schemeClr val="accent1"/>
-          </a:effectRef>
-          <a:fontRef idx="minor">
-            <a:schemeClr val="lt1"/>
-          </a:fontRef>
-        </p:style>
-        <p:txBody>
-          <a:bodyPr rtlCol="0" anchor="b"/>
-          <a:lstStyle/>
-          <a:p>
-            <a:endParaRPr lang="de-DE" sz="1000" dirty="0">
-              <a:solidFill>
-                <a:schemeClr val="tx1"/>
-              </a:solidFill>
-              <a:latin typeface="Helvetica Neue LT Std 67 Medium Condensed" charset="0"/>
-              <a:ea typeface="Helvetica Neue LT Std 67 Medium Condensed" charset="0"/>
-              <a:cs typeface="Helvetica Neue LT Std 67 Medium Condensed" charset="0"/>
-            </a:endParaRPr>
-          </a:p>
-        </p:txBody>
-      </p:sp>
-      <p:sp>
-        <p:nvSpPr>
           <p:cNvPr id="211" name="Textfeld 210"/>
           <p:cNvSpPr txBox="1"/>
           <p:nvPr/>
@@ -19841,6 +19842,134 @@
               <a:t>Items</a:t>
             </a:r>
             <a:endParaRPr lang="de-DE" sz="500" dirty="0"/>
+          </a:p>
+        </p:txBody>
+      </p:sp>
+      <p:sp>
+        <p:nvSpPr>
+          <p:cNvPr id="316" name="Textfeld 315"/>
+          <p:cNvSpPr txBox="1"/>
+          <p:nvPr/>
+        </p:nvSpPr>
+        <p:spPr>
+          <a:xfrm>
+            <a:off x="5560221" y="3780785"/>
+            <a:ext cx="474695" cy="323165"/>
+          </a:xfrm>
+          <a:prstGeom prst="rect">
+            <a:avLst/>
+          </a:prstGeom>
+          <a:noFill/>
+        </p:spPr>
+        <p:txBody>
+          <a:bodyPr wrap="square" rtlCol="0" anchor="t">
+            <a:spAutoFit/>
+          </a:bodyPr>
+          <a:lstStyle/>
+          <a:p>
+            <a:pPr algn="r"/>
+            <a:r>
+              <a:rPr lang="de-DE" sz="500" dirty="0" smtClean="0">
+                <a:solidFill>
+                  <a:srgbClr val="7030A0"/>
+                </a:solidFill>
+                <a:latin typeface="Helvetica Neue LT Std 67 Medium Condensed" charset="0"/>
+                <a:ea typeface="Helvetica Neue LT Std 67 Medium Condensed" charset="0"/>
+                <a:cs typeface="Helvetica Neue LT Std 67 Medium Condensed" charset="0"/>
+              </a:rPr>
+              <a:t>Show </a:t>
+            </a:r>
+            <a:r>
+              <a:rPr lang="de-DE" sz="500" smtClean="0">
+                <a:solidFill>
+                  <a:srgbClr val="7030A0"/>
+                </a:solidFill>
+                <a:latin typeface="Helvetica Neue LT Std 67 Medium Condensed" charset="0"/>
+                <a:ea typeface="Helvetica Neue LT Std 67 Medium Condensed" charset="0"/>
+                <a:cs typeface="Helvetica Neue LT Std 67 Medium Condensed" charset="0"/>
+              </a:rPr>
+              <a:t/>
+            </a:r>
+            <a:br>
+              <a:rPr lang="de-DE" sz="500" smtClean="0">
+                <a:solidFill>
+                  <a:srgbClr val="7030A0"/>
+                </a:solidFill>
+                <a:latin typeface="Helvetica Neue LT Std 67 Medium Condensed" charset="0"/>
+                <a:ea typeface="Helvetica Neue LT Std 67 Medium Condensed" charset="0"/>
+                <a:cs typeface="Helvetica Neue LT Std 67 Medium Condensed" charset="0"/>
+              </a:rPr>
+            </a:br>
+            <a:r>
+              <a:rPr lang="de-DE" sz="500" smtClean="0">
+                <a:solidFill>
+                  <a:srgbClr val="7030A0"/>
+                </a:solidFill>
+                <a:latin typeface="Helvetica Neue LT Std 67 Medium Condensed" charset="0"/>
+                <a:ea typeface="Helvetica Neue LT Std 67 Medium Condensed" charset="0"/>
+                <a:cs typeface="Helvetica Neue LT Std 67 Medium Condensed" charset="0"/>
+              </a:rPr>
+              <a:t>Ultraschall </a:t>
+            </a:r>
+            <a:r>
+              <a:rPr lang="de-DE" sz="500" dirty="0" err="1" smtClean="0">
+                <a:solidFill>
+                  <a:srgbClr val="7030A0"/>
+                </a:solidFill>
+                <a:latin typeface="Helvetica Neue LT Std 67 Medium Condensed" charset="0"/>
+                <a:ea typeface="Helvetica Neue LT Std 67 Medium Condensed" charset="0"/>
+                <a:cs typeface="Helvetica Neue LT Std 67 Medium Condensed" charset="0"/>
+              </a:rPr>
+              <a:t>Keymap</a:t>
+            </a:r>
+            <a:endParaRPr lang="de-DE" sz="500" dirty="0" smtClean="0">
+              <a:solidFill>
+                <a:srgbClr val="7030A0"/>
+              </a:solidFill>
+              <a:latin typeface="Helvetica Neue LT Std 67 Medium Condensed" charset="0"/>
+              <a:ea typeface="Helvetica Neue LT Std 67 Medium Condensed" charset="0"/>
+              <a:cs typeface="Helvetica Neue LT Std 67 Medium Condensed" charset="0"/>
+            </a:endParaRPr>
+          </a:p>
+        </p:txBody>
+      </p:sp>
+      <p:sp>
+        <p:nvSpPr>
+          <p:cNvPr id="317" name="Rechteck 316"/>
+          <p:cNvSpPr/>
+          <p:nvPr/>
+        </p:nvSpPr>
+        <p:spPr>
+          <a:xfrm>
+            <a:off x="5619298" y="3764958"/>
+            <a:ext cx="261610" cy="184666"/>
+          </a:xfrm>
+          <a:prstGeom prst="rect">
+            <a:avLst/>
+          </a:prstGeom>
+        </p:spPr>
+        <p:txBody>
+          <a:bodyPr wrap="none">
+            <a:spAutoFit/>
+          </a:bodyPr>
+          <a:lstStyle/>
+          <a:p>
+            <a:r>
+              <a:rPr lang="de-DE" sz="600" b="1" dirty="0" smtClean="0">
+                <a:solidFill>
+                  <a:srgbClr val="7030A0"/>
+                </a:solidFill>
+                <a:latin typeface="Helvetica Neue LT Std 67 Medium Condensed" charset="0"/>
+                <a:ea typeface="Helvetica Neue LT Std 67 Medium Condensed" charset="0"/>
+                <a:cs typeface="Helvetica Neue LT Std 67 Medium Condensed" charset="0"/>
+              </a:rPr>
+              <a:t>⌘</a:t>
+            </a:r>
+            <a:endParaRPr lang="de-DE" sz="4000" b="1" dirty="0">
+              <a:solidFill>
+                <a:srgbClr val="7030A0"/>
+              </a:solidFill>
+            </a:endParaRPr>
           </a:p>
         </p:txBody>
       </p:sp>

--- a/Documentation/Keymap.pptx
+++ b/Documentation/Keymap.pptx
@@ -17053,7 +17053,7 @@
         <p:spPr>
           <a:xfrm>
             <a:off x="6208138" y="4411644"/>
-            <a:ext cx="759239" cy="323165"/>
+            <a:ext cx="759239" cy="246221"/>
           </a:xfrm>
           <a:prstGeom prst="rect">
             <a:avLst/>
@@ -17091,35 +17091,20 @@
               </a:rPr>
             </a:br>
             <a:r>
+              <a:rPr lang="de-DE" sz="500" dirty="0" smtClean="0">
+                <a:latin typeface="Helvetica Neue LT Std 67 Medium Condensed" charset="0"/>
+                <a:ea typeface="Helvetica Neue LT Std 67 Medium Condensed" charset="0"/>
+                <a:cs typeface="Helvetica Neue LT Std 67 Medium Condensed" charset="0"/>
+              </a:rPr>
+              <a:t>All </a:t>
+            </a:r>
+            <a:r>
               <a:rPr lang="de-DE" sz="500" dirty="0" err="1" smtClean="0">
                 <a:latin typeface="Helvetica Neue LT Std 67 Medium Condensed" charset="0"/>
                 <a:ea typeface="Helvetica Neue LT Std 67 Medium Condensed" charset="0"/>
                 <a:cs typeface="Helvetica Neue LT Std 67 Medium Condensed" charset="0"/>
               </a:rPr>
-              <a:t>Cough</a:t>
-            </a:r>
-            <a:r>
-              <a:rPr lang="de-DE" sz="500" dirty="0" smtClean="0">
-                <a:latin typeface="Helvetica Neue LT Std 67 Medium Condensed" charset="0"/>
-                <a:ea typeface="Helvetica Neue LT Std 67 Medium Condensed" charset="0"/>
-                <a:cs typeface="Helvetica Neue LT Std 67 Medium Condensed" charset="0"/>
-              </a:rPr>
-              <a:t>-Button</a:t>
-            </a:r>
-            <a:br>
-              <a:rPr lang="de-DE" sz="500" dirty="0" smtClean="0">
-                <a:latin typeface="Helvetica Neue LT Std 67 Medium Condensed" charset="0"/>
-                <a:ea typeface="Helvetica Neue LT Std 67 Medium Condensed" charset="0"/>
-                <a:cs typeface="Helvetica Neue LT Std 67 Medium Condensed" charset="0"/>
-              </a:rPr>
-            </a:br>
-            <a:r>
-              <a:rPr lang="de-DE" sz="500" dirty="0" smtClean="0">
-                <a:latin typeface="Helvetica Neue LT Std 67 Medium Condensed" charset="0"/>
-                <a:ea typeface="Helvetica Neue LT Std 67 Medium Condensed" charset="0"/>
-                <a:cs typeface="Helvetica Neue LT Std 67 Medium Condensed" charset="0"/>
-              </a:rPr>
-              <a:t>Mute Lane</a:t>
+              <a:t>Envelopes</a:t>
             </a:r>
             <a:endParaRPr lang="de-DE" sz="500" dirty="0" smtClean="0">
               <a:solidFill>
@@ -19969,6 +19954,109 @@
               <a:solidFill>
                 <a:srgbClr val="7030A0"/>
               </a:solidFill>
+            </a:endParaRPr>
+          </a:p>
+        </p:txBody>
+      </p:sp>
+      <p:sp>
+        <p:nvSpPr>
+          <p:cNvPr id="318" name="Rechteck 317"/>
+          <p:cNvSpPr/>
+          <p:nvPr/>
+        </p:nvSpPr>
+        <p:spPr>
+          <a:xfrm>
+            <a:off x="6399952" y="4578662"/>
+            <a:ext cx="566182" cy="220573"/>
+          </a:xfrm>
+          <a:prstGeom prst="rect">
+            <a:avLst/>
+          </a:prstGeom>
+        </p:spPr>
+        <p:txBody>
+          <a:bodyPr wrap="none">
+            <a:spAutoFit/>
+          </a:bodyPr>
+          <a:lstStyle/>
+          <a:p>
+            <a:pPr algn="r">
+              <a:lnSpc>
+                <a:spcPts val="500"/>
+              </a:lnSpc>
+            </a:pPr>
+            <a:r>
+              <a:rPr lang="de-DE" sz="500" dirty="0">
+                <a:solidFill>
+                  <a:schemeClr val="accent6">
+                    <a:lumMod val="75000"/>
+                  </a:schemeClr>
+                </a:solidFill>
+                <a:latin typeface="Helvetica Neue LT Std 67 Medium Condensed" charset="0"/>
+                <a:ea typeface="Helvetica Neue LT Std 67 Medium Condensed" charset="0"/>
+                <a:cs typeface="Helvetica Neue LT Std 67 Medium Condensed" charset="0"/>
+              </a:rPr>
+              <a:t>⌥ </a:t>
+            </a:r>
+            <a:r>
+              <a:rPr lang="de-DE" sz="500" dirty="0" err="1" smtClean="0">
+                <a:solidFill>
+                  <a:schemeClr val="accent6">
+                    <a:lumMod val="75000"/>
+                  </a:schemeClr>
+                </a:solidFill>
+                <a:latin typeface="Helvetica Neue LT Std 67 Medium Condensed" charset="0"/>
+                <a:ea typeface="Helvetica Neue LT Std 67 Medium Condensed" charset="0"/>
+                <a:cs typeface="Helvetica Neue LT Std 67 Medium Condensed" charset="0"/>
+              </a:rPr>
+              <a:t>Toggle</a:t>
+            </a:r>
+            <a:r>
+              <a:rPr lang="de-DE" sz="500" dirty="0" smtClean="0">
+                <a:solidFill>
+                  <a:schemeClr val="accent6">
+                    <a:lumMod val="75000"/>
+                  </a:schemeClr>
+                </a:solidFill>
+                <a:latin typeface="Helvetica Neue LT Std 67 Medium Condensed" charset="0"/>
+                <a:ea typeface="Helvetica Neue LT Std 67 Medium Condensed" charset="0"/>
+                <a:cs typeface="Helvetica Neue LT Std 67 Medium Condensed" charset="0"/>
+              </a:rPr>
+              <a:t> Mute</a:t>
+            </a:r>
+            <a:br>
+              <a:rPr lang="de-DE" sz="500" dirty="0" smtClean="0">
+                <a:solidFill>
+                  <a:schemeClr val="accent6">
+                    <a:lumMod val="75000"/>
+                  </a:schemeClr>
+                </a:solidFill>
+                <a:latin typeface="Helvetica Neue LT Std 67 Medium Condensed" charset="0"/>
+                <a:ea typeface="Helvetica Neue LT Std 67 Medium Condensed" charset="0"/>
+                <a:cs typeface="Helvetica Neue LT Std 67 Medium Condensed" charset="0"/>
+              </a:rPr>
+            </a:br>
+            <a:r>
+              <a:rPr lang="de-DE" sz="500" dirty="0" err="1" smtClean="0">
+                <a:solidFill>
+                  <a:schemeClr val="accent6">
+                    <a:lumMod val="75000"/>
+                  </a:schemeClr>
+                </a:solidFill>
+                <a:latin typeface="Helvetica Neue LT Std 67 Medium Condensed" charset="0"/>
+                <a:ea typeface="Helvetica Neue LT Std 67 Medium Condensed" charset="0"/>
+                <a:cs typeface="Helvetica Neue LT Std 67 Medium Condensed" charset="0"/>
+              </a:rPr>
+              <a:t>Envelope</a:t>
+            </a:r>
+            <a:endParaRPr lang="de-DE" sz="500" dirty="0">
+              <a:solidFill>
+                <a:schemeClr val="accent6">
+                  <a:lumMod val="75000"/>
+                </a:schemeClr>
+              </a:solidFill>
+              <a:latin typeface="Helvetica Neue LT Std 67 Medium Condensed" charset="0"/>
+              <a:ea typeface="Helvetica Neue LT Std 67 Medium Condensed" charset="0"/>
+              <a:cs typeface="Helvetica Neue LT Std 67 Medium Condensed" charset="0"/>
             </a:endParaRPr>
           </a:p>
         </p:txBody>

--- a/Documentation/Keymap.pptx
+++ b/Documentation/Keymap.pptx
@@ -197,7 +197,7 @@
           <a:p>
             <a:fld id="{D04F8CED-0623-C742-B972-F53D35E16E19}" type="datetimeFigureOut">
               <a:rPr lang="de-DE" smtClean="0"/>
-              <a:t>07.03.17</a:t>
+              <a:t>22.03.17</a:t>
             </a:fld>
             <a:endParaRPr lang="de-DE"/>
           </a:p>
@@ -680,7 +680,7 @@
           <a:p>
             <a:fld id="{A97692CC-6688-1145-811E-FE1ABB97A7A4}" type="datetimeFigureOut">
               <a:rPr lang="de-DE" smtClean="0"/>
-              <a:t>07.03.17</a:t>
+              <a:t>22.03.17</a:t>
             </a:fld>
             <a:endParaRPr lang="de-DE"/>
           </a:p>
@@ -845,7 +845,7 @@
           <a:p>
             <a:fld id="{A97692CC-6688-1145-811E-FE1ABB97A7A4}" type="datetimeFigureOut">
               <a:rPr lang="de-DE" smtClean="0"/>
-              <a:t>07.03.17</a:t>
+              <a:t>22.03.17</a:t>
             </a:fld>
             <a:endParaRPr lang="de-DE"/>
           </a:p>
@@ -1020,7 +1020,7 @@
           <a:p>
             <a:fld id="{A97692CC-6688-1145-811E-FE1ABB97A7A4}" type="datetimeFigureOut">
               <a:rPr lang="de-DE" smtClean="0"/>
-              <a:t>07.03.17</a:t>
+              <a:t>22.03.17</a:t>
             </a:fld>
             <a:endParaRPr lang="de-DE"/>
           </a:p>
@@ -1185,7 +1185,7 @@
           <a:p>
             <a:fld id="{A97692CC-6688-1145-811E-FE1ABB97A7A4}" type="datetimeFigureOut">
               <a:rPr lang="de-DE" smtClean="0"/>
-              <a:t>07.03.17</a:t>
+              <a:t>22.03.17</a:t>
             </a:fld>
             <a:endParaRPr lang="de-DE"/>
           </a:p>
@@ -1424,7 +1424,7 @@
           <a:p>
             <a:fld id="{A97692CC-6688-1145-811E-FE1ABB97A7A4}" type="datetimeFigureOut">
               <a:rPr lang="de-DE" smtClean="0"/>
-              <a:t>07.03.17</a:t>
+              <a:t>22.03.17</a:t>
             </a:fld>
             <a:endParaRPr lang="de-DE"/>
           </a:p>
@@ -1651,7 +1651,7 @@
           <a:p>
             <a:fld id="{A97692CC-6688-1145-811E-FE1ABB97A7A4}" type="datetimeFigureOut">
               <a:rPr lang="de-DE" smtClean="0"/>
-              <a:t>07.03.17</a:t>
+              <a:t>22.03.17</a:t>
             </a:fld>
             <a:endParaRPr lang="de-DE"/>
           </a:p>
@@ -2013,7 +2013,7 @@
           <a:p>
             <a:fld id="{A97692CC-6688-1145-811E-FE1ABB97A7A4}" type="datetimeFigureOut">
               <a:rPr lang="de-DE" smtClean="0"/>
-              <a:t>07.03.17</a:t>
+              <a:t>22.03.17</a:t>
             </a:fld>
             <a:endParaRPr lang="de-DE"/>
           </a:p>
@@ -2126,7 +2126,7 @@
           <a:p>
             <a:fld id="{A97692CC-6688-1145-811E-FE1ABB97A7A4}" type="datetimeFigureOut">
               <a:rPr lang="de-DE" smtClean="0"/>
-              <a:t>07.03.17</a:t>
+              <a:t>22.03.17</a:t>
             </a:fld>
             <a:endParaRPr lang="de-DE"/>
           </a:p>
@@ -2216,7 +2216,7 @@
           <a:p>
             <a:fld id="{A97692CC-6688-1145-811E-FE1ABB97A7A4}" type="datetimeFigureOut">
               <a:rPr lang="de-DE" smtClean="0"/>
-              <a:t>07.03.17</a:t>
+              <a:t>22.03.17</a:t>
             </a:fld>
             <a:endParaRPr lang="de-DE"/>
           </a:p>
@@ -2488,7 +2488,7 @@
           <a:p>
             <a:fld id="{A97692CC-6688-1145-811E-FE1ABB97A7A4}" type="datetimeFigureOut">
               <a:rPr lang="de-DE" smtClean="0"/>
-              <a:t>07.03.17</a:t>
+              <a:t>22.03.17</a:t>
             </a:fld>
             <a:endParaRPr lang="de-DE"/>
           </a:p>
@@ -2740,7 +2740,7 @@
           <a:p>
             <a:fld id="{A97692CC-6688-1145-811E-FE1ABB97A7A4}" type="datetimeFigureOut">
               <a:rPr lang="de-DE" smtClean="0"/>
-              <a:t>07.03.17</a:t>
+              <a:t>22.03.17</a:t>
             </a:fld>
             <a:endParaRPr lang="de-DE"/>
           </a:p>
@@ -2948,7 +2948,7 @@
           <a:p>
             <a:fld id="{A97692CC-6688-1145-811E-FE1ABB97A7A4}" type="datetimeFigureOut">
               <a:rPr lang="de-DE" smtClean="0"/>
-              <a:t>07.03.17</a:t>
+              <a:t>22.03.17</a:t>
             </a:fld>
             <a:endParaRPr lang="de-DE"/>
           </a:p>
@@ -18934,8 +18934,8 @@
         </p:nvSpPr>
         <p:spPr>
           <a:xfrm>
-            <a:off x="1813019" y="3332516"/>
-            <a:ext cx="494046" cy="220573"/>
+            <a:off x="1784165" y="3332516"/>
+            <a:ext cx="522900" cy="220573"/>
           </a:xfrm>
           <a:prstGeom prst="rect">
             <a:avLst/>
@@ -19002,7 +19002,20 @@
                 <a:ea typeface="Helvetica Neue LT Std 67 Medium Condensed" charset="0"/>
                 <a:cs typeface="Helvetica Neue LT Std 67 Medium Condensed" charset="0"/>
               </a:rPr>
-              <a:t> End</a:t>
+              <a:t> </a:t>
+            </a:r>
+            <a:r>
+              <a:rPr lang="de-DE" sz="500" dirty="0" smtClean="0">
+                <a:solidFill>
+                  <a:schemeClr val="accent6">
+                    <a:lumMod val="75000"/>
+                  </a:schemeClr>
+                </a:solidFill>
+                <a:latin typeface="Helvetica Neue LT Std 67 Medium Condensed" charset="0"/>
+                <a:ea typeface="Helvetica Neue LT Std 67 Medium Condensed" charset="0"/>
+                <a:cs typeface="Helvetica Neue LT Std 67 Medium Condensed" charset="0"/>
+              </a:rPr>
+              <a:t>Start</a:t>
             </a:r>
             <a:r>
               <a:rPr lang="de-DE" sz="500" dirty="0" smtClean="0">
@@ -19163,14 +19176,6 @@
               </a:rPr>
               <a:t>All</a:t>
             </a:r>
-            <a:endParaRPr lang="de-DE" sz="500" dirty="0" smtClean="0">
-              <a:solidFill>
-                <a:srgbClr val="7030A0"/>
-              </a:solidFill>
-              <a:latin typeface="Helvetica Neue LT Std 67 Medium Condensed" charset="0"/>
-              <a:ea typeface="Helvetica Neue LT Std 67 Medium Condensed" charset="0"/>
-              <a:cs typeface="Helvetica Neue LT Std 67 Medium Condensed" charset="0"/>
-            </a:endParaRPr>
           </a:p>
         </p:txBody>
       </p:sp>
@@ -19247,15 +19252,7 @@
                 <a:ea typeface="Helvetica Neue LT Std 67 Medium Condensed" charset="0"/>
                 <a:cs typeface="Helvetica Neue LT Std 67 Medium Condensed" charset="0"/>
               </a:rPr>
-              <a:t>          </a:t>
-            </a:r>
-            <a:r>
-              <a:rPr lang="de-DE" sz="500" smtClean="0">
-                <a:latin typeface="Helvetica Neue LT Std 67 Medium Condensed" charset="0"/>
-                <a:ea typeface="Helvetica Neue LT Std 67 Medium Condensed" charset="0"/>
-                <a:cs typeface="Helvetica Neue LT Std 67 Medium Condensed" charset="0"/>
-              </a:rPr>
-              <a:t>Dynamic</a:t>
+              <a:t>          Dynamic</a:t>
             </a:r>
             <a:br>
               <a:rPr lang="de-DE" sz="500" smtClean="0">
@@ -19443,14 +19440,6 @@
               </a:rPr>
               <a:t>...</a:t>
             </a:r>
-            <a:endParaRPr lang="de-DE" sz="500" dirty="0" smtClean="0">
-              <a:solidFill>
-                <a:srgbClr val="7030A0"/>
-              </a:solidFill>
-              <a:latin typeface="Helvetica Neue LT Std 67 Medium Condensed" charset="0"/>
-              <a:ea typeface="Helvetica Neue LT Std 67 Medium Condensed" charset="0"/>
-              <a:cs typeface="Helvetica Neue LT Std 67 Medium Condensed" charset="0"/>
-            </a:endParaRPr>
           </a:p>
         </p:txBody>
       </p:sp>

--- a/Documentation/Keymap.pptx
+++ b/Documentation/Keymap.pptx
@@ -197,7 +197,7 @@
           <a:p>
             <a:fld id="{D04F8CED-0623-C742-B972-F53D35E16E19}" type="datetimeFigureOut">
               <a:rPr lang="de-DE" smtClean="0"/>
-              <a:t>22.03.17</a:t>
+              <a:t>26.03.17</a:t>
             </a:fld>
             <a:endParaRPr lang="de-DE"/>
           </a:p>
@@ -680,7 +680,7 @@
           <a:p>
             <a:fld id="{A97692CC-6688-1145-811E-FE1ABB97A7A4}" type="datetimeFigureOut">
               <a:rPr lang="de-DE" smtClean="0"/>
-              <a:t>22.03.17</a:t>
+              <a:t>26.03.17</a:t>
             </a:fld>
             <a:endParaRPr lang="de-DE"/>
           </a:p>
@@ -845,7 +845,7 @@
           <a:p>
             <a:fld id="{A97692CC-6688-1145-811E-FE1ABB97A7A4}" type="datetimeFigureOut">
               <a:rPr lang="de-DE" smtClean="0"/>
-              <a:t>22.03.17</a:t>
+              <a:t>26.03.17</a:t>
             </a:fld>
             <a:endParaRPr lang="de-DE"/>
           </a:p>
@@ -1020,7 +1020,7 @@
           <a:p>
             <a:fld id="{A97692CC-6688-1145-811E-FE1ABB97A7A4}" type="datetimeFigureOut">
               <a:rPr lang="de-DE" smtClean="0"/>
-              <a:t>22.03.17</a:t>
+              <a:t>26.03.17</a:t>
             </a:fld>
             <a:endParaRPr lang="de-DE"/>
           </a:p>
@@ -1185,7 +1185,7 @@
           <a:p>
             <a:fld id="{A97692CC-6688-1145-811E-FE1ABB97A7A4}" type="datetimeFigureOut">
               <a:rPr lang="de-DE" smtClean="0"/>
-              <a:t>22.03.17</a:t>
+              <a:t>26.03.17</a:t>
             </a:fld>
             <a:endParaRPr lang="de-DE"/>
           </a:p>
@@ -1424,7 +1424,7 @@
           <a:p>
             <a:fld id="{A97692CC-6688-1145-811E-FE1ABB97A7A4}" type="datetimeFigureOut">
               <a:rPr lang="de-DE" smtClean="0"/>
-              <a:t>22.03.17</a:t>
+              <a:t>26.03.17</a:t>
             </a:fld>
             <a:endParaRPr lang="de-DE"/>
           </a:p>
@@ -1651,7 +1651,7 @@
           <a:p>
             <a:fld id="{A97692CC-6688-1145-811E-FE1ABB97A7A4}" type="datetimeFigureOut">
               <a:rPr lang="de-DE" smtClean="0"/>
-              <a:t>22.03.17</a:t>
+              <a:t>26.03.17</a:t>
             </a:fld>
             <a:endParaRPr lang="de-DE"/>
           </a:p>
@@ -2013,7 +2013,7 @@
           <a:p>
             <a:fld id="{A97692CC-6688-1145-811E-FE1ABB97A7A4}" type="datetimeFigureOut">
               <a:rPr lang="de-DE" smtClean="0"/>
-              <a:t>22.03.17</a:t>
+              <a:t>26.03.17</a:t>
             </a:fld>
             <a:endParaRPr lang="de-DE"/>
           </a:p>
@@ -2126,7 +2126,7 @@
           <a:p>
             <a:fld id="{A97692CC-6688-1145-811E-FE1ABB97A7A4}" type="datetimeFigureOut">
               <a:rPr lang="de-DE" smtClean="0"/>
-              <a:t>22.03.17</a:t>
+              <a:t>26.03.17</a:t>
             </a:fld>
             <a:endParaRPr lang="de-DE"/>
           </a:p>
@@ -2216,7 +2216,7 @@
           <a:p>
             <a:fld id="{A97692CC-6688-1145-811E-FE1ABB97A7A4}" type="datetimeFigureOut">
               <a:rPr lang="de-DE" smtClean="0"/>
-              <a:t>22.03.17</a:t>
+              <a:t>26.03.17</a:t>
             </a:fld>
             <a:endParaRPr lang="de-DE"/>
           </a:p>
@@ -2488,7 +2488,7 @@
           <a:p>
             <a:fld id="{A97692CC-6688-1145-811E-FE1ABB97A7A4}" type="datetimeFigureOut">
               <a:rPr lang="de-DE" smtClean="0"/>
-              <a:t>22.03.17</a:t>
+              <a:t>26.03.17</a:t>
             </a:fld>
             <a:endParaRPr lang="de-DE"/>
           </a:p>
@@ -2740,7 +2740,7 @@
           <a:p>
             <a:fld id="{A97692CC-6688-1145-811E-FE1ABB97A7A4}" type="datetimeFigureOut">
               <a:rPr lang="de-DE" smtClean="0"/>
-              <a:t>22.03.17</a:t>
+              <a:t>26.03.17</a:t>
             </a:fld>
             <a:endParaRPr lang="de-DE"/>
           </a:p>
@@ -2948,7 +2948,7 @@
           <a:p>
             <a:fld id="{A97692CC-6688-1145-811E-FE1ABB97A7A4}" type="datetimeFigureOut">
               <a:rPr lang="de-DE" smtClean="0"/>
-              <a:t>22.03.17</a:t>
+              <a:t>26.03.17</a:t>
             </a:fld>
             <a:endParaRPr lang="de-DE"/>
           </a:p>
@@ -3355,6 +3355,372 @@
       </p:grpSpPr>
       <p:sp>
         <p:nvSpPr>
+          <p:cNvPr id="343" name="Abgerundetes Rechteck 342"/>
+          <p:cNvSpPr/>
+          <p:nvPr/>
+        </p:nvSpPr>
+        <p:spPr>
+          <a:xfrm>
+            <a:off x="3999983" y="2137289"/>
+            <a:ext cx="495160" cy="349570"/>
+          </a:xfrm>
+          <a:prstGeom prst="roundRect">
+            <a:avLst>
+              <a:gd name="adj" fmla="val 8710"/>
+            </a:avLst>
+          </a:prstGeom>
+          <a:solidFill>
+            <a:schemeClr val="accent6">
+              <a:lumMod val="20000"/>
+              <a:lumOff val="80000"/>
+            </a:schemeClr>
+          </a:solidFill>
+          <a:ln>
+            <a:solidFill>
+              <a:schemeClr val="accent6">
+                <a:lumMod val="50000"/>
+              </a:schemeClr>
+            </a:solidFill>
+          </a:ln>
+        </p:spPr>
+        <p:style>
+          <a:lnRef idx="2">
+            <a:schemeClr val="accent1">
+              <a:shade val="50000"/>
+            </a:schemeClr>
+          </a:lnRef>
+          <a:fillRef idx="1">
+            <a:schemeClr val="accent1"/>
+          </a:fillRef>
+          <a:effectRef idx="0">
+            <a:schemeClr val="accent1"/>
+          </a:effectRef>
+          <a:fontRef idx="minor">
+            <a:schemeClr val="lt1"/>
+          </a:fontRef>
+        </p:style>
+        <p:txBody>
+          <a:bodyPr rtlCol="0" anchor="b"/>
+          <a:lstStyle/>
+          <a:p>
+            <a:endParaRPr lang="de-DE" sz="1000" dirty="0">
+              <a:solidFill>
+                <a:schemeClr val="tx1"/>
+              </a:solidFill>
+              <a:latin typeface="Helvetica Neue LT Std 67 Medium Condensed" charset="0"/>
+              <a:ea typeface="Helvetica Neue LT Std 67 Medium Condensed" charset="0"/>
+              <a:cs typeface="Helvetica Neue LT Std 67 Medium Condensed" charset="0"/>
+            </a:endParaRPr>
+          </a:p>
+        </p:txBody>
+      </p:sp>
+      <p:sp>
+        <p:nvSpPr>
+          <p:cNvPr id="319" name="Abgerundetes Rechteck 318"/>
+          <p:cNvSpPr/>
+          <p:nvPr/>
+        </p:nvSpPr>
+        <p:spPr>
+          <a:xfrm>
+            <a:off x="901146" y="2140490"/>
+            <a:ext cx="495160" cy="349570"/>
+          </a:xfrm>
+          <a:prstGeom prst="roundRect">
+            <a:avLst>
+              <a:gd name="adj" fmla="val 8710"/>
+            </a:avLst>
+          </a:prstGeom>
+          <a:solidFill>
+            <a:schemeClr val="accent6">
+              <a:lumMod val="20000"/>
+              <a:lumOff val="80000"/>
+            </a:schemeClr>
+          </a:solidFill>
+          <a:ln>
+            <a:solidFill>
+              <a:schemeClr val="accent6">
+                <a:lumMod val="50000"/>
+              </a:schemeClr>
+            </a:solidFill>
+          </a:ln>
+        </p:spPr>
+        <p:style>
+          <a:lnRef idx="2">
+            <a:schemeClr val="accent1">
+              <a:shade val="50000"/>
+            </a:schemeClr>
+          </a:lnRef>
+          <a:fillRef idx="1">
+            <a:schemeClr val="accent1"/>
+          </a:fillRef>
+          <a:effectRef idx="0">
+            <a:schemeClr val="accent1"/>
+          </a:effectRef>
+          <a:fontRef idx="minor">
+            <a:schemeClr val="lt1"/>
+          </a:fontRef>
+        </p:style>
+        <p:txBody>
+          <a:bodyPr rtlCol="0" anchor="b"/>
+          <a:lstStyle/>
+          <a:p>
+            <a:endParaRPr lang="de-DE" sz="1000" dirty="0">
+              <a:solidFill>
+                <a:schemeClr val="tx1"/>
+              </a:solidFill>
+              <a:latin typeface="Helvetica Neue LT Std 67 Medium Condensed" charset="0"/>
+              <a:ea typeface="Helvetica Neue LT Std 67 Medium Condensed" charset="0"/>
+              <a:cs typeface="Helvetica Neue LT Std 67 Medium Condensed" charset="0"/>
+            </a:endParaRPr>
+          </a:p>
+        </p:txBody>
+      </p:sp>
+      <p:sp>
+        <p:nvSpPr>
+          <p:cNvPr id="321" name="Abgerundetes Rechteck 320"/>
+          <p:cNvSpPr/>
+          <p:nvPr/>
+        </p:nvSpPr>
+        <p:spPr>
+          <a:xfrm>
+            <a:off x="1522378" y="2140376"/>
+            <a:ext cx="495160" cy="349570"/>
+          </a:xfrm>
+          <a:prstGeom prst="roundRect">
+            <a:avLst>
+              <a:gd name="adj" fmla="val 8710"/>
+            </a:avLst>
+          </a:prstGeom>
+          <a:solidFill>
+            <a:schemeClr val="accent6">
+              <a:lumMod val="20000"/>
+              <a:lumOff val="80000"/>
+            </a:schemeClr>
+          </a:solidFill>
+          <a:ln>
+            <a:solidFill>
+              <a:schemeClr val="accent6">
+                <a:lumMod val="50000"/>
+              </a:schemeClr>
+            </a:solidFill>
+          </a:ln>
+        </p:spPr>
+        <p:style>
+          <a:lnRef idx="2">
+            <a:schemeClr val="accent1">
+              <a:shade val="50000"/>
+            </a:schemeClr>
+          </a:lnRef>
+          <a:fillRef idx="1">
+            <a:schemeClr val="accent1"/>
+          </a:fillRef>
+          <a:effectRef idx="0">
+            <a:schemeClr val="accent1"/>
+          </a:effectRef>
+          <a:fontRef idx="minor">
+            <a:schemeClr val="lt1"/>
+          </a:fontRef>
+        </p:style>
+        <p:txBody>
+          <a:bodyPr rtlCol="0" anchor="b"/>
+          <a:lstStyle/>
+          <a:p>
+            <a:endParaRPr lang="de-DE" sz="1000" dirty="0">
+              <a:solidFill>
+                <a:schemeClr val="tx1"/>
+              </a:solidFill>
+              <a:latin typeface="Helvetica Neue LT Std 67 Medium Condensed" charset="0"/>
+              <a:ea typeface="Helvetica Neue LT Std 67 Medium Condensed" charset="0"/>
+              <a:cs typeface="Helvetica Neue LT Std 67 Medium Condensed" charset="0"/>
+            </a:endParaRPr>
+          </a:p>
+        </p:txBody>
+      </p:sp>
+      <p:sp>
+        <p:nvSpPr>
+          <p:cNvPr id="322" name="Abgerundetes Rechteck 321"/>
+          <p:cNvSpPr/>
+          <p:nvPr/>
+        </p:nvSpPr>
+        <p:spPr>
+          <a:xfrm>
+            <a:off x="2143610" y="2140262"/>
+            <a:ext cx="495160" cy="349570"/>
+          </a:xfrm>
+          <a:prstGeom prst="roundRect">
+            <a:avLst>
+              <a:gd name="adj" fmla="val 8710"/>
+            </a:avLst>
+          </a:prstGeom>
+          <a:solidFill>
+            <a:schemeClr val="accent6">
+              <a:lumMod val="20000"/>
+              <a:lumOff val="80000"/>
+            </a:schemeClr>
+          </a:solidFill>
+          <a:ln>
+            <a:solidFill>
+              <a:schemeClr val="accent6">
+                <a:lumMod val="50000"/>
+              </a:schemeClr>
+            </a:solidFill>
+          </a:ln>
+        </p:spPr>
+        <p:style>
+          <a:lnRef idx="2">
+            <a:schemeClr val="accent1">
+              <a:shade val="50000"/>
+            </a:schemeClr>
+          </a:lnRef>
+          <a:fillRef idx="1">
+            <a:schemeClr val="accent1"/>
+          </a:fillRef>
+          <a:effectRef idx="0">
+            <a:schemeClr val="accent1"/>
+          </a:effectRef>
+          <a:fontRef idx="minor">
+            <a:schemeClr val="lt1"/>
+          </a:fontRef>
+        </p:style>
+        <p:txBody>
+          <a:bodyPr rtlCol="0" anchor="b"/>
+          <a:lstStyle/>
+          <a:p>
+            <a:endParaRPr lang="de-DE" sz="1000" dirty="0">
+              <a:solidFill>
+                <a:schemeClr val="tx1"/>
+              </a:solidFill>
+              <a:latin typeface="Helvetica Neue LT Std 67 Medium Condensed" charset="0"/>
+              <a:ea typeface="Helvetica Neue LT Std 67 Medium Condensed" charset="0"/>
+              <a:cs typeface="Helvetica Neue LT Std 67 Medium Condensed" charset="0"/>
+            </a:endParaRPr>
+          </a:p>
+        </p:txBody>
+      </p:sp>
+      <p:sp>
+        <p:nvSpPr>
+          <p:cNvPr id="323" name="Abgerundetes Rechteck 322"/>
+          <p:cNvSpPr/>
+          <p:nvPr/>
+        </p:nvSpPr>
+        <p:spPr>
+          <a:xfrm>
+            <a:off x="2759431" y="2140148"/>
+            <a:ext cx="495160" cy="349570"/>
+          </a:xfrm>
+          <a:prstGeom prst="roundRect">
+            <a:avLst>
+              <a:gd name="adj" fmla="val 8710"/>
+            </a:avLst>
+          </a:prstGeom>
+          <a:solidFill>
+            <a:schemeClr val="accent6">
+              <a:lumMod val="20000"/>
+              <a:lumOff val="80000"/>
+            </a:schemeClr>
+          </a:solidFill>
+          <a:ln>
+            <a:solidFill>
+              <a:schemeClr val="accent6">
+                <a:lumMod val="50000"/>
+              </a:schemeClr>
+            </a:solidFill>
+          </a:ln>
+        </p:spPr>
+        <p:style>
+          <a:lnRef idx="2">
+            <a:schemeClr val="accent1">
+              <a:shade val="50000"/>
+            </a:schemeClr>
+          </a:lnRef>
+          <a:fillRef idx="1">
+            <a:schemeClr val="accent1"/>
+          </a:fillRef>
+          <a:effectRef idx="0">
+            <a:schemeClr val="accent1"/>
+          </a:effectRef>
+          <a:fontRef idx="minor">
+            <a:schemeClr val="lt1"/>
+          </a:fontRef>
+        </p:style>
+        <p:txBody>
+          <a:bodyPr rtlCol="0" anchor="b"/>
+          <a:lstStyle/>
+          <a:p>
+            <a:endParaRPr lang="de-DE" sz="1000" dirty="0">
+              <a:solidFill>
+                <a:schemeClr val="tx1"/>
+              </a:solidFill>
+              <a:latin typeface="Helvetica Neue LT Std 67 Medium Condensed" charset="0"/>
+              <a:ea typeface="Helvetica Neue LT Std 67 Medium Condensed" charset="0"/>
+              <a:cs typeface="Helvetica Neue LT Std 67 Medium Condensed" charset="0"/>
+            </a:endParaRPr>
+          </a:p>
+        </p:txBody>
+      </p:sp>
+      <p:sp>
+        <p:nvSpPr>
+          <p:cNvPr id="324" name="Abgerundetes Rechteck 323"/>
+          <p:cNvSpPr/>
+          <p:nvPr/>
+        </p:nvSpPr>
+        <p:spPr>
+          <a:xfrm>
+            <a:off x="3380663" y="2140034"/>
+            <a:ext cx="495160" cy="349570"/>
+          </a:xfrm>
+          <a:prstGeom prst="roundRect">
+            <a:avLst>
+              <a:gd name="adj" fmla="val 8710"/>
+            </a:avLst>
+          </a:prstGeom>
+          <a:solidFill>
+            <a:schemeClr val="accent6">
+              <a:lumMod val="20000"/>
+              <a:lumOff val="80000"/>
+            </a:schemeClr>
+          </a:solidFill>
+          <a:ln>
+            <a:solidFill>
+              <a:schemeClr val="accent6">
+                <a:lumMod val="50000"/>
+              </a:schemeClr>
+            </a:solidFill>
+          </a:ln>
+        </p:spPr>
+        <p:style>
+          <a:lnRef idx="2">
+            <a:schemeClr val="accent1">
+              <a:shade val="50000"/>
+            </a:schemeClr>
+          </a:lnRef>
+          <a:fillRef idx="1">
+            <a:schemeClr val="accent1"/>
+          </a:fillRef>
+          <a:effectRef idx="0">
+            <a:schemeClr val="accent1"/>
+          </a:effectRef>
+          <a:fontRef idx="minor">
+            <a:schemeClr val="lt1"/>
+          </a:fontRef>
+        </p:style>
+        <p:txBody>
+          <a:bodyPr rtlCol="0" anchor="b"/>
+          <a:lstStyle/>
+          <a:p>
+            <a:endParaRPr lang="de-DE" sz="1000" dirty="0">
+              <a:solidFill>
+                <a:schemeClr val="tx1"/>
+              </a:solidFill>
+              <a:latin typeface="Helvetica Neue LT Std 67 Medium Condensed" charset="0"/>
+              <a:ea typeface="Helvetica Neue LT Std 67 Medium Condensed" charset="0"/>
+              <a:cs typeface="Helvetica Neue LT Std 67 Medium Condensed" charset="0"/>
+            </a:endParaRPr>
+          </a:p>
+        </p:txBody>
+      </p:sp>
+      <p:sp>
+        <p:nvSpPr>
           <p:cNvPr id="315" name="Abgerundetes Rechteck 314"/>
           <p:cNvSpPr/>
           <p:nvPr/>
@@ -15144,64 +15510,6 @@
       </p:sp>
       <p:sp>
         <p:nvSpPr>
-          <p:cNvPr id="236" name="Abgerundetes Rechteck 235"/>
-          <p:cNvSpPr/>
-          <p:nvPr/>
-        </p:nvSpPr>
-        <p:spPr>
-          <a:xfrm>
-            <a:off x="900827" y="2140413"/>
-            <a:ext cx="495160" cy="349570"/>
-          </a:xfrm>
-          <a:prstGeom prst="roundRect">
-            <a:avLst>
-              <a:gd name="adj" fmla="val 8710"/>
-            </a:avLst>
-          </a:prstGeom>
-          <a:solidFill>
-            <a:schemeClr val="bg1"/>
-          </a:solidFill>
-          <a:ln>
-            <a:solidFill>
-              <a:schemeClr val="bg1">
-                <a:lumMod val="50000"/>
-              </a:schemeClr>
-            </a:solidFill>
-          </a:ln>
-        </p:spPr>
-        <p:style>
-          <a:lnRef idx="2">
-            <a:schemeClr val="accent1">
-              <a:shade val="50000"/>
-            </a:schemeClr>
-          </a:lnRef>
-          <a:fillRef idx="1">
-            <a:schemeClr val="accent1"/>
-          </a:fillRef>
-          <a:effectRef idx="0">
-            <a:schemeClr val="accent1"/>
-          </a:effectRef>
-          <a:fontRef idx="minor">
-            <a:schemeClr val="lt1"/>
-          </a:fontRef>
-        </p:style>
-        <p:txBody>
-          <a:bodyPr rtlCol="0" anchor="b"/>
-          <a:lstStyle/>
-          <a:p>
-            <a:endParaRPr lang="de-DE" sz="1000" dirty="0">
-              <a:solidFill>
-                <a:schemeClr val="tx1"/>
-              </a:solidFill>
-              <a:latin typeface="Helvetica Neue LT Std 67 Medium Condensed" charset="0"/>
-              <a:ea typeface="Helvetica Neue LT Std 67 Medium Condensed" charset="0"/>
-              <a:cs typeface="Helvetica Neue LT Std 67 Medium Condensed" charset="0"/>
-            </a:endParaRPr>
-          </a:p>
-        </p:txBody>
-      </p:sp>
-      <p:sp>
-        <p:nvSpPr>
           <p:cNvPr id="237" name="Textfeld 236"/>
           <p:cNvSpPr txBox="1"/>
           <p:nvPr/>
@@ -15240,64 +15548,6 @@
       </p:sp>
       <p:sp>
         <p:nvSpPr>
-          <p:cNvPr id="238" name="Abgerundetes Rechteck 237"/>
-          <p:cNvSpPr/>
-          <p:nvPr/>
-        </p:nvSpPr>
-        <p:spPr>
-          <a:xfrm>
-            <a:off x="1522612" y="2140413"/>
-            <a:ext cx="495160" cy="349570"/>
-          </a:xfrm>
-          <a:prstGeom prst="roundRect">
-            <a:avLst>
-              <a:gd name="adj" fmla="val 8710"/>
-            </a:avLst>
-          </a:prstGeom>
-          <a:solidFill>
-            <a:schemeClr val="bg1"/>
-          </a:solidFill>
-          <a:ln>
-            <a:solidFill>
-              <a:schemeClr val="bg1">
-                <a:lumMod val="50000"/>
-              </a:schemeClr>
-            </a:solidFill>
-          </a:ln>
-        </p:spPr>
-        <p:style>
-          <a:lnRef idx="2">
-            <a:schemeClr val="accent1">
-              <a:shade val="50000"/>
-            </a:schemeClr>
-          </a:lnRef>
-          <a:fillRef idx="1">
-            <a:schemeClr val="accent1"/>
-          </a:fillRef>
-          <a:effectRef idx="0">
-            <a:schemeClr val="accent1"/>
-          </a:effectRef>
-          <a:fontRef idx="minor">
-            <a:schemeClr val="lt1"/>
-          </a:fontRef>
-        </p:style>
-        <p:txBody>
-          <a:bodyPr rtlCol="0" anchor="b"/>
-          <a:lstStyle/>
-          <a:p>
-            <a:endParaRPr lang="de-DE" sz="1000" dirty="0">
-              <a:solidFill>
-                <a:schemeClr val="tx1"/>
-              </a:solidFill>
-              <a:latin typeface="Helvetica Neue LT Std 67 Medium Condensed" charset="0"/>
-              <a:ea typeface="Helvetica Neue LT Std 67 Medium Condensed" charset="0"/>
-              <a:cs typeface="Helvetica Neue LT Std 67 Medium Condensed" charset="0"/>
-            </a:endParaRPr>
-          </a:p>
-        </p:txBody>
-      </p:sp>
-      <p:sp>
-        <p:nvSpPr>
           <p:cNvPr id="239" name="Textfeld 238"/>
           <p:cNvSpPr txBox="1"/>
           <p:nvPr/>
@@ -15336,64 +15586,6 @@
       </p:sp>
       <p:sp>
         <p:nvSpPr>
-          <p:cNvPr id="240" name="Abgerundetes Rechteck 239"/>
-          <p:cNvSpPr/>
-          <p:nvPr/>
-        </p:nvSpPr>
-        <p:spPr>
-          <a:xfrm>
-            <a:off x="2142616" y="2140413"/>
-            <a:ext cx="495160" cy="349570"/>
-          </a:xfrm>
-          <a:prstGeom prst="roundRect">
-            <a:avLst>
-              <a:gd name="adj" fmla="val 8710"/>
-            </a:avLst>
-          </a:prstGeom>
-          <a:solidFill>
-            <a:schemeClr val="bg1"/>
-          </a:solidFill>
-          <a:ln>
-            <a:solidFill>
-              <a:schemeClr val="bg1">
-                <a:lumMod val="50000"/>
-              </a:schemeClr>
-            </a:solidFill>
-          </a:ln>
-        </p:spPr>
-        <p:style>
-          <a:lnRef idx="2">
-            <a:schemeClr val="accent1">
-              <a:shade val="50000"/>
-            </a:schemeClr>
-          </a:lnRef>
-          <a:fillRef idx="1">
-            <a:schemeClr val="accent1"/>
-          </a:fillRef>
-          <a:effectRef idx="0">
-            <a:schemeClr val="accent1"/>
-          </a:effectRef>
-          <a:fontRef idx="minor">
-            <a:schemeClr val="lt1"/>
-          </a:fontRef>
-        </p:style>
-        <p:txBody>
-          <a:bodyPr rtlCol="0" anchor="b"/>
-          <a:lstStyle/>
-          <a:p>
-            <a:endParaRPr lang="de-DE" sz="1000" dirty="0">
-              <a:solidFill>
-                <a:schemeClr val="tx1"/>
-              </a:solidFill>
-              <a:latin typeface="Helvetica Neue LT Std 67 Medium Condensed" charset="0"/>
-              <a:ea typeface="Helvetica Neue LT Std 67 Medium Condensed" charset="0"/>
-              <a:cs typeface="Helvetica Neue LT Std 67 Medium Condensed" charset="0"/>
-            </a:endParaRPr>
-          </a:p>
-        </p:txBody>
-      </p:sp>
-      <p:sp>
-        <p:nvSpPr>
           <p:cNvPr id="241" name="Textfeld 240"/>
           <p:cNvSpPr txBox="1"/>
           <p:nvPr/>
@@ -15432,64 +15624,6 @@
       </p:sp>
       <p:sp>
         <p:nvSpPr>
-          <p:cNvPr id="242" name="Abgerundetes Rechteck 241"/>
-          <p:cNvSpPr/>
-          <p:nvPr/>
-        </p:nvSpPr>
-        <p:spPr>
-          <a:xfrm>
-            <a:off x="2760575" y="2140413"/>
-            <a:ext cx="495160" cy="349570"/>
-          </a:xfrm>
-          <a:prstGeom prst="roundRect">
-            <a:avLst>
-              <a:gd name="adj" fmla="val 8710"/>
-            </a:avLst>
-          </a:prstGeom>
-          <a:solidFill>
-            <a:schemeClr val="bg1"/>
-          </a:solidFill>
-          <a:ln>
-            <a:solidFill>
-              <a:schemeClr val="bg1">
-                <a:lumMod val="50000"/>
-              </a:schemeClr>
-            </a:solidFill>
-          </a:ln>
-        </p:spPr>
-        <p:style>
-          <a:lnRef idx="2">
-            <a:schemeClr val="accent1">
-              <a:shade val="50000"/>
-            </a:schemeClr>
-          </a:lnRef>
-          <a:fillRef idx="1">
-            <a:schemeClr val="accent1"/>
-          </a:fillRef>
-          <a:effectRef idx="0">
-            <a:schemeClr val="accent1"/>
-          </a:effectRef>
-          <a:fontRef idx="minor">
-            <a:schemeClr val="lt1"/>
-          </a:fontRef>
-        </p:style>
-        <p:txBody>
-          <a:bodyPr rtlCol="0" anchor="b"/>
-          <a:lstStyle/>
-          <a:p>
-            <a:endParaRPr lang="de-DE" sz="1000" dirty="0">
-              <a:solidFill>
-                <a:schemeClr val="tx1"/>
-              </a:solidFill>
-              <a:latin typeface="Helvetica Neue LT Std 67 Medium Condensed" charset="0"/>
-              <a:ea typeface="Helvetica Neue LT Std 67 Medium Condensed" charset="0"/>
-              <a:cs typeface="Helvetica Neue LT Std 67 Medium Condensed" charset="0"/>
-            </a:endParaRPr>
-          </a:p>
-        </p:txBody>
-      </p:sp>
-      <p:sp>
-        <p:nvSpPr>
           <p:cNvPr id="243" name="Textfeld 242"/>
           <p:cNvSpPr txBox="1"/>
           <p:nvPr/>
@@ -15528,64 +15662,6 @@
       </p:sp>
       <p:sp>
         <p:nvSpPr>
-          <p:cNvPr id="244" name="Abgerundetes Rechteck 243"/>
-          <p:cNvSpPr/>
-          <p:nvPr/>
-        </p:nvSpPr>
-        <p:spPr>
-          <a:xfrm>
-            <a:off x="3382265" y="2140413"/>
-            <a:ext cx="495160" cy="349570"/>
-          </a:xfrm>
-          <a:prstGeom prst="roundRect">
-            <a:avLst>
-              <a:gd name="adj" fmla="val 8710"/>
-            </a:avLst>
-          </a:prstGeom>
-          <a:solidFill>
-            <a:schemeClr val="bg1"/>
-          </a:solidFill>
-          <a:ln>
-            <a:solidFill>
-              <a:schemeClr val="bg1">
-                <a:lumMod val="50000"/>
-              </a:schemeClr>
-            </a:solidFill>
-          </a:ln>
-        </p:spPr>
-        <p:style>
-          <a:lnRef idx="2">
-            <a:schemeClr val="accent1">
-              <a:shade val="50000"/>
-            </a:schemeClr>
-          </a:lnRef>
-          <a:fillRef idx="1">
-            <a:schemeClr val="accent1"/>
-          </a:fillRef>
-          <a:effectRef idx="0">
-            <a:schemeClr val="accent1"/>
-          </a:effectRef>
-          <a:fontRef idx="minor">
-            <a:schemeClr val="lt1"/>
-          </a:fontRef>
-        </p:style>
-        <p:txBody>
-          <a:bodyPr rtlCol="0" anchor="b"/>
-          <a:lstStyle/>
-          <a:p>
-            <a:endParaRPr lang="de-DE" sz="1000" dirty="0">
-              <a:solidFill>
-                <a:schemeClr val="tx1"/>
-              </a:solidFill>
-              <a:latin typeface="Helvetica Neue LT Std 67 Medium Condensed" charset="0"/>
-              <a:ea typeface="Helvetica Neue LT Std 67 Medium Condensed" charset="0"/>
-              <a:cs typeface="Helvetica Neue LT Std 67 Medium Condensed" charset="0"/>
-            </a:endParaRPr>
-          </a:p>
-        </p:txBody>
-      </p:sp>
-      <p:sp>
-        <p:nvSpPr>
           <p:cNvPr id="245" name="Textfeld 244"/>
           <p:cNvSpPr txBox="1"/>
           <p:nvPr/>
@@ -15615,64 +15691,6 @@
               <a:t>F5</a:t>
             </a:r>
             <a:endParaRPr lang="de-DE" sz="800" dirty="0">
-              <a:latin typeface="Helvetica Neue LT Std 67 Medium Condensed" charset="0"/>
-              <a:ea typeface="Helvetica Neue LT Std 67 Medium Condensed" charset="0"/>
-              <a:cs typeface="Helvetica Neue LT Std 67 Medium Condensed" charset="0"/>
-            </a:endParaRPr>
-          </a:p>
-        </p:txBody>
-      </p:sp>
-      <p:sp>
-        <p:nvSpPr>
-          <p:cNvPr id="246" name="Abgerundetes Rechteck 245"/>
-          <p:cNvSpPr/>
-          <p:nvPr/>
-        </p:nvSpPr>
-        <p:spPr>
-          <a:xfrm>
-            <a:off x="3994850" y="2140413"/>
-            <a:ext cx="495160" cy="349570"/>
-          </a:xfrm>
-          <a:prstGeom prst="roundRect">
-            <a:avLst>
-              <a:gd name="adj" fmla="val 8710"/>
-            </a:avLst>
-          </a:prstGeom>
-          <a:solidFill>
-            <a:schemeClr val="bg1"/>
-          </a:solidFill>
-          <a:ln>
-            <a:solidFill>
-              <a:schemeClr val="bg1">
-                <a:lumMod val="50000"/>
-              </a:schemeClr>
-            </a:solidFill>
-          </a:ln>
-        </p:spPr>
-        <p:style>
-          <a:lnRef idx="2">
-            <a:schemeClr val="accent1">
-              <a:shade val="50000"/>
-            </a:schemeClr>
-          </a:lnRef>
-          <a:fillRef idx="1">
-            <a:schemeClr val="accent1"/>
-          </a:fillRef>
-          <a:effectRef idx="0">
-            <a:schemeClr val="accent1"/>
-          </a:effectRef>
-          <a:fontRef idx="minor">
-            <a:schemeClr val="lt1"/>
-          </a:fontRef>
-        </p:style>
-        <p:txBody>
-          <a:bodyPr rtlCol="0" anchor="b"/>
-          <a:lstStyle/>
-          <a:p>
-            <a:endParaRPr lang="de-DE" sz="1000" dirty="0">
-              <a:solidFill>
-                <a:schemeClr val="tx1"/>
-              </a:solidFill>
               <a:latin typeface="Helvetica Neue LT Std 67 Medium Condensed" charset="0"/>
               <a:ea typeface="Helvetica Neue LT Std 67 Medium Condensed" charset="0"/>
               <a:cs typeface="Helvetica Neue LT Std 67 Medium Condensed" charset="0"/>
@@ -19002,33 +19020,7 @@
                 <a:ea typeface="Helvetica Neue LT Std 67 Medium Condensed" charset="0"/>
                 <a:cs typeface="Helvetica Neue LT Std 67 Medium Condensed" charset="0"/>
               </a:rPr>
-              <a:t> </a:t>
-            </a:r>
-            <a:r>
-              <a:rPr lang="de-DE" sz="500" dirty="0" smtClean="0">
-                <a:solidFill>
-                  <a:schemeClr val="accent6">
-                    <a:lumMod val="75000"/>
-                  </a:schemeClr>
-                </a:solidFill>
-                <a:latin typeface="Helvetica Neue LT Std 67 Medium Condensed" charset="0"/>
-                <a:ea typeface="Helvetica Neue LT Std 67 Medium Condensed" charset="0"/>
-                <a:cs typeface="Helvetica Neue LT Std 67 Medium Condensed" charset="0"/>
-              </a:rPr>
-              <a:t>Start</a:t>
-            </a:r>
-            <a:r>
-              <a:rPr lang="de-DE" sz="500" dirty="0" smtClean="0">
-                <a:solidFill>
-                  <a:schemeClr val="accent6">
-                    <a:lumMod val="75000"/>
-                  </a:schemeClr>
-                </a:solidFill>
-                <a:latin typeface="Helvetica Neue LT Std 67 Medium Condensed" charset="0"/>
-                <a:ea typeface="Helvetica Neue LT Std 67 Medium Condensed" charset="0"/>
-                <a:cs typeface="Helvetica Neue LT Std 67 Medium Condensed" charset="0"/>
-              </a:rPr>
-              <a:t/>
+              <a:t> Start</a:t>
             </a:r>
             <a:br>
               <a:rPr lang="de-DE" sz="500" dirty="0" smtClean="0">
@@ -20043,6 +20035,1029 @@
                   <a:lumMod val="75000"/>
                 </a:schemeClr>
               </a:solidFill>
+              <a:latin typeface="Helvetica Neue LT Std 67 Medium Condensed" charset="0"/>
+              <a:ea typeface="Helvetica Neue LT Std 67 Medium Condensed" charset="0"/>
+              <a:cs typeface="Helvetica Neue LT Std 67 Medium Condensed" charset="0"/>
+            </a:endParaRPr>
+          </a:p>
+        </p:txBody>
+      </p:sp>
+      <p:sp>
+        <p:nvSpPr>
+          <p:cNvPr id="320" name="Abgerundetes Rechteck 319"/>
+          <p:cNvSpPr/>
+          <p:nvPr/>
+        </p:nvSpPr>
+        <p:spPr>
+          <a:xfrm>
+            <a:off x="-2815795" y="2140567"/>
+            <a:ext cx="495160" cy="349570"/>
+          </a:xfrm>
+          <a:prstGeom prst="roundRect">
+            <a:avLst>
+              <a:gd name="adj" fmla="val 8710"/>
+            </a:avLst>
+          </a:prstGeom>
+          <a:solidFill>
+            <a:schemeClr val="accent6">
+              <a:lumMod val="20000"/>
+              <a:lumOff val="80000"/>
+            </a:schemeClr>
+          </a:solidFill>
+          <a:ln>
+            <a:solidFill>
+              <a:schemeClr val="accent6">
+                <a:lumMod val="50000"/>
+              </a:schemeClr>
+            </a:solidFill>
+          </a:ln>
+        </p:spPr>
+        <p:style>
+          <a:lnRef idx="2">
+            <a:schemeClr val="accent1">
+              <a:shade val="50000"/>
+            </a:schemeClr>
+          </a:lnRef>
+          <a:fillRef idx="1">
+            <a:schemeClr val="accent1"/>
+          </a:fillRef>
+          <a:effectRef idx="0">
+            <a:schemeClr val="accent1"/>
+          </a:effectRef>
+          <a:fontRef idx="minor">
+            <a:schemeClr val="lt1"/>
+          </a:fontRef>
+        </p:style>
+        <p:txBody>
+          <a:bodyPr rtlCol="0" anchor="b"/>
+          <a:lstStyle/>
+          <a:p>
+            <a:endParaRPr lang="de-DE" sz="1000" dirty="0">
+              <a:solidFill>
+                <a:schemeClr val="tx1"/>
+              </a:solidFill>
+              <a:latin typeface="Helvetica Neue LT Std 67 Medium Condensed" charset="0"/>
+              <a:ea typeface="Helvetica Neue LT Std 67 Medium Condensed" charset="0"/>
+              <a:cs typeface="Helvetica Neue LT Std 67 Medium Condensed" charset="0"/>
+            </a:endParaRPr>
+          </a:p>
+        </p:txBody>
+      </p:sp>
+      <p:sp>
+        <p:nvSpPr>
+          <p:cNvPr id="325" name="Textfeld 324"/>
+          <p:cNvSpPr txBox="1"/>
+          <p:nvPr/>
+        </p:nvSpPr>
+        <p:spPr>
+          <a:xfrm>
+            <a:off x="1003282" y="2112149"/>
+            <a:ext cx="759239" cy="246221"/>
+          </a:xfrm>
+          <a:prstGeom prst="rect">
+            <a:avLst/>
+          </a:prstGeom>
+          <a:noFill/>
+        </p:spPr>
+        <p:txBody>
+          <a:bodyPr wrap="square" rtlCol="0" anchor="t">
+            <a:spAutoFit/>
+          </a:bodyPr>
+          <a:lstStyle/>
+          <a:p>
+            <a:r>
+              <a:rPr lang="de-DE" sz="500" dirty="0" smtClean="0">
+                <a:latin typeface="Helvetica Neue LT Std 67 Medium Condensed" charset="0"/>
+                <a:ea typeface="Helvetica Neue LT Std 67 Medium Condensed" charset="0"/>
+                <a:cs typeface="Helvetica Neue LT Std 67 Medium Condensed" charset="0"/>
+              </a:rPr>
+              <a:t>Recall</a:t>
+            </a:r>
+            <a:br>
+              <a:rPr lang="de-DE" sz="500" dirty="0" smtClean="0">
+                <a:latin typeface="Helvetica Neue LT Std 67 Medium Condensed" charset="0"/>
+                <a:ea typeface="Helvetica Neue LT Std 67 Medium Condensed" charset="0"/>
+                <a:cs typeface="Helvetica Neue LT Std 67 Medium Condensed" charset="0"/>
+              </a:rPr>
+            </a:br>
+            <a:r>
+              <a:rPr lang="de-DE" sz="500" dirty="0" smtClean="0">
+                <a:latin typeface="Helvetica Neue LT Std 67 Medium Condensed" charset="0"/>
+                <a:ea typeface="Helvetica Neue LT Std 67 Medium Condensed" charset="0"/>
+                <a:cs typeface="Helvetica Neue LT Std 67 Medium Condensed" charset="0"/>
+              </a:rPr>
+              <a:t>Snapshot 1</a:t>
+            </a:r>
+            <a:endParaRPr lang="de-DE" sz="500" dirty="0" smtClean="0">
+              <a:latin typeface="Helvetica Neue LT Std 67 Medium Condensed" charset="0"/>
+              <a:ea typeface="Helvetica Neue LT Std 67 Medium Condensed" charset="0"/>
+              <a:cs typeface="Helvetica Neue LT Std 67 Medium Condensed" charset="0"/>
+            </a:endParaRPr>
+          </a:p>
+        </p:txBody>
+      </p:sp>
+      <p:sp>
+        <p:nvSpPr>
+          <p:cNvPr id="326" name="Textfeld 325"/>
+          <p:cNvSpPr txBox="1"/>
+          <p:nvPr/>
+        </p:nvSpPr>
+        <p:spPr>
+          <a:xfrm>
+            <a:off x="839823" y="2090783"/>
+            <a:ext cx="319318" cy="253916"/>
+          </a:xfrm>
+          <a:prstGeom prst="rect">
+            <a:avLst/>
+          </a:prstGeom>
+          <a:noFill/>
+        </p:spPr>
+        <p:txBody>
+          <a:bodyPr wrap="none" rtlCol="0">
+            <a:spAutoFit/>
+          </a:bodyPr>
+          <a:lstStyle/>
+          <a:p>
+            <a:r>
+              <a:rPr lang="de-DE" sz="1050" dirty="0">
+                <a:latin typeface="ultraschall" charset="-127"/>
+                <a:ea typeface="ultraschall" charset="-127"/>
+                <a:cs typeface="ultraschall" charset="-127"/>
+              </a:rPr>
+              <a:t>m</a:t>
+            </a:r>
+            <a:endParaRPr lang="de-DE" sz="1050" dirty="0">
+              <a:latin typeface="ultraschall" charset="-127"/>
+              <a:ea typeface="ultraschall" charset="-127"/>
+              <a:cs typeface="ultraschall" charset="-127"/>
+            </a:endParaRPr>
+          </a:p>
+        </p:txBody>
+      </p:sp>
+      <p:sp>
+        <p:nvSpPr>
+          <p:cNvPr id="327" name="Rechteck 326"/>
+          <p:cNvSpPr/>
+          <p:nvPr/>
+        </p:nvSpPr>
+        <p:spPr>
+          <a:xfrm>
+            <a:off x="950582" y="2221073"/>
+            <a:ext cx="248786" cy="246221"/>
+          </a:xfrm>
+          <a:prstGeom prst="rect">
+            <a:avLst/>
+          </a:prstGeom>
+        </p:spPr>
+        <p:txBody>
+          <a:bodyPr wrap="none">
+            <a:spAutoFit/>
+          </a:bodyPr>
+          <a:lstStyle/>
+          <a:p>
+            <a:r>
+              <a:rPr lang="de-DE" sz="1000" dirty="0" smtClean="0">
+                <a:solidFill>
+                  <a:schemeClr val="accent2">
+                    <a:lumMod val="75000"/>
+                  </a:schemeClr>
+                </a:solidFill>
+                <a:latin typeface="Helvetica Neue LT Std 67 Medium Condensed" charset="0"/>
+                <a:ea typeface="Helvetica Neue LT Std 67 Medium Condensed" charset="0"/>
+                <a:cs typeface="Helvetica Neue LT Std 67 Medium Condensed" charset="0"/>
+              </a:rPr>
+              <a:t>⇧</a:t>
+            </a:r>
+            <a:endParaRPr lang="de-DE" sz="1400" dirty="0"/>
+          </a:p>
+        </p:txBody>
+      </p:sp>
+      <p:sp>
+        <p:nvSpPr>
+          <p:cNvPr id="328" name="Rechteck 327"/>
+          <p:cNvSpPr/>
+          <p:nvPr/>
+        </p:nvSpPr>
+        <p:spPr>
+          <a:xfrm>
+            <a:off x="1007262" y="2274169"/>
+            <a:ext cx="461986" cy="220573"/>
+          </a:xfrm>
+          <a:prstGeom prst="rect">
+            <a:avLst/>
+          </a:prstGeom>
+        </p:spPr>
+        <p:txBody>
+          <a:bodyPr wrap="none">
+            <a:spAutoFit/>
+          </a:bodyPr>
+          <a:lstStyle/>
+          <a:p>
+            <a:pPr>
+              <a:lnSpc>
+                <a:spcPts val="500"/>
+              </a:lnSpc>
+            </a:pPr>
+            <a:r>
+              <a:rPr lang="de-DE" sz="500" dirty="0">
+                <a:solidFill>
+                  <a:schemeClr val="accent2">
+                    <a:lumMod val="75000"/>
+                  </a:schemeClr>
+                </a:solidFill>
+                <a:latin typeface="Helvetica Neue LT Std 67 Medium Condensed" charset="0"/>
+                <a:ea typeface="Helvetica Neue LT Std 67 Medium Condensed" charset="0"/>
+                <a:cs typeface="Helvetica Neue LT Std 67 Medium Condensed" charset="0"/>
+              </a:rPr>
+              <a:t> </a:t>
+            </a:r>
+            <a:r>
+              <a:rPr lang="de-DE" sz="500" dirty="0" smtClean="0">
+                <a:solidFill>
+                  <a:schemeClr val="accent2">
+                    <a:lumMod val="75000"/>
+                  </a:schemeClr>
+                </a:solidFill>
+                <a:latin typeface="Helvetica Neue LT Std 67 Medium Condensed" charset="0"/>
+                <a:ea typeface="Helvetica Neue LT Std 67 Medium Condensed" charset="0"/>
+                <a:cs typeface="Helvetica Neue LT Std 67 Medium Condensed" charset="0"/>
+              </a:rPr>
+              <a:t>Save</a:t>
+            </a:r>
+            <a:br>
+              <a:rPr lang="de-DE" sz="500" dirty="0" smtClean="0">
+                <a:solidFill>
+                  <a:schemeClr val="accent2">
+                    <a:lumMod val="75000"/>
+                  </a:schemeClr>
+                </a:solidFill>
+                <a:latin typeface="Helvetica Neue LT Std 67 Medium Condensed" charset="0"/>
+                <a:ea typeface="Helvetica Neue LT Std 67 Medium Condensed" charset="0"/>
+                <a:cs typeface="Helvetica Neue LT Std 67 Medium Condensed" charset="0"/>
+              </a:rPr>
+            </a:br>
+            <a:r>
+              <a:rPr lang="de-DE" sz="500" dirty="0" smtClean="0">
+                <a:solidFill>
+                  <a:schemeClr val="accent2">
+                    <a:lumMod val="75000"/>
+                  </a:schemeClr>
+                </a:solidFill>
+                <a:latin typeface="Helvetica Neue LT Std 67 Medium Condensed" charset="0"/>
+                <a:ea typeface="Helvetica Neue LT Std 67 Medium Condensed" charset="0"/>
+                <a:cs typeface="Helvetica Neue LT Std 67 Medium Condensed" charset="0"/>
+              </a:rPr>
+              <a:t>Snapshot 1</a:t>
+            </a:r>
+            <a:endParaRPr lang="de-DE" sz="500" dirty="0"/>
+          </a:p>
+        </p:txBody>
+      </p:sp>
+      <p:sp>
+        <p:nvSpPr>
+          <p:cNvPr id="329" name="Textfeld 328"/>
+          <p:cNvSpPr txBox="1"/>
+          <p:nvPr/>
+        </p:nvSpPr>
+        <p:spPr>
+          <a:xfrm>
+            <a:off x="1627439" y="2129890"/>
+            <a:ext cx="465361" cy="246221"/>
+          </a:xfrm>
+          <a:prstGeom prst="rect">
+            <a:avLst/>
+          </a:prstGeom>
+          <a:noFill/>
+        </p:spPr>
+        <p:txBody>
+          <a:bodyPr wrap="square" rtlCol="0" anchor="t">
+            <a:spAutoFit/>
+          </a:bodyPr>
+          <a:lstStyle/>
+          <a:p>
+            <a:r>
+              <a:rPr lang="de-DE" sz="500" dirty="0" smtClean="0">
+                <a:latin typeface="Helvetica Neue LT Std 67 Medium Condensed" charset="0"/>
+                <a:ea typeface="Helvetica Neue LT Std 67 Medium Condensed" charset="0"/>
+                <a:cs typeface="Helvetica Neue LT Std 67 Medium Condensed" charset="0"/>
+              </a:rPr>
+              <a:t>Recall</a:t>
+            </a:r>
+            <a:br>
+              <a:rPr lang="de-DE" sz="500" dirty="0" smtClean="0">
+                <a:latin typeface="Helvetica Neue LT Std 67 Medium Condensed" charset="0"/>
+                <a:ea typeface="Helvetica Neue LT Std 67 Medium Condensed" charset="0"/>
+                <a:cs typeface="Helvetica Neue LT Std 67 Medium Condensed" charset="0"/>
+              </a:rPr>
+            </a:br>
+            <a:r>
+              <a:rPr lang="de-DE" sz="500" dirty="0" smtClean="0">
+                <a:latin typeface="Helvetica Neue LT Std 67 Medium Condensed" charset="0"/>
+                <a:ea typeface="Helvetica Neue LT Std 67 Medium Condensed" charset="0"/>
+                <a:cs typeface="Helvetica Neue LT Std 67 Medium Condensed" charset="0"/>
+              </a:rPr>
+              <a:t>Snapshot 2</a:t>
+            </a:r>
+            <a:endParaRPr lang="de-DE" sz="500" dirty="0" smtClean="0">
+              <a:latin typeface="Helvetica Neue LT Std 67 Medium Condensed" charset="0"/>
+              <a:ea typeface="Helvetica Neue LT Std 67 Medium Condensed" charset="0"/>
+              <a:cs typeface="Helvetica Neue LT Std 67 Medium Condensed" charset="0"/>
+            </a:endParaRPr>
+          </a:p>
+        </p:txBody>
+      </p:sp>
+      <p:sp>
+        <p:nvSpPr>
+          <p:cNvPr id="330" name="Textfeld 329"/>
+          <p:cNvSpPr txBox="1"/>
+          <p:nvPr/>
+        </p:nvSpPr>
+        <p:spPr>
+          <a:xfrm>
+            <a:off x="1463525" y="2098307"/>
+            <a:ext cx="319318" cy="253916"/>
+          </a:xfrm>
+          <a:prstGeom prst="rect">
+            <a:avLst/>
+          </a:prstGeom>
+          <a:noFill/>
+        </p:spPr>
+        <p:txBody>
+          <a:bodyPr wrap="none" rtlCol="0">
+            <a:spAutoFit/>
+          </a:bodyPr>
+          <a:lstStyle/>
+          <a:p>
+            <a:r>
+              <a:rPr lang="de-DE" sz="1050" dirty="0" err="1">
+                <a:latin typeface="ultraschall" charset="-127"/>
+                <a:ea typeface="ultraschall" charset="-127"/>
+                <a:cs typeface="ultraschall" charset="-127"/>
+              </a:rPr>
+              <a:t>n</a:t>
+            </a:r>
+            <a:endParaRPr lang="de-DE" sz="1050" dirty="0">
+              <a:latin typeface="ultraschall" charset="-127"/>
+              <a:ea typeface="ultraschall" charset="-127"/>
+              <a:cs typeface="ultraschall" charset="-127"/>
+            </a:endParaRPr>
+          </a:p>
+        </p:txBody>
+      </p:sp>
+      <p:sp>
+        <p:nvSpPr>
+          <p:cNvPr id="331" name="Rechteck 330"/>
+          <p:cNvSpPr/>
+          <p:nvPr/>
+        </p:nvSpPr>
+        <p:spPr>
+          <a:xfrm>
+            <a:off x="1574284" y="2228597"/>
+            <a:ext cx="248786" cy="246221"/>
+          </a:xfrm>
+          <a:prstGeom prst="rect">
+            <a:avLst/>
+          </a:prstGeom>
+        </p:spPr>
+        <p:txBody>
+          <a:bodyPr wrap="none">
+            <a:spAutoFit/>
+          </a:bodyPr>
+          <a:lstStyle/>
+          <a:p>
+            <a:r>
+              <a:rPr lang="de-DE" sz="1000" dirty="0" smtClean="0">
+                <a:solidFill>
+                  <a:schemeClr val="accent2">
+                    <a:lumMod val="75000"/>
+                  </a:schemeClr>
+                </a:solidFill>
+                <a:latin typeface="Helvetica Neue LT Std 67 Medium Condensed" charset="0"/>
+                <a:ea typeface="Helvetica Neue LT Std 67 Medium Condensed" charset="0"/>
+                <a:cs typeface="Helvetica Neue LT Std 67 Medium Condensed" charset="0"/>
+              </a:rPr>
+              <a:t>⇧</a:t>
+            </a:r>
+            <a:endParaRPr lang="de-DE" sz="1400" dirty="0"/>
+          </a:p>
+        </p:txBody>
+      </p:sp>
+      <p:sp>
+        <p:nvSpPr>
+          <p:cNvPr id="332" name="Rechteck 331"/>
+          <p:cNvSpPr/>
+          <p:nvPr/>
+        </p:nvSpPr>
+        <p:spPr>
+          <a:xfrm>
+            <a:off x="1630964" y="2281693"/>
+            <a:ext cx="461986" cy="220573"/>
+          </a:xfrm>
+          <a:prstGeom prst="rect">
+            <a:avLst/>
+          </a:prstGeom>
+        </p:spPr>
+        <p:txBody>
+          <a:bodyPr wrap="none">
+            <a:spAutoFit/>
+          </a:bodyPr>
+          <a:lstStyle/>
+          <a:p>
+            <a:pPr>
+              <a:lnSpc>
+                <a:spcPts val="500"/>
+              </a:lnSpc>
+            </a:pPr>
+            <a:r>
+              <a:rPr lang="de-DE" sz="500" dirty="0">
+                <a:solidFill>
+                  <a:schemeClr val="accent2">
+                    <a:lumMod val="75000"/>
+                  </a:schemeClr>
+                </a:solidFill>
+                <a:latin typeface="Helvetica Neue LT Std 67 Medium Condensed" charset="0"/>
+                <a:ea typeface="Helvetica Neue LT Std 67 Medium Condensed" charset="0"/>
+                <a:cs typeface="Helvetica Neue LT Std 67 Medium Condensed" charset="0"/>
+              </a:rPr>
+              <a:t> </a:t>
+            </a:r>
+            <a:r>
+              <a:rPr lang="de-DE" sz="500" dirty="0" smtClean="0">
+                <a:solidFill>
+                  <a:schemeClr val="accent2">
+                    <a:lumMod val="75000"/>
+                  </a:schemeClr>
+                </a:solidFill>
+                <a:latin typeface="Helvetica Neue LT Std 67 Medium Condensed" charset="0"/>
+                <a:ea typeface="Helvetica Neue LT Std 67 Medium Condensed" charset="0"/>
+                <a:cs typeface="Helvetica Neue LT Std 67 Medium Condensed" charset="0"/>
+              </a:rPr>
+              <a:t>Save</a:t>
+            </a:r>
+            <a:br>
+              <a:rPr lang="de-DE" sz="500" dirty="0" smtClean="0">
+                <a:solidFill>
+                  <a:schemeClr val="accent2">
+                    <a:lumMod val="75000"/>
+                  </a:schemeClr>
+                </a:solidFill>
+                <a:latin typeface="Helvetica Neue LT Std 67 Medium Condensed" charset="0"/>
+                <a:ea typeface="Helvetica Neue LT Std 67 Medium Condensed" charset="0"/>
+                <a:cs typeface="Helvetica Neue LT Std 67 Medium Condensed" charset="0"/>
+              </a:rPr>
+            </a:br>
+            <a:r>
+              <a:rPr lang="de-DE" sz="500" dirty="0" smtClean="0">
+                <a:solidFill>
+                  <a:schemeClr val="accent2">
+                    <a:lumMod val="75000"/>
+                  </a:schemeClr>
+                </a:solidFill>
+                <a:latin typeface="Helvetica Neue LT Std 67 Medium Condensed" charset="0"/>
+                <a:ea typeface="Helvetica Neue LT Std 67 Medium Condensed" charset="0"/>
+                <a:cs typeface="Helvetica Neue LT Std 67 Medium Condensed" charset="0"/>
+              </a:rPr>
+              <a:t>Snapshot 2</a:t>
+            </a:r>
+            <a:endParaRPr lang="de-DE" sz="500" dirty="0"/>
+          </a:p>
+        </p:txBody>
+      </p:sp>
+      <p:sp>
+        <p:nvSpPr>
+          <p:cNvPr id="333" name="Textfeld 332"/>
+          <p:cNvSpPr txBox="1"/>
+          <p:nvPr/>
+        </p:nvSpPr>
+        <p:spPr>
+          <a:xfrm>
+            <a:off x="2250878" y="2137078"/>
+            <a:ext cx="759239" cy="246221"/>
+          </a:xfrm>
+          <a:prstGeom prst="rect">
+            <a:avLst/>
+          </a:prstGeom>
+          <a:noFill/>
+        </p:spPr>
+        <p:txBody>
+          <a:bodyPr wrap="square" rtlCol="0" anchor="t">
+            <a:spAutoFit/>
+          </a:bodyPr>
+          <a:lstStyle/>
+          <a:p>
+            <a:r>
+              <a:rPr lang="de-DE" sz="500" dirty="0" smtClean="0">
+                <a:latin typeface="Helvetica Neue LT Std 67 Medium Condensed" charset="0"/>
+                <a:ea typeface="Helvetica Neue LT Std 67 Medium Condensed" charset="0"/>
+                <a:cs typeface="Helvetica Neue LT Std 67 Medium Condensed" charset="0"/>
+              </a:rPr>
+              <a:t>Recall</a:t>
+            </a:r>
+            <a:br>
+              <a:rPr lang="de-DE" sz="500" dirty="0" smtClean="0">
+                <a:latin typeface="Helvetica Neue LT Std 67 Medium Condensed" charset="0"/>
+                <a:ea typeface="Helvetica Neue LT Std 67 Medium Condensed" charset="0"/>
+                <a:cs typeface="Helvetica Neue LT Std 67 Medium Condensed" charset="0"/>
+              </a:rPr>
+            </a:br>
+            <a:r>
+              <a:rPr lang="de-DE" sz="500" dirty="0" smtClean="0">
+                <a:latin typeface="Helvetica Neue LT Std 67 Medium Condensed" charset="0"/>
+                <a:ea typeface="Helvetica Neue LT Std 67 Medium Condensed" charset="0"/>
+                <a:cs typeface="Helvetica Neue LT Std 67 Medium Condensed" charset="0"/>
+              </a:rPr>
+              <a:t>Snapshot 3</a:t>
+            </a:r>
+            <a:endParaRPr lang="de-DE" sz="500" dirty="0" smtClean="0">
+              <a:latin typeface="Helvetica Neue LT Std 67 Medium Condensed" charset="0"/>
+              <a:ea typeface="Helvetica Neue LT Std 67 Medium Condensed" charset="0"/>
+              <a:cs typeface="Helvetica Neue LT Std 67 Medium Condensed" charset="0"/>
+            </a:endParaRPr>
+          </a:p>
+        </p:txBody>
+      </p:sp>
+      <p:sp>
+        <p:nvSpPr>
+          <p:cNvPr id="335" name="Rechteck 334"/>
+          <p:cNvSpPr/>
+          <p:nvPr/>
+        </p:nvSpPr>
+        <p:spPr>
+          <a:xfrm>
+            <a:off x="2197986" y="2236121"/>
+            <a:ext cx="248786" cy="246221"/>
+          </a:xfrm>
+          <a:prstGeom prst="rect">
+            <a:avLst/>
+          </a:prstGeom>
+        </p:spPr>
+        <p:txBody>
+          <a:bodyPr wrap="none">
+            <a:spAutoFit/>
+          </a:bodyPr>
+          <a:lstStyle/>
+          <a:p>
+            <a:r>
+              <a:rPr lang="de-DE" sz="1000" dirty="0" smtClean="0">
+                <a:solidFill>
+                  <a:schemeClr val="accent2">
+                    <a:lumMod val="75000"/>
+                  </a:schemeClr>
+                </a:solidFill>
+                <a:latin typeface="Helvetica Neue LT Std 67 Medium Condensed" charset="0"/>
+                <a:ea typeface="Helvetica Neue LT Std 67 Medium Condensed" charset="0"/>
+                <a:cs typeface="Helvetica Neue LT Std 67 Medium Condensed" charset="0"/>
+              </a:rPr>
+              <a:t>⇧</a:t>
+            </a:r>
+            <a:endParaRPr lang="de-DE" sz="1400" dirty="0"/>
+          </a:p>
+        </p:txBody>
+      </p:sp>
+      <p:sp>
+        <p:nvSpPr>
+          <p:cNvPr id="336" name="Rechteck 335"/>
+          <p:cNvSpPr/>
+          <p:nvPr/>
+        </p:nvSpPr>
+        <p:spPr>
+          <a:xfrm>
+            <a:off x="2254666" y="2289217"/>
+            <a:ext cx="461986" cy="220573"/>
+          </a:xfrm>
+          <a:prstGeom prst="rect">
+            <a:avLst/>
+          </a:prstGeom>
+        </p:spPr>
+        <p:txBody>
+          <a:bodyPr wrap="none">
+            <a:spAutoFit/>
+          </a:bodyPr>
+          <a:lstStyle/>
+          <a:p>
+            <a:pPr>
+              <a:lnSpc>
+                <a:spcPts val="500"/>
+              </a:lnSpc>
+            </a:pPr>
+            <a:r>
+              <a:rPr lang="de-DE" sz="500" dirty="0">
+                <a:solidFill>
+                  <a:schemeClr val="accent2">
+                    <a:lumMod val="75000"/>
+                  </a:schemeClr>
+                </a:solidFill>
+                <a:latin typeface="Helvetica Neue LT Std 67 Medium Condensed" charset="0"/>
+                <a:ea typeface="Helvetica Neue LT Std 67 Medium Condensed" charset="0"/>
+                <a:cs typeface="Helvetica Neue LT Std 67 Medium Condensed" charset="0"/>
+              </a:rPr>
+              <a:t> </a:t>
+            </a:r>
+            <a:r>
+              <a:rPr lang="de-DE" sz="500" dirty="0" smtClean="0">
+                <a:solidFill>
+                  <a:schemeClr val="accent2">
+                    <a:lumMod val="75000"/>
+                  </a:schemeClr>
+                </a:solidFill>
+                <a:latin typeface="Helvetica Neue LT Std 67 Medium Condensed" charset="0"/>
+                <a:ea typeface="Helvetica Neue LT Std 67 Medium Condensed" charset="0"/>
+                <a:cs typeface="Helvetica Neue LT Std 67 Medium Condensed" charset="0"/>
+              </a:rPr>
+              <a:t>Save</a:t>
+            </a:r>
+            <a:br>
+              <a:rPr lang="de-DE" sz="500" dirty="0" smtClean="0">
+                <a:solidFill>
+                  <a:schemeClr val="accent2">
+                    <a:lumMod val="75000"/>
+                  </a:schemeClr>
+                </a:solidFill>
+                <a:latin typeface="Helvetica Neue LT Std 67 Medium Condensed" charset="0"/>
+                <a:ea typeface="Helvetica Neue LT Std 67 Medium Condensed" charset="0"/>
+                <a:cs typeface="Helvetica Neue LT Std 67 Medium Condensed" charset="0"/>
+              </a:rPr>
+            </a:br>
+            <a:r>
+              <a:rPr lang="de-DE" sz="500" dirty="0" smtClean="0">
+                <a:solidFill>
+                  <a:schemeClr val="accent2">
+                    <a:lumMod val="75000"/>
+                  </a:schemeClr>
+                </a:solidFill>
+                <a:latin typeface="Helvetica Neue LT Std 67 Medium Condensed" charset="0"/>
+                <a:ea typeface="Helvetica Neue LT Std 67 Medium Condensed" charset="0"/>
+                <a:cs typeface="Helvetica Neue LT Std 67 Medium Condensed" charset="0"/>
+              </a:rPr>
+              <a:t>Snapshot 3</a:t>
+            </a:r>
+            <a:endParaRPr lang="de-DE" sz="500" dirty="0"/>
+          </a:p>
+        </p:txBody>
+      </p:sp>
+      <p:sp>
+        <p:nvSpPr>
+          <p:cNvPr id="337" name="Textfeld 336"/>
+          <p:cNvSpPr txBox="1"/>
+          <p:nvPr/>
+        </p:nvSpPr>
+        <p:spPr>
+          <a:xfrm>
+            <a:off x="2868977" y="2129310"/>
+            <a:ext cx="759239" cy="246221"/>
+          </a:xfrm>
+          <a:prstGeom prst="rect">
+            <a:avLst/>
+          </a:prstGeom>
+          <a:noFill/>
+        </p:spPr>
+        <p:txBody>
+          <a:bodyPr wrap="square" rtlCol="0" anchor="t">
+            <a:spAutoFit/>
+          </a:bodyPr>
+          <a:lstStyle/>
+          <a:p>
+            <a:r>
+              <a:rPr lang="de-DE" sz="500" dirty="0" smtClean="0">
+                <a:latin typeface="Helvetica Neue LT Std 67 Medium Condensed" charset="0"/>
+                <a:ea typeface="Helvetica Neue LT Std 67 Medium Condensed" charset="0"/>
+                <a:cs typeface="Helvetica Neue LT Std 67 Medium Condensed" charset="0"/>
+              </a:rPr>
+              <a:t>Recall</a:t>
+            </a:r>
+            <a:br>
+              <a:rPr lang="de-DE" sz="500" dirty="0" smtClean="0">
+                <a:latin typeface="Helvetica Neue LT Std 67 Medium Condensed" charset="0"/>
+                <a:ea typeface="Helvetica Neue LT Std 67 Medium Condensed" charset="0"/>
+                <a:cs typeface="Helvetica Neue LT Std 67 Medium Condensed" charset="0"/>
+              </a:rPr>
+            </a:br>
+            <a:r>
+              <a:rPr lang="de-DE" sz="500" dirty="0" smtClean="0">
+                <a:latin typeface="Helvetica Neue LT Std 67 Medium Condensed" charset="0"/>
+                <a:ea typeface="Helvetica Neue LT Std 67 Medium Condensed" charset="0"/>
+                <a:cs typeface="Helvetica Neue LT Std 67 Medium Condensed" charset="0"/>
+              </a:rPr>
+              <a:t>Snapshot 4</a:t>
+            </a:r>
+            <a:endParaRPr lang="de-DE" sz="500" dirty="0" smtClean="0">
+              <a:latin typeface="Helvetica Neue LT Std 67 Medium Condensed" charset="0"/>
+              <a:ea typeface="Helvetica Neue LT Std 67 Medium Condensed" charset="0"/>
+              <a:cs typeface="Helvetica Neue LT Std 67 Medium Condensed" charset="0"/>
+            </a:endParaRPr>
+          </a:p>
+        </p:txBody>
+      </p:sp>
+      <p:sp>
+        <p:nvSpPr>
+          <p:cNvPr id="338" name="Textfeld 337"/>
+          <p:cNvSpPr txBox="1"/>
+          <p:nvPr/>
+        </p:nvSpPr>
+        <p:spPr>
+          <a:xfrm>
+            <a:off x="2705518" y="2107944"/>
+            <a:ext cx="319318" cy="253916"/>
+          </a:xfrm>
+          <a:prstGeom prst="rect">
+            <a:avLst/>
+          </a:prstGeom>
+          <a:noFill/>
+        </p:spPr>
+        <p:txBody>
+          <a:bodyPr wrap="none" rtlCol="0">
+            <a:spAutoFit/>
+          </a:bodyPr>
+          <a:lstStyle/>
+          <a:p>
+            <a:r>
+              <a:rPr lang="de-DE" sz="1050" dirty="0" smtClean="0">
+                <a:latin typeface="ultraschall" charset="-127"/>
+                <a:ea typeface="ultraschall" charset="-127"/>
+                <a:cs typeface="ultraschall" charset="-127"/>
+              </a:rPr>
+              <a:t>k</a:t>
+            </a:r>
+            <a:endParaRPr lang="de-DE" sz="1050" dirty="0">
+              <a:latin typeface="ultraschall" charset="-127"/>
+              <a:ea typeface="ultraschall" charset="-127"/>
+              <a:cs typeface="ultraschall" charset="-127"/>
+            </a:endParaRPr>
+          </a:p>
+        </p:txBody>
+      </p:sp>
+      <p:sp>
+        <p:nvSpPr>
+          <p:cNvPr id="339" name="Rechteck 338"/>
+          <p:cNvSpPr/>
+          <p:nvPr/>
+        </p:nvSpPr>
+        <p:spPr>
+          <a:xfrm>
+            <a:off x="2816277" y="2238234"/>
+            <a:ext cx="248786" cy="246221"/>
+          </a:xfrm>
+          <a:prstGeom prst="rect">
+            <a:avLst/>
+          </a:prstGeom>
+        </p:spPr>
+        <p:txBody>
+          <a:bodyPr wrap="none">
+            <a:spAutoFit/>
+          </a:bodyPr>
+          <a:lstStyle/>
+          <a:p>
+            <a:r>
+              <a:rPr lang="de-DE" sz="1000" dirty="0" smtClean="0">
+                <a:solidFill>
+                  <a:schemeClr val="accent2">
+                    <a:lumMod val="75000"/>
+                  </a:schemeClr>
+                </a:solidFill>
+                <a:latin typeface="Helvetica Neue LT Std 67 Medium Condensed" charset="0"/>
+                <a:ea typeface="Helvetica Neue LT Std 67 Medium Condensed" charset="0"/>
+                <a:cs typeface="Helvetica Neue LT Std 67 Medium Condensed" charset="0"/>
+              </a:rPr>
+              <a:t>⇧</a:t>
+            </a:r>
+            <a:endParaRPr lang="de-DE" sz="1400" dirty="0"/>
+          </a:p>
+        </p:txBody>
+      </p:sp>
+      <p:sp>
+        <p:nvSpPr>
+          <p:cNvPr id="340" name="Rechteck 339"/>
+          <p:cNvSpPr/>
+          <p:nvPr/>
+        </p:nvSpPr>
+        <p:spPr>
+          <a:xfrm>
+            <a:off x="2872957" y="2291330"/>
+            <a:ext cx="461986" cy="220573"/>
+          </a:xfrm>
+          <a:prstGeom prst="rect">
+            <a:avLst/>
+          </a:prstGeom>
+        </p:spPr>
+        <p:txBody>
+          <a:bodyPr wrap="none">
+            <a:spAutoFit/>
+          </a:bodyPr>
+          <a:lstStyle/>
+          <a:p>
+            <a:pPr>
+              <a:lnSpc>
+                <a:spcPts val="500"/>
+              </a:lnSpc>
+            </a:pPr>
+            <a:r>
+              <a:rPr lang="de-DE" sz="500" dirty="0">
+                <a:solidFill>
+                  <a:schemeClr val="accent2">
+                    <a:lumMod val="75000"/>
+                  </a:schemeClr>
+                </a:solidFill>
+                <a:latin typeface="Helvetica Neue LT Std 67 Medium Condensed" charset="0"/>
+                <a:ea typeface="Helvetica Neue LT Std 67 Medium Condensed" charset="0"/>
+                <a:cs typeface="Helvetica Neue LT Std 67 Medium Condensed" charset="0"/>
+              </a:rPr>
+              <a:t> </a:t>
+            </a:r>
+            <a:r>
+              <a:rPr lang="de-DE" sz="500" dirty="0" smtClean="0">
+                <a:solidFill>
+                  <a:schemeClr val="accent2">
+                    <a:lumMod val="75000"/>
+                  </a:schemeClr>
+                </a:solidFill>
+                <a:latin typeface="Helvetica Neue LT Std 67 Medium Condensed" charset="0"/>
+                <a:ea typeface="Helvetica Neue LT Std 67 Medium Condensed" charset="0"/>
+                <a:cs typeface="Helvetica Neue LT Std 67 Medium Condensed" charset="0"/>
+              </a:rPr>
+              <a:t>Save</a:t>
+            </a:r>
+            <a:br>
+              <a:rPr lang="de-DE" sz="500" dirty="0" smtClean="0">
+                <a:solidFill>
+                  <a:schemeClr val="accent2">
+                    <a:lumMod val="75000"/>
+                  </a:schemeClr>
+                </a:solidFill>
+                <a:latin typeface="Helvetica Neue LT Std 67 Medium Condensed" charset="0"/>
+                <a:ea typeface="Helvetica Neue LT Std 67 Medium Condensed" charset="0"/>
+                <a:cs typeface="Helvetica Neue LT Std 67 Medium Condensed" charset="0"/>
+              </a:rPr>
+            </a:br>
+            <a:r>
+              <a:rPr lang="de-DE" sz="500" dirty="0" smtClean="0">
+                <a:solidFill>
+                  <a:schemeClr val="accent2">
+                    <a:lumMod val="75000"/>
+                  </a:schemeClr>
+                </a:solidFill>
+                <a:latin typeface="Helvetica Neue LT Std 67 Medium Condensed" charset="0"/>
+                <a:ea typeface="Helvetica Neue LT Std 67 Medium Condensed" charset="0"/>
+                <a:cs typeface="Helvetica Neue LT Std 67 Medium Condensed" charset="0"/>
+              </a:rPr>
+              <a:t>Snapshot 4</a:t>
+            </a:r>
+            <a:endParaRPr lang="de-DE" sz="500" dirty="0"/>
+          </a:p>
+        </p:txBody>
+      </p:sp>
+      <p:sp>
+        <p:nvSpPr>
+          <p:cNvPr id="341" name="Textfeld 340"/>
+          <p:cNvSpPr txBox="1"/>
+          <p:nvPr/>
+        </p:nvSpPr>
+        <p:spPr>
+          <a:xfrm>
+            <a:off x="2091654" y="2097596"/>
+            <a:ext cx="319318" cy="253916"/>
+          </a:xfrm>
+          <a:prstGeom prst="rect">
+            <a:avLst/>
+          </a:prstGeom>
+          <a:noFill/>
+        </p:spPr>
+        <p:txBody>
+          <a:bodyPr wrap="none" rtlCol="0">
+            <a:spAutoFit/>
+          </a:bodyPr>
+          <a:lstStyle/>
+          <a:p>
+            <a:r>
+              <a:rPr lang="de-DE" sz="1050" smtClean="0">
+                <a:latin typeface="ultraschall" charset="-127"/>
+                <a:ea typeface="ultraschall" charset="-127"/>
+                <a:cs typeface="ultraschall" charset="-127"/>
+              </a:rPr>
+              <a:t>o</a:t>
+            </a:r>
+            <a:endParaRPr lang="de-DE" sz="1050" dirty="0">
+              <a:latin typeface="ultraschall" charset="-127"/>
+              <a:ea typeface="ultraschall" charset="-127"/>
+              <a:cs typeface="ultraschall" charset="-127"/>
+            </a:endParaRPr>
+          </a:p>
+        </p:txBody>
+      </p:sp>
+      <p:sp>
+        <p:nvSpPr>
+          <p:cNvPr id="342" name="Textfeld 341"/>
+          <p:cNvSpPr txBox="1"/>
+          <p:nvPr/>
+        </p:nvSpPr>
+        <p:spPr>
+          <a:xfrm>
+            <a:off x="3514402" y="2125205"/>
+            <a:ext cx="759239" cy="246221"/>
+          </a:xfrm>
+          <a:prstGeom prst="rect">
+            <a:avLst/>
+          </a:prstGeom>
+          <a:noFill/>
+        </p:spPr>
+        <p:txBody>
+          <a:bodyPr wrap="square" rtlCol="0" anchor="t">
+            <a:spAutoFit/>
+          </a:bodyPr>
+          <a:lstStyle/>
+          <a:p>
+            <a:r>
+              <a:rPr lang="de-DE" sz="500" dirty="0" smtClean="0">
+                <a:latin typeface="Helvetica Neue LT Std 67 Medium Condensed" charset="0"/>
+                <a:ea typeface="Helvetica Neue LT Std 67 Medium Condensed" charset="0"/>
+                <a:cs typeface="Helvetica Neue LT Std 67 Medium Condensed" charset="0"/>
+              </a:rPr>
+              <a:t>Snapshot</a:t>
+            </a:r>
+            <a:br>
+              <a:rPr lang="de-DE" sz="500" dirty="0" smtClean="0">
+                <a:latin typeface="Helvetica Neue LT Std 67 Medium Condensed" charset="0"/>
+                <a:ea typeface="Helvetica Neue LT Std 67 Medium Condensed" charset="0"/>
+                <a:cs typeface="Helvetica Neue LT Std 67 Medium Condensed" charset="0"/>
+              </a:rPr>
+            </a:br>
+            <a:r>
+              <a:rPr lang="de-DE" sz="500" dirty="0" smtClean="0">
+                <a:latin typeface="Helvetica Neue LT Std 67 Medium Condensed" charset="0"/>
+                <a:ea typeface="Helvetica Neue LT Std 67 Medium Condensed" charset="0"/>
+                <a:cs typeface="Helvetica Neue LT Std 67 Medium Condensed" charset="0"/>
+              </a:rPr>
+              <a:t>Manager</a:t>
+            </a:r>
+            <a:endParaRPr lang="de-DE" sz="500" dirty="0" smtClean="0">
+              <a:latin typeface="Helvetica Neue LT Std 67 Medium Condensed" charset="0"/>
+              <a:ea typeface="Helvetica Neue LT Std 67 Medium Condensed" charset="0"/>
+              <a:cs typeface="Helvetica Neue LT Std 67 Medium Condensed" charset="0"/>
+            </a:endParaRPr>
+          </a:p>
+        </p:txBody>
+      </p:sp>
+      <p:sp>
+        <p:nvSpPr>
+          <p:cNvPr id="344" name="Textfeld 343"/>
+          <p:cNvSpPr txBox="1"/>
+          <p:nvPr/>
+        </p:nvSpPr>
+        <p:spPr>
+          <a:xfrm>
+            <a:off x="3945993" y="2128516"/>
+            <a:ext cx="759239" cy="246221"/>
+          </a:xfrm>
+          <a:prstGeom prst="rect">
+            <a:avLst/>
+          </a:prstGeom>
+          <a:noFill/>
+        </p:spPr>
+        <p:txBody>
+          <a:bodyPr wrap="square" rtlCol="0" anchor="t">
+            <a:spAutoFit/>
+          </a:bodyPr>
+          <a:lstStyle/>
+          <a:p>
+            <a:r>
+              <a:rPr lang="de-DE" sz="500" smtClean="0">
+                <a:latin typeface="Helvetica Neue LT Std 67 Medium Condensed" charset="0"/>
+                <a:ea typeface="Helvetica Neue LT Std 67 Medium Condensed" charset="0"/>
+                <a:cs typeface="Helvetica Neue LT Std 67 Medium Condensed" charset="0"/>
+              </a:rPr>
+              <a:t>Views /</a:t>
+            </a:r>
+            <a:r>
+              <a:rPr lang="de-DE" sz="500" dirty="0" err="1" smtClean="0">
+                <a:latin typeface="Helvetica Neue LT Std 67 Medium Condensed" charset="0"/>
+                <a:ea typeface="Helvetica Neue LT Std 67 Medium Condensed" charset="0"/>
+                <a:cs typeface="Helvetica Neue LT Std 67 Medium Condensed" charset="0"/>
+              </a:rPr>
+              <a:t>Screenset</a:t>
+            </a:r>
+            <a:r>
+              <a:rPr lang="de-DE" sz="500" dirty="0" smtClean="0">
+                <a:latin typeface="Helvetica Neue LT Std 67 Medium Condensed" charset="0"/>
+                <a:ea typeface="Helvetica Neue LT Std 67 Medium Condensed" charset="0"/>
+                <a:cs typeface="Helvetica Neue LT Std 67 Medium Condensed" charset="0"/>
+              </a:rPr>
+              <a:t/>
+            </a:r>
+            <a:br>
+              <a:rPr lang="de-DE" sz="500" dirty="0" smtClean="0">
+                <a:latin typeface="Helvetica Neue LT Std 67 Medium Condensed" charset="0"/>
+                <a:ea typeface="Helvetica Neue LT Std 67 Medium Condensed" charset="0"/>
+                <a:cs typeface="Helvetica Neue LT Std 67 Medium Condensed" charset="0"/>
+              </a:rPr>
+            </a:br>
+            <a:r>
+              <a:rPr lang="de-DE" sz="500" dirty="0" smtClean="0">
+                <a:latin typeface="Helvetica Neue LT Std 67 Medium Condensed" charset="0"/>
+                <a:ea typeface="Helvetica Neue LT Std 67 Medium Condensed" charset="0"/>
+                <a:cs typeface="Helvetica Neue LT Std 67 Medium Condensed" charset="0"/>
+              </a:rPr>
+              <a:t>Manager</a:t>
+            </a:r>
+            <a:endParaRPr lang="de-DE" sz="500" dirty="0" smtClean="0">
               <a:latin typeface="Helvetica Neue LT Std 67 Medium Condensed" charset="0"/>
               <a:ea typeface="Helvetica Neue LT Std 67 Medium Condensed" charset="0"/>
               <a:cs typeface="Helvetica Neue LT Std 67 Medium Condensed" charset="0"/>

--- a/Documentation/Keymap.pptx
+++ b/Documentation/Keymap.pptx
@@ -197,7 +197,7 @@
           <a:p>
             <a:fld id="{D04F8CED-0623-C742-B972-F53D35E16E19}" type="datetimeFigureOut">
               <a:rPr lang="de-DE" smtClean="0"/>
-              <a:t>26.03.17</a:t>
+              <a:t>15.04.17</a:t>
             </a:fld>
             <a:endParaRPr lang="de-DE"/>
           </a:p>
@@ -680,7 +680,7 @@
           <a:p>
             <a:fld id="{A97692CC-6688-1145-811E-FE1ABB97A7A4}" type="datetimeFigureOut">
               <a:rPr lang="de-DE" smtClean="0"/>
-              <a:t>26.03.17</a:t>
+              <a:t>15.04.17</a:t>
             </a:fld>
             <a:endParaRPr lang="de-DE"/>
           </a:p>
@@ -845,7 +845,7 @@
           <a:p>
             <a:fld id="{A97692CC-6688-1145-811E-FE1ABB97A7A4}" type="datetimeFigureOut">
               <a:rPr lang="de-DE" smtClean="0"/>
-              <a:t>26.03.17</a:t>
+              <a:t>15.04.17</a:t>
             </a:fld>
             <a:endParaRPr lang="de-DE"/>
           </a:p>
@@ -1020,7 +1020,7 @@
           <a:p>
             <a:fld id="{A97692CC-6688-1145-811E-FE1ABB97A7A4}" type="datetimeFigureOut">
               <a:rPr lang="de-DE" smtClean="0"/>
-              <a:t>26.03.17</a:t>
+              <a:t>15.04.17</a:t>
             </a:fld>
             <a:endParaRPr lang="de-DE"/>
           </a:p>
@@ -1185,7 +1185,7 @@
           <a:p>
             <a:fld id="{A97692CC-6688-1145-811E-FE1ABB97A7A4}" type="datetimeFigureOut">
               <a:rPr lang="de-DE" smtClean="0"/>
-              <a:t>26.03.17</a:t>
+              <a:t>15.04.17</a:t>
             </a:fld>
             <a:endParaRPr lang="de-DE"/>
           </a:p>
@@ -1424,7 +1424,7 @@
           <a:p>
             <a:fld id="{A97692CC-6688-1145-811E-FE1ABB97A7A4}" type="datetimeFigureOut">
               <a:rPr lang="de-DE" smtClean="0"/>
-              <a:t>26.03.17</a:t>
+              <a:t>15.04.17</a:t>
             </a:fld>
             <a:endParaRPr lang="de-DE"/>
           </a:p>
@@ -1651,7 +1651,7 @@
           <a:p>
             <a:fld id="{A97692CC-6688-1145-811E-FE1ABB97A7A4}" type="datetimeFigureOut">
               <a:rPr lang="de-DE" smtClean="0"/>
-              <a:t>26.03.17</a:t>
+              <a:t>15.04.17</a:t>
             </a:fld>
             <a:endParaRPr lang="de-DE"/>
           </a:p>
@@ -2013,7 +2013,7 @@
           <a:p>
             <a:fld id="{A97692CC-6688-1145-811E-FE1ABB97A7A4}" type="datetimeFigureOut">
               <a:rPr lang="de-DE" smtClean="0"/>
-              <a:t>26.03.17</a:t>
+              <a:t>15.04.17</a:t>
             </a:fld>
             <a:endParaRPr lang="de-DE"/>
           </a:p>
@@ -2126,7 +2126,7 @@
           <a:p>
             <a:fld id="{A97692CC-6688-1145-811E-FE1ABB97A7A4}" type="datetimeFigureOut">
               <a:rPr lang="de-DE" smtClean="0"/>
-              <a:t>26.03.17</a:t>
+              <a:t>15.04.17</a:t>
             </a:fld>
             <a:endParaRPr lang="de-DE"/>
           </a:p>
@@ -2216,7 +2216,7 @@
           <a:p>
             <a:fld id="{A97692CC-6688-1145-811E-FE1ABB97A7A4}" type="datetimeFigureOut">
               <a:rPr lang="de-DE" smtClean="0"/>
-              <a:t>26.03.17</a:t>
+              <a:t>15.04.17</a:t>
             </a:fld>
             <a:endParaRPr lang="de-DE"/>
           </a:p>
@@ -2488,7 +2488,7 @@
           <a:p>
             <a:fld id="{A97692CC-6688-1145-811E-FE1ABB97A7A4}" type="datetimeFigureOut">
               <a:rPr lang="de-DE" smtClean="0"/>
-              <a:t>26.03.17</a:t>
+              <a:t>15.04.17</a:t>
             </a:fld>
             <a:endParaRPr lang="de-DE"/>
           </a:p>
@@ -2740,7 +2740,7 @@
           <a:p>
             <a:fld id="{A97692CC-6688-1145-811E-FE1ABB97A7A4}" type="datetimeFigureOut">
               <a:rPr lang="de-DE" smtClean="0"/>
-              <a:t>26.03.17</a:t>
+              <a:t>15.04.17</a:t>
             </a:fld>
             <a:endParaRPr lang="de-DE"/>
           </a:p>
@@ -2948,7 +2948,7 @@
           <a:p>
             <a:fld id="{A97692CC-6688-1145-811E-FE1ABB97A7A4}" type="datetimeFigureOut">
               <a:rPr lang="de-DE" smtClean="0"/>
-              <a:t>26.03.17</a:t>
+              <a:t>15.04.17</a:t>
             </a:fld>
             <a:endParaRPr lang="de-DE"/>
           </a:p>
@@ -17887,7 +17887,27 @@
                   </a:schemeClr>
                 </a:solidFill>
               </a:rPr>
-              <a:t>Version: 3.0.2</a:t>
+              <a:t>Version</a:t>
+            </a:r>
+            <a:r>
+              <a:rPr lang="de-DE" sz="1400" smtClean="0">
+                <a:solidFill>
+                  <a:schemeClr val="bg2">
+                    <a:lumMod val="50000"/>
+                  </a:schemeClr>
+                </a:solidFill>
+              </a:rPr>
+              <a:t>: </a:t>
+            </a:r>
+            <a:r>
+              <a:rPr lang="de-DE" sz="1400" smtClean="0">
+                <a:solidFill>
+                  <a:schemeClr val="bg2">
+                    <a:lumMod val="50000"/>
+                  </a:schemeClr>
+                </a:solidFill>
+              </a:rPr>
+              <a:t>3.0.3</a:t>
             </a:r>
             <a:endParaRPr lang="de-DE" sz="1400" dirty="0">
               <a:solidFill>
@@ -20148,11 +20168,6 @@
               </a:rPr>
               <a:t>Snapshot 1</a:t>
             </a:r>
-            <a:endParaRPr lang="de-DE" sz="500" dirty="0" smtClean="0">
-              <a:latin typeface="Helvetica Neue LT Std 67 Medium Condensed" charset="0"/>
-              <a:ea typeface="Helvetica Neue LT Std 67 Medium Condensed" charset="0"/>
-              <a:cs typeface="Helvetica Neue LT Std 67 Medium Condensed" charset="0"/>
-            </a:endParaRPr>
           </a:p>
         </p:txBody>
       </p:sp>
@@ -20186,11 +20201,6 @@
               </a:rPr>
               <a:t>m</a:t>
             </a:r>
-            <a:endParaRPr lang="de-DE" sz="1050" dirty="0">
-              <a:latin typeface="ultraschall" charset="-127"/>
-              <a:ea typeface="ultraschall" charset="-127"/>
-              <a:cs typeface="ultraschall" charset="-127"/>
-            </a:endParaRPr>
           </a:p>
         </p:txBody>
       </p:sp>
@@ -20358,11 +20368,6 @@
               </a:rPr>
               <a:t>Snapshot 2</a:t>
             </a:r>
-            <a:endParaRPr lang="de-DE" sz="500" dirty="0" smtClean="0">
-              <a:latin typeface="Helvetica Neue LT Std 67 Medium Condensed" charset="0"/>
-              <a:ea typeface="Helvetica Neue LT Std 67 Medium Condensed" charset="0"/>
-              <a:cs typeface="Helvetica Neue LT Std 67 Medium Condensed" charset="0"/>
-            </a:endParaRPr>
           </a:p>
         </p:txBody>
       </p:sp>
@@ -20568,11 +20573,6 @@
               </a:rPr>
               <a:t>Snapshot 3</a:t>
             </a:r>
-            <a:endParaRPr lang="de-DE" sz="500" dirty="0" smtClean="0">
-              <a:latin typeface="Helvetica Neue LT Std 67 Medium Condensed" charset="0"/>
-              <a:ea typeface="Helvetica Neue LT Std 67 Medium Condensed" charset="0"/>
-              <a:cs typeface="Helvetica Neue LT Std 67 Medium Condensed" charset="0"/>
-            </a:endParaRPr>
           </a:p>
         </p:txBody>
       </p:sp>
@@ -20740,11 +20740,6 @@
               </a:rPr>
               <a:t>Snapshot 4</a:t>
             </a:r>
-            <a:endParaRPr lang="de-DE" sz="500" dirty="0" smtClean="0">
-              <a:latin typeface="Helvetica Neue LT Std 67 Medium Condensed" charset="0"/>
-              <a:ea typeface="Helvetica Neue LT Std 67 Medium Condensed" charset="0"/>
-              <a:cs typeface="Helvetica Neue LT Std 67 Medium Condensed" charset="0"/>
-            </a:endParaRPr>
           </a:p>
         </p:txBody>
       </p:sp>
@@ -20988,11 +20983,6 @@
               </a:rPr>
               <a:t>Manager</a:t>
             </a:r>
-            <a:endParaRPr lang="de-DE" sz="500" dirty="0" smtClean="0">
-              <a:latin typeface="Helvetica Neue LT Std 67 Medium Condensed" charset="0"/>
-              <a:ea typeface="Helvetica Neue LT Std 67 Medium Condensed" charset="0"/>
-              <a:cs typeface="Helvetica Neue LT Std 67 Medium Condensed" charset="0"/>
-            </a:endParaRPr>
           </a:p>
         </p:txBody>
       </p:sp>
@@ -21057,11 +21047,6 @@
               </a:rPr>
               <a:t>Manager</a:t>
             </a:r>
-            <a:endParaRPr lang="de-DE" sz="500" dirty="0" smtClean="0">
-              <a:latin typeface="Helvetica Neue LT Std 67 Medium Condensed" charset="0"/>
-              <a:ea typeface="Helvetica Neue LT Std 67 Medium Condensed" charset="0"/>
-              <a:cs typeface="Helvetica Neue LT Std 67 Medium Condensed" charset="0"/>
-            </a:endParaRPr>
           </a:p>
         </p:txBody>
       </p:sp>

--- a/Documentation/Keymap.pptx
+++ b/Documentation/Keymap.pptx
@@ -197,7 +197,7 @@
           <a:p>
             <a:fld id="{D04F8CED-0623-C742-B972-F53D35E16E19}" type="datetimeFigureOut">
               <a:rPr lang="de-DE" smtClean="0"/>
-              <a:t>15.04.17</a:t>
+              <a:t>06.10.17</a:t>
             </a:fld>
             <a:endParaRPr lang="de-DE"/>
           </a:p>
@@ -680,7 +680,7 @@
           <a:p>
             <a:fld id="{A97692CC-6688-1145-811E-FE1ABB97A7A4}" type="datetimeFigureOut">
               <a:rPr lang="de-DE" smtClean="0"/>
-              <a:t>15.04.17</a:t>
+              <a:t>06.10.17</a:t>
             </a:fld>
             <a:endParaRPr lang="de-DE"/>
           </a:p>
@@ -845,7 +845,7 @@
           <a:p>
             <a:fld id="{A97692CC-6688-1145-811E-FE1ABB97A7A4}" type="datetimeFigureOut">
               <a:rPr lang="de-DE" smtClean="0"/>
-              <a:t>15.04.17</a:t>
+              <a:t>06.10.17</a:t>
             </a:fld>
             <a:endParaRPr lang="de-DE"/>
           </a:p>
@@ -1020,7 +1020,7 @@
           <a:p>
             <a:fld id="{A97692CC-6688-1145-811E-FE1ABB97A7A4}" type="datetimeFigureOut">
               <a:rPr lang="de-DE" smtClean="0"/>
-              <a:t>15.04.17</a:t>
+              <a:t>06.10.17</a:t>
             </a:fld>
             <a:endParaRPr lang="de-DE"/>
           </a:p>
@@ -1185,7 +1185,7 @@
           <a:p>
             <a:fld id="{A97692CC-6688-1145-811E-FE1ABB97A7A4}" type="datetimeFigureOut">
               <a:rPr lang="de-DE" smtClean="0"/>
-              <a:t>15.04.17</a:t>
+              <a:t>06.10.17</a:t>
             </a:fld>
             <a:endParaRPr lang="de-DE"/>
           </a:p>
@@ -1424,7 +1424,7 @@
           <a:p>
             <a:fld id="{A97692CC-6688-1145-811E-FE1ABB97A7A4}" type="datetimeFigureOut">
               <a:rPr lang="de-DE" smtClean="0"/>
-              <a:t>15.04.17</a:t>
+              <a:t>06.10.17</a:t>
             </a:fld>
             <a:endParaRPr lang="de-DE"/>
           </a:p>
@@ -1651,7 +1651,7 @@
           <a:p>
             <a:fld id="{A97692CC-6688-1145-811E-FE1ABB97A7A4}" type="datetimeFigureOut">
               <a:rPr lang="de-DE" smtClean="0"/>
-              <a:t>15.04.17</a:t>
+              <a:t>06.10.17</a:t>
             </a:fld>
             <a:endParaRPr lang="de-DE"/>
           </a:p>
@@ -2013,7 +2013,7 @@
           <a:p>
             <a:fld id="{A97692CC-6688-1145-811E-FE1ABB97A7A4}" type="datetimeFigureOut">
               <a:rPr lang="de-DE" smtClean="0"/>
-              <a:t>15.04.17</a:t>
+              <a:t>06.10.17</a:t>
             </a:fld>
             <a:endParaRPr lang="de-DE"/>
           </a:p>
@@ -2126,7 +2126,7 @@
           <a:p>
             <a:fld id="{A97692CC-6688-1145-811E-FE1ABB97A7A4}" type="datetimeFigureOut">
               <a:rPr lang="de-DE" smtClean="0"/>
-              <a:t>15.04.17</a:t>
+              <a:t>06.10.17</a:t>
             </a:fld>
             <a:endParaRPr lang="de-DE"/>
           </a:p>
@@ -2216,7 +2216,7 @@
           <a:p>
             <a:fld id="{A97692CC-6688-1145-811E-FE1ABB97A7A4}" type="datetimeFigureOut">
               <a:rPr lang="de-DE" smtClean="0"/>
-              <a:t>15.04.17</a:t>
+              <a:t>06.10.17</a:t>
             </a:fld>
             <a:endParaRPr lang="de-DE"/>
           </a:p>
@@ -2488,7 +2488,7 @@
           <a:p>
             <a:fld id="{A97692CC-6688-1145-811E-FE1ABB97A7A4}" type="datetimeFigureOut">
               <a:rPr lang="de-DE" smtClean="0"/>
-              <a:t>15.04.17</a:t>
+              <a:t>06.10.17</a:t>
             </a:fld>
             <a:endParaRPr lang="de-DE"/>
           </a:p>
@@ -2740,7 +2740,7 @@
           <a:p>
             <a:fld id="{A97692CC-6688-1145-811E-FE1ABB97A7A4}" type="datetimeFigureOut">
               <a:rPr lang="de-DE" smtClean="0"/>
-              <a:t>15.04.17</a:t>
+              <a:t>06.10.17</a:t>
             </a:fld>
             <a:endParaRPr lang="de-DE"/>
           </a:p>
@@ -2948,7 +2948,7 @@
           <a:p>
             <a:fld id="{A97692CC-6688-1145-811E-FE1ABB97A7A4}" type="datetimeFigureOut">
               <a:rPr lang="de-DE" smtClean="0"/>
-              <a:t>15.04.17</a:t>
+              <a:t>06.10.17</a:t>
             </a:fld>
             <a:endParaRPr lang="de-DE"/>
           </a:p>
@@ -4456,7 +4456,7 @@
         <p:spPr>
           <a:xfrm>
             <a:off x="7690032" y="3780472"/>
-            <a:ext cx="759239" cy="246221"/>
+            <a:ext cx="759239" cy="400110"/>
           </a:xfrm>
           <a:prstGeom prst="rect">
             <a:avLst/>
@@ -4478,13 +4478,21 @@
               </a:rPr>
               <a:t>Toggle</a:t>
             </a:r>
-            <a:r>
-              <a:rPr lang="de-DE" sz="500" dirty="0" smtClean="0">
-                <a:latin typeface="Helvetica Neue LT Std 67 Medium Condensed" charset="0"/>
-                <a:ea typeface="Helvetica Neue LT Std 67 Medium Condensed" charset="0"/>
-                <a:cs typeface="Helvetica Neue LT Std 67 Medium Condensed" charset="0"/>
-              </a:rPr>
-              <a:t> Mouse</a:t>
+            <a:endParaRPr lang="de-DE" sz="500" dirty="0">
+              <a:latin typeface="Helvetica Neue LT Std 67 Medium Condensed" charset="0"/>
+              <a:ea typeface="Helvetica Neue LT Std 67 Medium Condensed" charset="0"/>
+              <a:cs typeface="Helvetica Neue LT Std 67 Medium Condensed" charset="0"/>
+            </a:endParaRPr>
+          </a:p>
+          <a:p>
+            <a:pPr algn="r"/>
+            <a:r>
+              <a:rPr lang="de-DE" sz="500" dirty="0" smtClean="0">
+                <a:latin typeface="Helvetica Neue LT Std 67 Medium Condensed" charset="0"/>
+                <a:ea typeface="Helvetica Neue LT Std 67 Medium Condensed" charset="0"/>
+                <a:cs typeface="Helvetica Neue LT Std 67 Medium Condensed" charset="0"/>
+              </a:rPr>
+              <a:t>Mouse</a:t>
             </a:r>
             <a:br>
               <a:rPr lang="de-DE" sz="500" dirty="0" smtClean="0">
@@ -4501,13 +4509,21 @@
               </a:rPr>
               <a:t>Selection</a:t>
             </a:r>
-            <a:r>
-              <a:rPr lang="de-DE" sz="500" dirty="0" smtClean="0">
-                <a:latin typeface="Helvetica Neue LT Std 67 Medium Condensed" charset="0"/>
-                <a:ea typeface="Helvetica Neue LT Std 67 Medium Condensed" charset="0"/>
-                <a:cs typeface="Helvetica Neue LT Std 67 Medium Condensed" charset="0"/>
-              </a:rPr>
-              <a:t> Mode</a:t>
+            <a:endParaRPr lang="de-DE" sz="500" dirty="0">
+              <a:latin typeface="Helvetica Neue LT Std 67 Medium Condensed" charset="0"/>
+              <a:ea typeface="Helvetica Neue LT Std 67 Medium Condensed" charset="0"/>
+              <a:cs typeface="Helvetica Neue LT Std 67 Medium Condensed" charset="0"/>
+            </a:endParaRPr>
+          </a:p>
+          <a:p>
+            <a:pPr algn="r"/>
+            <a:r>
+              <a:rPr lang="de-DE" sz="500" dirty="0" smtClean="0">
+                <a:latin typeface="Helvetica Neue LT Std 67 Medium Condensed" charset="0"/>
+                <a:ea typeface="Helvetica Neue LT Std 67 Medium Condensed" charset="0"/>
+                <a:cs typeface="Helvetica Neue LT Std 67 Medium Condensed" charset="0"/>
+              </a:rPr>
+              <a:t>Mode</a:t>
             </a:r>
             <a:endParaRPr lang="de-DE" sz="500" dirty="0" smtClean="0">
               <a:solidFill>
@@ -6216,7 +6232,7 @@
         <p:spPr>
           <a:xfrm>
             <a:off x="2292716" y="3143061"/>
-            <a:ext cx="364202" cy="307777"/>
+            <a:ext cx="338554" cy="276999"/>
           </a:xfrm>
           <a:prstGeom prst="rect">
             <a:avLst/>
@@ -6230,14 +6246,14 @@
           <a:lstStyle/>
           <a:p>
             <a:r>
-              <a:rPr lang="de-DE" sz="1400" dirty="0" err="1" smtClean="0">
+              <a:rPr lang="de-DE" sz="1200" dirty="0" smtClean="0">
                 <a:latin typeface="ultraschall" charset="-127"/>
                 <a:ea typeface="ultraschall" charset="-127"/>
                 <a:cs typeface="ultraschall" charset="-127"/>
               </a:rPr>
-              <a:t>e</a:t>
-            </a:r>
-            <a:endParaRPr lang="de-DE" sz="1400" dirty="0">
+              <a:t>4</a:t>
+            </a:r>
+            <a:endParaRPr lang="de-DE" sz="1200" dirty="0">
               <a:latin typeface="ultraschall" charset="-127"/>
               <a:ea typeface="ultraschall" charset="-127"/>
               <a:cs typeface="ultraschall" charset="-127"/>
@@ -6253,8 +6269,8 @@
         </p:nvSpPr>
         <p:spPr>
           <a:xfrm>
-            <a:off x="5125142" y="4298578"/>
-            <a:ext cx="364202" cy="307777"/>
+            <a:off x="5137416" y="4323126"/>
+            <a:ext cx="338554" cy="276999"/>
           </a:xfrm>
           <a:prstGeom prst="rect">
             <a:avLst/>
@@ -6268,14 +6284,14 @@
           <a:lstStyle/>
           <a:p>
             <a:r>
-              <a:rPr lang="de-DE" sz="1400" smtClean="0">
+              <a:rPr lang="de-DE" sz="1200" dirty="0" smtClean="0">
                 <a:latin typeface="ultraschall" charset="-127"/>
                 <a:ea typeface="ultraschall" charset="-127"/>
                 <a:cs typeface="ultraschall" charset="-127"/>
               </a:rPr>
-              <a:t>d</a:t>
-            </a:r>
-            <a:endParaRPr lang="de-DE" sz="1400" dirty="0">
+              <a:t>5</a:t>
+            </a:r>
+            <a:endParaRPr lang="de-DE" sz="1200" dirty="0">
               <a:latin typeface="ultraschall" charset="-127"/>
               <a:ea typeface="ultraschall" charset="-127"/>
               <a:cs typeface="ultraschall" charset="-127"/>
@@ -6311,7 +6327,7 @@
                 <a:ea typeface="ultraschall" charset="-127"/>
                 <a:cs typeface="ultraschall" charset="-127"/>
               </a:rPr>
-              <a:t>f</a:t>
+              <a:t>6</a:t>
             </a:r>
             <a:endParaRPr lang="de-DE" sz="1100" dirty="0">
               <a:latin typeface="ultraschall" charset="-127"/>
@@ -7721,7 +7737,7 @@
         <p:spPr>
           <a:xfrm>
             <a:off x="4574061" y="2106229"/>
-            <a:ext cx="325730" cy="261610"/>
+            <a:ext cx="312906" cy="246221"/>
           </a:xfrm>
           <a:prstGeom prst="rect">
             <a:avLst/>
@@ -7735,13 +7751,18 @@
           <a:lstStyle/>
           <a:p>
             <a:r>
-              <a:rPr lang="de-DE" sz="1050" dirty="0">
+              <a:rPr lang="de-DE" sz="1000" dirty="0" err="1" smtClean="0">
                 <a:latin typeface="ultraschall" charset="-127"/>
                 <a:ea typeface="ultraschall" charset="-127"/>
                 <a:cs typeface="ultraschall" charset="-127"/>
               </a:rPr>
-              <a:t>i</a:t>
-            </a:r>
+              <a:t>q</a:t>
+            </a:r>
+            <a:endParaRPr lang="de-DE" sz="1000" dirty="0">
+              <a:latin typeface="ultraschall" charset="-127"/>
+              <a:ea typeface="ultraschall" charset="-127"/>
+              <a:cs typeface="ultraschall" charset="-127"/>
+            </a:endParaRPr>
           </a:p>
         </p:txBody>
       </p:sp>
@@ -7918,8 +7939,8 @@
         </p:nvSpPr>
         <p:spPr>
           <a:xfrm>
-            <a:off x="5199742" y="2106688"/>
-            <a:ext cx="325730" cy="261610"/>
+            <a:off x="5183456" y="2106688"/>
+            <a:ext cx="319318" cy="253916"/>
           </a:xfrm>
           <a:prstGeom prst="rect">
             <a:avLst/>
@@ -7933,14 +7954,14 @@
           <a:lstStyle/>
           <a:p>
             <a:r>
-              <a:rPr lang="de-DE" sz="1050" dirty="0" err="1" smtClean="0">
+              <a:rPr lang="de-DE" sz="1000" dirty="0" err="1" smtClean="0">
                 <a:latin typeface="ultraschall" charset="-127"/>
                 <a:ea typeface="ultraschall" charset="-127"/>
                 <a:cs typeface="ultraschall" charset="-127"/>
               </a:rPr>
-              <a:t>j</a:t>
-            </a:r>
-            <a:endParaRPr lang="de-DE" sz="1050" dirty="0">
+              <a:t>w</a:t>
+            </a:r>
+            <a:endParaRPr lang="de-DE" sz="1000" dirty="0">
               <a:latin typeface="ultraschall" charset="-127"/>
               <a:ea typeface="ultraschall" charset="-127"/>
               <a:cs typeface="ultraschall" charset="-127"/>
@@ -8055,8 +8076,8 @@
         </p:nvSpPr>
         <p:spPr>
           <a:xfrm>
-            <a:off x="5822204" y="2101838"/>
-            <a:ext cx="325730" cy="261610"/>
+            <a:off x="5816067" y="2101838"/>
+            <a:ext cx="312906" cy="246221"/>
           </a:xfrm>
           <a:prstGeom prst="rect">
             <a:avLst/>
@@ -8070,14 +8091,14 @@
           <a:lstStyle/>
           <a:p>
             <a:r>
-              <a:rPr lang="de-DE" sz="1050" dirty="0" err="1" smtClean="0">
+              <a:rPr lang="de-DE" sz="1000" dirty="0" err="1" smtClean="0">
                 <a:latin typeface="ultraschall" charset="-127"/>
                 <a:ea typeface="ultraschall" charset="-127"/>
                 <a:cs typeface="ultraschall" charset="-127"/>
               </a:rPr>
-              <a:t>k</a:t>
-            </a:r>
-            <a:endParaRPr lang="de-DE" sz="1050" dirty="0">
+              <a:t>e</a:t>
+            </a:r>
+            <a:endParaRPr lang="de-DE" sz="1000" dirty="0">
               <a:latin typeface="ultraschall" charset="-127"/>
               <a:ea typeface="ultraschall" charset="-127"/>
               <a:cs typeface="ultraschall" charset="-127"/>
@@ -8264,7 +8285,7 @@
         <p:spPr>
           <a:xfrm>
             <a:off x="6435337" y="2106661"/>
-            <a:ext cx="325730" cy="261610"/>
+            <a:ext cx="312906" cy="246221"/>
           </a:xfrm>
           <a:prstGeom prst="rect">
             <a:avLst/>
@@ -8278,14 +8299,14 @@
           <a:lstStyle/>
           <a:p>
             <a:r>
-              <a:rPr lang="de-DE" sz="1050" dirty="0" smtClean="0">
+              <a:rPr lang="de-DE" sz="1000" dirty="0" err="1" smtClean="0">
                 <a:latin typeface="ultraschall" charset="-127"/>
                 <a:ea typeface="ultraschall" charset="-127"/>
                 <a:cs typeface="ultraschall" charset="-127"/>
               </a:rPr>
-              <a:t>l</a:t>
-            </a:r>
-            <a:endParaRPr lang="de-DE" sz="1050" dirty="0">
+              <a:t>r</a:t>
+            </a:r>
+            <a:endParaRPr lang="de-DE" sz="1000" dirty="0">
               <a:latin typeface="ultraschall" charset="-127"/>
               <a:ea typeface="ultraschall" charset="-127"/>
               <a:cs typeface="ultraschall" charset="-127"/>
@@ -8956,159 +8977,6 @@
           </a:p>
         </p:txBody>
       </p:sp>
-      <p:grpSp>
-        <p:nvGrpSpPr>
-          <p:cNvPr id="18" name="Gruppierung 17"/>
-          <p:cNvGrpSpPr/>
-          <p:nvPr/>
-        </p:nvGrpSpPr>
-        <p:grpSpPr>
-          <a:xfrm>
-            <a:off x="3800678" y="3817200"/>
-            <a:ext cx="142094" cy="134567"/>
-            <a:chOff x="3770149" y="4737942"/>
-            <a:chExt cx="142094" cy="134567"/>
-          </a:xfrm>
-        </p:grpSpPr>
-        <p:sp>
-          <p:nvSpPr>
-            <p:cNvPr id="11" name="Abgerundetes Rechteck 10"/>
-            <p:cNvSpPr/>
-            <p:nvPr/>
-          </p:nvSpPr>
-          <p:spPr>
-            <a:xfrm rot="2664124">
-              <a:off x="3770149" y="4737942"/>
-              <a:ext cx="66232" cy="60491"/>
-            </a:xfrm>
-            <a:prstGeom prst="roundRect">
-              <a:avLst/>
-            </a:prstGeom>
-            <a:noFill/>
-            <a:ln w="12700">
-              <a:solidFill>
-                <a:schemeClr val="tx1"/>
-              </a:solidFill>
-            </a:ln>
-          </p:spPr>
-          <p:style>
-            <a:lnRef idx="2">
-              <a:schemeClr val="accent1">
-                <a:shade val="50000"/>
-              </a:schemeClr>
-            </a:lnRef>
-            <a:fillRef idx="1">
-              <a:schemeClr val="accent1"/>
-            </a:fillRef>
-            <a:effectRef idx="0">
-              <a:schemeClr val="accent1"/>
-            </a:effectRef>
-            <a:fontRef idx="minor">
-              <a:schemeClr val="lt1"/>
-            </a:fontRef>
-          </p:style>
-          <p:txBody>
-            <a:bodyPr rtlCol="0" anchor="ctr"/>
-            <a:lstStyle/>
-            <a:p>
-              <a:pPr algn="ctr"/>
-              <a:endParaRPr lang="de-DE"/>
-            </a:p>
-          </p:txBody>
-        </p:sp>
-        <p:sp>
-          <p:nvSpPr>
-            <p:cNvPr id="93" name="Abgerundetes Rechteck 92"/>
-            <p:cNvSpPr/>
-            <p:nvPr/>
-          </p:nvSpPr>
-          <p:spPr>
-            <a:xfrm rot="2664124">
-              <a:off x="3846011" y="4812018"/>
-              <a:ext cx="66232" cy="60491"/>
-            </a:xfrm>
-            <a:prstGeom prst="roundRect">
-              <a:avLst/>
-            </a:prstGeom>
-            <a:noFill/>
-            <a:ln w="12700">
-              <a:solidFill>
-                <a:schemeClr val="tx1"/>
-              </a:solidFill>
-            </a:ln>
-          </p:spPr>
-          <p:style>
-            <a:lnRef idx="2">
-              <a:schemeClr val="accent1">
-                <a:shade val="50000"/>
-              </a:schemeClr>
-            </a:lnRef>
-            <a:fillRef idx="1">
-              <a:schemeClr val="accent1"/>
-            </a:fillRef>
-            <a:effectRef idx="0">
-              <a:schemeClr val="accent1"/>
-            </a:effectRef>
-            <a:fontRef idx="minor">
-              <a:schemeClr val="lt1"/>
-            </a:fontRef>
-          </p:style>
-          <p:txBody>
-            <a:bodyPr rtlCol="0" anchor="ctr"/>
-            <a:lstStyle/>
-            <a:p>
-              <a:pPr algn="ctr"/>
-              <a:endParaRPr lang="de-DE"/>
-            </a:p>
-          </p:txBody>
-        </p:sp>
-        <p:sp>
-          <p:nvSpPr>
-            <p:cNvPr id="16" name="Rechteck 15"/>
-            <p:cNvSpPr/>
-            <p:nvPr/>
-          </p:nvSpPr>
-          <p:spPr>
-            <a:xfrm rot="2664124">
-              <a:off x="3804309" y="4791056"/>
-              <a:ext cx="73885" cy="28228"/>
-            </a:xfrm>
-            <a:prstGeom prst="rect">
-              <a:avLst/>
-            </a:prstGeom>
-            <a:solidFill>
-              <a:schemeClr val="tx1"/>
-            </a:solidFill>
-            <a:ln w="12700">
-              <a:noFill/>
-            </a:ln>
-          </p:spPr>
-          <p:style>
-            <a:lnRef idx="2">
-              <a:schemeClr val="accent1">
-                <a:shade val="50000"/>
-              </a:schemeClr>
-            </a:lnRef>
-            <a:fillRef idx="1">
-              <a:schemeClr val="accent1"/>
-            </a:fillRef>
-            <a:effectRef idx="0">
-              <a:schemeClr val="accent1"/>
-            </a:effectRef>
-            <a:fontRef idx="minor">
-              <a:schemeClr val="lt1"/>
-            </a:fontRef>
-          </p:style>
-          <p:txBody>
-            <a:bodyPr rtlCol="0" anchor="ctr"/>
-            <a:lstStyle/>
-            <a:p>
-              <a:pPr algn="ctr"/>
-              <a:endParaRPr lang="de-DE"/>
-            </a:p>
-          </p:txBody>
-        </p:sp>
-      </p:grpSp>
       <p:sp>
         <p:nvSpPr>
           <p:cNvPr id="94" name="Abgerundetes Rechteck 93"/>
@@ -9286,22 +9154,28 @@
       </p:sp>
       <p:sp>
         <p:nvSpPr>
-          <p:cNvPr id="98" name="Abgerundetes Rechteck 97"/>
+          <p:cNvPr id="101" name="Abgerundetes Rechteck 100"/>
           <p:cNvSpPr/>
           <p:nvPr/>
         </p:nvSpPr>
         <p:spPr>
-          <a:xfrm rot="2664124">
-            <a:off x="4856187" y="3223959"/>
-            <a:ext cx="66232" cy="60491"/>
+          <a:xfrm>
+            <a:off x="1461470" y="2586011"/>
+            <a:ext cx="495160" cy="483856"/>
           </a:xfrm>
           <a:prstGeom prst="roundRect">
-            <a:avLst/>
-          </a:prstGeom>
-          <a:noFill/>
-          <a:ln w="12700">
+            <a:avLst>
+              <a:gd name="adj" fmla="val 8710"/>
+            </a:avLst>
+          </a:prstGeom>
+          <a:solidFill>
+            <a:srgbClr val="FFD579"/>
+          </a:solidFill>
+          <a:ln>
             <a:solidFill>
-              <a:schemeClr val="tx1"/>
+              <a:schemeClr val="accent4">
+                <a:lumMod val="50000"/>
+              </a:schemeClr>
             </a:solidFill>
           </a:ln>
         </p:spPr>
@@ -9322,32 +9196,148 @@
           </a:fontRef>
         </p:style>
         <p:txBody>
-          <a:bodyPr rtlCol="0" anchor="ctr"/>
-          <a:lstStyle/>
-          <a:p>
-            <a:pPr algn="ctr"/>
-            <a:endParaRPr lang="de-DE"/>
-          </a:p>
-        </p:txBody>
-      </p:sp>
-      <p:sp>
-        <p:nvSpPr>
-          <p:cNvPr id="99" name="Abgerundetes Rechteck 98"/>
+          <a:bodyPr rtlCol="0" anchor="b"/>
+          <a:lstStyle/>
+          <a:p>
+            <a:endParaRPr lang="de-DE" sz="1000" dirty="0">
+              <a:solidFill>
+                <a:schemeClr val="tx1"/>
+              </a:solidFill>
+              <a:latin typeface="Helvetica Neue LT Std 67 Medium Condensed" charset="0"/>
+              <a:ea typeface="Helvetica Neue LT Std 67 Medium Condensed" charset="0"/>
+              <a:cs typeface="Helvetica Neue LT Std 67 Medium Condensed" charset="0"/>
+            </a:endParaRPr>
+          </a:p>
+        </p:txBody>
+      </p:sp>
+      <p:sp>
+        <p:nvSpPr>
+          <p:cNvPr id="102" name="Textfeld 101"/>
+          <p:cNvSpPr txBox="1"/>
+          <p:nvPr/>
+        </p:nvSpPr>
+        <p:spPr>
+          <a:xfrm>
+            <a:off x="1459894" y="2585934"/>
+            <a:ext cx="759239" cy="246221"/>
+          </a:xfrm>
+          <a:prstGeom prst="rect">
+            <a:avLst/>
+          </a:prstGeom>
+          <a:noFill/>
+        </p:spPr>
+        <p:txBody>
+          <a:bodyPr wrap="square" rtlCol="0" anchor="t">
+            <a:spAutoFit/>
+          </a:bodyPr>
+          <a:lstStyle/>
+          <a:p>
+            <a:r>
+              <a:rPr lang="de-DE" sz="500" dirty="0" err="1" smtClean="0">
+                <a:latin typeface="Helvetica Neue LT Std 67 Medium Condensed" charset="0"/>
+                <a:ea typeface="Helvetica Neue LT Std 67 Medium Condensed" charset="0"/>
+                <a:cs typeface="Helvetica Neue LT Std 67 Medium Condensed" charset="0"/>
+              </a:rPr>
+              <a:t>Toggle</a:t>
+            </a:r>
+            <a:r>
+              <a:rPr lang="de-DE" sz="500" dirty="0" smtClean="0">
+                <a:latin typeface="Helvetica Neue LT Std 67 Medium Condensed" charset="0"/>
+                <a:ea typeface="Helvetica Neue LT Std 67 Medium Condensed" charset="0"/>
+                <a:cs typeface="Helvetica Neue LT Std 67 Medium Condensed" charset="0"/>
+              </a:rPr>
+              <a:t> Select</a:t>
+            </a:r>
+            <a:br>
+              <a:rPr lang="de-DE" sz="500" dirty="0" smtClean="0">
+                <a:latin typeface="Helvetica Neue LT Std 67 Medium Condensed" charset="0"/>
+                <a:ea typeface="Helvetica Neue LT Std 67 Medium Condensed" charset="0"/>
+                <a:cs typeface="Helvetica Neue LT Std 67 Medium Condensed" charset="0"/>
+              </a:rPr>
+            </a:br>
+            <a:r>
+              <a:rPr lang="de-DE" sz="500" dirty="0" smtClean="0">
+                <a:latin typeface="Helvetica Neue LT Std 67 Medium Condensed" charset="0"/>
+                <a:ea typeface="Helvetica Neue LT Std 67 Medium Condensed" charset="0"/>
+                <a:cs typeface="Helvetica Neue LT Std 67 Medium Condensed" charset="0"/>
+              </a:rPr>
+              <a:t>Track 2</a:t>
+            </a:r>
+            <a:endParaRPr lang="de-DE" sz="500" dirty="0" smtClean="0">
+              <a:solidFill>
+                <a:schemeClr val="accent2">
+                  <a:lumMod val="75000"/>
+                </a:schemeClr>
+              </a:solidFill>
+              <a:latin typeface="Helvetica Neue LT Std 67 Medium Condensed" charset="0"/>
+              <a:ea typeface="Helvetica Neue LT Std 67 Medium Condensed" charset="0"/>
+              <a:cs typeface="Helvetica Neue LT Std 67 Medium Condensed" charset="0"/>
+            </a:endParaRPr>
+          </a:p>
+        </p:txBody>
+      </p:sp>
+      <p:sp>
+        <p:nvSpPr>
+          <p:cNvPr id="103" name="Textfeld 102"/>
+          <p:cNvSpPr txBox="1"/>
+          <p:nvPr/>
+        </p:nvSpPr>
+        <p:spPr>
+          <a:xfrm>
+            <a:off x="1421869" y="2853914"/>
+            <a:ext cx="248786" cy="253916"/>
+          </a:xfrm>
+          <a:prstGeom prst="rect">
+            <a:avLst/>
+          </a:prstGeom>
+          <a:noFill/>
+        </p:spPr>
+        <p:txBody>
+          <a:bodyPr wrap="none" rtlCol="0">
+            <a:spAutoFit/>
+          </a:bodyPr>
+          <a:lstStyle/>
+          <a:p>
+            <a:r>
+              <a:rPr lang="de-DE" sz="1050" dirty="0" smtClean="0">
+                <a:latin typeface="Helvetica Neue LT Std 67 Medium Condensed" charset="0"/>
+                <a:ea typeface="Helvetica Neue LT Std 67 Medium Condensed" charset="0"/>
+                <a:cs typeface="Helvetica Neue LT Std 67 Medium Condensed" charset="0"/>
+              </a:rPr>
+              <a:t>2</a:t>
+            </a:r>
+            <a:endParaRPr lang="de-DE" sz="1050" dirty="0">
+              <a:latin typeface="Helvetica Neue LT Std 67 Medium Condensed" charset="0"/>
+              <a:ea typeface="Helvetica Neue LT Std 67 Medium Condensed" charset="0"/>
+              <a:cs typeface="Helvetica Neue LT Std 67 Medium Condensed" charset="0"/>
+            </a:endParaRPr>
+          </a:p>
+        </p:txBody>
+      </p:sp>
+      <p:sp>
+        <p:nvSpPr>
+          <p:cNvPr id="104" name="Abgerundetes Rechteck 103"/>
           <p:cNvSpPr/>
           <p:nvPr/>
         </p:nvSpPr>
         <p:spPr>
-          <a:xfrm rot="2664124">
-            <a:off x="4932049" y="3298035"/>
-            <a:ext cx="66232" cy="60491"/>
+          <a:xfrm>
+            <a:off x="2062403" y="2586011"/>
+            <a:ext cx="495160" cy="483856"/>
           </a:xfrm>
           <a:prstGeom prst="roundRect">
-            <a:avLst/>
-          </a:prstGeom>
-          <a:noFill/>
-          <a:ln w="12700">
+            <a:avLst>
+              <a:gd name="adj" fmla="val 8710"/>
+            </a:avLst>
+          </a:prstGeom>
+          <a:solidFill>
+            <a:srgbClr val="FFD579"/>
+          </a:solidFill>
+          <a:ln>
             <a:solidFill>
-              <a:schemeClr val="tx1"/>
+              <a:schemeClr val="accent4">
+                <a:lumMod val="50000"/>
+              </a:schemeClr>
             </a:solidFill>
           </a:ln>
         </p:spPr>
@@ -9368,36 +9358,149 @@
           </a:fontRef>
         </p:style>
         <p:txBody>
-          <a:bodyPr rtlCol="0" anchor="ctr"/>
-          <a:lstStyle/>
-          <a:p>
-            <a:pPr algn="ctr"/>
-            <a:endParaRPr lang="de-DE"/>
-          </a:p>
-        </p:txBody>
-      </p:sp>
-      <p:sp>
-        <p:nvSpPr>
-          <p:cNvPr id="100" name="Rechteck 99"/>
+          <a:bodyPr rtlCol="0" anchor="b"/>
+          <a:lstStyle/>
+          <a:p>
+            <a:endParaRPr lang="de-DE" sz="1000" dirty="0">
+              <a:solidFill>
+                <a:schemeClr val="tx1"/>
+              </a:solidFill>
+              <a:latin typeface="Helvetica Neue LT Std 67 Medium Condensed" charset="0"/>
+              <a:ea typeface="Helvetica Neue LT Std 67 Medium Condensed" charset="0"/>
+              <a:cs typeface="Helvetica Neue LT Std 67 Medium Condensed" charset="0"/>
+            </a:endParaRPr>
+          </a:p>
+        </p:txBody>
+      </p:sp>
+      <p:sp>
+        <p:nvSpPr>
+          <p:cNvPr id="105" name="Textfeld 104"/>
+          <p:cNvSpPr txBox="1"/>
+          <p:nvPr/>
+        </p:nvSpPr>
+        <p:spPr>
+          <a:xfrm>
+            <a:off x="2066700" y="2585934"/>
+            <a:ext cx="759239" cy="246221"/>
+          </a:xfrm>
+          <a:prstGeom prst="rect">
+            <a:avLst/>
+          </a:prstGeom>
+          <a:noFill/>
+        </p:spPr>
+        <p:txBody>
+          <a:bodyPr wrap="square" rtlCol="0" anchor="t">
+            <a:spAutoFit/>
+          </a:bodyPr>
+          <a:lstStyle/>
+          <a:p>
+            <a:r>
+              <a:rPr lang="de-DE" sz="500" dirty="0" err="1" smtClean="0">
+                <a:latin typeface="Helvetica Neue LT Std 67 Medium Condensed" charset="0"/>
+                <a:ea typeface="Helvetica Neue LT Std 67 Medium Condensed" charset="0"/>
+                <a:cs typeface="Helvetica Neue LT Std 67 Medium Condensed" charset="0"/>
+              </a:rPr>
+              <a:t>Toggle</a:t>
+            </a:r>
+            <a:r>
+              <a:rPr lang="de-DE" sz="500" dirty="0" smtClean="0">
+                <a:latin typeface="Helvetica Neue LT Std 67 Medium Condensed" charset="0"/>
+                <a:ea typeface="Helvetica Neue LT Std 67 Medium Condensed" charset="0"/>
+                <a:cs typeface="Helvetica Neue LT Std 67 Medium Condensed" charset="0"/>
+              </a:rPr>
+              <a:t> Select</a:t>
+            </a:r>
+            <a:br>
+              <a:rPr lang="de-DE" sz="500" dirty="0" smtClean="0">
+                <a:latin typeface="Helvetica Neue LT Std 67 Medium Condensed" charset="0"/>
+                <a:ea typeface="Helvetica Neue LT Std 67 Medium Condensed" charset="0"/>
+                <a:cs typeface="Helvetica Neue LT Std 67 Medium Condensed" charset="0"/>
+              </a:rPr>
+            </a:br>
+            <a:r>
+              <a:rPr lang="de-DE" sz="500" dirty="0" smtClean="0">
+                <a:latin typeface="Helvetica Neue LT Std 67 Medium Condensed" charset="0"/>
+                <a:ea typeface="Helvetica Neue LT Std 67 Medium Condensed" charset="0"/>
+                <a:cs typeface="Helvetica Neue LT Std 67 Medium Condensed" charset="0"/>
+              </a:rPr>
+              <a:t>Track 3</a:t>
+            </a:r>
+            <a:endParaRPr lang="de-DE" sz="500" dirty="0" smtClean="0">
+              <a:solidFill>
+                <a:schemeClr val="accent2">
+                  <a:lumMod val="75000"/>
+                </a:schemeClr>
+              </a:solidFill>
+              <a:latin typeface="Helvetica Neue LT Std 67 Medium Condensed" charset="0"/>
+              <a:ea typeface="Helvetica Neue LT Std 67 Medium Condensed" charset="0"/>
+              <a:cs typeface="Helvetica Neue LT Std 67 Medium Condensed" charset="0"/>
+            </a:endParaRPr>
+          </a:p>
+        </p:txBody>
+      </p:sp>
+      <p:sp>
+        <p:nvSpPr>
+          <p:cNvPr id="106" name="Textfeld 105"/>
+          <p:cNvSpPr txBox="1"/>
+          <p:nvPr/>
+        </p:nvSpPr>
+        <p:spPr>
+          <a:xfrm>
+            <a:off x="2028675" y="2853914"/>
+            <a:ext cx="248786" cy="253916"/>
+          </a:xfrm>
+          <a:prstGeom prst="rect">
+            <a:avLst/>
+          </a:prstGeom>
+          <a:noFill/>
+        </p:spPr>
+        <p:txBody>
+          <a:bodyPr wrap="none" rtlCol="0">
+            <a:spAutoFit/>
+          </a:bodyPr>
+          <a:lstStyle/>
+          <a:p>
+            <a:r>
+              <a:rPr lang="de-DE" sz="1050" dirty="0" smtClean="0">
+                <a:latin typeface="Helvetica Neue LT Std 67 Medium Condensed" charset="0"/>
+                <a:ea typeface="Helvetica Neue LT Std 67 Medium Condensed" charset="0"/>
+                <a:cs typeface="Helvetica Neue LT Std 67 Medium Condensed" charset="0"/>
+              </a:rPr>
+              <a:t>3</a:t>
+            </a:r>
+            <a:endParaRPr lang="de-DE" sz="1050" dirty="0">
+              <a:latin typeface="Helvetica Neue LT Std 67 Medium Condensed" charset="0"/>
+              <a:ea typeface="Helvetica Neue LT Std 67 Medium Condensed" charset="0"/>
+              <a:cs typeface="Helvetica Neue LT Std 67 Medium Condensed" charset="0"/>
+            </a:endParaRPr>
+          </a:p>
+        </p:txBody>
+      </p:sp>
+      <p:sp>
+        <p:nvSpPr>
+          <p:cNvPr id="107" name="Abgerundetes Rechteck 106"/>
           <p:cNvSpPr/>
           <p:nvPr/>
         </p:nvSpPr>
         <p:spPr>
-          <a:xfrm rot="2664124">
-            <a:off x="4890347" y="3277073"/>
-            <a:ext cx="73885" cy="28228"/>
-          </a:xfrm>
-          <a:prstGeom prst="rect">
-            <a:avLst/>
+          <a:xfrm>
+            <a:off x="2663336" y="2586011"/>
+            <a:ext cx="495160" cy="483856"/>
+          </a:xfrm>
+          <a:prstGeom prst="roundRect">
+            <a:avLst>
+              <a:gd name="adj" fmla="val 8710"/>
+            </a:avLst>
           </a:prstGeom>
           <a:solidFill>
-            <a:schemeClr val="accent4">
-              <a:lumMod val="20000"/>
-              <a:lumOff val="80000"/>
-            </a:schemeClr>
+            <a:srgbClr val="FFD579"/>
           </a:solidFill>
-          <a:ln w="12700">
-            <a:noFill/>
+          <a:ln>
+            <a:solidFill>
+              <a:schemeClr val="accent4">
+                <a:lumMod val="50000"/>
+              </a:schemeClr>
+            </a:solidFill>
           </a:ln>
         </p:spPr>
         <p:style>
@@ -9417,23 +9520,157 @@
           </a:fontRef>
         </p:style>
         <p:txBody>
-          <a:bodyPr rtlCol="0" anchor="ctr"/>
-          <a:lstStyle/>
-          <a:p>
-            <a:pPr algn="ctr"/>
-            <a:endParaRPr lang="de-DE"/>
-          </a:p>
-        </p:txBody>
-      </p:sp>
-      <p:sp>
-        <p:nvSpPr>
-          <p:cNvPr id="101" name="Abgerundetes Rechteck 100"/>
+          <a:bodyPr rtlCol="0" anchor="b"/>
+          <a:lstStyle/>
+          <a:p>
+            <a:endParaRPr lang="de-DE" sz="1000" dirty="0">
+              <a:solidFill>
+                <a:schemeClr val="tx1"/>
+              </a:solidFill>
+              <a:latin typeface="Helvetica Neue LT Std 67 Medium Condensed" charset="0"/>
+              <a:ea typeface="Helvetica Neue LT Std 67 Medium Condensed" charset="0"/>
+              <a:cs typeface="Helvetica Neue LT Std 67 Medium Condensed" charset="0"/>
+            </a:endParaRPr>
+          </a:p>
+        </p:txBody>
+      </p:sp>
+      <p:sp>
+        <p:nvSpPr>
+          <p:cNvPr id="108" name="Textfeld 107"/>
+          <p:cNvSpPr txBox="1"/>
+          <p:nvPr/>
+        </p:nvSpPr>
+        <p:spPr>
+          <a:xfrm>
+            <a:off x="2673506" y="2585934"/>
+            <a:ext cx="759239" cy="246221"/>
+          </a:xfrm>
+          <a:prstGeom prst="rect">
+            <a:avLst/>
+          </a:prstGeom>
+          <a:noFill/>
+        </p:spPr>
+        <p:txBody>
+          <a:bodyPr wrap="square" rtlCol="0" anchor="t">
+            <a:spAutoFit/>
+          </a:bodyPr>
+          <a:lstStyle/>
+          <a:p>
+            <a:r>
+              <a:rPr lang="de-DE" sz="500" dirty="0" err="1" smtClean="0">
+                <a:latin typeface="Helvetica Neue LT Std 67 Medium Condensed" charset="0"/>
+                <a:ea typeface="Helvetica Neue LT Std 67 Medium Condensed" charset="0"/>
+                <a:cs typeface="Helvetica Neue LT Std 67 Medium Condensed" charset="0"/>
+              </a:rPr>
+              <a:t>Toggle</a:t>
+            </a:r>
+            <a:r>
+              <a:rPr lang="de-DE" sz="500" dirty="0" smtClean="0">
+                <a:latin typeface="Helvetica Neue LT Std 67 Medium Condensed" charset="0"/>
+                <a:ea typeface="Helvetica Neue LT Std 67 Medium Condensed" charset="0"/>
+                <a:cs typeface="Helvetica Neue LT Std 67 Medium Condensed" charset="0"/>
+              </a:rPr>
+              <a:t> </a:t>
+            </a:r>
+            <a:r>
+              <a:rPr lang="de-DE" sz="500" dirty="0" err="1" smtClean="0">
+                <a:latin typeface="Helvetica Neue LT Std 67 Medium Condensed" charset="0"/>
+                <a:ea typeface="Helvetica Neue LT Std 67 Medium Condensed" charset="0"/>
+                <a:cs typeface="Helvetica Neue LT Std 67 Medium Condensed" charset="0"/>
+              </a:rPr>
+              <a:t>select</a:t>
+            </a:r>
+            <a:r>
+              <a:rPr lang="de-DE" sz="500" dirty="0" smtClean="0">
+                <a:latin typeface="Helvetica Neue LT Std 67 Medium Condensed" charset="0"/>
+                <a:ea typeface="Helvetica Neue LT Std 67 Medium Condensed" charset="0"/>
+                <a:cs typeface="Helvetica Neue LT Std 67 Medium Condensed" charset="0"/>
+              </a:rPr>
+              <a:t/>
+            </a:r>
+            <a:br>
+              <a:rPr lang="de-DE" sz="500" dirty="0" smtClean="0">
+                <a:latin typeface="Helvetica Neue LT Std 67 Medium Condensed" charset="0"/>
+                <a:ea typeface="Helvetica Neue LT Std 67 Medium Condensed" charset="0"/>
+                <a:cs typeface="Helvetica Neue LT Std 67 Medium Condensed" charset="0"/>
+              </a:rPr>
+            </a:br>
+            <a:r>
+              <a:rPr lang="de-DE" sz="500" dirty="0" err="1" smtClean="0">
+                <a:latin typeface="Helvetica Neue LT Std 67 Medium Condensed" charset="0"/>
+                <a:ea typeface="Helvetica Neue LT Std 67 Medium Condensed" charset="0"/>
+                <a:cs typeface="Helvetica Neue LT Std 67 Medium Condensed" charset="0"/>
+              </a:rPr>
+              <a:t>track</a:t>
+            </a:r>
+            <a:r>
+              <a:rPr lang="de-DE" sz="500" dirty="0" smtClean="0">
+                <a:latin typeface="Helvetica Neue LT Std 67 Medium Condensed" charset="0"/>
+                <a:ea typeface="Helvetica Neue LT Std 67 Medium Condensed" charset="0"/>
+                <a:cs typeface="Helvetica Neue LT Std 67 Medium Condensed" charset="0"/>
+              </a:rPr>
+              <a:t> 4</a:t>
+            </a:r>
+            <a:endParaRPr lang="de-DE" sz="500" dirty="0" smtClean="0">
+              <a:solidFill>
+                <a:schemeClr val="accent2">
+                  <a:lumMod val="75000"/>
+                </a:schemeClr>
+              </a:solidFill>
+              <a:latin typeface="Helvetica Neue LT Std 67 Medium Condensed" charset="0"/>
+              <a:ea typeface="Helvetica Neue LT Std 67 Medium Condensed" charset="0"/>
+              <a:cs typeface="Helvetica Neue LT Std 67 Medium Condensed" charset="0"/>
+            </a:endParaRPr>
+          </a:p>
+        </p:txBody>
+      </p:sp>
+      <p:sp>
+        <p:nvSpPr>
+          <p:cNvPr id="109" name="Textfeld 108"/>
+          <p:cNvSpPr txBox="1"/>
+          <p:nvPr/>
+        </p:nvSpPr>
+        <p:spPr>
+          <a:xfrm>
+            <a:off x="2635481" y="2853914"/>
+            <a:ext cx="248786" cy="253916"/>
+          </a:xfrm>
+          <a:prstGeom prst="rect">
+            <a:avLst/>
+          </a:prstGeom>
+          <a:noFill/>
+        </p:spPr>
+        <p:txBody>
+          <a:bodyPr wrap="none" rtlCol="0">
+            <a:spAutoFit/>
+          </a:bodyPr>
+          <a:lstStyle/>
+          <a:p>
+            <a:r>
+              <a:rPr lang="de-DE" sz="1050" dirty="0" smtClean="0">
+                <a:latin typeface="Helvetica Neue LT Std 67 Medium Condensed" charset="0"/>
+                <a:ea typeface="Helvetica Neue LT Std 67 Medium Condensed" charset="0"/>
+                <a:cs typeface="Helvetica Neue LT Std 67 Medium Condensed" charset="0"/>
+              </a:rPr>
+              <a:t>4</a:t>
+            </a:r>
+            <a:endParaRPr lang="de-DE" sz="1050" dirty="0">
+              <a:latin typeface="Helvetica Neue LT Std 67 Medium Condensed" charset="0"/>
+              <a:ea typeface="Helvetica Neue LT Std 67 Medium Condensed" charset="0"/>
+              <a:cs typeface="Helvetica Neue LT Std 67 Medium Condensed" charset="0"/>
+            </a:endParaRPr>
+          </a:p>
+        </p:txBody>
+      </p:sp>
+      <p:sp>
+        <p:nvSpPr>
+          <p:cNvPr id="110" name="Abgerundetes Rechteck 109"/>
           <p:cNvSpPr/>
           <p:nvPr/>
         </p:nvSpPr>
         <p:spPr>
           <a:xfrm>
-            <a:off x="1461470" y="2586011"/>
+            <a:off x="3264269" y="2586011"/>
             <a:ext cx="495160" cy="483856"/>
           </a:xfrm>
           <a:prstGeom prst="roundRect">
@@ -9485,13 +9722,13 @@
       </p:sp>
       <p:sp>
         <p:nvSpPr>
-          <p:cNvPr id="102" name="Textfeld 101"/>
+          <p:cNvPr id="111" name="Textfeld 110"/>
           <p:cNvSpPr txBox="1"/>
           <p:nvPr/>
         </p:nvSpPr>
         <p:spPr>
           <a:xfrm>
-            <a:off x="1459894" y="2585934"/>
+            <a:off x="3280312" y="2585934"/>
             <a:ext cx="759239" cy="246221"/>
           </a:xfrm>
           <a:prstGeom prst="rect">
@@ -9534,7 +9771,7 @@
                 <a:ea typeface="Helvetica Neue LT Std 67 Medium Condensed" charset="0"/>
                 <a:cs typeface="Helvetica Neue LT Std 67 Medium Condensed" charset="0"/>
               </a:rPr>
-              <a:t>Track 2</a:t>
+              <a:t>Track 5</a:t>
             </a:r>
             <a:endParaRPr lang="de-DE" sz="500" dirty="0" smtClean="0">
               <a:solidFill>
@@ -9551,13 +9788,13 @@
       </p:sp>
       <p:sp>
         <p:nvSpPr>
-          <p:cNvPr id="103" name="Textfeld 102"/>
+          <p:cNvPr id="112" name="Textfeld 111"/>
           <p:cNvSpPr txBox="1"/>
           <p:nvPr/>
         </p:nvSpPr>
         <p:spPr>
           <a:xfrm>
-            <a:off x="1421869" y="2853914"/>
+            <a:off x="3242287" y="2853914"/>
             <a:ext cx="248786" cy="253916"/>
           </a:xfrm>
           <a:prstGeom prst="rect">
@@ -9577,7 +9814,7 @@
                 <a:ea typeface="Helvetica Neue LT Std 67 Medium Condensed" charset="0"/>
                 <a:cs typeface="Helvetica Neue LT Std 67 Medium Condensed" charset="0"/>
               </a:rPr>
-              <a:t>2</a:t>
+              <a:t>5</a:t>
             </a:r>
             <a:endParaRPr lang="de-DE" sz="1050" dirty="0">
               <a:latin typeface="Helvetica Neue LT Std 67 Medium Condensed" charset="0"/>
@@ -9589,13 +9826,13 @@
       </p:sp>
       <p:sp>
         <p:nvSpPr>
-          <p:cNvPr id="104" name="Abgerundetes Rechteck 103"/>
+          <p:cNvPr id="113" name="Abgerundetes Rechteck 112"/>
           <p:cNvSpPr/>
           <p:nvPr/>
         </p:nvSpPr>
         <p:spPr>
           <a:xfrm>
-            <a:off x="2062403" y="2586011"/>
+            <a:off x="3865202" y="2586011"/>
             <a:ext cx="495160" cy="483856"/>
           </a:xfrm>
           <a:prstGeom prst="roundRect">
@@ -9647,13 +9884,13 @@
       </p:sp>
       <p:sp>
         <p:nvSpPr>
-          <p:cNvPr id="105" name="Textfeld 104"/>
+          <p:cNvPr id="114" name="Textfeld 113"/>
           <p:cNvSpPr txBox="1"/>
           <p:nvPr/>
         </p:nvSpPr>
         <p:spPr>
           <a:xfrm>
-            <a:off x="2066700" y="2585934"/>
+            <a:off x="3887118" y="2585934"/>
             <a:ext cx="759239" cy="246221"/>
           </a:xfrm>
           <a:prstGeom prst="rect">
@@ -9696,7 +9933,7 @@
                 <a:ea typeface="Helvetica Neue LT Std 67 Medium Condensed" charset="0"/>
                 <a:cs typeface="Helvetica Neue LT Std 67 Medium Condensed" charset="0"/>
               </a:rPr>
-              <a:t>Track 3</a:t>
+              <a:t>Track 6</a:t>
             </a:r>
             <a:endParaRPr lang="de-DE" sz="500" dirty="0" smtClean="0">
               <a:solidFill>
@@ -9713,13 +9950,13 @@
       </p:sp>
       <p:sp>
         <p:nvSpPr>
-          <p:cNvPr id="106" name="Textfeld 105"/>
+          <p:cNvPr id="115" name="Textfeld 114"/>
           <p:cNvSpPr txBox="1"/>
           <p:nvPr/>
         </p:nvSpPr>
         <p:spPr>
           <a:xfrm>
-            <a:off x="2028675" y="2853914"/>
+            <a:off x="3849093" y="2853914"/>
             <a:ext cx="248786" cy="253916"/>
           </a:xfrm>
           <a:prstGeom prst="rect">
@@ -9739,7 +9976,7 @@
                 <a:ea typeface="Helvetica Neue LT Std 67 Medium Condensed" charset="0"/>
                 <a:cs typeface="Helvetica Neue LT Std 67 Medium Condensed" charset="0"/>
               </a:rPr>
-              <a:t>3</a:t>
+              <a:t>6</a:t>
             </a:r>
             <a:endParaRPr lang="de-DE" sz="1050" dirty="0">
               <a:latin typeface="Helvetica Neue LT Std 67 Medium Condensed" charset="0"/>
@@ -9751,13 +9988,13 @@
       </p:sp>
       <p:sp>
         <p:nvSpPr>
-          <p:cNvPr id="107" name="Abgerundetes Rechteck 106"/>
+          <p:cNvPr id="116" name="Abgerundetes Rechteck 115"/>
           <p:cNvSpPr/>
           <p:nvPr/>
         </p:nvSpPr>
         <p:spPr>
           <a:xfrm>
-            <a:off x="2663336" y="2586011"/>
+            <a:off x="4466135" y="2586011"/>
             <a:ext cx="495160" cy="483856"/>
           </a:xfrm>
           <a:prstGeom prst="roundRect">
@@ -9809,13 +10046,13 @@
       </p:sp>
       <p:sp>
         <p:nvSpPr>
-          <p:cNvPr id="108" name="Textfeld 107"/>
+          <p:cNvPr id="117" name="Textfeld 116"/>
           <p:cNvSpPr txBox="1"/>
           <p:nvPr/>
         </p:nvSpPr>
         <p:spPr>
           <a:xfrm>
-            <a:off x="2673506" y="2585934"/>
+            <a:off x="4493924" y="2585934"/>
             <a:ext cx="759239" cy="246221"/>
           </a:xfrm>
           <a:prstGeom prst="rect">
@@ -9843,23 +10080,7 @@
                 <a:ea typeface="Helvetica Neue LT Std 67 Medium Condensed" charset="0"/>
                 <a:cs typeface="Helvetica Neue LT Std 67 Medium Condensed" charset="0"/>
               </a:rPr>
-              <a:t> </a:t>
-            </a:r>
-            <a:r>
-              <a:rPr lang="de-DE" sz="500" dirty="0" err="1" smtClean="0">
-                <a:latin typeface="Helvetica Neue LT Std 67 Medium Condensed" charset="0"/>
-                <a:ea typeface="Helvetica Neue LT Std 67 Medium Condensed" charset="0"/>
-                <a:cs typeface="Helvetica Neue LT Std 67 Medium Condensed" charset="0"/>
-              </a:rPr>
-              <a:t>select</a:t>
-            </a:r>
-            <a:r>
-              <a:rPr lang="de-DE" sz="500" dirty="0" smtClean="0">
-                <a:latin typeface="Helvetica Neue LT Std 67 Medium Condensed" charset="0"/>
-                <a:ea typeface="Helvetica Neue LT Std 67 Medium Condensed" charset="0"/>
-                <a:cs typeface="Helvetica Neue LT Std 67 Medium Condensed" charset="0"/>
-              </a:rPr>
-              <a:t/>
+              <a:t> Select</a:t>
             </a:r>
             <a:br>
               <a:rPr lang="de-DE" sz="500" dirty="0" smtClean="0">
@@ -9869,20 +10090,20 @@
               </a:rPr>
             </a:br>
             <a:r>
-              <a:rPr lang="de-DE" sz="500" dirty="0" err="1" smtClean="0">
-                <a:latin typeface="Helvetica Neue LT Std 67 Medium Condensed" charset="0"/>
-                <a:ea typeface="Helvetica Neue LT Std 67 Medium Condensed" charset="0"/>
-                <a:cs typeface="Helvetica Neue LT Std 67 Medium Condensed" charset="0"/>
-              </a:rPr>
-              <a:t>track</a:t>
-            </a:r>
-            <a:r>
-              <a:rPr lang="de-DE" sz="500" dirty="0" smtClean="0">
-                <a:latin typeface="Helvetica Neue LT Std 67 Medium Condensed" charset="0"/>
-                <a:ea typeface="Helvetica Neue LT Std 67 Medium Condensed" charset="0"/>
-                <a:cs typeface="Helvetica Neue LT Std 67 Medium Condensed" charset="0"/>
-              </a:rPr>
-              <a:t> 4</a:t>
+              <a:rPr lang="de-DE" sz="500" dirty="0" smtClean="0">
+                <a:latin typeface="Helvetica Neue LT Std 67 Medium Condensed" charset="0"/>
+                <a:ea typeface="Helvetica Neue LT Std 67 Medium Condensed" charset="0"/>
+                <a:cs typeface="Helvetica Neue LT Std 67 Medium Condensed" charset="0"/>
+              </a:rPr>
+              <a:t>Track </a:t>
+            </a:r>
+            <a:r>
+              <a:rPr lang="de-DE" sz="500" dirty="0">
+                <a:latin typeface="Helvetica Neue LT Std 67 Medium Condensed" charset="0"/>
+                <a:ea typeface="Helvetica Neue LT Std 67 Medium Condensed" charset="0"/>
+                <a:cs typeface="Helvetica Neue LT Std 67 Medium Condensed" charset="0"/>
+              </a:rPr>
+              <a:t>7</a:t>
             </a:r>
             <a:endParaRPr lang="de-DE" sz="500" dirty="0" smtClean="0">
               <a:solidFill>
@@ -9899,13 +10120,13 @@
       </p:sp>
       <p:sp>
         <p:nvSpPr>
-          <p:cNvPr id="109" name="Textfeld 108"/>
+          <p:cNvPr id="118" name="Textfeld 117"/>
           <p:cNvSpPr txBox="1"/>
           <p:nvPr/>
         </p:nvSpPr>
         <p:spPr>
           <a:xfrm>
-            <a:off x="2635481" y="2853914"/>
+            <a:off x="4455899" y="2853914"/>
             <a:ext cx="248786" cy="253916"/>
           </a:xfrm>
           <a:prstGeom prst="rect">
@@ -9925,7 +10146,7 @@
                 <a:ea typeface="Helvetica Neue LT Std 67 Medium Condensed" charset="0"/>
                 <a:cs typeface="Helvetica Neue LT Std 67 Medium Condensed" charset="0"/>
               </a:rPr>
-              <a:t>4</a:t>
+              <a:t>7</a:t>
             </a:r>
             <a:endParaRPr lang="de-DE" sz="1050" dirty="0">
               <a:latin typeface="Helvetica Neue LT Std 67 Medium Condensed" charset="0"/>
@@ -9937,13 +10158,13 @@
       </p:sp>
       <p:sp>
         <p:nvSpPr>
-          <p:cNvPr id="110" name="Abgerundetes Rechteck 109"/>
+          <p:cNvPr id="119" name="Abgerundetes Rechteck 118"/>
           <p:cNvSpPr/>
           <p:nvPr/>
         </p:nvSpPr>
         <p:spPr>
           <a:xfrm>
-            <a:off x="3264269" y="2586011"/>
+            <a:off x="5067068" y="2586011"/>
             <a:ext cx="495160" cy="483856"/>
           </a:xfrm>
           <a:prstGeom prst="roundRect">
@@ -9995,13 +10216,13 @@
       </p:sp>
       <p:sp>
         <p:nvSpPr>
-          <p:cNvPr id="111" name="Textfeld 110"/>
+          <p:cNvPr id="120" name="Textfeld 119"/>
           <p:cNvSpPr txBox="1"/>
           <p:nvPr/>
         </p:nvSpPr>
         <p:spPr>
           <a:xfrm>
-            <a:off x="3280312" y="2585934"/>
+            <a:off x="5100730" y="2585934"/>
             <a:ext cx="759239" cy="246221"/>
           </a:xfrm>
           <a:prstGeom prst="rect">
@@ -10044,7 +10265,7 @@
                 <a:ea typeface="Helvetica Neue LT Std 67 Medium Condensed" charset="0"/>
                 <a:cs typeface="Helvetica Neue LT Std 67 Medium Condensed" charset="0"/>
               </a:rPr>
-              <a:t>Track 5</a:t>
+              <a:t>Track 8</a:t>
             </a:r>
             <a:endParaRPr lang="de-DE" sz="500" dirty="0" smtClean="0">
               <a:solidFill>
@@ -10061,13 +10282,13 @@
       </p:sp>
       <p:sp>
         <p:nvSpPr>
-          <p:cNvPr id="112" name="Textfeld 111"/>
+          <p:cNvPr id="121" name="Textfeld 120"/>
           <p:cNvSpPr txBox="1"/>
           <p:nvPr/>
         </p:nvSpPr>
         <p:spPr>
           <a:xfrm>
-            <a:off x="3242287" y="2853914"/>
+            <a:off x="5062705" y="2853914"/>
             <a:ext cx="248786" cy="253916"/>
           </a:xfrm>
           <a:prstGeom prst="rect">
@@ -10087,7 +10308,7 @@
                 <a:ea typeface="Helvetica Neue LT Std 67 Medium Condensed" charset="0"/>
                 <a:cs typeface="Helvetica Neue LT Std 67 Medium Condensed" charset="0"/>
               </a:rPr>
-              <a:t>5</a:t>
+              <a:t>8</a:t>
             </a:r>
             <a:endParaRPr lang="de-DE" sz="1050" dirty="0">
               <a:latin typeface="Helvetica Neue LT Std 67 Medium Condensed" charset="0"/>
@@ -10099,13 +10320,13 @@
       </p:sp>
       <p:sp>
         <p:nvSpPr>
-          <p:cNvPr id="113" name="Abgerundetes Rechteck 112"/>
+          <p:cNvPr id="122" name="Abgerundetes Rechteck 121"/>
           <p:cNvSpPr/>
           <p:nvPr/>
         </p:nvSpPr>
         <p:spPr>
           <a:xfrm>
-            <a:off x="3865202" y="2586011"/>
+            <a:off x="3568768" y="3173686"/>
             <a:ext cx="495160" cy="483856"/>
           </a:xfrm>
           <a:prstGeom prst="roundRect">
@@ -10157,14 +10378,14 @@
       </p:sp>
       <p:sp>
         <p:nvSpPr>
-          <p:cNvPr id="114" name="Textfeld 113"/>
+          <p:cNvPr id="123" name="Textfeld 122"/>
           <p:cNvSpPr txBox="1"/>
           <p:nvPr/>
         </p:nvSpPr>
         <p:spPr>
           <a:xfrm>
-            <a:off x="3887118" y="2585934"/>
-            <a:ext cx="759239" cy="246221"/>
+            <a:off x="3653910" y="3177107"/>
+            <a:ext cx="470783" cy="246221"/>
           </a:xfrm>
           <a:prstGeom prst="rect">
             <a:avLst/>
@@ -10178,23 +10399,43 @@
           <a:lstStyle/>
           <a:p>
             <a:r>
+              <a:rPr lang="de-DE" sz="500" dirty="0" smtClean="0">
+                <a:solidFill>
+                  <a:srgbClr val="7030A0"/>
+                </a:solidFill>
+                <a:latin typeface="Helvetica Neue LT Std 67 Medium Condensed" charset="0"/>
+                <a:ea typeface="Helvetica Neue LT Std 67 Medium Condensed" charset="0"/>
+                <a:cs typeface="Helvetica Neue LT Std 67 Medium Condensed" charset="0"/>
+              </a:rPr>
+              <a:t>Insert </a:t>
+            </a:r>
+            <a:r>
               <a:rPr lang="de-DE" sz="500" dirty="0" err="1" smtClean="0">
-                <a:latin typeface="Helvetica Neue LT Std 67 Medium Condensed" charset="0"/>
-                <a:ea typeface="Helvetica Neue LT Std 67 Medium Condensed" charset="0"/>
-                <a:cs typeface="Helvetica Neue LT Std 67 Medium Condensed" charset="0"/>
-              </a:rPr>
-              <a:t>Toggle</a:t>
-            </a:r>
-            <a:r>
-              <a:rPr lang="de-DE" sz="500" dirty="0" smtClean="0">
-                <a:latin typeface="Helvetica Neue LT Std 67 Medium Condensed" charset="0"/>
-                <a:ea typeface="Helvetica Neue LT Std 67 Medium Condensed" charset="0"/>
-                <a:cs typeface="Helvetica Neue LT Std 67 Medium Condensed" charset="0"/>
-              </a:rPr>
-              <a:t> Select</a:t>
+                <a:solidFill>
+                  <a:srgbClr val="7030A0"/>
+                </a:solidFill>
+                <a:latin typeface="Helvetica Neue LT Std 67 Medium Condensed" charset="0"/>
+                <a:ea typeface="Helvetica Neue LT Std 67 Medium Condensed" charset="0"/>
+                <a:cs typeface="Helvetica Neue LT Std 67 Medium Condensed" charset="0"/>
+              </a:rPr>
+              <a:t>new</a:t>
+            </a:r>
+            <a:r>
+              <a:rPr lang="de-DE" sz="500" dirty="0" smtClean="0">
+                <a:solidFill>
+                  <a:srgbClr val="7030A0"/>
+                </a:solidFill>
+                <a:latin typeface="Helvetica Neue LT Std 67 Medium Condensed" charset="0"/>
+                <a:ea typeface="Helvetica Neue LT Std 67 Medium Condensed" charset="0"/>
+                <a:cs typeface="Helvetica Neue LT Std 67 Medium Condensed" charset="0"/>
+              </a:rPr>
+              <a:t/>
             </a:r>
             <a:br>
               <a:rPr lang="de-DE" sz="500" dirty="0" smtClean="0">
+                <a:solidFill>
+                  <a:srgbClr val="7030A0"/>
+                </a:solidFill>
                 <a:latin typeface="Helvetica Neue LT Std 67 Medium Condensed" charset="0"/>
                 <a:ea typeface="Helvetica Neue LT Std 67 Medium Condensed" charset="0"/>
                 <a:cs typeface="Helvetica Neue LT Std 67 Medium Condensed" charset="0"/>
@@ -10202,72 +10443,105 @@
             </a:br>
             <a:r>
               <a:rPr lang="de-DE" sz="500" dirty="0" smtClean="0">
-                <a:latin typeface="Helvetica Neue LT Std 67 Medium Condensed" charset="0"/>
-                <a:ea typeface="Helvetica Neue LT Std 67 Medium Condensed" charset="0"/>
-                <a:cs typeface="Helvetica Neue LT Std 67 Medium Condensed" charset="0"/>
-              </a:rPr>
-              <a:t>Track 6</a:t>
-            </a:r>
-            <a:endParaRPr lang="de-DE" sz="500" dirty="0" smtClean="0">
+                <a:solidFill>
+                  <a:srgbClr val="7030A0"/>
+                </a:solidFill>
+                <a:latin typeface="Helvetica Neue LT Std 67 Medium Condensed" charset="0"/>
+                <a:ea typeface="Helvetica Neue LT Std 67 Medium Condensed" charset="0"/>
+                <a:cs typeface="Helvetica Neue LT Std 67 Medium Condensed" charset="0"/>
+              </a:rPr>
+              <a:t>Track</a:t>
+            </a:r>
+          </a:p>
+        </p:txBody>
+      </p:sp>
+      <p:sp>
+        <p:nvSpPr>
+          <p:cNvPr id="124" name="Textfeld 123"/>
+          <p:cNvSpPr txBox="1"/>
+          <p:nvPr/>
+        </p:nvSpPr>
+        <p:spPr>
+          <a:xfrm>
+            <a:off x="3530743" y="3445087"/>
+            <a:ext cx="248786" cy="253916"/>
+          </a:xfrm>
+          <a:prstGeom prst="rect">
+            <a:avLst/>
+          </a:prstGeom>
+          <a:noFill/>
+        </p:spPr>
+        <p:txBody>
+          <a:bodyPr wrap="none" rtlCol="0">
+            <a:spAutoFit/>
+          </a:bodyPr>
+          <a:lstStyle/>
+          <a:p>
+            <a:r>
+              <a:rPr lang="de-DE" sz="1050" dirty="0" smtClean="0">
+                <a:latin typeface="Helvetica Neue LT Std 67 Medium Condensed" charset="0"/>
+                <a:ea typeface="Helvetica Neue LT Std 67 Medium Condensed" charset="0"/>
+                <a:cs typeface="Helvetica Neue LT Std 67 Medium Condensed" charset="0"/>
+              </a:rPr>
+              <a:t>T</a:t>
+            </a:r>
+            <a:endParaRPr lang="de-DE" sz="1050" dirty="0">
+              <a:latin typeface="Helvetica Neue LT Std 67 Medium Condensed" charset="0"/>
+              <a:ea typeface="Helvetica Neue LT Std 67 Medium Condensed" charset="0"/>
+              <a:cs typeface="Helvetica Neue LT Std 67 Medium Condensed" charset="0"/>
+            </a:endParaRPr>
+          </a:p>
+        </p:txBody>
+      </p:sp>
+      <p:sp>
+        <p:nvSpPr>
+          <p:cNvPr id="125" name="Rechteck 124"/>
+          <p:cNvSpPr/>
+          <p:nvPr/>
+        </p:nvSpPr>
+        <p:spPr>
+          <a:xfrm>
+            <a:off x="3547180" y="3175383"/>
+            <a:ext cx="261610" cy="184666"/>
+          </a:xfrm>
+          <a:prstGeom prst="rect">
+            <a:avLst/>
+          </a:prstGeom>
+        </p:spPr>
+        <p:txBody>
+          <a:bodyPr wrap="none">
+            <a:spAutoFit/>
+          </a:bodyPr>
+          <a:lstStyle/>
+          <a:p>
+            <a:r>
+              <a:rPr lang="de-DE" sz="600" b="1" dirty="0" smtClean="0">
+                <a:solidFill>
+                  <a:srgbClr val="7030A0"/>
+                </a:solidFill>
+                <a:latin typeface="Helvetica Neue LT Std 67 Medium Condensed" charset="0"/>
+                <a:ea typeface="Helvetica Neue LT Std 67 Medium Condensed" charset="0"/>
+                <a:cs typeface="Helvetica Neue LT Std 67 Medium Condensed" charset="0"/>
+              </a:rPr>
+              <a:t>⌘</a:t>
+            </a:r>
+            <a:endParaRPr lang="de-DE" sz="4000" b="1" dirty="0">
               <a:solidFill>
-                <a:schemeClr val="accent2">
-                  <a:lumMod val="75000"/>
-                </a:schemeClr>
+                <a:srgbClr val="7030A0"/>
               </a:solidFill>
-              <a:latin typeface="Helvetica Neue LT Std 67 Medium Condensed" charset="0"/>
-              <a:ea typeface="Helvetica Neue LT Std 67 Medium Condensed" charset="0"/>
-              <a:cs typeface="Helvetica Neue LT Std 67 Medium Condensed" charset="0"/>
-            </a:endParaRPr>
-          </a:p>
-        </p:txBody>
-      </p:sp>
-      <p:sp>
-        <p:nvSpPr>
-          <p:cNvPr id="115" name="Textfeld 114"/>
-          <p:cNvSpPr txBox="1"/>
-          <p:nvPr/>
-        </p:nvSpPr>
-        <p:spPr>
-          <a:xfrm>
-            <a:off x="3849093" y="2853914"/>
-            <a:ext cx="248786" cy="253916"/>
-          </a:xfrm>
-          <a:prstGeom prst="rect">
-            <a:avLst/>
-          </a:prstGeom>
-          <a:noFill/>
-        </p:spPr>
-        <p:txBody>
-          <a:bodyPr wrap="none" rtlCol="0">
-            <a:spAutoFit/>
-          </a:bodyPr>
-          <a:lstStyle/>
-          <a:p>
-            <a:r>
-              <a:rPr lang="de-DE" sz="1050" dirty="0" smtClean="0">
-                <a:latin typeface="Helvetica Neue LT Std 67 Medium Condensed" charset="0"/>
-                <a:ea typeface="Helvetica Neue LT Std 67 Medium Condensed" charset="0"/>
-                <a:cs typeface="Helvetica Neue LT Std 67 Medium Condensed" charset="0"/>
-              </a:rPr>
-              <a:t>6</a:t>
-            </a:r>
-            <a:endParaRPr lang="de-DE" sz="1050" dirty="0">
-              <a:latin typeface="Helvetica Neue LT Std 67 Medium Condensed" charset="0"/>
-              <a:ea typeface="Helvetica Neue LT Std 67 Medium Condensed" charset="0"/>
-              <a:cs typeface="Helvetica Neue LT Std 67 Medium Condensed" charset="0"/>
-            </a:endParaRPr>
-          </a:p>
-        </p:txBody>
-      </p:sp>
-      <p:sp>
-        <p:nvSpPr>
-          <p:cNvPr id="116" name="Abgerundetes Rechteck 115"/>
+            </a:endParaRPr>
+          </a:p>
+        </p:txBody>
+      </p:sp>
+      <p:sp>
+        <p:nvSpPr>
+          <p:cNvPr id="126" name="Abgerundetes Rechteck 125"/>
           <p:cNvSpPr/>
           <p:nvPr/>
         </p:nvSpPr>
         <p:spPr>
           <a:xfrm>
-            <a:off x="4466135" y="2586011"/>
+            <a:off x="5813122" y="4346279"/>
             <a:ext cx="495160" cy="483856"/>
           </a:xfrm>
           <a:prstGeom prst="roundRect">
@@ -10276,11 +10550,14 @@
             </a:avLst>
           </a:prstGeom>
           <a:solidFill>
-            <a:srgbClr val="FFD579"/>
+            <a:schemeClr val="accent6">
+              <a:lumMod val="20000"/>
+              <a:lumOff val="80000"/>
+            </a:schemeClr>
           </a:solidFill>
           <a:ln>
             <a:solidFill>
-              <a:schemeClr val="accent4">
+              <a:schemeClr val="accent6">
                 <a:lumMod val="50000"/>
               </a:schemeClr>
             </a:solidFill>
@@ -10319,14 +10596,14 @@
       </p:sp>
       <p:sp>
         <p:nvSpPr>
-          <p:cNvPr id="117" name="Textfeld 116"/>
+          <p:cNvPr id="127" name="Textfeld 126"/>
           <p:cNvSpPr txBox="1"/>
           <p:nvPr/>
         </p:nvSpPr>
         <p:spPr>
           <a:xfrm>
-            <a:off x="4493924" y="2585934"/>
-            <a:ext cx="759239" cy="246221"/>
+            <a:off x="5875265" y="4340506"/>
+            <a:ext cx="759239" cy="169277"/>
           </a:xfrm>
           <a:prstGeom prst="rect">
             <a:avLst/>
@@ -10341,48 +10618,18 @@
           <a:p>
             <a:r>
               <a:rPr lang="de-DE" sz="500" dirty="0" err="1" smtClean="0">
-                <a:latin typeface="Helvetica Neue LT Std 67 Medium Condensed" charset="0"/>
-                <a:ea typeface="Helvetica Neue LT Std 67 Medium Condensed" charset="0"/>
-                <a:cs typeface="Helvetica Neue LT Std 67 Medium Condensed" charset="0"/>
-              </a:rPr>
-              <a:t>Toggle</a:t>
-            </a:r>
-            <a:r>
-              <a:rPr lang="de-DE" sz="500" dirty="0" smtClean="0">
-                <a:latin typeface="Helvetica Neue LT Std 67 Medium Condensed" charset="0"/>
-                <a:ea typeface="Helvetica Neue LT Std 67 Medium Condensed" charset="0"/>
-                <a:cs typeface="Helvetica Neue LT Std 67 Medium Condensed" charset="0"/>
-              </a:rPr>
-              <a:t> Select</a:t>
-            </a:r>
-            <a:br>
-              <a:rPr lang="de-DE" sz="500" dirty="0" smtClean="0">
-                <a:latin typeface="Helvetica Neue LT Std 67 Medium Condensed" charset="0"/>
-                <a:ea typeface="Helvetica Neue LT Std 67 Medium Condensed" charset="0"/>
-                <a:cs typeface="Helvetica Neue LT Std 67 Medium Condensed" charset="0"/>
-              </a:rPr>
-            </a:br>
-            <a:r>
-              <a:rPr lang="de-DE" sz="500" dirty="0" smtClean="0">
-                <a:latin typeface="Helvetica Neue LT Std 67 Medium Condensed" charset="0"/>
-                <a:ea typeface="Helvetica Neue LT Std 67 Medium Condensed" charset="0"/>
-                <a:cs typeface="Helvetica Neue LT Std 67 Medium Condensed" charset="0"/>
-              </a:rPr>
-              <a:t>Track </a:t>
-            </a:r>
-            <a:r>
-              <a:rPr lang="de-DE" sz="500" dirty="0">
-                <a:latin typeface="Helvetica Neue LT Std 67 Medium Condensed" charset="0"/>
-                <a:ea typeface="Helvetica Neue LT Std 67 Medium Condensed" charset="0"/>
-                <a:cs typeface="Helvetica Neue LT Std 67 Medium Condensed" charset="0"/>
-              </a:rPr>
-              <a:t>7</a:t>
+                <a:solidFill>
+                  <a:srgbClr val="7030A0"/>
+                </a:solidFill>
+                <a:latin typeface="Helvetica Neue LT Std 67 Medium Condensed" charset="0"/>
+                <a:ea typeface="Helvetica Neue LT Std 67 Medium Condensed" charset="0"/>
+                <a:cs typeface="Helvetica Neue LT Std 67 Medium Condensed" charset="0"/>
+              </a:rPr>
+              <a:t>Preferences</a:t>
             </a:r>
             <a:endParaRPr lang="de-DE" sz="500" dirty="0" smtClean="0">
               <a:solidFill>
-                <a:schemeClr val="accent2">
-                  <a:lumMod val="75000"/>
-                </a:schemeClr>
+                <a:srgbClr val="7030A0"/>
               </a:solidFill>
               <a:latin typeface="Helvetica Neue LT Std 67 Medium Condensed" charset="0"/>
               <a:ea typeface="Helvetica Neue LT Std 67 Medium Condensed" charset="0"/>
@@ -10393,14 +10640,14 @@
       </p:sp>
       <p:sp>
         <p:nvSpPr>
-          <p:cNvPr id="118" name="Textfeld 117"/>
+          <p:cNvPr id="128" name="Textfeld 127"/>
           <p:cNvSpPr txBox="1"/>
           <p:nvPr/>
         </p:nvSpPr>
         <p:spPr>
           <a:xfrm>
-            <a:off x="4455899" y="2853914"/>
-            <a:ext cx="248786" cy="253916"/>
+            <a:off x="5768982" y="4619701"/>
+            <a:ext cx="216726" cy="253916"/>
           </a:xfrm>
           <a:prstGeom prst="rect">
             <a:avLst/>
@@ -10419,7 +10666,7 @@
                 <a:ea typeface="Helvetica Neue LT Std 67 Medium Condensed" charset="0"/>
                 <a:cs typeface="Helvetica Neue LT Std 67 Medium Condensed" charset="0"/>
               </a:rPr>
-              <a:t>7</a:t>
+              <a:t>,</a:t>
             </a:r>
             <a:endParaRPr lang="de-DE" sz="1050" dirty="0">
               <a:latin typeface="Helvetica Neue LT Std 67 Medium Condensed" charset="0"/>
@@ -10431,13 +10678,172 @@
       </p:sp>
       <p:sp>
         <p:nvSpPr>
-          <p:cNvPr id="119" name="Abgerundetes Rechteck 118"/>
+          <p:cNvPr id="129" name="Rechteck 128"/>
           <p:cNvSpPr/>
           <p:nvPr/>
         </p:nvSpPr>
         <p:spPr>
           <a:xfrm>
-            <a:off x="5067068" y="2586011"/>
+            <a:off x="5777457" y="4324679"/>
+            <a:ext cx="261610" cy="184666"/>
+          </a:xfrm>
+          <a:prstGeom prst="rect">
+            <a:avLst/>
+          </a:prstGeom>
+        </p:spPr>
+        <p:txBody>
+          <a:bodyPr wrap="none">
+            <a:spAutoFit/>
+          </a:bodyPr>
+          <a:lstStyle/>
+          <a:p>
+            <a:r>
+              <a:rPr lang="de-DE" sz="600" b="1" dirty="0" smtClean="0">
+                <a:solidFill>
+                  <a:srgbClr val="7030A0"/>
+                </a:solidFill>
+                <a:latin typeface="Helvetica Neue LT Std 67 Medium Condensed" charset="0"/>
+                <a:ea typeface="Helvetica Neue LT Std 67 Medium Condensed" charset="0"/>
+                <a:cs typeface="Helvetica Neue LT Std 67 Medium Condensed" charset="0"/>
+              </a:rPr>
+              <a:t>⌘</a:t>
+            </a:r>
+            <a:endParaRPr lang="de-DE" sz="4000" b="1" dirty="0">
+              <a:solidFill>
+                <a:srgbClr val="7030A0"/>
+              </a:solidFill>
+            </a:endParaRPr>
+          </a:p>
+        </p:txBody>
+      </p:sp>
+      <p:sp>
+        <p:nvSpPr>
+          <p:cNvPr id="132" name="Rechteck 131"/>
+          <p:cNvSpPr/>
+          <p:nvPr/>
+        </p:nvSpPr>
+        <p:spPr>
+          <a:xfrm>
+            <a:off x="5420369" y="3412482"/>
+            <a:ext cx="248786" cy="246221"/>
+          </a:xfrm>
+          <a:prstGeom prst="rect">
+            <a:avLst/>
+          </a:prstGeom>
+        </p:spPr>
+        <p:txBody>
+          <a:bodyPr wrap="none">
+            <a:spAutoFit/>
+          </a:bodyPr>
+          <a:lstStyle/>
+          <a:p>
+            <a:r>
+              <a:rPr lang="de-DE" sz="1000" dirty="0" smtClean="0">
+                <a:solidFill>
+                  <a:schemeClr val="accent2">
+                    <a:lumMod val="75000"/>
+                  </a:schemeClr>
+                </a:solidFill>
+                <a:latin typeface="Helvetica Neue LT Std 67 Medium Condensed" charset="0"/>
+                <a:ea typeface="Helvetica Neue LT Std 67 Medium Condensed" charset="0"/>
+                <a:cs typeface="Helvetica Neue LT Std 67 Medium Condensed" charset="0"/>
+              </a:rPr>
+              <a:t>⇧</a:t>
+            </a:r>
+            <a:endParaRPr lang="de-DE" sz="1400" dirty="0"/>
+          </a:p>
+        </p:txBody>
+      </p:sp>
+      <p:sp>
+        <p:nvSpPr>
+          <p:cNvPr id="133" name="Rechteck 132"/>
+          <p:cNvSpPr/>
+          <p:nvPr/>
+        </p:nvSpPr>
+        <p:spPr>
+          <a:xfrm>
+            <a:off x="3642049" y="3350575"/>
+            <a:ext cx="463588" cy="223779"/>
+          </a:xfrm>
+          <a:prstGeom prst="rect">
+            <a:avLst/>
+          </a:prstGeom>
+        </p:spPr>
+        <p:txBody>
+          <a:bodyPr wrap="none">
+            <a:spAutoFit/>
+          </a:bodyPr>
+          <a:lstStyle/>
+          <a:p>
+            <a:pPr>
+              <a:lnSpc>
+                <a:spcPts val="500"/>
+              </a:lnSpc>
+            </a:pPr>
+            <a:r>
+              <a:rPr lang="de-DE" sz="500" dirty="0">
+                <a:solidFill>
+                  <a:schemeClr val="accent2">
+                    <a:lumMod val="75000"/>
+                  </a:schemeClr>
+                </a:solidFill>
+                <a:latin typeface="Helvetica Neue LT Std 67 Medium Condensed" charset="0"/>
+                <a:ea typeface="Helvetica Neue LT Std 67 Medium Condensed" charset="0"/>
+                <a:cs typeface="Helvetica Neue LT Std 67 Medium Condensed" charset="0"/>
+              </a:rPr>
+              <a:t> </a:t>
+            </a:r>
+            <a:r>
+              <a:rPr lang="de-DE" sz="500" dirty="0" smtClean="0">
+                <a:solidFill>
+                  <a:schemeClr val="accent2">
+                    <a:lumMod val="75000"/>
+                  </a:schemeClr>
+                </a:solidFill>
+                <a:latin typeface="Helvetica Neue LT Std 67 Medium Condensed" charset="0"/>
+                <a:ea typeface="Helvetica Neue LT Std 67 Medium Condensed" charset="0"/>
+                <a:cs typeface="Helvetica Neue LT Std 67 Medium Condensed" charset="0"/>
+              </a:rPr>
+              <a:t>Insert Text</a:t>
+            </a:r>
+            <a:br>
+              <a:rPr lang="de-DE" sz="500" dirty="0" smtClean="0">
+                <a:solidFill>
+                  <a:schemeClr val="accent2">
+                    <a:lumMod val="75000"/>
+                  </a:schemeClr>
+                </a:solidFill>
+                <a:latin typeface="Helvetica Neue LT Std 67 Medium Condensed" charset="0"/>
+                <a:ea typeface="Helvetica Neue LT Std 67 Medium Condensed" charset="0"/>
+                <a:cs typeface="Helvetica Neue LT Std 67 Medium Condensed" charset="0"/>
+              </a:rPr>
+            </a:br>
+            <a:r>
+              <a:rPr lang="de-DE" sz="500" dirty="0" smtClean="0">
+                <a:solidFill>
+                  <a:schemeClr val="accent2">
+                    <a:lumMod val="75000"/>
+                  </a:schemeClr>
+                </a:solidFill>
+                <a:latin typeface="Helvetica Neue LT Std 67 Medium Condensed" charset="0"/>
+                <a:ea typeface="Helvetica Neue LT Std 67 Medium Condensed" charset="0"/>
+                <a:cs typeface="Helvetica Neue LT Std 67 Medium Condensed" charset="0"/>
+              </a:rPr>
+              <a:t> Item</a:t>
+            </a:r>
+            <a:endParaRPr lang="de-DE" sz="500" dirty="0"/>
+          </a:p>
+        </p:txBody>
+      </p:sp>
+      <p:sp>
+        <p:nvSpPr>
+          <p:cNvPr id="134" name="Abgerundetes Rechteck 133"/>
+          <p:cNvSpPr/>
+          <p:nvPr/>
+        </p:nvSpPr>
+        <p:spPr>
+          <a:xfrm>
+            <a:off x="2972850" y="3173686"/>
             <a:ext cx="495160" cy="483856"/>
           </a:xfrm>
           <a:prstGeom prst="roundRect">
@@ -10446,7 +10852,10 @@
             </a:avLst>
           </a:prstGeom>
           <a:solidFill>
-            <a:srgbClr val="FFD579"/>
+            <a:schemeClr val="accent4">
+              <a:lumMod val="20000"/>
+              <a:lumOff val="80000"/>
+            </a:schemeClr>
           </a:solidFill>
           <a:ln>
             <a:solidFill>
@@ -10489,14 +10898,14 @@
       </p:sp>
       <p:sp>
         <p:nvSpPr>
-          <p:cNvPr id="120" name="Textfeld 119"/>
+          <p:cNvPr id="135" name="Textfeld 134"/>
           <p:cNvSpPr txBox="1"/>
           <p:nvPr/>
         </p:nvSpPr>
         <p:spPr>
           <a:xfrm>
-            <a:off x="5100730" y="2585934"/>
-            <a:ext cx="759239" cy="246221"/>
+            <a:off x="2926795" y="3455506"/>
+            <a:ext cx="256802" cy="253916"/>
           </a:xfrm>
           <a:prstGeom prst="rect">
             <a:avLst/>
@@ -10504,29 +10913,231 @@
           <a:noFill/>
         </p:spPr>
         <p:txBody>
-          <a:bodyPr wrap="square" rtlCol="0" anchor="t">
-            <a:spAutoFit/>
-          </a:bodyPr>
-          <a:lstStyle/>
-          <a:p>
+          <a:bodyPr wrap="none" rtlCol="0">
+            <a:spAutoFit/>
+          </a:bodyPr>
+          <a:lstStyle/>
+          <a:p>
+            <a:r>
+              <a:rPr lang="de-DE" sz="1050" dirty="0" smtClean="0">
+                <a:latin typeface="Helvetica Neue LT Std 67 Medium Condensed" charset="0"/>
+                <a:ea typeface="Helvetica Neue LT Std 67 Medium Condensed" charset="0"/>
+                <a:cs typeface="Helvetica Neue LT Std 67 Medium Condensed" charset="0"/>
+              </a:rPr>
+              <a:t>R</a:t>
+            </a:r>
+            <a:endParaRPr lang="de-DE" sz="1050" dirty="0">
+              <a:latin typeface="Helvetica Neue LT Std 67 Medium Condensed" charset="0"/>
+              <a:ea typeface="Helvetica Neue LT Std 67 Medium Condensed" charset="0"/>
+              <a:cs typeface="Helvetica Neue LT Std 67 Medium Condensed" charset="0"/>
+            </a:endParaRPr>
+          </a:p>
+        </p:txBody>
+      </p:sp>
+      <p:sp>
+        <p:nvSpPr>
+          <p:cNvPr id="136" name="Rechteck 135"/>
+          <p:cNvSpPr/>
+          <p:nvPr/>
+        </p:nvSpPr>
+        <p:spPr>
+          <a:xfrm>
+            <a:off x="2901323" y="3247232"/>
+            <a:ext cx="248786" cy="246221"/>
+          </a:xfrm>
+          <a:prstGeom prst="rect">
+            <a:avLst/>
+          </a:prstGeom>
+        </p:spPr>
+        <p:txBody>
+          <a:bodyPr wrap="none">
+            <a:spAutoFit/>
+          </a:bodyPr>
+          <a:lstStyle/>
+          <a:p>
+            <a:r>
+              <a:rPr lang="de-DE" sz="1000" dirty="0" smtClean="0">
+                <a:solidFill>
+                  <a:schemeClr val="accent2">
+                    <a:lumMod val="75000"/>
+                  </a:schemeClr>
+                </a:solidFill>
+                <a:latin typeface="Helvetica Neue LT Std 67 Medium Condensed" charset="0"/>
+                <a:ea typeface="Helvetica Neue LT Std 67 Medium Condensed" charset="0"/>
+                <a:cs typeface="Helvetica Neue LT Std 67 Medium Condensed" charset="0"/>
+              </a:rPr>
+              <a:t>⇧</a:t>
+            </a:r>
+            <a:endParaRPr lang="de-DE" sz="1400" dirty="0"/>
+          </a:p>
+        </p:txBody>
+      </p:sp>
+      <p:sp>
+        <p:nvSpPr>
+          <p:cNvPr id="137" name="Rechteck 136"/>
+          <p:cNvSpPr/>
+          <p:nvPr/>
+        </p:nvSpPr>
+        <p:spPr>
+          <a:xfrm>
+            <a:off x="2958003" y="3300328"/>
+            <a:ext cx="574196" cy="223779"/>
+          </a:xfrm>
+          <a:prstGeom prst="rect">
+            <a:avLst/>
+          </a:prstGeom>
+        </p:spPr>
+        <p:txBody>
+          <a:bodyPr wrap="none">
+            <a:spAutoFit/>
+          </a:bodyPr>
+          <a:lstStyle/>
+          <a:p>
+            <a:pPr>
+              <a:lnSpc>
+                <a:spcPts val="500"/>
+              </a:lnSpc>
+            </a:pPr>
+            <a:r>
+              <a:rPr lang="de-DE" sz="500" dirty="0">
+                <a:solidFill>
+                  <a:schemeClr val="accent2">
+                    <a:lumMod val="75000"/>
+                  </a:schemeClr>
+                </a:solidFill>
+                <a:latin typeface="Helvetica Neue LT Std 67 Medium Condensed" charset="0"/>
+                <a:ea typeface="Helvetica Neue LT Std 67 Medium Condensed" charset="0"/>
+                <a:cs typeface="Helvetica Neue LT Std 67 Medium Condensed" charset="0"/>
+              </a:rPr>
+              <a:t> </a:t>
+            </a:r>
+            <a:r>
+              <a:rPr lang="de-DE" sz="500" dirty="0" smtClean="0">
+                <a:solidFill>
+                  <a:schemeClr val="accent2">
+                    <a:lumMod val="75000"/>
+                  </a:schemeClr>
+                </a:solidFill>
+                <a:latin typeface="Helvetica Neue LT Std 67 Medium Condensed" charset="0"/>
+                <a:ea typeface="Helvetica Neue LT Std 67 Medium Condensed" charset="0"/>
+                <a:cs typeface="Helvetica Neue LT Std 67 Medium Condensed" charset="0"/>
+              </a:rPr>
+              <a:t>Insert Region</a:t>
+            </a:r>
+            <a:br>
+              <a:rPr lang="de-DE" sz="500" dirty="0" smtClean="0">
+                <a:solidFill>
+                  <a:schemeClr val="accent2">
+                    <a:lumMod val="75000"/>
+                  </a:schemeClr>
+                </a:solidFill>
+                <a:latin typeface="Helvetica Neue LT Std 67 Medium Condensed" charset="0"/>
+                <a:ea typeface="Helvetica Neue LT Std 67 Medium Condensed" charset="0"/>
+                <a:cs typeface="Helvetica Neue LT Std 67 Medium Condensed" charset="0"/>
+              </a:rPr>
+            </a:br>
+            <a:r>
+              <a:rPr lang="de-DE" sz="500" dirty="0" smtClean="0">
+                <a:solidFill>
+                  <a:schemeClr val="accent2">
+                    <a:lumMod val="75000"/>
+                  </a:schemeClr>
+                </a:solidFill>
+                <a:latin typeface="Helvetica Neue LT Std 67 Medium Condensed" charset="0"/>
+                <a:ea typeface="Helvetica Neue LT Std 67 Medium Condensed" charset="0"/>
+                <a:cs typeface="Helvetica Neue LT Std 67 Medium Condensed" charset="0"/>
+              </a:rPr>
+              <a:t> </a:t>
+            </a:r>
             <a:r>
               <a:rPr lang="de-DE" sz="500" dirty="0" err="1" smtClean="0">
-                <a:latin typeface="Helvetica Neue LT Std 67 Medium Condensed" charset="0"/>
-                <a:ea typeface="Helvetica Neue LT Std 67 Medium Condensed" charset="0"/>
-                <a:cs typeface="Helvetica Neue LT Std 67 Medium Condensed" charset="0"/>
-              </a:rPr>
-              <a:t>Toggle</a:t>
-            </a:r>
-            <a:r>
-              <a:rPr lang="de-DE" sz="500" dirty="0" smtClean="0">
-                <a:latin typeface="Helvetica Neue LT Std 67 Medium Condensed" charset="0"/>
-                <a:ea typeface="Helvetica Neue LT Std 67 Medium Condensed" charset="0"/>
-                <a:cs typeface="Helvetica Neue LT Std 67 Medium Condensed" charset="0"/>
-              </a:rPr>
-              <a:t> Select</a:t>
+                <a:solidFill>
+                  <a:schemeClr val="accent2">
+                    <a:lumMod val="75000"/>
+                  </a:schemeClr>
+                </a:solidFill>
+                <a:latin typeface="Helvetica Neue LT Std 67 Medium Condensed" charset="0"/>
+                <a:ea typeface="Helvetica Neue LT Std 67 Medium Condensed" charset="0"/>
+                <a:cs typeface="Helvetica Neue LT Std 67 Medium Condensed" charset="0"/>
+              </a:rPr>
+              <a:t>from</a:t>
+            </a:r>
+            <a:r>
+              <a:rPr lang="de-DE" sz="500" dirty="0" smtClean="0">
+                <a:solidFill>
+                  <a:schemeClr val="accent2">
+                    <a:lumMod val="75000"/>
+                  </a:schemeClr>
+                </a:solidFill>
+                <a:latin typeface="Helvetica Neue LT Std 67 Medium Condensed" charset="0"/>
+                <a:ea typeface="Helvetica Neue LT Std 67 Medium Condensed" charset="0"/>
+                <a:cs typeface="Helvetica Neue LT Std 67 Medium Condensed" charset="0"/>
+              </a:rPr>
+              <a:t> Time-Sel.</a:t>
+            </a:r>
+            <a:endParaRPr lang="de-DE" sz="500" dirty="0"/>
+          </a:p>
+        </p:txBody>
+      </p:sp>
+      <p:sp>
+        <p:nvSpPr>
+          <p:cNvPr id="138" name="Rechteck 137"/>
+          <p:cNvSpPr/>
+          <p:nvPr/>
+        </p:nvSpPr>
+        <p:spPr>
+          <a:xfrm>
+            <a:off x="3078736" y="3453085"/>
+            <a:ext cx="445956" cy="223779"/>
+          </a:xfrm>
+          <a:prstGeom prst="rect">
+            <a:avLst/>
+          </a:prstGeom>
+        </p:spPr>
+        <p:txBody>
+          <a:bodyPr wrap="none">
+            <a:spAutoFit/>
+          </a:bodyPr>
+          <a:lstStyle/>
+          <a:p>
+            <a:pPr algn="r">
+              <a:lnSpc>
+                <a:spcPts val="500"/>
+              </a:lnSpc>
+            </a:pPr>
+            <a:r>
+              <a:rPr lang="de-DE" sz="500" dirty="0">
+                <a:solidFill>
+                  <a:schemeClr val="accent6">
+                    <a:lumMod val="75000"/>
+                  </a:schemeClr>
+                </a:solidFill>
+                <a:latin typeface="Helvetica Neue LT Std 67 Medium Condensed" charset="0"/>
+                <a:ea typeface="Helvetica Neue LT Std 67 Medium Condensed" charset="0"/>
+                <a:cs typeface="Helvetica Neue LT Std 67 Medium Condensed" charset="0"/>
+              </a:rPr>
+              <a:t>⌥ </a:t>
+            </a:r>
+            <a:r>
+              <a:rPr lang="de-DE" sz="500" dirty="0" smtClean="0">
+                <a:solidFill>
+                  <a:schemeClr val="accent6">
+                    <a:lumMod val="75000"/>
+                  </a:schemeClr>
+                </a:solidFill>
+                <a:latin typeface="Helvetica Neue LT Std 67 Medium Condensed" charset="0"/>
+                <a:ea typeface="Helvetica Neue LT Std 67 Medium Condensed" charset="0"/>
+                <a:cs typeface="Helvetica Neue LT Std 67 Medium Condensed" charset="0"/>
+              </a:rPr>
+              <a:t>Routing</a:t>
             </a:r>
             <a:br>
               <a:rPr lang="de-DE" sz="500" dirty="0" smtClean="0">
+                <a:solidFill>
+                  <a:schemeClr val="accent6">
+                    <a:lumMod val="75000"/>
+                  </a:schemeClr>
+                </a:solidFill>
                 <a:latin typeface="Helvetica Neue LT Std 67 Medium Condensed" charset="0"/>
                 <a:ea typeface="Helvetica Neue LT Std 67 Medium Condensed" charset="0"/>
                 <a:cs typeface="Helvetica Neue LT Std 67 Medium Condensed" charset="0"/>
@@ -10534,15 +11145,20 @@
             </a:br>
             <a:r>
               <a:rPr lang="de-DE" sz="500" dirty="0" smtClean="0">
-                <a:latin typeface="Helvetica Neue LT Std 67 Medium Condensed" charset="0"/>
-                <a:ea typeface="Helvetica Neue LT Std 67 Medium Condensed" charset="0"/>
-                <a:cs typeface="Helvetica Neue LT Std 67 Medium Condensed" charset="0"/>
-              </a:rPr>
-              <a:t>Track 8</a:t>
-            </a:r>
-            <a:endParaRPr lang="de-DE" sz="500" dirty="0" smtClean="0">
+                <a:solidFill>
+                  <a:schemeClr val="accent6">
+                    <a:lumMod val="75000"/>
+                  </a:schemeClr>
+                </a:solidFill>
+                <a:latin typeface="Helvetica Neue LT Std 67 Medium Condensed" charset="0"/>
+                <a:ea typeface="Helvetica Neue LT Std 67 Medium Condensed" charset="0"/>
+                <a:cs typeface="Helvetica Neue LT Std 67 Medium Condensed" charset="0"/>
+              </a:rPr>
+              <a:t>Matrix</a:t>
+            </a:r>
+            <a:endParaRPr lang="de-DE" sz="500" dirty="0">
               <a:solidFill>
-                <a:schemeClr val="accent2">
+                <a:schemeClr val="accent6">
                   <a:lumMod val="75000"/>
                 </a:schemeClr>
               </a:solidFill>
@@ -10555,51 +11171,13 @@
       </p:sp>
       <p:sp>
         <p:nvSpPr>
-          <p:cNvPr id="121" name="Textfeld 120"/>
-          <p:cNvSpPr txBox="1"/>
-          <p:nvPr/>
-        </p:nvSpPr>
-        <p:spPr>
-          <a:xfrm>
-            <a:off x="5062705" y="2853914"/>
-            <a:ext cx="248786" cy="253916"/>
-          </a:xfrm>
-          <a:prstGeom prst="rect">
-            <a:avLst/>
-          </a:prstGeom>
-          <a:noFill/>
-        </p:spPr>
-        <p:txBody>
-          <a:bodyPr wrap="none" rtlCol="0">
-            <a:spAutoFit/>
-          </a:bodyPr>
-          <a:lstStyle/>
-          <a:p>
-            <a:r>
-              <a:rPr lang="de-DE" sz="1050" dirty="0" smtClean="0">
-                <a:latin typeface="Helvetica Neue LT Std 67 Medium Condensed" charset="0"/>
-                <a:ea typeface="Helvetica Neue LT Std 67 Medium Condensed" charset="0"/>
-                <a:cs typeface="Helvetica Neue LT Std 67 Medium Condensed" charset="0"/>
-              </a:rPr>
-              <a:t>8</a:t>
-            </a:r>
-            <a:endParaRPr lang="de-DE" sz="1050" dirty="0">
-              <a:latin typeface="Helvetica Neue LT Std 67 Medium Condensed" charset="0"/>
-              <a:ea typeface="Helvetica Neue LT Std 67 Medium Condensed" charset="0"/>
-              <a:cs typeface="Helvetica Neue LT Std 67 Medium Condensed" charset="0"/>
-            </a:endParaRPr>
-          </a:p>
-        </p:txBody>
-      </p:sp>
-      <p:sp>
-        <p:nvSpPr>
-          <p:cNvPr id="122" name="Abgerundetes Rechteck 121"/>
+          <p:cNvPr id="139" name="Abgerundetes Rechteck 138"/>
           <p:cNvSpPr/>
           <p:nvPr/>
         </p:nvSpPr>
         <p:spPr>
           <a:xfrm>
-            <a:off x="3568768" y="3173686"/>
+            <a:off x="7765248" y="3173686"/>
             <a:ext cx="495160" cy="483856"/>
           </a:xfrm>
           <a:prstGeom prst="roundRect">
@@ -10608,11 +11186,14 @@
             </a:avLst>
           </a:prstGeom>
           <a:solidFill>
-            <a:srgbClr val="FFD579"/>
+            <a:schemeClr val="accent6">
+              <a:lumMod val="20000"/>
+              <a:lumOff val="80000"/>
+            </a:schemeClr>
           </a:solidFill>
           <a:ln>
             <a:solidFill>
-              <a:schemeClr val="accent4">
+              <a:schemeClr val="accent6">
                 <a:lumMod val="50000"/>
               </a:schemeClr>
             </a:solidFill>
@@ -10651,14 +11232,14 @@
       </p:sp>
       <p:sp>
         <p:nvSpPr>
-          <p:cNvPr id="123" name="Textfeld 122"/>
+          <p:cNvPr id="140" name="Textfeld 139"/>
           <p:cNvSpPr txBox="1"/>
           <p:nvPr/>
         </p:nvSpPr>
         <p:spPr>
           <a:xfrm>
-            <a:off x="3653910" y="3177107"/>
-            <a:ext cx="470783" cy="246221"/>
+            <a:off x="7721108" y="3446788"/>
+            <a:ext cx="264816" cy="253916"/>
           </a:xfrm>
           <a:prstGeom prst="rect">
             <a:avLst/>
@@ -10666,6 +11247,44 @@
           <a:noFill/>
         </p:spPr>
         <p:txBody>
+          <a:bodyPr wrap="none" rtlCol="0">
+            <a:spAutoFit/>
+          </a:bodyPr>
+          <a:lstStyle/>
+          <a:p>
+            <a:r>
+              <a:rPr lang="de-DE" sz="1050" dirty="0" smtClean="0">
+                <a:latin typeface="Helvetica Neue LT Std 67 Medium Condensed" charset="0"/>
+                <a:ea typeface="Helvetica Neue LT Std 67 Medium Condensed" charset="0"/>
+                <a:cs typeface="Helvetica Neue LT Std 67 Medium Condensed" charset="0"/>
+              </a:rPr>
+              <a:t>+</a:t>
+            </a:r>
+            <a:endParaRPr lang="de-DE" sz="1050" dirty="0">
+              <a:latin typeface="Helvetica Neue LT Std 67 Medium Condensed" charset="0"/>
+              <a:ea typeface="Helvetica Neue LT Std 67 Medium Condensed" charset="0"/>
+              <a:cs typeface="Helvetica Neue LT Std 67 Medium Condensed" charset="0"/>
+            </a:endParaRPr>
+          </a:p>
+        </p:txBody>
+      </p:sp>
+      <p:sp>
+        <p:nvSpPr>
+          <p:cNvPr id="141" name="Textfeld 140"/>
+          <p:cNvSpPr txBox="1"/>
+          <p:nvPr/>
+        </p:nvSpPr>
+        <p:spPr>
+          <a:xfrm>
+            <a:off x="7917509" y="3191909"/>
+            <a:ext cx="759239" cy="169277"/>
+          </a:xfrm>
+          <a:prstGeom prst="rect">
+            <a:avLst/>
+          </a:prstGeom>
+          <a:noFill/>
+        </p:spPr>
+        <p:txBody>
           <a:bodyPr wrap="square" rtlCol="0" anchor="t">
             <a:spAutoFit/>
           </a:bodyPr>
@@ -10673,148 +11292,34 @@
           <a:p>
             <a:r>
               <a:rPr lang="de-DE" sz="500" dirty="0" smtClean="0">
-                <a:solidFill>
-                  <a:srgbClr val="7030A0"/>
-                </a:solidFill>
-                <a:latin typeface="Helvetica Neue LT Std 67 Medium Condensed" charset="0"/>
-                <a:ea typeface="Helvetica Neue LT Std 67 Medium Condensed" charset="0"/>
-                <a:cs typeface="Helvetica Neue LT Std 67 Medium Condensed" charset="0"/>
-              </a:rPr>
-              <a:t>Insert </a:t>
-            </a:r>
-            <a:r>
-              <a:rPr lang="de-DE" sz="500" dirty="0" err="1" smtClean="0">
-                <a:solidFill>
-                  <a:srgbClr val="7030A0"/>
-                </a:solidFill>
-                <a:latin typeface="Helvetica Neue LT Std 67 Medium Condensed" charset="0"/>
-                <a:ea typeface="Helvetica Neue LT Std 67 Medium Condensed" charset="0"/>
-                <a:cs typeface="Helvetica Neue LT Std 67 Medium Condensed" charset="0"/>
-              </a:rPr>
-              <a:t>new</a:t>
-            </a:r>
-            <a:r>
-              <a:rPr lang="de-DE" sz="500" dirty="0" smtClean="0">
-                <a:solidFill>
-                  <a:srgbClr val="7030A0"/>
-                </a:solidFill>
-                <a:latin typeface="Helvetica Neue LT Std 67 Medium Condensed" charset="0"/>
-                <a:ea typeface="Helvetica Neue LT Std 67 Medium Condensed" charset="0"/>
-                <a:cs typeface="Helvetica Neue LT Std 67 Medium Condensed" charset="0"/>
-              </a:rPr>
-              <a:t/>
-            </a:r>
-            <a:br>
-              <a:rPr lang="de-DE" sz="500" dirty="0" smtClean="0">
-                <a:solidFill>
-                  <a:srgbClr val="7030A0"/>
-                </a:solidFill>
-                <a:latin typeface="Helvetica Neue LT Std 67 Medium Condensed" charset="0"/>
-                <a:ea typeface="Helvetica Neue LT Std 67 Medium Condensed" charset="0"/>
-                <a:cs typeface="Helvetica Neue LT Std 67 Medium Condensed" charset="0"/>
-              </a:rPr>
-            </a:br>
-            <a:r>
-              <a:rPr lang="de-DE" sz="500" dirty="0" smtClean="0">
-                <a:solidFill>
-                  <a:srgbClr val="7030A0"/>
-                </a:solidFill>
-                <a:latin typeface="Helvetica Neue LT Std 67 Medium Condensed" charset="0"/>
-                <a:ea typeface="Helvetica Neue LT Std 67 Medium Condensed" charset="0"/>
-                <a:cs typeface="Helvetica Neue LT Std 67 Medium Condensed" charset="0"/>
-              </a:rPr>
-              <a:t>Track</a:t>
-            </a:r>
-          </a:p>
-        </p:txBody>
-      </p:sp>
-      <p:sp>
-        <p:nvSpPr>
-          <p:cNvPr id="124" name="Textfeld 123"/>
-          <p:cNvSpPr txBox="1"/>
-          <p:nvPr/>
-        </p:nvSpPr>
-        <p:spPr>
-          <a:xfrm>
-            <a:off x="3530743" y="3445087"/>
-            <a:ext cx="248786" cy="253916"/>
-          </a:xfrm>
-          <a:prstGeom prst="rect">
-            <a:avLst/>
-          </a:prstGeom>
-          <a:noFill/>
-        </p:spPr>
-        <p:txBody>
-          <a:bodyPr wrap="none" rtlCol="0">
-            <a:spAutoFit/>
-          </a:bodyPr>
-          <a:lstStyle/>
-          <a:p>
-            <a:r>
-              <a:rPr lang="de-DE" sz="1050" dirty="0" smtClean="0">
-                <a:latin typeface="Helvetica Neue LT Std 67 Medium Condensed" charset="0"/>
-                <a:ea typeface="Helvetica Neue LT Std 67 Medium Condensed" charset="0"/>
-                <a:cs typeface="Helvetica Neue LT Std 67 Medium Condensed" charset="0"/>
-              </a:rPr>
-              <a:t>T</a:t>
-            </a:r>
-            <a:endParaRPr lang="de-DE" sz="1050" dirty="0">
-              <a:latin typeface="Helvetica Neue LT Std 67 Medium Condensed" charset="0"/>
-              <a:ea typeface="Helvetica Neue LT Std 67 Medium Condensed" charset="0"/>
-              <a:cs typeface="Helvetica Neue LT Std 67 Medium Condensed" charset="0"/>
-            </a:endParaRPr>
-          </a:p>
-        </p:txBody>
-      </p:sp>
-      <p:sp>
-        <p:nvSpPr>
-          <p:cNvPr id="125" name="Rechteck 124"/>
+                <a:latin typeface="Helvetica Neue LT Std 67 Medium Condensed" charset="0"/>
+                <a:ea typeface="Helvetica Neue LT Std 67 Medium Condensed" charset="0"/>
+                <a:cs typeface="Helvetica Neue LT Std 67 Medium Condensed" charset="0"/>
+              </a:rPr>
+              <a:t>Zoom in</a:t>
+            </a:r>
+            <a:endParaRPr lang="de-DE" sz="500" dirty="0" smtClean="0">
+              <a:solidFill>
+                <a:schemeClr val="accent2">
+                  <a:lumMod val="75000"/>
+                </a:schemeClr>
+              </a:solidFill>
+              <a:latin typeface="Helvetica Neue LT Std 67 Medium Condensed" charset="0"/>
+              <a:ea typeface="Helvetica Neue LT Std 67 Medium Condensed" charset="0"/>
+              <a:cs typeface="Helvetica Neue LT Std 67 Medium Condensed" charset="0"/>
+            </a:endParaRPr>
+          </a:p>
+        </p:txBody>
+      </p:sp>
+      <p:sp>
+        <p:nvSpPr>
+          <p:cNvPr id="142" name="Abgerundetes Rechteck 141"/>
           <p:cNvSpPr/>
           <p:nvPr/>
         </p:nvSpPr>
         <p:spPr>
           <a:xfrm>
-            <a:off x="3547180" y="3175383"/>
-            <a:ext cx="261610" cy="184666"/>
-          </a:xfrm>
-          <a:prstGeom prst="rect">
-            <a:avLst/>
-          </a:prstGeom>
-        </p:spPr>
-        <p:txBody>
-          <a:bodyPr wrap="none">
-            <a:spAutoFit/>
-          </a:bodyPr>
-          <a:lstStyle/>
-          <a:p>
-            <a:r>
-              <a:rPr lang="de-DE" sz="600" b="1" dirty="0" smtClean="0">
-                <a:solidFill>
-                  <a:srgbClr val="7030A0"/>
-                </a:solidFill>
-                <a:latin typeface="Helvetica Neue LT Std 67 Medium Condensed" charset="0"/>
-                <a:ea typeface="Helvetica Neue LT Std 67 Medium Condensed" charset="0"/>
-                <a:cs typeface="Helvetica Neue LT Std 67 Medium Condensed" charset="0"/>
-              </a:rPr>
-              <a:t>⌘</a:t>
-            </a:r>
-            <a:endParaRPr lang="de-DE" sz="4000" b="1" dirty="0">
-              <a:solidFill>
-                <a:srgbClr val="7030A0"/>
-              </a:solidFill>
-            </a:endParaRPr>
-          </a:p>
-        </p:txBody>
-      </p:sp>
-      <p:sp>
-        <p:nvSpPr>
-          <p:cNvPr id="126" name="Abgerundetes Rechteck 125"/>
-          <p:cNvSpPr/>
-          <p:nvPr/>
-        </p:nvSpPr>
-        <p:spPr>
-          <a:xfrm>
-            <a:off x="5813122" y="4346279"/>
+            <a:off x="7014819" y="4346279"/>
             <a:ext cx="495160" cy="483856"/>
           </a:xfrm>
           <a:prstGeom prst="roundRect">
@@ -10869,13 +11374,51 @@
       </p:sp>
       <p:sp>
         <p:nvSpPr>
-          <p:cNvPr id="127" name="Textfeld 126"/>
+          <p:cNvPr id="143" name="Textfeld 142"/>
           <p:cNvSpPr txBox="1"/>
           <p:nvPr/>
         </p:nvSpPr>
         <p:spPr>
           <a:xfrm>
-            <a:off x="5875265" y="4340506"/>
+            <a:off x="6970679" y="4624787"/>
+            <a:ext cx="232756" cy="253916"/>
+          </a:xfrm>
+          <a:prstGeom prst="rect">
+            <a:avLst/>
+          </a:prstGeom>
+          <a:noFill/>
+        </p:spPr>
+        <p:txBody>
+          <a:bodyPr wrap="none" rtlCol="0">
+            <a:spAutoFit/>
+          </a:bodyPr>
+          <a:lstStyle/>
+          <a:p>
+            <a:r>
+              <a:rPr lang="de-DE" sz="1050" dirty="0" smtClean="0">
+                <a:latin typeface="Helvetica Neue LT Std 67 Medium Condensed" charset="0"/>
+                <a:ea typeface="Helvetica Neue LT Std 67 Medium Condensed" charset="0"/>
+                <a:cs typeface="Helvetica Neue LT Std 67 Medium Condensed" charset="0"/>
+              </a:rPr>
+              <a:t>-</a:t>
+            </a:r>
+            <a:endParaRPr lang="de-DE" sz="1050" dirty="0">
+              <a:latin typeface="Helvetica Neue LT Std 67 Medium Condensed" charset="0"/>
+              <a:ea typeface="Helvetica Neue LT Std 67 Medium Condensed" charset="0"/>
+              <a:cs typeface="Helvetica Neue LT Std 67 Medium Condensed" charset="0"/>
+            </a:endParaRPr>
+          </a:p>
+        </p:txBody>
+      </p:sp>
+      <p:sp>
+        <p:nvSpPr>
+          <p:cNvPr id="144" name="Textfeld 143"/>
+          <p:cNvSpPr txBox="1"/>
+          <p:nvPr/>
+        </p:nvSpPr>
+        <p:spPr>
+          <a:xfrm>
+            <a:off x="7151745" y="4345196"/>
             <a:ext cx="759239" cy="169277"/>
           </a:xfrm>
           <a:prstGeom prst="rect">
@@ -10890,19 +11433,18 @@
           <a:lstStyle/>
           <a:p>
             <a:r>
-              <a:rPr lang="de-DE" sz="500" dirty="0" err="1" smtClean="0">
-                <a:solidFill>
-                  <a:srgbClr val="7030A0"/>
-                </a:solidFill>
-                <a:latin typeface="Helvetica Neue LT Std 67 Medium Condensed" charset="0"/>
-                <a:ea typeface="Helvetica Neue LT Std 67 Medium Condensed" charset="0"/>
-                <a:cs typeface="Helvetica Neue LT Std 67 Medium Condensed" charset="0"/>
-              </a:rPr>
-              <a:t>Preferences</a:t>
+              <a:rPr lang="de-DE" sz="500" dirty="0" smtClean="0">
+                <a:latin typeface="Helvetica Neue LT Std 67 Medium Condensed" charset="0"/>
+                <a:ea typeface="Helvetica Neue LT Std 67 Medium Condensed" charset="0"/>
+                <a:cs typeface="Helvetica Neue LT Std 67 Medium Condensed" charset="0"/>
+              </a:rPr>
+              <a:t>Zoom out</a:t>
             </a:r>
             <a:endParaRPr lang="de-DE" sz="500" dirty="0" smtClean="0">
               <a:solidFill>
-                <a:srgbClr val="7030A0"/>
+                <a:schemeClr val="accent2">
+                  <a:lumMod val="75000"/>
+                </a:schemeClr>
               </a:solidFill>
               <a:latin typeface="Helvetica Neue LT Std 67 Medium Condensed" charset="0"/>
               <a:ea typeface="Helvetica Neue LT Std 67 Medium Condensed" charset="0"/>
@@ -10913,210 +11455,13 @@
       </p:sp>
       <p:sp>
         <p:nvSpPr>
-          <p:cNvPr id="128" name="Textfeld 127"/>
-          <p:cNvSpPr txBox="1"/>
-          <p:nvPr/>
-        </p:nvSpPr>
-        <p:spPr>
-          <a:xfrm>
-            <a:off x="5768982" y="4619701"/>
-            <a:ext cx="216726" cy="253916"/>
-          </a:xfrm>
-          <a:prstGeom prst="rect">
-            <a:avLst/>
-          </a:prstGeom>
-          <a:noFill/>
-        </p:spPr>
-        <p:txBody>
-          <a:bodyPr wrap="none" rtlCol="0">
-            <a:spAutoFit/>
-          </a:bodyPr>
-          <a:lstStyle/>
-          <a:p>
-            <a:r>
-              <a:rPr lang="de-DE" sz="1050" dirty="0" smtClean="0">
-                <a:latin typeface="Helvetica Neue LT Std 67 Medium Condensed" charset="0"/>
-                <a:ea typeface="Helvetica Neue LT Std 67 Medium Condensed" charset="0"/>
-                <a:cs typeface="Helvetica Neue LT Std 67 Medium Condensed" charset="0"/>
-              </a:rPr>
-              <a:t>,</a:t>
-            </a:r>
-            <a:endParaRPr lang="de-DE" sz="1050" dirty="0">
-              <a:latin typeface="Helvetica Neue LT Std 67 Medium Condensed" charset="0"/>
-              <a:ea typeface="Helvetica Neue LT Std 67 Medium Condensed" charset="0"/>
-              <a:cs typeface="Helvetica Neue LT Std 67 Medium Condensed" charset="0"/>
-            </a:endParaRPr>
-          </a:p>
-        </p:txBody>
-      </p:sp>
-      <p:sp>
-        <p:nvSpPr>
-          <p:cNvPr id="129" name="Rechteck 128"/>
+          <p:cNvPr id="145" name="Abgerundetes Rechteck 144"/>
           <p:cNvSpPr/>
           <p:nvPr/>
         </p:nvSpPr>
         <p:spPr>
           <a:xfrm>
-            <a:off x="5777457" y="4324679"/>
-            <a:ext cx="261610" cy="184666"/>
-          </a:xfrm>
-          <a:prstGeom prst="rect">
-            <a:avLst/>
-          </a:prstGeom>
-        </p:spPr>
-        <p:txBody>
-          <a:bodyPr wrap="none">
-            <a:spAutoFit/>
-          </a:bodyPr>
-          <a:lstStyle/>
-          <a:p>
-            <a:r>
-              <a:rPr lang="de-DE" sz="600" b="1" dirty="0" smtClean="0">
-                <a:solidFill>
-                  <a:srgbClr val="7030A0"/>
-                </a:solidFill>
-                <a:latin typeface="Helvetica Neue LT Std 67 Medium Condensed" charset="0"/>
-                <a:ea typeface="Helvetica Neue LT Std 67 Medium Condensed" charset="0"/>
-                <a:cs typeface="Helvetica Neue LT Std 67 Medium Condensed" charset="0"/>
-              </a:rPr>
-              <a:t>⌘</a:t>
-            </a:r>
-            <a:endParaRPr lang="de-DE" sz="4000" b="1" dirty="0">
-              <a:solidFill>
-                <a:srgbClr val="7030A0"/>
-              </a:solidFill>
-            </a:endParaRPr>
-          </a:p>
-        </p:txBody>
-      </p:sp>
-      <p:sp>
-        <p:nvSpPr>
-          <p:cNvPr id="132" name="Rechteck 131"/>
-          <p:cNvSpPr/>
-          <p:nvPr/>
-        </p:nvSpPr>
-        <p:spPr>
-          <a:xfrm>
-            <a:off x="5420369" y="3412482"/>
-            <a:ext cx="248786" cy="246221"/>
-          </a:xfrm>
-          <a:prstGeom prst="rect">
-            <a:avLst/>
-          </a:prstGeom>
-        </p:spPr>
-        <p:txBody>
-          <a:bodyPr wrap="none">
-            <a:spAutoFit/>
-          </a:bodyPr>
-          <a:lstStyle/>
-          <a:p>
-            <a:r>
-              <a:rPr lang="de-DE" sz="1000" dirty="0" smtClean="0">
-                <a:solidFill>
-                  <a:schemeClr val="accent2">
-                    <a:lumMod val="75000"/>
-                  </a:schemeClr>
-                </a:solidFill>
-                <a:latin typeface="Helvetica Neue LT Std 67 Medium Condensed" charset="0"/>
-                <a:ea typeface="Helvetica Neue LT Std 67 Medium Condensed" charset="0"/>
-                <a:cs typeface="Helvetica Neue LT Std 67 Medium Condensed" charset="0"/>
-              </a:rPr>
-              <a:t>⇧</a:t>
-            </a:r>
-            <a:endParaRPr lang="de-DE" sz="1400" dirty="0"/>
-          </a:p>
-        </p:txBody>
-      </p:sp>
-      <p:sp>
-        <p:nvSpPr>
-          <p:cNvPr id="133" name="Rechteck 132"/>
-          <p:cNvSpPr/>
-          <p:nvPr/>
-        </p:nvSpPr>
-        <p:spPr>
-          <a:xfrm>
-            <a:off x="3642049" y="3350575"/>
-            <a:ext cx="463588" cy="223779"/>
-          </a:xfrm>
-          <a:prstGeom prst="rect">
-            <a:avLst/>
-          </a:prstGeom>
-        </p:spPr>
-        <p:txBody>
-          <a:bodyPr wrap="none">
-            <a:spAutoFit/>
-          </a:bodyPr>
-          <a:lstStyle/>
-          <a:p>
-            <a:pPr>
-              <a:lnSpc>
-                <a:spcPts val="500"/>
-              </a:lnSpc>
-            </a:pPr>
-            <a:r>
-              <a:rPr lang="de-DE" sz="500" dirty="0">
-                <a:solidFill>
-                  <a:schemeClr val="accent2">
-                    <a:lumMod val="75000"/>
-                  </a:schemeClr>
-                </a:solidFill>
-                <a:latin typeface="Helvetica Neue LT Std 67 Medium Condensed" charset="0"/>
-                <a:ea typeface="Helvetica Neue LT Std 67 Medium Condensed" charset="0"/>
-                <a:cs typeface="Helvetica Neue LT Std 67 Medium Condensed" charset="0"/>
-              </a:rPr>
-              <a:t> </a:t>
-            </a:r>
-            <a:r>
-              <a:rPr lang="de-DE" sz="500" dirty="0" smtClean="0">
-                <a:solidFill>
-                  <a:schemeClr val="accent2">
-                    <a:lumMod val="75000"/>
-                  </a:schemeClr>
-                </a:solidFill>
-                <a:latin typeface="Helvetica Neue LT Std 67 Medium Condensed" charset="0"/>
-                <a:ea typeface="Helvetica Neue LT Std 67 Medium Condensed" charset="0"/>
-                <a:cs typeface="Helvetica Neue LT Std 67 Medium Condensed" charset="0"/>
-              </a:rPr>
-              <a:t>Insert Text</a:t>
-            </a:r>
-            <a:br>
-              <a:rPr lang="de-DE" sz="500" dirty="0" smtClean="0">
-                <a:solidFill>
-                  <a:schemeClr val="accent2">
-                    <a:lumMod val="75000"/>
-                  </a:schemeClr>
-                </a:solidFill>
-                <a:latin typeface="Helvetica Neue LT Std 67 Medium Condensed" charset="0"/>
-                <a:ea typeface="Helvetica Neue LT Std 67 Medium Condensed" charset="0"/>
-                <a:cs typeface="Helvetica Neue LT Std 67 Medium Condensed" charset="0"/>
-              </a:rPr>
-            </a:br>
-            <a:r>
-              <a:rPr lang="de-DE" sz="500" dirty="0" smtClean="0">
-                <a:solidFill>
-                  <a:schemeClr val="accent2">
-                    <a:lumMod val="75000"/>
-                  </a:schemeClr>
-                </a:solidFill>
-                <a:latin typeface="Helvetica Neue LT Std 67 Medium Condensed" charset="0"/>
-                <a:ea typeface="Helvetica Neue LT Std 67 Medium Condensed" charset="0"/>
-                <a:cs typeface="Helvetica Neue LT Std 67 Medium Condensed" charset="0"/>
-              </a:rPr>
-              <a:t> Item</a:t>
-            </a:r>
-            <a:endParaRPr lang="de-DE" sz="500" dirty="0"/>
-          </a:p>
-        </p:txBody>
-      </p:sp>
-      <p:sp>
-        <p:nvSpPr>
-          <p:cNvPr id="134" name="Abgerundetes Rechteck 133"/>
-          <p:cNvSpPr/>
-          <p:nvPr/>
-        </p:nvSpPr>
-        <p:spPr>
-          <a:xfrm>
-            <a:off x="2972850" y="3173686"/>
+            <a:off x="258655" y="2583572"/>
             <a:ext cx="495160" cy="483856"/>
           </a:xfrm>
           <a:prstGeom prst="roundRect">
@@ -11125,14 +11470,14 @@
             </a:avLst>
           </a:prstGeom>
           <a:solidFill>
-            <a:schemeClr val="accent4">
+            <a:schemeClr val="accent6">
               <a:lumMod val="20000"/>
               <a:lumOff val="80000"/>
             </a:schemeClr>
           </a:solidFill>
           <a:ln>
             <a:solidFill>
-              <a:schemeClr val="accent4">
+              <a:schemeClr val="accent6">
                 <a:lumMod val="50000"/>
               </a:schemeClr>
             </a:solidFill>
@@ -11171,14 +11516,14 @@
       </p:sp>
       <p:sp>
         <p:nvSpPr>
-          <p:cNvPr id="135" name="Textfeld 134"/>
+          <p:cNvPr id="146" name="Textfeld 145"/>
           <p:cNvSpPr txBox="1"/>
           <p:nvPr/>
         </p:nvSpPr>
         <p:spPr>
           <a:xfrm>
-            <a:off x="2926795" y="3455506"/>
-            <a:ext cx="256802" cy="253916"/>
+            <a:off x="1579972" y="4626278"/>
+            <a:ext cx="248786" cy="253916"/>
           </a:xfrm>
           <a:prstGeom prst="rect">
             <a:avLst/>
@@ -11197,7 +11542,7 @@
                 <a:ea typeface="Helvetica Neue LT Std 67 Medium Condensed" charset="0"/>
                 <a:cs typeface="Helvetica Neue LT Std 67 Medium Condensed" charset="0"/>
               </a:rPr>
-              <a:t>R</a:t>
+              <a:t>Y</a:t>
             </a:r>
             <a:endParaRPr lang="de-DE" sz="1050" dirty="0">
               <a:latin typeface="Helvetica Neue LT Std 67 Medium Condensed" charset="0"/>
@@ -11209,159 +11554,88 @@
       </p:sp>
       <p:sp>
         <p:nvSpPr>
-          <p:cNvPr id="136" name="Rechteck 135"/>
+          <p:cNvPr id="147" name="Textfeld 146"/>
+          <p:cNvSpPr txBox="1"/>
+          <p:nvPr/>
+        </p:nvSpPr>
+        <p:spPr>
+          <a:xfrm>
+            <a:off x="243175" y="2608692"/>
+            <a:ext cx="759239" cy="246221"/>
+          </a:xfrm>
+          <a:prstGeom prst="rect">
+            <a:avLst/>
+          </a:prstGeom>
+          <a:noFill/>
+        </p:spPr>
+        <p:txBody>
+          <a:bodyPr wrap="square" rtlCol="0" anchor="t">
+            <a:spAutoFit/>
+          </a:bodyPr>
+          <a:lstStyle/>
+          <a:p>
+            <a:r>
+              <a:rPr lang="de-DE" sz="500" dirty="0" smtClean="0">
+                <a:latin typeface="Helvetica Neue LT Std 67 Medium Condensed" charset="0"/>
+                <a:ea typeface="Helvetica Neue LT Std 67 Medium Condensed" charset="0"/>
+                <a:cs typeface="Helvetica Neue LT Std 67 Medium Condensed" charset="0"/>
+              </a:rPr>
+              <a:t>Go </a:t>
+            </a:r>
+            <a:r>
+              <a:rPr lang="de-DE" sz="500" dirty="0" err="1" smtClean="0">
+                <a:latin typeface="Helvetica Neue LT Std 67 Medium Condensed" charset="0"/>
+                <a:ea typeface="Helvetica Neue LT Std 67 Medium Condensed" charset="0"/>
+                <a:cs typeface="Helvetica Neue LT Std 67 Medium Condensed" charset="0"/>
+              </a:rPr>
+              <a:t>to</a:t>
+            </a:r>
+            <a:r>
+              <a:rPr lang="de-DE" sz="500" dirty="0" smtClean="0">
+                <a:latin typeface="Helvetica Neue LT Std 67 Medium Condensed" charset="0"/>
+                <a:ea typeface="Helvetica Neue LT Std 67 Medium Condensed" charset="0"/>
+                <a:cs typeface="Helvetica Neue LT Std 67 Medium Condensed" charset="0"/>
+              </a:rPr>
+              <a:t> </a:t>
+            </a:r>
+            <a:br>
+              <a:rPr lang="de-DE" sz="500" dirty="0" smtClean="0">
+                <a:latin typeface="Helvetica Neue LT Std 67 Medium Condensed" charset="0"/>
+                <a:ea typeface="Helvetica Neue LT Std 67 Medium Condensed" charset="0"/>
+                <a:cs typeface="Helvetica Neue LT Std 67 Medium Condensed" charset="0"/>
+              </a:rPr>
+            </a:br>
+            <a:r>
+              <a:rPr lang="de-DE" sz="500" dirty="0" smtClean="0">
+                <a:latin typeface="Helvetica Neue LT Std 67 Medium Condensed" charset="0"/>
+                <a:ea typeface="Helvetica Neue LT Std 67 Medium Condensed" charset="0"/>
+                <a:cs typeface="Helvetica Neue LT Std 67 Medium Condensed" charset="0"/>
+              </a:rPr>
+              <a:t>Play Position</a:t>
+            </a:r>
+            <a:endParaRPr lang="de-DE" sz="500" dirty="0" smtClean="0">
+              <a:solidFill>
+                <a:schemeClr val="accent2">
+                  <a:lumMod val="75000"/>
+                </a:schemeClr>
+              </a:solidFill>
+              <a:latin typeface="Helvetica Neue LT Std 67 Medium Condensed" charset="0"/>
+              <a:ea typeface="Helvetica Neue LT Std 67 Medium Condensed" charset="0"/>
+              <a:cs typeface="Helvetica Neue LT Std 67 Medium Condensed" charset="0"/>
+            </a:endParaRPr>
+          </a:p>
+        </p:txBody>
+      </p:sp>
+      <p:sp>
+        <p:nvSpPr>
+          <p:cNvPr id="148" name="Rechteck 147"/>
           <p:cNvSpPr/>
           <p:nvPr/>
         </p:nvSpPr>
         <p:spPr>
           <a:xfrm>
-            <a:off x="2901323" y="3247232"/>
-            <a:ext cx="248786" cy="246221"/>
-          </a:xfrm>
-          <a:prstGeom prst="rect">
-            <a:avLst/>
-          </a:prstGeom>
-        </p:spPr>
-        <p:txBody>
-          <a:bodyPr wrap="none">
-            <a:spAutoFit/>
-          </a:bodyPr>
-          <a:lstStyle/>
-          <a:p>
-            <a:r>
-              <a:rPr lang="de-DE" sz="1000" dirty="0" smtClean="0">
-                <a:solidFill>
-                  <a:schemeClr val="accent2">
-                    <a:lumMod val="75000"/>
-                  </a:schemeClr>
-                </a:solidFill>
-                <a:latin typeface="Helvetica Neue LT Std 67 Medium Condensed" charset="0"/>
-                <a:ea typeface="Helvetica Neue LT Std 67 Medium Condensed" charset="0"/>
-                <a:cs typeface="Helvetica Neue LT Std 67 Medium Condensed" charset="0"/>
-              </a:rPr>
-              <a:t>⇧</a:t>
-            </a:r>
-            <a:endParaRPr lang="de-DE" sz="1400" dirty="0"/>
-          </a:p>
-        </p:txBody>
-      </p:sp>
-      <p:sp>
-        <p:nvSpPr>
-          <p:cNvPr id="137" name="Rechteck 136"/>
-          <p:cNvSpPr/>
-          <p:nvPr/>
-        </p:nvSpPr>
-        <p:spPr>
-          <a:xfrm>
-            <a:off x="2958003" y="3300328"/>
-            <a:ext cx="574196" cy="223779"/>
-          </a:xfrm>
-          <a:prstGeom prst="rect">
-            <a:avLst/>
-          </a:prstGeom>
-        </p:spPr>
-        <p:txBody>
-          <a:bodyPr wrap="none">
-            <a:spAutoFit/>
-          </a:bodyPr>
-          <a:lstStyle/>
-          <a:p>
-            <a:pPr>
-              <a:lnSpc>
-                <a:spcPts val="500"/>
-              </a:lnSpc>
-            </a:pPr>
-            <a:r>
-              <a:rPr lang="de-DE" sz="500" dirty="0">
-                <a:solidFill>
-                  <a:schemeClr val="accent2">
-                    <a:lumMod val="75000"/>
-                  </a:schemeClr>
-                </a:solidFill>
-                <a:latin typeface="Helvetica Neue LT Std 67 Medium Condensed" charset="0"/>
-                <a:ea typeface="Helvetica Neue LT Std 67 Medium Condensed" charset="0"/>
-                <a:cs typeface="Helvetica Neue LT Std 67 Medium Condensed" charset="0"/>
-              </a:rPr>
-              <a:t> </a:t>
-            </a:r>
-            <a:r>
-              <a:rPr lang="de-DE" sz="500" dirty="0" smtClean="0">
-                <a:solidFill>
-                  <a:schemeClr val="accent2">
-                    <a:lumMod val="75000"/>
-                  </a:schemeClr>
-                </a:solidFill>
-                <a:latin typeface="Helvetica Neue LT Std 67 Medium Condensed" charset="0"/>
-                <a:ea typeface="Helvetica Neue LT Std 67 Medium Condensed" charset="0"/>
-                <a:cs typeface="Helvetica Neue LT Std 67 Medium Condensed" charset="0"/>
-              </a:rPr>
-              <a:t>Insert Region</a:t>
-            </a:r>
-            <a:br>
-              <a:rPr lang="de-DE" sz="500" dirty="0" smtClean="0">
-                <a:solidFill>
-                  <a:schemeClr val="accent2">
-                    <a:lumMod val="75000"/>
-                  </a:schemeClr>
-                </a:solidFill>
-                <a:latin typeface="Helvetica Neue LT Std 67 Medium Condensed" charset="0"/>
-                <a:ea typeface="Helvetica Neue LT Std 67 Medium Condensed" charset="0"/>
-                <a:cs typeface="Helvetica Neue LT Std 67 Medium Condensed" charset="0"/>
-              </a:rPr>
-            </a:br>
-            <a:r>
-              <a:rPr lang="de-DE" sz="500" dirty="0" smtClean="0">
-                <a:solidFill>
-                  <a:schemeClr val="accent2">
-                    <a:lumMod val="75000"/>
-                  </a:schemeClr>
-                </a:solidFill>
-                <a:latin typeface="Helvetica Neue LT Std 67 Medium Condensed" charset="0"/>
-                <a:ea typeface="Helvetica Neue LT Std 67 Medium Condensed" charset="0"/>
-                <a:cs typeface="Helvetica Neue LT Std 67 Medium Condensed" charset="0"/>
-              </a:rPr>
-              <a:t> </a:t>
-            </a:r>
-            <a:r>
-              <a:rPr lang="de-DE" sz="500" dirty="0" err="1" smtClean="0">
-                <a:solidFill>
-                  <a:schemeClr val="accent2">
-                    <a:lumMod val="75000"/>
-                  </a:schemeClr>
-                </a:solidFill>
-                <a:latin typeface="Helvetica Neue LT Std 67 Medium Condensed" charset="0"/>
-                <a:ea typeface="Helvetica Neue LT Std 67 Medium Condensed" charset="0"/>
-                <a:cs typeface="Helvetica Neue LT Std 67 Medium Condensed" charset="0"/>
-              </a:rPr>
-              <a:t>from</a:t>
-            </a:r>
-            <a:r>
-              <a:rPr lang="de-DE" sz="500" dirty="0" smtClean="0">
-                <a:solidFill>
-                  <a:schemeClr val="accent2">
-                    <a:lumMod val="75000"/>
-                  </a:schemeClr>
-                </a:solidFill>
-                <a:latin typeface="Helvetica Neue LT Std 67 Medium Condensed" charset="0"/>
-                <a:ea typeface="Helvetica Neue LT Std 67 Medium Condensed" charset="0"/>
-                <a:cs typeface="Helvetica Neue LT Std 67 Medium Condensed" charset="0"/>
-              </a:rPr>
-              <a:t> Time-Sel.</a:t>
-            </a:r>
-            <a:endParaRPr lang="de-DE" sz="500" dirty="0"/>
-          </a:p>
-        </p:txBody>
-      </p:sp>
-      <p:sp>
-        <p:nvSpPr>
-          <p:cNvPr id="138" name="Rechteck 137"/>
-          <p:cNvSpPr/>
-          <p:nvPr/>
-        </p:nvSpPr>
-        <p:spPr>
-          <a:xfrm>
-            <a:off x="3078736" y="3453085"/>
-            <a:ext cx="445956" cy="223779"/>
+            <a:off x="7063744" y="4457030"/>
+            <a:ext cx="503664" cy="223779"/>
           </a:xfrm>
           <a:prstGeom prst="rect">
             <a:avLst/>
@@ -11402,7 +11676,7 @@
                 <a:ea typeface="Helvetica Neue LT Std 67 Medium Condensed" charset="0"/>
                 <a:cs typeface="Helvetica Neue LT Std 67 Medium Condensed" charset="0"/>
               </a:rPr>
-              <a:t>Routing</a:t>
+              <a:t>Zoom out</a:t>
             </a:r>
             <a:br>
               <a:rPr lang="de-DE" sz="500" dirty="0" smtClean="0">
@@ -11427,7 +11701,33 @@
                 <a:ea typeface="Helvetica Neue LT Std 67 Medium Condensed" charset="0"/>
                 <a:cs typeface="Helvetica Neue LT Std 67 Medium Condensed" charset="0"/>
               </a:rPr>
-              <a:t>Matrix</a:t>
+              <a:t>     </a:t>
+            </a:r>
+            <a:r>
+              <a:rPr lang="de-DE" sz="500" dirty="0" err="1" smtClean="0">
+                <a:solidFill>
+                  <a:schemeClr val="accent6">
+                    <a:lumMod val="75000"/>
+                  </a:schemeClr>
+                </a:solidFill>
+                <a:latin typeface="Helvetica Neue LT Std 67 Medium Condensed" charset="0"/>
+                <a:ea typeface="Helvetica Neue LT Std 67 Medium Condensed" charset="0"/>
+                <a:cs typeface="Helvetica Neue LT Std 67 Medium Condensed" charset="0"/>
+              </a:rPr>
+              <a:t>to</a:t>
+            </a:r>
+            <a:r>
+              <a:rPr lang="de-DE" sz="500" dirty="0" smtClean="0">
+                <a:solidFill>
+                  <a:schemeClr val="accent6">
+                    <a:lumMod val="75000"/>
+                  </a:schemeClr>
+                </a:solidFill>
+                <a:latin typeface="Helvetica Neue LT Std 67 Medium Condensed" charset="0"/>
+                <a:ea typeface="Helvetica Neue LT Std 67 Medium Condensed" charset="0"/>
+                <a:cs typeface="Helvetica Neue LT Std 67 Medium Condensed" charset="0"/>
+              </a:rPr>
+              <a:t> Project</a:t>
             </a:r>
             <a:endParaRPr lang="de-DE" sz="500" dirty="0">
               <a:solidFill>
@@ -11444,14 +11744,52 @@
       </p:sp>
       <p:sp>
         <p:nvSpPr>
-          <p:cNvPr id="139" name="Abgerundetes Rechteck 138"/>
+          <p:cNvPr id="24" name="Textfeld 23"/>
+          <p:cNvSpPr txBox="1"/>
+          <p:nvPr/>
+        </p:nvSpPr>
+        <p:spPr>
+          <a:xfrm>
+            <a:off x="6974880" y="4485594"/>
+            <a:ext cx="325730" cy="261610"/>
+          </a:xfrm>
+          <a:prstGeom prst="rect">
+            <a:avLst/>
+          </a:prstGeom>
+          <a:noFill/>
+        </p:spPr>
+        <p:txBody>
+          <a:bodyPr wrap="none" rtlCol="0">
+            <a:spAutoFit/>
+          </a:bodyPr>
+          <a:lstStyle/>
+          <a:p>
+            <a:r>
+              <a:rPr lang="de-DE" sz="1100" dirty="0" smtClean="0">
+                <a:latin typeface="ultraschall" charset="-127"/>
+                <a:ea typeface="ultraschall" charset="-127"/>
+                <a:cs typeface="ultraschall" charset="-127"/>
+              </a:rPr>
+              <a:t>1</a:t>
+            </a:r>
+            <a:endParaRPr lang="de-DE" sz="1100" dirty="0">
+              <a:latin typeface="ultraschall" charset="-127"/>
+              <a:ea typeface="ultraschall" charset="-127"/>
+              <a:cs typeface="ultraschall" charset="-127"/>
+            </a:endParaRPr>
+          </a:p>
+        </p:txBody>
+      </p:sp>
+      <p:sp>
+        <p:nvSpPr>
+          <p:cNvPr id="149" name="Abgerundetes Rechteck 148"/>
           <p:cNvSpPr/>
           <p:nvPr/>
         </p:nvSpPr>
         <p:spPr>
           <a:xfrm>
-            <a:off x="7765248" y="3173686"/>
-            <a:ext cx="495160" cy="483856"/>
+            <a:off x="8064484" y="2586011"/>
+            <a:ext cx="796930" cy="483856"/>
           </a:xfrm>
           <a:prstGeom prst="roundRect">
             <a:avLst>
@@ -11459,14 +11797,14 @@
             </a:avLst>
           </a:prstGeom>
           <a:solidFill>
-            <a:schemeClr val="accent6">
+            <a:schemeClr val="accent4">
               <a:lumMod val="20000"/>
               <a:lumOff val="80000"/>
             </a:schemeClr>
           </a:solidFill>
           <a:ln>
             <a:solidFill>
-              <a:schemeClr val="accent6">
+              <a:schemeClr val="accent4">
                 <a:lumMod val="50000"/>
               </a:schemeClr>
             </a:solidFill>
@@ -11505,14 +11843,14 @@
       </p:sp>
       <p:sp>
         <p:nvSpPr>
-          <p:cNvPr id="140" name="Textfeld 139"/>
+          <p:cNvPr id="150" name="Textfeld 149"/>
           <p:cNvSpPr txBox="1"/>
           <p:nvPr/>
         </p:nvSpPr>
         <p:spPr>
           <a:xfrm>
-            <a:off x="7721108" y="3446788"/>
-            <a:ext cx="264816" cy="253916"/>
+            <a:off x="8117463" y="2571624"/>
+            <a:ext cx="866345" cy="169277"/>
           </a:xfrm>
           <a:prstGeom prst="rect">
             <a:avLst/>
@@ -11520,44 +11858,6 @@
           <a:noFill/>
         </p:spPr>
         <p:txBody>
-          <a:bodyPr wrap="none" rtlCol="0">
-            <a:spAutoFit/>
-          </a:bodyPr>
-          <a:lstStyle/>
-          <a:p>
-            <a:r>
-              <a:rPr lang="de-DE" sz="1050" dirty="0" smtClean="0">
-                <a:latin typeface="Helvetica Neue LT Std 67 Medium Condensed" charset="0"/>
-                <a:ea typeface="Helvetica Neue LT Std 67 Medium Condensed" charset="0"/>
-                <a:cs typeface="Helvetica Neue LT Std 67 Medium Condensed" charset="0"/>
-              </a:rPr>
-              <a:t>+</a:t>
-            </a:r>
-            <a:endParaRPr lang="de-DE" sz="1050" dirty="0">
-              <a:latin typeface="Helvetica Neue LT Std 67 Medium Condensed" charset="0"/>
-              <a:ea typeface="Helvetica Neue LT Std 67 Medium Condensed" charset="0"/>
-              <a:cs typeface="Helvetica Neue LT Std 67 Medium Condensed" charset="0"/>
-            </a:endParaRPr>
-          </a:p>
-        </p:txBody>
-      </p:sp>
-      <p:sp>
-        <p:nvSpPr>
-          <p:cNvPr id="141" name="Textfeld 140"/>
-          <p:cNvSpPr txBox="1"/>
-          <p:nvPr/>
-        </p:nvSpPr>
-        <p:spPr>
-          <a:xfrm>
-            <a:off x="7917509" y="3191909"/>
-            <a:ext cx="759239" cy="169277"/>
-          </a:xfrm>
-          <a:prstGeom prst="rect">
-            <a:avLst/>
-          </a:prstGeom>
-          <a:noFill/>
-        </p:spPr>
-        <p:txBody>
           <a:bodyPr wrap="square" rtlCol="0" anchor="t">
             <a:spAutoFit/>
           </a:bodyPr>
@@ -11569,7 +11869,23 @@
                 <a:ea typeface="Helvetica Neue LT Std 67 Medium Condensed" charset="0"/>
                 <a:cs typeface="Helvetica Neue LT Std 67 Medium Condensed" charset="0"/>
               </a:rPr>
-              <a:t>Zoom in</a:t>
+              <a:t>Remove Items </a:t>
+            </a:r>
+            <a:r>
+              <a:rPr lang="de-DE" sz="500" dirty="0" err="1" smtClean="0">
+                <a:latin typeface="Helvetica Neue LT Std 67 Medium Condensed" charset="0"/>
+                <a:ea typeface="Helvetica Neue LT Std 67 Medium Condensed" charset="0"/>
+                <a:cs typeface="Helvetica Neue LT Std 67 Medium Condensed" charset="0"/>
+              </a:rPr>
+              <a:t>or</a:t>
+            </a:r>
+            <a:r>
+              <a:rPr lang="de-DE" sz="500" dirty="0" smtClean="0">
+                <a:latin typeface="Helvetica Neue LT Std 67 Medium Condensed" charset="0"/>
+                <a:ea typeface="Helvetica Neue LT Std 67 Medium Condensed" charset="0"/>
+                <a:cs typeface="Helvetica Neue LT Std 67 Medium Condensed" charset="0"/>
+              </a:rPr>
+              <a:t> Tracks</a:t>
             </a:r>
             <a:endParaRPr lang="de-DE" sz="500" dirty="0" smtClean="0">
               <a:solidFill>
@@ -11586,13 +11902,305 @@
       </p:sp>
       <p:sp>
         <p:nvSpPr>
-          <p:cNvPr id="142" name="Abgerundetes Rechteck 141"/>
+          <p:cNvPr id="151" name="Textfeld 150"/>
+          <p:cNvSpPr txBox="1"/>
+          <p:nvPr/>
+        </p:nvSpPr>
+        <p:spPr>
+          <a:xfrm>
+            <a:off x="8624335" y="2871486"/>
+            <a:ext cx="306494" cy="253916"/>
+          </a:xfrm>
+          <a:prstGeom prst="rect">
+            <a:avLst/>
+          </a:prstGeom>
+          <a:noFill/>
+        </p:spPr>
+        <p:txBody>
+          <a:bodyPr wrap="none" rtlCol="0">
+            <a:spAutoFit/>
+          </a:bodyPr>
+          <a:lstStyle/>
+          <a:p>
+            <a:r>
+              <a:rPr lang="de-DE" sz="1050" dirty="0" smtClean="0">
+                <a:latin typeface="Helvetica Neue LT Std 67 Medium Condensed" charset="0"/>
+                <a:ea typeface="Helvetica Neue LT Std 67 Medium Condensed" charset="0"/>
+                <a:cs typeface="Helvetica Neue LT Std 67 Medium Condensed" charset="0"/>
+              </a:rPr>
+              <a:t>←</a:t>
+            </a:r>
+            <a:endParaRPr lang="de-DE" sz="1050" dirty="0">
+              <a:latin typeface="Helvetica Neue LT Std 67 Medium Condensed" charset="0"/>
+              <a:ea typeface="Helvetica Neue LT Std 67 Medium Condensed" charset="0"/>
+              <a:cs typeface="Helvetica Neue LT Std 67 Medium Condensed" charset="0"/>
+            </a:endParaRPr>
+          </a:p>
+        </p:txBody>
+      </p:sp>
+      <p:sp>
+        <p:nvSpPr>
+          <p:cNvPr id="152" name="Rechteck 151"/>
           <p:cNvSpPr/>
           <p:nvPr/>
         </p:nvSpPr>
         <p:spPr>
           <a:xfrm>
-            <a:off x="7014819" y="4346279"/>
+            <a:off x="8265542" y="2661427"/>
+            <a:ext cx="644728" cy="156453"/>
+          </a:xfrm>
+          <a:prstGeom prst="rect">
+            <a:avLst/>
+          </a:prstGeom>
+        </p:spPr>
+        <p:txBody>
+          <a:bodyPr wrap="none">
+            <a:spAutoFit/>
+          </a:bodyPr>
+          <a:lstStyle/>
+          <a:p>
+            <a:pPr>
+              <a:lnSpc>
+                <a:spcPts val="500"/>
+              </a:lnSpc>
+            </a:pPr>
+            <a:r>
+              <a:rPr lang="de-DE" sz="500" smtClean="0">
+                <a:solidFill>
+                  <a:schemeClr val="accent2">
+                    <a:lumMod val="75000"/>
+                  </a:schemeClr>
+                </a:solidFill>
+                <a:latin typeface="Helvetica Neue LT Std 67 Medium Condensed" charset="0"/>
+                <a:ea typeface="Helvetica Neue LT Std 67 Medium Condensed" charset="0"/>
+                <a:cs typeface="Helvetica Neue LT Std 67 Medium Condensed" charset="0"/>
+              </a:rPr>
+              <a:t>Delete last Marker</a:t>
+            </a:r>
+            <a:endParaRPr lang="de-DE" sz="500" dirty="0"/>
+          </a:p>
+        </p:txBody>
+      </p:sp>
+      <p:sp>
+        <p:nvSpPr>
+          <p:cNvPr id="153" name="Rechteck 152"/>
+          <p:cNvSpPr/>
+          <p:nvPr/>
+        </p:nvSpPr>
+        <p:spPr>
+          <a:xfrm>
+            <a:off x="8188157" y="2609547"/>
+            <a:ext cx="248786" cy="246221"/>
+          </a:xfrm>
+          <a:prstGeom prst="rect">
+            <a:avLst/>
+          </a:prstGeom>
+        </p:spPr>
+        <p:txBody>
+          <a:bodyPr wrap="none">
+            <a:spAutoFit/>
+          </a:bodyPr>
+          <a:lstStyle/>
+          <a:p>
+            <a:r>
+              <a:rPr lang="de-DE" sz="1000" dirty="0" smtClean="0">
+                <a:solidFill>
+                  <a:schemeClr val="accent2">
+                    <a:lumMod val="75000"/>
+                  </a:schemeClr>
+                </a:solidFill>
+                <a:latin typeface="Helvetica Neue LT Std 67 Medium Condensed" charset="0"/>
+                <a:ea typeface="Helvetica Neue LT Std 67 Medium Condensed" charset="0"/>
+                <a:cs typeface="Helvetica Neue LT Std 67 Medium Condensed" charset="0"/>
+              </a:rPr>
+              <a:t>⇧</a:t>
+            </a:r>
+            <a:endParaRPr lang="de-DE" sz="1400" dirty="0"/>
+          </a:p>
+        </p:txBody>
+      </p:sp>
+      <p:sp>
+        <p:nvSpPr>
+          <p:cNvPr id="154" name="Rechteck 153"/>
+          <p:cNvSpPr/>
+          <p:nvPr/>
+        </p:nvSpPr>
+        <p:spPr>
+          <a:xfrm>
+            <a:off x="7898114" y="2737894"/>
+            <a:ext cx="1012051" cy="156453"/>
+          </a:xfrm>
+          <a:prstGeom prst="rect">
+            <a:avLst/>
+          </a:prstGeom>
+        </p:spPr>
+        <p:txBody>
+          <a:bodyPr wrap="square">
+            <a:spAutoFit/>
+          </a:bodyPr>
+          <a:lstStyle/>
+          <a:p>
+            <a:pPr algn="r">
+              <a:lnSpc>
+                <a:spcPts val="500"/>
+              </a:lnSpc>
+            </a:pPr>
+            <a:r>
+              <a:rPr lang="de-DE" sz="500" dirty="0">
+                <a:solidFill>
+                  <a:schemeClr val="accent6">
+                    <a:lumMod val="75000"/>
+                  </a:schemeClr>
+                </a:solidFill>
+                <a:latin typeface="Helvetica Neue LT Std 67 Medium Condensed" charset="0"/>
+                <a:ea typeface="Helvetica Neue LT Std 67 Medium Condensed" charset="0"/>
+                <a:cs typeface="Helvetica Neue LT Std 67 Medium Condensed" charset="0"/>
+              </a:rPr>
+              <a:t>⌥ </a:t>
+            </a:r>
+            <a:r>
+              <a:rPr lang="de-DE" sz="500" dirty="0" smtClean="0">
+                <a:solidFill>
+                  <a:schemeClr val="accent6">
+                    <a:lumMod val="75000"/>
+                  </a:schemeClr>
+                </a:solidFill>
+                <a:latin typeface="Helvetica Neue LT Std 67 Medium Condensed" charset="0"/>
+                <a:ea typeface="Helvetica Neue LT Std 67 Medium Condensed" charset="0"/>
+                <a:cs typeface="Helvetica Neue LT Std 67 Medium Condensed" charset="0"/>
+              </a:rPr>
+              <a:t>Ripple Del. Time </a:t>
+            </a:r>
+            <a:r>
+              <a:rPr lang="de-DE" sz="500" dirty="0" err="1" smtClean="0">
+                <a:solidFill>
+                  <a:schemeClr val="accent6">
+                    <a:lumMod val="75000"/>
+                  </a:schemeClr>
+                </a:solidFill>
+                <a:latin typeface="Helvetica Neue LT Std 67 Medium Condensed" charset="0"/>
+                <a:ea typeface="Helvetica Neue LT Std 67 Medium Condensed" charset="0"/>
+                <a:cs typeface="Helvetica Neue LT Std 67 Medium Condensed" charset="0"/>
+              </a:rPr>
+              <a:t>Selection</a:t>
+            </a:r>
+            <a:endParaRPr lang="de-DE" sz="500" dirty="0">
+              <a:solidFill>
+                <a:schemeClr val="accent6">
+                  <a:lumMod val="75000"/>
+                </a:schemeClr>
+              </a:solidFill>
+              <a:latin typeface="Helvetica Neue LT Std 67 Medium Condensed" charset="0"/>
+              <a:ea typeface="Helvetica Neue LT Std 67 Medium Condensed" charset="0"/>
+              <a:cs typeface="Helvetica Neue LT Std 67 Medium Condensed" charset="0"/>
+            </a:endParaRPr>
+          </a:p>
+        </p:txBody>
+      </p:sp>
+      <p:sp>
+        <p:nvSpPr>
+          <p:cNvPr id="155" name="Textfeld 154"/>
+          <p:cNvSpPr txBox="1"/>
+          <p:nvPr/>
+        </p:nvSpPr>
+        <p:spPr>
+          <a:xfrm>
+            <a:off x="8187019" y="2814599"/>
+            <a:ext cx="741553" cy="169277"/>
+          </a:xfrm>
+          <a:prstGeom prst="rect">
+            <a:avLst/>
+          </a:prstGeom>
+          <a:noFill/>
+        </p:spPr>
+        <p:txBody>
+          <a:bodyPr wrap="square" rtlCol="0" anchor="t">
+            <a:spAutoFit/>
+          </a:bodyPr>
+          <a:lstStyle/>
+          <a:p>
+            <a:r>
+              <a:rPr lang="de-DE" sz="500" dirty="0" smtClean="0">
+                <a:solidFill>
+                  <a:srgbClr val="7030A0"/>
+                </a:solidFill>
+                <a:latin typeface="Helvetica Neue LT Std 67 Medium Condensed" charset="0"/>
+                <a:ea typeface="Helvetica Neue LT Std 67 Medium Condensed" charset="0"/>
+                <a:cs typeface="Helvetica Neue LT Std 67 Medium Condensed" charset="0"/>
+              </a:rPr>
+              <a:t>Delete Time </a:t>
+            </a:r>
+            <a:r>
+              <a:rPr lang="de-DE" sz="500" dirty="0" err="1" smtClean="0">
+                <a:solidFill>
+                  <a:srgbClr val="7030A0"/>
+                </a:solidFill>
+                <a:latin typeface="Helvetica Neue LT Std 67 Medium Condensed" charset="0"/>
+                <a:ea typeface="Helvetica Neue LT Std 67 Medium Condensed" charset="0"/>
+                <a:cs typeface="Helvetica Neue LT Std 67 Medium Condensed" charset="0"/>
+              </a:rPr>
+              <a:t>Selection</a:t>
+            </a:r>
+            <a:endParaRPr lang="de-DE" sz="500" dirty="0" smtClean="0">
+              <a:solidFill>
+                <a:srgbClr val="7030A0"/>
+              </a:solidFill>
+              <a:latin typeface="Helvetica Neue LT Std 67 Medium Condensed" charset="0"/>
+              <a:ea typeface="Helvetica Neue LT Std 67 Medium Condensed" charset="0"/>
+              <a:cs typeface="Helvetica Neue LT Std 67 Medium Condensed" charset="0"/>
+            </a:endParaRPr>
+          </a:p>
+        </p:txBody>
+      </p:sp>
+      <p:sp>
+        <p:nvSpPr>
+          <p:cNvPr id="156" name="Rechteck 155"/>
+          <p:cNvSpPr/>
+          <p:nvPr/>
+        </p:nvSpPr>
+        <p:spPr>
+          <a:xfrm>
+            <a:off x="8085455" y="2801301"/>
+            <a:ext cx="261610" cy="184666"/>
+          </a:xfrm>
+          <a:prstGeom prst="rect">
+            <a:avLst/>
+          </a:prstGeom>
+        </p:spPr>
+        <p:txBody>
+          <a:bodyPr wrap="none">
+            <a:spAutoFit/>
+          </a:bodyPr>
+          <a:lstStyle/>
+          <a:p>
+            <a:r>
+              <a:rPr lang="de-DE" sz="600" b="1" dirty="0" smtClean="0">
+                <a:solidFill>
+                  <a:srgbClr val="7030A0"/>
+                </a:solidFill>
+                <a:latin typeface="Helvetica Neue LT Std 67 Medium Condensed" charset="0"/>
+                <a:ea typeface="Helvetica Neue LT Std 67 Medium Condensed" charset="0"/>
+                <a:cs typeface="Helvetica Neue LT Std 67 Medium Condensed" charset="0"/>
+              </a:rPr>
+              <a:t>⌘</a:t>
+            </a:r>
+            <a:endParaRPr lang="de-DE" sz="4000" b="1" dirty="0">
+              <a:solidFill>
+                <a:srgbClr val="7030A0"/>
+              </a:solidFill>
+            </a:endParaRPr>
+          </a:p>
+        </p:txBody>
+      </p:sp>
+      <p:sp>
+        <p:nvSpPr>
+          <p:cNvPr id="157" name="Abgerundetes Rechteck 156"/>
+          <p:cNvSpPr/>
+          <p:nvPr/>
+        </p:nvSpPr>
+        <p:spPr>
+          <a:xfrm>
+            <a:off x="7325213" y="3772794"/>
             <a:ext cx="495160" cy="483856"/>
           </a:xfrm>
           <a:prstGeom prst="roundRect">
@@ -11647,14 +12255,14 @@
       </p:sp>
       <p:sp>
         <p:nvSpPr>
-          <p:cNvPr id="143" name="Textfeld 142"/>
+          <p:cNvPr id="158" name="Textfeld 157"/>
           <p:cNvSpPr txBox="1"/>
           <p:nvPr/>
         </p:nvSpPr>
         <p:spPr>
           <a:xfrm>
-            <a:off x="6970679" y="4624787"/>
-            <a:ext cx="232756" cy="253916"/>
+            <a:off x="7281073" y="4036185"/>
+            <a:ext cx="264816" cy="253916"/>
           </a:xfrm>
           <a:prstGeom prst="rect">
             <a:avLst/>
@@ -11673,7 +12281,7 @@
                 <a:ea typeface="Helvetica Neue LT Std 67 Medium Condensed" charset="0"/>
                 <a:cs typeface="Helvetica Neue LT Std 67 Medium Condensed" charset="0"/>
               </a:rPr>
-              <a:t>-</a:t>
+              <a:t>Ä</a:t>
             </a:r>
             <a:endParaRPr lang="de-DE" sz="1050" dirty="0">
               <a:latin typeface="Helvetica Neue LT Std 67 Medium Condensed" charset="0"/>
@@ -11685,14 +12293,14 @@
       </p:sp>
       <p:sp>
         <p:nvSpPr>
-          <p:cNvPr id="144" name="Textfeld 143"/>
+          <p:cNvPr id="159" name="Textfeld 158"/>
           <p:cNvSpPr txBox="1"/>
           <p:nvPr/>
         </p:nvSpPr>
         <p:spPr>
           <a:xfrm>
-            <a:off x="7151745" y="4345196"/>
-            <a:ext cx="759239" cy="169277"/>
+            <a:off x="7099341" y="3781306"/>
+            <a:ext cx="759239" cy="246221"/>
           </a:xfrm>
           <a:prstGeom prst="rect">
             <a:avLst/>
@@ -11705,13 +12313,53 @@
           </a:bodyPr>
           <a:lstStyle/>
           <a:p>
-            <a:r>
-              <a:rPr lang="de-DE" sz="500" dirty="0" smtClean="0">
-                <a:latin typeface="Helvetica Neue LT Std 67 Medium Condensed" charset="0"/>
-                <a:ea typeface="Helvetica Neue LT Std 67 Medium Condensed" charset="0"/>
-                <a:cs typeface="Helvetica Neue LT Std 67 Medium Condensed" charset="0"/>
-              </a:rPr>
-              <a:t>Zoom out</a:t>
+            <a:pPr algn="r"/>
+            <a:r>
+              <a:rPr lang="de-DE" sz="500" dirty="0" smtClean="0">
+                <a:latin typeface="Helvetica Neue LT Std 67 Medium Condensed" charset="0"/>
+                <a:ea typeface="Helvetica Neue LT Std 67 Medium Condensed" charset="0"/>
+                <a:cs typeface="Helvetica Neue LT Std 67 Medium Condensed" charset="0"/>
+              </a:rPr>
+              <a:t>Zoom </a:t>
+            </a:r>
+            <a:r>
+              <a:rPr lang="de-DE" sz="500" dirty="0" err="1" smtClean="0">
+                <a:latin typeface="Helvetica Neue LT Std 67 Medium Condensed" charset="0"/>
+                <a:ea typeface="Helvetica Neue LT Std 67 Medium Condensed" charset="0"/>
+                <a:cs typeface="Helvetica Neue LT Std 67 Medium Condensed" charset="0"/>
+              </a:rPr>
+              <a:t>to</a:t>
+            </a:r>
+            <a:r>
+              <a:rPr lang="de-DE" sz="500" dirty="0">
+                <a:latin typeface="Helvetica Neue LT Std 67 Medium Condensed" charset="0"/>
+                <a:ea typeface="Helvetica Neue LT Std 67 Medium Condensed" charset="0"/>
+                <a:cs typeface="Helvetica Neue LT Std 67 Medium Condensed" charset="0"/>
+              </a:rPr>
+              <a:t/>
+            </a:r>
+            <a:br>
+              <a:rPr lang="de-DE" sz="500" dirty="0">
+                <a:latin typeface="Helvetica Neue LT Std 67 Medium Condensed" charset="0"/>
+                <a:ea typeface="Helvetica Neue LT Std 67 Medium Condensed" charset="0"/>
+                <a:cs typeface="Helvetica Neue LT Std 67 Medium Condensed" charset="0"/>
+              </a:rPr>
+            </a:br>
+            <a:r>
+              <a:rPr lang="de-DE" sz="500" dirty="0" smtClean="0">
+                <a:latin typeface="Helvetica Neue LT Std 67 Medium Condensed" charset="0"/>
+                <a:ea typeface="Helvetica Neue LT Std 67 Medium Condensed" charset="0"/>
+                <a:cs typeface="Helvetica Neue LT Std 67 Medium Condensed" charset="0"/>
+              </a:rPr>
+              <a:t>Time </a:t>
+            </a:r>
+            <a:r>
+              <a:rPr lang="de-DE" sz="500" dirty="0" err="1" smtClean="0">
+                <a:latin typeface="Helvetica Neue LT Std 67 Medium Condensed" charset="0"/>
+                <a:ea typeface="Helvetica Neue LT Std 67 Medium Condensed" charset="0"/>
+                <a:cs typeface="Helvetica Neue LT Std 67 Medium Condensed" charset="0"/>
+              </a:rPr>
+              <a:t>Selection</a:t>
             </a:r>
             <a:endParaRPr lang="de-DE" sz="500" dirty="0" smtClean="0">
               <a:solidFill>
@@ -11728,13 +12376,13 @@
       </p:sp>
       <p:sp>
         <p:nvSpPr>
-          <p:cNvPr id="145" name="Abgerundetes Rechteck 144"/>
+          <p:cNvPr id="160" name="Abgerundetes Rechteck 159"/>
           <p:cNvSpPr/>
           <p:nvPr/>
         </p:nvSpPr>
         <p:spPr>
           <a:xfrm>
-            <a:off x="258655" y="2583572"/>
+            <a:off x="6117604" y="3772794"/>
             <a:ext cx="495160" cy="483856"/>
           </a:xfrm>
           <a:prstGeom prst="roundRect">
@@ -11743,14 +12391,14 @@
             </a:avLst>
           </a:prstGeom>
           <a:solidFill>
-            <a:schemeClr val="accent6">
+            <a:schemeClr val="accent4">
               <a:lumMod val="20000"/>
               <a:lumOff val="80000"/>
             </a:schemeClr>
           </a:solidFill>
           <a:ln>
             <a:solidFill>
-              <a:schemeClr val="accent6">
+              <a:schemeClr val="accent4">
                 <a:lumMod val="50000"/>
               </a:schemeClr>
             </a:solidFill>
@@ -11789,14 +12437,14 @@
       </p:sp>
       <p:sp>
         <p:nvSpPr>
-          <p:cNvPr id="146" name="Textfeld 145"/>
+          <p:cNvPr id="161" name="Textfeld 160"/>
           <p:cNvSpPr txBox="1"/>
           <p:nvPr/>
         </p:nvSpPr>
         <p:spPr>
           <a:xfrm>
-            <a:off x="1579972" y="4626278"/>
-            <a:ext cx="248786" cy="253916"/>
+            <a:off x="6156070" y="3772301"/>
+            <a:ext cx="500728" cy="287899"/>
           </a:xfrm>
           <a:prstGeom prst="rect">
             <a:avLst/>
@@ -11804,56 +12452,23 @@
           <a:noFill/>
         </p:spPr>
         <p:txBody>
-          <a:bodyPr wrap="none" rtlCol="0">
-            <a:spAutoFit/>
-          </a:bodyPr>
-          <a:lstStyle/>
-          <a:p>
-            <a:r>
-              <a:rPr lang="de-DE" sz="1050" dirty="0" smtClean="0">
-                <a:latin typeface="Helvetica Neue LT Std 67 Medium Condensed" charset="0"/>
-                <a:ea typeface="Helvetica Neue LT Std 67 Medium Condensed" charset="0"/>
-                <a:cs typeface="Helvetica Neue LT Std 67 Medium Condensed" charset="0"/>
-              </a:rPr>
-              <a:t>Y</a:t>
-            </a:r>
-            <a:endParaRPr lang="de-DE" sz="1050" dirty="0">
-              <a:latin typeface="Helvetica Neue LT Std 67 Medium Condensed" charset="0"/>
-              <a:ea typeface="Helvetica Neue LT Std 67 Medium Condensed" charset="0"/>
-              <a:cs typeface="Helvetica Neue LT Std 67 Medium Condensed" charset="0"/>
-            </a:endParaRPr>
-          </a:p>
-        </p:txBody>
-      </p:sp>
-      <p:sp>
-        <p:nvSpPr>
-          <p:cNvPr id="147" name="Textfeld 146"/>
-          <p:cNvSpPr txBox="1"/>
-          <p:nvPr/>
-        </p:nvSpPr>
-        <p:spPr>
-          <a:xfrm>
-            <a:off x="243175" y="2608692"/>
-            <a:ext cx="759239" cy="246221"/>
-          </a:xfrm>
-          <a:prstGeom prst="rect">
-            <a:avLst/>
-          </a:prstGeom>
-          <a:noFill/>
-        </p:spPr>
-        <p:txBody>
           <a:bodyPr wrap="square" rtlCol="0" anchor="t">
             <a:spAutoFit/>
           </a:bodyPr>
           <a:lstStyle/>
           <a:p>
-            <a:r>
-              <a:rPr lang="de-DE" sz="500" dirty="0" smtClean="0">
-                <a:latin typeface="Helvetica Neue LT Std 67 Medium Condensed" charset="0"/>
-                <a:ea typeface="Helvetica Neue LT Std 67 Medium Condensed" charset="0"/>
-                <a:cs typeface="Helvetica Neue LT Std 67 Medium Condensed" charset="0"/>
-              </a:rPr>
-              <a:t>Go </a:t>
+            <a:pPr algn="r">
+              <a:lnSpc>
+                <a:spcPts val="500"/>
+              </a:lnSpc>
+            </a:pPr>
+            <a:r>
+              <a:rPr lang="de-DE" sz="500" dirty="0" smtClean="0">
+                <a:latin typeface="Helvetica Neue LT Std 67 Medium Condensed" charset="0"/>
+                <a:ea typeface="Helvetica Neue LT Std 67 Medium Condensed" charset="0"/>
+                <a:cs typeface="Helvetica Neue LT Std 67 Medium Condensed" charset="0"/>
+              </a:rPr>
+              <a:t>        </a:t>
             </a:r>
             <a:r>
               <a:rPr lang="de-DE" sz="500" dirty="0" err="1" smtClean="0">
@@ -11861,15 +12476,15 @@
                 <a:ea typeface="Helvetica Neue LT Std 67 Medium Condensed" charset="0"/>
                 <a:cs typeface="Helvetica Neue LT Std 67 Medium Condensed" charset="0"/>
               </a:rPr>
-              <a:t>to</a:t>
-            </a:r>
-            <a:r>
-              <a:rPr lang="de-DE" sz="500" dirty="0" smtClean="0">
-                <a:latin typeface="Helvetica Neue LT Std 67 Medium Condensed" charset="0"/>
-                <a:ea typeface="Helvetica Neue LT Std 67 Medium Condensed" charset="0"/>
-                <a:cs typeface="Helvetica Neue LT Std 67 Medium Condensed" charset="0"/>
-              </a:rPr>
-              <a:t> </a:t>
+              <a:t>Toggle</a:t>
+            </a:r>
+            <a:r>
+              <a:rPr lang="de-DE" sz="500" dirty="0" smtClean="0">
+                <a:latin typeface="Helvetica Neue LT Std 67 Medium Condensed" charset="0"/>
+                <a:ea typeface="Helvetica Neue LT Std 67 Medium Condensed" charset="0"/>
+                <a:cs typeface="Helvetica Neue LT Std 67 Medium Condensed" charset="0"/>
+              </a:rPr>
+              <a:t> Lock</a:t>
             </a:r>
             <a:br>
               <a:rPr lang="de-DE" sz="500" dirty="0" smtClean="0">
@@ -11884,7 +12499,7 @@
                 <a:ea typeface="Helvetica Neue LT Std 67 Medium Condensed" charset="0"/>
                 <a:cs typeface="Helvetica Neue LT Std 67 Medium Condensed" charset="0"/>
               </a:rPr>
-              <a:t>Play Position</a:t>
+              <a:t>Items</a:t>
             </a:r>
             <a:endParaRPr lang="de-DE" sz="500" dirty="0" smtClean="0">
               <a:solidFill>
@@ -11901,14 +12516,52 @@
       </p:sp>
       <p:sp>
         <p:nvSpPr>
-          <p:cNvPr id="148" name="Rechteck 147"/>
+          <p:cNvPr id="162" name="Textfeld 161"/>
+          <p:cNvSpPr txBox="1"/>
+          <p:nvPr/>
+        </p:nvSpPr>
+        <p:spPr>
+          <a:xfrm>
+            <a:off x="6064407" y="4061278"/>
+            <a:ext cx="243978" cy="253916"/>
+          </a:xfrm>
+          <a:prstGeom prst="rect">
+            <a:avLst/>
+          </a:prstGeom>
+          <a:noFill/>
+        </p:spPr>
+        <p:txBody>
+          <a:bodyPr wrap="none" rtlCol="0">
+            <a:spAutoFit/>
+          </a:bodyPr>
+          <a:lstStyle/>
+          <a:p>
+            <a:r>
+              <a:rPr lang="de-DE" sz="1050" dirty="0" smtClean="0">
+                <a:latin typeface="Helvetica Neue LT Std 67 Medium Condensed" charset="0"/>
+                <a:ea typeface="Helvetica Neue LT Std 67 Medium Condensed" charset="0"/>
+                <a:cs typeface="Helvetica Neue LT Std 67 Medium Condensed" charset="0"/>
+              </a:rPr>
+              <a:t>L</a:t>
+            </a:r>
+            <a:endParaRPr lang="de-DE" sz="1050" dirty="0">
+              <a:latin typeface="Helvetica Neue LT Std 67 Medium Condensed" charset="0"/>
+              <a:ea typeface="Helvetica Neue LT Std 67 Medium Condensed" charset="0"/>
+              <a:cs typeface="Helvetica Neue LT Std 67 Medium Condensed" charset="0"/>
+            </a:endParaRPr>
+          </a:p>
+        </p:txBody>
+      </p:sp>
+      <p:sp>
+        <p:nvSpPr>
+          <p:cNvPr id="163" name="Rechteck 162"/>
           <p:cNvSpPr/>
           <p:nvPr/>
         </p:nvSpPr>
         <p:spPr>
           <a:xfrm>
-            <a:off x="7063744" y="4457030"/>
-            <a:ext cx="503664" cy="223779"/>
+            <a:off x="1857814" y="3988250"/>
+            <a:ext cx="635109" cy="223779"/>
           </a:xfrm>
           <a:prstGeom prst="rect">
             <a:avLst/>
@@ -11949,7 +12602,7 @@
                 <a:ea typeface="Helvetica Neue LT Std 67 Medium Condensed" charset="0"/>
                 <a:cs typeface="Helvetica Neue LT Std 67 Medium Condensed" charset="0"/>
               </a:rPr>
-              <a:t>Zoom out</a:t>
+              <a:t>Split Time Sel. </a:t>
             </a:r>
             <a:br>
               <a:rPr lang="de-DE" sz="500" dirty="0" smtClean="0">
@@ -11974,7 +12627,7 @@
                 <a:ea typeface="Helvetica Neue LT Std 67 Medium Condensed" charset="0"/>
                 <a:cs typeface="Helvetica Neue LT Std 67 Medium Condensed" charset="0"/>
               </a:rPr>
-              <a:t>     </a:t>
+              <a:t>&amp; </a:t>
             </a:r>
             <a:r>
               <a:rPr lang="de-DE" sz="500" dirty="0" err="1" smtClean="0">
@@ -11987,7 +12640,7 @@
                 <a:ea typeface="Helvetica Neue LT Std 67 Medium Condensed" charset="0"/>
                 <a:cs typeface="Helvetica Neue LT Std 67 Medium Condensed" charset="0"/>
               </a:rPr>
-              <a:t>to</a:t>
+              <a:t>add</a:t>
             </a:r>
             <a:r>
               <a:rPr lang="de-DE" sz="500" dirty="0" smtClean="0">
@@ -12000,7 +12653,7 @@
                 <a:ea typeface="Helvetica Neue LT Std 67 Medium Condensed" charset="0"/>
                 <a:cs typeface="Helvetica Neue LT Std 67 Medium Condensed" charset="0"/>
               </a:rPr>
-              <a:t> Project</a:t>
+              <a:t> Name  </a:t>
             </a:r>
             <a:endParaRPr lang="de-DE" sz="500" dirty="0">
               <a:solidFill>
@@ -12017,52 +12670,14 @@
       </p:sp>
       <p:sp>
         <p:nvSpPr>
-          <p:cNvPr id="24" name="Textfeld 23"/>
-          <p:cNvSpPr txBox="1"/>
-          <p:nvPr/>
-        </p:nvSpPr>
-        <p:spPr>
-          <a:xfrm>
-            <a:off x="6974880" y="4485594"/>
-            <a:ext cx="325730" cy="261610"/>
-          </a:xfrm>
-          <a:prstGeom prst="rect">
-            <a:avLst/>
-          </a:prstGeom>
-          <a:noFill/>
-        </p:spPr>
-        <p:txBody>
-          <a:bodyPr wrap="none" rtlCol="0">
-            <a:spAutoFit/>
-          </a:bodyPr>
-          <a:lstStyle/>
-          <a:p>
-            <a:r>
-              <a:rPr lang="de-DE" sz="1100" dirty="0" smtClean="0">
-                <a:latin typeface="ultraschall" charset="-127"/>
-                <a:ea typeface="ultraschall" charset="-127"/>
-                <a:cs typeface="ultraschall" charset="-127"/>
-              </a:rPr>
-              <a:t>a</a:t>
-            </a:r>
-            <a:endParaRPr lang="de-DE" sz="1100" dirty="0">
-              <a:latin typeface="ultraschall" charset="-127"/>
-              <a:ea typeface="ultraschall" charset="-127"/>
-              <a:cs typeface="ultraschall" charset="-127"/>
-            </a:endParaRPr>
-          </a:p>
-        </p:txBody>
-      </p:sp>
-      <p:sp>
-        <p:nvSpPr>
-          <p:cNvPr id="149" name="Abgerundetes Rechteck 148"/>
+          <p:cNvPr id="164" name="Abgerundetes Rechteck 163"/>
           <p:cNvSpPr/>
           <p:nvPr/>
         </p:nvSpPr>
         <p:spPr>
           <a:xfrm>
-            <a:off x="8064484" y="2586011"/>
-            <a:ext cx="796930" cy="483856"/>
+            <a:off x="4166233" y="3173686"/>
+            <a:ext cx="495160" cy="483856"/>
           </a:xfrm>
           <a:prstGeom prst="roundRect">
             <a:avLst>
@@ -12070,14 +12685,14 @@
             </a:avLst>
           </a:prstGeom>
           <a:solidFill>
-            <a:schemeClr val="accent4">
+            <a:schemeClr val="accent6">
               <a:lumMod val="20000"/>
               <a:lumOff val="80000"/>
             </a:schemeClr>
           </a:solidFill>
           <a:ln>
             <a:solidFill>
-              <a:schemeClr val="accent4">
+              <a:schemeClr val="accent6">
                 <a:lumMod val="50000"/>
               </a:schemeClr>
             </a:solidFill>
@@ -12116,14 +12731,14 @@
       </p:sp>
       <p:sp>
         <p:nvSpPr>
-          <p:cNvPr id="150" name="Textfeld 149"/>
+          <p:cNvPr id="165" name="Textfeld 164"/>
           <p:cNvSpPr txBox="1"/>
           <p:nvPr/>
         </p:nvSpPr>
         <p:spPr>
           <a:xfrm>
-            <a:off x="8117463" y="2571624"/>
-            <a:ext cx="866345" cy="169277"/>
+            <a:off x="4122093" y="3455219"/>
+            <a:ext cx="247184" cy="253916"/>
           </a:xfrm>
           <a:prstGeom prst="rect">
             <a:avLst/>
@@ -12131,288 +12746,59 @@
           <a:noFill/>
         </p:spPr>
         <p:txBody>
+          <a:bodyPr wrap="none" rtlCol="0">
+            <a:spAutoFit/>
+          </a:bodyPr>
+          <a:lstStyle/>
+          <a:p>
+            <a:r>
+              <a:rPr lang="de-DE" sz="1050" dirty="0" smtClean="0">
+                <a:latin typeface="Helvetica Neue LT Std 67 Medium Condensed" charset="0"/>
+                <a:ea typeface="Helvetica Neue LT Std 67 Medium Condensed" charset="0"/>
+                <a:cs typeface="Helvetica Neue LT Std 67 Medium Condensed" charset="0"/>
+              </a:rPr>
+              <a:t>Z</a:t>
+            </a:r>
+            <a:endParaRPr lang="de-DE" sz="1050" dirty="0">
+              <a:latin typeface="Helvetica Neue LT Std 67 Medium Condensed" charset="0"/>
+              <a:ea typeface="Helvetica Neue LT Std 67 Medium Condensed" charset="0"/>
+              <a:cs typeface="Helvetica Neue LT Std 67 Medium Condensed" charset="0"/>
+            </a:endParaRPr>
+          </a:p>
+        </p:txBody>
+      </p:sp>
+      <p:sp>
+        <p:nvSpPr>
+          <p:cNvPr id="166" name="Textfeld 165"/>
+          <p:cNvSpPr txBox="1"/>
+          <p:nvPr/>
+        </p:nvSpPr>
+        <p:spPr>
+          <a:xfrm>
+            <a:off x="4364804" y="3193057"/>
+            <a:ext cx="398899" cy="169277"/>
+          </a:xfrm>
+          <a:prstGeom prst="rect">
+            <a:avLst/>
+          </a:prstGeom>
+          <a:noFill/>
+        </p:spPr>
+        <p:txBody>
           <a:bodyPr wrap="square" rtlCol="0" anchor="t">
             <a:spAutoFit/>
           </a:bodyPr>
           <a:lstStyle/>
           <a:p>
             <a:r>
-              <a:rPr lang="de-DE" sz="500" dirty="0" smtClean="0">
-                <a:latin typeface="Helvetica Neue LT Std 67 Medium Condensed" charset="0"/>
-                <a:ea typeface="Helvetica Neue LT Std 67 Medium Condensed" charset="0"/>
-                <a:cs typeface="Helvetica Neue LT Std 67 Medium Condensed" charset="0"/>
-              </a:rPr>
-              <a:t>Remove Items </a:t>
-            </a:r>
-            <a:r>
-              <a:rPr lang="de-DE" sz="500" dirty="0" err="1" smtClean="0">
-                <a:latin typeface="Helvetica Neue LT Std 67 Medium Condensed" charset="0"/>
-                <a:ea typeface="Helvetica Neue LT Std 67 Medium Condensed" charset="0"/>
-                <a:cs typeface="Helvetica Neue LT Std 67 Medium Condensed" charset="0"/>
-              </a:rPr>
-              <a:t>or</a:t>
-            </a:r>
-            <a:r>
-              <a:rPr lang="de-DE" sz="500" dirty="0" smtClean="0">
-                <a:latin typeface="Helvetica Neue LT Std 67 Medium Condensed" charset="0"/>
-                <a:ea typeface="Helvetica Neue LT Std 67 Medium Condensed" charset="0"/>
-                <a:cs typeface="Helvetica Neue LT Std 67 Medium Condensed" charset="0"/>
-              </a:rPr>
-              <a:t> Tracks</a:t>
-            </a:r>
-            <a:endParaRPr lang="de-DE" sz="500" dirty="0" smtClean="0">
-              <a:solidFill>
-                <a:schemeClr val="accent2">
-                  <a:lumMod val="75000"/>
-                </a:schemeClr>
-              </a:solidFill>
-              <a:latin typeface="Helvetica Neue LT Std 67 Medium Condensed" charset="0"/>
-              <a:ea typeface="Helvetica Neue LT Std 67 Medium Condensed" charset="0"/>
-              <a:cs typeface="Helvetica Neue LT Std 67 Medium Condensed" charset="0"/>
-            </a:endParaRPr>
-          </a:p>
-        </p:txBody>
-      </p:sp>
-      <p:sp>
-        <p:nvSpPr>
-          <p:cNvPr id="151" name="Textfeld 150"/>
-          <p:cNvSpPr txBox="1"/>
-          <p:nvPr/>
-        </p:nvSpPr>
-        <p:spPr>
-          <a:xfrm>
-            <a:off x="8624335" y="2871486"/>
-            <a:ext cx="306494" cy="253916"/>
-          </a:xfrm>
-          <a:prstGeom prst="rect">
-            <a:avLst/>
-          </a:prstGeom>
-          <a:noFill/>
-        </p:spPr>
-        <p:txBody>
-          <a:bodyPr wrap="none" rtlCol="0">
-            <a:spAutoFit/>
-          </a:bodyPr>
-          <a:lstStyle/>
-          <a:p>
-            <a:r>
-              <a:rPr lang="de-DE" sz="1050" dirty="0" smtClean="0">
-                <a:latin typeface="Helvetica Neue LT Std 67 Medium Condensed" charset="0"/>
-                <a:ea typeface="Helvetica Neue LT Std 67 Medium Condensed" charset="0"/>
-                <a:cs typeface="Helvetica Neue LT Std 67 Medium Condensed" charset="0"/>
-              </a:rPr>
-              <a:t>←</a:t>
-            </a:r>
-            <a:endParaRPr lang="de-DE" sz="1050" dirty="0">
-              <a:latin typeface="Helvetica Neue LT Std 67 Medium Condensed" charset="0"/>
-              <a:ea typeface="Helvetica Neue LT Std 67 Medium Condensed" charset="0"/>
-              <a:cs typeface="Helvetica Neue LT Std 67 Medium Condensed" charset="0"/>
-            </a:endParaRPr>
-          </a:p>
-        </p:txBody>
-      </p:sp>
-      <p:sp>
-        <p:nvSpPr>
-          <p:cNvPr id="152" name="Rechteck 151"/>
-          <p:cNvSpPr/>
-          <p:nvPr/>
-        </p:nvSpPr>
-        <p:spPr>
-          <a:xfrm>
-            <a:off x="8265542" y="2661427"/>
-            <a:ext cx="644728" cy="156453"/>
-          </a:xfrm>
-          <a:prstGeom prst="rect">
-            <a:avLst/>
-          </a:prstGeom>
-        </p:spPr>
-        <p:txBody>
-          <a:bodyPr wrap="none">
-            <a:spAutoFit/>
-          </a:bodyPr>
-          <a:lstStyle/>
-          <a:p>
-            <a:pPr>
-              <a:lnSpc>
-                <a:spcPts val="500"/>
-              </a:lnSpc>
-            </a:pPr>
-            <a:r>
               <a:rPr lang="de-DE" sz="500" smtClean="0">
                 <a:solidFill>
-                  <a:schemeClr val="accent2">
-                    <a:lumMod val="75000"/>
-                  </a:schemeClr>
-                </a:solidFill>
-                <a:latin typeface="Helvetica Neue LT Std 67 Medium Condensed" charset="0"/>
-                <a:ea typeface="Helvetica Neue LT Std 67 Medium Condensed" charset="0"/>
-                <a:cs typeface="Helvetica Neue LT Std 67 Medium Condensed" charset="0"/>
-              </a:rPr>
-              <a:t>Delete last Marker</a:t>
-            </a:r>
-            <a:endParaRPr lang="de-DE" sz="500" dirty="0"/>
-          </a:p>
-        </p:txBody>
-      </p:sp>
-      <p:sp>
-        <p:nvSpPr>
-          <p:cNvPr id="153" name="Rechteck 152"/>
-          <p:cNvSpPr/>
-          <p:nvPr/>
-        </p:nvSpPr>
-        <p:spPr>
-          <a:xfrm>
-            <a:off x="8188157" y="2609547"/>
-            <a:ext cx="248786" cy="246221"/>
-          </a:xfrm>
-          <a:prstGeom prst="rect">
-            <a:avLst/>
-          </a:prstGeom>
-        </p:spPr>
-        <p:txBody>
-          <a:bodyPr wrap="none">
-            <a:spAutoFit/>
-          </a:bodyPr>
-          <a:lstStyle/>
-          <a:p>
-            <a:r>
-              <a:rPr lang="de-DE" sz="1000" dirty="0" smtClean="0">
-                <a:solidFill>
-                  <a:schemeClr val="accent2">
-                    <a:lumMod val="75000"/>
-                  </a:schemeClr>
-                </a:solidFill>
-                <a:latin typeface="Helvetica Neue LT Std 67 Medium Condensed" charset="0"/>
-                <a:ea typeface="Helvetica Neue LT Std 67 Medium Condensed" charset="0"/>
-                <a:cs typeface="Helvetica Neue LT Std 67 Medium Condensed" charset="0"/>
-              </a:rPr>
-              <a:t>⇧</a:t>
-            </a:r>
-            <a:endParaRPr lang="de-DE" sz="1400" dirty="0"/>
-          </a:p>
-        </p:txBody>
-      </p:sp>
-      <p:sp>
-        <p:nvSpPr>
-          <p:cNvPr id="154" name="Rechteck 153"/>
-          <p:cNvSpPr/>
-          <p:nvPr/>
-        </p:nvSpPr>
-        <p:spPr>
-          <a:xfrm>
-            <a:off x="7898114" y="2737894"/>
-            <a:ext cx="1012051" cy="156453"/>
-          </a:xfrm>
-          <a:prstGeom prst="rect">
-            <a:avLst/>
-          </a:prstGeom>
-        </p:spPr>
-        <p:txBody>
-          <a:bodyPr wrap="square">
-            <a:spAutoFit/>
-          </a:bodyPr>
-          <a:lstStyle/>
-          <a:p>
-            <a:pPr algn="r">
-              <a:lnSpc>
-                <a:spcPts val="500"/>
-              </a:lnSpc>
-            </a:pPr>
-            <a:r>
-              <a:rPr lang="de-DE" sz="500" dirty="0">
-                <a:solidFill>
-                  <a:schemeClr val="accent6">
-                    <a:lumMod val="75000"/>
-                  </a:schemeClr>
-                </a:solidFill>
-                <a:latin typeface="Helvetica Neue LT Std 67 Medium Condensed" charset="0"/>
-                <a:ea typeface="Helvetica Neue LT Std 67 Medium Condensed" charset="0"/>
-                <a:cs typeface="Helvetica Neue LT Std 67 Medium Condensed" charset="0"/>
-              </a:rPr>
-              <a:t>⌥ </a:t>
-            </a:r>
-            <a:r>
-              <a:rPr lang="de-DE" sz="500" dirty="0" smtClean="0">
-                <a:solidFill>
-                  <a:schemeClr val="accent6">
-                    <a:lumMod val="75000"/>
-                  </a:schemeClr>
-                </a:solidFill>
-                <a:latin typeface="Helvetica Neue LT Std 67 Medium Condensed" charset="0"/>
-                <a:ea typeface="Helvetica Neue LT Std 67 Medium Condensed" charset="0"/>
-                <a:cs typeface="Helvetica Neue LT Std 67 Medium Condensed" charset="0"/>
-              </a:rPr>
-              <a:t>Ripple Del. Time </a:t>
-            </a:r>
-            <a:r>
-              <a:rPr lang="de-DE" sz="500" dirty="0" err="1" smtClean="0">
-                <a:solidFill>
-                  <a:schemeClr val="accent6">
-                    <a:lumMod val="75000"/>
-                  </a:schemeClr>
-                </a:solidFill>
-                <a:latin typeface="Helvetica Neue LT Std 67 Medium Condensed" charset="0"/>
-                <a:ea typeface="Helvetica Neue LT Std 67 Medium Condensed" charset="0"/>
-                <a:cs typeface="Helvetica Neue LT Std 67 Medium Condensed" charset="0"/>
-              </a:rPr>
-              <a:t>Selection</a:t>
-            </a:r>
-            <a:endParaRPr lang="de-DE" sz="500" dirty="0">
-              <a:solidFill>
-                <a:schemeClr val="accent6">
-                  <a:lumMod val="75000"/>
-                </a:schemeClr>
-              </a:solidFill>
-              <a:latin typeface="Helvetica Neue LT Std 67 Medium Condensed" charset="0"/>
-              <a:ea typeface="Helvetica Neue LT Std 67 Medium Condensed" charset="0"/>
-              <a:cs typeface="Helvetica Neue LT Std 67 Medium Condensed" charset="0"/>
-            </a:endParaRPr>
-          </a:p>
-        </p:txBody>
-      </p:sp>
-      <p:sp>
-        <p:nvSpPr>
-          <p:cNvPr id="155" name="Textfeld 154"/>
-          <p:cNvSpPr txBox="1"/>
-          <p:nvPr/>
-        </p:nvSpPr>
-        <p:spPr>
-          <a:xfrm>
-            <a:off x="8187019" y="2814599"/>
-            <a:ext cx="741553" cy="169277"/>
-          </a:xfrm>
-          <a:prstGeom prst="rect">
-            <a:avLst/>
-          </a:prstGeom>
-          <a:noFill/>
-        </p:spPr>
-        <p:txBody>
-          <a:bodyPr wrap="square" rtlCol="0" anchor="t">
-            <a:spAutoFit/>
-          </a:bodyPr>
-          <a:lstStyle/>
-          <a:p>
-            <a:r>
-              <a:rPr lang="de-DE" sz="500" dirty="0" smtClean="0">
-                <a:solidFill>
                   <a:srgbClr val="7030A0"/>
                 </a:solidFill>
                 <a:latin typeface="Helvetica Neue LT Std 67 Medium Condensed" charset="0"/>
                 <a:ea typeface="Helvetica Neue LT Std 67 Medium Condensed" charset="0"/>
                 <a:cs typeface="Helvetica Neue LT Std 67 Medium Condensed" charset="0"/>
               </a:rPr>
-              <a:t>Delete Time </a:t>
-            </a:r>
-            <a:r>
-              <a:rPr lang="de-DE" sz="500" dirty="0" err="1" smtClean="0">
-                <a:solidFill>
-                  <a:srgbClr val="7030A0"/>
-                </a:solidFill>
-                <a:latin typeface="Helvetica Neue LT Std 67 Medium Condensed" charset="0"/>
-                <a:ea typeface="Helvetica Neue LT Std 67 Medium Condensed" charset="0"/>
-                <a:cs typeface="Helvetica Neue LT Std 67 Medium Condensed" charset="0"/>
-              </a:rPr>
-              <a:t>Selection</a:t>
+              <a:t>Undo</a:t>
             </a:r>
             <a:endParaRPr lang="de-DE" sz="500" dirty="0" smtClean="0">
               <a:solidFill>
@@ -12427,13 +12813,13 @@
       </p:sp>
       <p:sp>
         <p:nvSpPr>
-          <p:cNvPr id="156" name="Rechteck 155"/>
+          <p:cNvPr id="167" name="Rechteck 166"/>
           <p:cNvSpPr/>
           <p:nvPr/>
         </p:nvSpPr>
         <p:spPr>
           <a:xfrm>
-            <a:off x="8085455" y="2801301"/>
+            <a:off x="4244774" y="3177107"/>
             <a:ext cx="261610" cy="184666"/>
           </a:xfrm>
           <a:prstGeom prst="rect">
@@ -12467,14 +12853,14 @@
       </p:sp>
       <p:sp>
         <p:nvSpPr>
-          <p:cNvPr id="157" name="Abgerundetes Rechteck 156"/>
+          <p:cNvPr id="168" name="Abgerundetes Rechteck 167"/>
           <p:cNvSpPr/>
           <p:nvPr/>
         </p:nvSpPr>
         <p:spPr>
           <a:xfrm>
-            <a:off x="7325213" y="3772794"/>
-            <a:ext cx="495160" cy="483856"/>
+            <a:off x="7762092" y="4934872"/>
+            <a:ext cx="495160" cy="279576"/>
           </a:xfrm>
           <a:prstGeom prst="roundRect">
             <a:avLst>
@@ -12528,135 +12914,14 @@
       </p:sp>
       <p:sp>
         <p:nvSpPr>
-          <p:cNvPr id="158" name="Textfeld 157"/>
-          <p:cNvSpPr txBox="1"/>
-          <p:nvPr/>
-        </p:nvSpPr>
-        <p:spPr>
-          <a:xfrm>
-            <a:off x="7281073" y="4036185"/>
-            <a:ext cx="264816" cy="253916"/>
-          </a:xfrm>
-          <a:prstGeom prst="rect">
-            <a:avLst/>
-          </a:prstGeom>
-          <a:noFill/>
-        </p:spPr>
-        <p:txBody>
-          <a:bodyPr wrap="none" rtlCol="0">
-            <a:spAutoFit/>
-          </a:bodyPr>
-          <a:lstStyle/>
-          <a:p>
-            <a:r>
-              <a:rPr lang="de-DE" sz="1050" dirty="0" smtClean="0">
-                <a:latin typeface="Helvetica Neue LT Std 67 Medium Condensed" charset="0"/>
-                <a:ea typeface="Helvetica Neue LT Std 67 Medium Condensed" charset="0"/>
-                <a:cs typeface="Helvetica Neue LT Std 67 Medium Condensed" charset="0"/>
-              </a:rPr>
-              <a:t>Ä</a:t>
-            </a:r>
-            <a:endParaRPr lang="de-DE" sz="1050" dirty="0">
-              <a:latin typeface="Helvetica Neue LT Std 67 Medium Condensed" charset="0"/>
-              <a:ea typeface="Helvetica Neue LT Std 67 Medium Condensed" charset="0"/>
-              <a:cs typeface="Helvetica Neue LT Std 67 Medium Condensed" charset="0"/>
-            </a:endParaRPr>
-          </a:p>
-        </p:txBody>
-      </p:sp>
-      <p:sp>
-        <p:nvSpPr>
-          <p:cNvPr id="159" name="Textfeld 158"/>
-          <p:cNvSpPr txBox="1"/>
-          <p:nvPr/>
-        </p:nvSpPr>
-        <p:spPr>
-          <a:xfrm>
-            <a:off x="7099341" y="3781306"/>
-            <a:ext cx="759239" cy="246221"/>
-          </a:xfrm>
-          <a:prstGeom prst="rect">
-            <a:avLst/>
-          </a:prstGeom>
-          <a:noFill/>
-        </p:spPr>
-        <p:txBody>
-          <a:bodyPr wrap="square" rtlCol="0" anchor="t">
-            <a:spAutoFit/>
-          </a:bodyPr>
-          <a:lstStyle/>
-          <a:p>
-            <a:pPr algn="r"/>
-            <a:r>
-              <a:rPr lang="de-DE" sz="500" dirty="0" smtClean="0">
-                <a:latin typeface="Helvetica Neue LT Std 67 Medium Condensed" charset="0"/>
-                <a:ea typeface="Helvetica Neue LT Std 67 Medium Condensed" charset="0"/>
-                <a:cs typeface="Helvetica Neue LT Std 67 Medium Condensed" charset="0"/>
-              </a:rPr>
-              <a:t>Zoom </a:t>
-            </a:r>
-            <a:r>
-              <a:rPr lang="de-DE" sz="500" dirty="0" err="1" smtClean="0">
-                <a:latin typeface="Helvetica Neue LT Std 67 Medium Condensed" charset="0"/>
-                <a:ea typeface="Helvetica Neue LT Std 67 Medium Condensed" charset="0"/>
-                <a:cs typeface="Helvetica Neue LT Std 67 Medium Condensed" charset="0"/>
-              </a:rPr>
-              <a:t>to</a:t>
-            </a:r>
-            <a:r>
-              <a:rPr lang="de-DE" sz="500" dirty="0">
-                <a:latin typeface="Helvetica Neue LT Std 67 Medium Condensed" charset="0"/>
-                <a:ea typeface="Helvetica Neue LT Std 67 Medium Condensed" charset="0"/>
-                <a:cs typeface="Helvetica Neue LT Std 67 Medium Condensed" charset="0"/>
-              </a:rPr>
-              <a:t/>
-            </a:r>
-            <a:br>
-              <a:rPr lang="de-DE" sz="500" dirty="0">
-                <a:latin typeface="Helvetica Neue LT Std 67 Medium Condensed" charset="0"/>
-                <a:ea typeface="Helvetica Neue LT Std 67 Medium Condensed" charset="0"/>
-                <a:cs typeface="Helvetica Neue LT Std 67 Medium Condensed" charset="0"/>
-              </a:rPr>
-            </a:br>
-            <a:r>
-              <a:rPr lang="de-DE" sz="500" dirty="0" smtClean="0">
-                <a:latin typeface="Helvetica Neue LT Std 67 Medium Condensed" charset="0"/>
-                <a:ea typeface="Helvetica Neue LT Std 67 Medium Condensed" charset="0"/>
-                <a:cs typeface="Helvetica Neue LT Std 67 Medium Condensed" charset="0"/>
-              </a:rPr>
-              <a:t>Time </a:t>
-            </a:r>
-            <a:r>
-              <a:rPr lang="de-DE" sz="500" dirty="0" err="1" smtClean="0">
-                <a:latin typeface="Helvetica Neue LT Std 67 Medium Condensed" charset="0"/>
-                <a:ea typeface="Helvetica Neue LT Std 67 Medium Condensed" charset="0"/>
-                <a:cs typeface="Helvetica Neue LT Std 67 Medium Condensed" charset="0"/>
-              </a:rPr>
-              <a:t>Selection</a:t>
-            </a:r>
-            <a:endParaRPr lang="de-DE" sz="500" dirty="0" smtClean="0">
-              <a:solidFill>
-                <a:schemeClr val="accent2">
-                  <a:lumMod val="75000"/>
-                </a:schemeClr>
-              </a:solidFill>
-              <a:latin typeface="Helvetica Neue LT Std 67 Medium Condensed" charset="0"/>
-              <a:ea typeface="Helvetica Neue LT Std 67 Medium Condensed" charset="0"/>
-              <a:cs typeface="Helvetica Neue LT Std 67 Medium Condensed" charset="0"/>
-            </a:endParaRPr>
-          </a:p>
-        </p:txBody>
-      </p:sp>
-      <p:sp>
-        <p:nvSpPr>
-          <p:cNvPr id="160" name="Abgerundetes Rechteck 159"/>
+          <p:cNvPr id="170" name="Abgerundetes Rechteck 169"/>
           <p:cNvSpPr/>
           <p:nvPr/>
         </p:nvSpPr>
         <p:spPr>
           <a:xfrm>
-            <a:off x="6117604" y="3772794"/>
-            <a:ext cx="495160" cy="483856"/>
+            <a:off x="7762092" y="5225068"/>
+            <a:ext cx="495160" cy="279576"/>
           </a:xfrm>
           <a:prstGeom prst="roundRect">
             <a:avLst>
@@ -12664,14 +12929,14 @@
             </a:avLst>
           </a:prstGeom>
           <a:solidFill>
-            <a:schemeClr val="accent4">
+            <a:schemeClr val="accent6">
               <a:lumMod val="20000"/>
               <a:lumOff val="80000"/>
             </a:schemeClr>
           </a:solidFill>
           <a:ln>
             <a:solidFill>
-              <a:schemeClr val="accent4">
+              <a:schemeClr val="accent6">
                 <a:lumMod val="50000"/>
               </a:schemeClr>
             </a:solidFill>
@@ -12710,247 +12975,14 @@
       </p:sp>
       <p:sp>
         <p:nvSpPr>
-          <p:cNvPr id="161" name="Textfeld 160"/>
-          <p:cNvSpPr txBox="1"/>
-          <p:nvPr/>
-        </p:nvSpPr>
-        <p:spPr>
-          <a:xfrm>
-            <a:off x="6156070" y="3772301"/>
-            <a:ext cx="500728" cy="287899"/>
-          </a:xfrm>
-          <a:prstGeom prst="rect">
-            <a:avLst/>
-          </a:prstGeom>
-          <a:noFill/>
-        </p:spPr>
-        <p:txBody>
-          <a:bodyPr wrap="square" rtlCol="0" anchor="t">
-            <a:spAutoFit/>
-          </a:bodyPr>
-          <a:lstStyle/>
-          <a:p>
-            <a:pPr algn="r">
-              <a:lnSpc>
-                <a:spcPts val="500"/>
-              </a:lnSpc>
-            </a:pPr>
-            <a:r>
-              <a:rPr lang="de-DE" sz="500" dirty="0" smtClean="0">
-                <a:latin typeface="Helvetica Neue LT Std 67 Medium Condensed" charset="0"/>
-                <a:ea typeface="Helvetica Neue LT Std 67 Medium Condensed" charset="0"/>
-                <a:cs typeface="Helvetica Neue LT Std 67 Medium Condensed" charset="0"/>
-              </a:rPr>
-              <a:t>        </a:t>
-            </a:r>
-            <a:r>
-              <a:rPr lang="de-DE" sz="500" dirty="0" err="1" smtClean="0">
-                <a:latin typeface="Helvetica Neue LT Std 67 Medium Condensed" charset="0"/>
-                <a:ea typeface="Helvetica Neue LT Std 67 Medium Condensed" charset="0"/>
-                <a:cs typeface="Helvetica Neue LT Std 67 Medium Condensed" charset="0"/>
-              </a:rPr>
-              <a:t>Toggle</a:t>
-            </a:r>
-            <a:r>
-              <a:rPr lang="de-DE" sz="500" dirty="0" smtClean="0">
-                <a:latin typeface="Helvetica Neue LT Std 67 Medium Condensed" charset="0"/>
-                <a:ea typeface="Helvetica Neue LT Std 67 Medium Condensed" charset="0"/>
-                <a:cs typeface="Helvetica Neue LT Std 67 Medium Condensed" charset="0"/>
-              </a:rPr>
-              <a:t> Lock</a:t>
-            </a:r>
-            <a:br>
-              <a:rPr lang="de-DE" sz="500" dirty="0" smtClean="0">
-                <a:latin typeface="Helvetica Neue LT Std 67 Medium Condensed" charset="0"/>
-                <a:ea typeface="Helvetica Neue LT Std 67 Medium Condensed" charset="0"/>
-                <a:cs typeface="Helvetica Neue LT Std 67 Medium Condensed" charset="0"/>
-              </a:rPr>
-            </a:br>
-            <a:r>
-              <a:rPr lang="de-DE" sz="500" dirty="0" smtClean="0">
-                <a:latin typeface="Helvetica Neue LT Std 67 Medium Condensed" charset="0"/>
-                <a:ea typeface="Helvetica Neue LT Std 67 Medium Condensed" charset="0"/>
-                <a:cs typeface="Helvetica Neue LT Std 67 Medium Condensed" charset="0"/>
-              </a:rPr>
-              <a:t>Items</a:t>
-            </a:r>
-            <a:endParaRPr lang="de-DE" sz="500" dirty="0" smtClean="0">
-              <a:solidFill>
-                <a:schemeClr val="accent2">
-                  <a:lumMod val="75000"/>
-                </a:schemeClr>
-              </a:solidFill>
-              <a:latin typeface="Helvetica Neue LT Std 67 Medium Condensed" charset="0"/>
-              <a:ea typeface="Helvetica Neue LT Std 67 Medium Condensed" charset="0"/>
-              <a:cs typeface="Helvetica Neue LT Std 67 Medium Condensed" charset="0"/>
-            </a:endParaRPr>
-          </a:p>
-        </p:txBody>
-      </p:sp>
-      <p:sp>
-        <p:nvSpPr>
-          <p:cNvPr id="162" name="Textfeld 161"/>
-          <p:cNvSpPr txBox="1"/>
-          <p:nvPr/>
-        </p:nvSpPr>
-        <p:spPr>
-          <a:xfrm>
-            <a:off x="6064407" y="4061278"/>
-            <a:ext cx="243978" cy="253916"/>
-          </a:xfrm>
-          <a:prstGeom prst="rect">
-            <a:avLst/>
-          </a:prstGeom>
-          <a:noFill/>
-        </p:spPr>
-        <p:txBody>
-          <a:bodyPr wrap="none" rtlCol="0">
-            <a:spAutoFit/>
-          </a:bodyPr>
-          <a:lstStyle/>
-          <a:p>
-            <a:r>
-              <a:rPr lang="de-DE" sz="1050" dirty="0" smtClean="0">
-                <a:latin typeface="Helvetica Neue LT Std 67 Medium Condensed" charset="0"/>
-                <a:ea typeface="Helvetica Neue LT Std 67 Medium Condensed" charset="0"/>
-                <a:cs typeface="Helvetica Neue LT Std 67 Medium Condensed" charset="0"/>
-              </a:rPr>
-              <a:t>L</a:t>
-            </a:r>
-            <a:endParaRPr lang="de-DE" sz="1050" dirty="0">
-              <a:latin typeface="Helvetica Neue LT Std 67 Medium Condensed" charset="0"/>
-              <a:ea typeface="Helvetica Neue LT Std 67 Medium Condensed" charset="0"/>
-              <a:cs typeface="Helvetica Neue LT Std 67 Medium Condensed" charset="0"/>
-            </a:endParaRPr>
-          </a:p>
-        </p:txBody>
-      </p:sp>
-      <p:sp>
-        <p:nvSpPr>
-          <p:cNvPr id="163" name="Rechteck 162"/>
+          <p:cNvPr id="171" name="Abgerundetes Rechteck 170"/>
           <p:cNvSpPr/>
           <p:nvPr/>
         </p:nvSpPr>
         <p:spPr>
           <a:xfrm>
-            <a:off x="1857814" y="3988250"/>
-            <a:ext cx="635109" cy="223779"/>
-          </a:xfrm>
-          <a:prstGeom prst="rect">
-            <a:avLst/>
-          </a:prstGeom>
-        </p:spPr>
-        <p:txBody>
-          <a:bodyPr wrap="none">
-            <a:spAutoFit/>
-          </a:bodyPr>
-          <a:lstStyle/>
-          <a:p>
-            <a:pPr algn="r">
-              <a:lnSpc>
-                <a:spcPts val="500"/>
-              </a:lnSpc>
-            </a:pPr>
-            <a:r>
-              <a:rPr lang="de-DE" sz="500" dirty="0">
-                <a:solidFill>
-                  <a:schemeClr val="accent6">
-                    <a:lumMod val="75000"/>
-                  </a:schemeClr>
-                </a:solidFill>
-                <a:latin typeface="Helvetica Neue LT Std 67 Medium Condensed" charset="0"/>
-                <a:ea typeface="Helvetica Neue LT Std 67 Medium Condensed" charset="0"/>
-                <a:cs typeface="Helvetica Neue LT Std 67 Medium Condensed" charset="0"/>
-              </a:rPr>
-              <a:t>⌥ </a:t>
-            </a:r>
-            <a:r>
-              <a:rPr lang="de-DE" sz="500" dirty="0" smtClean="0">
-                <a:solidFill>
-                  <a:schemeClr val="accent6">
-                    <a:lumMod val="75000"/>
-                  </a:schemeClr>
-                </a:solidFill>
-                <a:latin typeface="Helvetica Neue LT Std 67 Medium Condensed" charset="0"/>
-                <a:ea typeface="Helvetica Neue LT Std 67 Medium Condensed" charset="0"/>
-                <a:cs typeface="Helvetica Neue LT Std 67 Medium Condensed" charset="0"/>
-              </a:rPr>
-              <a:t>Split Time Sel. </a:t>
-            </a:r>
-            <a:br>
-              <a:rPr lang="de-DE" sz="500" dirty="0" smtClean="0">
-                <a:solidFill>
-                  <a:schemeClr val="accent6">
-                    <a:lumMod val="75000"/>
-                  </a:schemeClr>
-                </a:solidFill>
-                <a:latin typeface="Helvetica Neue LT Std 67 Medium Condensed" charset="0"/>
-                <a:ea typeface="Helvetica Neue LT Std 67 Medium Condensed" charset="0"/>
-                <a:cs typeface="Helvetica Neue LT Std 67 Medium Condensed" charset="0"/>
-              </a:rPr>
-            </a:br>
-            <a:r>
-              <a:rPr lang="de-DE" sz="500" dirty="0" smtClean="0">
-                <a:solidFill>
-                  <a:schemeClr val="accent6">
-                    <a:lumMod val="75000"/>
-                  </a:schemeClr>
-                </a:solidFill>
-                <a:latin typeface="Helvetica Neue LT Std 67 Medium Condensed" charset="0"/>
-                <a:ea typeface="Helvetica Neue LT Std 67 Medium Condensed" charset="0"/>
-                <a:cs typeface="Helvetica Neue LT Std 67 Medium Condensed" charset="0"/>
-              </a:rPr>
-              <a:t>&amp; </a:t>
-            </a:r>
-            <a:r>
-              <a:rPr lang="de-DE" sz="500" dirty="0" err="1" smtClean="0">
-                <a:solidFill>
-                  <a:schemeClr val="accent6">
-                    <a:lumMod val="75000"/>
-                  </a:schemeClr>
-                </a:solidFill>
-                <a:latin typeface="Helvetica Neue LT Std 67 Medium Condensed" charset="0"/>
-                <a:ea typeface="Helvetica Neue LT Std 67 Medium Condensed" charset="0"/>
-                <a:cs typeface="Helvetica Neue LT Std 67 Medium Condensed" charset="0"/>
-              </a:rPr>
-              <a:t>add</a:t>
-            </a:r>
-            <a:r>
-              <a:rPr lang="de-DE" sz="500" dirty="0" smtClean="0">
-                <a:solidFill>
-                  <a:schemeClr val="accent6">
-                    <a:lumMod val="75000"/>
-                  </a:schemeClr>
-                </a:solidFill>
-                <a:latin typeface="Helvetica Neue LT Std 67 Medium Condensed" charset="0"/>
-                <a:ea typeface="Helvetica Neue LT Std 67 Medium Condensed" charset="0"/>
-                <a:cs typeface="Helvetica Neue LT Std 67 Medium Condensed" charset="0"/>
-              </a:rPr>
-              <a:t> Name  </a:t>
-            </a:r>
-            <a:endParaRPr lang="de-DE" sz="500" dirty="0">
-              <a:solidFill>
-                <a:schemeClr val="accent6">
-                  <a:lumMod val="75000"/>
-                </a:schemeClr>
-              </a:solidFill>
-              <a:latin typeface="Helvetica Neue LT Std 67 Medium Condensed" charset="0"/>
-              <a:ea typeface="Helvetica Neue LT Std 67 Medium Condensed" charset="0"/>
-              <a:cs typeface="Helvetica Neue LT Std 67 Medium Condensed" charset="0"/>
-            </a:endParaRPr>
-          </a:p>
-        </p:txBody>
-      </p:sp>
-      <p:sp>
-        <p:nvSpPr>
-          <p:cNvPr id="164" name="Abgerundetes Rechteck 163"/>
-          <p:cNvSpPr/>
-          <p:nvPr/>
-        </p:nvSpPr>
-        <p:spPr>
-          <a:xfrm>
-            <a:off x="4166233" y="3173686"/>
-            <a:ext cx="495160" cy="483856"/>
+            <a:off x="8359450" y="5226379"/>
+            <a:ext cx="495160" cy="279576"/>
           </a:xfrm>
           <a:prstGeom prst="roundRect">
             <a:avLst>
@@ -13004,135 +13036,13 @@
       </p:sp>
       <p:sp>
         <p:nvSpPr>
-          <p:cNvPr id="165" name="Textfeld 164"/>
-          <p:cNvSpPr txBox="1"/>
-          <p:nvPr/>
-        </p:nvSpPr>
-        <p:spPr>
-          <a:xfrm>
-            <a:off x="4122093" y="3455219"/>
-            <a:ext cx="247184" cy="253916"/>
-          </a:xfrm>
-          <a:prstGeom prst="rect">
-            <a:avLst/>
-          </a:prstGeom>
-          <a:noFill/>
-        </p:spPr>
-        <p:txBody>
-          <a:bodyPr wrap="none" rtlCol="0">
-            <a:spAutoFit/>
-          </a:bodyPr>
-          <a:lstStyle/>
-          <a:p>
-            <a:r>
-              <a:rPr lang="de-DE" sz="1050" dirty="0" smtClean="0">
-                <a:latin typeface="Helvetica Neue LT Std 67 Medium Condensed" charset="0"/>
-                <a:ea typeface="Helvetica Neue LT Std 67 Medium Condensed" charset="0"/>
-                <a:cs typeface="Helvetica Neue LT Std 67 Medium Condensed" charset="0"/>
-              </a:rPr>
-              <a:t>Z</a:t>
-            </a:r>
-            <a:endParaRPr lang="de-DE" sz="1050" dirty="0">
-              <a:latin typeface="Helvetica Neue LT Std 67 Medium Condensed" charset="0"/>
-              <a:ea typeface="Helvetica Neue LT Std 67 Medium Condensed" charset="0"/>
-              <a:cs typeface="Helvetica Neue LT Std 67 Medium Condensed" charset="0"/>
-            </a:endParaRPr>
-          </a:p>
-        </p:txBody>
-      </p:sp>
-      <p:sp>
-        <p:nvSpPr>
-          <p:cNvPr id="166" name="Textfeld 165"/>
-          <p:cNvSpPr txBox="1"/>
-          <p:nvPr/>
-        </p:nvSpPr>
-        <p:spPr>
-          <a:xfrm>
-            <a:off x="4364804" y="3193057"/>
-            <a:ext cx="398899" cy="169277"/>
-          </a:xfrm>
-          <a:prstGeom prst="rect">
-            <a:avLst/>
-          </a:prstGeom>
-          <a:noFill/>
-        </p:spPr>
-        <p:txBody>
-          <a:bodyPr wrap="square" rtlCol="0" anchor="t">
-            <a:spAutoFit/>
-          </a:bodyPr>
-          <a:lstStyle/>
-          <a:p>
-            <a:r>
-              <a:rPr lang="de-DE" sz="500" smtClean="0">
-                <a:solidFill>
-                  <a:srgbClr val="7030A0"/>
-                </a:solidFill>
-                <a:latin typeface="Helvetica Neue LT Std 67 Medium Condensed" charset="0"/>
-                <a:ea typeface="Helvetica Neue LT Std 67 Medium Condensed" charset="0"/>
-                <a:cs typeface="Helvetica Neue LT Std 67 Medium Condensed" charset="0"/>
-              </a:rPr>
-              <a:t>Undo</a:t>
-            </a:r>
-            <a:endParaRPr lang="de-DE" sz="500" dirty="0" smtClean="0">
-              <a:solidFill>
-                <a:srgbClr val="7030A0"/>
-              </a:solidFill>
-              <a:latin typeface="Helvetica Neue LT Std 67 Medium Condensed" charset="0"/>
-              <a:ea typeface="Helvetica Neue LT Std 67 Medium Condensed" charset="0"/>
-              <a:cs typeface="Helvetica Neue LT Std 67 Medium Condensed" charset="0"/>
-            </a:endParaRPr>
-          </a:p>
-        </p:txBody>
-      </p:sp>
-      <p:sp>
-        <p:nvSpPr>
-          <p:cNvPr id="167" name="Rechteck 166"/>
+          <p:cNvPr id="172" name="Abgerundetes Rechteck 171"/>
           <p:cNvSpPr/>
           <p:nvPr/>
         </p:nvSpPr>
         <p:spPr>
           <a:xfrm>
-            <a:off x="4244774" y="3177107"/>
-            <a:ext cx="261610" cy="184666"/>
-          </a:xfrm>
-          <a:prstGeom prst="rect">
-            <a:avLst/>
-          </a:prstGeom>
-        </p:spPr>
-        <p:txBody>
-          <a:bodyPr wrap="none">
-            <a:spAutoFit/>
-          </a:bodyPr>
-          <a:lstStyle/>
-          <a:p>
-            <a:r>
-              <a:rPr lang="de-DE" sz="600" b="1" dirty="0" smtClean="0">
-                <a:solidFill>
-                  <a:srgbClr val="7030A0"/>
-                </a:solidFill>
-                <a:latin typeface="Helvetica Neue LT Std 67 Medium Condensed" charset="0"/>
-                <a:ea typeface="Helvetica Neue LT Std 67 Medium Condensed" charset="0"/>
-                <a:cs typeface="Helvetica Neue LT Std 67 Medium Condensed" charset="0"/>
-              </a:rPr>
-              <a:t>⌘</a:t>
-            </a:r>
-            <a:endParaRPr lang="de-DE" sz="4000" b="1" dirty="0">
-              <a:solidFill>
-                <a:srgbClr val="7030A0"/>
-              </a:solidFill>
-            </a:endParaRPr>
-          </a:p>
-        </p:txBody>
-      </p:sp>
-      <p:sp>
-        <p:nvSpPr>
-          <p:cNvPr id="168" name="Abgerundetes Rechteck 167"/>
-          <p:cNvSpPr/>
-          <p:nvPr/>
-        </p:nvSpPr>
-        <p:spPr>
-          <a:xfrm>
-            <a:off x="7762092" y="4934872"/>
+            <a:off x="7168724" y="5225068"/>
             <a:ext cx="495160" cy="279576"/>
           </a:xfrm>
           <a:prstGeom prst="roundRect">
@@ -13187,14 +13097,704 @@
       </p:sp>
       <p:sp>
         <p:nvSpPr>
-          <p:cNvPr id="170" name="Abgerundetes Rechteck 169"/>
+          <p:cNvPr id="173" name="Rechteck 172"/>
           <p:cNvSpPr/>
           <p:nvPr/>
         </p:nvSpPr>
         <p:spPr>
           <a:xfrm>
-            <a:off x="7762092" y="5225068"/>
-            <a:ext cx="495160" cy="279576"/>
+            <a:off x="7808886" y="4929727"/>
+            <a:ext cx="503664" cy="223779"/>
+          </a:xfrm>
+          <a:prstGeom prst="rect">
+            <a:avLst/>
+          </a:prstGeom>
+        </p:spPr>
+        <p:txBody>
+          <a:bodyPr wrap="none">
+            <a:spAutoFit/>
+          </a:bodyPr>
+          <a:lstStyle/>
+          <a:p>
+            <a:pPr algn="r">
+              <a:lnSpc>
+                <a:spcPts val="500"/>
+              </a:lnSpc>
+            </a:pPr>
+            <a:r>
+              <a:rPr lang="de-DE" sz="500" dirty="0">
+                <a:solidFill>
+                  <a:schemeClr val="accent6">
+                    <a:lumMod val="75000"/>
+                  </a:schemeClr>
+                </a:solidFill>
+                <a:latin typeface="Helvetica Neue LT Std 67 Medium Condensed" charset="0"/>
+                <a:ea typeface="Helvetica Neue LT Std 67 Medium Condensed" charset="0"/>
+                <a:cs typeface="Helvetica Neue LT Std 67 Medium Condensed" charset="0"/>
+              </a:rPr>
+              <a:t>⌥ </a:t>
+            </a:r>
+            <a:r>
+              <a:rPr lang="de-DE" sz="500" dirty="0" smtClean="0">
+                <a:solidFill>
+                  <a:schemeClr val="accent6">
+                    <a:lumMod val="75000"/>
+                  </a:schemeClr>
+                </a:solidFill>
+                <a:latin typeface="Helvetica Neue LT Std 67 Medium Condensed" charset="0"/>
+                <a:ea typeface="Helvetica Neue LT Std 67 Medium Condensed" charset="0"/>
+                <a:cs typeface="Helvetica Neue LT Std 67 Medium Condensed" charset="0"/>
+              </a:rPr>
+              <a:t>Move </a:t>
+            </a:r>
+            <a:r>
+              <a:rPr lang="de-DE" sz="500" dirty="0" err="1" smtClean="0">
+                <a:solidFill>
+                  <a:schemeClr val="accent6">
+                    <a:lumMod val="75000"/>
+                  </a:schemeClr>
+                </a:solidFill>
+                <a:latin typeface="Helvetica Neue LT Std 67 Medium Condensed" charset="0"/>
+                <a:ea typeface="Helvetica Neue LT Std 67 Medium Condensed" charset="0"/>
+                <a:cs typeface="Helvetica Neue LT Std 67 Medium Condensed" charset="0"/>
+              </a:rPr>
+              <a:t>Left</a:t>
+            </a:r>
+            <a:r>
+              <a:rPr lang="de-DE" sz="500" dirty="0" smtClean="0">
+                <a:solidFill>
+                  <a:schemeClr val="accent6">
+                    <a:lumMod val="75000"/>
+                  </a:schemeClr>
+                </a:solidFill>
+                <a:latin typeface="Helvetica Neue LT Std 67 Medium Condensed" charset="0"/>
+                <a:ea typeface="Helvetica Neue LT Std 67 Medium Condensed" charset="0"/>
+                <a:cs typeface="Helvetica Neue LT Std 67 Medium Condensed" charset="0"/>
+              </a:rPr>
+              <a:t/>
+            </a:r>
+            <a:br>
+              <a:rPr lang="de-DE" sz="500" dirty="0" smtClean="0">
+                <a:solidFill>
+                  <a:schemeClr val="accent6">
+                    <a:lumMod val="75000"/>
+                  </a:schemeClr>
+                </a:solidFill>
+                <a:latin typeface="Helvetica Neue LT Std 67 Medium Condensed" charset="0"/>
+                <a:ea typeface="Helvetica Neue LT Std 67 Medium Condensed" charset="0"/>
+                <a:cs typeface="Helvetica Neue LT Std 67 Medium Condensed" charset="0"/>
+              </a:rPr>
+            </a:br>
+            <a:r>
+              <a:rPr lang="de-DE" sz="500" dirty="0" err="1" smtClean="0">
+                <a:solidFill>
+                  <a:schemeClr val="accent6">
+                    <a:lumMod val="75000"/>
+                  </a:schemeClr>
+                </a:solidFill>
+                <a:latin typeface="Helvetica Neue LT Std 67 Medium Condensed" charset="0"/>
+                <a:ea typeface="Helvetica Neue LT Std 67 Medium Condensed" charset="0"/>
+                <a:cs typeface="Helvetica Neue LT Std 67 Medium Condensed" charset="0"/>
+              </a:rPr>
+              <a:t>to</a:t>
+            </a:r>
+            <a:r>
+              <a:rPr lang="de-DE" sz="500" dirty="0" smtClean="0">
+                <a:solidFill>
+                  <a:schemeClr val="accent6">
+                    <a:lumMod val="75000"/>
+                  </a:schemeClr>
+                </a:solidFill>
+                <a:latin typeface="Helvetica Neue LT Std 67 Medium Condensed" charset="0"/>
+                <a:ea typeface="Helvetica Neue LT Std 67 Medium Condensed" charset="0"/>
+                <a:cs typeface="Helvetica Neue LT Std 67 Medium Condensed" charset="0"/>
+              </a:rPr>
+              <a:t> </a:t>
+            </a:r>
+            <a:r>
+              <a:rPr lang="de-DE" sz="500" dirty="0" err="1" smtClean="0">
+                <a:solidFill>
+                  <a:schemeClr val="accent6">
+                    <a:lumMod val="75000"/>
+                  </a:schemeClr>
+                </a:solidFill>
+                <a:latin typeface="Helvetica Neue LT Std 67 Medium Condensed" charset="0"/>
+                <a:ea typeface="Helvetica Neue LT Std 67 Medium Condensed" charset="0"/>
+                <a:cs typeface="Helvetica Neue LT Std 67 Medium Condensed" charset="0"/>
+              </a:rPr>
+              <a:t>next</a:t>
+            </a:r>
+            <a:r>
+              <a:rPr lang="de-DE" sz="500" dirty="0" smtClean="0">
+                <a:solidFill>
+                  <a:schemeClr val="accent6">
+                    <a:lumMod val="75000"/>
+                  </a:schemeClr>
+                </a:solidFill>
+                <a:latin typeface="Helvetica Neue LT Std 67 Medium Condensed" charset="0"/>
+                <a:ea typeface="Helvetica Neue LT Std 67 Medium Condensed" charset="0"/>
+                <a:cs typeface="Helvetica Neue LT Std 67 Medium Condensed" charset="0"/>
+              </a:rPr>
+              <a:t> Edge</a:t>
+            </a:r>
+            <a:endParaRPr lang="de-DE" sz="500" dirty="0">
+              <a:solidFill>
+                <a:schemeClr val="accent6">
+                  <a:lumMod val="75000"/>
+                </a:schemeClr>
+              </a:solidFill>
+              <a:latin typeface="Helvetica Neue LT Std 67 Medium Condensed" charset="0"/>
+              <a:ea typeface="Helvetica Neue LT Std 67 Medium Condensed" charset="0"/>
+              <a:cs typeface="Helvetica Neue LT Std 67 Medium Condensed" charset="0"/>
+            </a:endParaRPr>
+          </a:p>
+        </p:txBody>
+      </p:sp>
+      <p:sp>
+        <p:nvSpPr>
+          <p:cNvPr id="174" name="Rechteck 173"/>
+          <p:cNvSpPr/>
+          <p:nvPr/>
+        </p:nvSpPr>
+        <p:spPr>
+          <a:xfrm>
+            <a:off x="7772627" y="5224676"/>
+            <a:ext cx="535724" cy="220573"/>
+          </a:xfrm>
+          <a:prstGeom prst="rect">
+            <a:avLst/>
+          </a:prstGeom>
+        </p:spPr>
+        <p:txBody>
+          <a:bodyPr wrap="none">
+            <a:spAutoFit/>
+          </a:bodyPr>
+          <a:lstStyle/>
+          <a:p>
+            <a:pPr algn="r">
+              <a:lnSpc>
+                <a:spcPts val="500"/>
+              </a:lnSpc>
+            </a:pPr>
+            <a:r>
+              <a:rPr lang="de-DE" sz="500" dirty="0">
+                <a:solidFill>
+                  <a:schemeClr val="accent6">
+                    <a:lumMod val="75000"/>
+                  </a:schemeClr>
+                </a:solidFill>
+                <a:latin typeface="Helvetica Neue LT Std 67 Medium Condensed" charset="0"/>
+                <a:ea typeface="Helvetica Neue LT Std 67 Medium Condensed" charset="0"/>
+                <a:cs typeface="Helvetica Neue LT Std 67 Medium Condensed" charset="0"/>
+              </a:rPr>
+              <a:t>⌥ </a:t>
+            </a:r>
+            <a:r>
+              <a:rPr lang="de-DE" sz="500" dirty="0" smtClean="0">
+                <a:solidFill>
+                  <a:schemeClr val="accent6">
+                    <a:lumMod val="75000"/>
+                  </a:schemeClr>
+                </a:solidFill>
+                <a:latin typeface="Helvetica Neue LT Std 67 Medium Condensed" charset="0"/>
+                <a:ea typeface="Helvetica Neue LT Std 67 Medium Condensed" charset="0"/>
+                <a:cs typeface="Helvetica Neue LT Std 67 Medium Condensed" charset="0"/>
+              </a:rPr>
+              <a:t>Move </a:t>
+            </a:r>
+            <a:r>
+              <a:rPr lang="de-DE" sz="500" dirty="0" err="1" smtClean="0">
+                <a:solidFill>
+                  <a:schemeClr val="accent6">
+                    <a:lumMod val="75000"/>
+                  </a:schemeClr>
+                </a:solidFill>
+                <a:latin typeface="Helvetica Neue LT Std 67 Medium Condensed" charset="0"/>
+                <a:ea typeface="Helvetica Neue LT Std 67 Medium Condensed" charset="0"/>
+                <a:cs typeface="Helvetica Neue LT Std 67 Medium Condensed" charset="0"/>
+              </a:rPr>
+              <a:t>Right</a:t>
+            </a:r>
+            <a:r>
+              <a:rPr lang="de-DE" sz="500" dirty="0" smtClean="0">
+                <a:solidFill>
+                  <a:schemeClr val="accent6">
+                    <a:lumMod val="75000"/>
+                  </a:schemeClr>
+                </a:solidFill>
+                <a:latin typeface="Helvetica Neue LT Std 67 Medium Condensed" charset="0"/>
+                <a:ea typeface="Helvetica Neue LT Std 67 Medium Condensed" charset="0"/>
+                <a:cs typeface="Helvetica Neue LT Std 67 Medium Condensed" charset="0"/>
+              </a:rPr>
+              <a:t/>
+            </a:r>
+            <a:br>
+              <a:rPr lang="de-DE" sz="500" dirty="0" smtClean="0">
+                <a:solidFill>
+                  <a:schemeClr val="accent6">
+                    <a:lumMod val="75000"/>
+                  </a:schemeClr>
+                </a:solidFill>
+                <a:latin typeface="Helvetica Neue LT Std 67 Medium Condensed" charset="0"/>
+                <a:ea typeface="Helvetica Neue LT Std 67 Medium Condensed" charset="0"/>
+                <a:cs typeface="Helvetica Neue LT Std 67 Medium Condensed" charset="0"/>
+              </a:rPr>
+            </a:br>
+            <a:r>
+              <a:rPr lang="de-DE" sz="500" dirty="0" err="1" smtClean="0">
+                <a:solidFill>
+                  <a:schemeClr val="accent6">
+                    <a:lumMod val="75000"/>
+                  </a:schemeClr>
+                </a:solidFill>
+                <a:latin typeface="Helvetica Neue LT Std 67 Medium Condensed" charset="0"/>
+                <a:ea typeface="Helvetica Neue LT Std 67 Medium Condensed" charset="0"/>
+                <a:cs typeface="Helvetica Neue LT Std 67 Medium Condensed" charset="0"/>
+              </a:rPr>
+              <a:t>to</a:t>
+            </a:r>
+            <a:r>
+              <a:rPr lang="de-DE" sz="500" dirty="0" smtClean="0">
+                <a:solidFill>
+                  <a:schemeClr val="accent6">
+                    <a:lumMod val="75000"/>
+                  </a:schemeClr>
+                </a:solidFill>
+                <a:latin typeface="Helvetica Neue LT Std 67 Medium Condensed" charset="0"/>
+                <a:ea typeface="Helvetica Neue LT Std 67 Medium Condensed" charset="0"/>
+                <a:cs typeface="Helvetica Neue LT Std 67 Medium Condensed" charset="0"/>
+              </a:rPr>
+              <a:t> </a:t>
+            </a:r>
+            <a:r>
+              <a:rPr lang="de-DE" sz="500" dirty="0" err="1" smtClean="0">
+                <a:solidFill>
+                  <a:schemeClr val="accent6">
+                    <a:lumMod val="75000"/>
+                  </a:schemeClr>
+                </a:solidFill>
+                <a:latin typeface="Helvetica Neue LT Std 67 Medium Condensed" charset="0"/>
+                <a:ea typeface="Helvetica Neue LT Std 67 Medium Condensed" charset="0"/>
+                <a:cs typeface="Helvetica Neue LT Std 67 Medium Condensed" charset="0"/>
+              </a:rPr>
+              <a:t>next</a:t>
+            </a:r>
+            <a:r>
+              <a:rPr lang="de-DE" sz="500" dirty="0" smtClean="0">
+                <a:solidFill>
+                  <a:schemeClr val="accent6">
+                    <a:lumMod val="75000"/>
+                  </a:schemeClr>
+                </a:solidFill>
+                <a:latin typeface="Helvetica Neue LT Std 67 Medium Condensed" charset="0"/>
+                <a:ea typeface="Helvetica Neue LT Std 67 Medium Condensed" charset="0"/>
+                <a:cs typeface="Helvetica Neue LT Std 67 Medium Condensed" charset="0"/>
+              </a:rPr>
+              <a:t> Edge</a:t>
+            </a:r>
+            <a:endParaRPr lang="de-DE" sz="500" dirty="0">
+              <a:solidFill>
+                <a:schemeClr val="accent6">
+                  <a:lumMod val="75000"/>
+                </a:schemeClr>
+              </a:solidFill>
+              <a:latin typeface="Helvetica Neue LT Std 67 Medium Condensed" charset="0"/>
+              <a:ea typeface="Helvetica Neue LT Std 67 Medium Condensed" charset="0"/>
+              <a:cs typeface="Helvetica Neue LT Std 67 Medium Condensed" charset="0"/>
+            </a:endParaRPr>
+          </a:p>
+        </p:txBody>
+      </p:sp>
+      <p:sp>
+        <p:nvSpPr>
+          <p:cNvPr id="36" name="Textfeld 35"/>
+          <p:cNvSpPr txBox="1"/>
+          <p:nvPr/>
+        </p:nvSpPr>
+        <p:spPr>
+          <a:xfrm>
+            <a:off x="7710891" y="5029252"/>
+            <a:ext cx="154813" cy="215444"/>
+          </a:xfrm>
+          <a:prstGeom prst="rect">
+            <a:avLst/>
+          </a:prstGeom>
+          <a:noFill/>
+        </p:spPr>
+        <p:txBody>
+          <a:bodyPr wrap="square" rtlCol="0">
+            <a:spAutoFit/>
+          </a:bodyPr>
+          <a:lstStyle/>
+          <a:p>
+            <a:r>
+              <a:rPr lang="de-DE" sz="800" smtClean="0"/>
+              <a:t>▲</a:t>
+            </a:r>
+            <a:endParaRPr lang="de-DE" sz="800"/>
+          </a:p>
+        </p:txBody>
+      </p:sp>
+      <p:sp>
+        <p:nvSpPr>
+          <p:cNvPr id="175" name="Textfeld 174"/>
+          <p:cNvSpPr txBox="1"/>
+          <p:nvPr/>
+        </p:nvSpPr>
+        <p:spPr>
+          <a:xfrm>
+            <a:off x="7712091" y="5325652"/>
+            <a:ext cx="154813" cy="215444"/>
+          </a:xfrm>
+          <a:prstGeom prst="rect">
+            <a:avLst/>
+          </a:prstGeom>
+          <a:noFill/>
+        </p:spPr>
+        <p:txBody>
+          <a:bodyPr wrap="square" rtlCol="0">
+            <a:spAutoFit/>
+          </a:bodyPr>
+          <a:lstStyle/>
+          <a:p>
+            <a:r>
+              <a:rPr lang="de-DE" sz="800" dirty="0" smtClean="0"/>
+              <a:t>▼</a:t>
+            </a:r>
+            <a:endParaRPr lang="de-DE" sz="800" dirty="0"/>
+          </a:p>
+        </p:txBody>
+      </p:sp>
+      <p:sp>
+        <p:nvSpPr>
+          <p:cNvPr id="176" name="Textfeld 175"/>
+          <p:cNvSpPr txBox="1"/>
+          <p:nvPr/>
+        </p:nvSpPr>
+        <p:spPr>
+          <a:xfrm>
+            <a:off x="8296015" y="5261443"/>
+            <a:ext cx="276770" cy="338554"/>
+          </a:xfrm>
+          <a:prstGeom prst="rect">
+            <a:avLst/>
+          </a:prstGeom>
+          <a:noFill/>
+        </p:spPr>
+        <p:txBody>
+          <a:bodyPr wrap="square" rtlCol="0">
+            <a:spAutoFit/>
+          </a:bodyPr>
+          <a:lstStyle/>
+          <a:p>
+            <a:r>
+              <a:rPr lang="de-DE" sz="1600" smtClean="0"/>
+              <a:t>►</a:t>
+            </a:r>
+            <a:endParaRPr lang="de-DE" sz="1600" dirty="0"/>
+          </a:p>
+        </p:txBody>
+      </p:sp>
+      <p:sp>
+        <p:nvSpPr>
+          <p:cNvPr id="177" name="Textfeld 176"/>
+          <p:cNvSpPr txBox="1"/>
+          <p:nvPr/>
+        </p:nvSpPr>
+        <p:spPr>
+          <a:xfrm rot="10800000">
+            <a:off x="7450703" y="5264130"/>
+            <a:ext cx="276770" cy="338554"/>
+          </a:xfrm>
+          <a:prstGeom prst="rect">
+            <a:avLst/>
+          </a:prstGeom>
+          <a:noFill/>
+        </p:spPr>
+        <p:txBody>
+          <a:bodyPr wrap="square" rtlCol="0">
+            <a:spAutoFit/>
+          </a:bodyPr>
+          <a:lstStyle/>
+          <a:p>
+            <a:r>
+              <a:rPr lang="de-DE" sz="1600" smtClean="0"/>
+              <a:t>►</a:t>
+            </a:r>
+            <a:endParaRPr lang="de-DE" sz="1600" dirty="0"/>
+          </a:p>
+        </p:txBody>
+      </p:sp>
+      <p:sp>
+        <p:nvSpPr>
+          <p:cNvPr id="178" name="Textfeld 177"/>
+          <p:cNvSpPr txBox="1"/>
+          <p:nvPr/>
+        </p:nvSpPr>
+        <p:spPr>
+          <a:xfrm>
+            <a:off x="7211476" y="5201060"/>
+            <a:ext cx="669410" cy="323165"/>
+          </a:xfrm>
+          <a:prstGeom prst="rect">
+            <a:avLst/>
+          </a:prstGeom>
+          <a:noFill/>
+        </p:spPr>
+        <p:txBody>
+          <a:bodyPr wrap="square" rtlCol="0" anchor="t">
+            <a:spAutoFit/>
+          </a:bodyPr>
+          <a:lstStyle/>
+          <a:p>
+            <a:r>
+              <a:rPr lang="de-DE" sz="500" dirty="0" smtClean="0">
+                <a:solidFill>
+                  <a:srgbClr val="7030A0"/>
+                </a:solidFill>
+                <a:latin typeface="Helvetica Neue LT Std 67 Medium Condensed" charset="0"/>
+                <a:ea typeface="Helvetica Neue LT Std 67 Medium Condensed" charset="0"/>
+                <a:cs typeface="Helvetica Neue LT Std 67 Medium Condensed" charset="0"/>
+              </a:rPr>
+              <a:t>Move </a:t>
+            </a:r>
+            <a:r>
+              <a:rPr lang="de-DE" sz="500" dirty="0" err="1" smtClean="0">
+                <a:solidFill>
+                  <a:srgbClr val="7030A0"/>
+                </a:solidFill>
+                <a:latin typeface="Helvetica Neue LT Std 67 Medium Condensed" charset="0"/>
+                <a:ea typeface="Helvetica Neue LT Std 67 Medium Condensed" charset="0"/>
+                <a:cs typeface="Helvetica Neue LT Std 67 Medium Condensed" charset="0"/>
+              </a:rPr>
+              <a:t>to</a:t>
+            </a:r>
+            <a:endParaRPr lang="de-DE" sz="500" dirty="0" smtClean="0">
+              <a:solidFill>
+                <a:srgbClr val="7030A0"/>
+              </a:solidFill>
+              <a:latin typeface="Helvetica Neue LT Std 67 Medium Condensed" charset="0"/>
+              <a:ea typeface="Helvetica Neue LT Std 67 Medium Condensed" charset="0"/>
+              <a:cs typeface="Helvetica Neue LT Std 67 Medium Condensed" charset="0"/>
+            </a:endParaRPr>
+          </a:p>
+          <a:p>
+            <a:r>
+              <a:rPr lang="de-DE" sz="500" dirty="0" err="1" smtClean="0">
+                <a:solidFill>
+                  <a:srgbClr val="7030A0"/>
+                </a:solidFill>
+                <a:latin typeface="Helvetica Neue LT Std 67 Medium Condensed" charset="0"/>
+                <a:ea typeface="Helvetica Neue LT Std 67 Medium Condensed" charset="0"/>
+                <a:cs typeface="Helvetica Neue LT Std 67 Medium Condensed" charset="0"/>
+              </a:rPr>
+              <a:t>Previous</a:t>
+            </a:r>
+            <a:endParaRPr lang="de-DE" sz="500" dirty="0">
+              <a:solidFill>
+                <a:srgbClr val="7030A0"/>
+              </a:solidFill>
+              <a:latin typeface="Helvetica Neue LT Std 67 Medium Condensed" charset="0"/>
+              <a:ea typeface="Helvetica Neue LT Std 67 Medium Condensed" charset="0"/>
+              <a:cs typeface="Helvetica Neue LT Std 67 Medium Condensed" charset="0"/>
+            </a:endParaRPr>
+          </a:p>
+          <a:p>
+            <a:r>
+              <a:rPr lang="de-DE" sz="500" dirty="0" smtClean="0">
+                <a:solidFill>
+                  <a:srgbClr val="7030A0"/>
+                </a:solidFill>
+                <a:latin typeface="Helvetica Neue LT Std 67 Medium Condensed" charset="0"/>
+                <a:ea typeface="Helvetica Neue LT Std 67 Medium Condensed" charset="0"/>
+                <a:cs typeface="Helvetica Neue LT Std 67 Medium Condensed" charset="0"/>
+              </a:rPr>
+              <a:t>Marker</a:t>
+            </a:r>
+          </a:p>
+        </p:txBody>
+      </p:sp>
+      <p:sp>
+        <p:nvSpPr>
+          <p:cNvPr id="179" name="Rechteck 178"/>
+          <p:cNvSpPr/>
+          <p:nvPr/>
+        </p:nvSpPr>
+        <p:spPr>
+          <a:xfrm>
+            <a:off x="7111778" y="5206536"/>
+            <a:ext cx="261610" cy="184666"/>
+          </a:xfrm>
+          <a:prstGeom prst="rect">
+            <a:avLst/>
+          </a:prstGeom>
+        </p:spPr>
+        <p:txBody>
+          <a:bodyPr wrap="none">
+            <a:spAutoFit/>
+          </a:bodyPr>
+          <a:lstStyle/>
+          <a:p>
+            <a:r>
+              <a:rPr lang="de-DE" sz="600" b="1" dirty="0" smtClean="0">
+                <a:solidFill>
+                  <a:srgbClr val="7030A0"/>
+                </a:solidFill>
+                <a:latin typeface="Helvetica Neue LT Std 67 Medium Condensed" charset="0"/>
+                <a:ea typeface="Helvetica Neue LT Std 67 Medium Condensed" charset="0"/>
+                <a:cs typeface="Helvetica Neue LT Std 67 Medium Condensed" charset="0"/>
+              </a:rPr>
+              <a:t>⌘</a:t>
+            </a:r>
+            <a:endParaRPr lang="de-DE" sz="4000" b="1" dirty="0">
+              <a:solidFill>
+                <a:srgbClr val="7030A0"/>
+              </a:solidFill>
+            </a:endParaRPr>
+          </a:p>
+        </p:txBody>
+      </p:sp>
+      <p:sp>
+        <p:nvSpPr>
+          <p:cNvPr id="180" name="Textfeld 179"/>
+          <p:cNvSpPr txBox="1"/>
+          <p:nvPr/>
+        </p:nvSpPr>
+        <p:spPr>
+          <a:xfrm>
+            <a:off x="8240755" y="5208173"/>
+            <a:ext cx="669410" cy="323165"/>
+          </a:xfrm>
+          <a:prstGeom prst="rect">
+            <a:avLst/>
+          </a:prstGeom>
+          <a:noFill/>
+        </p:spPr>
+        <p:txBody>
+          <a:bodyPr wrap="square" rtlCol="0" anchor="t">
+            <a:spAutoFit/>
+          </a:bodyPr>
+          <a:lstStyle/>
+          <a:p>
+            <a:pPr algn="r"/>
+            <a:r>
+              <a:rPr lang="de-DE" sz="500" dirty="0" smtClean="0">
+                <a:solidFill>
+                  <a:srgbClr val="7030A0"/>
+                </a:solidFill>
+                <a:latin typeface="Helvetica Neue LT Std 67 Medium Condensed" charset="0"/>
+                <a:ea typeface="Helvetica Neue LT Std 67 Medium Condensed" charset="0"/>
+                <a:cs typeface="Helvetica Neue LT Std 67 Medium Condensed" charset="0"/>
+              </a:rPr>
+              <a:t>Move </a:t>
+            </a:r>
+            <a:r>
+              <a:rPr lang="de-DE" sz="500" dirty="0" err="1" smtClean="0">
+                <a:solidFill>
+                  <a:srgbClr val="7030A0"/>
+                </a:solidFill>
+                <a:latin typeface="Helvetica Neue LT Std 67 Medium Condensed" charset="0"/>
+                <a:ea typeface="Helvetica Neue LT Std 67 Medium Condensed" charset="0"/>
+                <a:cs typeface="Helvetica Neue LT Std 67 Medium Condensed" charset="0"/>
+              </a:rPr>
+              <a:t>to</a:t>
+            </a:r>
+            <a:endParaRPr lang="de-DE" sz="500" dirty="0" smtClean="0">
+              <a:solidFill>
+                <a:srgbClr val="7030A0"/>
+              </a:solidFill>
+              <a:latin typeface="Helvetica Neue LT Std 67 Medium Condensed" charset="0"/>
+              <a:ea typeface="Helvetica Neue LT Std 67 Medium Condensed" charset="0"/>
+              <a:cs typeface="Helvetica Neue LT Std 67 Medium Condensed" charset="0"/>
+            </a:endParaRPr>
+          </a:p>
+          <a:p>
+            <a:pPr algn="r"/>
+            <a:r>
+              <a:rPr lang="de-DE" sz="500" dirty="0" smtClean="0">
+                <a:solidFill>
+                  <a:srgbClr val="7030A0"/>
+                </a:solidFill>
+                <a:latin typeface="Helvetica Neue LT Std 67 Medium Condensed" charset="0"/>
+                <a:ea typeface="Helvetica Neue LT Std 67 Medium Condensed" charset="0"/>
+                <a:cs typeface="Helvetica Neue LT Std 67 Medium Condensed" charset="0"/>
+              </a:rPr>
+              <a:t>Next</a:t>
+            </a:r>
+            <a:br>
+              <a:rPr lang="de-DE" sz="500" dirty="0" smtClean="0">
+                <a:solidFill>
+                  <a:srgbClr val="7030A0"/>
+                </a:solidFill>
+                <a:latin typeface="Helvetica Neue LT Std 67 Medium Condensed" charset="0"/>
+                <a:ea typeface="Helvetica Neue LT Std 67 Medium Condensed" charset="0"/>
+                <a:cs typeface="Helvetica Neue LT Std 67 Medium Condensed" charset="0"/>
+              </a:rPr>
+            </a:br>
+            <a:r>
+              <a:rPr lang="de-DE" sz="500" dirty="0" smtClean="0">
+                <a:solidFill>
+                  <a:srgbClr val="7030A0"/>
+                </a:solidFill>
+                <a:latin typeface="Helvetica Neue LT Std 67 Medium Condensed" charset="0"/>
+                <a:ea typeface="Helvetica Neue LT Std 67 Medium Condensed" charset="0"/>
+                <a:cs typeface="Helvetica Neue LT Std 67 Medium Condensed" charset="0"/>
+              </a:rPr>
+              <a:t>Marker</a:t>
+            </a:r>
+          </a:p>
+        </p:txBody>
+      </p:sp>
+      <p:sp>
+        <p:nvSpPr>
+          <p:cNvPr id="181" name="Rechteck 180"/>
+          <p:cNvSpPr/>
+          <p:nvPr/>
+        </p:nvSpPr>
+        <p:spPr>
+          <a:xfrm>
+            <a:off x="8429057" y="5199249"/>
+            <a:ext cx="261610" cy="184666"/>
+          </a:xfrm>
+          <a:prstGeom prst="rect">
+            <a:avLst/>
+          </a:prstGeom>
+        </p:spPr>
+        <p:txBody>
+          <a:bodyPr wrap="none">
+            <a:spAutoFit/>
+          </a:bodyPr>
+          <a:lstStyle/>
+          <a:p>
+            <a:r>
+              <a:rPr lang="de-DE" sz="600" b="1" dirty="0" smtClean="0">
+                <a:solidFill>
+                  <a:srgbClr val="7030A0"/>
+                </a:solidFill>
+                <a:latin typeface="Helvetica Neue LT Std 67 Medium Condensed" charset="0"/>
+                <a:ea typeface="Helvetica Neue LT Std 67 Medium Condensed" charset="0"/>
+                <a:cs typeface="Helvetica Neue LT Std 67 Medium Condensed" charset="0"/>
+              </a:rPr>
+              <a:t>⌘</a:t>
+            </a:r>
+            <a:endParaRPr lang="de-DE" sz="4000" b="1" dirty="0">
+              <a:solidFill>
+                <a:srgbClr val="7030A0"/>
+              </a:solidFill>
+            </a:endParaRPr>
+          </a:p>
+        </p:txBody>
+      </p:sp>
+      <p:sp>
+        <p:nvSpPr>
+          <p:cNvPr id="182" name="Abgerundetes Rechteck 181"/>
+          <p:cNvSpPr/>
+          <p:nvPr/>
+        </p:nvSpPr>
+        <p:spPr>
+          <a:xfrm>
+            <a:off x="7458140" y="2586011"/>
+            <a:ext cx="495160" cy="483856"/>
           </a:xfrm>
           <a:prstGeom prst="roundRect">
             <a:avLst>
@@ -13248,14 +13848,108 @@
       </p:sp>
       <p:sp>
         <p:nvSpPr>
-          <p:cNvPr id="171" name="Abgerundetes Rechteck 170"/>
+          <p:cNvPr id="183" name="Textfeld 182"/>
+          <p:cNvSpPr txBox="1"/>
+          <p:nvPr/>
+        </p:nvSpPr>
+        <p:spPr>
+          <a:xfrm>
+            <a:off x="7414000" y="2857536"/>
+            <a:ext cx="215123" cy="253916"/>
+          </a:xfrm>
+          <a:prstGeom prst="rect">
+            <a:avLst/>
+          </a:prstGeom>
+          <a:noFill/>
+        </p:spPr>
+        <p:txBody>
+          <a:bodyPr wrap="none" rtlCol="0">
+            <a:spAutoFit/>
+          </a:bodyPr>
+          <a:lstStyle/>
+          <a:p>
+            <a:r>
+              <a:rPr lang="de-DE" sz="1050" dirty="0" smtClean="0">
+                <a:latin typeface="Helvetica Neue LT Std 67 Medium Condensed" charset="0"/>
+                <a:ea typeface="Helvetica Neue LT Std 67 Medium Condensed" charset="0"/>
+                <a:cs typeface="Helvetica Neue LT Std 67 Medium Condensed" charset="0"/>
+              </a:rPr>
+              <a:t>´</a:t>
+            </a:r>
+            <a:endParaRPr lang="de-DE" sz="1050" dirty="0">
+              <a:latin typeface="Helvetica Neue LT Std 67 Medium Condensed" charset="0"/>
+              <a:ea typeface="Helvetica Neue LT Std 67 Medium Condensed" charset="0"/>
+              <a:cs typeface="Helvetica Neue LT Std 67 Medium Condensed" charset="0"/>
+            </a:endParaRPr>
+          </a:p>
+        </p:txBody>
+      </p:sp>
+      <p:sp>
+        <p:nvSpPr>
+          <p:cNvPr id="184" name="Textfeld 183"/>
+          <p:cNvSpPr txBox="1"/>
+          <p:nvPr/>
+        </p:nvSpPr>
+        <p:spPr>
+          <a:xfrm>
+            <a:off x="7415963" y="2602657"/>
+            <a:ext cx="759239" cy="246221"/>
+          </a:xfrm>
+          <a:prstGeom prst="rect">
+            <a:avLst/>
+          </a:prstGeom>
+          <a:noFill/>
+        </p:spPr>
+        <p:txBody>
+          <a:bodyPr wrap="square" rtlCol="0" anchor="t">
+            <a:spAutoFit/>
+          </a:bodyPr>
+          <a:lstStyle/>
+          <a:p>
+            <a:r>
+              <a:rPr lang="de-DE" sz="500" dirty="0" smtClean="0">
+                <a:latin typeface="Helvetica Neue LT Std 67 Medium Condensed" charset="0"/>
+                <a:ea typeface="Helvetica Neue LT Std 67 Medium Condensed" charset="0"/>
+                <a:cs typeface="Helvetica Neue LT Std 67 Medium Condensed" charset="0"/>
+              </a:rPr>
+              <a:t>Move Edit Cursor</a:t>
+            </a:r>
+            <a:br>
+              <a:rPr lang="de-DE" sz="500" dirty="0" smtClean="0">
+                <a:latin typeface="Helvetica Neue LT Std 67 Medium Condensed" charset="0"/>
+                <a:ea typeface="Helvetica Neue LT Std 67 Medium Condensed" charset="0"/>
+                <a:cs typeface="Helvetica Neue LT Std 67 Medium Condensed" charset="0"/>
+              </a:rPr>
+            </a:br>
+            <a:r>
+              <a:rPr lang="de-DE" sz="500" dirty="0" err="1" smtClean="0">
+                <a:latin typeface="Helvetica Neue LT Std 67 Medium Condensed" charset="0"/>
+                <a:ea typeface="Helvetica Neue LT Std 67 Medium Condensed" charset="0"/>
+                <a:cs typeface="Helvetica Neue LT Std 67 Medium Condensed" charset="0"/>
+              </a:rPr>
+              <a:t>to</a:t>
+            </a:r>
+            <a:r>
+              <a:rPr lang="de-DE" sz="500" dirty="0" smtClean="0">
+                <a:latin typeface="Helvetica Neue LT Std 67 Medium Condensed" charset="0"/>
+                <a:ea typeface="Helvetica Neue LT Std 67 Medium Condensed" charset="0"/>
+                <a:cs typeface="Helvetica Neue LT Std 67 Medium Condensed" charset="0"/>
+              </a:rPr>
+              <a:t> Play Cursor</a:t>
+            </a:r>
+          </a:p>
+        </p:txBody>
+      </p:sp>
+      <p:sp>
+        <p:nvSpPr>
+          <p:cNvPr id="188" name="Abgerundetes Rechteck 187"/>
           <p:cNvSpPr/>
           <p:nvPr/>
         </p:nvSpPr>
         <p:spPr>
           <a:xfrm>
-            <a:off x="8359450" y="5226379"/>
-            <a:ext cx="495160" cy="279576"/>
+            <a:off x="6864684" y="2586011"/>
+            <a:ext cx="495160" cy="483856"/>
           </a:xfrm>
           <a:prstGeom prst="roundRect">
             <a:avLst>
@@ -13263,14 +13957,11 @@
             </a:avLst>
           </a:prstGeom>
           <a:solidFill>
-            <a:schemeClr val="accent6">
-              <a:lumMod val="20000"/>
-              <a:lumOff val="80000"/>
-            </a:schemeClr>
+            <a:schemeClr val="bg1"/>
           </a:solidFill>
           <a:ln>
             <a:solidFill>
-              <a:schemeClr val="accent6">
+              <a:schemeClr val="bg1">
                 <a:lumMod val="50000"/>
               </a:schemeClr>
             </a:solidFill>
@@ -13309,14 +14000,55 @@
       </p:sp>
       <p:sp>
         <p:nvSpPr>
-          <p:cNvPr id="172" name="Abgerundetes Rechteck 171"/>
+          <p:cNvPr id="189" name="Textfeld 188"/>
+          <p:cNvSpPr txBox="1"/>
+          <p:nvPr/>
+        </p:nvSpPr>
+        <p:spPr>
+          <a:xfrm>
+            <a:off x="6826659" y="2859035"/>
+            <a:ext cx="248786" cy="253916"/>
+          </a:xfrm>
+          <a:prstGeom prst="rect">
+            <a:avLst/>
+          </a:prstGeom>
+          <a:noFill/>
+          <a:ln>
+            <a:noFill/>
+          </a:ln>
+        </p:spPr>
+        <p:txBody>
+          <a:bodyPr wrap="none" rtlCol="0">
+            <a:spAutoFit/>
+          </a:bodyPr>
+          <a:lstStyle/>
+          <a:p>
+            <a:r>
+              <a:rPr lang="de-DE" sz="1050" dirty="0" err="1" smtClean="0">
+                <a:latin typeface="Helvetica Neue LT Std 67 Medium Condensed" charset="0"/>
+                <a:ea typeface="Helvetica Neue LT Std 67 Medium Condensed" charset="0"/>
+                <a:cs typeface="Helvetica Neue LT Std 67 Medium Condensed" charset="0"/>
+              </a:rPr>
+              <a:t>ß</a:t>
+            </a:r>
+            <a:endParaRPr lang="de-DE" sz="1050" dirty="0">
+              <a:latin typeface="Helvetica Neue LT Std 67 Medium Condensed" charset="0"/>
+              <a:ea typeface="Helvetica Neue LT Std 67 Medium Condensed" charset="0"/>
+              <a:cs typeface="Helvetica Neue LT Std 67 Medium Condensed" charset="0"/>
+            </a:endParaRPr>
+          </a:p>
+        </p:txBody>
+      </p:sp>
+      <p:sp>
+        <p:nvSpPr>
+          <p:cNvPr id="190" name="Abgerundetes Rechteck 189"/>
           <p:cNvSpPr/>
           <p:nvPr/>
         </p:nvSpPr>
         <p:spPr>
           <a:xfrm>
-            <a:off x="7168724" y="5225068"/>
-            <a:ext cx="495160" cy="279576"/>
+            <a:off x="1166070" y="3173686"/>
+            <a:ext cx="495160" cy="483856"/>
           </a:xfrm>
           <a:prstGeom prst="roundRect">
             <a:avLst>
@@ -13324,14 +14056,11 @@
             </a:avLst>
           </a:prstGeom>
           <a:solidFill>
-            <a:schemeClr val="accent6">
-              <a:lumMod val="20000"/>
-              <a:lumOff val="80000"/>
-            </a:schemeClr>
+            <a:schemeClr val="bg1"/>
           </a:solidFill>
           <a:ln>
             <a:solidFill>
-              <a:schemeClr val="accent6">
+              <a:schemeClr val="bg1">
                 <a:lumMod val="50000"/>
               </a:schemeClr>
             </a:solidFill>
@@ -13370,703 +14099,95 @@
       </p:sp>
       <p:sp>
         <p:nvSpPr>
-          <p:cNvPr id="173" name="Rechteck 172"/>
+          <p:cNvPr id="191" name="Textfeld 190"/>
+          <p:cNvSpPr txBox="1"/>
+          <p:nvPr/>
+        </p:nvSpPr>
+        <p:spPr>
+          <a:xfrm>
+            <a:off x="1128045" y="3444214"/>
+            <a:ext cx="264816" cy="253916"/>
+          </a:xfrm>
+          <a:prstGeom prst="rect">
+            <a:avLst/>
+          </a:prstGeom>
+          <a:noFill/>
+          <a:ln>
+            <a:noFill/>
+          </a:ln>
+        </p:spPr>
+        <p:txBody>
+          <a:bodyPr wrap="none" rtlCol="0">
+            <a:spAutoFit/>
+          </a:bodyPr>
+          <a:lstStyle/>
+          <a:p>
+            <a:r>
+              <a:rPr lang="de-DE" sz="1050" dirty="0" smtClean="0">
+                <a:latin typeface="Helvetica Neue LT Std 67 Medium Condensed" charset="0"/>
+                <a:ea typeface="Helvetica Neue LT Std 67 Medium Condensed" charset="0"/>
+                <a:cs typeface="Helvetica Neue LT Std 67 Medium Condensed" charset="0"/>
+              </a:rPr>
+              <a:t>Q</a:t>
+            </a:r>
+            <a:endParaRPr lang="de-DE" sz="1050" dirty="0">
+              <a:latin typeface="Helvetica Neue LT Std 67 Medium Condensed" charset="0"/>
+              <a:ea typeface="Helvetica Neue LT Std 67 Medium Condensed" charset="0"/>
+              <a:cs typeface="Helvetica Neue LT Std 67 Medium Condensed" charset="0"/>
+            </a:endParaRPr>
+          </a:p>
+        </p:txBody>
+      </p:sp>
+      <p:sp>
+        <p:nvSpPr>
+          <p:cNvPr id="193" name="Textfeld 192"/>
+          <p:cNvSpPr txBox="1"/>
+          <p:nvPr/>
+        </p:nvSpPr>
+        <p:spPr>
+          <a:xfrm>
+            <a:off x="1733542" y="3453985"/>
+            <a:ext cx="284052" cy="253916"/>
+          </a:xfrm>
+          <a:prstGeom prst="rect">
+            <a:avLst/>
+          </a:prstGeom>
+          <a:noFill/>
+          <a:ln>
+            <a:noFill/>
+          </a:ln>
+        </p:spPr>
+        <p:txBody>
+          <a:bodyPr wrap="none" rtlCol="0">
+            <a:spAutoFit/>
+          </a:bodyPr>
+          <a:lstStyle/>
+          <a:p>
+            <a:r>
+              <a:rPr lang="de-DE" sz="1050" dirty="0" smtClean="0">
+                <a:latin typeface="Helvetica Neue LT Std 67 Medium Condensed" charset="0"/>
+                <a:ea typeface="Helvetica Neue LT Std 67 Medium Condensed" charset="0"/>
+                <a:cs typeface="Helvetica Neue LT Std 67 Medium Condensed" charset="0"/>
+              </a:rPr>
+              <a:t>W</a:t>
+            </a:r>
+            <a:endParaRPr lang="de-DE" sz="1050" dirty="0">
+              <a:latin typeface="Helvetica Neue LT Std 67 Medium Condensed" charset="0"/>
+              <a:ea typeface="Helvetica Neue LT Std 67 Medium Condensed" charset="0"/>
+              <a:cs typeface="Helvetica Neue LT Std 67 Medium Condensed" charset="0"/>
+            </a:endParaRPr>
+          </a:p>
+        </p:txBody>
+      </p:sp>
+      <p:sp>
+        <p:nvSpPr>
+          <p:cNvPr id="196" name="Abgerundetes Rechteck 195"/>
           <p:cNvSpPr/>
           <p:nvPr/>
         </p:nvSpPr>
         <p:spPr>
           <a:xfrm>
-            <a:off x="7808886" y="4929727"/>
-            <a:ext cx="503664" cy="223779"/>
-          </a:xfrm>
-          <a:prstGeom prst="rect">
-            <a:avLst/>
-          </a:prstGeom>
-        </p:spPr>
-        <p:txBody>
-          <a:bodyPr wrap="none">
-            <a:spAutoFit/>
-          </a:bodyPr>
-          <a:lstStyle/>
-          <a:p>
-            <a:pPr algn="r">
-              <a:lnSpc>
-                <a:spcPts val="500"/>
-              </a:lnSpc>
-            </a:pPr>
-            <a:r>
-              <a:rPr lang="de-DE" sz="500" dirty="0">
-                <a:solidFill>
-                  <a:schemeClr val="accent6">
-                    <a:lumMod val="75000"/>
-                  </a:schemeClr>
-                </a:solidFill>
-                <a:latin typeface="Helvetica Neue LT Std 67 Medium Condensed" charset="0"/>
-                <a:ea typeface="Helvetica Neue LT Std 67 Medium Condensed" charset="0"/>
-                <a:cs typeface="Helvetica Neue LT Std 67 Medium Condensed" charset="0"/>
-              </a:rPr>
-              <a:t>⌥ </a:t>
-            </a:r>
-            <a:r>
-              <a:rPr lang="de-DE" sz="500" dirty="0" smtClean="0">
-                <a:solidFill>
-                  <a:schemeClr val="accent6">
-                    <a:lumMod val="75000"/>
-                  </a:schemeClr>
-                </a:solidFill>
-                <a:latin typeface="Helvetica Neue LT Std 67 Medium Condensed" charset="0"/>
-                <a:ea typeface="Helvetica Neue LT Std 67 Medium Condensed" charset="0"/>
-                <a:cs typeface="Helvetica Neue LT Std 67 Medium Condensed" charset="0"/>
-              </a:rPr>
-              <a:t>Move </a:t>
-            </a:r>
-            <a:r>
-              <a:rPr lang="de-DE" sz="500" dirty="0" err="1" smtClean="0">
-                <a:solidFill>
-                  <a:schemeClr val="accent6">
-                    <a:lumMod val="75000"/>
-                  </a:schemeClr>
-                </a:solidFill>
-                <a:latin typeface="Helvetica Neue LT Std 67 Medium Condensed" charset="0"/>
-                <a:ea typeface="Helvetica Neue LT Std 67 Medium Condensed" charset="0"/>
-                <a:cs typeface="Helvetica Neue LT Std 67 Medium Condensed" charset="0"/>
-              </a:rPr>
-              <a:t>Left</a:t>
-            </a:r>
-            <a:r>
-              <a:rPr lang="de-DE" sz="500" dirty="0" smtClean="0">
-                <a:solidFill>
-                  <a:schemeClr val="accent6">
-                    <a:lumMod val="75000"/>
-                  </a:schemeClr>
-                </a:solidFill>
-                <a:latin typeface="Helvetica Neue LT Std 67 Medium Condensed" charset="0"/>
-                <a:ea typeface="Helvetica Neue LT Std 67 Medium Condensed" charset="0"/>
-                <a:cs typeface="Helvetica Neue LT Std 67 Medium Condensed" charset="0"/>
-              </a:rPr>
-              <a:t/>
-            </a:r>
-            <a:br>
-              <a:rPr lang="de-DE" sz="500" dirty="0" smtClean="0">
-                <a:solidFill>
-                  <a:schemeClr val="accent6">
-                    <a:lumMod val="75000"/>
-                  </a:schemeClr>
-                </a:solidFill>
-                <a:latin typeface="Helvetica Neue LT Std 67 Medium Condensed" charset="0"/>
-                <a:ea typeface="Helvetica Neue LT Std 67 Medium Condensed" charset="0"/>
-                <a:cs typeface="Helvetica Neue LT Std 67 Medium Condensed" charset="0"/>
-              </a:rPr>
-            </a:br>
-            <a:r>
-              <a:rPr lang="de-DE" sz="500" dirty="0" err="1" smtClean="0">
-                <a:solidFill>
-                  <a:schemeClr val="accent6">
-                    <a:lumMod val="75000"/>
-                  </a:schemeClr>
-                </a:solidFill>
-                <a:latin typeface="Helvetica Neue LT Std 67 Medium Condensed" charset="0"/>
-                <a:ea typeface="Helvetica Neue LT Std 67 Medium Condensed" charset="0"/>
-                <a:cs typeface="Helvetica Neue LT Std 67 Medium Condensed" charset="0"/>
-              </a:rPr>
-              <a:t>to</a:t>
-            </a:r>
-            <a:r>
-              <a:rPr lang="de-DE" sz="500" dirty="0" smtClean="0">
-                <a:solidFill>
-                  <a:schemeClr val="accent6">
-                    <a:lumMod val="75000"/>
-                  </a:schemeClr>
-                </a:solidFill>
-                <a:latin typeface="Helvetica Neue LT Std 67 Medium Condensed" charset="0"/>
-                <a:ea typeface="Helvetica Neue LT Std 67 Medium Condensed" charset="0"/>
-                <a:cs typeface="Helvetica Neue LT Std 67 Medium Condensed" charset="0"/>
-              </a:rPr>
-              <a:t> </a:t>
-            </a:r>
-            <a:r>
-              <a:rPr lang="de-DE" sz="500" dirty="0" err="1" smtClean="0">
-                <a:solidFill>
-                  <a:schemeClr val="accent6">
-                    <a:lumMod val="75000"/>
-                  </a:schemeClr>
-                </a:solidFill>
-                <a:latin typeface="Helvetica Neue LT Std 67 Medium Condensed" charset="0"/>
-                <a:ea typeface="Helvetica Neue LT Std 67 Medium Condensed" charset="0"/>
-                <a:cs typeface="Helvetica Neue LT Std 67 Medium Condensed" charset="0"/>
-              </a:rPr>
-              <a:t>next</a:t>
-            </a:r>
-            <a:r>
-              <a:rPr lang="de-DE" sz="500" dirty="0" smtClean="0">
-                <a:solidFill>
-                  <a:schemeClr val="accent6">
-                    <a:lumMod val="75000"/>
-                  </a:schemeClr>
-                </a:solidFill>
-                <a:latin typeface="Helvetica Neue LT Std 67 Medium Condensed" charset="0"/>
-                <a:ea typeface="Helvetica Neue LT Std 67 Medium Condensed" charset="0"/>
-                <a:cs typeface="Helvetica Neue LT Std 67 Medium Condensed" charset="0"/>
-              </a:rPr>
-              <a:t> Edge</a:t>
-            </a:r>
-            <a:endParaRPr lang="de-DE" sz="500" dirty="0">
-              <a:solidFill>
-                <a:schemeClr val="accent6">
-                  <a:lumMod val="75000"/>
-                </a:schemeClr>
-              </a:solidFill>
-              <a:latin typeface="Helvetica Neue LT Std 67 Medium Condensed" charset="0"/>
-              <a:ea typeface="Helvetica Neue LT Std 67 Medium Condensed" charset="0"/>
-              <a:cs typeface="Helvetica Neue LT Std 67 Medium Condensed" charset="0"/>
-            </a:endParaRPr>
-          </a:p>
-        </p:txBody>
-      </p:sp>
-      <p:sp>
-        <p:nvSpPr>
-          <p:cNvPr id="174" name="Rechteck 173"/>
-          <p:cNvSpPr/>
-          <p:nvPr/>
-        </p:nvSpPr>
-        <p:spPr>
-          <a:xfrm>
-            <a:off x="7772627" y="5224676"/>
-            <a:ext cx="535724" cy="220573"/>
-          </a:xfrm>
-          <a:prstGeom prst="rect">
-            <a:avLst/>
-          </a:prstGeom>
-        </p:spPr>
-        <p:txBody>
-          <a:bodyPr wrap="none">
-            <a:spAutoFit/>
-          </a:bodyPr>
-          <a:lstStyle/>
-          <a:p>
-            <a:pPr algn="r">
-              <a:lnSpc>
-                <a:spcPts val="500"/>
-              </a:lnSpc>
-            </a:pPr>
-            <a:r>
-              <a:rPr lang="de-DE" sz="500" dirty="0">
-                <a:solidFill>
-                  <a:schemeClr val="accent6">
-                    <a:lumMod val="75000"/>
-                  </a:schemeClr>
-                </a:solidFill>
-                <a:latin typeface="Helvetica Neue LT Std 67 Medium Condensed" charset="0"/>
-                <a:ea typeface="Helvetica Neue LT Std 67 Medium Condensed" charset="0"/>
-                <a:cs typeface="Helvetica Neue LT Std 67 Medium Condensed" charset="0"/>
-              </a:rPr>
-              <a:t>⌥ </a:t>
-            </a:r>
-            <a:r>
-              <a:rPr lang="de-DE" sz="500" dirty="0" smtClean="0">
-                <a:solidFill>
-                  <a:schemeClr val="accent6">
-                    <a:lumMod val="75000"/>
-                  </a:schemeClr>
-                </a:solidFill>
-                <a:latin typeface="Helvetica Neue LT Std 67 Medium Condensed" charset="0"/>
-                <a:ea typeface="Helvetica Neue LT Std 67 Medium Condensed" charset="0"/>
-                <a:cs typeface="Helvetica Neue LT Std 67 Medium Condensed" charset="0"/>
-              </a:rPr>
-              <a:t>Move </a:t>
-            </a:r>
-            <a:r>
-              <a:rPr lang="de-DE" sz="500" dirty="0" err="1" smtClean="0">
-                <a:solidFill>
-                  <a:schemeClr val="accent6">
-                    <a:lumMod val="75000"/>
-                  </a:schemeClr>
-                </a:solidFill>
-                <a:latin typeface="Helvetica Neue LT Std 67 Medium Condensed" charset="0"/>
-                <a:ea typeface="Helvetica Neue LT Std 67 Medium Condensed" charset="0"/>
-                <a:cs typeface="Helvetica Neue LT Std 67 Medium Condensed" charset="0"/>
-              </a:rPr>
-              <a:t>Right</a:t>
-            </a:r>
-            <a:r>
-              <a:rPr lang="de-DE" sz="500" dirty="0" smtClean="0">
-                <a:solidFill>
-                  <a:schemeClr val="accent6">
-                    <a:lumMod val="75000"/>
-                  </a:schemeClr>
-                </a:solidFill>
-                <a:latin typeface="Helvetica Neue LT Std 67 Medium Condensed" charset="0"/>
-                <a:ea typeface="Helvetica Neue LT Std 67 Medium Condensed" charset="0"/>
-                <a:cs typeface="Helvetica Neue LT Std 67 Medium Condensed" charset="0"/>
-              </a:rPr>
-              <a:t/>
-            </a:r>
-            <a:br>
-              <a:rPr lang="de-DE" sz="500" dirty="0" smtClean="0">
-                <a:solidFill>
-                  <a:schemeClr val="accent6">
-                    <a:lumMod val="75000"/>
-                  </a:schemeClr>
-                </a:solidFill>
-                <a:latin typeface="Helvetica Neue LT Std 67 Medium Condensed" charset="0"/>
-                <a:ea typeface="Helvetica Neue LT Std 67 Medium Condensed" charset="0"/>
-                <a:cs typeface="Helvetica Neue LT Std 67 Medium Condensed" charset="0"/>
-              </a:rPr>
-            </a:br>
-            <a:r>
-              <a:rPr lang="de-DE" sz="500" dirty="0" err="1" smtClean="0">
-                <a:solidFill>
-                  <a:schemeClr val="accent6">
-                    <a:lumMod val="75000"/>
-                  </a:schemeClr>
-                </a:solidFill>
-                <a:latin typeface="Helvetica Neue LT Std 67 Medium Condensed" charset="0"/>
-                <a:ea typeface="Helvetica Neue LT Std 67 Medium Condensed" charset="0"/>
-                <a:cs typeface="Helvetica Neue LT Std 67 Medium Condensed" charset="0"/>
-              </a:rPr>
-              <a:t>to</a:t>
-            </a:r>
-            <a:r>
-              <a:rPr lang="de-DE" sz="500" dirty="0" smtClean="0">
-                <a:solidFill>
-                  <a:schemeClr val="accent6">
-                    <a:lumMod val="75000"/>
-                  </a:schemeClr>
-                </a:solidFill>
-                <a:latin typeface="Helvetica Neue LT Std 67 Medium Condensed" charset="0"/>
-                <a:ea typeface="Helvetica Neue LT Std 67 Medium Condensed" charset="0"/>
-                <a:cs typeface="Helvetica Neue LT Std 67 Medium Condensed" charset="0"/>
-              </a:rPr>
-              <a:t> </a:t>
-            </a:r>
-            <a:r>
-              <a:rPr lang="de-DE" sz="500" dirty="0" err="1" smtClean="0">
-                <a:solidFill>
-                  <a:schemeClr val="accent6">
-                    <a:lumMod val="75000"/>
-                  </a:schemeClr>
-                </a:solidFill>
-                <a:latin typeface="Helvetica Neue LT Std 67 Medium Condensed" charset="0"/>
-                <a:ea typeface="Helvetica Neue LT Std 67 Medium Condensed" charset="0"/>
-                <a:cs typeface="Helvetica Neue LT Std 67 Medium Condensed" charset="0"/>
-              </a:rPr>
-              <a:t>next</a:t>
-            </a:r>
-            <a:r>
-              <a:rPr lang="de-DE" sz="500" dirty="0" smtClean="0">
-                <a:solidFill>
-                  <a:schemeClr val="accent6">
-                    <a:lumMod val="75000"/>
-                  </a:schemeClr>
-                </a:solidFill>
-                <a:latin typeface="Helvetica Neue LT Std 67 Medium Condensed" charset="0"/>
-                <a:ea typeface="Helvetica Neue LT Std 67 Medium Condensed" charset="0"/>
-                <a:cs typeface="Helvetica Neue LT Std 67 Medium Condensed" charset="0"/>
-              </a:rPr>
-              <a:t> Edge</a:t>
-            </a:r>
-            <a:endParaRPr lang="de-DE" sz="500" dirty="0">
-              <a:solidFill>
-                <a:schemeClr val="accent6">
-                  <a:lumMod val="75000"/>
-                </a:schemeClr>
-              </a:solidFill>
-              <a:latin typeface="Helvetica Neue LT Std 67 Medium Condensed" charset="0"/>
-              <a:ea typeface="Helvetica Neue LT Std 67 Medium Condensed" charset="0"/>
-              <a:cs typeface="Helvetica Neue LT Std 67 Medium Condensed" charset="0"/>
-            </a:endParaRPr>
-          </a:p>
-        </p:txBody>
-      </p:sp>
-      <p:sp>
-        <p:nvSpPr>
-          <p:cNvPr id="36" name="Textfeld 35"/>
-          <p:cNvSpPr txBox="1"/>
-          <p:nvPr/>
-        </p:nvSpPr>
-        <p:spPr>
-          <a:xfrm>
-            <a:off x="7710891" y="5029252"/>
-            <a:ext cx="154813" cy="215444"/>
-          </a:xfrm>
-          <a:prstGeom prst="rect">
-            <a:avLst/>
-          </a:prstGeom>
-          <a:noFill/>
-        </p:spPr>
-        <p:txBody>
-          <a:bodyPr wrap="square" rtlCol="0">
-            <a:spAutoFit/>
-          </a:bodyPr>
-          <a:lstStyle/>
-          <a:p>
-            <a:r>
-              <a:rPr lang="de-DE" sz="800" smtClean="0"/>
-              <a:t>▲</a:t>
-            </a:r>
-            <a:endParaRPr lang="de-DE" sz="800"/>
-          </a:p>
-        </p:txBody>
-      </p:sp>
-      <p:sp>
-        <p:nvSpPr>
-          <p:cNvPr id="175" name="Textfeld 174"/>
-          <p:cNvSpPr txBox="1"/>
-          <p:nvPr/>
-        </p:nvSpPr>
-        <p:spPr>
-          <a:xfrm>
-            <a:off x="7712091" y="5325652"/>
-            <a:ext cx="154813" cy="215444"/>
-          </a:xfrm>
-          <a:prstGeom prst="rect">
-            <a:avLst/>
-          </a:prstGeom>
-          <a:noFill/>
-        </p:spPr>
-        <p:txBody>
-          <a:bodyPr wrap="square" rtlCol="0">
-            <a:spAutoFit/>
-          </a:bodyPr>
-          <a:lstStyle/>
-          <a:p>
-            <a:r>
-              <a:rPr lang="de-DE" sz="800" dirty="0" smtClean="0"/>
-              <a:t>▼</a:t>
-            </a:r>
-            <a:endParaRPr lang="de-DE" sz="800" dirty="0"/>
-          </a:p>
-        </p:txBody>
-      </p:sp>
-      <p:sp>
-        <p:nvSpPr>
-          <p:cNvPr id="176" name="Textfeld 175"/>
-          <p:cNvSpPr txBox="1"/>
-          <p:nvPr/>
-        </p:nvSpPr>
-        <p:spPr>
-          <a:xfrm>
-            <a:off x="8296015" y="5261443"/>
-            <a:ext cx="276770" cy="338554"/>
-          </a:xfrm>
-          <a:prstGeom prst="rect">
-            <a:avLst/>
-          </a:prstGeom>
-          <a:noFill/>
-        </p:spPr>
-        <p:txBody>
-          <a:bodyPr wrap="square" rtlCol="0">
-            <a:spAutoFit/>
-          </a:bodyPr>
-          <a:lstStyle/>
-          <a:p>
-            <a:r>
-              <a:rPr lang="de-DE" sz="1600" smtClean="0"/>
-              <a:t>►</a:t>
-            </a:r>
-            <a:endParaRPr lang="de-DE" sz="1600" dirty="0"/>
-          </a:p>
-        </p:txBody>
-      </p:sp>
-      <p:sp>
-        <p:nvSpPr>
-          <p:cNvPr id="177" name="Textfeld 176"/>
-          <p:cNvSpPr txBox="1"/>
-          <p:nvPr/>
-        </p:nvSpPr>
-        <p:spPr>
-          <a:xfrm rot="10800000">
-            <a:off x="7450703" y="5264130"/>
-            <a:ext cx="276770" cy="338554"/>
-          </a:xfrm>
-          <a:prstGeom prst="rect">
-            <a:avLst/>
-          </a:prstGeom>
-          <a:noFill/>
-        </p:spPr>
-        <p:txBody>
-          <a:bodyPr wrap="square" rtlCol="0">
-            <a:spAutoFit/>
-          </a:bodyPr>
-          <a:lstStyle/>
-          <a:p>
-            <a:r>
-              <a:rPr lang="de-DE" sz="1600" smtClean="0"/>
-              <a:t>►</a:t>
-            </a:r>
-            <a:endParaRPr lang="de-DE" sz="1600" dirty="0"/>
-          </a:p>
-        </p:txBody>
-      </p:sp>
-      <p:sp>
-        <p:nvSpPr>
-          <p:cNvPr id="178" name="Textfeld 177"/>
-          <p:cNvSpPr txBox="1"/>
-          <p:nvPr/>
-        </p:nvSpPr>
-        <p:spPr>
-          <a:xfrm>
-            <a:off x="7211476" y="5201060"/>
-            <a:ext cx="669410" cy="323165"/>
-          </a:xfrm>
-          <a:prstGeom prst="rect">
-            <a:avLst/>
-          </a:prstGeom>
-          <a:noFill/>
-        </p:spPr>
-        <p:txBody>
-          <a:bodyPr wrap="square" rtlCol="0" anchor="t">
-            <a:spAutoFit/>
-          </a:bodyPr>
-          <a:lstStyle/>
-          <a:p>
-            <a:r>
-              <a:rPr lang="de-DE" sz="500" dirty="0" smtClean="0">
-                <a:solidFill>
-                  <a:srgbClr val="7030A0"/>
-                </a:solidFill>
-                <a:latin typeface="Helvetica Neue LT Std 67 Medium Condensed" charset="0"/>
-                <a:ea typeface="Helvetica Neue LT Std 67 Medium Condensed" charset="0"/>
-                <a:cs typeface="Helvetica Neue LT Std 67 Medium Condensed" charset="0"/>
-              </a:rPr>
-              <a:t>Move </a:t>
-            </a:r>
-            <a:r>
-              <a:rPr lang="de-DE" sz="500" dirty="0" err="1" smtClean="0">
-                <a:solidFill>
-                  <a:srgbClr val="7030A0"/>
-                </a:solidFill>
-                <a:latin typeface="Helvetica Neue LT Std 67 Medium Condensed" charset="0"/>
-                <a:ea typeface="Helvetica Neue LT Std 67 Medium Condensed" charset="0"/>
-                <a:cs typeface="Helvetica Neue LT Std 67 Medium Condensed" charset="0"/>
-              </a:rPr>
-              <a:t>to</a:t>
-            </a:r>
-            <a:endParaRPr lang="de-DE" sz="500" dirty="0" smtClean="0">
-              <a:solidFill>
-                <a:srgbClr val="7030A0"/>
-              </a:solidFill>
-              <a:latin typeface="Helvetica Neue LT Std 67 Medium Condensed" charset="0"/>
-              <a:ea typeface="Helvetica Neue LT Std 67 Medium Condensed" charset="0"/>
-              <a:cs typeface="Helvetica Neue LT Std 67 Medium Condensed" charset="0"/>
-            </a:endParaRPr>
-          </a:p>
-          <a:p>
-            <a:r>
-              <a:rPr lang="de-DE" sz="500" dirty="0" err="1" smtClean="0">
-                <a:solidFill>
-                  <a:srgbClr val="7030A0"/>
-                </a:solidFill>
-                <a:latin typeface="Helvetica Neue LT Std 67 Medium Condensed" charset="0"/>
-                <a:ea typeface="Helvetica Neue LT Std 67 Medium Condensed" charset="0"/>
-                <a:cs typeface="Helvetica Neue LT Std 67 Medium Condensed" charset="0"/>
-              </a:rPr>
-              <a:t>Previous</a:t>
-            </a:r>
-            <a:endParaRPr lang="de-DE" sz="500" dirty="0">
-              <a:solidFill>
-                <a:srgbClr val="7030A0"/>
-              </a:solidFill>
-              <a:latin typeface="Helvetica Neue LT Std 67 Medium Condensed" charset="0"/>
-              <a:ea typeface="Helvetica Neue LT Std 67 Medium Condensed" charset="0"/>
-              <a:cs typeface="Helvetica Neue LT Std 67 Medium Condensed" charset="0"/>
-            </a:endParaRPr>
-          </a:p>
-          <a:p>
-            <a:r>
-              <a:rPr lang="de-DE" sz="500" dirty="0" smtClean="0">
-                <a:solidFill>
-                  <a:srgbClr val="7030A0"/>
-                </a:solidFill>
-                <a:latin typeface="Helvetica Neue LT Std 67 Medium Condensed" charset="0"/>
-                <a:ea typeface="Helvetica Neue LT Std 67 Medium Condensed" charset="0"/>
-                <a:cs typeface="Helvetica Neue LT Std 67 Medium Condensed" charset="0"/>
-              </a:rPr>
-              <a:t>Marker</a:t>
-            </a:r>
-          </a:p>
-        </p:txBody>
-      </p:sp>
-      <p:sp>
-        <p:nvSpPr>
-          <p:cNvPr id="179" name="Rechteck 178"/>
-          <p:cNvSpPr/>
-          <p:nvPr/>
-        </p:nvSpPr>
-        <p:spPr>
-          <a:xfrm>
-            <a:off x="7111778" y="5206536"/>
-            <a:ext cx="261610" cy="184666"/>
-          </a:xfrm>
-          <a:prstGeom prst="rect">
-            <a:avLst/>
-          </a:prstGeom>
-        </p:spPr>
-        <p:txBody>
-          <a:bodyPr wrap="none">
-            <a:spAutoFit/>
-          </a:bodyPr>
-          <a:lstStyle/>
-          <a:p>
-            <a:r>
-              <a:rPr lang="de-DE" sz="600" b="1" dirty="0" smtClean="0">
-                <a:solidFill>
-                  <a:srgbClr val="7030A0"/>
-                </a:solidFill>
-                <a:latin typeface="Helvetica Neue LT Std 67 Medium Condensed" charset="0"/>
-                <a:ea typeface="Helvetica Neue LT Std 67 Medium Condensed" charset="0"/>
-                <a:cs typeface="Helvetica Neue LT Std 67 Medium Condensed" charset="0"/>
-              </a:rPr>
-              <a:t>⌘</a:t>
-            </a:r>
-            <a:endParaRPr lang="de-DE" sz="4000" b="1" dirty="0">
-              <a:solidFill>
-                <a:srgbClr val="7030A0"/>
-              </a:solidFill>
-            </a:endParaRPr>
-          </a:p>
-        </p:txBody>
-      </p:sp>
-      <p:sp>
-        <p:nvSpPr>
-          <p:cNvPr id="180" name="Textfeld 179"/>
-          <p:cNvSpPr txBox="1"/>
-          <p:nvPr/>
-        </p:nvSpPr>
-        <p:spPr>
-          <a:xfrm>
-            <a:off x="8240755" y="5208173"/>
-            <a:ext cx="669410" cy="323165"/>
-          </a:xfrm>
-          <a:prstGeom prst="rect">
-            <a:avLst/>
-          </a:prstGeom>
-          <a:noFill/>
-        </p:spPr>
-        <p:txBody>
-          <a:bodyPr wrap="square" rtlCol="0" anchor="t">
-            <a:spAutoFit/>
-          </a:bodyPr>
-          <a:lstStyle/>
-          <a:p>
-            <a:pPr algn="r"/>
-            <a:r>
-              <a:rPr lang="de-DE" sz="500" dirty="0" smtClean="0">
-                <a:solidFill>
-                  <a:srgbClr val="7030A0"/>
-                </a:solidFill>
-                <a:latin typeface="Helvetica Neue LT Std 67 Medium Condensed" charset="0"/>
-                <a:ea typeface="Helvetica Neue LT Std 67 Medium Condensed" charset="0"/>
-                <a:cs typeface="Helvetica Neue LT Std 67 Medium Condensed" charset="0"/>
-              </a:rPr>
-              <a:t>Move </a:t>
-            </a:r>
-            <a:r>
-              <a:rPr lang="de-DE" sz="500" dirty="0" err="1" smtClean="0">
-                <a:solidFill>
-                  <a:srgbClr val="7030A0"/>
-                </a:solidFill>
-                <a:latin typeface="Helvetica Neue LT Std 67 Medium Condensed" charset="0"/>
-                <a:ea typeface="Helvetica Neue LT Std 67 Medium Condensed" charset="0"/>
-                <a:cs typeface="Helvetica Neue LT Std 67 Medium Condensed" charset="0"/>
-              </a:rPr>
-              <a:t>to</a:t>
-            </a:r>
-            <a:endParaRPr lang="de-DE" sz="500" dirty="0" smtClean="0">
-              <a:solidFill>
-                <a:srgbClr val="7030A0"/>
-              </a:solidFill>
-              <a:latin typeface="Helvetica Neue LT Std 67 Medium Condensed" charset="0"/>
-              <a:ea typeface="Helvetica Neue LT Std 67 Medium Condensed" charset="0"/>
-              <a:cs typeface="Helvetica Neue LT Std 67 Medium Condensed" charset="0"/>
-            </a:endParaRPr>
-          </a:p>
-          <a:p>
-            <a:pPr algn="r"/>
-            <a:r>
-              <a:rPr lang="de-DE" sz="500" dirty="0" smtClean="0">
-                <a:solidFill>
-                  <a:srgbClr val="7030A0"/>
-                </a:solidFill>
-                <a:latin typeface="Helvetica Neue LT Std 67 Medium Condensed" charset="0"/>
-                <a:ea typeface="Helvetica Neue LT Std 67 Medium Condensed" charset="0"/>
-                <a:cs typeface="Helvetica Neue LT Std 67 Medium Condensed" charset="0"/>
-              </a:rPr>
-              <a:t>Next</a:t>
-            </a:r>
-            <a:br>
-              <a:rPr lang="de-DE" sz="500" dirty="0" smtClean="0">
-                <a:solidFill>
-                  <a:srgbClr val="7030A0"/>
-                </a:solidFill>
-                <a:latin typeface="Helvetica Neue LT Std 67 Medium Condensed" charset="0"/>
-                <a:ea typeface="Helvetica Neue LT Std 67 Medium Condensed" charset="0"/>
-                <a:cs typeface="Helvetica Neue LT Std 67 Medium Condensed" charset="0"/>
-              </a:rPr>
-            </a:br>
-            <a:r>
-              <a:rPr lang="de-DE" sz="500" dirty="0" smtClean="0">
-                <a:solidFill>
-                  <a:srgbClr val="7030A0"/>
-                </a:solidFill>
-                <a:latin typeface="Helvetica Neue LT Std 67 Medium Condensed" charset="0"/>
-                <a:ea typeface="Helvetica Neue LT Std 67 Medium Condensed" charset="0"/>
-                <a:cs typeface="Helvetica Neue LT Std 67 Medium Condensed" charset="0"/>
-              </a:rPr>
-              <a:t>Marker</a:t>
-            </a:r>
-          </a:p>
-        </p:txBody>
-      </p:sp>
-      <p:sp>
-        <p:nvSpPr>
-          <p:cNvPr id="181" name="Rechteck 180"/>
-          <p:cNvSpPr/>
-          <p:nvPr/>
-        </p:nvSpPr>
-        <p:spPr>
-          <a:xfrm>
-            <a:off x="8429057" y="5199249"/>
-            <a:ext cx="261610" cy="184666"/>
-          </a:xfrm>
-          <a:prstGeom prst="rect">
-            <a:avLst/>
-          </a:prstGeom>
-        </p:spPr>
-        <p:txBody>
-          <a:bodyPr wrap="none">
-            <a:spAutoFit/>
-          </a:bodyPr>
-          <a:lstStyle/>
-          <a:p>
-            <a:r>
-              <a:rPr lang="de-DE" sz="600" b="1" dirty="0" smtClean="0">
-                <a:solidFill>
-                  <a:srgbClr val="7030A0"/>
-                </a:solidFill>
-                <a:latin typeface="Helvetica Neue LT Std 67 Medium Condensed" charset="0"/>
-                <a:ea typeface="Helvetica Neue LT Std 67 Medium Condensed" charset="0"/>
-                <a:cs typeface="Helvetica Neue LT Std 67 Medium Condensed" charset="0"/>
-              </a:rPr>
-              <a:t>⌘</a:t>
-            </a:r>
-            <a:endParaRPr lang="de-DE" sz="4000" b="1" dirty="0">
-              <a:solidFill>
-                <a:srgbClr val="7030A0"/>
-              </a:solidFill>
-            </a:endParaRPr>
-          </a:p>
-        </p:txBody>
-      </p:sp>
-      <p:sp>
-        <p:nvSpPr>
-          <p:cNvPr id="182" name="Abgerundetes Rechteck 181"/>
-          <p:cNvSpPr/>
-          <p:nvPr/>
-        </p:nvSpPr>
-        <p:spPr>
-          <a:xfrm>
-            <a:off x="7458140" y="2586011"/>
+            <a:off x="7168724" y="3173686"/>
             <a:ext cx="495160" cy="483856"/>
           </a:xfrm>
           <a:prstGeom prst="roundRect">
@@ -14075,14 +14196,11 @@
             </a:avLst>
           </a:prstGeom>
           <a:solidFill>
-            <a:schemeClr val="accent6">
-              <a:lumMod val="20000"/>
-              <a:lumOff val="80000"/>
-            </a:schemeClr>
+            <a:schemeClr val="bg1"/>
           </a:solidFill>
           <a:ln>
             <a:solidFill>
-              <a:schemeClr val="accent6">
+              <a:schemeClr val="bg1">
                 <a:lumMod val="50000"/>
               </a:schemeClr>
             </a:solidFill>
@@ -14121,19 +14239,22 @@
       </p:sp>
       <p:sp>
         <p:nvSpPr>
-          <p:cNvPr id="183" name="Textfeld 182"/>
+          <p:cNvPr id="197" name="Textfeld 196"/>
           <p:cNvSpPr txBox="1"/>
           <p:nvPr/>
         </p:nvSpPr>
         <p:spPr>
           <a:xfrm>
-            <a:off x="7414000" y="2857536"/>
-            <a:ext cx="215123" cy="253916"/>
+            <a:off x="7130699" y="3441370"/>
+            <a:ext cx="256802" cy="253916"/>
           </a:xfrm>
           <a:prstGeom prst="rect">
             <a:avLst/>
           </a:prstGeom>
           <a:noFill/>
+          <a:ln>
+            <a:noFill/>
+          </a:ln>
         </p:spPr>
         <p:txBody>
           <a:bodyPr wrap="none" rtlCol="0">
@@ -14142,12 +14263,12 @@
           <a:lstStyle/>
           <a:p>
             <a:r>
-              <a:rPr lang="de-DE" sz="1050" dirty="0" smtClean="0">
-                <a:latin typeface="Helvetica Neue LT Std 67 Medium Condensed" charset="0"/>
-                <a:ea typeface="Helvetica Neue LT Std 67 Medium Condensed" charset="0"/>
-                <a:cs typeface="Helvetica Neue LT Std 67 Medium Condensed" charset="0"/>
-              </a:rPr>
-              <a:t>´</a:t>
+              <a:rPr lang="de-DE" sz="1050" dirty="0" err="1" smtClean="0">
+                <a:latin typeface="Helvetica Neue LT Std 67 Medium Condensed" charset="0"/>
+                <a:ea typeface="Helvetica Neue LT Std 67 Medium Condensed" charset="0"/>
+                <a:cs typeface="Helvetica Neue LT Std 67 Medium Condensed" charset="0"/>
+              </a:rPr>
+              <a:t>Ü</a:t>
             </a:r>
             <a:endParaRPr lang="de-DE" sz="1050" dirty="0">
               <a:latin typeface="Helvetica Neue LT Std 67 Medium Condensed" charset="0"/>
@@ -14159,70 +14280,14 @@
       </p:sp>
       <p:sp>
         <p:nvSpPr>
-          <p:cNvPr id="184" name="Textfeld 183"/>
-          <p:cNvSpPr txBox="1"/>
-          <p:nvPr/>
-        </p:nvSpPr>
-        <p:spPr>
-          <a:xfrm>
-            <a:off x="7415963" y="2602657"/>
-            <a:ext cx="759239" cy="246221"/>
-          </a:xfrm>
-          <a:prstGeom prst="rect">
-            <a:avLst/>
-          </a:prstGeom>
-          <a:noFill/>
-        </p:spPr>
-        <p:txBody>
-          <a:bodyPr wrap="square" rtlCol="0" anchor="t">
-            <a:spAutoFit/>
-          </a:bodyPr>
-          <a:lstStyle/>
-          <a:p>
-            <a:r>
-              <a:rPr lang="de-DE" sz="500" dirty="0" smtClean="0">
-                <a:latin typeface="Helvetica Neue LT Std 67 Medium Condensed" charset="0"/>
-                <a:ea typeface="Helvetica Neue LT Std 67 Medium Condensed" charset="0"/>
-                <a:cs typeface="Helvetica Neue LT Std 67 Medium Condensed" charset="0"/>
-              </a:rPr>
-              <a:t>Move Edit Cursor</a:t>
-            </a:r>
-            <a:br>
-              <a:rPr lang="de-DE" sz="500" dirty="0" smtClean="0">
-                <a:latin typeface="Helvetica Neue LT Std 67 Medium Condensed" charset="0"/>
-                <a:ea typeface="Helvetica Neue LT Std 67 Medium Condensed" charset="0"/>
-                <a:cs typeface="Helvetica Neue LT Std 67 Medium Condensed" charset="0"/>
-              </a:rPr>
-            </a:br>
-            <a:r>
-              <a:rPr lang="de-DE" sz="500" dirty="0" err="1" smtClean="0">
-                <a:latin typeface="Helvetica Neue LT Std 67 Medium Condensed" charset="0"/>
-                <a:ea typeface="Helvetica Neue LT Std 67 Medium Condensed" charset="0"/>
-                <a:cs typeface="Helvetica Neue LT Std 67 Medium Condensed" charset="0"/>
-              </a:rPr>
-              <a:t>to</a:t>
-            </a:r>
-            <a:r>
-              <a:rPr lang="de-DE" sz="500" dirty="0" smtClean="0">
-                <a:latin typeface="Helvetica Neue LT Std 67 Medium Condensed" charset="0"/>
-                <a:ea typeface="Helvetica Neue LT Std 67 Medium Condensed" charset="0"/>
-                <a:cs typeface="Helvetica Neue LT Std 67 Medium Condensed" charset="0"/>
-              </a:rPr>
-              <a:t> Play Cursor</a:t>
-            </a:r>
-          </a:p>
-        </p:txBody>
-      </p:sp>
-      <p:sp>
-        <p:nvSpPr>
-          <p:cNvPr id="188" name="Abgerundetes Rechteck 187"/>
+          <p:cNvPr id="198" name="Abgerundetes Rechteck 197"/>
           <p:cNvSpPr/>
           <p:nvPr/>
         </p:nvSpPr>
         <p:spPr>
           <a:xfrm>
-            <a:off x="6864684" y="2586011"/>
-            <a:ext cx="495160" cy="483856"/>
+            <a:off x="269655" y="3173686"/>
+            <a:ext cx="785759" cy="483856"/>
           </a:xfrm>
           <a:prstGeom prst="roundRect">
             <a:avLst>
@@ -14273,14 +14338,14 @@
       </p:sp>
       <p:sp>
         <p:nvSpPr>
-          <p:cNvPr id="189" name="Textfeld 188"/>
+          <p:cNvPr id="199" name="Textfeld 198"/>
           <p:cNvSpPr txBox="1"/>
           <p:nvPr/>
         </p:nvSpPr>
         <p:spPr>
           <a:xfrm>
-            <a:off x="6826659" y="2859035"/>
-            <a:ext cx="248786" cy="253916"/>
+            <a:off x="235381" y="3375167"/>
+            <a:ext cx="709352" cy="369332"/>
           </a:xfrm>
           <a:prstGeom prst="rect">
             <a:avLst/>
@@ -14291,18 +14356,59 @@
           </a:ln>
         </p:spPr>
         <p:txBody>
+          <a:bodyPr wrap="square" rtlCol="0">
+            <a:spAutoFit/>
+          </a:bodyPr>
+          <a:lstStyle/>
+          <a:p>
+            <a:r>
+              <a:rPr lang="de-DE" smtClean="0">
+                <a:latin typeface="Helvetica Neue LT Std 67 Medium Condensed" charset="0"/>
+                <a:ea typeface="Helvetica Neue LT Std 67 Medium Condensed" charset="0"/>
+                <a:cs typeface="Helvetica Neue LT Std 67 Medium Condensed" charset="0"/>
+              </a:rPr>
+              <a:t>⇥</a:t>
+            </a:r>
+            <a:endParaRPr lang="de-DE" sz="700" dirty="0">
+              <a:latin typeface="Helvetica Neue LT Std 67 Medium Condensed" charset="0"/>
+              <a:ea typeface="Helvetica Neue LT Std 67 Medium Condensed" charset="0"/>
+              <a:cs typeface="Helvetica Neue LT Std 67 Medium Condensed" charset="0"/>
+            </a:endParaRPr>
+          </a:p>
+        </p:txBody>
+      </p:sp>
+      <p:sp>
+        <p:nvSpPr>
+          <p:cNvPr id="201" name="Textfeld 200"/>
+          <p:cNvSpPr txBox="1"/>
+          <p:nvPr/>
+        </p:nvSpPr>
+        <p:spPr>
+          <a:xfrm>
+            <a:off x="1270548" y="4040765"/>
+            <a:ext cx="255198" cy="253916"/>
+          </a:xfrm>
+          <a:prstGeom prst="rect">
+            <a:avLst/>
+          </a:prstGeom>
+          <a:noFill/>
+          <a:ln>
+            <a:noFill/>
+          </a:ln>
+        </p:spPr>
+        <p:txBody>
           <a:bodyPr wrap="none" rtlCol="0">
             <a:spAutoFit/>
           </a:bodyPr>
           <a:lstStyle/>
           <a:p>
             <a:r>
-              <a:rPr lang="de-DE" sz="1050" dirty="0" err="1" smtClean="0">
-                <a:latin typeface="Helvetica Neue LT Std 67 Medium Condensed" charset="0"/>
-                <a:ea typeface="Helvetica Neue LT Std 67 Medium Condensed" charset="0"/>
-                <a:cs typeface="Helvetica Neue LT Std 67 Medium Condensed" charset="0"/>
-              </a:rPr>
-              <a:t>ß</a:t>
+              <a:rPr lang="de-DE" sz="1050" dirty="0" smtClean="0">
+                <a:latin typeface="Helvetica Neue LT Std 67 Medium Condensed" charset="0"/>
+                <a:ea typeface="Helvetica Neue LT Std 67 Medium Condensed" charset="0"/>
+                <a:cs typeface="Helvetica Neue LT Std 67 Medium Condensed" charset="0"/>
+              </a:rPr>
+              <a:t>A</a:t>
             </a:r>
             <a:endParaRPr lang="de-DE" sz="1050" dirty="0">
               <a:latin typeface="Helvetica Neue LT Std 67 Medium Condensed" charset="0"/>
@@ -14314,13 +14420,177 @@
       </p:sp>
       <p:sp>
         <p:nvSpPr>
-          <p:cNvPr id="190" name="Abgerundetes Rechteck 189"/>
+          <p:cNvPr id="203" name="Textfeld 202"/>
+          <p:cNvSpPr txBox="1"/>
+          <p:nvPr/>
+        </p:nvSpPr>
+        <p:spPr>
+          <a:xfrm>
+            <a:off x="2478983" y="4039579"/>
+            <a:ext cx="260008" cy="253916"/>
+          </a:xfrm>
+          <a:prstGeom prst="rect">
+            <a:avLst/>
+          </a:prstGeom>
+          <a:noFill/>
+          <a:ln>
+            <a:noFill/>
+          </a:ln>
+        </p:spPr>
+        <p:txBody>
+          <a:bodyPr wrap="none" rtlCol="0">
+            <a:spAutoFit/>
+          </a:bodyPr>
+          <a:lstStyle/>
+          <a:p>
+            <a:r>
+              <a:rPr lang="de-DE" sz="1050" dirty="0" smtClean="0">
+                <a:latin typeface="Helvetica Neue LT Std 67 Medium Condensed" charset="0"/>
+                <a:ea typeface="Helvetica Neue LT Std 67 Medium Condensed" charset="0"/>
+                <a:cs typeface="Helvetica Neue LT Std 67 Medium Condensed" charset="0"/>
+              </a:rPr>
+              <a:t>D</a:t>
+            </a:r>
+            <a:endParaRPr lang="de-DE" sz="1050" dirty="0">
+              <a:latin typeface="Helvetica Neue LT Std 67 Medium Condensed" charset="0"/>
+              <a:ea typeface="Helvetica Neue LT Std 67 Medium Condensed" charset="0"/>
+              <a:cs typeface="Helvetica Neue LT Std 67 Medium Condensed" charset="0"/>
+            </a:endParaRPr>
+          </a:p>
+        </p:txBody>
+      </p:sp>
+      <p:sp>
+        <p:nvSpPr>
+          <p:cNvPr id="207" name="Textfeld 206"/>
+          <p:cNvSpPr txBox="1"/>
+          <p:nvPr/>
+        </p:nvSpPr>
+        <p:spPr>
+          <a:xfrm>
+            <a:off x="4287959" y="4029640"/>
+            <a:ext cx="260008" cy="253916"/>
+          </a:xfrm>
+          <a:prstGeom prst="rect">
+            <a:avLst/>
+          </a:prstGeom>
+          <a:noFill/>
+          <a:ln>
+            <a:noFill/>
+          </a:ln>
+        </p:spPr>
+        <p:txBody>
+          <a:bodyPr wrap="none" rtlCol="0">
+            <a:spAutoFit/>
+          </a:bodyPr>
+          <a:lstStyle/>
+          <a:p>
+            <a:r>
+              <a:rPr lang="de-DE" sz="1050" dirty="0" smtClean="0">
+                <a:latin typeface="Helvetica Neue LT Std 67 Medium Condensed" charset="0"/>
+                <a:ea typeface="Helvetica Neue LT Std 67 Medium Condensed" charset="0"/>
+                <a:cs typeface="Helvetica Neue LT Std 67 Medium Condensed" charset="0"/>
+              </a:rPr>
+              <a:t>H</a:t>
+            </a:r>
+            <a:endParaRPr lang="de-DE" sz="1050" dirty="0">
+              <a:latin typeface="Helvetica Neue LT Std 67 Medium Condensed" charset="0"/>
+              <a:ea typeface="Helvetica Neue LT Std 67 Medium Condensed" charset="0"/>
+              <a:cs typeface="Helvetica Neue LT Std 67 Medium Condensed" charset="0"/>
+            </a:endParaRPr>
+          </a:p>
+        </p:txBody>
+      </p:sp>
+      <p:sp>
+        <p:nvSpPr>
+          <p:cNvPr id="209" name="Textfeld 208"/>
+          <p:cNvSpPr txBox="1"/>
+          <p:nvPr/>
+        </p:nvSpPr>
+        <p:spPr>
+          <a:xfrm>
+            <a:off x="4878795" y="4027695"/>
+            <a:ext cx="243978" cy="253916"/>
+          </a:xfrm>
+          <a:prstGeom prst="rect">
+            <a:avLst/>
+          </a:prstGeom>
+          <a:noFill/>
+          <a:ln>
+            <a:noFill/>
+          </a:ln>
+        </p:spPr>
+        <p:txBody>
+          <a:bodyPr wrap="none" rtlCol="0">
+            <a:spAutoFit/>
+          </a:bodyPr>
+          <a:lstStyle/>
+          <a:p>
+            <a:r>
+              <a:rPr lang="de-DE" sz="1050" dirty="0" smtClean="0">
+                <a:latin typeface="Helvetica Neue LT Std 67 Medium Condensed" charset="0"/>
+                <a:ea typeface="Helvetica Neue LT Std 67 Medium Condensed" charset="0"/>
+                <a:cs typeface="Helvetica Neue LT Std 67 Medium Condensed" charset="0"/>
+              </a:rPr>
+              <a:t>J</a:t>
+            </a:r>
+            <a:endParaRPr lang="de-DE" sz="1050" dirty="0">
+              <a:latin typeface="Helvetica Neue LT Std 67 Medium Condensed" charset="0"/>
+              <a:ea typeface="Helvetica Neue LT Std 67 Medium Condensed" charset="0"/>
+              <a:cs typeface="Helvetica Neue LT Std 67 Medium Condensed" charset="0"/>
+            </a:endParaRPr>
+          </a:p>
+        </p:txBody>
+      </p:sp>
+      <p:sp>
+        <p:nvSpPr>
+          <p:cNvPr id="211" name="Textfeld 210"/>
+          <p:cNvSpPr txBox="1"/>
+          <p:nvPr/>
+        </p:nvSpPr>
+        <p:spPr>
+          <a:xfrm>
+            <a:off x="5478779" y="4025956"/>
+            <a:ext cx="255198" cy="253916"/>
+          </a:xfrm>
+          <a:prstGeom prst="rect">
+            <a:avLst/>
+          </a:prstGeom>
+          <a:noFill/>
+          <a:ln>
+            <a:noFill/>
+          </a:ln>
+        </p:spPr>
+        <p:txBody>
+          <a:bodyPr wrap="none" rtlCol="0">
+            <a:spAutoFit/>
+          </a:bodyPr>
+          <a:lstStyle/>
+          <a:p>
+            <a:r>
+              <a:rPr lang="de-DE" sz="1050" dirty="0" smtClean="0">
+                <a:latin typeface="Helvetica Neue LT Std 67 Medium Condensed" charset="0"/>
+                <a:ea typeface="Helvetica Neue LT Std 67 Medium Condensed" charset="0"/>
+                <a:cs typeface="Helvetica Neue LT Std 67 Medium Condensed" charset="0"/>
+              </a:rPr>
+              <a:t>K</a:t>
+            </a:r>
+            <a:endParaRPr lang="de-DE" sz="1050" dirty="0">
+              <a:latin typeface="Helvetica Neue LT Std 67 Medium Condensed" charset="0"/>
+              <a:ea typeface="Helvetica Neue LT Std 67 Medium Condensed" charset="0"/>
+              <a:cs typeface="Helvetica Neue LT Std 67 Medium Condensed" charset="0"/>
+            </a:endParaRPr>
+          </a:p>
+        </p:txBody>
+      </p:sp>
+      <p:sp>
+        <p:nvSpPr>
+          <p:cNvPr id="212" name="Abgerundetes Rechteck 211"/>
           <p:cNvSpPr/>
           <p:nvPr/>
         </p:nvSpPr>
         <p:spPr>
           <a:xfrm>
-            <a:off x="1166070" y="3173686"/>
+            <a:off x="6724413" y="3772794"/>
             <a:ext cx="495160" cy="483856"/>
           </a:xfrm>
           <a:prstGeom prst="roundRect">
@@ -14372,14 +14642,14 @@
       </p:sp>
       <p:sp>
         <p:nvSpPr>
-          <p:cNvPr id="191" name="Textfeld 190"/>
+          <p:cNvPr id="213" name="Textfeld 212"/>
           <p:cNvSpPr txBox="1"/>
           <p:nvPr/>
         </p:nvSpPr>
         <p:spPr>
           <a:xfrm>
-            <a:off x="1128045" y="3444214"/>
-            <a:ext cx="264816" cy="253916"/>
+            <a:off x="6686388" y="4038068"/>
+            <a:ext cx="260008" cy="253916"/>
           </a:xfrm>
           <a:prstGeom prst="rect">
             <a:avLst/>
@@ -14401,7 +14671,7 @@
                 <a:ea typeface="Helvetica Neue LT Std 67 Medium Condensed" charset="0"/>
                 <a:cs typeface="Helvetica Neue LT Std 67 Medium Condensed" charset="0"/>
               </a:rPr>
-              <a:t>Q</a:t>
+              <a:t>Ö</a:t>
             </a:r>
             <a:endParaRPr lang="de-DE" sz="1050" dirty="0">
               <a:latin typeface="Helvetica Neue LT Std 67 Medium Condensed" charset="0"/>
@@ -14413,14 +14683,14 @@
       </p:sp>
       <p:sp>
         <p:nvSpPr>
-          <p:cNvPr id="193" name="Textfeld 192"/>
+          <p:cNvPr id="215" name="Textfeld 214"/>
           <p:cNvSpPr txBox="1"/>
           <p:nvPr/>
         </p:nvSpPr>
         <p:spPr>
           <a:xfrm>
-            <a:off x="1733542" y="3453985"/>
-            <a:ext cx="284052" cy="253916"/>
+            <a:off x="7880176" y="4030871"/>
+            <a:ext cx="248786" cy="253916"/>
           </a:xfrm>
           <a:prstGeom prst="rect">
             <a:avLst/>
@@ -14442,7 +14712,7 @@
                 <a:ea typeface="Helvetica Neue LT Std 67 Medium Condensed" charset="0"/>
                 <a:cs typeface="Helvetica Neue LT Std 67 Medium Condensed" charset="0"/>
               </a:rPr>
-              <a:t>W</a:t>
+              <a:t>#</a:t>
             </a:r>
             <a:endParaRPr lang="de-DE" sz="1050" dirty="0">
               <a:latin typeface="Helvetica Neue LT Std 67 Medium Condensed" charset="0"/>
@@ -14454,13 +14724,54 @@
       </p:sp>
       <p:sp>
         <p:nvSpPr>
-          <p:cNvPr id="196" name="Abgerundetes Rechteck 195"/>
+          <p:cNvPr id="221" name="Textfeld 220"/>
+          <p:cNvSpPr txBox="1"/>
+          <p:nvPr/>
+        </p:nvSpPr>
+        <p:spPr>
+          <a:xfrm>
+            <a:off x="3375987" y="4612399"/>
+            <a:ext cx="248786" cy="253916"/>
+          </a:xfrm>
+          <a:prstGeom prst="rect">
+            <a:avLst/>
+          </a:prstGeom>
+          <a:noFill/>
+          <a:ln>
+            <a:noFill/>
+          </a:ln>
+        </p:spPr>
+        <p:txBody>
+          <a:bodyPr wrap="none" rtlCol="0">
+            <a:spAutoFit/>
+          </a:bodyPr>
+          <a:lstStyle/>
+          <a:p>
+            <a:r>
+              <a:rPr lang="de-DE" sz="1050" dirty="0" smtClean="0">
+                <a:latin typeface="Helvetica Neue LT Std 67 Medium Condensed" charset="0"/>
+                <a:ea typeface="Helvetica Neue LT Std 67 Medium Condensed" charset="0"/>
+                <a:cs typeface="Helvetica Neue LT Std 67 Medium Condensed" charset="0"/>
+              </a:rPr>
+              <a:t>V</a:t>
+            </a:r>
+            <a:endParaRPr lang="de-DE" sz="1050" dirty="0">
+              <a:latin typeface="Helvetica Neue LT Std 67 Medium Condensed" charset="0"/>
+              <a:ea typeface="Helvetica Neue LT Std 67 Medium Condensed" charset="0"/>
+              <a:cs typeface="Helvetica Neue LT Std 67 Medium Condensed" charset="0"/>
+            </a:endParaRPr>
+          </a:p>
+        </p:txBody>
+      </p:sp>
+      <p:sp>
+        <p:nvSpPr>
+          <p:cNvPr id="222" name="Abgerundetes Rechteck 221"/>
           <p:cNvSpPr/>
           <p:nvPr/>
         </p:nvSpPr>
         <p:spPr>
           <a:xfrm>
-            <a:off x="7168724" y="3173686"/>
+            <a:off x="4020078" y="4346279"/>
             <a:ext cx="495160" cy="483856"/>
           </a:xfrm>
           <a:prstGeom prst="roundRect">
@@ -14512,13 +14823,13 @@
       </p:sp>
       <p:sp>
         <p:nvSpPr>
-          <p:cNvPr id="197" name="Textfeld 196"/>
+          <p:cNvPr id="223" name="Textfeld 222"/>
           <p:cNvSpPr txBox="1"/>
           <p:nvPr/>
         </p:nvSpPr>
         <p:spPr>
           <a:xfrm>
-            <a:off x="7130699" y="3441370"/>
+            <a:off x="3982053" y="4611491"/>
             <a:ext cx="256802" cy="253916"/>
           </a:xfrm>
           <a:prstGeom prst="rect">
@@ -14536,12 +14847,12 @@
           <a:lstStyle/>
           <a:p>
             <a:r>
-              <a:rPr lang="de-DE" sz="1050" dirty="0" err="1" smtClean="0">
-                <a:latin typeface="Helvetica Neue LT Std 67 Medium Condensed" charset="0"/>
-                <a:ea typeface="Helvetica Neue LT Std 67 Medium Condensed" charset="0"/>
-                <a:cs typeface="Helvetica Neue LT Std 67 Medium Condensed" charset="0"/>
-              </a:rPr>
-              <a:t>Ü</a:t>
+              <a:rPr lang="de-DE" sz="1050" dirty="0" smtClean="0">
+                <a:latin typeface="Helvetica Neue LT Std 67 Medium Condensed" charset="0"/>
+                <a:ea typeface="Helvetica Neue LT Std 67 Medium Condensed" charset="0"/>
+                <a:cs typeface="Helvetica Neue LT Std 67 Medium Condensed" charset="0"/>
+              </a:rPr>
+              <a:t>B</a:t>
             </a:r>
             <a:endParaRPr lang="de-DE" sz="1050" dirty="0">
               <a:latin typeface="Helvetica Neue LT Std 67 Medium Condensed" charset="0"/>
@@ -14553,14 +14864,96 @@
       </p:sp>
       <p:sp>
         <p:nvSpPr>
-          <p:cNvPr id="198" name="Abgerundetes Rechteck 197"/>
+          <p:cNvPr id="225" name="Textfeld 224"/>
+          <p:cNvSpPr txBox="1"/>
+          <p:nvPr/>
+        </p:nvSpPr>
+        <p:spPr>
+          <a:xfrm>
+            <a:off x="4580062" y="4609314"/>
+            <a:ext cx="261610" cy="253916"/>
+          </a:xfrm>
+          <a:prstGeom prst="rect">
+            <a:avLst/>
+          </a:prstGeom>
+          <a:noFill/>
+          <a:ln>
+            <a:noFill/>
+          </a:ln>
+        </p:spPr>
+        <p:txBody>
+          <a:bodyPr wrap="none" rtlCol="0">
+            <a:spAutoFit/>
+          </a:bodyPr>
+          <a:lstStyle/>
+          <a:p>
+            <a:r>
+              <a:rPr lang="de-DE" sz="1050" dirty="0" smtClean="0">
+                <a:latin typeface="Helvetica Neue LT Std 67 Medium Condensed" charset="0"/>
+                <a:ea typeface="Helvetica Neue LT Std 67 Medium Condensed" charset="0"/>
+                <a:cs typeface="Helvetica Neue LT Std 67 Medium Condensed" charset="0"/>
+              </a:rPr>
+              <a:t>N</a:t>
+            </a:r>
+            <a:endParaRPr lang="de-DE" sz="1050" dirty="0">
+              <a:latin typeface="Helvetica Neue LT Std 67 Medium Condensed" charset="0"/>
+              <a:ea typeface="Helvetica Neue LT Std 67 Medium Condensed" charset="0"/>
+              <a:cs typeface="Helvetica Neue LT Std 67 Medium Condensed" charset="0"/>
+            </a:endParaRPr>
+          </a:p>
+        </p:txBody>
+      </p:sp>
+      <p:sp>
+        <p:nvSpPr>
+          <p:cNvPr id="227" name="Textfeld 226"/>
+          <p:cNvSpPr txBox="1"/>
+          <p:nvPr/>
+        </p:nvSpPr>
+        <p:spPr>
+          <a:xfrm>
+            <a:off x="6380654" y="4620694"/>
+            <a:ext cx="216726" cy="253916"/>
+          </a:xfrm>
+          <a:prstGeom prst="rect">
+            <a:avLst/>
+          </a:prstGeom>
+          <a:noFill/>
+          <a:ln>
+            <a:noFill/>
+          </a:ln>
+        </p:spPr>
+        <p:txBody>
+          <a:bodyPr wrap="none" rtlCol="0">
+            <a:spAutoFit/>
+          </a:bodyPr>
+          <a:lstStyle/>
+          <a:p>
+            <a:r>
+              <a:rPr lang="de-DE" sz="1050" dirty="0" smtClean="0">
+                <a:latin typeface="Helvetica Neue LT Std 67 Medium Condensed" charset="0"/>
+                <a:ea typeface="Helvetica Neue LT Std 67 Medium Condensed" charset="0"/>
+                <a:cs typeface="Helvetica Neue LT Std 67 Medium Condensed" charset="0"/>
+              </a:rPr>
+              <a:t>.</a:t>
+            </a:r>
+            <a:endParaRPr lang="de-DE" sz="1050" dirty="0">
+              <a:latin typeface="Helvetica Neue LT Std 67 Medium Condensed" charset="0"/>
+              <a:ea typeface="Helvetica Neue LT Std 67 Medium Condensed" charset="0"/>
+              <a:cs typeface="Helvetica Neue LT Std 67 Medium Condensed" charset="0"/>
+            </a:endParaRPr>
+          </a:p>
+        </p:txBody>
+      </p:sp>
+      <p:sp>
+        <p:nvSpPr>
+          <p:cNvPr id="230" name="Abgerundetes Rechteck 229"/>
           <p:cNvSpPr/>
           <p:nvPr/>
         </p:nvSpPr>
         <p:spPr>
           <a:xfrm>
-            <a:off x="269655" y="3173686"/>
-            <a:ext cx="785759" cy="483856"/>
+            <a:off x="861232" y="4939926"/>
+            <a:ext cx="508273" cy="565152"/>
           </a:xfrm>
           <a:prstGeom prst="roundRect">
             <a:avLst>
@@ -14611,63 +15004,19 @@
       </p:sp>
       <p:sp>
         <p:nvSpPr>
-          <p:cNvPr id="199" name="Textfeld 198"/>
+          <p:cNvPr id="231" name="Textfeld 230"/>
           <p:cNvSpPr txBox="1"/>
           <p:nvPr/>
         </p:nvSpPr>
         <p:spPr>
           <a:xfrm>
-            <a:off x="235381" y="3375167"/>
-            <a:ext cx="709352" cy="369332"/>
+            <a:off x="1056062" y="5237666"/>
+            <a:ext cx="352982" cy="253916"/>
           </a:xfrm>
           <a:prstGeom prst="rect">
             <a:avLst/>
           </a:prstGeom>
           <a:noFill/>
-          <a:ln>
-            <a:noFill/>
-          </a:ln>
-        </p:spPr>
-        <p:txBody>
-          <a:bodyPr wrap="square" rtlCol="0">
-            <a:spAutoFit/>
-          </a:bodyPr>
-          <a:lstStyle/>
-          <a:p>
-            <a:r>
-              <a:rPr lang="de-DE" smtClean="0">
-                <a:latin typeface="Helvetica Neue LT Std 67 Medium Condensed" charset="0"/>
-                <a:ea typeface="Helvetica Neue LT Std 67 Medium Condensed" charset="0"/>
-                <a:cs typeface="Helvetica Neue LT Std 67 Medium Condensed" charset="0"/>
-              </a:rPr>
-              <a:t>⇥</a:t>
-            </a:r>
-            <a:endParaRPr lang="de-DE" sz="700" dirty="0">
-              <a:latin typeface="Helvetica Neue LT Std 67 Medium Condensed" charset="0"/>
-              <a:ea typeface="Helvetica Neue LT Std 67 Medium Condensed" charset="0"/>
-              <a:cs typeface="Helvetica Neue LT Std 67 Medium Condensed" charset="0"/>
-            </a:endParaRPr>
-          </a:p>
-        </p:txBody>
-      </p:sp>
-      <p:sp>
-        <p:nvSpPr>
-          <p:cNvPr id="201" name="Textfeld 200"/>
-          <p:cNvSpPr txBox="1"/>
-          <p:nvPr/>
-        </p:nvSpPr>
-        <p:spPr>
-          <a:xfrm>
-            <a:off x="1270548" y="4040765"/>
-            <a:ext cx="255198" cy="253916"/>
-          </a:xfrm>
-          <a:prstGeom prst="rect">
-            <a:avLst/>
-          </a:prstGeom>
-          <a:noFill/>
-          <a:ln>
-            <a:noFill/>
-          </a:ln>
         </p:spPr>
         <p:txBody>
           <a:bodyPr wrap="none" rtlCol="0">
@@ -14676,12 +15025,12 @@
           <a:lstStyle/>
           <a:p>
             <a:r>
-              <a:rPr lang="de-DE" sz="1050" dirty="0" smtClean="0">
-                <a:latin typeface="Helvetica Neue LT Std 67 Medium Condensed" charset="0"/>
-                <a:ea typeface="Helvetica Neue LT Std 67 Medium Condensed" charset="0"/>
-                <a:cs typeface="Helvetica Neue LT Std 67 Medium Condensed" charset="0"/>
-              </a:rPr>
-              <a:t>A</a:t>
+              <a:rPr lang="de-DE" sz="1050" dirty="0" err="1" smtClean="0">
+                <a:latin typeface="Helvetica Neue LT Std 67 Medium Condensed" charset="0"/>
+                <a:ea typeface="Helvetica Neue LT Std 67 Medium Condensed" charset="0"/>
+                <a:cs typeface="Helvetica Neue LT Std 67 Medium Condensed" charset="0"/>
+              </a:rPr>
+              <a:t>ctrl</a:t>
             </a:r>
             <a:endParaRPr lang="de-DE" sz="1050" dirty="0">
               <a:latin typeface="Helvetica Neue LT Std 67 Medium Condensed" charset="0"/>
@@ -14693,178 +15042,14 @@
       </p:sp>
       <p:sp>
         <p:nvSpPr>
-          <p:cNvPr id="203" name="Textfeld 202"/>
-          <p:cNvSpPr txBox="1"/>
-          <p:nvPr/>
-        </p:nvSpPr>
-        <p:spPr>
-          <a:xfrm>
-            <a:off x="2478983" y="4039579"/>
-            <a:ext cx="260008" cy="253916"/>
-          </a:xfrm>
-          <a:prstGeom prst="rect">
-            <a:avLst/>
-          </a:prstGeom>
-          <a:noFill/>
-          <a:ln>
-            <a:noFill/>
-          </a:ln>
-        </p:spPr>
-        <p:txBody>
-          <a:bodyPr wrap="none" rtlCol="0">
-            <a:spAutoFit/>
-          </a:bodyPr>
-          <a:lstStyle/>
-          <a:p>
-            <a:r>
-              <a:rPr lang="de-DE" sz="1050" dirty="0" smtClean="0">
-                <a:latin typeface="Helvetica Neue LT Std 67 Medium Condensed" charset="0"/>
-                <a:ea typeface="Helvetica Neue LT Std 67 Medium Condensed" charset="0"/>
-                <a:cs typeface="Helvetica Neue LT Std 67 Medium Condensed" charset="0"/>
-              </a:rPr>
-              <a:t>D</a:t>
-            </a:r>
-            <a:endParaRPr lang="de-DE" sz="1050" dirty="0">
-              <a:latin typeface="Helvetica Neue LT Std 67 Medium Condensed" charset="0"/>
-              <a:ea typeface="Helvetica Neue LT Std 67 Medium Condensed" charset="0"/>
-              <a:cs typeface="Helvetica Neue LT Std 67 Medium Condensed" charset="0"/>
-            </a:endParaRPr>
-          </a:p>
-        </p:txBody>
-      </p:sp>
-      <p:sp>
-        <p:nvSpPr>
-          <p:cNvPr id="207" name="Textfeld 206"/>
-          <p:cNvSpPr txBox="1"/>
-          <p:nvPr/>
-        </p:nvSpPr>
-        <p:spPr>
-          <a:xfrm>
-            <a:off x="4287959" y="4029640"/>
-            <a:ext cx="260008" cy="253916"/>
-          </a:xfrm>
-          <a:prstGeom prst="rect">
-            <a:avLst/>
-          </a:prstGeom>
-          <a:noFill/>
-          <a:ln>
-            <a:noFill/>
-          </a:ln>
-        </p:spPr>
-        <p:txBody>
-          <a:bodyPr wrap="none" rtlCol="0">
-            <a:spAutoFit/>
-          </a:bodyPr>
-          <a:lstStyle/>
-          <a:p>
-            <a:r>
-              <a:rPr lang="de-DE" sz="1050" dirty="0" smtClean="0">
-                <a:latin typeface="Helvetica Neue LT Std 67 Medium Condensed" charset="0"/>
-                <a:ea typeface="Helvetica Neue LT Std 67 Medium Condensed" charset="0"/>
-                <a:cs typeface="Helvetica Neue LT Std 67 Medium Condensed" charset="0"/>
-              </a:rPr>
-              <a:t>H</a:t>
-            </a:r>
-            <a:endParaRPr lang="de-DE" sz="1050" dirty="0">
-              <a:latin typeface="Helvetica Neue LT Std 67 Medium Condensed" charset="0"/>
-              <a:ea typeface="Helvetica Neue LT Std 67 Medium Condensed" charset="0"/>
-              <a:cs typeface="Helvetica Neue LT Std 67 Medium Condensed" charset="0"/>
-            </a:endParaRPr>
-          </a:p>
-        </p:txBody>
-      </p:sp>
-      <p:sp>
-        <p:nvSpPr>
-          <p:cNvPr id="209" name="Textfeld 208"/>
-          <p:cNvSpPr txBox="1"/>
-          <p:nvPr/>
-        </p:nvSpPr>
-        <p:spPr>
-          <a:xfrm>
-            <a:off x="4878795" y="4027695"/>
-            <a:ext cx="243978" cy="253916"/>
-          </a:xfrm>
-          <a:prstGeom prst="rect">
-            <a:avLst/>
-          </a:prstGeom>
-          <a:noFill/>
-          <a:ln>
-            <a:noFill/>
-          </a:ln>
-        </p:spPr>
-        <p:txBody>
-          <a:bodyPr wrap="none" rtlCol="0">
-            <a:spAutoFit/>
-          </a:bodyPr>
-          <a:lstStyle/>
-          <a:p>
-            <a:r>
-              <a:rPr lang="de-DE" sz="1050" dirty="0" smtClean="0">
-                <a:latin typeface="Helvetica Neue LT Std 67 Medium Condensed" charset="0"/>
-                <a:ea typeface="Helvetica Neue LT Std 67 Medium Condensed" charset="0"/>
-                <a:cs typeface="Helvetica Neue LT Std 67 Medium Condensed" charset="0"/>
-              </a:rPr>
-              <a:t>J</a:t>
-            </a:r>
-            <a:endParaRPr lang="de-DE" sz="1050" dirty="0">
-              <a:latin typeface="Helvetica Neue LT Std 67 Medium Condensed" charset="0"/>
-              <a:ea typeface="Helvetica Neue LT Std 67 Medium Condensed" charset="0"/>
-              <a:cs typeface="Helvetica Neue LT Std 67 Medium Condensed" charset="0"/>
-            </a:endParaRPr>
-          </a:p>
-        </p:txBody>
-      </p:sp>
-      <p:sp>
-        <p:nvSpPr>
-          <p:cNvPr id="211" name="Textfeld 210"/>
-          <p:cNvSpPr txBox="1"/>
-          <p:nvPr/>
-        </p:nvSpPr>
-        <p:spPr>
-          <a:xfrm>
-            <a:off x="5478779" y="4025956"/>
-            <a:ext cx="255198" cy="253916"/>
-          </a:xfrm>
-          <a:prstGeom prst="rect">
-            <a:avLst/>
-          </a:prstGeom>
-          <a:noFill/>
-          <a:ln>
-            <a:noFill/>
-          </a:ln>
-        </p:spPr>
-        <p:txBody>
-          <a:bodyPr wrap="none" rtlCol="0">
-            <a:spAutoFit/>
-          </a:bodyPr>
-          <a:lstStyle/>
-          <a:p>
-            <a:r>
-              <a:rPr lang="de-DE" sz="1050" dirty="0" smtClean="0">
-                <a:latin typeface="Helvetica Neue LT Std 67 Medium Condensed" charset="0"/>
-                <a:ea typeface="Helvetica Neue LT Std 67 Medium Condensed" charset="0"/>
-                <a:cs typeface="Helvetica Neue LT Std 67 Medium Condensed" charset="0"/>
-              </a:rPr>
-              <a:t>K</a:t>
-            </a:r>
-            <a:endParaRPr lang="de-DE" sz="1050" dirty="0">
-              <a:latin typeface="Helvetica Neue LT Std 67 Medium Condensed" charset="0"/>
-              <a:ea typeface="Helvetica Neue LT Std 67 Medium Condensed" charset="0"/>
-              <a:cs typeface="Helvetica Neue LT Std 67 Medium Condensed" charset="0"/>
-            </a:endParaRPr>
-          </a:p>
-        </p:txBody>
-      </p:sp>
-      <p:sp>
-        <p:nvSpPr>
-          <p:cNvPr id="212" name="Abgerundetes Rechteck 211"/>
+          <p:cNvPr id="232" name="Abgerundetes Rechteck 231"/>
           <p:cNvSpPr/>
           <p:nvPr/>
         </p:nvSpPr>
         <p:spPr>
           <a:xfrm>
-            <a:off x="6724413" y="3772794"/>
-            <a:ext cx="495160" cy="483856"/>
+            <a:off x="268822" y="4939778"/>
+            <a:ext cx="508273" cy="565152"/>
           </a:xfrm>
           <a:prstGeom prst="roundRect">
             <a:avLst>
@@ -14915,22 +15100,19 @@
       </p:sp>
       <p:sp>
         <p:nvSpPr>
-          <p:cNvPr id="213" name="Textfeld 212"/>
+          <p:cNvPr id="233" name="Textfeld 232"/>
           <p:cNvSpPr txBox="1"/>
           <p:nvPr/>
         </p:nvSpPr>
         <p:spPr>
           <a:xfrm>
-            <a:off x="6686388" y="4038068"/>
-            <a:ext cx="260008" cy="253916"/>
+            <a:off x="463652" y="5237518"/>
+            <a:ext cx="285656" cy="253916"/>
           </a:xfrm>
           <a:prstGeom prst="rect">
             <a:avLst/>
           </a:prstGeom>
           <a:noFill/>
-          <a:ln>
-            <a:noFill/>
-          </a:ln>
         </p:spPr>
         <p:txBody>
           <a:bodyPr wrap="none" rtlCol="0">
@@ -14939,12 +15121,12 @@
           <a:lstStyle/>
           <a:p>
             <a:r>
-              <a:rPr lang="de-DE" sz="1050" dirty="0" smtClean="0">
-                <a:latin typeface="Helvetica Neue LT Std 67 Medium Condensed" charset="0"/>
-                <a:ea typeface="Helvetica Neue LT Std 67 Medium Condensed" charset="0"/>
-                <a:cs typeface="Helvetica Neue LT Std 67 Medium Condensed" charset="0"/>
-              </a:rPr>
-              <a:t>Ö</a:t>
+              <a:rPr lang="de-DE" sz="1050" dirty="0" err="1" smtClean="0">
+                <a:latin typeface="Helvetica Neue LT Std 67 Medium Condensed" charset="0"/>
+                <a:ea typeface="Helvetica Neue LT Std 67 Medium Condensed" charset="0"/>
+                <a:cs typeface="Helvetica Neue LT Std 67 Medium Condensed" charset="0"/>
+              </a:rPr>
+              <a:t>fn</a:t>
             </a:r>
             <a:endParaRPr lang="de-DE" sz="1050" dirty="0">
               <a:latin typeface="Helvetica Neue LT Std 67 Medium Condensed" charset="0"/>
@@ -14956,96 +15138,14 @@
       </p:sp>
       <p:sp>
         <p:nvSpPr>
-          <p:cNvPr id="215" name="Textfeld 214"/>
-          <p:cNvSpPr txBox="1"/>
-          <p:nvPr/>
-        </p:nvSpPr>
-        <p:spPr>
-          <a:xfrm>
-            <a:off x="7880176" y="4030871"/>
-            <a:ext cx="248786" cy="253916"/>
-          </a:xfrm>
-          <a:prstGeom prst="rect">
-            <a:avLst/>
-          </a:prstGeom>
-          <a:noFill/>
-          <a:ln>
-            <a:noFill/>
-          </a:ln>
-        </p:spPr>
-        <p:txBody>
-          <a:bodyPr wrap="none" rtlCol="0">
-            <a:spAutoFit/>
-          </a:bodyPr>
-          <a:lstStyle/>
-          <a:p>
-            <a:r>
-              <a:rPr lang="de-DE" sz="1050" dirty="0" smtClean="0">
-                <a:latin typeface="Helvetica Neue LT Std 67 Medium Condensed" charset="0"/>
-                <a:ea typeface="Helvetica Neue LT Std 67 Medium Condensed" charset="0"/>
-                <a:cs typeface="Helvetica Neue LT Std 67 Medium Condensed" charset="0"/>
-              </a:rPr>
-              <a:t>#</a:t>
-            </a:r>
-            <a:endParaRPr lang="de-DE" sz="1050" dirty="0">
-              <a:latin typeface="Helvetica Neue LT Std 67 Medium Condensed" charset="0"/>
-              <a:ea typeface="Helvetica Neue LT Std 67 Medium Condensed" charset="0"/>
-              <a:cs typeface="Helvetica Neue LT Std 67 Medium Condensed" charset="0"/>
-            </a:endParaRPr>
-          </a:p>
-        </p:txBody>
-      </p:sp>
-      <p:sp>
-        <p:nvSpPr>
-          <p:cNvPr id="221" name="Textfeld 220"/>
-          <p:cNvSpPr txBox="1"/>
-          <p:nvPr/>
-        </p:nvSpPr>
-        <p:spPr>
-          <a:xfrm>
-            <a:off x="3375987" y="4612399"/>
-            <a:ext cx="248786" cy="253916"/>
-          </a:xfrm>
-          <a:prstGeom prst="rect">
-            <a:avLst/>
-          </a:prstGeom>
-          <a:noFill/>
-          <a:ln>
-            <a:noFill/>
-          </a:ln>
-        </p:spPr>
-        <p:txBody>
-          <a:bodyPr wrap="none" rtlCol="0">
-            <a:spAutoFit/>
-          </a:bodyPr>
-          <a:lstStyle/>
-          <a:p>
-            <a:r>
-              <a:rPr lang="de-DE" sz="1050" dirty="0" smtClean="0">
-                <a:latin typeface="Helvetica Neue LT Std 67 Medium Condensed" charset="0"/>
-                <a:ea typeface="Helvetica Neue LT Std 67 Medium Condensed" charset="0"/>
-                <a:cs typeface="Helvetica Neue LT Std 67 Medium Condensed" charset="0"/>
-              </a:rPr>
-              <a:t>V</a:t>
-            </a:r>
-            <a:endParaRPr lang="de-DE" sz="1050" dirty="0">
-              <a:latin typeface="Helvetica Neue LT Std 67 Medium Condensed" charset="0"/>
-              <a:ea typeface="Helvetica Neue LT Std 67 Medium Condensed" charset="0"/>
-              <a:cs typeface="Helvetica Neue LT Std 67 Medium Condensed" charset="0"/>
-            </a:endParaRPr>
-          </a:p>
-        </p:txBody>
-      </p:sp>
-      <p:sp>
-        <p:nvSpPr>
-          <p:cNvPr id="222" name="Abgerundetes Rechteck 221"/>
+          <p:cNvPr id="234" name="Abgerundetes Rechteck 233"/>
           <p:cNvSpPr/>
           <p:nvPr/>
         </p:nvSpPr>
         <p:spPr>
           <a:xfrm>
-            <a:off x="4020078" y="4346279"/>
-            <a:ext cx="495160" cy="483856"/>
+            <a:off x="268320" y="3772794"/>
+            <a:ext cx="940728" cy="483856"/>
           </a:xfrm>
           <a:prstGeom prst="roundRect">
             <a:avLst>
@@ -15096,14 +15196,14 @@
       </p:sp>
       <p:sp>
         <p:nvSpPr>
-          <p:cNvPr id="223" name="Textfeld 222"/>
+          <p:cNvPr id="235" name="Textfeld 234"/>
           <p:cNvSpPr txBox="1"/>
           <p:nvPr/>
         </p:nvSpPr>
         <p:spPr>
           <a:xfrm>
-            <a:off x="3982053" y="4611491"/>
-            <a:ext cx="256802" cy="253916"/>
+            <a:off x="254068" y="3981582"/>
+            <a:ext cx="709352" cy="369332"/>
           </a:xfrm>
           <a:prstGeom prst="rect">
             <a:avLst/>
@@ -15114,45 +15214,80 @@
           </a:ln>
         </p:spPr>
         <p:txBody>
+          <a:bodyPr wrap="square" rtlCol="0">
+            <a:spAutoFit/>
+          </a:bodyPr>
+          <a:lstStyle/>
+          <a:p>
+            <a:r>
+              <a:rPr lang="de-DE" dirty="0" smtClean="0">
+                <a:latin typeface="Helvetica Neue LT Std 67 Medium Condensed" charset="0"/>
+                <a:ea typeface="Helvetica Neue LT Std 67 Medium Condensed" charset="0"/>
+                <a:cs typeface="Helvetica Neue LT Std 67 Medium Condensed" charset="0"/>
+              </a:rPr>
+              <a:t>⇪</a:t>
+            </a:r>
+            <a:endParaRPr lang="de-DE" sz="700" dirty="0">
+              <a:latin typeface="Helvetica Neue LT Std 67 Medium Condensed" charset="0"/>
+              <a:ea typeface="Helvetica Neue LT Std 67 Medium Condensed" charset="0"/>
+              <a:cs typeface="Helvetica Neue LT Std 67 Medium Condensed" charset="0"/>
+            </a:endParaRPr>
+          </a:p>
+        </p:txBody>
+      </p:sp>
+      <p:sp>
+        <p:nvSpPr>
+          <p:cNvPr id="237" name="Textfeld 236"/>
+          <p:cNvSpPr txBox="1"/>
+          <p:nvPr/>
+        </p:nvSpPr>
+        <p:spPr>
+          <a:xfrm>
+            <a:off x="862802" y="2321699"/>
+            <a:ext cx="282450" cy="215444"/>
+          </a:xfrm>
+          <a:prstGeom prst="rect">
+            <a:avLst/>
+          </a:prstGeom>
+          <a:noFill/>
+        </p:spPr>
+        <p:txBody>
           <a:bodyPr wrap="none" rtlCol="0">
             <a:spAutoFit/>
           </a:bodyPr>
           <a:lstStyle/>
           <a:p>
             <a:r>
-              <a:rPr lang="de-DE" sz="1050" dirty="0" smtClean="0">
-                <a:latin typeface="Helvetica Neue LT Std 67 Medium Condensed" charset="0"/>
-                <a:ea typeface="Helvetica Neue LT Std 67 Medium Condensed" charset="0"/>
-                <a:cs typeface="Helvetica Neue LT Std 67 Medium Condensed" charset="0"/>
-              </a:rPr>
-              <a:t>B</a:t>
-            </a:r>
-            <a:endParaRPr lang="de-DE" sz="1050" dirty="0">
-              <a:latin typeface="Helvetica Neue LT Std 67 Medium Condensed" charset="0"/>
-              <a:ea typeface="Helvetica Neue LT Std 67 Medium Condensed" charset="0"/>
-              <a:cs typeface="Helvetica Neue LT Std 67 Medium Condensed" charset="0"/>
-            </a:endParaRPr>
-          </a:p>
-        </p:txBody>
-      </p:sp>
-      <p:sp>
-        <p:nvSpPr>
-          <p:cNvPr id="225" name="Textfeld 224"/>
+              <a:rPr lang="de-DE" sz="800" dirty="0" smtClean="0">
+                <a:latin typeface="Helvetica Neue LT Std 67 Medium Condensed" charset="0"/>
+                <a:ea typeface="Helvetica Neue LT Std 67 Medium Condensed" charset="0"/>
+                <a:cs typeface="Helvetica Neue LT Std 67 Medium Condensed" charset="0"/>
+              </a:rPr>
+              <a:t>F1</a:t>
+            </a:r>
+            <a:endParaRPr lang="de-DE" sz="800" dirty="0">
+              <a:latin typeface="Helvetica Neue LT Std 67 Medium Condensed" charset="0"/>
+              <a:ea typeface="Helvetica Neue LT Std 67 Medium Condensed" charset="0"/>
+              <a:cs typeface="Helvetica Neue LT Std 67 Medium Condensed" charset="0"/>
+            </a:endParaRPr>
+          </a:p>
+        </p:txBody>
+      </p:sp>
+      <p:sp>
+        <p:nvSpPr>
+          <p:cNvPr id="239" name="Textfeld 238"/>
           <p:cNvSpPr txBox="1"/>
           <p:nvPr/>
         </p:nvSpPr>
         <p:spPr>
           <a:xfrm>
-            <a:off x="4580062" y="4609314"/>
-            <a:ext cx="261610" cy="253916"/>
+            <a:off x="1484587" y="2321072"/>
+            <a:ext cx="282450" cy="215444"/>
           </a:xfrm>
           <a:prstGeom prst="rect">
             <a:avLst/>
           </a:prstGeom>
           <a:noFill/>
-          <a:ln>
-            <a:noFill/>
-          </a:ln>
         </p:spPr>
         <p:txBody>
           <a:bodyPr wrap="none" rtlCol="0">
@@ -15161,39 +15296,36 @@
           <a:lstStyle/>
           <a:p>
             <a:r>
-              <a:rPr lang="de-DE" sz="1050" dirty="0" smtClean="0">
-                <a:latin typeface="Helvetica Neue LT Std 67 Medium Condensed" charset="0"/>
-                <a:ea typeface="Helvetica Neue LT Std 67 Medium Condensed" charset="0"/>
-                <a:cs typeface="Helvetica Neue LT Std 67 Medium Condensed" charset="0"/>
-              </a:rPr>
-              <a:t>N</a:t>
-            </a:r>
-            <a:endParaRPr lang="de-DE" sz="1050" dirty="0">
-              <a:latin typeface="Helvetica Neue LT Std 67 Medium Condensed" charset="0"/>
-              <a:ea typeface="Helvetica Neue LT Std 67 Medium Condensed" charset="0"/>
-              <a:cs typeface="Helvetica Neue LT Std 67 Medium Condensed" charset="0"/>
-            </a:endParaRPr>
-          </a:p>
-        </p:txBody>
-      </p:sp>
-      <p:sp>
-        <p:nvSpPr>
-          <p:cNvPr id="227" name="Textfeld 226"/>
+              <a:rPr lang="de-DE" sz="800" dirty="0" smtClean="0">
+                <a:latin typeface="Helvetica Neue LT Std 67 Medium Condensed" charset="0"/>
+                <a:ea typeface="Helvetica Neue LT Std 67 Medium Condensed" charset="0"/>
+                <a:cs typeface="Helvetica Neue LT Std 67 Medium Condensed" charset="0"/>
+              </a:rPr>
+              <a:t>F2</a:t>
+            </a:r>
+            <a:endParaRPr lang="de-DE" sz="800" dirty="0">
+              <a:latin typeface="Helvetica Neue LT Std 67 Medium Condensed" charset="0"/>
+              <a:ea typeface="Helvetica Neue LT Std 67 Medium Condensed" charset="0"/>
+              <a:cs typeface="Helvetica Neue LT Std 67 Medium Condensed" charset="0"/>
+            </a:endParaRPr>
+          </a:p>
+        </p:txBody>
+      </p:sp>
+      <p:sp>
+        <p:nvSpPr>
+          <p:cNvPr id="241" name="Textfeld 240"/>
           <p:cNvSpPr txBox="1"/>
           <p:nvPr/>
         </p:nvSpPr>
         <p:spPr>
           <a:xfrm>
-            <a:off x="6380654" y="4620694"/>
-            <a:ext cx="216726" cy="253916"/>
+            <a:off x="2104591" y="2326716"/>
+            <a:ext cx="282450" cy="215444"/>
           </a:xfrm>
           <a:prstGeom prst="rect">
             <a:avLst/>
           </a:prstGeom>
           <a:noFill/>
-          <a:ln>
-            <a:noFill/>
-          </a:ln>
         </p:spPr>
         <p:txBody>
           <a:bodyPr wrap="none" rtlCol="0">
@@ -15202,31 +15334,145 @@
           <a:lstStyle/>
           <a:p>
             <a:r>
-              <a:rPr lang="de-DE" sz="1050" dirty="0" smtClean="0">
-                <a:latin typeface="Helvetica Neue LT Std 67 Medium Condensed" charset="0"/>
-                <a:ea typeface="Helvetica Neue LT Std 67 Medium Condensed" charset="0"/>
-                <a:cs typeface="Helvetica Neue LT Std 67 Medium Condensed" charset="0"/>
-              </a:rPr>
-              <a:t>.</a:t>
-            </a:r>
-            <a:endParaRPr lang="de-DE" sz="1050" dirty="0">
-              <a:latin typeface="Helvetica Neue LT Std 67 Medium Condensed" charset="0"/>
-              <a:ea typeface="Helvetica Neue LT Std 67 Medium Condensed" charset="0"/>
-              <a:cs typeface="Helvetica Neue LT Std 67 Medium Condensed" charset="0"/>
-            </a:endParaRPr>
-          </a:p>
-        </p:txBody>
-      </p:sp>
-      <p:sp>
-        <p:nvSpPr>
-          <p:cNvPr id="230" name="Abgerundetes Rechteck 229"/>
+              <a:rPr lang="de-DE" sz="800" dirty="0" smtClean="0">
+                <a:latin typeface="Helvetica Neue LT Std 67 Medium Condensed" charset="0"/>
+                <a:ea typeface="Helvetica Neue LT Std 67 Medium Condensed" charset="0"/>
+                <a:cs typeface="Helvetica Neue LT Std 67 Medium Condensed" charset="0"/>
+              </a:rPr>
+              <a:t>F3</a:t>
+            </a:r>
+            <a:endParaRPr lang="de-DE" sz="800" dirty="0">
+              <a:latin typeface="Helvetica Neue LT Std 67 Medium Condensed" charset="0"/>
+              <a:ea typeface="Helvetica Neue LT Std 67 Medium Condensed" charset="0"/>
+              <a:cs typeface="Helvetica Neue LT Std 67 Medium Condensed" charset="0"/>
+            </a:endParaRPr>
+          </a:p>
+        </p:txBody>
+      </p:sp>
+      <p:sp>
+        <p:nvSpPr>
+          <p:cNvPr id="243" name="Textfeld 242"/>
+          <p:cNvSpPr txBox="1"/>
+          <p:nvPr/>
+        </p:nvSpPr>
+        <p:spPr>
+          <a:xfrm>
+            <a:off x="2715876" y="2324714"/>
+            <a:ext cx="282450" cy="215444"/>
+          </a:xfrm>
+          <a:prstGeom prst="rect">
+            <a:avLst/>
+          </a:prstGeom>
+          <a:noFill/>
+        </p:spPr>
+        <p:txBody>
+          <a:bodyPr wrap="none" rtlCol="0">
+            <a:spAutoFit/>
+          </a:bodyPr>
+          <a:lstStyle/>
+          <a:p>
+            <a:r>
+              <a:rPr lang="de-DE" sz="800" dirty="0" smtClean="0">
+                <a:latin typeface="Helvetica Neue LT Std 67 Medium Condensed" charset="0"/>
+                <a:ea typeface="Helvetica Neue LT Std 67 Medium Condensed" charset="0"/>
+                <a:cs typeface="Helvetica Neue LT Std 67 Medium Condensed" charset="0"/>
+              </a:rPr>
+              <a:t>F4</a:t>
+            </a:r>
+            <a:endParaRPr lang="de-DE" sz="800" dirty="0">
+              <a:latin typeface="Helvetica Neue LT Std 67 Medium Condensed" charset="0"/>
+              <a:ea typeface="Helvetica Neue LT Std 67 Medium Condensed" charset="0"/>
+              <a:cs typeface="Helvetica Neue LT Std 67 Medium Condensed" charset="0"/>
+            </a:endParaRPr>
+          </a:p>
+        </p:txBody>
+      </p:sp>
+      <p:sp>
+        <p:nvSpPr>
+          <p:cNvPr id="245" name="Textfeld 244"/>
+          <p:cNvSpPr txBox="1"/>
+          <p:nvPr/>
+        </p:nvSpPr>
+        <p:spPr>
+          <a:xfrm>
+            <a:off x="3350914" y="2323366"/>
+            <a:ext cx="282450" cy="215444"/>
+          </a:xfrm>
+          <a:prstGeom prst="rect">
+            <a:avLst/>
+          </a:prstGeom>
+          <a:noFill/>
+        </p:spPr>
+        <p:txBody>
+          <a:bodyPr wrap="none" rtlCol="0">
+            <a:spAutoFit/>
+          </a:bodyPr>
+          <a:lstStyle/>
+          <a:p>
+            <a:r>
+              <a:rPr lang="de-DE" sz="800" dirty="0" smtClean="0">
+                <a:latin typeface="Helvetica Neue LT Std 67 Medium Condensed" charset="0"/>
+                <a:ea typeface="Helvetica Neue LT Std 67 Medium Condensed" charset="0"/>
+                <a:cs typeface="Helvetica Neue LT Std 67 Medium Condensed" charset="0"/>
+              </a:rPr>
+              <a:t>F5</a:t>
+            </a:r>
+            <a:endParaRPr lang="de-DE" sz="800" dirty="0">
+              <a:latin typeface="Helvetica Neue LT Std 67 Medium Condensed" charset="0"/>
+              <a:ea typeface="Helvetica Neue LT Std 67 Medium Condensed" charset="0"/>
+              <a:cs typeface="Helvetica Neue LT Std 67 Medium Condensed" charset="0"/>
+            </a:endParaRPr>
+          </a:p>
+        </p:txBody>
+      </p:sp>
+      <p:sp>
+        <p:nvSpPr>
+          <p:cNvPr id="247" name="Textfeld 246"/>
+          <p:cNvSpPr txBox="1"/>
+          <p:nvPr/>
+        </p:nvSpPr>
+        <p:spPr>
+          <a:xfrm>
+            <a:off x="3956825" y="2323144"/>
+            <a:ext cx="282450" cy="215444"/>
+          </a:xfrm>
+          <a:prstGeom prst="rect">
+            <a:avLst/>
+          </a:prstGeom>
+          <a:noFill/>
+        </p:spPr>
+        <p:txBody>
+          <a:bodyPr wrap="none" rtlCol="0">
+            <a:spAutoFit/>
+          </a:bodyPr>
+          <a:lstStyle/>
+          <a:p>
+            <a:r>
+              <a:rPr lang="de-DE" sz="800" dirty="0" smtClean="0">
+                <a:latin typeface="Helvetica Neue LT Std 67 Medium Condensed" charset="0"/>
+                <a:ea typeface="Helvetica Neue LT Std 67 Medium Condensed" charset="0"/>
+                <a:cs typeface="Helvetica Neue LT Std 67 Medium Condensed" charset="0"/>
+              </a:rPr>
+              <a:t>F6</a:t>
+            </a:r>
+            <a:endParaRPr lang="de-DE" sz="800" dirty="0">
+              <a:latin typeface="Helvetica Neue LT Std 67 Medium Condensed" charset="0"/>
+              <a:ea typeface="Helvetica Neue LT Std 67 Medium Condensed" charset="0"/>
+              <a:cs typeface="Helvetica Neue LT Std 67 Medium Condensed" charset="0"/>
+            </a:endParaRPr>
+          </a:p>
+        </p:txBody>
+      </p:sp>
+      <p:sp>
+        <p:nvSpPr>
+          <p:cNvPr id="248" name="Abgerundetes Rechteck 247"/>
           <p:cNvSpPr/>
           <p:nvPr/>
         </p:nvSpPr>
         <p:spPr>
           <a:xfrm>
-            <a:off x="861232" y="4939926"/>
-            <a:ext cx="508273" cy="565152"/>
+            <a:off x="7111064" y="2140413"/>
+            <a:ext cx="495160" cy="349570"/>
           </a:xfrm>
           <a:prstGeom prst="roundRect">
             <a:avLst>
@@ -15277,14 +15523,14 @@
       </p:sp>
       <p:sp>
         <p:nvSpPr>
-          <p:cNvPr id="231" name="Textfeld 230"/>
+          <p:cNvPr id="249" name="Textfeld 248"/>
           <p:cNvSpPr txBox="1"/>
           <p:nvPr/>
         </p:nvSpPr>
         <p:spPr>
           <a:xfrm>
-            <a:off x="1056062" y="5237666"/>
-            <a:ext cx="352982" cy="253916"/>
+            <a:off x="7073039" y="2323144"/>
+            <a:ext cx="332142" cy="215444"/>
           </a:xfrm>
           <a:prstGeom prst="rect">
             <a:avLst/>
@@ -15298,31 +15544,31 @@
           <a:lstStyle/>
           <a:p>
             <a:r>
-              <a:rPr lang="de-DE" sz="1050" dirty="0" err="1" smtClean="0">
-                <a:latin typeface="Helvetica Neue LT Std 67 Medium Condensed" charset="0"/>
-                <a:ea typeface="Helvetica Neue LT Std 67 Medium Condensed" charset="0"/>
-                <a:cs typeface="Helvetica Neue LT Std 67 Medium Condensed" charset="0"/>
-              </a:rPr>
-              <a:t>ctrl</a:t>
-            </a:r>
-            <a:endParaRPr lang="de-DE" sz="1050" dirty="0">
-              <a:latin typeface="Helvetica Neue LT Std 67 Medium Condensed" charset="0"/>
-              <a:ea typeface="Helvetica Neue LT Std 67 Medium Condensed" charset="0"/>
-              <a:cs typeface="Helvetica Neue LT Std 67 Medium Condensed" charset="0"/>
-            </a:endParaRPr>
-          </a:p>
-        </p:txBody>
-      </p:sp>
-      <p:sp>
-        <p:nvSpPr>
-          <p:cNvPr id="232" name="Abgerundetes Rechteck 231"/>
+              <a:rPr lang="de-DE" sz="800" dirty="0" smtClean="0">
+                <a:latin typeface="Helvetica Neue LT Std 67 Medium Condensed" charset="0"/>
+                <a:ea typeface="Helvetica Neue LT Std 67 Medium Condensed" charset="0"/>
+                <a:cs typeface="Helvetica Neue LT Std 67 Medium Condensed" charset="0"/>
+              </a:rPr>
+              <a:t>F11</a:t>
+            </a:r>
+            <a:endParaRPr lang="de-DE" sz="800" dirty="0">
+              <a:latin typeface="Helvetica Neue LT Std 67 Medium Condensed" charset="0"/>
+              <a:ea typeface="Helvetica Neue LT Std 67 Medium Condensed" charset="0"/>
+              <a:cs typeface="Helvetica Neue LT Std 67 Medium Condensed" charset="0"/>
+            </a:endParaRPr>
+          </a:p>
+        </p:txBody>
+      </p:sp>
+      <p:sp>
+        <p:nvSpPr>
+          <p:cNvPr id="250" name="Abgerundetes Rechteck 249"/>
           <p:cNvSpPr/>
           <p:nvPr/>
         </p:nvSpPr>
         <p:spPr>
           <a:xfrm>
-            <a:off x="268822" y="4939778"/>
-            <a:ext cx="508273" cy="565152"/>
+            <a:off x="7737683" y="2140413"/>
+            <a:ext cx="495160" cy="349570"/>
           </a:xfrm>
           <a:prstGeom prst="roundRect">
             <a:avLst>
@@ -15373,14 +15619,14 @@
       </p:sp>
       <p:sp>
         <p:nvSpPr>
-          <p:cNvPr id="233" name="Textfeld 232"/>
+          <p:cNvPr id="251" name="Textfeld 250"/>
           <p:cNvSpPr txBox="1"/>
           <p:nvPr/>
         </p:nvSpPr>
         <p:spPr>
           <a:xfrm>
-            <a:off x="463652" y="5237518"/>
-            <a:ext cx="285656" cy="253916"/>
+            <a:off x="7699658" y="2322724"/>
+            <a:ext cx="332142" cy="215444"/>
           </a:xfrm>
           <a:prstGeom prst="rect">
             <a:avLst/>
@@ -15394,31 +15640,31 @@
           <a:lstStyle/>
           <a:p>
             <a:r>
-              <a:rPr lang="de-DE" sz="1050" dirty="0" err="1" smtClean="0">
-                <a:latin typeface="Helvetica Neue LT Std 67 Medium Condensed" charset="0"/>
-                <a:ea typeface="Helvetica Neue LT Std 67 Medium Condensed" charset="0"/>
-                <a:cs typeface="Helvetica Neue LT Std 67 Medium Condensed" charset="0"/>
-              </a:rPr>
-              <a:t>fn</a:t>
-            </a:r>
-            <a:endParaRPr lang="de-DE" sz="1050" dirty="0">
-              <a:latin typeface="Helvetica Neue LT Std 67 Medium Condensed" charset="0"/>
-              <a:ea typeface="Helvetica Neue LT Std 67 Medium Condensed" charset="0"/>
-              <a:cs typeface="Helvetica Neue LT Std 67 Medium Condensed" charset="0"/>
-            </a:endParaRPr>
-          </a:p>
-        </p:txBody>
-      </p:sp>
-      <p:sp>
-        <p:nvSpPr>
-          <p:cNvPr id="234" name="Abgerundetes Rechteck 233"/>
+              <a:rPr lang="de-DE" sz="800" dirty="0" smtClean="0">
+                <a:latin typeface="Helvetica Neue LT Std 67 Medium Condensed" charset="0"/>
+                <a:ea typeface="Helvetica Neue LT Std 67 Medium Condensed" charset="0"/>
+                <a:cs typeface="Helvetica Neue LT Std 67 Medium Condensed" charset="0"/>
+              </a:rPr>
+              <a:t>F12</a:t>
+            </a:r>
+            <a:endParaRPr lang="de-DE" sz="800" dirty="0">
+              <a:latin typeface="Helvetica Neue LT Std 67 Medium Condensed" charset="0"/>
+              <a:ea typeface="Helvetica Neue LT Std 67 Medium Condensed" charset="0"/>
+              <a:cs typeface="Helvetica Neue LT Std 67 Medium Condensed" charset="0"/>
+            </a:endParaRPr>
+          </a:p>
+        </p:txBody>
+      </p:sp>
+      <p:sp>
+        <p:nvSpPr>
+          <p:cNvPr id="252" name="Abgerundetes Rechteck 251"/>
           <p:cNvSpPr/>
           <p:nvPr/>
         </p:nvSpPr>
         <p:spPr>
           <a:xfrm>
-            <a:off x="268320" y="3772794"/>
-            <a:ext cx="940728" cy="483856"/>
+            <a:off x="8353581" y="2140413"/>
+            <a:ext cx="495160" cy="349570"/>
           </a:xfrm>
           <a:prstGeom prst="roundRect">
             <a:avLst>
@@ -15469,60 +15715,19 @@
       </p:sp>
       <p:sp>
         <p:nvSpPr>
-          <p:cNvPr id="235" name="Textfeld 234"/>
+          <p:cNvPr id="253" name="Textfeld 252"/>
           <p:cNvSpPr txBox="1"/>
           <p:nvPr/>
         </p:nvSpPr>
         <p:spPr>
           <a:xfrm>
-            <a:off x="254068" y="3981582"/>
-            <a:ext cx="709352" cy="369332"/>
+            <a:off x="8295533" y="2314271"/>
+            <a:ext cx="251992" cy="215444"/>
           </a:xfrm>
           <a:prstGeom prst="rect">
             <a:avLst/>
           </a:prstGeom>
           <a:noFill/>
-          <a:ln>
-            <a:noFill/>
-          </a:ln>
-        </p:spPr>
-        <p:txBody>
-          <a:bodyPr wrap="square" rtlCol="0">
-            <a:spAutoFit/>
-          </a:bodyPr>
-          <a:lstStyle/>
-          <a:p>
-            <a:r>
-              <a:rPr lang="de-DE" dirty="0" smtClean="0">
-                <a:latin typeface="Helvetica Neue LT Std 67 Medium Condensed" charset="0"/>
-                <a:ea typeface="Helvetica Neue LT Std 67 Medium Condensed" charset="0"/>
-                <a:cs typeface="Helvetica Neue LT Std 67 Medium Condensed" charset="0"/>
-              </a:rPr>
-              <a:t>⇪</a:t>
-            </a:r>
-            <a:endParaRPr lang="de-DE" sz="700" dirty="0">
-              <a:latin typeface="Helvetica Neue LT Std 67 Medium Condensed" charset="0"/>
-              <a:ea typeface="Helvetica Neue LT Std 67 Medium Condensed" charset="0"/>
-              <a:cs typeface="Helvetica Neue LT Std 67 Medium Condensed" charset="0"/>
-            </a:endParaRPr>
-          </a:p>
-        </p:txBody>
-      </p:sp>
-      <p:sp>
-        <p:nvSpPr>
-          <p:cNvPr id="237" name="Textfeld 236"/>
-          <p:cNvSpPr txBox="1"/>
-          <p:nvPr/>
-        </p:nvSpPr>
-        <p:spPr>
-          <a:xfrm>
-            <a:off x="862802" y="2321699"/>
-            <a:ext cx="282450" cy="215444"/>
-          </a:xfrm>
-          <a:prstGeom prst="rect">
-            <a:avLst/>
-          </a:prstGeom>
-          <a:noFill/>
         </p:spPr>
         <p:txBody>
           <a:bodyPr wrap="none" rtlCol="0">
@@ -15531,221 +15736,31 @@
           <a:lstStyle/>
           <a:p>
             <a:r>
-              <a:rPr lang="de-DE" sz="800" dirty="0" smtClean="0">
-                <a:latin typeface="Helvetica Neue LT Std 67 Medium Condensed" charset="0"/>
-                <a:ea typeface="Helvetica Neue LT Std 67 Medium Condensed" charset="0"/>
-                <a:cs typeface="Helvetica Neue LT Std 67 Medium Condensed" charset="0"/>
-              </a:rPr>
-              <a:t>F1</a:t>
-            </a:r>
-            <a:endParaRPr lang="de-DE" sz="800" dirty="0">
-              <a:latin typeface="Helvetica Neue LT Std 67 Medium Condensed" charset="0"/>
-              <a:ea typeface="Helvetica Neue LT Std 67 Medium Condensed" charset="0"/>
-              <a:cs typeface="Helvetica Neue LT Std 67 Medium Condensed" charset="0"/>
-            </a:endParaRPr>
-          </a:p>
-        </p:txBody>
-      </p:sp>
-      <p:sp>
-        <p:nvSpPr>
-          <p:cNvPr id="239" name="Textfeld 238"/>
-          <p:cNvSpPr txBox="1"/>
-          <p:nvPr/>
-        </p:nvSpPr>
-        <p:spPr>
-          <a:xfrm>
-            <a:off x="1484587" y="2321072"/>
-            <a:ext cx="282450" cy="215444"/>
-          </a:xfrm>
-          <a:prstGeom prst="rect">
-            <a:avLst/>
-          </a:prstGeom>
-          <a:noFill/>
-        </p:spPr>
-        <p:txBody>
-          <a:bodyPr wrap="none" rtlCol="0">
-            <a:spAutoFit/>
-          </a:bodyPr>
-          <a:lstStyle/>
-          <a:p>
-            <a:r>
-              <a:rPr lang="de-DE" sz="800" dirty="0" smtClean="0">
-                <a:latin typeface="Helvetica Neue LT Std 67 Medium Condensed" charset="0"/>
-                <a:ea typeface="Helvetica Neue LT Std 67 Medium Condensed" charset="0"/>
-                <a:cs typeface="Helvetica Neue LT Std 67 Medium Condensed" charset="0"/>
-              </a:rPr>
-              <a:t>F2</a:t>
-            </a:r>
-            <a:endParaRPr lang="de-DE" sz="800" dirty="0">
-              <a:latin typeface="Helvetica Neue LT Std 67 Medium Condensed" charset="0"/>
-              <a:ea typeface="Helvetica Neue LT Std 67 Medium Condensed" charset="0"/>
-              <a:cs typeface="Helvetica Neue LT Std 67 Medium Condensed" charset="0"/>
-            </a:endParaRPr>
-          </a:p>
-        </p:txBody>
-      </p:sp>
-      <p:sp>
-        <p:nvSpPr>
-          <p:cNvPr id="241" name="Textfeld 240"/>
-          <p:cNvSpPr txBox="1"/>
-          <p:nvPr/>
-        </p:nvSpPr>
-        <p:spPr>
-          <a:xfrm>
-            <a:off x="2104591" y="2326716"/>
-            <a:ext cx="282450" cy="215444"/>
-          </a:xfrm>
-          <a:prstGeom prst="rect">
-            <a:avLst/>
-          </a:prstGeom>
-          <a:noFill/>
-        </p:spPr>
-        <p:txBody>
-          <a:bodyPr wrap="none" rtlCol="0">
-            <a:spAutoFit/>
-          </a:bodyPr>
-          <a:lstStyle/>
-          <a:p>
-            <a:r>
-              <a:rPr lang="de-DE" sz="800" dirty="0" smtClean="0">
-                <a:latin typeface="Helvetica Neue LT Std 67 Medium Condensed" charset="0"/>
-                <a:ea typeface="Helvetica Neue LT Std 67 Medium Condensed" charset="0"/>
-                <a:cs typeface="Helvetica Neue LT Std 67 Medium Condensed" charset="0"/>
-              </a:rPr>
-              <a:t>F3</a:t>
-            </a:r>
-            <a:endParaRPr lang="de-DE" sz="800" dirty="0">
-              <a:latin typeface="Helvetica Neue LT Std 67 Medium Condensed" charset="0"/>
-              <a:ea typeface="Helvetica Neue LT Std 67 Medium Condensed" charset="0"/>
-              <a:cs typeface="Helvetica Neue LT Std 67 Medium Condensed" charset="0"/>
-            </a:endParaRPr>
-          </a:p>
-        </p:txBody>
-      </p:sp>
-      <p:sp>
-        <p:nvSpPr>
-          <p:cNvPr id="243" name="Textfeld 242"/>
-          <p:cNvSpPr txBox="1"/>
-          <p:nvPr/>
-        </p:nvSpPr>
-        <p:spPr>
-          <a:xfrm>
-            <a:off x="2715876" y="2324714"/>
-            <a:ext cx="282450" cy="215444"/>
-          </a:xfrm>
-          <a:prstGeom prst="rect">
-            <a:avLst/>
-          </a:prstGeom>
-          <a:noFill/>
-        </p:spPr>
-        <p:txBody>
-          <a:bodyPr wrap="none" rtlCol="0">
-            <a:spAutoFit/>
-          </a:bodyPr>
-          <a:lstStyle/>
-          <a:p>
-            <a:r>
-              <a:rPr lang="de-DE" sz="800" dirty="0" smtClean="0">
-                <a:latin typeface="Helvetica Neue LT Std 67 Medium Condensed" charset="0"/>
-                <a:ea typeface="Helvetica Neue LT Std 67 Medium Condensed" charset="0"/>
-                <a:cs typeface="Helvetica Neue LT Std 67 Medium Condensed" charset="0"/>
-              </a:rPr>
-              <a:t>F4</a:t>
-            </a:r>
-            <a:endParaRPr lang="de-DE" sz="800" dirty="0">
-              <a:latin typeface="Helvetica Neue LT Std 67 Medium Condensed" charset="0"/>
-              <a:ea typeface="Helvetica Neue LT Std 67 Medium Condensed" charset="0"/>
-              <a:cs typeface="Helvetica Neue LT Std 67 Medium Condensed" charset="0"/>
-            </a:endParaRPr>
-          </a:p>
-        </p:txBody>
-      </p:sp>
-      <p:sp>
-        <p:nvSpPr>
-          <p:cNvPr id="245" name="Textfeld 244"/>
-          <p:cNvSpPr txBox="1"/>
-          <p:nvPr/>
-        </p:nvSpPr>
-        <p:spPr>
-          <a:xfrm>
-            <a:off x="3350914" y="2323366"/>
-            <a:ext cx="282450" cy="215444"/>
-          </a:xfrm>
-          <a:prstGeom prst="rect">
-            <a:avLst/>
-          </a:prstGeom>
-          <a:noFill/>
-        </p:spPr>
-        <p:txBody>
-          <a:bodyPr wrap="none" rtlCol="0">
-            <a:spAutoFit/>
-          </a:bodyPr>
-          <a:lstStyle/>
-          <a:p>
-            <a:r>
-              <a:rPr lang="de-DE" sz="800" dirty="0" smtClean="0">
-                <a:latin typeface="Helvetica Neue LT Std 67 Medium Condensed" charset="0"/>
-                <a:ea typeface="Helvetica Neue LT Std 67 Medium Condensed" charset="0"/>
-                <a:cs typeface="Helvetica Neue LT Std 67 Medium Condensed" charset="0"/>
-              </a:rPr>
-              <a:t>F5</a:t>
-            </a:r>
-            <a:endParaRPr lang="de-DE" sz="800" dirty="0">
-              <a:latin typeface="Helvetica Neue LT Std 67 Medium Condensed" charset="0"/>
-              <a:ea typeface="Helvetica Neue LT Std 67 Medium Condensed" charset="0"/>
-              <a:cs typeface="Helvetica Neue LT Std 67 Medium Condensed" charset="0"/>
-            </a:endParaRPr>
-          </a:p>
-        </p:txBody>
-      </p:sp>
-      <p:sp>
-        <p:nvSpPr>
-          <p:cNvPr id="247" name="Textfeld 246"/>
-          <p:cNvSpPr txBox="1"/>
-          <p:nvPr/>
-        </p:nvSpPr>
-        <p:spPr>
-          <a:xfrm>
-            <a:off x="3956825" y="2323144"/>
-            <a:ext cx="282450" cy="215444"/>
-          </a:xfrm>
-          <a:prstGeom prst="rect">
-            <a:avLst/>
-          </a:prstGeom>
-          <a:noFill/>
-        </p:spPr>
-        <p:txBody>
-          <a:bodyPr wrap="none" rtlCol="0">
-            <a:spAutoFit/>
-          </a:bodyPr>
-          <a:lstStyle/>
-          <a:p>
-            <a:r>
-              <a:rPr lang="de-DE" sz="800" dirty="0" smtClean="0">
-                <a:latin typeface="Helvetica Neue LT Std 67 Medium Condensed" charset="0"/>
-                <a:ea typeface="Helvetica Neue LT Std 67 Medium Condensed" charset="0"/>
-                <a:cs typeface="Helvetica Neue LT Std 67 Medium Condensed" charset="0"/>
-              </a:rPr>
-              <a:t>F6</a:t>
-            </a:r>
-            <a:endParaRPr lang="de-DE" sz="800" dirty="0">
-              <a:latin typeface="Helvetica Neue LT Std 67 Medium Condensed" charset="0"/>
-              <a:ea typeface="Helvetica Neue LT Std 67 Medium Condensed" charset="0"/>
-              <a:cs typeface="Helvetica Neue LT Std 67 Medium Condensed" charset="0"/>
-            </a:endParaRPr>
-          </a:p>
-        </p:txBody>
-      </p:sp>
-      <p:sp>
-        <p:nvSpPr>
-          <p:cNvPr id="248" name="Abgerundetes Rechteck 247"/>
+              <a:rPr lang="de-DE" sz="800" b="1" dirty="0" smtClean="0">
+                <a:latin typeface="Helvetica Neue LT Std 67 Medium Condensed" charset="0"/>
+                <a:ea typeface="Helvetica Neue LT Std 67 Medium Condensed" charset="0"/>
+                <a:cs typeface="Helvetica Neue LT Std 67 Medium Condensed" charset="0"/>
+              </a:rPr>
+              <a:t>⌽</a:t>
+            </a:r>
+            <a:endParaRPr lang="de-DE" sz="800" b="1" dirty="0">
+              <a:latin typeface="Helvetica Neue LT Std 67 Medium Condensed" charset="0"/>
+              <a:ea typeface="Helvetica Neue LT Std 67 Medium Condensed" charset="0"/>
+              <a:cs typeface="Helvetica Neue LT Std 67 Medium Condensed" charset="0"/>
+            </a:endParaRPr>
+          </a:p>
+        </p:txBody>
+      </p:sp>
+      <p:sp>
+        <p:nvSpPr>
+          <p:cNvPr id="254" name="Abgerundetes Rechteck 253"/>
           <p:cNvSpPr/>
           <p:nvPr/>
         </p:nvSpPr>
         <p:spPr>
           <a:xfrm>
-            <a:off x="7111064" y="2140413"/>
-            <a:ext cx="495160" cy="349570"/>
+            <a:off x="6566843" y="3174834"/>
+            <a:ext cx="495160" cy="483856"/>
           </a:xfrm>
           <a:prstGeom prst="roundRect">
             <a:avLst>
@@ -15753,11 +15768,14 @@
             </a:avLst>
           </a:prstGeom>
           <a:solidFill>
-            <a:schemeClr val="bg1"/>
+            <a:schemeClr val="accent6">
+              <a:lumMod val="20000"/>
+              <a:lumOff val="80000"/>
+            </a:schemeClr>
           </a:solidFill>
           <a:ln>
             <a:solidFill>
-              <a:schemeClr val="bg1">
+              <a:schemeClr val="accent6">
                 <a:lumMod val="50000"/>
               </a:schemeClr>
             </a:solidFill>
@@ -15796,297 +15814,6 @@
       </p:sp>
       <p:sp>
         <p:nvSpPr>
-          <p:cNvPr id="249" name="Textfeld 248"/>
-          <p:cNvSpPr txBox="1"/>
-          <p:nvPr/>
-        </p:nvSpPr>
-        <p:spPr>
-          <a:xfrm>
-            <a:off x="7073039" y="2323144"/>
-            <a:ext cx="332142" cy="215444"/>
-          </a:xfrm>
-          <a:prstGeom prst="rect">
-            <a:avLst/>
-          </a:prstGeom>
-          <a:noFill/>
-        </p:spPr>
-        <p:txBody>
-          <a:bodyPr wrap="none" rtlCol="0">
-            <a:spAutoFit/>
-          </a:bodyPr>
-          <a:lstStyle/>
-          <a:p>
-            <a:r>
-              <a:rPr lang="de-DE" sz="800" dirty="0" smtClean="0">
-                <a:latin typeface="Helvetica Neue LT Std 67 Medium Condensed" charset="0"/>
-                <a:ea typeface="Helvetica Neue LT Std 67 Medium Condensed" charset="0"/>
-                <a:cs typeface="Helvetica Neue LT Std 67 Medium Condensed" charset="0"/>
-              </a:rPr>
-              <a:t>F11</a:t>
-            </a:r>
-            <a:endParaRPr lang="de-DE" sz="800" dirty="0">
-              <a:latin typeface="Helvetica Neue LT Std 67 Medium Condensed" charset="0"/>
-              <a:ea typeface="Helvetica Neue LT Std 67 Medium Condensed" charset="0"/>
-              <a:cs typeface="Helvetica Neue LT Std 67 Medium Condensed" charset="0"/>
-            </a:endParaRPr>
-          </a:p>
-        </p:txBody>
-      </p:sp>
-      <p:sp>
-        <p:nvSpPr>
-          <p:cNvPr id="250" name="Abgerundetes Rechteck 249"/>
-          <p:cNvSpPr/>
-          <p:nvPr/>
-        </p:nvSpPr>
-        <p:spPr>
-          <a:xfrm>
-            <a:off x="7737683" y="2140413"/>
-            <a:ext cx="495160" cy="349570"/>
-          </a:xfrm>
-          <a:prstGeom prst="roundRect">
-            <a:avLst>
-              <a:gd name="adj" fmla="val 8710"/>
-            </a:avLst>
-          </a:prstGeom>
-          <a:solidFill>
-            <a:schemeClr val="bg1"/>
-          </a:solidFill>
-          <a:ln>
-            <a:solidFill>
-              <a:schemeClr val="bg1">
-                <a:lumMod val="50000"/>
-              </a:schemeClr>
-            </a:solidFill>
-          </a:ln>
-        </p:spPr>
-        <p:style>
-          <a:lnRef idx="2">
-            <a:schemeClr val="accent1">
-              <a:shade val="50000"/>
-            </a:schemeClr>
-          </a:lnRef>
-          <a:fillRef idx="1">
-            <a:schemeClr val="accent1"/>
-          </a:fillRef>
-          <a:effectRef idx="0">
-            <a:schemeClr val="accent1"/>
-          </a:effectRef>
-          <a:fontRef idx="minor">
-            <a:schemeClr val="lt1"/>
-          </a:fontRef>
-        </p:style>
-        <p:txBody>
-          <a:bodyPr rtlCol="0" anchor="b"/>
-          <a:lstStyle/>
-          <a:p>
-            <a:endParaRPr lang="de-DE" sz="1000" dirty="0">
-              <a:solidFill>
-                <a:schemeClr val="tx1"/>
-              </a:solidFill>
-              <a:latin typeface="Helvetica Neue LT Std 67 Medium Condensed" charset="0"/>
-              <a:ea typeface="Helvetica Neue LT Std 67 Medium Condensed" charset="0"/>
-              <a:cs typeface="Helvetica Neue LT Std 67 Medium Condensed" charset="0"/>
-            </a:endParaRPr>
-          </a:p>
-        </p:txBody>
-      </p:sp>
-      <p:sp>
-        <p:nvSpPr>
-          <p:cNvPr id="251" name="Textfeld 250"/>
-          <p:cNvSpPr txBox="1"/>
-          <p:nvPr/>
-        </p:nvSpPr>
-        <p:spPr>
-          <a:xfrm>
-            <a:off x="7699658" y="2322724"/>
-            <a:ext cx="332142" cy="215444"/>
-          </a:xfrm>
-          <a:prstGeom prst="rect">
-            <a:avLst/>
-          </a:prstGeom>
-          <a:noFill/>
-        </p:spPr>
-        <p:txBody>
-          <a:bodyPr wrap="none" rtlCol="0">
-            <a:spAutoFit/>
-          </a:bodyPr>
-          <a:lstStyle/>
-          <a:p>
-            <a:r>
-              <a:rPr lang="de-DE" sz="800" dirty="0" smtClean="0">
-                <a:latin typeface="Helvetica Neue LT Std 67 Medium Condensed" charset="0"/>
-                <a:ea typeface="Helvetica Neue LT Std 67 Medium Condensed" charset="0"/>
-                <a:cs typeface="Helvetica Neue LT Std 67 Medium Condensed" charset="0"/>
-              </a:rPr>
-              <a:t>F12</a:t>
-            </a:r>
-            <a:endParaRPr lang="de-DE" sz="800" dirty="0">
-              <a:latin typeface="Helvetica Neue LT Std 67 Medium Condensed" charset="0"/>
-              <a:ea typeface="Helvetica Neue LT Std 67 Medium Condensed" charset="0"/>
-              <a:cs typeface="Helvetica Neue LT Std 67 Medium Condensed" charset="0"/>
-            </a:endParaRPr>
-          </a:p>
-        </p:txBody>
-      </p:sp>
-      <p:sp>
-        <p:nvSpPr>
-          <p:cNvPr id="252" name="Abgerundetes Rechteck 251"/>
-          <p:cNvSpPr/>
-          <p:nvPr/>
-        </p:nvSpPr>
-        <p:spPr>
-          <a:xfrm>
-            <a:off x="8353581" y="2140413"/>
-            <a:ext cx="495160" cy="349570"/>
-          </a:xfrm>
-          <a:prstGeom prst="roundRect">
-            <a:avLst>
-              <a:gd name="adj" fmla="val 8710"/>
-            </a:avLst>
-          </a:prstGeom>
-          <a:solidFill>
-            <a:schemeClr val="bg1"/>
-          </a:solidFill>
-          <a:ln>
-            <a:solidFill>
-              <a:schemeClr val="bg1">
-                <a:lumMod val="50000"/>
-              </a:schemeClr>
-            </a:solidFill>
-          </a:ln>
-        </p:spPr>
-        <p:style>
-          <a:lnRef idx="2">
-            <a:schemeClr val="accent1">
-              <a:shade val="50000"/>
-            </a:schemeClr>
-          </a:lnRef>
-          <a:fillRef idx="1">
-            <a:schemeClr val="accent1"/>
-          </a:fillRef>
-          <a:effectRef idx="0">
-            <a:schemeClr val="accent1"/>
-          </a:effectRef>
-          <a:fontRef idx="minor">
-            <a:schemeClr val="lt1"/>
-          </a:fontRef>
-        </p:style>
-        <p:txBody>
-          <a:bodyPr rtlCol="0" anchor="b"/>
-          <a:lstStyle/>
-          <a:p>
-            <a:endParaRPr lang="de-DE" sz="1000" dirty="0">
-              <a:solidFill>
-                <a:schemeClr val="tx1"/>
-              </a:solidFill>
-              <a:latin typeface="Helvetica Neue LT Std 67 Medium Condensed" charset="0"/>
-              <a:ea typeface="Helvetica Neue LT Std 67 Medium Condensed" charset="0"/>
-              <a:cs typeface="Helvetica Neue LT Std 67 Medium Condensed" charset="0"/>
-            </a:endParaRPr>
-          </a:p>
-        </p:txBody>
-      </p:sp>
-      <p:sp>
-        <p:nvSpPr>
-          <p:cNvPr id="253" name="Textfeld 252"/>
-          <p:cNvSpPr txBox="1"/>
-          <p:nvPr/>
-        </p:nvSpPr>
-        <p:spPr>
-          <a:xfrm>
-            <a:off x="8295533" y="2314271"/>
-            <a:ext cx="251992" cy="215444"/>
-          </a:xfrm>
-          <a:prstGeom prst="rect">
-            <a:avLst/>
-          </a:prstGeom>
-          <a:noFill/>
-        </p:spPr>
-        <p:txBody>
-          <a:bodyPr wrap="none" rtlCol="0">
-            <a:spAutoFit/>
-          </a:bodyPr>
-          <a:lstStyle/>
-          <a:p>
-            <a:r>
-              <a:rPr lang="de-DE" sz="800" b="1" dirty="0" smtClean="0">
-                <a:latin typeface="Helvetica Neue LT Std 67 Medium Condensed" charset="0"/>
-                <a:ea typeface="Helvetica Neue LT Std 67 Medium Condensed" charset="0"/>
-                <a:cs typeface="Helvetica Neue LT Std 67 Medium Condensed" charset="0"/>
-              </a:rPr>
-              <a:t>⌽</a:t>
-            </a:r>
-            <a:endParaRPr lang="de-DE" sz="800" b="1" dirty="0">
-              <a:latin typeface="Helvetica Neue LT Std 67 Medium Condensed" charset="0"/>
-              <a:ea typeface="Helvetica Neue LT Std 67 Medium Condensed" charset="0"/>
-              <a:cs typeface="Helvetica Neue LT Std 67 Medium Condensed" charset="0"/>
-            </a:endParaRPr>
-          </a:p>
-        </p:txBody>
-      </p:sp>
-      <p:sp>
-        <p:nvSpPr>
-          <p:cNvPr id="254" name="Abgerundetes Rechteck 253"/>
-          <p:cNvSpPr/>
-          <p:nvPr/>
-        </p:nvSpPr>
-        <p:spPr>
-          <a:xfrm>
-            <a:off x="6566843" y="3174834"/>
-            <a:ext cx="495160" cy="483856"/>
-          </a:xfrm>
-          <a:prstGeom prst="roundRect">
-            <a:avLst>
-              <a:gd name="adj" fmla="val 8710"/>
-            </a:avLst>
-          </a:prstGeom>
-          <a:solidFill>
-            <a:schemeClr val="accent6">
-              <a:lumMod val="20000"/>
-              <a:lumOff val="80000"/>
-            </a:schemeClr>
-          </a:solidFill>
-          <a:ln>
-            <a:solidFill>
-              <a:schemeClr val="accent6">
-                <a:lumMod val="50000"/>
-              </a:schemeClr>
-            </a:solidFill>
-          </a:ln>
-        </p:spPr>
-        <p:style>
-          <a:lnRef idx="2">
-            <a:schemeClr val="accent1">
-              <a:shade val="50000"/>
-            </a:schemeClr>
-          </a:lnRef>
-          <a:fillRef idx="1">
-            <a:schemeClr val="accent1"/>
-          </a:fillRef>
-          <a:effectRef idx="0">
-            <a:schemeClr val="accent1"/>
-          </a:effectRef>
-          <a:fontRef idx="minor">
-            <a:schemeClr val="lt1"/>
-          </a:fontRef>
-        </p:style>
-        <p:txBody>
-          <a:bodyPr rtlCol="0" anchor="b"/>
-          <a:lstStyle/>
-          <a:p>
-            <a:endParaRPr lang="de-DE" sz="1000" dirty="0">
-              <a:solidFill>
-                <a:schemeClr val="tx1"/>
-              </a:solidFill>
-              <a:latin typeface="Helvetica Neue LT Std 67 Medium Condensed" charset="0"/>
-              <a:ea typeface="Helvetica Neue LT Std 67 Medium Condensed" charset="0"/>
-              <a:cs typeface="Helvetica Neue LT Std 67 Medium Condensed" charset="0"/>
-            </a:endParaRPr>
-          </a:p>
-        </p:txBody>
-      </p:sp>
-      <p:sp>
-        <p:nvSpPr>
           <p:cNvPr id="195" name="Textfeld 194"/>
           <p:cNvSpPr txBox="1"/>
           <p:nvPr/>
@@ -16963,7 +16690,7 @@
         </p:nvGrpSpPr>
         <p:grpSpPr>
           <a:xfrm>
-            <a:off x="6247472" y="3811171"/>
+            <a:off x="6186102" y="3829582"/>
             <a:ext cx="114057" cy="116842"/>
             <a:chOff x="5316546" y="588673"/>
             <a:chExt cx="351455" cy="360036"/>
@@ -17145,7 +16872,7 @@
         </p:nvSpPr>
         <p:spPr>
           <a:xfrm>
-            <a:off x="6369114" y="4265372"/>
+            <a:off x="6375251" y="4253098"/>
             <a:ext cx="389850" cy="338554"/>
           </a:xfrm>
           <a:prstGeom prst="rect">
@@ -17160,12 +16887,12 @@
           <a:lstStyle/>
           <a:p>
             <a:r>
-              <a:rPr lang="de-DE" sz="1600" dirty="0">
+              <a:rPr lang="de-DE" sz="1600" dirty="0" smtClean="0">
                 <a:latin typeface="ultraschall" charset="-127"/>
                 <a:ea typeface="ultraschall" charset="-127"/>
                 <a:cs typeface="ultraschall" charset="-127"/>
               </a:rPr>
-              <a:t>h</a:t>
+              <a:t>9</a:t>
             </a:r>
             <a:endParaRPr lang="de-DE" sz="1100" dirty="0">
               <a:latin typeface="ultraschall" charset="-127"/>
@@ -17183,8 +16910,8 @@
         </p:nvSpPr>
         <p:spPr>
           <a:xfrm>
-            <a:off x="2431676" y="4573440"/>
-            <a:ext cx="325730" cy="261610"/>
+            <a:off x="2437813" y="4579577"/>
+            <a:ext cx="312906" cy="246221"/>
           </a:xfrm>
           <a:prstGeom prst="rect">
             <a:avLst/>
@@ -17198,14 +16925,14 @@
           <a:lstStyle/>
           <a:p>
             <a:r>
-              <a:rPr lang="de-DE" sz="1100" smtClean="0">
+              <a:rPr lang="de-DE" sz="1000" dirty="0" smtClean="0">
                 <a:latin typeface="ultraschall" charset="-127"/>
                 <a:ea typeface="ultraschall" charset="-127"/>
                 <a:cs typeface="ultraschall" charset="-127"/>
               </a:rPr>
-              <a:t>g</a:t>
-            </a:r>
-            <a:endParaRPr lang="de-DE" sz="1100" dirty="0">
+              <a:t>8</a:t>
+            </a:r>
+            <a:endParaRPr lang="de-DE" sz="1000" dirty="0">
               <a:latin typeface="ultraschall" charset="-127"/>
               <a:ea typeface="ultraschall" charset="-127"/>
               <a:cs typeface="ultraschall" charset="-127"/>
@@ -17498,12 +17225,12 @@
           <a:lstStyle/>
           <a:p>
             <a:r>
-              <a:rPr lang="de-DE" sz="1100" dirty="0" err="1">
+              <a:rPr lang="de-DE" sz="1100" dirty="0" smtClean="0">
                 <a:latin typeface="ultraschall" charset="-127"/>
                 <a:ea typeface="ultraschall" charset="-127"/>
                 <a:cs typeface="ultraschall" charset="-127"/>
               </a:rPr>
-              <a:t>r</a:t>
+              <a:t>v</a:t>
             </a:r>
             <a:endParaRPr lang="de-DE" sz="1100" dirty="0">
               <a:latin typeface="ultraschall" charset="-127"/>
@@ -17521,8 +17248,8 @@
         </p:nvSpPr>
         <p:spPr>
           <a:xfrm>
-            <a:off x="6189111" y="4011279"/>
-            <a:ext cx="473207" cy="220573"/>
+            <a:off x="6237202" y="4011279"/>
+            <a:ext cx="425116" cy="287899"/>
           </a:xfrm>
           <a:prstGeom prst="rect">
             <a:avLst/>
@@ -17601,7 +17328,27 @@
                 <a:ea typeface="Helvetica Neue LT Std 67 Medium Condensed" charset="0"/>
                 <a:cs typeface="Helvetica Neue LT Std 67 Medium Condensed" charset="0"/>
               </a:rPr>
-              <a:t>Item Labels</a:t>
+              <a:t>Item</a:t>
+            </a:r>
+          </a:p>
+          <a:p>
+            <a:pPr algn="r">
+              <a:lnSpc>
+                <a:spcPts val="500"/>
+              </a:lnSpc>
+            </a:pPr>
+            <a:r>
+              <a:rPr lang="de-DE" sz="500" dirty="0" smtClean="0">
+                <a:solidFill>
+                  <a:schemeClr val="accent6">
+                    <a:lumMod val="75000"/>
+                  </a:schemeClr>
+                </a:solidFill>
+                <a:latin typeface="Helvetica Neue LT Std 67 Medium Condensed" charset="0"/>
+                <a:ea typeface="Helvetica Neue LT Std 67 Medium Condensed" charset="0"/>
+                <a:cs typeface="Helvetica Neue LT Std 67 Medium Condensed" charset="0"/>
+              </a:rPr>
+              <a:t>Labels</a:t>
             </a:r>
             <a:endParaRPr lang="de-DE" sz="500" dirty="0">
               <a:solidFill>
@@ -17832,7 +17579,7 @@
           <a:lstStyle/>
           <a:p>
             <a:r>
-              <a:rPr lang="de-DE" sz="8800">
+              <a:rPr lang="de-DE" sz="8800" dirty="0" err="1" smtClean="0">
                 <a:solidFill>
                   <a:schemeClr val="bg2">
                     <a:lumMod val="50000"/>
@@ -17842,7 +17589,7 @@
                 <a:ea typeface="ultraschall" charset="-127"/>
                 <a:cs typeface="ultraschall" charset="-127"/>
               </a:rPr>
-              <a:t>1</a:t>
+              <a:t>ß</a:t>
             </a:r>
             <a:endParaRPr lang="de-DE" sz="8800" dirty="0">
               <a:solidFill>
@@ -17866,7 +17613,7 @@
         <p:spPr>
           <a:xfrm>
             <a:off x="178718" y="6303821"/>
-            <a:ext cx="1181093" cy="307777"/>
+            <a:ext cx="1044838" cy="307777"/>
           </a:xfrm>
           <a:prstGeom prst="rect">
             <a:avLst/>
@@ -17887,27 +17634,17 @@
                   </a:schemeClr>
                 </a:solidFill>
               </a:rPr>
-              <a:t>Version</a:t>
-            </a:r>
-            <a:r>
-              <a:rPr lang="de-DE" sz="1400" smtClean="0">
+              <a:t>Version: </a:t>
+            </a:r>
+            <a:r>
+              <a:rPr lang="de-DE" sz="1400" dirty="0" smtClean="0">
                 <a:solidFill>
                   <a:schemeClr val="bg2">
                     <a:lumMod val="50000"/>
                   </a:schemeClr>
                 </a:solidFill>
               </a:rPr>
-              <a:t>: </a:t>
-            </a:r>
-            <a:r>
-              <a:rPr lang="de-DE" sz="1400" smtClean="0">
-                <a:solidFill>
-                  <a:schemeClr val="bg2">
-                    <a:lumMod val="50000"/>
-                  </a:schemeClr>
-                </a:solidFill>
-              </a:rPr>
-              <a:t>3.0.3</a:t>
+              <a:t>3.1</a:t>
             </a:r>
             <a:endParaRPr lang="de-DE" sz="1400" dirty="0">
               <a:solidFill>
@@ -19503,7 +19240,7 @@
         </p:nvSpPr>
         <p:spPr>
           <a:xfrm>
-            <a:off x="4655383" y="4304804"/>
+            <a:off x="4747438" y="4292530"/>
             <a:ext cx="248786" cy="246221"/>
           </a:xfrm>
           <a:prstGeom prst="rect">
@@ -20179,7 +19916,7 @@
         </p:nvSpPr>
         <p:spPr>
           <a:xfrm>
-            <a:off x="839823" y="2090783"/>
+            <a:off x="839823" y="2103057"/>
             <a:ext cx="319318" cy="253916"/>
           </a:xfrm>
           <a:prstGeom prst="rect">
@@ -20194,13 +19931,18 @@
           <a:lstStyle/>
           <a:p>
             <a:r>
-              <a:rPr lang="de-DE" sz="1050" dirty="0">
+              <a:rPr lang="de-DE" sz="1000" dirty="0" err="1" smtClean="0">
                 <a:latin typeface="ultraschall" charset="-127"/>
                 <a:ea typeface="ultraschall" charset="-127"/>
                 <a:cs typeface="ultraschall" charset="-127"/>
               </a:rPr>
-              <a:t>m</a:t>
-            </a:r>
+              <a:t>q</a:t>
+            </a:r>
+            <a:endParaRPr lang="de-DE" sz="1000" dirty="0">
+              <a:latin typeface="ultraschall" charset="-127"/>
+              <a:ea typeface="ultraschall" charset="-127"/>
+              <a:cs typeface="ultraschall" charset="-127"/>
+            </a:endParaRPr>
           </a:p>
         </p:txBody>
       </p:sp>
@@ -20379,7 +20121,7 @@
         </p:nvSpPr>
         <p:spPr>
           <a:xfrm>
-            <a:off x="1463525" y="2098307"/>
+            <a:off x="1463525" y="2110581"/>
             <a:ext cx="319318" cy="253916"/>
           </a:xfrm>
           <a:prstGeom prst="rect">
@@ -20394,14 +20136,14 @@
           <a:lstStyle/>
           <a:p>
             <a:r>
-              <a:rPr lang="de-DE" sz="1050" dirty="0" err="1">
+              <a:rPr lang="de-DE" sz="1000" dirty="0" smtClean="0">
                 <a:latin typeface="ultraschall" charset="-127"/>
                 <a:ea typeface="ultraschall" charset="-127"/>
                 <a:cs typeface="ultraschall" charset="-127"/>
               </a:rPr>
-              <a:t>n</a:t>
-            </a:r>
-            <a:endParaRPr lang="de-DE" sz="1050" dirty="0">
+              <a:t>a</a:t>
+            </a:r>
+            <a:endParaRPr lang="de-DE" sz="1000" dirty="0">
               <a:latin typeface="ultraschall" charset="-127"/>
               <a:ea typeface="ultraschall" charset="-127"/>
               <a:cs typeface="ultraschall" charset="-127"/>
@@ -20751,7 +20493,7 @@
         </p:nvSpPr>
         <p:spPr>
           <a:xfrm>
-            <a:off x="2705518" y="2107944"/>
+            <a:off x="2705518" y="2114081"/>
             <a:ext cx="319318" cy="253916"/>
           </a:xfrm>
           <a:prstGeom prst="rect">
@@ -20766,14 +20508,14 @@
           <a:lstStyle/>
           <a:p>
             <a:r>
-              <a:rPr lang="de-DE" sz="1050" dirty="0" smtClean="0">
+              <a:rPr lang="de-DE" sz="1000" dirty="0" smtClean="0">
                 <a:latin typeface="ultraschall" charset="-127"/>
                 <a:ea typeface="ultraschall" charset="-127"/>
                 <a:cs typeface="ultraschall" charset="-127"/>
               </a:rPr>
-              <a:t>k</a:t>
-            </a:r>
-            <a:endParaRPr lang="de-DE" sz="1050" dirty="0">
+              <a:t>d</a:t>
+            </a:r>
+            <a:endParaRPr lang="de-DE" sz="1000" dirty="0">
               <a:latin typeface="ultraschall" charset="-127"/>
               <a:ea typeface="ultraschall" charset="-127"/>
               <a:cs typeface="ultraschall" charset="-127"/>
@@ -20908,7 +20650,7 @@
         </p:nvSpPr>
         <p:spPr>
           <a:xfrm>
-            <a:off x="2091654" y="2097596"/>
+            <a:off x="2085517" y="2103733"/>
             <a:ext cx="319318" cy="253916"/>
           </a:xfrm>
           <a:prstGeom prst="rect">
@@ -20923,14 +20665,14 @@
           <a:lstStyle/>
           <a:p>
             <a:r>
-              <a:rPr lang="de-DE" sz="1050" smtClean="0">
+              <a:rPr lang="de-DE" sz="1000" dirty="0" smtClean="0">
                 <a:latin typeface="ultraschall" charset="-127"/>
                 <a:ea typeface="ultraschall" charset="-127"/>
                 <a:cs typeface="ultraschall" charset="-127"/>
               </a:rPr>
-              <a:t>o</a:t>
-            </a:r>
-            <a:endParaRPr lang="de-DE" sz="1050" dirty="0">
+              <a:t>s</a:t>
+            </a:r>
+            <a:endParaRPr lang="de-DE" sz="1000" dirty="0">
               <a:latin typeface="ultraschall" charset="-127"/>
               <a:ea typeface="ultraschall" charset="-127"/>
               <a:cs typeface="ultraschall" charset="-127"/>
@@ -21047,6 +20789,299 @@
               </a:rPr>
               <a:t>Manager</a:t>
             </a:r>
+          </a:p>
+        </p:txBody>
+      </p:sp>
+      <p:sp>
+        <p:nvSpPr>
+          <p:cNvPr id="334" name="Textfeld 333"/>
+          <p:cNvSpPr txBox="1"/>
+          <p:nvPr/>
+        </p:nvSpPr>
+        <p:spPr>
+          <a:xfrm>
+            <a:off x="3686768" y="3725876"/>
+            <a:ext cx="325730" cy="261610"/>
+          </a:xfrm>
+          <a:prstGeom prst="rect">
+            <a:avLst/>
+          </a:prstGeom>
+          <a:noFill/>
+        </p:spPr>
+        <p:txBody>
+          <a:bodyPr wrap="none" rtlCol="0">
+            <a:spAutoFit/>
+          </a:bodyPr>
+          <a:lstStyle/>
+          <a:p>
+            <a:r>
+              <a:rPr lang="de-DE" sz="1100" dirty="0" smtClean="0">
+                <a:latin typeface="ultraschall" charset="-127"/>
+                <a:ea typeface="ultraschall" charset="-127"/>
+                <a:cs typeface="ultraschall" charset="-127"/>
+              </a:rPr>
+              <a:t>t</a:t>
+            </a:r>
+            <a:endParaRPr lang="de-DE" sz="1100" dirty="0">
+              <a:latin typeface="ultraschall" charset="-127"/>
+              <a:ea typeface="ultraschall" charset="-127"/>
+              <a:cs typeface="ultraschall" charset="-127"/>
+            </a:endParaRPr>
+          </a:p>
+        </p:txBody>
+      </p:sp>
+      <p:sp>
+        <p:nvSpPr>
+          <p:cNvPr id="345" name="Textfeld 344"/>
+          <p:cNvSpPr txBox="1"/>
+          <p:nvPr/>
+        </p:nvSpPr>
+        <p:spPr>
+          <a:xfrm>
+            <a:off x="4734196" y="3141476"/>
+            <a:ext cx="325730" cy="261610"/>
+          </a:xfrm>
+          <a:prstGeom prst="rect">
+            <a:avLst/>
+          </a:prstGeom>
+          <a:noFill/>
+        </p:spPr>
+        <p:txBody>
+          <a:bodyPr wrap="none" rtlCol="0">
+            <a:spAutoFit/>
+          </a:bodyPr>
+          <a:lstStyle/>
+          <a:p>
+            <a:r>
+              <a:rPr lang="de-DE" sz="1100" dirty="0" err="1" smtClean="0">
+                <a:latin typeface="ultraschall" charset="-127"/>
+                <a:ea typeface="ultraschall" charset="-127"/>
+                <a:cs typeface="ultraschall" charset="-127"/>
+              </a:rPr>
+              <a:t>z</a:t>
+            </a:r>
+            <a:endParaRPr lang="de-DE" sz="1100" dirty="0">
+              <a:latin typeface="ultraschall" charset="-127"/>
+              <a:ea typeface="ultraschall" charset="-127"/>
+              <a:cs typeface="ultraschall" charset="-127"/>
+            </a:endParaRPr>
+          </a:p>
+        </p:txBody>
+      </p:sp>
+      <p:sp>
+        <p:nvSpPr>
+          <p:cNvPr id="346" name="Textfeld 345"/>
+          <p:cNvSpPr txBox="1"/>
+          <p:nvPr/>
+        </p:nvSpPr>
+        <p:spPr>
+          <a:xfrm>
+            <a:off x="7877099" y="3736980"/>
+            <a:ext cx="338554" cy="276999"/>
+          </a:xfrm>
+          <a:prstGeom prst="rect">
+            <a:avLst/>
+          </a:prstGeom>
+          <a:noFill/>
+        </p:spPr>
+        <p:txBody>
+          <a:bodyPr wrap="none" rtlCol="0">
+            <a:spAutoFit/>
+          </a:bodyPr>
+          <a:lstStyle/>
+          <a:p>
+            <a:r>
+              <a:rPr lang="de-DE" sz="1200" dirty="0" smtClean="0">
+                <a:latin typeface="ultraschall" charset="-127"/>
+                <a:ea typeface="ultraschall" charset="-127"/>
+                <a:cs typeface="ultraschall" charset="-127"/>
+              </a:rPr>
+              <a:t>7</a:t>
+            </a:r>
+            <a:endParaRPr lang="de-DE" sz="1100" dirty="0">
+              <a:latin typeface="ultraschall" charset="-127"/>
+              <a:ea typeface="ultraschall" charset="-127"/>
+              <a:cs typeface="ultraschall" charset="-127"/>
+            </a:endParaRPr>
+          </a:p>
+        </p:txBody>
+      </p:sp>
+      <p:sp>
+        <p:nvSpPr>
+          <p:cNvPr id="347" name="Textfeld 346"/>
+          <p:cNvSpPr txBox="1"/>
+          <p:nvPr/>
+        </p:nvSpPr>
+        <p:spPr>
+          <a:xfrm>
+            <a:off x="6195371" y="4062318"/>
+            <a:ext cx="287258" cy="215444"/>
+          </a:xfrm>
+          <a:prstGeom prst="rect">
+            <a:avLst/>
+          </a:prstGeom>
+          <a:noFill/>
+        </p:spPr>
+        <p:txBody>
+          <a:bodyPr wrap="none" rtlCol="0">
+            <a:spAutoFit/>
+          </a:bodyPr>
+          <a:lstStyle/>
+          <a:p>
+            <a:r>
+              <a:rPr lang="de-DE" sz="800" smtClean="0">
+                <a:latin typeface="ultraschall" charset="-127"/>
+                <a:ea typeface="ultraschall" charset="-127"/>
+                <a:cs typeface="ultraschall" charset="-127"/>
+              </a:rPr>
+              <a:t>u</a:t>
+            </a:r>
+            <a:endParaRPr lang="de-DE" sz="500" dirty="0">
+              <a:latin typeface="ultraschall" charset="-127"/>
+              <a:ea typeface="ultraschall" charset="-127"/>
+              <a:cs typeface="ultraschall" charset="-127"/>
+            </a:endParaRPr>
+          </a:p>
+        </p:txBody>
+      </p:sp>
+      <p:sp>
+        <p:nvSpPr>
+          <p:cNvPr id="348" name="Textfeld 347"/>
+          <p:cNvSpPr txBox="1"/>
+          <p:nvPr/>
+        </p:nvSpPr>
+        <p:spPr>
+          <a:xfrm>
+            <a:off x="1261559" y="3744830"/>
+            <a:ext cx="287258" cy="215444"/>
+          </a:xfrm>
+          <a:prstGeom prst="rect">
+            <a:avLst/>
+          </a:prstGeom>
+          <a:noFill/>
+        </p:spPr>
+        <p:txBody>
+          <a:bodyPr wrap="none" rtlCol="0">
+            <a:spAutoFit/>
+          </a:bodyPr>
+          <a:lstStyle/>
+          <a:p>
+            <a:r>
+              <a:rPr lang="de-DE" sz="800" smtClean="0">
+                <a:latin typeface="ultraschall" charset="-127"/>
+                <a:ea typeface="ultraschall" charset="-127"/>
+                <a:cs typeface="ultraschall" charset="-127"/>
+              </a:rPr>
+              <a:t>3</a:t>
+            </a:r>
+            <a:endParaRPr lang="de-DE" sz="800" dirty="0">
+              <a:latin typeface="ultraschall" charset="-127"/>
+              <a:ea typeface="ultraschall" charset="-127"/>
+              <a:cs typeface="ultraschall" charset="-127"/>
+            </a:endParaRPr>
+          </a:p>
+        </p:txBody>
+      </p:sp>
+      <p:sp>
+        <p:nvSpPr>
+          <p:cNvPr id="349" name="Rechteck 348"/>
+          <p:cNvSpPr/>
+          <p:nvPr/>
+        </p:nvSpPr>
+        <p:spPr>
+          <a:xfrm>
+            <a:off x="4404237" y="4035578"/>
+            <a:ext cx="463588" cy="220573"/>
+          </a:xfrm>
+          <a:prstGeom prst="rect">
+            <a:avLst/>
+          </a:prstGeom>
+        </p:spPr>
+        <p:txBody>
+          <a:bodyPr wrap="none">
+            <a:spAutoFit/>
+          </a:bodyPr>
+          <a:lstStyle/>
+          <a:p>
+            <a:pPr algn="r">
+              <a:lnSpc>
+                <a:spcPts val="500"/>
+              </a:lnSpc>
+            </a:pPr>
+            <a:r>
+              <a:rPr lang="de-DE" sz="500" dirty="0">
+                <a:solidFill>
+                  <a:schemeClr val="accent6">
+                    <a:lumMod val="75000"/>
+                  </a:schemeClr>
+                </a:solidFill>
+                <a:latin typeface="Helvetica Neue LT Std 67 Medium Condensed" charset="0"/>
+                <a:ea typeface="Helvetica Neue LT Std 67 Medium Condensed" charset="0"/>
+                <a:cs typeface="Helvetica Neue LT Std 67 Medium Condensed" charset="0"/>
+              </a:rPr>
+              <a:t>⌥ </a:t>
+            </a:r>
+            <a:r>
+              <a:rPr lang="de-DE" sz="500" dirty="0" err="1" smtClean="0">
+                <a:solidFill>
+                  <a:schemeClr val="accent6">
+                    <a:lumMod val="75000"/>
+                  </a:schemeClr>
+                </a:solidFill>
+                <a:latin typeface="Helvetica Neue LT Std 67 Medium Condensed" charset="0"/>
+                <a:ea typeface="Helvetica Neue LT Std 67 Medium Condensed" charset="0"/>
+                <a:cs typeface="Helvetica Neue LT Std 67 Medium Condensed" charset="0"/>
+              </a:rPr>
+              <a:t>Toggle</a:t>
+            </a:r>
+            <a:r>
+              <a:rPr lang="de-DE" sz="500" dirty="0">
+                <a:solidFill>
+                  <a:schemeClr val="accent6">
+                    <a:lumMod val="75000"/>
+                  </a:schemeClr>
+                </a:solidFill>
+                <a:latin typeface="Helvetica Neue LT Std 67 Medium Condensed" charset="0"/>
+                <a:ea typeface="Helvetica Neue LT Std 67 Medium Condensed" charset="0"/>
+                <a:cs typeface="Helvetica Neue LT Std 67 Medium Condensed" charset="0"/>
+              </a:rPr>
+              <a:t/>
+            </a:r>
+            <a:br>
+              <a:rPr lang="de-DE" sz="500" dirty="0">
+                <a:solidFill>
+                  <a:schemeClr val="accent6">
+                    <a:lumMod val="75000"/>
+                  </a:schemeClr>
+                </a:solidFill>
+                <a:latin typeface="Helvetica Neue LT Std 67 Medium Condensed" charset="0"/>
+                <a:ea typeface="Helvetica Neue LT Std 67 Medium Condensed" charset="0"/>
+                <a:cs typeface="Helvetica Neue LT Std 67 Medium Condensed" charset="0"/>
+              </a:rPr>
+            </a:br>
+            <a:r>
+              <a:rPr lang="de-DE" sz="500" dirty="0" smtClean="0">
+                <a:solidFill>
+                  <a:schemeClr val="accent6">
+                    <a:lumMod val="75000"/>
+                  </a:schemeClr>
+                </a:solidFill>
+                <a:latin typeface="Helvetica Neue LT Std 67 Medium Condensed" charset="0"/>
+                <a:ea typeface="Helvetica Neue LT Std 67 Medium Condensed" charset="0"/>
+                <a:cs typeface="Helvetica Neue LT Std 67 Medium Condensed" charset="0"/>
+              </a:rPr>
+              <a:t>Peak Zoom</a:t>
+            </a:r>
+            <a:endParaRPr lang="de-DE" sz="500" dirty="0">
+              <a:solidFill>
+                <a:schemeClr val="accent6">
+                  <a:lumMod val="75000"/>
+                </a:schemeClr>
+              </a:solidFill>
+              <a:latin typeface="Helvetica Neue LT Std 67 Medium Condensed" charset="0"/>
+              <a:ea typeface="Helvetica Neue LT Std 67 Medium Condensed" charset="0"/>
+              <a:cs typeface="Helvetica Neue LT Std 67 Medium Condensed" charset="0"/>
+            </a:endParaRPr>
           </a:p>
         </p:txBody>
       </p:sp>

--- a/Documentation/Keymap.pptx
+++ b/Documentation/Keymap.pptx
@@ -197,7 +197,7 @@
           <a:p>
             <a:fld id="{D04F8CED-0623-C742-B972-F53D35E16E19}" type="datetimeFigureOut">
               <a:rPr lang="de-DE" smtClean="0"/>
-              <a:t>06.10.17</a:t>
+              <a:t>09.11.17</a:t>
             </a:fld>
             <a:endParaRPr lang="de-DE"/>
           </a:p>
@@ -680,7 +680,7 @@
           <a:p>
             <a:fld id="{A97692CC-6688-1145-811E-FE1ABB97A7A4}" type="datetimeFigureOut">
               <a:rPr lang="de-DE" smtClean="0"/>
-              <a:t>06.10.17</a:t>
+              <a:t>09.11.17</a:t>
             </a:fld>
             <a:endParaRPr lang="de-DE"/>
           </a:p>
@@ -845,7 +845,7 @@
           <a:p>
             <a:fld id="{A97692CC-6688-1145-811E-FE1ABB97A7A4}" type="datetimeFigureOut">
               <a:rPr lang="de-DE" smtClean="0"/>
-              <a:t>06.10.17</a:t>
+              <a:t>09.11.17</a:t>
             </a:fld>
             <a:endParaRPr lang="de-DE"/>
           </a:p>
@@ -1020,7 +1020,7 @@
           <a:p>
             <a:fld id="{A97692CC-6688-1145-811E-FE1ABB97A7A4}" type="datetimeFigureOut">
               <a:rPr lang="de-DE" smtClean="0"/>
-              <a:t>06.10.17</a:t>
+              <a:t>09.11.17</a:t>
             </a:fld>
             <a:endParaRPr lang="de-DE"/>
           </a:p>
@@ -1185,7 +1185,7 @@
           <a:p>
             <a:fld id="{A97692CC-6688-1145-811E-FE1ABB97A7A4}" type="datetimeFigureOut">
               <a:rPr lang="de-DE" smtClean="0"/>
-              <a:t>06.10.17</a:t>
+              <a:t>09.11.17</a:t>
             </a:fld>
             <a:endParaRPr lang="de-DE"/>
           </a:p>
@@ -1424,7 +1424,7 @@
           <a:p>
             <a:fld id="{A97692CC-6688-1145-811E-FE1ABB97A7A4}" type="datetimeFigureOut">
               <a:rPr lang="de-DE" smtClean="0"/>
-              <a:t>06.10.17</a:t>
+              <a:t>09.11.17</a:t>
             </a:fld>
             <a:endParaRPr lang="de-DE"/>
           </a:p>
@@ -1651,7 +1651,7 @@
           <a:p>
             <a:fld id="{A97692CC-6688-1145-811E-FE1ABB97A7A4}" type="datetimeFigureOut">
               <a:rPr lang="de-DE" smtClean="0"/>
-              <a:t>06.10.17</a:t>
+              <a:t>09.11.17</a:t>
             </a:fld>
             <a:endParaRPr lang="de-DE"/>
           </a:p>
@@ -2013,7 +2013,7 @@
           <a:p>
             <a:fld id="{A97692CC-6688-1145-811E-FE1ABB97A7A4}" type="datetimeFigureOut">
               <a:rPr lang="de-DE" smtClean="0"/>
-              <a:t>06.10.17</a:t>
+              <a:t>09.11.17</a:t>
             </a:fld>
             <a:endParaRPr lang="de-DE"/>
           </a:p>
@@ -2126,7 +2126,7 @@
           <a:p>
             <a:fld id="{A97692CC-6688-1145-811E-FE1ABB97A7A4}" type="datetimeFigureOut">
               <a:rPr lang="de-DE" smtClean="0"/>
-              <a:t>06.10.17</a:t>
+              <a:t>09.11.17</a:t>
             </a:fld>
             <a:endParaRPr lang="de-DE"/>
           </a:p>
@@ -2216,7 +2216,7 @@
           <a:p>
             <a:fld id="{A97692CC-6688-1145-811E-FE1ABB97A7A4}" type="datetimeFigureOut">
               <a:rPr lang="de-DE" smtClean="0"/>
-              <a:t>06.10.17</a:t>
+              <a:t>09.11.17</a:t>
             </a:fld>
             <a:endParaRPr lang="de-DE"/>
           </a:p>
@@ -2488,7 +2488,7 @@
           <a:p>
             <a:fld id="{A97692CC-6688-1145-811E-FE1ABB97A7A4}" type="datetimeFigureOut">
               <a:rPr lang="de-DE" smtClean="0"/>
-              <a:t>06.10.17</a:t>
+              <a:t>09.11.17</a:t>
             </a:fld>
             <a:endParaRPr lang="de-DE"/>
           </a:p>
@@ -2740,7 +2740,7 @@
           <a:p>
             <a:fld id="{A97692CC-6688-1145-811E-FE1ABB97A7A4}" type="datetimeFigureOut">
               <a:rPr lang="de-DE" smtClean="0"/>
-              <a:t>06.10.17</a:t>
+              <a:t>09.11.17</a:t>
             </a:fld>
             <a:endParaRPr lang="de-DE"/>
           </a:p>
@@ -2948,7 +2948,7 @@
           <a:p>
             <a:fld id="{A97692CC-6688-1145-811E-FE1ABB97A7A4}" type="datetimeFigureOut">
               <a:rPr lang="de-DE" smtClean="0"/>
-              <a:t>06.10.17</a:t>
+              <a:t>09.11.17</a:t>
             </a:fld>
             <a:endParaRPr lang="de-DE"/>
           </a:p>
@@ -12775,7 +12775,7 @@
         </p:nvSpPr>
         <p:spPr>
           <a:xfrm>
-            <a:off x="4364804" y="3193057"/>
+            <a:off x="4403714" y="3344806"/>
             <a:ext cx="398899" cy="169277"/>
           </a:xfrm>
           <a:prstGeom prst="rect">
@@ -12790,7 +12790,7 @@
           <a:lstStyle/>
           <a:p>
             <a:r>
-              <a:rPr lang="de-DE" sz="500" smtClean="0">
+              <a:rPr lang="de-DE" sz="500" dirty="0" err="1" smtClean="0">
                 <a:solidFill>
                   <a:srgbClr val="7030A0"/>
                 </a:solidFill>
@@ -12819,7 +12819,7 @@
         </p:nvSpPr>
         <p:spPr>
           <a:xfrm>
-            <a:off x="4244774" y="3177107"/>
+            <a:off x="4283684" y="3328856"/>
             <a:ext cx="261610" cy="184666"/>
           </a:xfrm>
           <a:prstGeom prst="rect">
@@ -17634,17 +17634,7 @@
                   </a:schemeClr>
                 </a:solidFill>
               </a:rPr>
-              <a:t>Version: </a:t>
-            </a:r>
-            <a:r>
-              <a:rPr lang="de-DE" sz="1400" dirty="0" smtClean="0">
-                <a:solidFill>
-                  <a:schemeClr val="bg2">
-                    <a:lumMod val="50000"/>
-                  </a:schemeClr>
-                </a:solidFill>
-              </a:rPr>
-              <a:t>3.1</a:t>
+              <a:t>Version: 3.1</a:t>
             </a:r>
             <a:endParaRPr lang="de-DE" sz="1400" dirty="0">
               <a:solidFill>
@@ -21075,6 +21065,70 @@
             <a:endParaRPr lang="de-DE" sz="500" dirty="0">
               <a:solidFill>
                 <a:schemeClr val="accent6">
+                  <a:lumMod val="75000"/>
+                </a:schemeClr>
+              </a:solidFill>
+              <a:latin typeface="Helvetica Neue LT Std 67 Medium Condensed" charset="0"/>
+              <a:ea typeface="Helvetica Neue LT Std 67 Medium Condensed" charset="0"/>
+              <a:cs typeface="Helvetica Neue LT Std 67 Medium Condensed" charset="0"/>
+            </a:endParaRPr>
+          </a:p>
+        </p:txBody>
+      </p:sp>
+      <p:sp>
+        <p:nvSpPr>
+          <p:cNvPr id="350" name="Textfeld 349"/>
+          <p:cNvSpPr txBox="1"/>
+          <p:nvPr/>
+        </p:nvSpPr>
+        <p:spPr>
+          <a:xfrm>
+            <a:off x="4210169" y="3173182"/>
+            <a:ext cx="500728" cy="246221"/>
+          </a:xfrm>
+          <a:prstGeom prst="rect">
+            <a:avLst/>
+          </a:prstGeom>
+          <a:noFill/>
+        </p:spPr>
+        <p:txBody>
+          <a:bodyPr wrap="square" rtlCol="0" anchor="t">
+            <a:spAutoFit/>
+          </a:bodyPr>
+          <a:lstStyle/>
+          <a:p>
+            <a:pPr algn="r">
+              <a:lnSpc>
+                <a:spcPts val="600"/>
+              </a:lnSpc>
+            </a:pPr>
+            <a:r>
+              <a:rPr lang="de-DE" sz="500" dirty="0" err="1" smtClean="0">
+                <a:latin typeface="Helvetica Neue LT Std 67 Medium Condensed" charset="0"/>
+                <a:ea typeface="Helvetica Neue LT Std 67 Medium Condensed" charset="0"/>
+                <a:cs typeface="Helvetica Neue LT Std 67 Medium Condensed" charset="0"/>
+              </a:rPr>
+              <a:t>Toggle</a:t>
+            </a:r>
+            <a:r>
+              <a:rPr lang="de-DE" sz="500" dirty="0">
+                <a:latin typeface="Helvetica Neue LT Std 67 Medium Condensed" charset="0"/>
+                <a:ea typeface="Helvetica Neue LT Std 67 Medium Condensed" charset="0"/>
+                <a:cs typeface="Helvetica Neue LT Std 67 Medium Condensed" charset="0"/>
+              </a:rPr>
+              <a:t> </a:t>
+            </a:r>
+            <a:r>
+              <a:rPr lang="de-DE" sz="500" dirty="0" smtClean="0">
+                <a:latin typeface="Helvetica Neue LT Std 67 Medium Condensed" charset="0"/>
+                <a:ea typeface="Helvetica Neue LT Std 67 Medium Condensed" charset="0"/>
+                <a:cs typeface="Helvetica Neue LT Std 67 Medium Condensed" charset="0"/>
+              </a:rPr>
+              <a:t>Zoom</a:t>
+            </a:r>
+            <a:endParaRPr lang="de-DE" sz="500" dirty="0" smtClean="0">
+              <a:solidFill>
+                <a:schemeClr val="accent2">
                   <a:lumMod val="75000"/>
                 </a:schemeClr>
               </a:solidFill>

--- a/Documentation/Keymap.pptx
+++ b/Documentation/Keymap.pptx
@@ -197,7 +197,7 @@
           <a:p>
             <a:fld id="{D04F8CED-0623-C742-B972-F53D35E16E19}" type="datetimeFigureOut">
               <a:rPr lang="de-DE" smtClean="0"/>
-              <a:t>09.11.17</a:t>
+              <a:t>12.11.17</a:t>
             </a:fld>
             <a:endParaRPr lang="de-DE"/>
           </a:p>
@@ -680,7 +680,7 @@
           <a:p>
             <a:fld id="{A97692CC-6688-1145-811E-FE1ABB97A7A4}" type="datetimeFigureOut">
               <a:rPr lang="de-DE" smtClean="0"/>
-              <a:t>09.11.17</a:t>
+              <a:t>12.11.17</a:t>
             </a:fld>
             <a:endParaRPr lang="de-DE"/>
           </a:p>
@@ -845,7 +845,7 @@
           <a:p>
             <a:fld id="{A97692CC-6688-1145-811E-FE1ABB97A7A4}" type="datetimeFigureOut">
               <a:rPr lang="de-DE" smtClean="0"/>
-              <a:t>09.11.17</a:t>
+              <a:t>12.11.17</a:t>
             </a:fld>
             <a:endParaRPr lang="de-DE"/>
           </a:p>
@@ -1020,7 +1020,7 @@
           <a:p>
             <a:fld id="{A97692CC-6688-1145-811E-FE1ABB97A7A4}" type="datetimeFigureOut">
               <a:rPr lang="de-DE" smtClean="0"/>
-              <a:t>09.11.17</a:t>
+              <a:t>12.11.17</a:t>
             </a:fld>
             <a:endParaRPr lang="de-DE"/>
           </a:p>
@@ -1185,7 +1185,7 @@
           <a:p>
             <a:fld id="{A97692CC-6688-1145-811E-FE1ABB97A7A4}" type="datetimeFigureOut">
               <a:rPr lang="de-DE" smtClean="0"/>
-              <a:t>09.11.17</a:t>
+              <a:t>12.11.17</a:t>
             </a:fld>
             <a:endParaRPr lang="de-DE"/>
           </a:p>
@@ -1424,7 +1424,7 @@
           <a:p>
             <a:fld id="{A97692CC-6688-1145-811E-FE1ABB97A7A4}" type="datetimeFigureOut">
               <a:rPr lang="de-DE" smtClean="0"/>
-              <a:t>09.11.17</a:t>
+              <a:t>12.11.17</a:t>
             </a:fld>
             <a:endParaRPr lang="de-DE"/>
           </a:p>
@@ -1651,7 +1651,7 @@
           <a:p>
             <a:fld id="{A97692CC-6688-1145-811E-FE1ABB97A7A4}" type="datetimeFigureOut">
               <a:rPr lang="de-DE" smtClean="0"/>
-              <a:t>09.11.17</a:t>
+              <a:t>12.11.17</a:t>
             </a:fld>
             <a:endParaRPr lang="de-DE"/>
           </a:p>
@@ -2013,7 +2013,7 @@
           <a:p>
             <a:fld id="{A97692CC-6688-1145-811E-FE1ABB97A7A4}" type="datetimeFigureOut">
               <a:rPr lang="de-DE" smtClean="0"/>
-              <a:t>09.11.17</a:t>
+              <a:t>12.11.17</a:t>
             </a:fld>
             <a:endParaRPr lang="de-DE"/>
           </a:p>
@@ -2126,7 +2126,7 @@
           <a:p>
             <a:fld id="{A97692CC-6688-1145-811E-FE1ABB97A7A4}" type="datetimeFigureOut">
               <a:rPr lang="de-DE" smtClean="0"/>
-              <a:t>09.11.17</a:t>
+              <a:t>12.11.17</a:t>
             </a:fld>
             <a:endParaRPr lang="de-DE"/>
           </a:p>
@@ -2216,7 +2216,7 @@
           <a:p>
             <a:fld id="{A97692CC-6688-1145-811E-FE1ABB97A7A4}" type="datetimeFigureOut">
               <a:rPr lang="de-DE" smtClean="0"/>
-              <a:t>09.11.17</a:t>
+              <a:t>12.11.17</a:t>
             </a:fld>
             <a:endParaRPr lang="de-DE"/>
           </a:p>
@@ -2488,7 +2488,7 @@
           <a:p>
             <a:fld id="{A97692CC-6688-1145-811E-FE1ABB97A7A4}" type="datetimeFigureOut">
               <a:rPr lang="de-DE" smtClean="0"/>
-              <a:t>09.11.17</a:t>
+              <a:t>12.11.17</a:t>
             </a:fld>
             <a:endParaRPr lang="de-DE"/>
           </a:p>
@@ -2740,7 +2740,7 @@
           <a:p>
             <a:fld id="{A97692CC-6688-1145-811E-FE1ABB97A7A4}" type="datetimeFigureOut">
               <a:rPr lang="de-DE" smtClean="0"/>
-              <a:t>09.11.17</a:t>
+              <a:t>12.11.17</a:t>
             </a:fld>
             <a:endParaRPr lang="de-DE"/>
           </a:p>
@@ -2948,7 +2948,7 @@
           <a:p>
             <a:fld id="{A97692CC-6688-1145-811E-FE1ABB97A7A4}" type="datetimeFigureOut">
               <a:rPr lang="de-DE" smtClean="0"/>
-              <a:t>09.11.17</a:t>
+              <a:t>12.11.17</a:t>
             </a:fld>
             <a:endParaRPr lang="de-DE"/>
           </a:p>
@@ -3355,14 +3355,14 @@
       </p:grpSpPr>
       <p:sp>
         <p:nvSpPr>
-          <p:cNvPr id="343" name="Abgerundetes Rechteck 342"/>
+          <p:cNvPr id="358" name="Abgerundetes Rechteck 357"/>
           <p:cNvSpPr/>
           <p:nvPr/>
         </p:nvSpPr>
         <p:spPr>
           <a:xfrm>
-            <a:off x="3999983" y="2137289"/>
-            <a:ext cx="495160" cy="349570"/>
+            <a:off x="271233" y="2571289"/>
+            <a:ext cx="495160" cy="483856"/>
           </a:xfrm>
           <a:prstGeom prst="roundRect">
             <a:avLst>
@@ -3370,14 +3370,11 @@
             </a:avLst>
           </a:prstGeom>
           <a:solidFill>
-            <a:schemeClr val="accent6">
-              <a:lumMod val="20000"/>
-              <a:lumOff val="80000"/>
-            </a:schemeClr>
+            <a:schemeClr val="bg1"/>
           </a:solidFill>
           <a:ln>
             <a:solidFill>
-              <a:schemeClr val="accent6">
+              <a:schemeClr val="bg1">
                 <a:lumMod val="50000"/>
               </a:schemeClr>
             </a:solidFill>
@@ -3416,14 +3413,14 @@
       </p:sp>
       <p:sp>
         <p:nvSpPr>
-          <p:cNvPr id="319" name="Abgerundetes Rechteck 318"/>
+          <p:cNvPr id="355" name="Abgerundetes Rechteck 354"/>
           <p:cNvSpPr/>
           <p:nvPr/>
         </p:nvSpPr>
         <p:spPr>
           <a:xfrm>
-            <a:off x="901146" y="2140490"/>
-            <a:ext cx="495160" cy="349570"/>
+            <a:off x="3121446" y="3768537"/>
+            <a:ext cx="495160" cy="483856"/>
           </a:xfrm>
           <a:prstGeom prst="roundRect">
             <a:avLst>
@@ -3431,16 +3428,14 @@
             </a:avLst>
           </a:prstGeom>
           <a:solidFill>
-            <a:schemeClr val="accent6">
+            <a:schemeClr val="accent1">
               <a:lumMod val="20000"/>
               <a:lumOff val="80000"/>
             </a:schemeClr>
           </a:solidFill>
           <a:ln>
             <a:solidFill>
-              <a:schemeClr val="accent6">
-                <a:lumMod val="50000"/>
-              </a:schemeClr>
+              <a:schemeClr val="accent1"/>
             </a:solidFill>
           </a:ln>
         </p:spPr>
@@ -3477,14 +3472,112 @@
       </p:sp>
       <p:sp>
         <p:nvSpPr>
-          <p:cNvPr id="321" name="Abgerundetes Rechteck 320"/>
+          <p:cNvPr id="356" name="Textfeld 355"/>
+          <p:cNvSpPr txBox="1"/>
+          <p:nvPr/>
+        </p:nvSpPr>
+        <p:spPr>
+          <a:xfrm>
+            <a:off x="3266917" y="3757663"/>
+            <a:ext cx="398899" cy="323165"/>
+          </a:xfrm>
+          <a:prstGeom prst="rect">
+            <a:avLst/>
+          </a:prstGeom>
+          <a:noFill/>
+        </p:spPr>
+        <p:txBody>
+          <a:bodyPr wrap="square" rtlCol="0" anchor="t">
+            <a:spAutoFit/>
+          </a:bodyPr>
+          <a:lstStyle/>
+          <a:p>
+            <a:pPr algn="r"/>
+            <a:r>
+              <a:rPr lang="de-DE" sz="500" dirty="0" err="1" smtClean="0">
+                <a:solidFill>
+                  <a:srgbClr val="7030A0"/>
+                </a:solidFill>
+                <a:latin typeface="Helvetica Neue LT Std 67 Medium Condensed" charset="0"/>
+                <a:ea typeface="Helvetica Neue LT Std 67 Medium Condensed" charset="0"/>
+                <a:cs typeface="Helvetica Neue LT Std 67 Medium Condensed" charset="0"/>
+              </a:rPr>
+              <a:t>Toggle</a:t>
+            </a:r>
+            <a:r>
+              <a:rPr lang="de-DE" sz="500" dirty="0" smtClean="0">
+                <a:solidFill>
+                  <a:srgbClr val="7030A0"/>
+                </a:solidFill>
+                <a:latin typeface="Helvetica Neue LT Std 67 Medium Condensed" charset="0"/>
+                <a:ea typeface="Helvetica Neue LT Std 67 Medium Condensed" charset="0"/>
+                <a:cs typeface="Helvetica Neue LT Std 67 Medium Condensed" charset="0"/>
+              </a:rPr>
+              <a:t/>
+            </a:r>
+            <a:br>
+              <a:rPr lang="de-DE" sz="500" dirty="0" smtClean="0">
+                <a:solidFill>
+                  <a:srgbClr val="7030A0"/>
+                </a:solidFill>
+                <a:latin typeface="Helvetica Neue LT Std 67 Medium Condensed" charset="0"/>
+                <a:ea typeface="Helvetica Neue LT Std 67 Medium Condensed" charset="0"/>
+                <a:cs typeface="Helvetica Neue LT Std 67 Medium Condensed" charset="0"/>
+              </a:rPr>
+            </a:br>
+            <a:r>
+              <a:rPr lang="de-DE" sz="500" dirty="0" smtClean="0">
+                <a:solidFill>
+                  <a:srgbClr val="7030A0"/>
+                </a:solidFill>
+                <a:latin typeface="Helvetica Neue LT Std 67 Medium Condensed" charset="0"/>
+                <a:ea typeface="Helvetica Neue LT Std 67 Medium Condensed" charset="0"/>
+                <a:cs typeface="Helvetica Neue LT Std 67 Medium Condensed" charset="0"/>
+              </a:rPr>
+              <a:t>Follow</a:t>
+            </a:r>
+            <a:br>
+              <a:rPr lang="de-DE" sz="500" dirty="0" smtClean="0">
+                <a:solidFill>
+                  <a:srgbClr val="7030A0"/>
+                </a:solidFill>
+                <a:latin typeface="Helvetica Neue LT Std 67 Medium Condensed" charset="0"/>
+                <a:ea typeface="Helvetica Neue LT Std 67 Medium Condensed" charset="0"/>
+                <a:cs typeface="Helvetica Neue LT Std 67 Medium Condensed" charset="0"/>
+              </a:rPr>
+            </a:br>
+            <a:r>
+              <a:rPr lang="de-DE" sz="500" dirty="0" smtClean="0">
+                <a:solidFill>
+                  <a:srgbClr val="7030A0"/>
+                </a:solidFill>
+                <a:latin typeface="Helvetica Neue LT Std 67 Medium Condensed" charset="0"/>
+                <a:ea typeface="Helvetica Neue LT Std 67 Medium Condensed" charset="0"/>
+                <a:cs typeface="Helvetica Neue LT Std 67 Medium Condensed" charset="0"/>
+              </a:rPr>
+              <a:t>Mode</a:t>
+            </a:r>
+            <a:endParaRPr lang="de-DE" sz="500" dirty="0" smtClean="0">
+              <a:solidFill>
+                <a:srgbClr val="7030A0"/>
+              </a:solidFill>
+              <a:latin typeface="Helvetica Neue LT Std 67 Medium Condensed" charset="0"/>
+              <a:ea typeface="Helvetica Neue LT Std 67 Medium Condensed" charset="0"/>
+              <a:cs typeface="Helvetica Neue LT Std 67 Medium Condensed" charset="0"/>
+            </a:endParaRPr>
+          </a:p>
+        </p:txBody>
+      </p:sp>
+      <p:sp>
+        <p:nvSpPr>
+          <p:cNvPr id="354" name="Abgerundetes Rechteck 353"/>
           <p:cNvSpPr/>
           <p:nvPr/>
         </p:nvSpPr>
         <p:spPr>
           <a:xfrm>
-            <a:off x="1522378" y="2140376"/>
-            <a:ext cx="495160" cy="349570"/>
+            <a:off x="4318774" y="3769138"/>
+            <a:ext cx="495160" cy="483856"/>
           </a:xfrm>
           <a:prstGeom prst="roundRect">
             <a:avLst>
@@ -3492,16 +3585,14 @@
             </a:avLst>
           </a:prstGeom>
           <a:solidFill>
-            <a:schemeClr val="accent6">
+            <a:schemeClr val="accent1">
               <a:lumMod val="20000"/>
               <a:lumOff val="80000"/>
             </a:schemeClr>
           </a:solidFill>
           <a:ln>
             <a:solidFill>
-              <a:schemeClr val="accent6">
-                <a:lumMod val="50000"/>
-              </a:schemeClr>
+              <a:schemeClr val="accent1"/>
             </a:solidFill>
           </a:ln>
         </p:spPr>
@@ -3538,14 +3629,14 @@
       </p:sp>
       <p:sp>
         <p:nvSpPr>
-          <p:cNvPr id="322" name="Abgerundetes Rechteck 321"/>
+          <p:cNvPr id="222" name="Abgerundetes Rechteck 221"/>
           <p:cNvSpPr/>
           <p:nvPr/>
         </p:nvSpPr>
         <p:spPr>
           <a:xfrm>
-            <a:off x="2143610" y="2140262"/>
-            <a:ext cx="495160" cy="349570"/>
+            <a:off x="4020078" y="4346279"/>
+            <a:ext cx="495160" cy="483856"/>
           </a:xfrm>
           <a:prstGeom prst="roundRect">
             <a:avLst>
@@ -3553,14 +3644,11 @@
             </a:avLst>
           </a:prstGeom>
           <a:solidFill>
-            <a:schemeClr val="accent6">
-              <a:lumMod val="20000"/>
-              <a:lumOff val="80000"/>
-            </a:schemeClr>
+            <a:schemeClr val="bg1"/>
           </a:solidFill>
           <a:ln>
             <a:solidFill>
-              <a:schemeClr val="accent6">
+              <a:schemeClr val="bg1">
                 <a:lumMod val="50000"/>
               </a:schemeClr>
             </a:solidFill>
@@ -3599,14 +3687,14 @@
       </p:sp>
       <p:sp>
         <p:nvSpPr>
-          <p:cNvPr id="323" name="Abgerundetes Rechteck 322"/>
+          <p:cNvPr id="351" name="Abgerundetes Rechteck 350"/>
           <p:cNvSpPr/>
           <p:nvPr/>
         </p:nvSpPr>
         <p:spPr>
           <a:xfrm>
-            <a:off x="2759431" y="2140148"/>
-            <a:ext cx="495160" cy="349570"/>
+            <a:off x="4018515" y="4346182"/>
+            <a:ext cx="495160" cy="483856"/>
           </a:xfrm>
           <a:prstGeom prst="roundRect">
             <a:avLst>
@@ -3614,16 +3702,14 @@
             </a:avLst>
           </a:prstGeom>
           <a:solidFill>
-            <a:schemeClr val="accent6">
+            <a:schemeClr val="accent1">
               <a:lumMod val="20000"/>
               <a:lumOff val="80000"/>
             </a:schemeClr>
           </a:solidFill>
           <a:ln>
             <a:solidFill>
-              <a:schemeClr val="accent6">
-                <a:lumMod val="50000"/>
-              </a:schemeClr>
+              <a:schemeClr val="accent1"/>
             </a:solidFill>
           </a:ln>
         </p:spPr>
@@ -3660,13 +3746,13 @@
       </p:sp>
       <p:sp>
         <p:nvSpPr>
-          <p:cNvPr id="324" name="Abgerundetes Rechteck 323"/>
+          <p:cNvPr id="343" name="Abgerundetes Rechteck 342"/>
           <p:cNvSpPr/>
           <p:nvPr/>
         </p:nvSpPr>
         <p:spPr>
           <a:xfrm>
-            <a:off x="3380663" y="2140034"/>
+            <a:off x="3999983" y="2137289"/>
             <a:ext cx="495160" cy="349570"/>
           </a:xfrm>
           <a:prstGeom prst="roundRect">
@@ -3721,14 +3807,14 @@
       </p:sp>
       <p:sp>
         <p:nvSpPr>
-          <p:cNvPr id="315" name="Abgerundetes Rechteck 314"/>
+          <p:cNvPr id="319" name="Abgerundetes Rechteck 318"/>
           <p:cNvSpPr/>
           <p:nvPr/>
         </p:nvSpPr>
         <p:spPr>
           <a:xfrm>
-            <a:off x="5519438" y="3773279"/>
-            <a:ext cx="495160" cy="483856"/>
+            <a:off x="901146" y="2140490"/>
+            <a:ext cx="495160" cy="349570"/>
           </a:xfrm>
           <a:prstGeom prst="roundRect">
             <a:avLst>
@@ -3736,14 +3822,16 @@
             </a:avLst>
           </a:prstGeom>
           <a:solidFill>
-            <a:schemeClr val="accent1">
+            <a:schemeClr val="accent6">
               <a:lumMod val="20000"/>
               <a:lumOff val="80000"/>
             </a:schemeClr>
           </a:solidFill>
           <a:ln>
             <a:solidFill>
-              <a:schemeClr val="accent1"/>
+              <a:schemeClr val="accent6">
+                <a:lumMod val="50000"/>
+              </a:schemeClr>
             </a:solidFill>
           </a:ln>
         </p:spPr>
@@ -3780,14 +3868,14 @@
       </p:sp>
       <p:sp>
         <p:nvSpPr>
-          <p:cNvPr id="310" name="Abgerundetes Rechteck 309"/>
+          <p:cNvPr id="321" name="Abgerundetes Rechteck 320"/>
           <p:cNvSpPr/>
           <p:nvPr/>
         </p:nvSpPr>
         <p:spPr>
           <a:xfrm>
-            <a:off x="4618424" y="4345071"/>
-            <a:ext cx="495160" cy="483856"/>
+            <a:off x="1522378" y="2140376"/>
+            <a:ext cx="495160" cy="349570"/>
           </a:xfrm>
           <a:prstGeom prst="roundRect">
             <a:avLst>
@@ -3795,14 +3883,14 @@
             </a:avLst>
           </a:prstGeom>
           <a:solidFill>
-            <a:schemeClr val="accent4">
+            <a:schemeClr val="accent6">
               <a:lumMod val="20000"/>
               <a:lumOff val="80000"/>
             </a:schemeClr>
           </a:solidFill>
           <a:ln>
             <a:solidFill>
-              <a:schemeClr val="accent4">
+              <a:schemeClr val="accent6">
                 <a:lumMod val="50000"/>
               </a:schemeClr>
             </a:solidFill>
@@ -3841,14 +3929,14 @@
       </p:sp>
       <p:sp>
         <p:nvSpPr>
-          <p:cNvPr id="307" name="Abgerundetes Rechteck 306"/>
+          <p:cNvPr id="322" name="Abgerundetes Rechteck 321"/>
           <p:cNvSpPr/>
           <p:nvPr/>
         </p:nvSpPr>
         <p:spPr>
           <a:xfrm>
-            <a:off x="4918021" y="3771051"/>
-            <a:ext cx="495160" cy="483856"/>
+            <a:off x="2143610" y="2140262"/>
+            <a:ext cx="495160" cy="349570"/>
           </a:xfrm>
           <a:prstGeom prst="roundRect">
             <a:avLst>
@@ -3856,14 +3944,16 @@
             </a:avLst>
           </a:prstGeom>
           <a:solidFill>
-            <a:schemeClr val="accent1">
+            <a:schemeClr val="accent6">
               <a:lumMod val="20000"/>
               <a:lumOff val="80000"/>
             </a:schemeClr>
           </a:solidFill>
           <a:ln>
             <a:solidFill>
-              <a:schemeClr val="accent1"/>
+              <a:schemeClr val="accent6">
+                <a:lumMod val="50000"/>
+              </a:schemeClr>
             </a:solidFill>
           </a:ln>
         </p:spPr>
@@ -3900,14 +3990,14 @@
       </p:sp>
       <p:sp>
         <p:nvSpPr>
-          <p:cNvPr id="304" name="Abgerundetes Rechteck 303"/>
+          <p:cNvPr id="323" name="Abgerundetes Rechteck 322"/>
           <p:cNvSpPr/>
           <p:nvPr/>
         </p:nvSpPr>
         <p:spPr>
           <a:xfrm>
-            <a:off x="2519035" y="3773947"/>
-            <a:ext cx="495160" cy="483856"/>
+            <a:off x="2759431" y="2140148"/>
+            <a:ext cx="495160" cy="349570"/>
           </a:xfrm>
           <a:prstGeom prst="roundRect">
             <a:avLst>
@@ -3915,14 +4005,14 @@
             </a:avLst>
           </a:prstGeom>
           <a:solidFill>
-            <a:schemeClr val="accent4">
+            <a:schemeClr val="accent6">
               <a:lumMod val="20000"/>
               <a:lumOff val="80000"/>
             </a:schemeClr>
           </a:solidFill>
           <a:ln>
             <a:solidFill>
-              <a:schemeClr val="accent4">
+              <a:schemeClr val="accent6">
                 <a:lumMod val="50000"/>
               </a:schemeClr>
             </a:solidFill>
@@ -3961,14 +4051,14 @@
       </p:sp>
       <p:sp>
         <p:nvSpPr>
-          <p:cNvPr id="296" name="Abgerundetes Rechteck 295"/>
+          <p:cNvPr id="324" name="Abgerundetes Rechteck 323"/>
           <p:cNvSpPr/>
           <p:nvPr/>
         </p:nvSpPr>
         <p:spPr>
           <a:xfrm>
-            <a:off x="4327748" y="3771791"/>
-            <a:ext cx="495160" cy="483856"/>
+            <a:off x="3380663" y="2140034"/>
+            <a:ext cx="495160" cy="349570"/>
           </a:xfrm>
           <a:prstGeom prst="roundRect">
             <a:avLst>
@@ -4022,80 +4112,13 @@
       </p:sp>
       <p:sp>
         <p:nvSpPr>
-          <p:cNvPr id="297" name="Textfeld 296"/>
-          <p:cNvSpPr txBox="1"/>
-          <p:nvPr/>
-        </p:nvSpPr>
-        <p:spPr>
-          <a:xfrm>
-            <a:off x="4101876" y="3780303"/>
-            <a:ext cx="759239" cy="246221"/>
-          </a:xfrm>
-          <a:prstGeom prst="rect">
-            <a:avLst/>
-          </a:prstGeom>
-          <a:noFill/>
-        </p:spPr>
-        <p:txBody>
-          <a:bodyPr wrap="square" rtlCol="0" anchor="t">
-            <a:spAutoFit/>
-          </a:bodyPr>
-          <a:lstStyle/>
-          <a:p>
-            <a:pPr algn="r"/>
-            <a:r>
-              <a:rPr lang="de-DE" sz="500" dirty="0" err="1" smtClean="0">
-                <a:latin typeface="Helvetica Neue LT Std 67 Medium Condensed" charset="0"/>
-                <a:ea typeface="Helvetica Neue LT Std 67 Medium Condensed" charset="0"/>
-                <a:cs typeface="Helvetica Neue LT Std 67 Medium Condensed" charset="0"/>
-              </a:rPr>
-              <a:t>Toggle</a:t>
-            </a:r>
-            <a:r>
-              <a:rPr lang="de-DE" sz="500" dirty="0" smtClean="0">
-                <a:latin typeface="Helvetica Neue LT Std 67 Medium Condensed" charset="0"/>
-                <a:ea typeface="Helvetica Neue LT Std 67 Medium Condensed" charset="0"/>
-                <a:cs typeface="Helvetica Neue LT Std 67 Medium Condensed" charset="0"/>
-              </a:rPr>
-              <a:t> Track</a:t>
-            </a:r>
-            <a:br>
-              <a:rPr lang="de-DE" sz="500" dirty="0" smtClean="0">
-                <a:latin typeface="Helvetica Neue LT Std 67 Medium Condensed" charset="0"/>
-                <a:ea typeface="Helvetica Neue LT Std 67 Medium Condensed" charset="0"/>
-                <a:cs typeface="Helvetica Neue LT Std 67 Medium Condensed" charset="0"/>
-              </a:rPr>
-            </a:br>
-            <a:r>
-              <a:rPr lang="de-DE" sz="500" dirty="0" smtClean="0">
-                <a:latin typeface="Helvetica Neue LT Std 67 Medium Condensed" charset="0"/>
-                <a:ea typeface="Helvetica Neue LT Std 67 Medium Condensed" charset="0"/>
-                <a:cs typeface="Helvetica Neue LT Std 67 Medium Condensed" charset="0"/>
-              </a:rPr>
-              <a:t>Height</a:t>
-            </a:r>
-            <a:endParaRPr lang="de-DE" sz="500" dirty="0" smtClean="0">
-              <a:solidFill>
-                <a:schemeClr val="accent2">
-                  <a:lumMod val="75000"/>
-                </a:schemeClr>
-              </a:solidFill>
-              <a:latin typeface="Helvetica Neue LT Std 67 Medium Condensed" charset="0"/>
-              <a:ea typeface="Helvetica Neue LT Std 67 Medium Condensed" charset="0"/>
-              <a:cs typeface="Helvetica Neue LT Std 67 Medium Condensed" charset="0"/>
-            </a:endParaRPr>
-          </a:p>
-        </p:txBody>
-      </p:sp>
-      <p:sp>
-        <p:nvSpPr>
-          <p:cNvPr id="288" name="Abgerundetes Rechteck 287"/>
+          <p:cNvPr id="315" name="Abgerundetes Rechteck 314"/>
           <p:cNvSpPr/>
           <p:nvPr/>
         </p:nvSpPr>
         <p:spPr>
           <a:xfrm>
-            <a:off x="1297753" y="3765311"/>
+            <a:off x="5519438" y="3773279"/>
             <a:ext cx="495160" cy="483856"/>
           </a:xfrm>
           <a:prstGeom prst="roundRect">
@@ -4104,16 +4127,14 @@
             </a:avLst>
           </a:prstGeom>
           <a:solidFill>
-            <a:schemeClr val="accent6">
+            <a:schemeClr val="accent1">
               <a:lumMod val="20000"/>
               <a:lumOff val="80000"/>
             </a:schemeClr>
           </a:solidFill>
           <a:ln>
             <a:solidFill>
-              <a:schemeClr val="accent6">
-                <a:lumMod val="50000"/>
-              </a:schemeClr>
+              <a:schemeClr val="accent1"/>
             </a:solidFill>
           </a:ln>
         </p:spPr>
@@ -4150,13 +4171,13 @@
       </p:sp>
       <p:sp>
         <p:nvSpPr>
-          <p:cNvPr id="287" name="Abgerundetes Rechteck 286"/>
+          <p:cNvPr id="310" name="Abgerundetes Rechteck 309"/>
           <p:cNvSpPr/>
           <p:nvPr/>
         </p:nvSpPr>
         <p:spPr>
           <a:xfrm>
-            <a:off x="1767162" y="3171503"/>
+            <a:off x="4618424" y="4345071"/>
             <a:ext cx="495160" cy="483856"/>
           </a:xfrm>
           <a:prstGeom prst="roundRect">
@@ -4211,13 +4232,13 @@
       </p:sp>
       <p:sp>
         <p:nvSpPr>
-          <p:cNvPr id="276" name="Abgerundetes Rechteck 275"/>
+          <p:cNvPr id="307" name="Abgerundetes Rechteck 306"/>
           <p:cNvSpPr/>
           <p:nvPr/>
         </p:nvSpPr>
         <p:spPr>
           <a:xfrm>
-            <a:off x="3116992" y="3772794"/>
+            <a:off x="4918021" y="3771051"/>
             <a:ext cx="495160" cy="483856"/>
           </a:xfrm>
           <a:prstGeom prst="roundRect">
@@ -4226,16 +4247,14 @@
             </a:avLst>
           </a:prstGeom>
           <a:solidFill>
-            <a:schemeClr val="accent6">
+            <a:schemeClr val="accent1">
               <a:lumMod val="20000"/>
               <a:lumOff val="80000"/>
             </a:schemeClr>
           </a:solidFill>
           <a:ln>
             <a:solidFill>
-              <a:schemeClr val="accent6">
-                <a:lumMod val="50000"/>
-              </a:schemeClr>
+              <a:schemeClr val="accent1"/>
             </a:solidFill>
           </a:ln>
         </p:spPr>
@@ -4272,13 +4291,13 @@
       </p:sp>
       <p:sp>
         <p:nvSpPr>
-          <p:cNvPr id="270" name="Abgerundetes Rechteck 269"/>
+          <p:cNvPr id="304" name="Abgerundetes Rechteck 303"/>
           <p:cNvSpPr/>
           <p:nvPr/>
         </p:nvSpPr>
         <p:spPr>
           <a:xfrm>
-            <a:off x="3416663" y="4346778"/>
+            <a:off x="2519035" y="3773947"/>
             <a:ext cx="495160" cy="483856"/>
           </a:xfrm>
           <a:prstGeom prst="roundRect">
@@ -4287,7 +4306,10 @@
             </a:avLst>
           </a:prstGeom>
           <a:solidFill>
-            <a:srgbClr val="FFD579"/>
+            <a:schemeClr val="accent4">
+              <a:lumMod val="20000"/>
+              <a:lumOff val="80000"/>
+            </a:schemeClr>
           </a:solidFill>
           <a:ln>
             <a:solidFill>
@@ -4330,13 +4352,80 @@
       </p:sp>
       <p:sp>
         <p:nvSpPr>
-          <p:cNvPr id="274" name="Abgerundetes Rechteck 273"/>
+          <p:cNvPr id="297" name="Textfeld 296"/>
+          <p:cNvSpPr txBox="1"/>
+          <p:nvPr/>
+        </p:nvSpPr>
+        <p:spPr>
+          <a:xfrm>
+            <a:off x="4101876" y="3780303"/>
+            <a:ext cx="759239" cy="246221"/>
+          </a:xfrm>
+          <a:prstGeom prst="rect">
+            <a:avLst/>
+          </a:prstGeom>
+          <a:noFill/>
+        </p:spPr>
+        <p:txBody>
+          <a:bodyPr wrap="square" rtlCol="0" anchor="t">
+            <a:spAutoFit/>
+          </a:bodyPr>
+          <a:lstStyle/>
+          <a:p>
+            <a:pPr algn="r"/>
+            <a:r>
+              <a:rPr lang="de-DE" sz="500" dirty="0" err="1" smtClean="0">
+                <a:latin typeface="Helvetica Neue LT Std 67 Medium Condensed" charset="0"/>
+                <a:ea typeface="Helvetica Neue LT Std 67 Medium Condensed" charset="0"/>
+                <a:cs typeface="Helvetica Neue LT Std 67 Medium Condensed" charset="0"/>
+              </a:rPr>
+              <a:t>Toggle</a:t>
+            </a:r>
+            <a:r>
+              <a:rPr lang="de-DE" sz="500" dirty="0" smtClean="0">
+                <a:latin typeface="Helvetica Neue LT Std 67 Medium Condensed" charset="0"/>
+                <a:ea typeface="Helvetica Neue LT Std 67 Medium Condensed" charset="0"/>
+                <a:cs typeface="Helvetica Neue LT Std 67 Medium Condensed" charset="0"/>
+              </a:rPr>
+              <a:t> Track</a:t>
+            </a:r>
+            <a:br>
+              <a:rPr lang="de-DE" sz="500" dirty="0" smtClean="0">
+                <a:latin typeface="Helvetica Neue LT Std 67 Medium Condensed" charset="0"/>
+                <a:ea typeface="Helvetica Neue LT Std 67 Medium Condensed" charset="0"/>
+                <a:cs typeface="Helvetica Neue LT Std 67 Medium Condensed" charset="0"/>
+              </a:rPr>
+            </a:br>
+            <a:r>
+              <a:rPr lang="de-DE" sz="500" dirty="0" smtClean="0">
+                <a:latin typeface="Helvetica Neue LT Std 67 Medium Condensed" charset="0"/>
+                <a:ea typeface="Helvetica Neue LT Std 67 Medium Condensed" charset="0"/>
+                <a:cs typeface="Helvetica Neue LT Std 67 Medium Condensed" charset="0"/>
+              </a:rPr>
+              <a:t>Height</a:t>
+            </a:r>
+            <a:endParaRPr lang="de-DE" sz="500" dirty="0" smtClean="0">
+              <a:solidFill>
+                <a:schemeClr val="accent2">
+                  <a:lumMod val="75000"/>
+                </a:schemeClr>
+              </a:solidFill>
+              <a:latin typeface="Helvetica Neue LT Std 67 Medium Condensed" charset="0"/>
+              <a:ea typeface="Helvetica Neue LT Std 67 Medium Condensed" charset="0"/>
+              <a:cs typeface="Helvetica Neue LT Std 67 Medium Condensed" charset="0"/>
+            </a:endParaRPr>
+          </a:p>
+        </p:txBody>
+      </p:sp>
+      <p:sp>
+        <p:nvSpPr>
+          <p:cNvPr id="288" name="Abgerundetes Rechteck 287"/>
           <p:cNvSpPr/>
           <p:nvPr/>
         </p:nvSpPr>
         <p:spPr>
           <a:xfrm>
-            <a:off x="6415726" y="4344972"/>
+            <a:off x="1297753" y="3765311"/>
             <a:ext cx="495160" cy="483856"/>
           </a:xfrm>
           <a:prstGeom prst="roundRect">
@@ -4345,11 +4434,14 @@
             </a:avLst>
           </a:prstGeom>
           <a:solidFill>
-            <a:srgbClr val="FFD579"/>
+            <a:schemeClr val="accent6">
+              <a:lumMod val="20000"/>
+              <a:lumOff val="80000"/>
+            </a:schemeClr>
           </a:solidFill>
           <a:ln>
             <a:solidFill>
-              <a:schemeClr val="accent4">
+              <a:schemeClr val="accent6">
                 <a:lumMod val="50000"/>
               </a:schemeClr>
             </a:solidFill>
@@ -4388,13 +4480,13 @@
       </p:sp>
       <p:sp>
         <p:nvSpPr>
-          <p:cNvPr id="268" name="Abgerundetes Rechteck 267"/>
+          <p:cNvPr id="287" name="Abgerundetes Rechteck 286"/>
           <p:cNvSpPr/>
           <p:nvPr/>
         </p:nvSpPr>
         <p:spPr>
           <a:xfrm>
-            <a:off x="7910232" y="3762249"/>
+            <a:off x="1767162" y="3171503"/>
             <a:ext cx="495160" cy="483856"/>
           </a:xfrm>
           <a:prstGeom prst="roundRect">
@@ -4403,14 +4495,14 @@
             </a:avLst>
           </a:prstGeom>
           <a:solidFill>
-            <a:schemeClr val="accent6">
+            <a:schemeClr val="accent4">
               <a:lumMod val="20000"/>
               <a:lumOff val="80000"/>
             </a:schemeClr>
           </a:solidFill>
           <a:ln>
             <a:solidFill>
-              <a:schemeClr val="accent6">
+              <a:schemeClr val="accent4">
                 <a:lumMod val="50000"/>
               </a:schemeClr>
             </a:solidFill>
@@ -4449,104 +4541,13 @@
       </p:sp>
       <p:sp>
         <p:nvSpPr>
-          <p:cNvPr id="269" name="Textfeld 268"/>
-          <p:cNvSpPr txBox="1"/>
-          <p:nvPr/>
-        </p:nvSpPr>
-        <p:spPr>
-          <a:xfrm>
-            <a:off x="7690032" y="3780472"/>
-            <a:ext cx="759239" cy="400110"/>
-          </a:xfrm>
-          <a:prstGeom prst="rect">
-            <a:avLst/>
-          </a:prstGeom>
-          <a:noFill/>
-        </p:spPr>
-        <p:txBody>
-          <a:bodyPr wrap="square" rtlCol="0" anchor="t">
-            <a:spAutoFit/>
-          </a:bodyPr>
-          <a:lstStyle/>
-          <a:p>
-            <a:pPr algn="r"/>
-            <a:r>
-              <a:rPr lang="de-DE" sz="500" dirty="0" err="1" smtClean="0">
-                <a:latin typeface="Helvetica Neue LT Std 67 Medium Condensed" charset="0"/>
-                <a:ea typeface="Helvetica Neue LT Std 67 Medium Condensed" charset="0"/>
-                <a:cs typeface="Helvetica Neue LT Std 67 Medium Condensed" charset="0"/>
-              </a:rPr>
-              <a:t>Toggle</a:t>
-            </a:r>
-            <a:endParaRPr lang="de-DE" sz="500" dirty="0">
-              <a:latin typeface="Helvetica Neue LT Std 67 Medium Condensed" charset="0"/>
-              <a:ea typeface="Helvetica Neue LT Std 67 Medium Condensed" charset="0"/>
-              <a:cs typeface="Helvetica Neue LT Std 67 Medium Condensed" charset="0"/>
-            </a:endParaRPr>
-          </a:p>
-          <a:p>
-            <a:pPr algn="r"/>
-            <a:r>
-              <a:rPr lang="de-DE" sz="500" dirty="0" smtClean="0">
-                <a:latin typeface="Helvetica Neue LT Std 67 Medium Condensed" charset="0"/>
-                <a:ea typeface="Helvetica Neue LT Std 67 Medium Condensed" charset="0"/>
-                <a:cs typeface="Helvetica Neue LT Std 67 Medium Condensed" charset="0"/>
-              </a:rPr>
-              <a:t>Mouse</a:t>
-            </a:r>
-            <a:br>
-              <a:rPr lang="de-DE" sz="500" dirty="0" smtClean="0">
-                <a:latin typeface="Helvetica Neue LT Std 67 Medium Condensed" charset="0"/>
-                <a:ea typeface="Helvetica Neue LT Std 67 Medium Condensed" charset="0"/>
-                <a:cs typeface="Helvetica Neue LT Std 67 Medium Condensed" charset="0"/>
-              </a:rPr>
-            </a:br>
-            <a:r>
-              <a:rPr lang="de-DE" sz="500" dirty="0" err="1" smtClean="0">
-                <a:latin typeface="Helvetica Neue LT Std 67 Medium Condensed" charset="0"/>
-                <a:ea typeface="Helvetica Neue LT Std 67 Medium Condensed" charset="0"/>
-                <a:cs typeface="Helvetica Neue LT Std 67 Medium Condensed" charset="0"/>
-              </a:rPr>
-              <a:t>Selection</a:t>
-            </a:r>
-            <a:endParaRPr lang="de-DE" sz="500" dirty="0">
-              <a:latin typeface="Helvetica Neue LT Std 67 Medium Condensed" charset="0"/>
-              <a:ea typeface="Helvetica Neue LT Std 67 Medium Condensed" charset="0"/>
-              <a:cs typeface="Helvetica Neue LT Std 67 Medium Condensed" charset="0"/>
-            </a:endParaRPr>
-          </a:p>
-          <a:p>
-            <a:pPr algn="r"/>
-            <a:r>
-              <a:rPr lang="de-DE" sz="500" dirty="0" smtClean="0">
-                <a:latin typeface="Helvetica Neue LT Std 67 Medium Condensed" charset="0"/>
-                <a:ea typeface="Helvetica Neue LT Std 67 Medium Condensed" charset="0"/>
-                <a:cs typeface="Helvetica Neue LT Std 67 Medium Condensed" charset="0"/>
-              </a:rPr>
-              <a:t>Mode</a:t>
-            </a:r>
-            <a:endParaRPr lang="de-DE" sz="500" dirty="0" smtClean="0">
-              <a:solidFill>
-                <a:schemeClr val="accent2">
-                  <a:lumMod val="75000"/>
-                </a:schemeClr>
-              </a:solidFill>
-              <a:latin typeface="Helvetica Neue LT Std 67 Medium Condensed" charset="0"/>
-              <a:ea typeface="Helvetica Neue LT Std 67 Medium Condensed" charset="0"/>
-              <a:cs typeface="Helvetica Neue LT Std 67 Medium Condensed" charset="0"/>
-            </a:endParaRPr>
-          </a:p>
-        </p:txBody>
-      </p:sp>
-      <p:sp>
-        <p:nvSpPr>
-          <p:cNvPr id="258" name="Abgerundetes Rechteck 257"/>
+          <p:cNvPr id="270" name="Abgerundetes Rechteck 269"/>
           <p:cNvSpPr/>
           <p:nvPr/>
         </p:nvSpPr>
         <p:spPr>
           <a:xfrm>
-            <a:off x="1007835" y="4346279"/>
+            <a:off x="3416663" y="4346778"/>
             <a:ext cx="495160" cy="483856"/>
           </a:xfrm>
           <a:prstGeom prst="roundRect">
@@ -4555,10 +4556,7 @@
             </a:avLst>
           </a:prstGeom>
           <a:solidFill>
-            <a:schemeClr val="accent4">
-              <a:lumMod val="20000"/>
-              <a:lumOff val="80000"/>
-            </a:schemeClr>
+            <a:srgbClr val="FFD579"/>
           </a:solidFill>
           <a:ln>
             <a:solidFill>
@@ -4601,13 +4599,13 @@
       </p:sp>
       <p:sp>
         <p:nvSpPr>
-          <p:cNvPr id="260" name="Abgerundetes Rechteck 259"/>
+          <p:cNvPr id="274" name="Abgerundetes Rechteck 273"/>
           <p:cNvSpPr/>
           <p:nvPr/>
         </p:nvSpPr>
         <p:spPr>
           <a:xfrm>
-            <a:off x="2197935" y="4346279"/>
+            <a:off x="6415726" y="4344972"/>
             <a:ext cx="495160" cy="483856"/>
           </a:xfrm>
           <a:prstGeom prst="roundRect">
@@ -4616,10 +4614,7 @@
             </a:avLst>
           </a:prstGeom>
           <a:solidFill>
-            <a:schemeClr val="accent4">
-              <a:lumMod val="20000"/>
-              <a:lumOff val="80000"/>
-            </a:schemeClr>
+            <a:srgbClr val="FFD579"/>
           </a:solidFill>
           <a:ln>
             <a:solidFill>
@@ -4662,13 +4657,13 @@
       </p:sp>
       <p:sp>
         <p:nvSpPr>
-          <p:cNvPr id="262" name="Abgerundetes Rechteck 261"/>
+          <p:cNvPr id="268" name="Abgerundetes Rechteck 267"/>
           <p:cNvSpPr/>
           <p:nvPr/>
         </p:nvSpPr>
         <p:spPr>
           <a:xfrm>
-            <a:off x="2807240" y="4346279"/>
+            <a:off x="7910232" y="3762249"/>
             <a:ext cx="495160" cy="483856"/>
           </a:xfrm>
           <a:prstGeom prst="roundRect">
@@ -4677,14 +4672,14 @@
             </a:avLst>
           </a:prstGeom>
           <a:solidFill>
-            <a:schemeClr val="accent4">
+            <a:schemeClr val="accent6">
               <a:lumMod val="20000"/>
               <a:lumOff val="80000"/>
             </a:schemeClr>
           </a:solidFill>
           <a:ln>
             <a:solidFill>
-              <a:schemeClr val="accent4">
+              <a:schemeClr val="accent6">
                 <a:lumMod val="50000"/>
               </a:schemeClr>
             </a:solidFill>
@@ -4723,13 +4718,104 @@
       </p:sp>
       <p:sp>
         <p:nvSpPr>
-          <p:cNvPr id="256" name="Abgerundetes Rechteck 255"/>
+          <p:cNvPr id="269" name="Textfeld 268"/>
+          <p:cNvSpPr txBox="1"/>
+          <p:nvPr/>
+        </p:nvSpPr>
+        <p:spPr>
+          <a:xfrm>
+            <a:off x="7690032" y="3780472"/>
+            <a:ext cx="759239" cy="400110"/>
+          </a:xfrm>
+          <a:prstGeom prst="rect">
+            <a:avLst/>
+          </a:prstGeom>
+          <a:noFill/>
+        </p:spPr>
+        <p:txBody>
+          <a:bodyPr wrap="square" rtlCol="0" anchor="t">
+            <a:spAutoFit/>
+          </a:bodyPr>
+          <a:lstStyle/>
+          <a:p>
+            <a:pPr algn="r"/>
+            <a:r>
+              <a:rPr lang="de-DE" sz="500" dirty="0" err="1" smtClean="0">
+                <a:latin typeface="Helvetica Neue LT Std 67 Medium Condensed" charset="0"/>
+                <a:ea typeface="Helvetica Neue LT Std 67 Medium Condensed" charset="0"/>
+                <a:cs typeface="Helvetica Neue LT Std 67 Medium Condensed" charset="0"/>
+              </a:rPr>
+              <a:t>Toggle</a:t>
+            </a:r>
+            <a:endParaRPr lang="de-DE" sz="500" dirty="0">
+              <a:latin typeface="Helvetica Neue LT Std 67 Medium Condensed" charset="0"/>
+              <a:ea typeface="Helvetica Neue LT Std 67 Medium Condensed" charset="0"/>
+              <a:cs typeface="Helvetica Neue LT Std 67 Medium Condensed" charset="0"/>
+            </a:endParaRPr>
+          </a:p>
+          <a:p>
+            <a:pPr algn="r"/>
+            <a:r>
+              <a:rPr lang="de-DE" sz="500" dirty="0" smtClean="0">
+                <a:latin typeface="Helvetica Neue LT Std 67 Medium Condensed" charset="0"/>
+                <a:ea typeface="Helvetica Neue LT Std 67 Medium Condensed" charset="0"/>
+                <a:cs typeface="Helvetica Neue LT Std 67 Medium Condensed" charset="0"/>
+              </a:rPr>
+              <a:t>Mouse</a:t>
+            </a:r>
+            <a:br>
+              <a:rPr lang="de-DE" sz="500" dirty="0" smtClean="0">
+                <a:latin typeface="Helvetica Neue LT Std 67 Medium Condensed" charset="0"/>
+                <a:ea typeface="Helvetica Neue LT Std 67 Medium Condensed" charset="0"/>
+                <a:cs typeface="Helvetica Neue LT Std 67 Medium Condensed" charset="0"/>
+              </a:rPr>
+            </a:br>
+            <a:r>
+              <a:rPr lang="de-DE" sz="500" dirty="0" err="1" smtClean="0">
+                <a:latin typeface="Helvetica Neue LT Std 67 Medium Condensed" charset="0"/>
+                <a:ea typeface="Helvetica Neue LT Std 67 Medium Condensed" charset="0"/>
+                <a:cs typeface="Helvetica Neue LT Std 67 Medium Condensed" charset="0"/>
+              </a:rPr>
+              <a:t>Selection</a:t>
+            </a:r>
+            <a:endParaRPr lang="de-DE" sz="500" dirty="0">
+              <a:latin typeface="Helvetica Neue LT Std 67 Medium Condensed" charset="0"/>
+              <a:ea typeface="Helvetica Neue LT Std 67 Medium Condensed" charset="0"/>
+              <a:cs typeface="Helvetica Neue LT Std 67 Medium Condensed" charset="0"/>
+            </a:endParaRPr>
+          </a:p>
+          <a:p>
+            <a:pPr algn="r"/>
+            <a:r>
+              <a:rPr lang="de-DE" sz="500" dirty="0" smtClean="0">
+                <a:latin typeface="Helvetica Neue LT Std 67 Medium Condensed" charset="0"/>
+                <a:ea typeface="Helvetica Neue LT Std 67 Medium Condensed" charset="0"/>
+                <a:cs typeface="Helvetica Neue LT Std 67 Medium Condensed" charset="0"/>
+              </a:rPr>
+              <a:t>Mode</a:t>
+            </a:r>
+            <a:endParaRPr lang="de-DE" sz="500" dirty="0" smtClean="0">
+              <a:solidFill>
+                <a:schemeClr val="accent2">
+                  <a:lumMod val="75000"/>
+                </a:schemeClr>
+              </a:solidFill>
+              <a:latin typeface="Helvetica Neue LT Std 67 Medium Condensed" charset="0"/>
+              <a:ea typeface="Helvetica Neue LT Std 67 Medium Condensed" charset="0"/>
+              <a:cs typeface="Helvetica Neue LT Std 67 Medium Condensed" charset="0"/>
+            </a:endParaRPr>
+          </a:p>
+        </p:txBody>
+      </p:sp>
+      <p:sp>
+        <p:nvSpPr>
+          <p:cNvPr id="258" name="Abgerundetes Rechteck 257"/>
           <p:cNvSpPr/>
           <p:nvPr/>
         </p:nvSpPr>
         <p:spPr>
           <a:xfrm>
-            <a:off x="1602977" y="4346279"/>
+            <a:off x="1007835" y="4346279"/>
             <a:ext cx="495160" cy="483856"/>
           </a:xfrm>
           <a:prstGeom prst="roundRect">
@@ -4784,117 +4870,13 @@
       </p:sp>
       <p:sp>
         <p:nvSpPr>
-          <p:cNvPr id="257" name="Textfeld 256"/>
-          <p:cNvSpPr txBox="1"/>
-          <p:nvPr/>
-        </p:nvSpPr>
-        <p:spPr>
-          <a:xfrm>
-            <a:off x="1556206" y="4339288"/>
-            <a:ext cx="585965" cy="323165"/>
-          </a:xfrm>
-          <a:prstGeom prst="rect">
-            <a:avLst/>
-          </a:prstGeom>
-          <a:noFill/>
-        </p:spPr>
-        <p:txBody>
-          <a:bodyPr wrap="square" rtlCol="0" anchor="t">
-            <a:spAutoFit/>
-          </a:bodyPr>
-          <a:lstStyle/>
-          <a:p>
-            <a:pPr algn="r">
-              <a:lnSpc>
-                <a:spcPts val="600"/>
-              </a:lnSpc>
-            </a:pPr>
-            <a:r>
-              <a:rPr lang="de-DE" sz="500" dirty="0" smtClean="0">
-                <a:latin typeface="Helvetica Neue LT Std 67 Medium Condensed" charset="0"/>
-                <a:ea typeface="Helvetica Neue LT Std 67 Medium Condensed" charset="0"/>
-                <a:cs typeface="Helvetica Neue LT Std 67 Medium Condensed" charset="0"/>
-              </a:rPr>
-              <a:t> </a:t>
-            </a:r>
-            <a:r>
-              <a:rPr lang="de-DE" sz="500" dirty="0" err="1" smtClean="0">
-                <a:latin typeface="Helvetica Neue LT Std 67 Medium Condensed" charset="0"/>
-                <a:ea typeface="Helvetica Neue LT Std 67 Medium Condensed" charset="0"/>
-                <a:cs typeface="Helvetica Neue LT Std 67 Medium Condensed" charset="0"/>
-              </a:rPr>
-              <a:t>Nudge</a:t>
-            </a:r>
-            <a:r>
-              <a:rPr lang="de-DE" sz="500" dirty="0" smtClean="0">
-                <a:latin typeface="Helvetica Neue LT Std 67 Medium Condensed" charset="0"/>
-                <a:ea typeface="Helvetica Neue LT Std 67 Medium Condensed" charset="0"/>
-                <a:cs typeface="Helvetica Neue LT Std 67 Medium Condensed" charset="0"/>
-              </a:rPr>
-              <a:t> Start </a:t>
-            </a:r>
-            <a:r>
-              <a:rPr lang="de-DE" sz="500" dirty="0" err="1" smtClean="0">
-                <a:latin typeface="Helvetica Neue LT Std 67 Medium Condensed" charset="0"/>
-                <a:ea typeface="Helvetica Neue LT Std 67 Medium Condensed" charset="0"/>
-                <a:cs typeface="Helvetica Neue LT Std 67 Medium Condensed" charset="0"/>
-              </a:rPr>
-              <a:t>of</a:t>
-            </a:r>
-            <a:r>
-              <a:rPr lang="de-DE" sz="500" dirty="0" smtClean="0">
-                <a:latin typeface="Helvetica Neue LT Std 67 Medium Condensed" charset="0"/>
-                <a:ea typeface="Helvetica Neue LT Std 67 Medium Condensed" charset="0"/>
-                <a:cs typeface="Helvetica Neue LT Std 67 Medium Condensed" charset="0"/>
-              </a:rPr>
-              <a:t> Time-</a:t>
-            </a:r>
-            <a:r>
-              <a:rPr lang="de-DE" sz="500" dirty="0" err="1" smtClean="0">
-                <a:latin typeface="Helvetica Neue LT Std 67 Medium Condensed" charset="0"/>
-                <a:ea typeface="Helvetica Neue LT Std 67 Medium Condensed" charset="0"/>
-                <a:cs typeface="Helvetica Neue LT Std 67 Medium Condensed" charset="0"/>
-              </a:rPr>
-              <a:t>Selection</a:t>
-            </a:r>
-            <a:r>
-              <a:rPr lang="de-DE" sz="500" dirty="0" smtClean="0">
-                <a:latin typeface="Helvetica Neue LT Std 67 Medium Condensed" charset="0"/>
-                <a:ea typeface="Helvetica Neue LT Std 67 Medium Condensed" charset="0"/>
-                <a:cs typeface="Helvetica Neue LT Std 67 Medium Condensed" charset="0"/>
-              </a:rPr>
-              <a:t> </a:t>
-            </a:r>
-            <a:r>
-              <a:rPr lang="de-DE" sz="500" dirty="0" err="1" smtClean="0">
-                <a:latin typeface="Helvetica Neue LT Std 67 Medium Condensed" charset="0"/>
-                <a:ea typeface="Helvetica Neue LT Std 67 Medium Condensed" charset="0"/>
-                <a:cs typeface="Helvetica Neue LT Std 67 Medium Condensed" charset="0"/>
-              </a:rPr>
-              <a:t>Right</a:t>
-            </a:r>
-            <a:endParaRPr lang="de-DE" sz="500" dirty="0" smtClean="0">
-              <a:solidFill>
-                <a:schemeClr val="accent2">
-                  <a:lumMod val="75000"/>
-                </a:schemeClr>
-              </a:solidFill>
-              <a:latin typeface="Helvetica Neue LT Std 67 Medium Condensed" charset="0"/>
-              <a:ea typeface="Helvetica Neue LT Std 67 Medium Condensed" charset="0"/>
-              <a:cs typeface="Helvetica Neue LT Std 67 Medium Condensed" charset="0"/>
-            </a:endParaRPr>
-          </a:p>
-        </p:txBody>
-      </p:sp>
-      <p:sp>
-        <p:nvSpPr>
-          <p:cNvPr id="39" name="Abgerundetes Rechteck 38"/>
+          <p:cNvPr id="260" name="Abgerundetes Rechteck 259"/>
           <p:cNvSpPr/>
           <p:nvPr/>
         </p:nvSpPr>
         <p:spPr>
           <a:xfrm>
-            <a:off x="5354571" y="3173686"/>
+            <a:off x="2197935" y="4346279"/>
             <a:ext cx="495160" cy="483856"/>
           </a:xfrm>
           <a:prstGeom prst="roundRect">
@@ -4949,13 +4931,13 @@
       </p:sp>
       <p:sp>
         <p:nvSpPr>
-          <p:cNvPr id="5" name="Abgerundetes Rechteck 4"/>
+          <p:cNvPr id="262" name="Abgerundetes Rechteck 261"/>
           <p:cNvSpPr/>
           <p:nvPr/>
         </p:nvSpPr>
         <p:spPr>
           <a:xfrm>
-            <a:off x="2363189" y="3173686"/>
+            <a:off x="2807240" y="4346279"/>
             <a:ext cx="495160" cy="483856"/>
           </a:xfrm>
           <a:prstGeom prst="roundRect">
@@ -4964,14 +4946,16 @@
             </a:avLst>
           </a:prstGeom>
           <a:solidFill>
-            <a:schemeClr val="accent1">
+            <a:schemeClr val="accent4">
               <a:lumMod val="20000"/>
               <a:lumOff val="80000"/>
             </a:schemeClr>
           </a:solidFill>
           <a:ln>
             <a:solidFill>
-              <a:schemeClr val="accent1"/>
+              <a:schemeClr val="accent4">
+                <a:lumMod val="50000"/>
+              </a:schemeClr>
             </a:solidFill>
           </a:ln>
         </p:spPr>
@@ -5008,117 +4992,13 @@
       </p:sp>
       <p:sp>
         <p:nvSpPr>
-          <p:cNvPr id="6" name="Textfeld 5"/>
-          <p:cNvSpPr txBox="1"/>
-          <p:nvPr/>
-        </p:nvSpPr>
-        <p:spPr>
-          <a:xfrm>
-            <a:off x="2476232" y="3174542"/>
-            <a:ext cx="375424" cy="246221"/>
-          </a:xfrm>
-          <a:prstGeom prst="rect">
-            <a:avLst/>
-          </a:prstGeom>
-          <a:noFill/>
-        </p:spPr>
-        <p:txBody>
-          <a:bodyPr wrap="none" rtlCol="0">
-            <a:spAutoFit/>
-          </a:bodyPr>
-          <a:lstStyle/>
-          <a:p>
-            <a:pPr>
-              <a:lnSpc>
-                <a:spcPts val="640"/>
-              </a:lnSpc>
-            </a:pPr>
-            <a:r>
-              <a:rPr lang="de-DE" sz="500" dirty="0" smtClean="0">
-                <a:latin typeface="Helvetica Neue LT Std 67 Medium Condensed" charset="0"/>
-                <a:ea typeface="Helvetica Neue LT Std 67 Medium Condensed" charset="0"/>
-                <a:cs typeface="Helvetica Neue LT Std 67 Medium Condensed" charset="0"/>
-              </a:rPr>
-              <a:t>Set Edit</a:t>
-            </a:r>
-            <a:r>
-              <a:rPr lang="de-DE" sz="500" dirty="0">
-                <a:latin typeface="Helvetica Neue LT Std 67 Medium Condensed" charset="0"/>
-                <a:ea typeface="Helvetica Neue LT Std 67 Medium Condensed" charset="0"/>
-                <a:cs typeface="Helvetica Neue LT Std 67 Medium Condensed" charset="0"/>
-              </a:rPr>
-              <a:t/>
-            </a:r>
-            <a:br>
-              <a:rPr lang="de-DE" sz="500" dirty="0">
-                <a:latin typeface="Helvetica Neue LT Std 67 Medium Condensed" charset="0"/>
-                <a:ea typeface="Helvetica Neue LT Std 67 Medium Condensed" charset="0"/>
-                <a:cs typeface="Helvetica Neue LT Std 67 Medium Condensed" charset="0"/>
-              </a:rPr>
-            </a:br>
-            <a:r>
-              <a:rPr lang="de-DE" sz="500" dirty="0" smtClean="0">
-                <a:latin typeface="Helvetica Neue LT Std 67 Medium Condensed" charset="0"/>
-                <a:ea typeface="Helvetica Neue LT Std 67 Medium Condensed" charset="0"/>
-                <a:cs typeface="Helvetica Neue LT Std 67 Medium Condensed" charset="0"/>
-              </a:rPr>
-              <a:t>Marker</a:t>
-            </a:r>
-            <a:endParaRPr lang="de-DE" sz="500" dirty="0">
-              <a:latin typeface="Helvetica Neue LT Std 67 Medium Condensed" charset="0"/>
-              <a:ea typeface="Helvetica Neue LT Std 67 Medium Condensed" charset="0"/>
-              <a:cs typeface="Helvetica Neue LT Std 67 Medium Condensed" charset="0"/>
-            </a:endParaRPr>
-          </a:p>
-        </p:txBody>
-      </p:sp>
-      <p:sp>
-        <p:nvSpPr>
-          <p:cNvPr id="8" name="Textfeld 7"/>
-          <p:cNvSpPr txBox="1"/>
-          <p:nvPr/>
-        </p:nvSpPr>
-        <p:spPr>
-          <a:xfrm>
-            <a:off x="2322668" y="3444003"/>
-            <a:ext cx="251992" cy="261610"/>
-          </a:xfrm>
-          <a:prstGeom prst="rect">
-            <a:avLst/>
-          </a:prstGeom>
-          <a:noFill/>
-        </p:spPr>
-        <p:txBody>
-          <a:bodyPr wrap="none" rtlCol="0">
-            <a:spAutoFit/>
-          </a:bodyPr>
-          <a:lstStyle/>
-          <a:p>
-            <a:r>
-              <a:rPr lang="de-DE" sz="1050" smtClean="0">
-                <a:latin typeface="Helvetica Neue LT Std 67 Medium Condensed" charset="0"/>
-                <a:ea typeface="Helvetica Neue LT Std 67 Medium Condensed" charset="0"/>
-                <a:cs typeface="Helvetica Neue LT Std 67 Medium Condensed" charset="0"/>
-              </a:rPr>
-              <a:t>E</a:t>
-            </a:r>
-            <a:endParaRPr lang="de-DE" sz="1050">
-              <a:latin typeface="Helvetica Neue LT Std 67 Medium Condensed" charset="0"/>
-              <a:ea typeface="Helvetica Neue LT Std 67 Medium Condensed" charset="0"/>
-              <a:cs typeface="Helvetica Neue LT Std 67 Medium Condensed" charset="0"/>
-            </a:endParaRPr>
-          </a:p>
-        </p:txBody>
-      </p:sp>
-      <p:sp>
-        <p:nvSpPr>
-          <p:cNvPr id="12" name="Abgerundetes Rechteck 11"/>
+          <p:cNvPr id="256" name="Abgerundetes Rechteck 255"/>
           <p:cNvSpPr/>
           <p:nvPr/>
         </p:nvSpPr>
         <p:spPr>
           <a:xfrm>
-            <a:off x="5217376" y="4346279"/>
+            <a:off x="1602977" y="4346279"/>
             <a:ext cx="495160" cy="483856"/>
           </a:xfrm>
           <a:prstGeom prst="roundRect">
@@ -5127,14 +5007,16 @@
             </a:avLst>
           </a:prstGeom>
           <a:solidFill>
-            <a:schemeClr val="accent1">
+            <a:schemeClr val="accent4">
               <a:lumMod val="20000"/>
               <a:lumOff val="80000"/>
             </a:schemeClr>
           </a:solidFill>
           <a:ln>
             <a:solidFill>
-              <a:schemeClr val="accent1"/>
+              <a:schemeClr val="accent4">
+                <a:lumMod val="50000"/>
+              </a:schemeClr>
             </a:solidFill>
           </a:ln>
         </p:spPr>
@@ -5171,14 +5053,14 @@
       </p:sp>
       <p:sp>
         <p:nvSpPr>
-          <p:cNvPr id="13" name="Textfeld 12"/>
+          <p:cNvPr id="257" name="Textfeld 256"/>
           <p:cNvSpPr txBox="1"/>
           <p:nvPr/>
         </p:nvSpPr>
         <p:spPr>
           <a:xfrm>
-            <a:off x="5300301" y="4333581"/>
-            <a:ext cx="759239" cy="246221"/>
+            <a:off x="1556206" y="4339288"/>
+            <a:ext cx="585965" cy="323165"/>
           </a:xfrm>
           <a:prstGeom prst="rect">
             <a:avLst/>
@@ -5191,28 +5073,74 @@
           </a:bodyPr>
           <a:lstStyle/>
           <a:p>
-            <a:r>
-              <a:rPr lang="de-DE" sz="500" dirty="0" smtClean="0">
-                <a:latin typeface="Helvetica Neue LT Std 67 Medium Condensed" charset="0"/>
-                <a:ea typeface="Helvetica Neue LT Std 67 Medium Condensed" charset="0"/>
-                <a:cs typeface="Helvetica Neue LT Std 67 Medium Condensed" charset="0"/>
-              </a:rPr>
-              <a:t>Set Chapter</a:t>
-            </a:r>
-            <a:br>
-              <a:rPr lang="de-DE" sz="500" dirty="0" smtClean="0">
-                <a:latin typeface="Helvetica Neue LT Std 67 Medium Condensed" charset="0"/>
-                <a:ea typeface="Helvetica Neue LT Std 67 Medium Condensed" charset="0"/>
-                <a:cs typeface="Helvetica Neue LT Std 67 Medium Condensed" charset="0"/>
-              </a:rPr>
-            </a:br>
-            <a:r>
-              <a:rPr lang="de-DE" sz="500" dirty="0" smtClean="0">
-                <a:latin typeface="Helvetica Neue LT Std 67 Medium Condensed" charset="0"/>
-                <a:ea typeface="Helvetica Neue LT Std 67 Medium Condensed" charset="0"/>
-                <a:cs typeface="Helvetica Neue LT Std 67 Medium Condensed" charset="0"/>
-              </a:rPr>
-              <a:t>Marker</a:t>
+            <a:pPr algn="r">
+              <a:lnSpc>
+                <a:spcPts val="600"/>
+              </a:lnSpc>
+            </a:pPr>
+            <a:r>
+              <a:rPr lang="de-DE" sz="500" dirty="0" smtClean="0">
+                <a:latin typeface="Helvetica Neue LT Std 67 Medium Condensed" charset="0"/>
+                <a:ea typeface="Helvetica Neue LT Std 67 Medium Condensed" charset="0"/>
+                <a:cs typeface="Helvetica Neue LT Std 67 Medium Condensed" charset="0"/>
+              </a:rPr>
+              <a:t> </a:t>
+            </a:r>
+            <a:r>
+              <a:rPr lang="de-DE" sz="500" dirty="0" err="1" smtClean="0">
+                <a:latin typeface="Helvetica Neue LT Std 67 Medium Condensed" charset="0"/>
+                <a:ea typeface="Helvetica Neue LT Std 67 Medium Condensed" charset="0"/>
+                <a:cs typeface="Helvetica Neue LT Std 67 Medium Condensed" charset="0"/>
+              </a:rPr>
+              <a:t>Nudge</a:t>
+            </a:r>
+            <a:r>
+              <a:rPr lang="de-DE" sz="500" dirty="0" smtClean="0">
+                <a:latin typeface="Helvetica Neue LT Std 67 Medium Condensed" charset="0"/>
+                <a:ea typeface="Helvetica Neue LT Std 67 Medium Condensed" charset="0"/>
+                <a:cs typeface="Helvetica Neue LT Std 67 Medium Condensed" charset="0"/>
+              </a:rPr>
+              <a:t> Start </a:t>
+            </a:r>
+            <a:r>
+              <a:rPr lang="de-DE" sz="500" dirty="0" err="1" smtClean="0">
+                <a:latin typeface="Helvetica Neue LT Std 67 Medium Condensed" charset="0"/>
+                <a:ea typeface="Helvetica Neue LT Std 67 Medium Condensed" charset="0"/>
+                <a:cs typeface="Helvetica Neue LT Std 67 Medium Condensed" charset="0"/>
+              </a:rPr>
+              <a:t>of</a:t>
+            </a:r>
+            <a:r>
+              <a:rPr lang="de-DE" sz="500" dirty="0" smtClean="0">
+                <a:latin typeface="Helvetica Neue LT Std 67 Medium Condensed" charset="0"/>
+                <a:ea typeface="Helvetica Neue LT Std 67 Medium Condensed" charset="0"/>
+                <a:cs typeface="Helvetica Neue LT Std 67 Medium Condensed" charset="0"/>
+              </a:rPr>
+              <a:t> Time-</a:t>
+            </a:r>
+            <a:r>
+              <a:rPr lang="de-DE" sz="500" dirty="0" err="1" smtClean="0">
+                <a:latin typeface="Helvetica Neue LT Std 67 Medium Condensed" charset="0"/>
+                <a:ea typeface="Helvetica Neue LT Std 67 Medium Condensed" charset="0"/>
+                <a:cs typeface="Helvetica Neue LT Std 67 Medium Condensed" charset="0"/>
+              </a:rPr>
+              <a:t>Selection</a:t>
+            </a:r>
+            <a:r>
+              <a:rPr lang="de-DE" sz="500" dirty="0" smtClean="0">
+                <a:latin typeface="Helvetica Neue LT Std 67 Medium Condensed" charset="0"/>
+                <a:ea typeface="Helvetica Neue LT Std 67 Medium Condensed" charset="0"/>
+                <a:cs typeface="Helvetica Neue LT Std 67 Medium Condensed" charset="0"/>
+              </a:rPr>
+              <a:t> </a:t>
+            </a:r>
+            <a:r>
+              <a:rPr lang="de-DE" sz="500" dirty="0" err="1" smtClean="0">
+                <a:latin typeface="Helvetica Neue LT Std 67 Medium Condensed" charset="0"/>
+                <a:ea typeface="Helvetica Neue LT Std 67 Medium Condensed" charset="0"/>
+                <a:cs typeface="Helvetica Neue LT Std 67 Medium Condensed" charset="0"/>
+              </a:rPr>
+              <a:t>Right</a:t>
             </a:r>
             <a:endParaRPr lang="de-DE" sz="500" dirty="0" smtClean="0">
               <a:solidFill>
@@ -5229,89 +5157,13 @@
       </p:sp>
       <p:sp>
         <p:nvSpPr>
-          <p:cNvPr id="14" name="Textfeld 13"/>
-          <p:cNvSpPr txBox="1"/>
-          <p:nvPr/>
-        </p:nvSpPr>
-        <p:spPr>
-          <a:xfrm>
-            <a:off x="5152455" y="4640484"/>
-            <a:ext cx="282450" cy="253916"/>
-          </a:xfrm>
-          <a:prstGeom prst="rect">
-            <a:avLst/>
-          </a:prstGeom>
-          <a:noFill/>
-        </p:spPr>
-        <p:txBody>
-          <a:bodyPr wrap="none" rtlCol="0">
-            <a:spAutoFit/>
-          </a:bodyPr>
-          <a:lstStyle/>
-          <a:p>
-            <a:r>
-              <a:rPr lang="de-DE" sz="1050" dirty="0" smtClean="0">
-                <a:latin typeface="Helvetica Neue LT Std 67 Medium Condensed" charset="0"/>
-                <a:ea typeface="Helvetica Neue LT Std 67 Medium Condensed" charset="0"/>
-                <a:cs typeface="Helvetica Neue LT Std 67 Medium Condensed" charset="0"/>
-              </a:rPr>
-              <a:t>M</a:t>
-            </a:r>
-            <a:endParaRPr lang="de-DE" sz="1050" dirty="0">
-              <a:latin typeface="Helvetica Neue LT Std 67 Medium Condensed" charset="0"/>
-              <a:ea typeface="Helvetica Neue LT Std 67 Medium Condensed" charset="0"/>
-              <a:cs typeface="Helvetica Neue LT Std 67 Medium Condensed" charset="0"/>
-            </a:endParaRPr>
-          </a:p>
-        </p:txBody>
-      </p:sp>
-      <p:sp>
-        <p:nvSpPr>
-          <p:cNvPr id="15" name="Rechteck 14"/>
+          <p:cNvPr id="39" name="Abgerundetes Rechteck 38"/>
           <p:cNvSpPr/>
           <p:nvPr/>
         </p:nvSpPr>
         <p:spPr>
           <a:xfrm>
-            <a:off x="5149391" y="4486212"/>
-            <a:ext cx="248786" cy="246221"/>
-          </a:xfrm>
-          <a:prstGeom prst="rect">
-            <a:avLst/>
-          </a:prstGeom>
-        </p:spPr>
-        <p:txBody>
-          <a:bodyPr wrap="none">
-            <a:spAutoFit/>
-          </a:bodyPr>
-          <a:lstStyle/>
-          <a:p>
-            <a:r>
-              <a:rPr lang="de-DE" sz="1000" dirty="0" smtClean="0">
-                <a:solidFill>
-                  <a:schemeClr val="accent2">
-                    <a:lumMod val="75000"/>
-                  </a:schemeClr>
-                </a:solidFill>
-                <a:latin typeface="Helvetica Neue LT Std 67 Medium Condensed" charset="0"/>
-                <a:ea typeface="Helvetica Neue LT Std 67 Medium Condensed" charset="0"/>
-                <a:cs typeface="Helvetica Neue LT Std 67 Medium Condensed" charset="0"/>
-              </a:rPr>
-              <a:t>⇧</a:t>
-            </a:r>
-            <a:endParaRPr lang="de-DE" sz="1400" dirty="0"/>
-          </a:p>
-        </p:txBody>
-      </p:sp>
-      <p:sp>
-        <p:nvSpPr>
-          <p:cNvPr id="19" name="Abgerundetes Rechteck 18"/>
-          <p:cNvSpPr/>
-          <p:nvPr/>
-        </p:nvSpPr>
-        <p:spPr>
-          <a:xfrm>
-            <a:off x="1916624" y="3772794"/>
+            <a:off x="5354571" y="3173686"/>
             <a:ext cx="495160" cy="483856"/>
           </a:xfrm>
           <a:prstGeom prst="roundRect">
@@ -5366,297 +5218,14 @@
       </p:sp>
       <p:sp>
         <p:nvSpPr>
-          <p:cNvPr id="20" name="Textfeld 19"/>
-          <p:cNvSpPr txBox="1"/>
-          <p:nvPr/>
-        </p:nvSpPr>
-        <p:spPr>
-          <a:xfrm>
-            <a:off x="1871739" y="3785107"/>
-            <a:ext cx="759239" cy="284693"/>
-          </a:xfrm>
-          <a:prstGeom prst="rect">
-            <a:avLst/>
-          </a:prstGeom>
-          <a:noFill/>
-        </p:spPr>
-        <p:txBody>
-          <a:bodyPr wrap="square" rtlCol="0" anchor="t">
-            <a:spAutoFit/>
-          </a:bodyPr>
-          <a:lstStyle/>
-          <a:p>
-            <a:pPr>
-              <a:lnSpc>
-                <a:spcPts val="500"/>
-              </a:lnSpc>
-            </a:pPr>
-            <a:r>
-              <a:rPr lang="de-DE" sz="500" dirty="0" smtClean="0">
-                <a:latin typeface="Helvetica Neue LT Std 67 Medium Condensed" charset="0"/>
-                <a:ea typeface="Helvetica Neue LT Std 67 Medium Condensed" charset="0"/>
-                <a:cs typeface="Helvetica Neue LT Std 67 Medium Condensed" charset="0"/>
-              </a:rPr>
-              <a:t>          Split Items</a:t>
-            </a:r>
-            <a:br>
-              <a:rPr lang="de-DE" sz="500" dirty="0" smtClean="0">
-                <a:latin typeface="Helvetica Neue LT Std 67 Medium Condensed" charset="0"/>
-                <a:ea typeface="Helvetica Neue LT Std 67 Medium Condensed" charset="0"/>
-                <a:cs typeface="Helvetica Neue LT Std 67 Medium Condensed" charset="0"/>
-              </a:rPr>
-            </a:br>
-            <a:endParaRPr lang="de-DE" sz="1000" dirty="0" smtClean="0">
-              <a:solidFill>
-                <a:schemeClr val="accent2">
-                  <a:lumMod val="75000"/>
-                </a:schemeClr>
-              </a:solidFill>
-              <a:latin typeface="Helvetica Neue LT Std 67 Medium Condensed" charset="0"/>
-              <a:ea typeface="Helvetica Neue LT Std 67 Medium Condensed" charset="0"/>
-              <a:cs typeface="Helvetica Neue LT Std 67 Medium Condensed" charset="0"/>
-            </a:endParaRPr>
-          </a:p>
-          <a:p>
-            <a:pPr>
-              <a:lnSpc>
-                <a:spcPts val="500"/>
-              </a:lnSpc>
-            </a:pPr>
-            <a:r>
-              <a:rPr lang="de-DE" sz="1000" dirty="0">
-                <a:solidFill>
-                  <a:schemeClr val="accent2">
-                    <a:lumMod val="75000"/>
-                  </a:schemeClr>
-                </a:solidFill>
-                <a:latin typeface="Helvetica Neue LT Std 67 Medium Condensed" charset="0"/>
-                <a:ea typeface="Helvetica Neue LT Std 67 Medium Condensed" charset="0"/>
-                <a:cs typeface="Helvetica Neue LT Std 67 Medium Condensed" charset="0"/>
-              </a:rPr>
-              <a:t> </a:t>
-            </a:r>
-            <a:r>
-              <a:rPr lang="de-DE" sz="1000" dirty="0" smtClean="0">
-                <a:solidFill>
-                  <a:schemeClr val="accent2">
-                    <a:lumMod val="75000"/>
-                  </a:schemeClr>
-                </a:solidFill>
-                <a:latin typeface="Helvetica Neue LT Std 67 Medium Condensed" charset="0"/>
-                <a:ea typeface="Helvetica Neue LT Std 67 Medium Condensed" charset="0"/>
-                <a:cs typeface="Helvetica Neue LT Std 67 Medium Condensed" charset="0"/>
-              </a:rPr>
-              <a:t> </a:t>
-            </a:r>
-            <a:r>
-              <a:rPr lang="de-DE" sz="500" dirty="0" smtClean="0">
-                <a:solidFill>
-                  <a:schemeClr val="accent2">
-                    <a:lumMod val="75000"/>
-                  </a:schemeClr>
-                </a:solidFill>
-                <a:latin typeface="Helvetica Neue LT Std 67 Medium Condensed" charset="0"/>
-                <a:ea typeface="Helvetica Neue LT Std 67 Medium Condensed" charset="0"/>
-                <a:cs typeface="Helvetica Neue LT Std 67 Medium Condensed" charset="0"/>
-              </a:rPr>
-              <a:t>Split Time Sel.</a:t>
-            </a:r>
-          </a:p>
-        </p:txBody>
-      </p:sp>
-      <p:sp>
-        <p:nvSpPr>
-          <p:cNvPr id="21" name="Textfeld 20"/>
-          <p:cNvSpPr txBox="1"/>
-          <p:nvPr/>
-        </p:nvSpPr>
-        <p:spPr>
-          <a:xfrm>
-            <a:off x="1850564" y="4049674"/>
-            <a:ext cx="255198" cy="253916"/>
-          </a:xfrm>
-          <a:prstGeom prst="rect">
-            <a:avLst/>
-          </a:prstGeom>
-          <a:noFill/>
-        </p:spPr>
-        <p:txBody>
-          <a:bodyPr wrap="none" rtlCol="0">
-            <a:spAutoFit/>
-          </a:bodyPr>
-          <a:lstStyle/>
-          <a:p>
-            <a:r>
-              <a:rPr lang="de-DE" sz="1050" dirty="0" smtClean="0">
-                <a:latin typeface="Helvetica Neue LT Std 67 Medium Condensed" charset="0"/>
-                <a:ea typeface="Helvetica Neue LT Std 67 Medium Condensed" charset="0"/>
-                <a:cs typeface="Helvetica Neue LT Std 67 Medium Condensed" charset="0"/>
-              </a:rPr>
-              <a:t>S</a:t>
-            </a:r>
-            <a:endParaRPr lang="de-DE" sz="1050" dirty="0">
-              <a:latin typeface="Helvetica Neue LT Std 67 Medium Condensed" charset="0"/>
-              <a:ea typeface="Helvetica Neue LT Std 67 Medium Condensed" charset="0"/>
-              <a:cs typeface="Helvetica Neue LT Std 67 Medium Condensed" charset="0"/>
-            </a:endParaRPr>
-          </a:p>
-        </p:txBody>
-      </p:sp>
-      <p:sp>
-        <p:nvSpPr>
-          <p:cNvPr id="22" name="Rechteck 21"/>
+          <p:cNvPr id="5" name="Abgerundetes Rechteck 4"/>
           <p:cNvSpPr/>
           <p:nvPr/>
         </p:nvSpPr>
         <p:spPr>
           <a:xfrm>
-            <a:off x="1850667" y="3855184"/>
-            <a:ext cx="248786" cy="246221"/>
-          </a:xfrm>
-          <a:prstGeom prst="rect">
-            <a:avLst/>
-          </a:prstGeom>
-        </p:spPr>
-        <p:txBody>
-          <a:bodyPr wrap="none">
-            <a:spAutoFit/>
-          </a:bodyPr>
-          <a:lstStyle/>
-          <a:p>
-            <a:r>
-              <a:rPr lang="de-DE" sz="1000" dirty="0" smtClean="0">
-                <a:solidFill>
-                  <a:schemeClr val="accent2">
-                    <a:lumMod val="75000"/>
-                  </a:schemeClr>
-                </a:solidFill>
-                <a:latin typeface="Helvetica Neue LT Std 67 Medium Condensed" charset="0"/>
-                <a:ea typeface="Helvetica Neue LT Std 67 Medium Condensed" charset="0"/>
-                <a:cs typeface="Helvetica Neue LT Std 67 Medium Condensed" charset="0"/>
-              </a:rPr>
-              <a:t>⇧</a:t>
-            </a:r>
-            <a:endParaRPr lang="de-DE" sz="1400" dirty="0"/>
-          </a:p>
-        </p:txBody>
-      </p:sp>
-      <p:sp>
-        <p:nvSpPr>
-          <p:cNvPr id="3" name="Rechteck 2"/>
-          <p:cNvSpPr/>
-          <p:nvPr/>
-        </p:nvSpPr>
-        <p:spPr>
-          <a:xfrm>
-            <a:off x="5243927" y="4583655"/>
-            <a:ext cx="537327" cy="188513"/>
-          </a:xfrm>
-          <a:prstGeom prst="rect">
-            <a:avLst/>
-          </a:prstGeom>
-        </p:spPr>
-        <p:txBody>
-          <a:bodyPr wrap="none">
-            <a:spAutoFit/>
-          </a:bodyPr>
-          <a:lstStyle/>
-          <a:p>
-            <a:pPr>
-              <a:lnSpc>
-                <a:spcPts val="800"/>
-              </a:lnSpc>
-            </a:pPr>
-            <a:r>
-              <a:rPr lang="de-DE" sz="500" dirty="0">
-                <a:solidFill>
-                  <a:schemeClr val="accent6">
-                    <a:lumMod val="75000"/>
-                  </a:schemeClr>
-                </a:solidFill>
-                <a:latin typeface="Helvetica Neue LT Std 67 Medium Condensed" charset="0"/>
-                <a:ea typeface="Helvetica Neue LT Std 67 Medium Condensed" charset="0"/>
-                <a:cs typeface="Helvetica Neue LT Std 67 Medium Condensed" charset="0"/>
-              </a:rPr>
-              <a:t>⌥ T-2 Marker</a:t>
-            </a:r>
-          </a:p>
-        </p:txBody>
-      </p:sp>
-      <p:sp>
-        <p:nvSpPr>
-          <p:cNvPr id="7" name="Rechteck 6"/>
-          <p:cNvSpPr/>
-          <p:nvPr/>
-        </p:nvSpPr>
-        <p:spPr>
-          <a:xfrm>
-            <a:off x="5212602" y="4526244"/>
-            <a:ext cx="572593" cy="169277"/>
-          </a:xfrm>
-          <a:prstGeom prst="rect">
-            <a:avLst/>
-          </a:prstGeom>
-        </p:spPr>
-        <p:txBody>
-          <a:bodyPr wrap="none">
-            <a:spAutoFit/>
-          </a:bodyPr>
-          <a:lstStyle/>
-          <a:p>
-            <a:r>
-              <a:rPr lang="de-DE" sz="500" dirty="0">
-                <a:solidFill>
-                  <a:schemeClr val="accent2">
-                    <a:lumMod val="75000"/>
-                  </a:schemeClr>
-                </a:solidFill>
-                <a:latin typeface="Helvetica Neue LT Std 67 Medium Condensed" charset="0"/>
-                <a:ea typeface="Helvetica Neue LT Std 67 Medium Condensed" charset="0"/>
-                <a:cs typeface="Helvetica Neue LT Std 67 Medium Condensed" charset="0"/>
-              </a:rPr>
-              <a:t> </a:t>
-            </a:r>
-            <a:r>
-              <a:rPr lang="de-DE" sz="500" dirty="0" err="1">
-                <a:solidFill>
-                  <a:schemeClr val="accent2">
-                    <a:lumMod val="75000"/>
-                  </a:schemeClr>
-                </a:solidFill>
-                <a:latin typeface="Helvetica Neue LT Std 67 Medium Condensed" charset="0"/>
-                <a:ea typeface="Helvetica Neue LT Std 67 Medium Condensed" charset="0"/>
-                <a:cs typeface="Helvetica Neue LT Std 67 Medium Condensed" charset="0"/>
-              </a:rPr>
-              <a:t>Named</a:t>
-            </a:r>
-            <a:r>
-              <a:rPr lang="de-DE" sz="500" dirty="0">
-                <a:solidFill>
-                  <a:schemeClr val="accent2">
-                    <a:lumMod val="75000"/>
-                  </a:schemeClr>
-                </a:solidFill>
-                <a:latin typeface="Helvetica Neue LT Std 67 Medium Condensed" charset="0"/>
-                <a:ea typeface="Helvetica Neue LT Std 67 Medium Condensed" charset="0"/>
-                <a:cs typeface="Helvetica Neue LT Std 67 Medium Condensed" charset="0"/>
-              </a:rPr>
-              <a:t> Marker</a:t>
-            </a:r>
-            <a:endParaRPr lang="de-DE" sz="500" dirty="0"/>
-          </a:p>
-        </p:txBody>
-      </p:sp>
-      <p:sp>
-        <p:nvSpPr>
-          <p:cNvPr id="23" name="Abgerundetes Rechteck 22"/>
-          <p:cNvSpPr/>
-          <p:nvPr/>
-        </p:nvSpPr>
-        <p:spPr>
-          <a:xfrm>
-            <a:off x="268822" y="4346279"/>
-            <a:ext cx="638144" cy="483856"/>
+            <a:off x="2363189" y="3173686"/>
+            <a:ext cx="495160" cy="483856"/>
           </a:xfrm>
           <a:prstGeom prst="roundRect">
             <a:avLst>
@@ -5664,15 +5233,14 @@
             </a:avLst>
           </a:prstGeom>
           <a:solidFill>
-            <a:schemeClr val="accent2">
-              <a:lumMod val="75000"/>
+            <a:schemeClr val="accent1">
+              <a:lumMod val="20000"/>
+              <a:lumOff val="80000"/>
             </a:schemeClr>
           </a:solidFill>
           <a:ln>
             <a:solidFill>
-              <a:schemeClr val="accent2">
-                <a:lumMod val="50000"/>
-              </a:schemeClr>
+              <a:schemeClr val="accent1"/>
             </a:solidFill>
           </a:ln>
         </p:spPr>
@@ -5709,98 +5277,118 @@
       </p:sp>
       <p:sp>
         <p:nvSpPr>
-          <p:cNvPr id="25" name="Rechteck 24"/>
+          <p:cNvPr id="6" name="Textfeld 5"/>
+          <p:cNvSpPr txBox="1"/>
+          <p:nvPr/>
+        </p:nvSpPr>
+        <p:spPr>
+          <a:xfrm>
+            <a:off x="2476232" y="3174542"/>
+            <a:ext cx="375424" cy="246221"/>
+          </a:xfrm>
+          <a:prstGeom prst="rect">
+            <a:avLst/>
+          </a:prstGeom>
+          <a:noFill/>
+        </p:spPr>
+        <p:txBody>
+          <a:bodyPr wrap="none" rtlCol="0">
+            <a:spAutoFit/>
+          </a:bodyPr>
+          <a:lstStyle/>
+          <a:p>
+            <a:pPr>
+              <a:lnSpc>
+                <a:spcPts val="640"/>
+              </a:lnSpc>
+            </a:pPr>
+            <a:r>
+              <a:rPr lang="de-DE" sz="500" dirty="0" smtClean="0">
+                <a:latin typeface="Helvetica Neue LT Std 67 Medium Condensed" charset="0"/>
+                <a:ea typeface="Helvetica Neue LT Std 67 Medium Condensed" charset="0"/>
+                <a:cs typeface="Helvetica Neue LT Std 67 Medium Condensed" charset="0"/>
+              </a:rPr>
+              <a:t>Set Edit</a:t>
+            </a:r>
+            <a:r>
+              <a:rPr lang="de-DE" sz="500" dirty="0">
+                <a:latin typeface="Helvetica Neue LT Std 67 Medium Condensed" charset="0"/>
+                <a:ea typeface="Helvetica Neue LT Std 67 Medium Condensed" charset="0"/>
+                <a:cs typeface="Helvetica Neue LT Std 67 Medium Condensed" charset="0"/>
+              </a:rPr>
+              <a:t/>
+            </a:r>
+            <a:br>
+              <a:rPr lang="de-DE" sz="500" dirty="0">
+                <a:latin typeface="Helvetica Neue LT Std 67 Medium Condensed" charset="0"/>
+                <a:ea typeface="Helvetica Neue LT Std 67 Medium Condensed" charset="0"/>
+                <a:cs typeface="Helvetica Neue LT Std 67 Medium Condensed" charset="0"/>
+              </a:rPr>
+            </a:br>
+            <a:r>
+              <a:rPr lang="de-DE" sz="500" dirty="0" smtClean="0">
+                <a:latin typeface="Helvetica Neue LT Std 67 Medium Condensed" charset="0"/>
+                <a:ea typeface="Helvetica Neue LT Std 67 Medium Condensed" charset="0"/>
+                <a:cs typeface="Helvetica Neue LT Std 67 Medium Condensed" charset="0"/>
+              </a:rPr>
+              <a:t>Marker</a:t>
+            </a:r>
+            <a:endParaRPr lang="de-DE" sz="500" dirty="0">
+              <a:latin typeface="Helvetica Neue LT Std 67 Medium Condensed" charset="0"/>
+              <a:ea typeface="Helvetica Neue LT Std 67 Medium Condensed" charset="0"/>
+              <a:cs typeface="Helvetica Neue LT Std 67 Medium Condensed" charset="0"/>
+            </a:endParaRPr>
+          </a:p>
+        </p:txBody>
+      </p:sp>
+      <p:sp>
+        <p:nvSpPr>
+          <p:cNvPr id="8" name="Textfeld 7"/>
+          <p:cNvSpPr txBox="1"/>
+          <p:nvPr/>
+        </p:nvSpPr>
+        <p:spPr>
+          <a:xfrm>
+            <a:off x="2322668" y="3444003"/>
+            <a:ext cx="251992" cy="261610"/>
+          </a:xfrm>
+          <a:prstGeom prst="rect">
+            <a:avLst/>
+          </a:prstGeom>
+          <a:noFill/>
+        </p:spPr>
+        <p:txBody>
+          <a:bodyPr wrap="none" rtlCol="0">
+            <a:spAutoFit/>
+          </a:bodyPr>
+          <a:lstStyle/>
+          <a:p>
+            <a:r>
+              <a:rPr lang="de-DE" sz="1050" smtClean="0">
+                <a:latin typeface="Helvetica Neue LT Std 67 Medium Condensed" charset="0"/>
+                <a:ea typeface="Helvetica Neue LT Std 67 Medium Condensed" charset="0"/>
+                <a:cs typeface="Helvetica Neue LT Std 67 Medium Condensed" charset="0"/>
+              </a:rPr>
+              <a:t>E</a:t>
+            </a:r>
+            <a:endParaRPr lang="de-DE" sz="1050">
+              <a:latin typeface="Helvetica Neue LT Std 67 Medium Condensed" charset="0"/>
+              <a:ea typeface="Helvetica Neue LT Std 67 Medium Condensed" charset="0"/>
+              <a:cs typeface="Helvetica Neue LT Std 67 Medium Condensed" charset="0"/>
+            </a:endParaRPr>
+          </a:p>
+        </p:txBody>
+      </p:sp>
+      <p:sp>
+        <p:nvSpPr>
+          <p:cNvPr id="12" name="Abgerundetes Rechteck 11"/>
           <p:cNvSpPr/>
           <p:nvPr/>
         </p:nvSpPr>
         <p:spPr>
           <a:xfrm>
-            <a:off x="235145" y="4350239"/>
-            <a:ext cx="389850" cy="584775"/>
-          </a:xfrm>
-          <a:prstGeom prst="rect">
-            <a:avLst/>
-          </a:prstGeom>
-        </p:spPr>
-        <p:txBody>
-          <a:bodyPr wrap="none">
-            <a:spAutoFit/>
-          </a:bodyPr>
-          <a:lstStyle/>
-          <a:p>
-            <a:r>
-              <a:rPr lang="de-DE" sz="3200" dirty="0" smtClean="0">
-                <a:solidFill>
-                  <a:schemeClr val="bg1"/>
-                </a:solidFill>
-                <a:latin typeface="Helvetica Neue LT Std 67 Medium Condensed" charset="0"/>
-                <a:ea typeface="Helvetica Neue LT Std 67 Medium Condensed" charset="0"/>
-                <a:cs typeface="Helvetica Neue LT Std 67 Medium Condensed" charset="0"/>
-              </a:rPr>
-              <a:t>⇧</a:t>
-            </a:r>
-            <a:endParaRPr lang="de-DE" sz="4800" dirty="0">
-              <a:solidFill>
-                <a:schemeClr val="bg1"/>
-              </a:solidFill>
-            </a:endParaRPr>
-          </a:p>
-        </p:txBody>
-      </p:sp>
-      <p:sp>
-        <p:nvSpPr>
-          <p:cNvPr id="9" name="Textfeld 8"/>
-          <p:cNvSpPr txBox="1"/>
-          <p:nvPr/>
-        </p:nvSpPr>
-        <p:spPr>
-          <a:xfrm>
-            <a:off x="470019" y="4559894"/>
-            <a:ext cx="410690" cy="253916"/>
-          </a:xfrm>
-          <a:prstGeom prst="rect">
-            <a:avLst/>
-          </a:prstGeom>
-          <a:noFill/>
-        </p:spPr>
-        <p:txBody>
-          <a:bodyPr wrap="none" rtlCol="0">
-            <a:spAutoFit/>
-          </a:bodyPr>
-          <a:lstStyle/>
-          <a:p>
-            <a:r>
-              <a:rPr lang="de-DE" sz="1050" smtClean="0">
-                <a:solidFill>
-                  <a:schemeClr val="bg1"/>
-                </a:solidFill>
-                <a:latin typeface="Helvetica Neue LT Std 67 Medium Condensed" charset="0"/>
-                <a:ea typeface="Helvetica Neue LT Std 67 Medium Condensed" charset="0"/>
-                <a:cs typeface="Helvetica Neue LT Std 67 Medium Condensed" charset="0"/>
-              </a:rPr>
-              <a:t>shift</a:t>
-            </a:r>
-            <a:endParaRPr lang="de-DE" sz="1050" dirty="0">
-              <a:solidFill>
-                <a:schemeClr val="bg1"/>
-              </a:solidFill>
-              <a:latin typeface="Helvetica Neue LT Std 67 Medium Condensed" charset="0"/>
-              <a:ea typeface="Helvetica Neue LT Std 67 Medium Condensed" charset="0"/>
-              <a:cs typeface="Helvetica Neue LT Std 67 Medium Condensed" charset="0"/>
-            </a:endParaRPr>
-          </a:p>
-        </p:txBody>
-      </p:sp>
-      <p:sp>
-        <p:nvSpPr>
-          <p:cNvPr id="26" name="Abgerundetes Rechteck 25"/>
-          <p:cNvSpPr/>
-          <p:nvPr/>
-        </p:nvSpPr>
-        <p:spPr>
-          <a:xfrm>
-            <a:off x="7610042" y="4346279"/>
-            <a:ext cx="1244026" cy="483856"/>
+            <a:off x="5217376" y="4346279"/>
+            <a:ext cx="495160" cy="483856"/>
           </a:xfrm>
           <a:prstGeom prst="roundRect">
             <a:avLst>
@@ -5808,15 +5396,14 @@
             </a:avLst>
           </a:prstGeom>
           <a:solidFill>
-            <a:schemeClr val="accent2">
-              <a:lumMod val="75000"/>
+            <a:schemeClr val="accent1">
+              <a:lumMod val="20000"/>
+              <a:lumOff val="80000"/>
             </a:schemeClr>
           </a:solidFill>
           <a:ln>
             <a:solidFill>
-              <a:schemeClr val="accent2">
-                <a:lumMod val="50000"/>
-              </a:schemeClr>
+              <a:schemeClr val="accent1"/>
             </a:solidFill>
           </a:ln>
         </p:spPr>
@@ -5853,14 +5440,110 @@
       </p:sp>
       <p:sp>
         <p:nvSpPr>
-          <p:cNvPr id="27" name="Rechteck 26"/>
+          <p:cNvPr id="13" name="Textfeld 12"/>
+          <p:cNvSpPr txBox="1"/>
+          <p:nvPr/>
+        </p:nvSpPr>
+        <p:spPr>
+          <a:xfrm>
+            <a:off x="5300301" y="4333581"/>
+            <a:ext cx="759239" cy="246221"/>
+          </a:xfrm>
+          <a:prstGeom prst="rect">
+            <a:avLst/>
+          </a:prstGeom>
+          <a:noFill/>
+        </p:spPr>
+        <p:txBody>
+          <a:bodyPr wrap="square" rtlCol="0" anchor="t">
+            <a:spAutoFit/>
+          </a:bodyPr>
+          <a:lstStyle/>
+          <a:p>
+            <a:r>
+              <a:rPr lang="de-DE" sz="500" dirty="0" smtClean="0">
+                <a:latin typeface="Helvetica Neue LT Std 67 Medium Condensed" charset="0"/>
+                <a:ea typeface="Helvetica Neue LT Std 67 Medium Condensed" charset="0"/>
+                <a:cs typeface="Helvetica Neue LT Std 67 Medium Condensed" charset="0"/>
+              </a:rPr>
+              <a:t>Set Chapter</a:t>
+            </a:r>
+            <a:br>
+              <a:rPr lang="de-DE" sz="500" dirty="0" smtClean="0">
+                <a:latin typeface="Helvetica Neue LT Std 67 Medium Condensed" charset="0"/>
+                <a:ea typeface="Helvetica Neue LT Std 67 Medium Condensed" charset="0"/>
+                <a:cs typeface="Helvetica Neue LT Std 67 Medium Condensed" charset="0"/>
+              </a:rPr>
+            </a:br>
+            <a:r>
+              <a:rPr lang="de-DE" sz="500" dirty="0" smtClean="0">
+                <a:latin typeface="Helvetica Neue LT Std 67 Medium Condensed" charset="0"/>
+                <a:ea typeface="Helvetica Neue LT Std 67 Medium Condensed" charset="0"/>
+                <a:cs typeface="Helvetica Neue LT Std 67 Medium Condensed" charset="0"/>
+              </a:rPr>
+              <a:t>Marker</a:t>
+            </a:r>
+            <a:endParaRPr lang="de-DE" sz="500" dirty="0" smtClean="0">
+              <a:solidFill>
+                <a:schemeClr val="accent2">
+                  <a:lumMod val="75000"/>
+                </a:schemeClr>
+              </a:solidFill>
+              <a:latin typeface="Helvetica Neue LT Std 67 Medium Condensed" charset="0"/>
+              <a:ea typeface="Helvetica Neue LT Std 67 Medium Condensed" charset="0"/>
+              <a:cs typeface="Helvetica Neue LT Std 67 Medium Condensed" charset="0"/>
+            </a:endParaRPr>
+          </a:p>
+        </p:txBody>
+      </p:sp>
+      <p:sp>
+        <p:nvSpPr>
+          <p:cNvPr id="14" name="Textfeld 13"/>
+          <p:cNvSpPr txBox="1"/>
+          <p:nvPr/>
+        </p:nvSpPr>
+        <p:spPr>
+          <a:xfrm>
+            <a:off x="5152455" y="4640484"/>
+            <a:ext cx="282450" cy="253916"/>
+          </a:xfrm>
+          <a:prstGeom prst="rect">
+            <a:avLst/>
+          </a:prstGeom>
+          <a:noFill/>
+        </p:spPr>
+        <p:txBody>
+          <a:bodyPr wrap="none" rtlCol="0">
+            <a:spAutoFit/>
+          </a:bodyPr>
+          <a:lstStyle/>
+          <a:p>
+            <a:r>
+              <a:rPr lang="de-DE" sz="1050" dirty="0" smtClean="0">
+                <a:latin typeface="Helvetica Neue LT Std 67 Medium Condensed" charset="0"/>
+                <a:ea typeface="Helvetica Neue LT Std 67 Medium Condensed" charset="0"/>
+                <a:cs typeface="Helvetica Neue LT Std 67 Medium Condensed" charset="0"/>
+              </a:rPr>
+              <a:t>M</a:t>
+            </a:r>
+            <a:endParaRPr lang="de-DE" sz="1050" dirty="0">
+              <a:latin typeface="Helvetica Neue LT Std 67 Medium Condensed" charset="0"/>
+              <a:ea typeface="Helvetica Neue LT Std 67 Medium Condensed" charset="0"/>
+              <a:cs typeface="Helvetica Neue LT Std 67 Medium Condensed" charset="0"/>
+            </a:endParaRPr>
+          </a:p>
+        </p:txBody>
+      </p:sp>
+      <p:sp>
+        <p:nvSpPr>
+          <p:cNvPr id="15" name="Rechteck 14"/>
           <p:cNvSpPr/>
           <p:nvPr/>
         </p:nvSpPr>
         <p:spPr>
           <a:xfrm>
-            <a:off x="8453592" y="4348443"/>
-            <a:ext cx="389850" cy="584775"/>
+            <a:off x="5149391" y="4486212"/>
+            <a:ext cx="248786" cy="246221"/>
           </a:xfrm>
           <a:prstGeom prst="rect">
             <a:avLst/>
@@ -5873,9 +5556,11 @@
           <a:lstStyle/>
           <a:p>
             <a:r>
-              <a:rPr lang="de-DE" sz="3200" dirty="0" smtClean="0">
-                <a:solidFill>
-                  <a:schemeClr val="bg1"/>
+              <a:rPr lang="de-DE" sz="1000" dirty="0" smtClean="0">
+                <a:solidFill>
+                  <a:schemeClr val="accent2">
+                    <a:lumMod val="75000"/>
+                  </a:schemeClr>
                 </a:solidFill>
                 <a:latin typeface="Helvetica Neue LT Std 67 Medium Condensed" charset="0"/>
                 <a:ea typeface="Helvetica Neue LT Std 67 Medium Condensed" charset="0"/>
@@ -5883,68 +5568,20 @@
               </a:rPr>
               <a:t>⇧</a:t>
             </a:r>
-            <a:endParaRPr lang="de-DE" sz="4800" dirty="0">
-              <a:solidFill>
-                <a:schemeClr val="bg1"/>
-              </a:solidFill>
-            </a:endParaRPr>
-          </a:p>
-        </p:txBody>
-      </p:sp>
-      <p:sp>
-        <p:nvSpPr>
-          <p:cNvPr id="28" name="Textfeld 27"/>
-          <p:cNvSpPr txBox="1"/>
-          <p:nvPr/>
-        </p:nvSpPr>
-        <p:spPr>
-          <a:xfrm>
-            <a:off x="8197814" y="4558098"/>
-            <a:ext cx="410690" cy="253916"/>
-          </a:xfrm>
-          <a:prstGeom prst="rect">
-            <a:avLst/>
-          </a:prstGeom>
-          <a:noFill/>
-        </p:spPr>
-        <p:txBody>
-          <a:bodyPr wrap="none" rtlCol="0">
-            <a:spAutoFit/>
-          </a:bodyPr>
-          <a:lstStyle/>
-          <a:p>
-            <a:r>
-              <a:rPr lang="de-DE" sz="1050" smtClean="0">
-                <a:solidFill>
-                  <a:schemeClr val="bg1"/>
-                </a:solidFill>
-                <a:latin typeface="Helvetica Neue LT Std 67 Medium Condensed" charset="0"/>
-                <a:ea typeface="Helvetica Neue LT Std 67 Medium Condensed" charset="0"/>
-                <a:cs typeface="Helvetica Neue LT Std 67 Medium Condensed" charset="0"/>
-              </a:rPr>
-              <a:t>shift</a:t>
-            </a:r>
-            <a:endParaRPr lang="de-DE" sz="1050" dirty="0">
-              <a:solidFill>
-                <a:schemeClr val="bg1"/>
-              </a:solidFill>
-              <a:latin typeface="Helvetica Neue LT Std 67 Medium Condensed" charset="0"/>
-              <a:ea typeface="Helvetica Neue LT Std 67 Medium Condensed" charset="0"/>
-              <a:cs typeface="Helvetica Neue LT Std 67 Medium Condensed" charset="0"/>
-            </a:endParaRPr>
-          </a:p>
-        </p:txBody>
-      </p:sp>
-      <p:sp>
-        <p:nvSpPr>
-          <p:cNvPr id="29" name="Abgerundetes Rechteck 28"/>
+            <a:endParaRPr lang="de-DE" sz="1400" dirty="0"/>
+          </a:p>
+        </p:txBody>
+      </p:sp>
+      <p:sp>
+        <p:nvSpPr>
+          <p:cNvPr id="19" name="Abgerundetes Rechteck 18"/>
           <p:cNvSpPr/>
           <p:nvPr/>
         </p:nvSpPr>
         <p:spPr>
           <a:xfrm>
-            <a:off x="1465491" y="4934941"/>
-            <a:ext cx="508273" cy="565152"/>
+            <a:off x="1916624" y="3772794"/>
+            <a:ext cx="495160" cy="483856"/>
           </a:xfrm>
           <a:prstGeom prst="roundRect">
             <a:avLst>
@@ -5952,13 +5589,14 @@
             </a:avLst>
           </a:prstGeom>
           <a:solidFill>
-            <a:schemeClr val="accent6">
-              <a:lumMod val="75000"/>
+            <a:schemeClr val="accent4">
+              <a:lumMod val="20000"/>
+              <a:lumOff val="80000"/>
             </a:schemeClr>
           </a:solidFill>
           <a:ln>
             <a:solidFill>
-              <a:schemeClr val="accent6">
+              <a:schemeClr val="accent4">
                 <a:lumMod val="50000"/>
               </a:schemeClr>
             </a:solidFill>
@@ -5997,14 +5635,153 @@
       </p:sp>
       <p:sp>
         <p:nvSpPr>
-          <p:cNvPr id="30" name="Rechteck 29"/>
+          <p:cNvPr id="20" name="Textfeld 19"/>
+          <p:cNvSpPr txBox="1"/>
+          <p:nvPr/>
+        </p:nvSpPr>
+        <p:spPr>
+          <a:xfrm>
+            <a:off x="1871739" y="3785107"/>
+            <a:ext cx="759239" cy="284693"/>
+          </a:xfrm>
+          <a:prstGeom prst="rect">
+            <a:avLst/>
+          </a:prstGeom>
+          <a:noFill/>
+        </p:spPr>
+        <p:txBody>
+          <a:bodyPr wrap="square" rtlCol="0" anchor="t">
+            <a:spAutoFit/>
+          </a:bodyPr>
+          <a:lstStyle/>
+          <a:p>
+            <a:pPr>
+              <a:lnSpc>
+                <a:spcPts val="500"/>
+              </a:lnSpc>
+            </a:pPr>
+            <a:r>
+              <a:rPr lang="de-DE" sz="500" dirty="0" smtClean="0">
+                <a:latin typeface="Helvetica Neue LT Std 67 Medium Condensed" charset="0"/>
+                <a:ea typeface="Helvetica Neue LT Std 67 Medium Condensed" charset="0"/>
+                <a:cs typeface="Helvetica Neue LT Std 67 Medium Condensed" charset="0"/>
+              </a:rPr>
+              <a:t>          Split Items</a:t>
+            </a:r>
+            <a:br>
+              <a:rPr lang="de-DE" sz="500" dirty="0" smtClean="0">
+                <a:latin typeface="Helvetica Neue LT Std 67 Medium Condensed" charset="0"/>
+                <a:ea typeface="Helvetica Neue LT Std 67 Medium Condensed" charset="0"/>
+                <a:cs typeface="Helvetica Neue LT Std 67 Medium Condensed" charset="0"/>
+              </a:rPr>
+            </a:br>
+            <a:endParaRPr lang="de-DE" sz="1000" dirty="0" smtClean="0">
+              <a:solidFill>
+                <a:schemeClr val="accent2">
+                  <a:lumMod val="75000"/>
+                </a:schemeClr>
+              </a:solidFill>
+              <a:latin typeface="Helvetica Neue LT Std 67 Medium Condensed" charset="0"/>
+              <a:ea typeface="Helvetica Neue LT Std 67 Medium Condensed" charset="0"/>
+              <a:cs typeface="Helvetica Neue LT Std 67 Medium Condensed" charset="0"/>
+            </a:endParaRPr>
+          </a:p>
+          <a:p>
+            <a:pPr>
+              <a:lnSpc>
+                <a:spcPts val="500"/>
+              </a:lnSpc>
+            </a:pPr>
+            <a:r>
+              <a:rPr lang="de-DE" sz="1000" dirty="0">
+                <a:solidFill>
+                  <a:schemeClr val="accent2">
+                    <a:lumMod val="75000"/>
+                  </a:schemeClr>
+                </a:solidFill>
+                <a:latin typeface="Helvetica Neue LT Std 67 Medium Condensed" charset="0"/>
+                <a:ea typeface="Helvetica Neue LT Std 67 Medium Condensed" charset="0"/>
+                <a:cs typeface="Helvetica Neue LT Std 67 Medium Condensed" charset="0"/>
+              </a:rPr>
+              <a:t> </a:t>
+            </a:r>
+            <a:r>
+              <a:rPr lang="de-DE" sz="1000" dirty="0" smtClean="0">
+                <a:solidFill>
+                  <a:schemeClr val="accent2">
+                    <a:lumMod val="75000"/>
+                  </a:schemeClr>
+                </a:solidFill>
+                <a:latin typeface="Helvetica Neue LT Std 67 Medium Condensed" charset="0"/>
+                <a:ea typeface="Helvetica Neue LT Std 67 Medium Condensed" charset="0"/>
+                <a:cs typeface="Helvetica Neue LT Std 67 Medium Condensed" charset="0"/>
+              </a:rPr>
+              <a:t> </a:t>
+            </a:r>
+            <a:r>
+              <a:rPr lang="de-DE" sz="500" dirty="0" smtClean="0">
+                <a:solidFill>
+                  <a:schemeClr val="accent2">
+                    <a:lumMod val="75000"/>
+                  </a:schemeClr>
+                </a:solidFill>
+                <a:latin typeface="Helvetica Neue LT Std 67 Medium Condensed" charset="0"/>
+                <a:ea typeface="Helvetica Neue LT Std 67 Medium Condensed" charset="0"/>
+                <a:cs typeface="Helvetica Neue LT Std 67 Medium Condensed" charset="0"/>
+              </a:rPr>
+              <a:t>Split Time Sel.</a:t>
+            </a:r>
+          </a:p>
+        </p:txBody>
+      </p:sp>
+      <p:sp>
+        <p:nvSpPr>
+          <p:cNvPr id="21" name="Textfeld 20"/>
+          <p:cNvSpPr txBox="1"/>
+          <p:nvPr/>
+        </p:nvSpPr>
+        <p:spPr>
+          <a:xfrm>
+            <a:off x="1850564" y="4049674"/>
+            <a:ext cx="255198" cy="253916"/>
+          </a:xfrm>
+          <a:prstGeom prst="rect">
+            <a:avLst/>
+          </a:prstGeom>
+          <a:noFill/>
+        </p:spPr>
+        <p:txBody>
+          <a:bodyPr wrap="none" rtlCol="0">
+            <a:spAutoFit/>
+          </a:bodyPr>
+          <a:lstStyle/>
+          <a:p>
+            <a:r>
+              <a:rPr lang="de-DE" sz="1050" dirty="0" smtClean="0">
+                <a:latin typeface="Helvetica Neue LT Std 67 Medium Condensed" charset="0"/>
+                <a:ea typeface="Helvetica Neue LT Std 67 Medium Condensed" charset="0"/>
+                <a:cs typeface="Helvetica Neue LT Std 67 Medium Condensed" charset="0"/>
+              </a:rPr>
+              <a:t>S</a:t>
+            </a:r>
+            <a:endParaRPr lang="de-DE" sz="1050" dirty="0">
+              <a:latin typeface="Helvetica Neue LT Std 67 Medium Condensed" charset="0"/>
+              <a:ea typeface="Helvetica Neue LT Std 67 Medium Condensed" charset="0"/>
+              <a:cs typeface="Helvetica Neue LT Std 67 Medium Condensed" charset="0"/>
+            </a:endParaRPr>
+          </a:p>
+        </p:txBody>
+      </p:sp>
+      <p:sp>
+        <p:nvSpPr>
+          <p:cNvPr id="22" name="Rechteck 21"/>
           <p:cNvSpPr/>
           <p:nvPr/>
         </p:nvSpPr>
         <p:spPr>
           <a:xfrm>
-            <a:off x="1443190" y="5149404"/>
-            <a:ext cx="393056" cy="369332"/>
+            <a:off x="1850667" y="3855184"/>
+            <a:ext cx="248786" cy="246221"/>
           </a:xfrm>
           <a:prstGeom prst="rect">
             <a:avLst/>
@@ -6017,78 +5794,138 @@
           <a:lstStyle/>
           <a:p>
             <a:r>
-              <a:rPr lang="de-DE" dirty="0">
-                <a:solidFill>
-                  <a:schemeClr val="bg1"/>
-                </a:solidFill>
-                <a:latin typeface="Helvetica Neue LT Std 67 Medium Condensed" charset="0"/>
-                <a:ea typeface="Helvetica Neue LT Std 67 Medium Condensed" charset="0"/>
-                <a:cs typeface="Helvetica Neue LT Std 67 Medium Condensed" charset="0"/>
-              </a:rPr>
-              <a:t>⌥</a:t>
-            </a:r>
-            <a:endParaRPr lang="de-DE" sz="11500" dirty="0">
-              <a:solidFill>
-                <a:schemeClr val="bg1"/>
-              </a:solidFill>
-            </a:endParaRPr>
-          </a:p>
-        </p:txBody>
-      </p:sp>
-      <p:sp>
-        <p:nvSpPr>
-          <p:cNvPr id="31" name="Textfeld 30"/>
-          <p:cNvSpPr txBox="1"/>
-          <p:nvPr/>
-        </p:nvSpPr>
-        <p:spPr>
-          <a:xfrm>
-            <a:off x="1700366" y="5232681"/>
-            <a:ext cx="314510" cy="253916"/>
-          </a:xfrm>
-          <a:prstGeom prst="rect">
-            <a:avLst/>
-          </a:prstGeom>
-          <a:noFill/>
-        </p:spPr>
-        <p:txBody>
-          <a:bodyPr wrap="none" rtlCol="0">
-            <a:spAutoFit/>
-          </a:bodyPr>
-          <a:lstStyle/>
-          <a:p>
-            <a:r>
-              <a:rPr lang="de-DE" sz="1050" dirty="0" smtClean="0">
-                <a:solidFill>
-                  <a:schemeClr val="bg1"/>
-                </a:solidFill>
-                <a:latin typeface="Helvetica Neue LT Std 67 Medium Condensed" charset="0"/>
-                <a:ea typeface="Helvetica Neue LT Std 67 Medium Condensed" charset="0"/>
-                <a:cs typeface="Helvetica Neue LT Std 67 Medium Condensed" charset="0"/>
-              </a:rPr>
-              <a:t>alt</a:t>
-            </a:r>
-            <a:endParaRPr lang="de-DE" sz="1050" dirty="0">
-              <a:solidFill>
-                <a:schemeClr val="bg1"/>
-              </a:solidFill>
-              <a:latin typeface="Helvetica Neue LT Std 67 Medium Condensed" charset="0"/>
-              <a:ea typeface="Helvetica Neue LT Std 67 Medium Condensed" charset="0"/>
-              <a:cs typeface="Helvetica Neue LT Std 67 Medium Condensed" charset="0"/>
-            </a:endParaRPr>
-          </a:p>
-        </p:txBody>
-      </p:sp>
-      <p:sp>
-        <p:nvSpPr>
-          <p:cNvPr id="32" name="Abgerundetes Rechteck 31"/>
+              <a:rPr lang="de-DE" sz="1000" dirty="0" smtClean="0">
+                <a:solidFill>
+                  <a:schemeClr val="accent2">
+                    <a:lumMod val="75000"/>
+                  </a:schemeClr>
+                </a:solidFill>
+                <a:latin typeface="Helvetica Neue LT Std 67 Medium Condensed" charset="0"/>
+                <a:ea typeface="Helvetica Neue LT Std 67 Medium Condensed" charset="0"/>
+                <a:cs typeface="Helvetica Neue LT Std 67 Medium Condensed" charset="0"/>
+              </a:rPr>
+              <a:t>⇧</a:t>
+            </a:r>
+            <a:endParaRPr lang="de-DE" sz="1400" dirty="0"/>
+          </a:p>
+        </p:txBody>
+      </p:sp>
+      <p:sp>
+        <p:nvSpPr>
+          <p:cNvPr id="3" name="Rechteck 2"/>
           <p:cNvSpPr/>
           <p:nvPr/>
         </p:nvSpPr>
         <p:spPr>
           <a:xfrm>
-            <a:off x="6543084" y="4934941"/>
-            <a:ext cx="508273" cy="565152"/>
+            <a:off x="5243927" y="4583655"/>
+            <a:ext cx="537327" cy="188513"/>
+          </a:xfrm>
+          <a:prstGeom prst="rect">
+            <a:avLst/>
+          </a:prstGeom>
+        </p:spPr>
+        <p:txBody>
+          <a:bodyPr wrap="none">
+            <a:spAutoFit/>
+          </a:bodyPr>
+          <a:lstStyle/>
+          <a:p>
+            <a:pPr>
+              <a:lnSpc>
+                <a:spcPts val="800"/>
+              </a:lnSpc>
+            </a:pPr>
+            <a:r>
+              <a:rPr lang="de-DE" sz="500" dirty="0">
+                <a:solidFill>
+                  <a:schemeClr val="accent6">
+                    <a:lumMod val="75000"/>
+                  </a:schemeClr>
+                </a:solidFill>
+                <a:latin typeface="Helvetica Neue LT Std 67 Medium Condensed" charset="0"/>
+                <a:ea typeface="Helvetica Neue LT Std 67 Medium Condensed" charset="0"/>
+                <a:cs typeface="Helvetica Neue LT Std 67 Medium Condensed" charset="0"/>
+              </a:rPr>
+              <a:t>⌥ T-2 Marker</a:t>
+            </a:r>
+          </a:p>
+        </p:txBody>
+      </p:sp>
+      <p:sp>
+        <p:nvSpPr>
+          <p:cNvPr id="7" name="Rechteck 6"/>
+          <p:cNvSpPr/>
+          <p:nvPr/>
+        </p:nvSpPr>
+        <p:spPr>
+          <a:xfrm>
+            <a:off x="5212602" y="4526244"/>
+            <a:ext cx="572593" cy="169277"/>
+          </a:xfrm>
+          <a:prstGeom prst="rect">
+            <a:avLst/>
+          </a:prstGeom>
+        </p:spPr>
+        <p:txBody>
+          <a:bodyPr wrap="none">
+            <a:spAutoFit/>
+          </a:bodyPr>
+          <a:lstStyle/>
+          <a:p>
+            <a:r>
+              <a:rPr lang="de-DE" sz="500" dirty="0">
+                <a:solidFill>
+                  <a:schemeClr val="accent2">
+                    <a:lumMod val="75000"/>
+                  </a:schemeClr>
+                </a:solidFill>
+                <a:latin typeface="Helvetica Neue LT Std 67 Medium Condensed" charset="0"/>
+                <a:ea typeface="Helvetica Neue LT Std 67 Medium Condensed" charset="0"/>
+                <a:cs typeface="Helvetica Neue LT Std 67 Medium Condensed" charset="0"/>
+              </a:rPr>
+              <a:t> </a:t>
+            </a:r>
+            <a:r>
+              <a:rPr lang="de-DE" sz="500" dirty="0" err="1">
+                <a:solidFill>
+                  <a:schemeClr val="accent2">
+                    <a:lumMod val="75000"/>
+                  </a:schemeClr>
+                </a:solidFill>
+                <a:latin typeface="Helvetica Neue LT Std 67 Medium Condensed" charset="0"/>
+                <a:ea typeface="Helvetica Neue LT Std 67 Medium Condensed" charset="0"/>
+                <a:cs typeface="Helvetica Neue LT Std 67 Medium Condensed" charset="0"/>
+              </a:rPr>
+              <a:t>Named</a:t>
+            </a:r>
+            <a:r>
+              <a:rPr lang="de-DE" sz="500" dirty="0">
+                <a:solidFill>
+                  <a:schemeClr val="accent2">
+                    <a:lumMod val="75000"/>
+                  </a:schemeClr>
+                </a:solidFill>
+                <a:latin typeface="Helvetica Neue LT Std 67 Medium Condensed" charset="0"/>
+                <a:ea typeface="Helvetica Neue LT Std 67 Medium Condensed" charset="0"/>
+                <a:cs typeface="Helvetica Neue LT Std 67 Medium Condensed" charset="0"/>
+              </a:rPr>
+              <a:t> Marker</a:t>
+            </a:r>
+            <a:endParaRPr lang="de-DE" sz="500" dirty="0"/>
+          </a:p>
+        </p:txBody>
+      </p:sp>
+      <p:sp>
+        <p:nvSpPr>
+          <p:cNvPr id="23" name="Abgerundetes Rechteck 22"/>
+          <p:cNvSpPr/>
+          <p:nvPr/>
+        </p:nvSpPr>
+        <p:spPr>
+          <a:xfrm>
+            <a:off x="268822" y="4346279"/>
+            <a:ext cx="638144" cy="483856"/>
           </a:xfrm>
           <a:prstGeom prst="roundRect">
             <a:avLst>
@@ -6096,13 +5933,13 @@
             </a:avLst>
           </a:prstGeom>
           <a:solidFill>
-            <a:schemeClr val="accent6">
+            <a:schemeClr val="accent2">
               <a:lumMod val="75000"/>
             </a:schemeClr>
           </a:solidFill>
           <a:ln>
             <a:solidFill>
-              <a:schemeClr val="accent6">
+              <a:schemeClr val="accent2">
                 <a:lumMod val="50000"/>
               </a:schemeClr>
             </a:solidFill>
@@ -6141,13 +5978,301 @@
       </p:sp>
       <p:sp>
         <p:nvSpPr>
-          <p:cNvPr id="33" name="Rechteck 32"/>
+          <p:cNvPr id="25" name="Rechteck 24"/>
           <p:cNvSpPr/>
           <p:nvPr/>
         </p:nvSpPr>
         <p:spPr>
           <a:xfrm>
-            <a:off x="6520783" y="5149404"/>
+            <a:off x="235145" y="4350239"/>
+            <a:ext cx="389850" cy="584775"/>
+          </a:xfrm>
+          <a:prstGeom prst="rect">
+            <a:avLst/>
+          </a:prstGeom>
+        </p:spPr>
+        <p:txBody>
+          <a:bodyPr wrap="none">
+            <a:spAutoFit/>
+          </a:bodyPr>
+          <a:lstStyle/>
+          <a:p>
+            <a:r>
+              <a:rPr lang="de-DE" sz="3200" dirty="0" smtClean="0">
+                <a:solidFill>
+                  <a:schemeClr val="bg1"/>
+                </a:solidFill>
+                <a:latin typeface="Helvetica Neue LT Std 67 Medium Condensed" charset="0"/>
+                <a:ea typeface="Helvetica Neue LT Std 67 Medium Condensed" charset="0"/>
+                <a:cs typeface="Helvetica Neue LT Std 67 Medium Condensed" charset="0"/>
+              </a:rPr>
+              <a:t>⇧</a:t>
+            </a:r>
+            <a:endParaRPr lang="de-DE" sz="4800" dirty="0">
+              <a:solidFill>
+                <a:schemeClr val="bg1"/>
+              </a:solidFill>
+            </a:endParaRPr>
+          </a:p>
+        </p:txBody>
+      </p:sp>
+      <p:sp>
+        <p:nvSpPr>
+          <p:cNvPr id="9" name="Textfeld 8"/>
+          <p:cNvSpPr txBox="1"/>
+          <p:nvPr/>
+        </p:nvSpPr>
+        <p:spPr>
+          <a:xfrm>
+            <a:off x="470019" y="4559894"/>
+            <a:ext cx="410690" cy="253916"/>
+          </a:xfrm>
+          <a:prstGeom prst="rect">
+            <a:avLst/>
+          </a:prstGeom>
+          <a:noFill/>
+        </p:spPr>
+        <p:txBody>
+          <a:bodyPr wrap="none" rtlCol="0">
+            <a:spAutoFit/>
+          </a:bodyPr>
+          <a:lstStyle/>
+          <a:p>
+            <a:r>
+              <a:rPr lang="de-DE" sz="1050" smtClean="0">
+                <a:solidFill>
+                  <a:schemeClr val="bg1"/>
+                </a:solidFill>
+                <a:latin typeface="Helvetica Neue LT Std 67 Medium Condensed" charset="0"/>
+                <a:ea typeface="Helvetica Neue LT Std 67 Medium Condensed" charset="0"/>
+                <a:cs typeface="Helvetica Neue LT Std 67 Medium Condensed" charset="0"/>
+              </a:rPr>
+              <a:t>shift</a:t>
+            </a:r>
+            <a:endParaRPr lang="de-DE" sz="1050" dirty="0">
+              <a:solidFill>
+                <a:schemeClr val="bg1"/>
+              </a:solidFill>
+              <a:latin typeface="Helvetica Neue LT Std 67 Medium Condensed" charset="0"/>
+              <a:ea typeface="Helvetica Neue LT Std 67 Medium Condensed" charset="0"/>
+              <a:cs typeface="Helvetica Neue LT Std 67 Medium Condensed" charset="0"/>
+            </a:endParaRPr>
+          </a:p>
+        </p:txBody>
+      </p:sp>
+      <p:sp>
+        <p:nvSpPr>
+          <p:cNvPr id="26" name="Abgerundetes Rechteck 25"/>
+          <p:cNvSpPr/>
+          <p:nvPr/>
+        </p:nvSpPr>
+        <p:spPr>
+          <a:xfrm>
+            <a:off x="7610042" y="4346279"/>
+            <a:ext cx="1244026" cy="483856"/>
+          </a:xfrm>
+          <a:prstGeom prst="roundRect">
+            <a:avLst>
+              <a:gd name="adj" fmla="val 8710"/>
+            </a:avLst>
+          </a:prstGeom>
+          <a:solidFill>
+            <a:schemeClr val="accent2">
+              <a:lumMod val="75000"/>
+            </a:schemeClr>
+          </a:solidFill>
+          <a:ln>
+            <a:solidFill>
+              <a:schemeClr val="accent2">
+                <a:lumMod val="50000"/>
+              </a:schemeClr>
+            </a:solidFill>
+          </a:ln>
+        </p:spPr>
+        <p:style>
+          <a:lnRef idx="2">
+            <a:schemeClr val="accent1">
+              <a:shade val="50000"/>
+            </a:schemeClr>
+          </a:lnRef>
+          <a:fillRef idx="1">
+            <a:schemeClr val="accent1"/>
+          </a:fillRef>
+          <a:effectRef idx="0">
+            <a:schemeClr val="accent1"/>
+          </a:effectRef>
+          <a:fontRef idx="minor">
+            <a:schemeClr val="lt1"/>
+          </a:fontRef>
+        </p:style>
+        <p:txBody>
+          <a:bodyPr rtlCol="0" anchor="b"/>
+          <a:lstStyle/>
+          <a:p>
+            <a:endParaRPr lang="de-DE" sz="1000" dirty="0">
+              <a:solidFill>
+                <a:schemeClr val="tx1"/>
+              </a:solidFill>
+              <a:latin typeface="Helvetica Neue LT Std 67 Medium Condensed" charset="0"/>
+              <a:ea typeface="Helvetica Neue LT Std 67 Medium Condensed" charset="0"/>
+              <a:cs typeface="Helvetica Neue LT Std 67 Medium Condensed" charset="0"/>
+            </a:endParaRPr>
+          </a:p>
+        </p:txBody>
+      </p:sp>
+      <p:sp>
+        <p:nvSpPr>
+          <p:cNvPr id="27" name="Rechteck 26"/>
+          <p:cNvSpPr/>
+          <p:nvPr/>
+        </p:nvSpPr>
+        <p:spPr>
+          <a:xfrm>
+            <a:off x="8453592" y="4348443"/>
+            <a:ext cx="389850" cy="584775"/>
+          </a:xfrm>
+          <a:prstGeom prst="rect">
+            <a:avLst/>
+          </a:prstGeom>
+        </p:spPr>
+        <p:txBody>
+          <a:bodyPr wrap="none">
+            <a:spAutoFit/>
+          </a:bodyPr>
+          <a:lstStyle/>
+          <a:p>
+            <a:r>
+              <a:rPr lang="de-DE" sz="3200" dirty="0" smtClean="0">
+                <a:solidFill>
+                  <a:schemeClr val="bg1"/>
+                </a:solidFill>
+                <a:latin typeface="Helvetica Neue LT Std 67 Medium Condensed" charset="0"/>
+                <a:ea typeface="Helvetica Neue LT Std 67 Medium Condensed" charset="0"/>
+                <a:cs typeface="Helvetica Neue LT Std 67 Medium Condensed" charset="0"/>
+              </a:rPr>
+              <a:t>⇧</a:t>
+            </a:r>
+            <a:endParaRPr lang="de-DE" sz="4800" dirty="0">
+              <a:solidFill>
+                <a:schemeClr val="bg1"/>
+              </a:solidFill>
+            </a:endParaRPr>
+          </a:p>
+        </p:txBody>
+      </p:sp>
+      <p:sp>
+        <p:nvSpPr>
+          <p:cNvPr id="28" name="Textfeld 27"/>
+          <p:cNvSpPr txBox="1"/>
+          <p:nvPr/>
+        </p:nvSpPr>
+        <p:spPr>
+          <a:xfrm>
+            <a:off x="8197814" y="4558098"/>
+            <a:ext cx="410690" cy="253916"/>
+          </a:xfrm>
+          <a:prstGeom prst="rect">
+            <a:avLst/>
+          </a:prstGeom>
+          <a:noFill/>
+        </p:spPr>
+        <p:txBody>
+          <a:bodyPr wrap="none" rtlCol="0">
+            <a:spAutoFit/>
+          </a:bodyPr>
+          <a:lstStyle/>
+          <a:p>
+            <a:r>
+              <a:rPr lang="de-DE" sz="1050" smtClean="0">
+                <a:solidFill>
+                  <a:schemeClr val="bg1"/>
+                </a:solidFill>
+                <a:latin typeface="Helvetica Neue LT Std 67 Medium Condensed" charset="0"/>
+                <a:ea typeface="Helvetica Neue LT Std 67 Medium Condensed" charset="0"/>
+                <a:cs typeface="Helvetica Neue LT Std 67 Medium Condensed" charset="0"/>
+              </a:rPr>
+              <a:t>shift</a:t>
+            </a:r>
+            <a:endParaRPr lang="de-DE" sz="1050" dirty="0">
+              <a:solidFill>
+                <a:schemeClr val="bg1"/>
+              </a:solidFill>
+              <a:latin typeface="Helvetica Neue LT Std 67 Medium Condensed" charset="0"/>
+              <a:ea typeface="Helvetica Neue LT Std 67 Medium Condensed" charset="0"/>
+              <a:cs typeface="Helvetica Neue LT Std 67 Medium Condensed" charset="0"/>
+            </a:endParaRPr>
+          </a:p>
+        </p:txBody>
+      </p:sp>
+      <p:sp>
+        <p:nvSpPr>
+          <p:cNvPr id="29" name="Abgerundetes Rechteck 28"/>
+          <p:cNvSpPr/>
+          <p:nvPr/>
+        </p:nvSpPr>
+        <p:spPr>
+          <a:xfrm>
+            <a:off x="1465491" y="4934941"/>
+            <a:ext cx="508273" cy="565152"/>
+          </a:xfrm>
+          <a:prstGeom prst="roundRect">
+            <a:avLst>
+              <a:gd name="adj" fmla="val 8710"/>
+            </a:avLst>
+          </a:prstGeom>
+          <a:solidFill>
+            <a:schemeClr val="accent6">
+              <a:lumMod val="75000"/>
+            </a:schemeClr>
+          </a:solidFill>
+          <a:ln>
+            <a:solidFill>
+              <a:schemeClr val="accent6">
+                <a:lumMod val="50000"/>
+              </a:schemeClr>
+            </a:solidFill>
+          </a:ln>
+        </p:spPr>
+        <p:style>
+          <a:lnRef idx="2">
+            <a:schemeClr val="accent1">
+              <a:shade val="50000"/>
+            </a:schemeClr>
+          </a:lnRef>
+          <a:fillRef idx="1">
+            <a:schemeClr val="accent1"/>
+          </a:fillRef>
+          <a:effectRef idx="0">
+            <a:schemeClr val="accent1"/>
+          </a:effectRef>
+          <a:fontRef idx="minor">
+            <a:schemeClr val="lt1"/>
+          </a:fontRef>
+        </p:style>
+        <p:txBody>
+          <a:bodyPr rtlCol="0" anchor="b"/>
+          <a:lstStyle/>
+          <a:p>
+            <a:endParaRPr lang="de-DE" sz="1000" dirty="0">
+              <a:solidFill>
+                <a:schemeClr val="tx1"/>
+              </a:solidFill>
+              <a:latin typeface="Helvetica Neue LT Std 67 Medium Condensed" charset="0"/>
+              <a:ea typeface="Helvetica Neue LT Std 67 Medium Condensed" charset="0"/>
+              <a:cs typeface="Helvetica Neue LT Std 67 Medium Condensed" charset="0"/>
+            </a:endParaRPr>
+          </a:p>
+        </p:txBody>
+      </p:sp>
+      <p:sp>
+        <p:nvSpPr>
+          <p:cNvPr id="30" name="Rechteck 29"/>
+          <p:cNvSpPr/>
+          <p:nvPr/>
+        </p:nvSpPr>
+        <p:spPr>
+          <a:xfrm>
+            <a:off x="1443190" y="5149404"/>
             <a:ext cx="393056" cy="369332"/>
           </a:xfrm>
           <a:prstGeom prst="rect">
@@ -6181,13 +6306,13 @@
       </p:sp>
       <p:sp>
         <p:nvSpPr>
-          <p:cNvPr id="34" name="Textfeld 33"/>
+          <p:cNvPr id="31" name="Textfeld 30"/>
           <p:cNvSpPr txBox="1"/>
           <p:nvPr/>
         </p:nvSpPr>
         <p:spPr>
           <a:xfrm>
-            <a:off x="6777959" y="5232681"/>
+            <a:off x="1700366" y="5232681"/>
             <a:ext cx="314510" cy="253916"/>
           </a:xfrm>
           <a:prstGeom prst="rect">
@@ -6225,6 +6350,150 @@
       </p:sp>
       <p:sp>
         <p:nvSpPr>
+          <p:cNvPr id="32" name="Abgerundetes Rechteck 31"/>
+          <p:cNvSpPr/>
+          <p:nvPr/>
+        </p:nvSpPr>
+        <p:spPr>
+          <a:xfrm>
+            <a:off x="6543084" y="4934941"/>
+            <a:ext cx="508273" cy="565152"/>
+          </a:xfrm>
+          <a:prstGeom prst="roundRect">
+            <a:avLst>
+              <a:gd name="adj" fmla="val 8710"/>
+            </a:avLst>
+          </a:prstGeom>
+          <a:solidFill>
+            <a:schemeClr val="accent6">
+              <a:lumMod val="75000"/>
+            </a:schemeClr>
+          </a:solidFill>
+          <a:ln>
+            <a:solidFill>
+              <a:schemeClr val="accent6">
+                <a:lumMod val="50000"/>
+              </a:schemeClr>
+            </a:solidFill>
+          </a:ln>
+        </p:spPr>
+        <p:style>
+          <a:lnRef idx="2">
+            <a:schemeClr val="accent1">
+              <a:shade val="50000"/>
+            </a:schemeClr>
+          </a:lnRef>
+          <a:fillRef idx="1">
+            <a:schemeClr val="accent1"/>
+          </a:fillRef>
+          <a:effectRef idx="0">
+            <a:schemeClr val="accent1"/>
+          </a:effectRef>
+          <a:fontRef idx="minor">
+            <a:schemeClr val="lt1"/>
+          </a:fontRef>
+        </p:style>
+        <p:txBody>
+          <a:bodyPr rtlCol="0" anchor="b"/>
+          <a:lstStyle/>
+          <a:p>
+            <a:endParaRPr lang="de-DE" sz="1000" dirty="0">
+              <a:solidFill>
+                <a:schemeClr val="tx1"/>
+              </a:solidFill>
+              <a:latin typeface="Helvetica Neue LT Std 67 Medium Condensed" charset="0"/>
+              <a:ea typeface="Helvetica Neue LT Std 67 Medium Condensed" charset="0"/>
+              <a:cs typeface="Helvetica Neue LT Std 67 Medium Condensed" charset="0"/>
+            </a:endParaRPr>
+          </a:p>
+        </p:txBody>
+      </p:sp>
+      <p:sp>
+        <p:nvSpPr>
+          <p:cNvPr id="33" name="Rechteck 32"/>
+          <p:cNvSpPr/>
+          <p:nvPr/>
+        </p:nvSpPr>
+        <p:spPr>
+          <a:xfrm>
+            <a:off x="6520783" y="5149404"/>
+            <a:ext cx="393056" cy="369332"/>
+          </a:xfrm>
+          <a:prstGeom prst="rect">
+            <a:avLst/>
+          </a:prstGeom>
+        </p:spPr>
+        <p:txBody>
+          <a:bodyPr wrap="none">
+            <a:spAutoFit/>
+          </a:bodyPr>
+          <a:lstStyle/>
+          <a:p>
+            <a:r>
+              <a:rPr lang="de-DE" dirty="0">
+                <a:solidFill>
+                  <a:schemeClr val="bg1"/>
+                </a:solidFill>
+                <a:latin typeface="Helvetica Neue LT Std 67 Medium Condensed" charset="0"/>
+                <a:ea typeface="Helvetica Neue LT Std 67 Medium Condensed" charset="0"/>
+                <a:cs typeface="Helvetica Neue LT Std 67 Medium Condensed" charset="0"/>
+              </a:rPr>
+              <a:t>⌥</a:t>
+            </a:r>
+            <a:endParaRPr lang="de-DE" sz="11500" dirty="0">
+              <a:solidFill>
+                <a:schemeClr val="bg1"/>
+              </a:solidFill>
+            </a:endParaRPr>
+          </a:p>
+        </p:txBody>
+      </p:sp>
+      <p:sp>
+        <p:nvSpPr>
+          <p:cNvPr id="34" name="Textfeld 33"/>
+          <p:cNvSpPr txBox="1"/>
+          <p:nvPr/>
+        </p:nvSpPr>
+        <p:spPr>
+          <a:xfrm>
+            <a:off x="6777959" y="5232681"/>
+            <a:ext cx="314510" cy="253916"/>
+          </a:xfrm>
+          <a:prstGeom prst="rect">
+            <a:avLst/>
+          </a:prstGeom>
+          <a:noFill/>
+        </p:spPr>
+        <p:txBody>
+          <a:bodyPr wrap="none" rtlCol="0">
+            <a:spAutoFit/>
+          </a:bodyPr>
+          <a:lstStyle/>
+          <a:p>
+            <a:r>
+              <a:rPr lang="de-DE" sz="1050" dirty="0" smtClean="0">
+                <a:solidFill>
+                  <a:schemeClr val="bg1"/>
+                </a:solidFill>
+                <a:latin typeface="Helvetica Neue LT Std 67 Medium Condensed" charset="0"/>
+                <a:ea typeface="Helvetica Neue LT Std 67 Medium Condensed" charset="0"/>
+                <a:cs typeface="Helvetica Neue LT Std 67 Medium Condensed" charset="0"/>
+              </a:rPr>
+              <a:t>alt</a:t>
+            </a:r>
+            <a:endParaRPr lang="de-DE" sz="1050" dirty="0">
+              <a:solidFill>
+                <a:schemeClr val="bg1"/>
+              </a:solidFill>
+              <a:latin typeface="Helvetica Neue LT Std 67 Medium Condensed" charset="0"/>
+              <a:ea typeface="Helvetica Neue LT Std 67 Medium Condensed" charset="0"/>
+              <a:cs typeface="Helvetica Neue LT Std 67 Medium Condensed" charset="0"/>
+            </a:endParaRPr>
+          </a:p>
+        </p:txBody>
+      </p:sp>
+      <p:sp>
+        <p:nvSpPr>
           <p:cNvPr id="10" name="Textfeld 9"/>
           <p:cNvSpPr txBox="1"/>
           <p:nvPr/>
@@ -6251,7 +6520,7 @@
                 <a:ea typeface="ultraschall" charset="-127"/>
                 <a:cs typeface="ultraschall" charset="-127"/>
               </a:rPr>
-              <a:t>4</a:t>
+              <a:t>5</a:t>
             </a:r>
             <a:endParaRPr lang="de-DE" sz="1200" dirty="0">
               <a:latin typeface="ultraschall" charset="-127"/>
@@ -6289,7 +6558,7 @@
                 <a:ea typeface="ultraschall" charset="-127"/>
                 <a:cs typeface="ultraschall" charset="-127"/>
               </a:rPr>
-              <a:t>5</a:t>
+              <a:t>6</a:t>
             </a:r>
             <a:endParaRPr lang="de-DE" sz="1200" dirty="0">
               <a:latin typeface="ultraschall" charset="-127"/>
@@ -6327,7 +6596,7 @@
                 <a:ea typeface="ultraschall" charset="-127"/>
                 <a:cs typeface="ultraschall" charset="-127"/>
               </a:rPr>
-              <a:t>6</a:t>
+              <a:t>7</a:t>
             </a:r>
             <a:endParaRPr lang="de-DE" sz="1100" dirty="0">
               <a:latin typeface="ultraschall" charset="-127"/>
@@ -11455,14 +11724,206 @@
       </p:sp>
       <p:sp>
         <p:nvSpPr>
-          <p:cNvPr id="145" name="Abgerundetes Rechteck 144"/>
+          <p:cNvPr id="146" name="Textfeld 145"/>
+          <p:cNvSpPr txBox="1"/>
+          <p:nvPr/>
+        </p:nvSpPr>
+        <p:spPr>
+          <a:xfrm>
+            <a:off x="1579972" y="4626278"/>
+            <a:ext cx="248786" cy="253916"/>
+          </a:xfrm>
+          <a:prstGeom prst="rect">
+            <a:avLst/>
+          </a:prstGeom>
+          <a:noFill/>
+        </p:spPr>
+        <p:txBody>
+          <a:bodyPr wrap="none" rtlCol="0">
+            <a:spAutoFit/>
+          </a:bodyPr>
+          <a:lstStyle/>
+          <a:p>
+            <a:r>
+              <a:rPr lang="de-DE" sz="1050" dirty="0" smtClean="0">
+                <a:latin typeface="Helvetica Neue LT Std 67 Medium Condensed" charset="0"/>
+                <a:ea typeface="Helvetica Neue LT Std 67 Medium Condensed" charset="0"/>
+                <a:cs typeface="Helvetica Neue LT Std 67 Medium Condensed" charset="0"/>
+              </a:rPr>
+              <a:t>Y</a:t>
+            </a:r>
+            <a:endParaRPr lang="de-DE" sz="1050" dirty="0">
+              <a:latin typeface="Helvetica Neue LT Std 67 Medium Condensed" charset="0"/>
+              <a:ea typeface="Helvetica Neue LT Std 67 Medium Condensed" charset="0"/>
+              <a:cs typeface="Helvetica Neue LT Std 67 Medium Condensed" charset="0"/>
+            </a:endParaRPr>
+          </a:p>
+        </p:txBody>
+      </p:sp>
+      <p:sp>
+        <p:nvSpPr>
+          <p:cNvPr id="148" name="Rechteck 147"/>
           <p:cNvSpPr/>
           <p:nvPr/>
         </p:nvSpPr>
         <p:spPr>
           <a:xfrm>
-            <a:off x="258655" y="2583572"/>
-            <a:ext cx="495160" cy="483856"/>
+            <a:off x="7063744" y="4457030"/>
+            <a:ext cx="503664" cy="223779"/>
+          </a:xfrm>
+          <a:prstGeom prst="rect">
+            <a:avLst/>
+          </a:prstGeom>
+        </p:spPr>
+        <p:txBody>
+          <a:bodyPr wrap="none">
+            <a:spAutoFit/>
+          </a:bodyPr>
+          <a:lstStyle/>
+          <a:p>
+            <a:pPr algn="r">
+              <a:lnSpc>
+                <a:spcPts val="500"/>
+              </a:lnSpc>
+            </a:pPr>
+            <a:r>
+              <a:rPr lang="de-DE" sz="500" dirty="0">
+                <a:solidFill>
+                  <a:schemeClr val="accent6">
+                    <a:lumMod val="75000"/>
+                  </a:schemeClr>
+                </a:solidFill>
+                <a:latin typeface="Helvetica Neue LT Std 67 Medium Condensed" charset="0"/>
+                <a:ea typeface="Helvetica Neue LT Std 67 Medium Condensed" charset="0"/>
+                <a:cs typeface="Helvetica Neue LT Std 67 Medium Condensed" charset="0"/>
+              </a:rPr>
+              <a:t>⌥ </a:t>
+            </a:r>
+            <a:r>
+              <a:rPr lang="de-DE" sz="500" dirty="0" smtClean="0">
+                <a:solidFill>
+                  <a:schemeClr val="accent6">
+                    <a:lumMod val="75000"/>
+                  </a:schemeClr>
+                </a:solidFill>
+                <a:latin typeface="Helvetica Neue LT Std 67 Medium Condensed" charset="0"/>
+                <a:ea typeface="Helvetica Neue LT Std 67 Medium Condensed" charset="0"/>
+                <a:cs typeface="Helvetica Neue LT Std 67 Medium Condensed" charset="0"/>
+              </a:rPr>
+              <a:t>Zoom out</a:t>
+            </a:r>
+            <a:br>
+              <a:rPr lang="de-DE" sz="500" dirty="0" smtClean="0">
+                <a:solidFill>
+                  <a:schemeClr val="accent6">
+                    <a:lumMod val="75000"/>
+                  </a:schemeClr>
+                </a:solidFill>
+                <a:latin typeface="Helvetica Neue LT Std 67 Medium Condensed" charset="0"/>
+                <a:ea typeface="Helvetica Neue LT Std 67 Medium Condensed" charset="0"/>
+                <a:cs typeface="Helvetica Neue LT Std 67 Medium Condensed" charset="0"/>
+              </a:rPr>
+            </a:br>
+            <a:r>
+              <a:rPr lang="de-DE" sz="500" dirty="0" smtClean="0">
+                <a:solidFill>
+                  <a:schemeClr val="accent6">
+                    <a:lumMod val="75000"/>
+                  </a:schemeClr>
+                </a:solidFill>
+                <a:latin typeface="Helvetica Neue LT Std 67 Medium Condensed" charset="0"/>
+                <a:ea typeface="Helvetica Neue LT Std 67 Medium Condensed" charset="0"/>
+                <a:cs typeface="Helvetica Neue LT Std 67 Medium Condensed" charset="0"/>
+              </a:rPr>
+              <a:t>     </a:t>
+            </a:r>
+            <a:r>
+              <a:rPr lang="de-DE" sz="500" dirty="0" err="1" smtClean="0">
+                <a:solidFill>
+                  <a:schemeClr val="accent6">
+                    <a:lumMod val="75000"/>
+                  </a:schemeClr>
+                </a:solidFill>
+                <a:latin typeface="Helvetica Neue LT Std 67 Medium Condensed" charset="0"/>
+                <a:ea typeface="Helvetica Neue LT Std 67 Medium Condensed" charset="0"/>
+                <a:cs typeface="Helvetica Neue LT Std 67 Medium Condensed" charset="0"/>
+              </a:rPr>
+              <a:t>to</a:t>
+            </a:r>
+            <a:r>
+              <a:rPr lang="de-DE" sz="500" dirty="0" smtClean="0">
+                <a:solidFill>
+                  <a:schemeClr val="accent6">
+                    <a:lumMod val="75000"/>
+                  </a:schemeClr>
+                </a:solidFill>
+                <a:latin typeface="Helvetica Neue LT Std 67 Medium Condensed" charset="0"/>
+                <a:ea typeface="Helvetica Neue LT Std 67 Medium Condensed" charset="0"/>
+                <a:cs typeface="Helvetica Neue LT Std 67 Medium Condensed" charset="0"/>
+              </a:rPr>
+              <a:t> Project</a:t>
+            </a:r>
+            <a:endParaRPr lang="de-DE" sz="500" dirty="0">
+              <a:solidFill>
+                <a:schemeClr val="accent6">
+                  <a:lumMod val="75000"/>
+                </a:schemeClr>
+              </a:solidFill>
+              <a:latin typeface="Helvetica Neue LT Std 67 Medium Condensed" charset="0"/>
+              <a:ea typeface="Helvetica Neue LT Std 67 Medium Condensed" charset="0"/>
+              <a:cs typeface="Helvetica Neue LT Std 67 Medium Condensed" charset="0"/>
+            </a:endParaRPr>
+          </a:p>
+        </p:txBody>
+      </p:sp>
+      <p:sp>
+        <p:nvSpPr>
+          <p:cNvPr id="24" name="Textfeld 23"/>
+          <p:cNvSpPr txBox="1"/>
+          <p:nvPr/>
+        </p:nvSpPr>
+        <p:spPr>
+          <a:xfrm>
+            <a:off x="6974880" y="4485594"/>
+            <a:ext cx="325730" cy="261610"/>
+          </a:xfrm>
+          <a:prstGeom prst="rect">
+            <a:avLst/>
+          </a:prstGeom>
+          <a:noFill/>
+        </p:spPr>
+        <p:txBody>
+          <a:bodyPr wrap="none" rtlCol="0">
+            <a:spAutoFit/>
+          </a:bodyPr>
+          <a:lstStyle/>
+          <a:p>
+            <a:r>
+              <a:rPr lang="de-DE" sz="1100" dirty="0" smtClean="0">
+                <a:latin typeface="ultraschall" charset="-127"/>
+                <a:ea typeface="ultraschall" charset="-127"/>
+                <a:cs typeface="ultraschall" charset="-127"/>
+              </a:rPr>
+              <a:t>1</a:t>
+            </a:r>
+            <a:endParaRPr lang="de-DE" sz="1100" dirty="0">
+              <a:latin typeface="ultraschall" charset="-127"/>
+              <a:ea typeface="ultraschall" charset="-127"/>
+              <a:cs typeface="ultraschall" charset="-127"/>
+            </a:endParaRPr>
+          </a:p>
+        </p:txBody>
+      </p:sp>
+      <p:sp>
+        <p:nvSpPr>
+          <p:cNvPr id="149" name="Abgerundetes Rechteck 148"/>
+          <p:cNvSpPr/>
+          <p:nvPr/>
+        </p:nvSpPr>
+        <p:spPr>
+          <a:xfrm>
+            <a:off x="8064484" y="2586011"/>
+            <a:ext cx="796930" cy="483856"/>
           </a:xfrm>
           <a:prstGeom prst="roundRect">
             <a:avLst>
@@ -11470,14 +11931,14 @@
             </a:avLst>
           </a:prstGeom>
           <a:solidFill>
-            <a:schemeClr val="accent6">
+            <a:schemeClr val="accent4">
               <a:lumMod val="20000"/>
               <a:lumOff val="80000"/>
             </a:schemeClr>
           </a:solidFill>
           <a:ln>
             <a:solidFill>
-              <a:schemeClr val="accent6">
+              <a:schemeClr val="accent4">
                 <a:lumMod val="50000"/>
               </a:schemeClr>
             </a:solidFill>
@@ -11516,14 +11977,14 @@
       </p:sp>
       <p:sp>
         <p:nvSpPr>
-          <p:cNvPr id="146" name="Textfeld 145"/>
+          <p:cNvPr id="150" name="Textfeld 149"/>
           <p:cNvSpPr txBox="1"/>
           <p:nvPr/>
         </p:nvSpPr>
         <p:spPr>
           <a:xfrm>
-            <a:off x="1579972" y="4626278"/>
-            <a:ext cx="248786" cy="253916"/>
+            <a:off x="8117463" y="2571624"/>
+            <a:ext cx="866345" cy="169277"/>
           </a:xfrm>
           <a:prstGeom prst="rect">
             <a:avLst/>
@@ -11531,44 +11992,6 @@
           <a:noFill/>
         </p:spPr>
         <p:txBody>
-          <a:bodyPr wrap="none" rtlCol="0">
-            <a:spAutoFit/>
-          </a:bodyPr>
-          <a:lstStyle/>
-          <a:p>
-            <a:r>
-              <a:rPr lang="de-DE" sz="1050" dirty="0" smtClean="0">
-                <a:latin typeface="Helvetica Neue LT Std 67 Medium Condensed" charset="0"/>
-                <a:ea typeface="Helvetica Neue LT Std 67 Medium Condensed" charset="0"/>
-                <a:cs typeface="Helvetica Neue LT Std 67 Medium Condensed" charset="0"/>
-              </a:rPr>
-              <a:t>Y</a:t>
-            </a:r>
-            <a:endParaRPr lang="de-DE" sz="1050" dirty="0">
-              <a:latin typeface="Helvetica Neue LT Std 67 Medium Condensed" charset="0"/>
-              <a:ea typeface="Helvetica Neue LT Std 67 Medium Condensed" charset="0"/>
-              <a:cs typeface="Helvetica Neue LT Std 67 Medium Condensed" charset="0"/>
-            </a:endParaRPr>
-          </a:p>
-        </p:txBody>
-      </p:sp>
-      <p:sp>
-        <p:nvSpPr>
-          <p:cNvPr id="147" name="Textfeld 146"/>
-          <p:cNvSpPr txBox="1"/>
-          <p:nvPr/>
-        </p:nvSpPr>
-        <p:spPr>
-          <a:xfrm>
-            <a:off x="243175" y="2608692"/>
-            <a:ext cx="759239" cy="246221"/>
-          </a:xfrm>
-          <a:prstGeom prst="rect">
-            <a:avLst/>
-          </a:prstGeom>
-          <a:noFill/>
-        </p:spPr>
-        <p:txBody>
           <a:bodyPr wrap="square" rtlCol="0" anchor="t">
             <a:spAutoFit/>
           </a:bodyPr>
@@ -11580,7 +12003,7 @@
                 <a:ea typeface="Helvetica Neue LT Std 67 Medium Condensed" charset="0"/>
                 <a:cs typeface="Helvetica Neue LT Std 67 Medium Condensed" charset="0"/>
               </a:rPr>
-              <a:t>Go </a:t>
+              <a:t>Remove Items </a:t>
             </a:r>
             <a:r>
               <a:rPr lang="de-DE" sz="500" dirty="0" err="1" smtClean="0">
@@ -11588,30 +12011,15 @@
                 <a:ea typeface="Helvetica Neue LT Std 67 Medium Condensed" charset="0"/>
                 <a:cs typeface="Helvetica Neue LT Std 67 Medium Condensed" charset="0"/>
               </a:rPr>
-              <a:t>to</a:t>
-            </a:r>
-            <a:r>
-              <a:rPr lang="de-DE" sz="500" dirty="0" smtClean="0">
-                <a:latin typeface="Helvetica Neue LT Std 67 Medium Condensed" charset="0"/>
-                <a:ea typeface="Helvetica Neue LT Std 67 Medium Condensed" charset="0"/>
-                <a:cs typeface="Helvetica Neue LT Std 67 Medium Condensed" charset="0"/>
-              </a:rPr>
-              <a:t> </a:t>
-            </a:r>
-            <a:br>
-              <a:rPr lang="de-DE" sz="500" dirty="0" smtClean="0">
-                <a:latin typeface="Helvetica Neue LT Std 67 Medium Condensed" charset="0"/>
-                <a:ea typeface="Helvetica Neue LT Std 67 Medium Condensed" charset="0"/>
-                <a:cs typeface="Helvetica Neue LT Std 67 Medium Condensed" charset="0"/>
-              </a:rPr>
-            </a:br>
-            <a:r>
-              <a:rPr lang="de-DE" sz="500" dirty="0" smtClean="0">
-                <a:latin typeface="Helvetica Neue LT Std 67 Medium Condensed" charset="0"/>
-                <a:ea typeface="Helvetica Neue LT Std 67 Medium Condensed" charset="0"/>
-                <a:cs typeface="Helvetica Neue LT Std 67 Medium Condensed" charset="0"/>
-              </a:rPr>
-              <a:t>Play Position</a:t>
+              <a:t>or</a:t>
+            </a:r>
+            <a:r>
+              <a:rPr lang="de-DE" sz="500" dirty="0" smtClean="0">
+                <a:latin typeface="Helvetica Neue LT Std 67 Medium Condensed" charset="0"/>
+                <a:ea typeface="Helvetica Neue LT Std 67 Medium Condensed" charset="0"/>
+                <a:cs typeface="Helvetica Neue LT Std 67 Medium Condensed" charset="0"/>
+              </a:rPr>
+              <a:t> Tracks</a:t>
             </a:r>
             <a:endParaRPr lang="de-DE" sz="500" dirty="0" smtClean="0">
               <a:solidFill>
@@ -11628,14 +12036,52 @@
       </p:sp>
       <p:sp>
         <p:nvSpPr>
-          <p:cNvPr id="148" name="Rechteck 147"/>
+          <p:cNvPr id="151" name="Textfeld 150"/>
+          <p:cNvSpPr txBox="1"/>
+          <p:nvPr/>
+        </p:nvSpPr>
+        <p:spPr>
+          <a:xfrm>
+            <a:off x="8624335" y="2871486"/>
+            <a:ext cx="306494" cy="253916"/>
+          </a:xfrm>
+          <a:prstGeom prst="rect">
+            <a:avLst/>
+          </a:prstGeom>
+          <a:noFill/>
+        </p:spPr>
+        <p:txBody>
+          <a:bodyPr wrap="none" rtlCol="0">
+            <a:spAutoFit/>
+          </a:bodyPr>
+          <a:lstStyle/>
+          <a:p>
+            <a:r>
+              <a:rPr lang="de-DE" sz="1050" dirty="0" smtClean="0">
+                <a:latin typeface="Helvetica Neue LT Std 67 Medium Condensed" charset="0"/>
+                <a:ea typeface="Helvetica Neue LT Std 67 Medium Condensed" charset="0"/>
+                <a:cs typeface="Helvetica Neue LT Std 67 Medium Condensed" charset="0"/>
+              </a:rPr>
+              <a:t>←</a:t>
+            </a:r>
+            <a:endParaRPr lang="de-DE" sz="1050" dirty="0">
+              <a:latin typeface="Helvetica Neue LT Std 67 Medium Condensed" charset="0"/>
+              <a:ea typeface="Helvetica Neue LT Std 67 Medium Condensed" charset="0"/>
+              <a:cs typeface="Helvetica Neue LT Std 67 Medium Condensed" charset="0"/>
+            </a:endParaRPr>
+          </a:p>
+        </p:txBody>
+      </p:sp>
+      <p:sp>
+        <p:nvSpPr>
+          <p:cNvPr id="152" name="Rechteck 151"/>
           <p:cNvSpPr/>
           <p:nvPr/>
         </p:nvSpPr>
         <p:spPr>
           <a:xfrm>
-            <a:off x="7063744" y="4457030"/>
-            <a:ext cx="503664" cy="223779"/>
+            <a:off x="8265542" y="2661427"/>
+            <a:ext cx="644728" cy="156453"/>
           </a:xfrm>
           <a:prstGeom prst="rect">
             <a:avLst/>
@@ -11643,6 +12089,87 @@
         </p:spPr>
         <p:txBody>
           <a:bodyPr wrap="none">
+            <a:spAutoFit/>
+          </a:bodyPr>
+          <a:lstStyle/>
+          <a:p>
+            <a:pPr>
+              <a:lnSpc>
+                <a:spcPts val="500"/>
+              </a:lnSpc>
+            </a:pPr>
+            <a:r>
+              <a:rPr lang="de-DE" sz="500" smtClean="0">
+                <a:solidFill>
+                  <a:schemeClr val="accent2">
+                    <a:lumMod val="75000"/>
+                  </a:schemeClr>
+                </a:solidFill>
+                <a:latin typeface="Helvetica Neue LT Std 67 Medium Condensed" charset="0"/>
+                <a:ea typeface="Helvetica Neue LT Std 67 Medium Condensed" charset="0"/>
+                <a:cs typeface="Helvetica Neue LT Std 67 Medium Condensed" charset="0"/>
+              </a:rPr>
+              <a:t>Delete last Marker</a:t>
+            </a:r>
+            <a:endParaRPr lang="de-DE" sz="500" dirty="0"/>
+          </a:p>
+        </p:txBody>
+      </p:sp>
+      <p:sp>
+        <p:nvSpPr>
+          <p:cNvPr id="153" name="Rechteck 152"/>
+          <p:cNvSpPr/>
+          <p:nvPr/>
+        </p:nvSpPr>
+        <p:spPr>
+          <a:xfrm>
+            <a:off x="8188157" y="2609547"/>
+            <a:ext cx="248786" cy="246221"/>
+          </a:xfrm>
+          <a:prstGeom prst="rect">
+            <a:avLst/>
+          </a:prstGeom>
+        </p:spPr>
+        <p:txBody>
+          <a:bodyPr wrap="none">
+            <a:spAutoFit/>
+          </a:bodyPr>
+          <a:lstStyle/>
+          <a:p>
+            <a:r>
+              <a:rPr lang="de-DE" sz="1000" dirty="0" smtClean="0">
+                <a:solidFill>
+                  <a:schemeClr val="accent2">
+                    <a:lumMod val="75000"/>
+                  </a:schemeClr>
+                </a:solidFill>
+                <a:latin typeface="Helvetica Neue LT Std 67 Medium Condensed" charset="0"/>
+                <a:ea typeface="Helvetica Neue LT Std 67 Medium Condensed" charset="0"/>
+                <a:cs typeface="Helvetica Neue LT Std 67 Medium Condensed" charset="0"/>
+              </a:rPr>
+              <a:t>⇧</a:t>
+            </a:r>
+            <a:endParaRPr lang="de-DE" sz="1400" dirty="0"/>
+          </a:p>
+        </p:txBody>
+      </p:sp>
+      <p:sp>
+        <p:nvSpPr>
+          <p:cNvPr id="154" name="Rechteck 153"/>
+          <p:cNvSpPr/>
+          <p:nvPr/>
+        </p:nvSpPr>
+        <p:spPr>
+          <a:xfrm>
+            <a:off x="7898114" y="2737894"/>
+            <a:ext cx="1012051" cy="156453"/>
+          </a:xfrm>
+          <a:prstGeom prst="rect">
+            <a:avLst/>
+          </a:prstGeom>
+        </p:spPr>
+        <p:txBody>
+          <a:bodyPr wrap="square">
             <a:spAutoFit/>
           </a:bodyPr>
           <a:lstStyle/>
@@ -11676,10 +12203,10 @@
                 <a:ea typeface="Helvetica Neue LT Std 67 Medium Condensed" charset="0"/>
                 <a:cs typeface="Helvetica Neue LT Std 67 Medium Condensed" charset="0"/>
               </a:rPr>
-              <a:t>Zoom out</a:t>
-            </a:r>
-            <a:br>
-              <a:rPr lang="de-DE" sz="500" dirty="0" smtClean="0">
+              <a:t>Ripple Del. Time </a:t>
+            </a:r>
+            <a:r>
+              <a:rPr lang="de-DE" sz="500" dirty="0" err="1" smtClean="0">
                 <a:solidFill>
                   <a:schemeClr val="accent6">
                     <a:lumMod val="75000"/>
@@ -11689,45 +12216,7 @@
                 <a:ea typeface="Helvetica Neue LT Std 67 Medium Condensed" charset="0"/>
                 <a:cs typeface="Helvetica Neue LT Std 67 Medium Condensed" charset="0"/>
               </a:rPr>
-            </a:br>
-            <a:r>
-              <a:rPr lang="de-DE" sz="500" dirty="0" smtClean="0">
-                <a:solidFill>
-                  <a:schemeClr val="accent6">
-                    <a:lumMod val="75000"/>
-                  </a:schemeClr>
-                </a:solidFill>
-                <a:latin typeface="Helvetica Neue LT Std 67 Medium Condensed" charset="0"/>
-                <a:ea typeface="Helvetica Neue LT Std 67 Medium Condensed" charset="0"/>
-                <a:cs typeface="Helvetica Neue LT Std 67 Medium Condensed" charset="0"/>
-              </a:rPr>
-              <a:t>     </a:t>
-            </a:r>
-            <a:r>
-              <a:rPr lang="de-DE" sz="500" dirty="0" err="1" smtClean="0">
-                <a:solidFill>
-                  <a:schemeClr val="accent6">
-                    <a:lumMod val="75000"/>
-                  </a:schemeClr>
-                </a:solidFill>
-                <a:latin typeface="Helvetica Neue LT Std 67 Medium Condensed" charset="0"/>
-                <a:ea typeface="Helvetica Neue LT Std 67 Medium Condensed" charset="0"/>
-                <a:cs typeface="Helvetica Neue LT Std 67 Medium Condensed" charset="0"/>
-              </a:rPr>
-              <a:t>to</a:t>
-            </a:r>
-            <a:r>
-              <a:rPr lang="de-DE" sz="500" dirty="0" smtClean="0">
-                <a:solidFill>
-                  <a:schemeClr val="accent6">
-                    <a:lumMod val="75000"/>
-                  </a:schemeClr>
-                </a:solidFill>
-                <a:latin typeface="Helvetica Neue LT Std 67 Medium Condensed" charset="0"/>
-                <a:ea typeface="Helvetica Neue LT Std 67 Medium Condensed" charset="0"/>
-                <a:cs typeface="Helvetica Neue LT Std 67 Medium Condensed" charset="0"/>
-              </a:rPr>
-              <a:t> Project</a:t>
+              <a:t>Selection</a:t>
             </a:r>
             <a:endParaRPr lang="de-DE" sz="500" dirty="0">
               <a:solidFill>
@@ -11744,14 +12233,14 @@
       </p:sp>
       <p:sp>
         <p:nvSpPr>
-          <p:cNvPr id="24" name="Textfeld 23"/>
+          <p:cNvPr id="155" name="Textfeld 154"/>
           <p:cNvSpPr txBox="1"/>
           <p:nvPr/>
         </p:nvSpPr>
         <p:spPr>
           <a:xfrm>
-            <a:off x="6974880" y="4485594"/>
-            <a:ext cx="325730" cy="261610"/>
+            <a:off x="8187019" y="2814599"/>
+            <a:ext cx="741553" cy="169277"/>
           </a:xfrm>
           <a:prstGeom prst="rect">
             <a:avLst/>
@@ -11759,37 +12248,94 @@
           <a:noFill/>
         </p:spPr>
         <p:txBody>
-          <a:bodyPr wrap="none" rtlCol="0">
-            <a:spAutoFit/>
-          </a:bodyPr>
-          <a:lstStyle/>
-          <a:p>
-            <a:r>
-              <a:rPr lang="de-DE" sz="1100" dirty="0" smtClean="0">
-                <a:latin typeface="ultraschall" charset="-127"/>
-                <a:ea typeface="ultraschall" charset="-127"/>
-                <a:cs typeface="ultraschall" charset="-127"/>
-              </a:rPr>
-              <a:t>1</a:t>
-            </a:r>
-            <a:endParaRPr lang="de-DE" sz="1100" dirty="0">
-              <a:latin typeface="ultraschall" charset="-127"/>
-              <a:ea typeface="ultraschall" charset="-127"/>
-              <a:cs typeface="ultraschall" charset="-127"/>
-            </a:endParaRPr>
-          </a:p>
-        </p:txBody>
-      </p:sp>
-      <p:sp>
-        <p:nvSpPr>
-          <p:cNvPr id="149" name="Abgerundetes Rechteck 148"/>
+          <a:bodyPr wrap="square" rtlCol="0" anchor="t">
+            <a:spAutoFit/>
+          </a:bodyPr>
+          <a:lstStyle/>
+          <a:p>
+            <a:r>
+              <a:rPr lang="de-DE" sz="500" dirty="0" smtClean="0">
+                <a:solidFill>
+                  <a:srgbClr val="7030A0"/>
+                </a:solidFill>
+                <a:latin typeface="Helvetica Neue LT Std 67 Medium Condensed" charset="0"/>
+                <a:ea typeface="Helvetica Neue LT Std 67 Medium Condensed" charset="0"/>
+                <a:cs typeface="Helvetica Neue LT Std 67 Medium Condensed" charset="0"/>
+              </a:rPr>
+              <a:t>Delete Time </a:t>
+            </a:r>
+            <a:r>
+              <a:rPr lang="de-DE" sz="500" dirty="0" err="1" smtClean="0">
+                <a:solidFill>
+                  <a:srgbClr val="7030A0"/>
+                </a:solidFill>
+                <a:latin typeface="Helvetica Neue LT Std 67 Medium Condensed" charset="0"/>
+                <a:ea typeface="Helvetica Neue LT Std 67 Medium Condensed" charset="0"/>
+                <a:cs typeface="Helvetica Neue LT Std 67 Medium Condensed" charset="0"/>
+              </a:rPr>
+              <a:t>Selection</a:t>
+            </a:r>
+            <a:endParaRPr lang="de-DE" sz="500" dirty="0" smtClean="0">
+              <a:solidFill>
+                <a:srgbClr val="7030A0"/>
+              </a:solidFill>
+              <a:latin typeface="Helvetica Neue LT Std 67 Medium Condensed" charset="0"/>
+              <a:ea typeface="Helvetica Neue LT Std 67 Medium Condensed" charset="0"/>
+              <a:cs typeface="Helvetica Neue LT Std 67 Medium Condensed" charset="0"/>
+            </a:endParaRPr>
+          </a:p>
+        </p:txBody>
+      </p:sp>
+      <p:sp>
+        <p:nvSpPr>
+          <p:cNvPr id="156" name="Rechteck 155"/>
           <p:cNvSpPr/>
           <p:nvPr/>
         </p:nvSpPr>
         <p:spPr>
           <a:xfrm>
-            <a:off x="8064484" y="2586011"/>
-            <a:ext cx="796930" cy="483856"/>
+            <a:off x="8085455" y="2801301"/>
+            <a:ext cx="261610" cy="184666"/>
+          </a:xfrm>
+          <a:prstGeom prst="rect">
+            <a:avLst/>
+          </a:prstGeom>
+        </p:spPr>
+        <p:txBody>
+          <a:bodyPr wrap="none">
+            <a:spAutoFit/>
+          </a:bodyPr>
+          <a:lstStyle/>
+          <a:p>
+            <a:r>
+              <a:rPr lang="de-DE" sz="600" b="1" dirty="0" smtClean="0">
+                <a:solidFill>
+                  <a:srgbClr val="7030A0"/>
+                </a:solidFill>
+                <a:latin typeface="Helvetica Neue LT Std 67 Medium Condensed" charset="0"/>
+                <a:ea typeface="Helvetica Neue LT Std 67 Medium Condensed" charset="0"/>
+                <a:cs typeface="Helvetica Neue LT Std 67 Medium Condensed" charset="0"/>
+              </a:rPr>
+              <a:t>⌘</a:t>
+            </a:r>
+            <a:endParaRPr lang="de-DE" sz="4000" b="1" dirty="0">
+              <a:solidFill>
+                <a:srgbClr val="7030A0"/>
+              </a:solidFill>
+            </a:endParaRPr>
+          </a:p>
+        </p:txBody>
+      </p:sp>
+      <p:sp>
+        <p:nvSpPr>
+          <p:cNvPr id="157" name="Abgerundetes Rechteck 156"/>
+          <p:cNvSpPr/>
+          <p:nvPr/>
+        </p:nvSpPr>
+        <p:spPr>
+          <a:xfrm>
+            <a:off x="7325213" y="3772794"/>
+            <a:ext cx="495160" cy="483856"/>
           </a:xfrm>
           <a:prstGeom prst="roundRect">
             <a:avLst>
@@ -11797,14 +12343,14 @@
             </a:avLst>
           </a:prstGeom>
           <a:solidFill>
-            <a:schemeClr val="accent4">
+            <a:schemeClr val="accent6">
               <a:lumMod val="20000"/>
               <a:lumOff val="80000"/>
             </a:schemeClr>
           </a:solidFill>
           <a:ln>
             <a:solidFill>
-              <a:schemeClr val="accent4">
+              <a:schemeClr val="accent6">
                 <a:lumMod val="50000"/>
               </a:schemeClr>
             </a:solidFill>
@@ -11843,14 +12389,14 @@
       </p:sp>
       <p:sp>
         <p:nvSpPr>
-          <p:cNvPr id="150" name="Textfeld 149"/>
+          <p:cNvPr id="158" name="Textfeld 157"/>
           <p:cNvSpPr txBox="1"/>
           <p:nvPr/>
         </p:nvSpPr>
         <p:spPr>
           <a:xfrm>
-            <a:off x="8117463" y="2571624"/>
-            <a:ext cx="866345" cy="169277"/>
+            <a:off x="7281073" y="4036185"/>
+            <a:ext cx="264816" cy="253916"/>
           </a:xfrm>
           <a:prstGeom prst="rect">
             <a:avLst/>
@@ -11858,18 +12404,57 @@
           <a:noFill/>
         </p:spPr>
         <p:txBody>
+          <a:bodyPr wrap="none" rtlCol="0">
+            <a:spAutoFit/>
+          </a:bodyPr>
+          <a:lstStyle/>
+          <a:p>
+            <a:r>
+              <a:rPr lang="de-DE" sz="1050" dirty="0" smtClean="0">
+                <a:latin typeface="Helvetica Neue LT Std 67 Medium Condensed" charset="0"/>
+                <a:ea typeface="Helvetica Neue LT Std 67 Medium Condensed" charset="0"/>
+                <a:cs typeface="Helvetica Neue LT Std 67 Medium Condensed" charset="0"/>
+              </a:rPr>
+              <a:t>Ä</a:t>
+            </a:r>
+            <a:endParaRPr lang="de-DE" sz="1050" dirty="0">
+              <a:latin typeface="Helvetica Neue LT Std 67 Medium Condensed" charset="0"/>
+              <a:ea typeface="Helvetica Neue LT Std 67 Medium Condensed" charset="0"/>
+              <a:cs typeface="Helvetica Neue LT Std 67 Medium Condensed" charset="0"/>
+            </a:endParaRPr>
+          </a:p>
+        </p:txBody>
+      </p:sp>
+      <p:sp>
+        <p:nvSpPr>
+          <p:cNvPr id="159" name="Textfeld 158"/>
+          <p:cNvSpPr txBox="1"/>
+          <p:nvPr/>
+        </p:nvSpPr>
+        <p:spPr>
+          <a:xfrm>
+            <a:off x="7099341" y="3781306"/>
+            <a:ext cx="759239" cy="246221"/>
+          </a:xfrm>
+          <a:prstGeom prst="rect">
+            <a:avLst/>
+          </a:prstGeom>
+          <a:noFill/>
+        </p:spPr>
+        <p:txBody>
           <a:bodyPr wrap="square" rtlCol="0" anchor="t">
             <a:spAutoFit/>
           </a:bodyPr>
           <a:lstStyle/>
           <a:p>
-            <a:r>
-              <a:rPr lang="de-DE" sz="500" dirty="0" smtClean="0">
-                <a:latin typeface="Helvetica Neue LT Std 67 Medium Condensed" charset="0"/>
-                <a:ea typeface="Helvetica Neue LT Std 67 Medium Condensed" charset="0"/>
-                <a:cs typeface="Helvetica Neue LT Std 67 Medium Condensed" charset="0"/>
-              </a:rPr>
-              <a:t>Remove Items </a:t>
+            <a:pPr algn="r"/>
+            <a:r>
+              <a:rPr lang="de-DE" sz="500" dirty="0" smtClean="0">
+                <a:latin typeface="Helvetica Neue LT Std 67 Medium Condensed" charset="0"/>
+                <a:ea typeface="Helvetica Neue LT Std 67 Medium Condensed" charset="0"/>
+                <a:cs typeface="Helvetica Neue LT Std 67 Medium Condensed" charset="0"/>
+              </a:rPr>
+              <a:t>Zoom </a:t>
             </a:r>
             <a:r>
               <a:rPr lang="de-DE" sz="500" dirty="0" err="1" smtClean="0">
@@ -11877,15 +12462,38 @@
                 <a:ea typeface="Helvetica Neue LT Std 67 Medium Condensed" charset="0"/>
                 <a:cs typeface="Helvetica Neue LT Std 67 Medium Condensed" charset="0"/>
               </a:rPr>
-              <a:t>or</a:t>
-            </a:r>
-            <a:r>
-              <a:rPr lang="de-DE" sz="500" dirty="0" smtClean="0">
-                <a:latin typeface="Helvetica Neue LT Std 67 Medium Condensed" charset="0"/>
-                <a:ea typeface="Helvetica Neue LT Std 67 Medium Condensed" charset="0"/>
-                <a:cs typeface="Helvetica Neue LT Std 67 Medium Condensed" charset="0"/>
-              </a:rPr>
-              <a:t> Tracks</a:t>
+              <a:t>to</a:t>
+            </a:r>
+            <a:r>
+              <a:rPr lang="de-DE" sz="500" dirty="0">
+                <a:latin typeface="Helvetica Neue LT Std 67 Medium Condensed" charset="0"/>
+                <a:ea typeface="Helvetica Neue LT Std 67 Medium Condensed" charset="0"/>
+                <a:cs typeface="Helvetica Neue LT Std 67 Medium Condensed" charset="0"/>
+              </a:rPr>
+              <a:t/>
+            </a:r>
+            <a:br>
+              <a:rPr lang="de-DE" sz="500" dirty="0">
+                <a:latin typeface="Helvetica Neue LT Std 67 Medium Condensed" charset="0"/>
+                <a:ea typeface="Helvetica Neue LT Std 67 Medium Condensed" charset="0"/>
+                <a:cs typeface="Helvetica Neue LT Std 67 Medium Condensed" charset="0"/>
+              </a:rPr>
+            </a:br>
+            <a:r>
+              <a:rPr lang="de-DE" sz="500" dirty="0" smtClean="0">
+                <a:latin typeface="Helvetica Neue LT Std 67 Medium Condensed" charset="0"/>
+                <a:ea typeface="Helvetica Neue LT Std 67 Medium Condensed" charset="0"/>
+                <a:cs typeface="Helvetica Neue LT Std 67 Medium Condensed" charset="0"/>
+              </a:rPr>
+              <a:t>Time </a:t>
+            </a:r>
+            <a:r>
+              <a:rPr lang="de-DE" sz="500" dirty="0" err="1" smtClean="0">
+                <a:latin typeface="Helvetica Neue LT Std 67 Medium Condensed" charset="0"/>
+                <a:ea typeface="Helvetica Neue LT Std 67 Medium Condensed" charset="0"/>
+                <a:cs typeface="Helvetica Neue LT Std 67 Medium Condensed" charset="0"/>
+              </a:rPr>
+              <a:t>Selection</a:t>
             </a:r>
             <a:endParaRPr lang="de-DE" sz="500" dirty="0" smtClean="0">
               <a:solidFill>
@@ -11902,305 +12510,13 @@
       </p:sp>
       <p:sp>
         <p:nvSpPr>
-          <p:cNvPr id="151" name="Textfeld 150"/>
-          <p:cNvSpPr txBox="1"/>
-          <p:nvPr/>
-        </p:nvSpPr>
-        <p:spPr>
-          <a:xfrm>
-            <a:off x="8624335" y="2871486"/>
-            <a:ext cx="306494" cy="253916"/>
-          </a:xfrm>
-          <a:prstGeom prst="rect">
-            <a:avLst/>
-          </a:prstGeom>
-          <a:noFill/>
-        </p:spPr>
-        <p:txBody>
-          <a:bodyPr wrap="none" rtlCol="0">
-            <a:spAutoFit/>
-          </a:bodyPr>
-          <a:lstStyle/>
-          <a:p>
-            <a:r>
-              <a:rPr lang="de-DE" sz="1050" dirty="0" smtClean="0">
-                <a:latin typeface="Helvetica Neue LT Std 67 Medium Condensed" charset="0"/>
-                <a:ea typeface="Helvetica Neue LT Std 67 Medium Condensed" charset="0"/>
-                <a:cs typeface="Helvetica Neue LT Std 67 Medium Condensed" charset="0"/>
-              </a:rPr>
-              <a:t>←</a:t>
-            </a:r>
-            <a:endParaRPr lang="de-DE" sz="1050" dirty="0">
-              <a:latin typeface="Helvetica Neue LT Std 67 Medium Condensed" charset="0"/>
-              <a:ea typeface="Helvetica Neue LT Std 67 Medium Condensed" charset="0"/>
-              <a:cs typeface="Helvetica Neue LT Std 67 Medium Condensed" charset="0"/>
-            </a:endParaRPr>
-          </a:p>
-        </p:txBody>
-      </p:sp>
-      <p:sp>
-        <p:nvSpPr>
-          <p:cNvPr id="152" name="Rechteck 151"/>
+          <p:cNvPr id="160" name="Abgerundetes Rechteck 159"/>
           <p:cNvSpPr/>
           <p:nvPr/>
         </p:nvSpPr>
         <p:spPr>
           <a:xfrm>
-            <a:off x="8265542" y="2661427"/>
-            <a:ext cx="644728" cy="156453"/>
-          </a:xfrm>
-          <a:prstGeom prst="rect">
-            <a:avLst/>
-          </a:prstGeom>
-        </p:spPr>
-        <p:txBody>
-          <a:bodyPr wrap="none">
-            <a:spAutoFit/>
-          </a:bodyPr>
-          <a:lstStyle/>
-          <a:p>
-            <a:pPr>
-              <a:lnSpc>
-                <a:spcPts val="500"/>
-              </a:lnSpc>
-            </a:pPr>
-            <a:r>
-              <a:rPr lang="de-DE" sz="500" smtClean="0">
-                <a:solidFill>
-                  <a:schemeClr val="accent2">
-                    <a:lumMod val="75000"/>
-                  </a:schemeClr>
-                </a:solidFill>
-                <a:latin typeface="Helvetica Neue LT Std 67 Medium Condensed" charset="0"/>
-                <a:ea typeface="Helvetica Neue LT Std 67 Medium Condensed" charset="0"/>
-                <a:cs typeface="Helvetica Neue LT Std 67 Medium Condensed" charset="0"/>
-              </a:rPr>
-              <a:t>Delete last Marker</a:t>
-            </a:r>
-            <a:endParaRPr lang="de-DE" sz="500" dirty="0"/>
-          </a:p>
-        </p:txBody>
-      </p:sp>
-      <p:sp>
-        <p:nvSpPr>
-          <p:cNvPr id="153" name="Rechteck 152"/>
-          <p:cNvSpPr/>
-          <p:nvPr/>
-        </p:nvSpPr>
-        <p:spPr>
-          <a:xfrm>
-            <a:off x="8188157" y="2609547"/>
-            <a:ext cx="248786" cy="246221"/>
-          </a:xfrm>
-          <a:prstGeom prst="rect">
-            <a:avLst/>
-          </a:prstGeom>
-        </p:spPr>
-        <p:txBody>
-          <a:bodyPr wrap="none">
-            <a:spAutoFit/>
-          </a:bodyPr>
-          <a:lstStyle/>
-          <a:p>
-            <a:r>
-              <a:rPr lang="de-DE" sz="1000" dirty="0" smtClean="0">
-                <a:solidFill>
-                  <a:schemeClr val="accent2">
-                    <a:lumMod val="75000"/>
-                  </a:schemeClr>
-                </a:solidFill>
-                <a:latin typeface="Helvetica Neue LT Std 67 Medium Condensed" charset="0"/>
-                <a:ea typeface="Helvetica Neue LT Std 67 Medium Condensed" charset="0"/>
-                <a:cs typeface="Helvetica Neue LT Std 67 Medium Condensed" charset="0"/>
-              </a:rPr>
-              <a:t>⇧</a:t>
-            </a:r>
-            <a:endParaRPr lang="de-DE" sz="1400" dirty="0"/>
-          </a:p>
-        </p:txBody>
-      </p:sp>
-      <p:sp>
-        <p:nvSpPr>
-          <p:cNvPr id="154" name="Rechteck 153"/>
-          <p:cNvSpPr/>
-          <p:nvPr/>
-        </p:nvSpPr>
-        <p:spPr>
-          <a:xfrm>
-            <a:off x="7898114" y="2737894"/>
-            <a:ext cx="1012051" cy="156453"/>
-          </a:xfrm>
-          <a:prstGeom prst="rect">
-            <a:avLst/>
-          </a:prstGeom>
-        </p:spPr>
-        <p:txBody>
-          <a:bodyPr wrap="square">
-            <a:spAutoFit/>
-          </a:bodyPr>
-          <a:lstStyle/>
-          <a:p>
-            <a:pPr algn="r">
-              <a:lnSpc>
-                <a:spcPts val="500"/>
-              </a:lnSpc>
-            </a:pPr>
-            <a:r>
-              <a:rPr lang="de-DE" sz="500" dirty="0">
-                <a:solidFill>
-                  <a:schemeClr val="accent6">
-                    <a:lumMod val="75000"/>
-                  </a:schemeClr>
-                </a:solidFill>
-                <a:latin typeface="Helvetica Neue LT Std 67 Medium Condensed" charset="0"/>
-                <a:ea typeface="Helvetica Neue LT Std 67 Medium Condensed" charset="0"/>
-                <a:cs typeface="Helvetica Neue LT Std 67 Medium Condensed" charset="0"/>
-              </a:rPr>
-              <a:t>⌥ </a:t>
-            </a:r>
-            <a:r>
-              <a:rPr lang="de-DE" sz="500" dirty="0" smtClean="0">
-                <a:solidFill>
-                  <a:schemeClr val="accent6">
-                    <a:lumMod val="75000"/>
-                  </a:schemeClr>
-                </a:solidFill>
-                <a:latin typeface="Helvetica Neue LT Std 67 Medium Condensed" charset="0"/>
-                <a:ea typeface="Helvetica Neue LT Std 67 Medium Condensed" charset="0"/>
-                <a:cs typeface="Helvetica Neue LT Std 67 Medium Condensed" charset="0"/>
-              </a:rPr>
-              <a:t>Ripple Del. Time </a:t>
-            </a:r>
-            <a:r>
-              <a:rPr lang="de-DE" sz="500" dirty="0" err="1" smtClean="0">
-                <a:solidFill>
-                  <a:schemeClr val="accent6">
-                    <a:lumMod val="75000"/>
-                  </a:schemeClr>
-                </a:solidFill>
-                <a:latin typeface="Helvetica Neue LT Std 67 Medium Condensed" charset="0"/>
-                <a:ea typeface="Helvetica Neue LT Std 67 Medium Condensed" charset="0"/>
-                <a:cs typeface="Helvetica Neue LT Std 67 Medium Condensed" charset="0"/>
-              </a:rPr>
-              <a:t>Selection</a:t>
-            </a:r>
-            <a:endParaRPr lang="de-DE" sz="500" dirty="0">
-              <a:solidFill>
-                <a:schemeClr val="accent6">
-                  <a:lumMod val="75000"/>
-                </a:schemeClr>
-              </a:solidFill>
-              <a:latin typeface="Helvetica Neue LT Std 67 Medium Condensed" charset="0"/>
-              <a:ea typeface="Helvetica Neue LT Std 67 Medium Condensed" charset="0"/>
-              <a:cs typeface="Helvetica Neue LT Std 67 Medium Condensed" charset="0"/>
-            </a:endParaRPr>
-          </a:p>
-        </p:txBody>
-      </p:sp>
-      <p:sp>
-        <p:nvSpPr>
-          <p:cNvPr id="155" name="Textfeld 154"/>
-          <p:cNvSpPr txBox="1"/>
-          <p:nvPr/>
-        </p:nvSpPr>
-        <p:spPr>
-          <a:xfrm>
-            <a:off x="8187019" y="2814599"/>
-            <a:ext cx="741553" cy="169277"/>
-          </a:xfrm>
-          <a:prstGeom prst="rect">
-            <a:avLst/>
-          </a:prstGeom>
-          <a:noFill/>
-        </p:spPr>
-        <p:txBody>
-          <a:bodyPr wrap="square" rtlCol="0" anchor="t">
-            <a:spAutoFit/>
-          </a:bodyPr>
-          <a:lstStyle/>
-          <a:p>
-            <a:r>
-              <a:rPr lang="de-DE" sz="500" dirty="0" smtClean="0">
-                <a:solidFill>
-                  <a:srgbClr val="7030A0"/>
-                </a:solidFill>
-                <a:latin typeface="Helvetica Neue LT Std 67 Medium Condensed" charset="0"/>
-                <a:ea typeface="Helvetica Neue LT Std 67 Medium Condensed" charset="0"/>
-                <a:cs typeface="Helvetica Neue LT Std 67 Medium Condensed" charset="0"/>
-              </a:rPr>
-              <a:t>Delete Time </a:t>
-            </a:r>
-            <a:r>
-              <a:rPr lang="de-DE" sz="500" dirty="0" err="1" smtClean="0">
-                <a:solidFill>
-                  <a:srgbClr val="7030A0"/>
-                </a:solidFill>
-                <a:latin typeface="Helvetica Neue LT Std 67 Medium Condensed" charset="0"/>
-                <a:ea typeface="Helvetica Neue LT Std 67 Medium Condensed" charset="0"/>
-                <a:cs typeface="Helvetica Neue LT Std 67 Medium Condensed" charset="0"/>
-              </a:rPr>
-              <a:t>Selection</a:t>
-            </a:r>
-            <a:endParaRPr lang="de-DE" sz="500" dirty="0" smtClean="0">
-              <a:solidFill>
-                <a:srgbClr val="7030A0"/>
-              </a:solidFill>
-              <a:latin typeface="Helvetica Neue LT Std 67 Medium Condensed" charset="0"/>
-              <a:ea typeface="Helvetica Neue LT Std 67 Medium Condensed" charset="0"/>
-              <a:cs typeface="Helvetica Neue LT Std 67 Medium Condensed" charset="0"/>
-            </a:endParaRPr>
-          </a:p>
-        </p:txBody>
-      </p:sp>
-      <p:sp>
-        <p:nvSpPr>
-          <p:cNvPr id="156" name="Rechteck 155"/>
-          <p:cNvSpPr/>
-          <p:nvPr/>
-        </p:nvSpPr>
-        <p:spPr>
-          <a:xfrm>
-            <a:off x="8085455" y="2801301"/>
-            <a:ext cx="261610" cy="184666"/>
-          </a:xfrm>
-          <a:prstGeom prst="rect">
-            <a:avLst/>
-          </a:prstGeom>
-        </p:spPr>
-        <p:txBody>
-          <a:bodyPr wrap="none">
-            <a:spAutoFit/>
-          </a:bodyPr>
-          <a:lstStyle/>
-          <a:p>
-            <a:r>
-              <a:rPr lang="de-DE" sz="600" b="1" dirty="0" smtClean="0">
-                <a:solidFill>
-                  <a:srgbClr val="7030A0"/>
-                </a:solidFill>
-                <a:latin typeface="Helvetica Neue LT Std 67 Medium Condensed" charset="0"/>
-                <a:ea typeface="Helvetica Neue LT Std 67 Medium Condensed" charset="0"/>
-                <a:cs typeface="Helvetica Neue LT Std 67 Medium Condensed" charset="0"/>
-              </a:rPr>
-              <a:t>⌘</a:t>
-            </a:r>
-            <a:endParaRPr lang="de-DE" sz="4000" b="1" dirty="0">
-              <a:solidFill>
-                <a:srgbClr val="7030A0"/>
-              </a:solidFill>
-            </a:endParaRPr>
-          </a:p>
-        </p:txBody>
-      </p:sp>
-      <p:sp>
-        <p:nvSpPr>
-          <p:cNvPr id="157" name="Abgerundetes Rechteck 156"/>
-          <p:cNvSpPr/>
-          <p:nvPr/>
-        </p:nvSpPr>
-        <p:spPr>
-          <a:xfrm>
-            <a:off x="7325213" y="3772794"/>
+            <a:off x="6117604" y="3772794"/>
             <a:ext cx="495160" cy="483856"/>
           </a:xfrm>
           <a:prstGeom prst="roundRect">
@@ -12209,14 +12525,14 @@
             </a:avLst>
           </a:prstGeom>
           <a:solidFill>
-            <a:schemeClr val="accent6">
+            <a:schemeClr val="accent4">
               <a:lumMod val="20000"/>
               <a:lumOff val="80000"/>
             </a:schemeClr>
           </a:solidFill>
           <a:ln>
             <a:solidFill>
-              <a:schemeClr val="accent6">
+              <a:schemeClr val="accent4">
                 <a:lumMod val="50000"/>
               </a:schemeClr>
             </a:solidFill>
@@ -12255,14 +12571,14 @@
       </p:sp>
       <p:sp>
         <p:nvSpPr>
-          <p:cNvPr id="158" name="Textfeld 157"/>
+          <p:cNvPr id="161" name="Textfeld 160"/>
           <p:cNvSpPr txBox="1"/>
           <p:nvPr/>
         </p:nvSpPr>
         <p:spPr>
           <a:xfrm>
-            <a:off x="7281073" y="4036185"/>
-            <a:ext cx="264816" cy="253916"/>
+            <a:off x="6156070" y="3772301"/>
+            <a:ext cx="500728" cy="287899"/>
           </a:xfrm>
           <a:prstGeom prst="rect">
             <a:avLst/>
@@ -12270,57 +12586,23 @@
           <a:noFill/>
         </p:spPr>
         <p:txBody>
-          <a:bodyPr wrap="none" rtlCol="0">
-            <a:spAutoFit/>
-          </a:bodyPr>
-          <a:lstStyle/>
-          <a:p>
-            <a:r>
-              <a:rPr lang="de-DE" sz="1050" dirty="0" smtClean="0">
-                <a:latin typeface="Helvetica Neue LT Std 67 Medium Condensed" charset="0"/>
-                <a:ea typeface="Helvetica Neue LT Std 67 Medium Condensed" charset="0"/>
-                <a:cs typeface="Helvetica Neue LT Std 67 Medium Condensed" charset="0"/>
-              </a:rPr>
-              <a:t>Ä</a:t>
-            </a:r>
-            <a:endParaRPr lang="de-DE" sz="1050" dirty="0">
-              <a:latin typeface="Helvetica Neue LT Std 67 Medium Condensed" charset="0"/>
-              <a:ea typeface="Helvetica Neue LT Std 67 Medium Condensed" charset="0"/>
-              <a:cs typeface="Helvetica Neue LT Std 67 Medium Condensed" charset="0"/>
-            </a:endParaRPr>
-          </a:p>
-        </p:txBody>
-      </p:sp>
-      <p:sp>
-        <p:nvSpPr>
-          <p:cNvPr id="159" name="Textfeld 158"/>
-          <p:cNvSpPr txBox="1"/>
-          <p:nvPr/>
-        </p:nvSpPr>
-        <p:spPr>
-          <a:xfrm>
-            <a:off x="7099341" y="3781306"/>
-            <a:ext cx="759239" cy="246221"/>
-          </a:xfrm>
-          <a:prstGeom prst="rect">
-            <a:avLst/>
-          </a:prstGeom>
-          <a:noFill/>
-        </p:spPr>
-        <p:txBody>
           <a:bodyPr wrap="square" rtlCol="0" anchor="t">
             <a:spAutoFit/>
           </a:bodyPr>
           <a:lstStyle/>
           <a:p>
-            <a:pPr algn="r"/>
-            <a:r>
-              <a:rPr lang="de-DE" sz="500" dirty="0" smtClean="0">
-                <a:latin typeface="Helvetica Neue LT Std 67 Medium Condensed" charset="0"/>
-                <a:ea typeface="Helvetica Neue LT Std 67 Medium Condensed" charset="0"/>
-                <a:cs typeface="Helvetica Neue LT Std 67 Medium Condensed" charset="0"/>
-              </a:rPr>
-              <a:t>Zoom </a:t>
+            <a:pPr algn="r">
+              <a:lnSpc>
+                <a:spcPts val="500"/>
+              </a:lnSpc>
+            </a:pPr>
+            <a:r>
+              <a:rPr lang="de-DE" sz="500" dirty="0" smtClean="0">
+                <a:latin typeface="Helvetica Neue LT Std 67 Medium Condensed" charset="0"/>
+                <a:ea typeface="Helvetica Neue LT Std 67 Medium Condensed" charset="0"/>
+                <a:cs typeface="Helvetica Neue LT Std 67 Medium Condensed" charset="0"/>
+              </a:rPr>
+              <a:t>        </a:t>
             </a:r>
             <a:r>
               <a:rPr lang="de-DE" sz="500" dirty="0" err="1" smtClean="0">
@@ -12328,18 +12610,18 @@
                 <a:ea typeface="Helvetica Neue LT Std 67 Medium Condensed" charset="0"/>
                 <a:cs typeface="Helvetica Neue LT Std 67 Medium Condensed" charset="0"/>
               </a:rPr>
-              <a:t>to</a:t>
-            </a:r>
-            <a:r>
-              <a:rPr lang="de-DE" sz="500" dirty="0">
-                <a:latin typeface="Helvetica Neue LT Std 67 Medium Condensed" charset="0"/>
-                <a:ea typeface="Helvetica Neue LT Std 67 Medium Condensed" charset="0"/>
-                <a:cs typeface="Helvetica Neue LT Std 67 Medium Condensed" charset="0"/>
-              </a:rPr>
-              <a:t/>
+              <a:t>Toggle</a:t>
+            </a:r>
+            <a:r>
+              <a:rPr lang="de-DE" sz="500" dirty="0" smtClean="0">
+                <a:latin typeface="Helvetica Neue LT Std 67 Medium Condensed" charset="0"/>
+                <a:ea typeface="Helvetica Neue LT Std 67 Medium Condensed" charset="0"/>
+                <a:cs typeface="Helvetica Neue LT Std 67 Medium Condensed" charset="0"/>
+              </a:rPr>
+              <a:t> Lock</a:t>
             </a:r>
             <a:br>
-              <a:rPr lang="de-DE" sz="500" dirty="0">
+              <a:rPr lang="de-DE" sz="500" dirty="0" smtClean="0">
                 <a:latin typeface="Helvetica Neue LT Std 67 Medium Condensed" charset="0"/>
                 <a:ea typeface="Helvetica Neue LT Std 67 Medium Condensed" charset="0"/>
                 <a:cs typeface="Helvetica Neue LT Std 67 Medium Condensed" charset="0"/>
@@ -12351,15 +12633,7 @@
                 <a:ea typeface="Helvetica Neue LT Std 67 Medium Condensed" charset="0"/>
                 <a:cs typeface="Helvetica Neue LT Std 67 Medium Condensed" charset="0"/>
               </a:rPr>
-              <a:t>Time </a:t>
-            </a:r>
-            <a:r>
-              <a:rPr lang="de-DE" sz="500" dirty="0" err="1" smtClean="0">
-                <a:latin typeface="Helvetica Neue LT Std 67 Medium Condensed" charset="0"/>
-                <a:ea typeface="Helvetica Neue LT Std 67 Medium Condensed" charset="0"/>
-                <a:cs typeface="Helvetica Neue LT Std 67 Medium Condensed" charset="0"/>
-              </a:rPr>
-              <a:t>Selection</a:t>
+              <a:t>Items</a:t>
             </a:r>
             <a:endParaRPr lang="de-DE" sz="500" dirty="0" smtClean="0">
               <a:solidFill>
@@ -12376,13 +12650,167 @@
       </p:sp>
       <p:sp>
         <p:nvSpPr>
-          <p:cNvPr id="160" name="Abgerundetes Rechteck 159"/>
+          <p:cNvPr id="162" name="Textfeld 161"/>
+          <p:cNvSpPr txBox="1"/>
+          <p:nvPr/>
+        </p:nvSpPr>
+        <p:spPr>
+          <a:xfrm>
+            <a:off x="6064407" y="4061278"/>
+            <a:ext cx="243978" cy="253916"/>
+          </a:xfrm>
+          <a:prstGeom prst="rect">
+            <a:avLst/>
+          </a:prstGeom>
+          <a:noFill/>
+        </p:spPr>
+        <p:txBody>
+          <a:bodyPr wrap="none" rtlCol="0">
+            <a:spAutoFit/>
+          </a:bodyPr>
+          <a:lstStyle/>
+          <a:p>
+            <a:r>
+              <a:rPr lang="de-DE" sz="1050" dirty="0" smtClean="0">
+                <a:latin typeface="Helvetica Neue LT Std 67 Medium Condensed" charset="0"/>
+                <a:ea typeface="Helvetica Neue LT Std 67 Medium Condensed" charset="0"/>
+                <a:cs typeface="Helvetica Neue LT Std 67 Medium Condensed" charset="0"/>
+              </a:rPr>
+              <a:t>L</a:t>
+            </a:r>
+            <a:endParaRPr lang="de-DE" sz="1050" dirty="0">
+              <a:latin typeface="Helvetica Neue LT Std 67 Medium Condensed" charset="0"/>
+              <a:ea typeface="Helvetica Neue LT Std 67 Medium Condensed" charset="0"/>
+              <a:cs typeface="Helvetica Neue LT Std 67 Medium Condensed" charset="0"/>
+            </a:endParaRPr>
+          </a:p>
+        </p:txBody>
+      </p:sp>
+      <p:sp>
+        <p:nvSpPr>
+          <p:cNvPr id="163" name="Rechteck 162"/>
           <p:cNvSpPr/>
           <p:nvPr/>
         </p:nvSpPr>
         <p:spPr>
           <a:xfrm>
-            <a:off x="6117604" y="3772794"/>
+            <a:off x="1857814" y="3988250"/>
+            <a:ext cx="635109" cy="223779"/>
+          </a:xfrm>
+          <a:prstGeom prst="rect">
+            <a:avLst/>
+          </a:prstGeom>
+        </p:spPr>
+        <p:txBody>
+          <a:bodyPr wrap="none">
+            <a:spAutoFit/>
+          </a:bodyPr>
+          <a:lstStyle/>
+          <a:p>
+            <a:pPr algn="r">
+              <a:lnSpc>
+                <a:spcPts val="500"/>
+              </a:lnSpc>
+            </a:pPr>
+            <a:r>
+              <a:rPr lang="de-DE" sz="500" dirty="0">
+                <a:solidFill>
+                  <a:schemeClr val="accent6">
+                    <a:lumMod val="75000"/>
+                  </a:schemeClr>
+                </a:solidFill>
+                <a:latin typeface="Helvetica Neue LT Std 67 Medium Condensed" charset="0"/>
+                <a:ea typeface="Helvetica Neue LT Std 67 Medium Condensed" charset="0"/>
+                <a:cs typeface="Helvetica Neue LT Std 67 Medium Condensed" charset="0"/>
+              </a:rPr>
+              <a:t>⌥ </a:t>
+            </a:r>
+            <a:r>
+              <a:rPr lang="de-DE" sz="500" dirty="0" smtClean="0">
+                <a:solidFill>
+                  <a:schemeClr val="accent6">
+                    <a:lumMod val="75000"/>
+                  </a:schemeClr>
+                </a:solidFill>
+                <a:latin typeface="Helvetica Neue LT Std 67 Medium Condensed" charset="0"/>
+                <a:ea typeface="Helvetica Neue LT Std 67 Medium Condensed" charset="0"/>
+                <a:cs typeface="Helvetica Neue LT Std 67 Medium Condensed" charset="0"/>
+              </a:rPr>
+              <a:t>Split Time Sel. </a:t>
+            </a:r>
+            <a:br>
+              <a:rPr lang="de-DE" sz="500" dirty="0" smtClean="0">
+                <a:solidFill>
+                  <a:schemeClr val="accent6">
+                    <a:lumMod val="75000"/>
+                  </a:schemeClr>
+                </a:solidFill>
+                <a:latin typeface="Helvetica Neue LT Std 67 Medium Condensed" charset="0"/>
+                <a:ea typeface="Helvetica Neue LT Std 67 Medium Condensed" charset="0"/>
+                <a:cs typeface="Helvetica Neue LT Std 67 Medium Condensed" charset="0"/>
+              </a:rPr>
+            </a:br>
+            <a:r>
+              <a:rPr lang="de-DE" sz="500" dirty="0" smtClean="0">
+                <a:solidFill>
+                  <a:schemeClr val="accent6">
+                    <a:lumMod val="75000"/>
+                  </a:schemeClr>
+                </a:solidFill>
+                <a:latin typeface="Helvetica Neue LT Std 67 Medium Condensed" charset="0"/>
+                <a:ea typeface="Helvetica Neue LT Std 67 Medium Condensed" charset="0"/>
+                <a:cs typeface="Helvetica Neue LT Std 67 Medium Condensed" charset="0"/>
+              </a:rPr>
+              <a:t>&amp; </a:t>
+            </a:r>
+            <a:r>
+              <a:rPr lang="de-DE" sz="500" dirty="0" err="1" smtClean="0">
+                <a:solidFill>
+                  <a:schemeClr val="accent6">
+                    <a:lumMod val="75000"/>
+                  </a:schemeClr>
+                </a:solidFill>
+                <a:latin typeface="Helvetica Neue LT Std 67 Medium Condensed" charset="0"/>
+                <a:ea typeface="Helvetica Neue LT Std 67 Medium Condensed" charset="0"/>
+                <a:cs typeface="Helvetica Neue LT Std 67 Medium Condensed" charset="0"/>
+              </a:rPr>
+              <a:t>add</a:t>
+            </a:r>
+            <a:r>
+              <a:rPr lang="de-DE" sz="500" dirty="0" smtClean="0">
+                <a:solidFill>
+                  <a:schemeClr val="accent6">
+                    <a:lumMod val="75000"/>
+                  </a:schemeClr>
+                </a:solidFill>
+                <a:latin typeface="Helvetica Neue LT Std 67 Medium Condensed" charset="0"/>
+                <a:ea typeface="Helvetica Neue LT Std 67 Medium Condensed" charset="0"/>
+                <a:cs typeface="Helvetica Neue LT Std 67 Medium Condensed" charset="0"/>
+              </a:rPr>
+              <a:t> Name  </a:t>
+            </a:r>
+            <a:endParaRPr lang="de-DE" sz="500" dirty="0">
+              <a:solidFill>
+                <a:schemeClr val="accent6">
+                  <a:lumMod val="75000"/>
+                </a:schemeClr>
+              </a:solidFill>
+              <a:latin typeface="Helvetica Neue LT Std 67 Medium Condensed" charset="0"/>
+              <a:ea typeface="Helvetica Neue LT Std 67 Medium Condensed" charset="0"/>
+              <a:cs typeface="Helvetica Neue LT Std 67 Medium Condensed" charset="0"/>
+            </a:endParaRPr>
+          </a:p>
+        </p:txBody>
+      </p:sp>
+      <p:sp>
+        <p:nvSpPr>
+          <p:cNvPr id="164" name="Abgerundetes Rechteck 163"/>
+          <p:cNvSpPr/>
+          <p:nvPr/>
+        </p:nvSpPr>
+        <p:spPr>
+          <a:xfrm>
+            <a:off x="4166233" y="3173686"/>
             <a:ext cx="495160" cy="483856"/>
           </a:xfrm>
           <a:prstGeom prst="roundRect">
@@ -12391,14 +12819,14 @@
             </a:avLst>
           </a:prstGeom>
           <a:solidFill>
-            <a:schemeClr val="accent4">
+            <a:schemeClr val="accent6">
               <a:lumMod val="20000"/>
               <a:lumOff val="80000"/>
             </a:schemeClr>
           </a:solidFill>
           <a:ln>
             <a:solidFill>
-              <a:schemeClr val="accent4">
+              <a:schemeClr val="accent6">
                 <a:lumMod val="50000"/>
               </a:schemeClr>
             </a:solidFill>
@@ -12437,14 +12865,14 @@
       </p:sp>
       <p:sp>
         <p:nvSpPr>
-          <p:cNvPr id="161" name="Textfeld 160"/>
+          <p:cNvPr id="165" name="Textfeld 164"/>
           <p:cNvSpPr txBox="1"/>
           <p:nvPr/>
         </p:nvSpPr>
         <p:spPr>
           <a:xfrm>
-            <a:off x="6156070" y="3772301"/>
-            <a:ext cx="500728" cy="287899"/>
+            <a:off x="4122093" y="3455219"/>
+            <a:ext cx="247184" cy="253916"/>
           </a:xfrm>
           <a:prstGeom prst="rect">
             <a:avLst/>
@@ -12452,60 +12880,63 @@
           <a:noFill/>
         </p:spPr>
         <p:txBody>
+          <a:bodyPr wrap="none" rtlCol="0">
+            <a:spAutoFit/>
+          </a:bodyPr>
+          <a:lstStyle/>
+          <a:p>
+            <a:r>
+              <a:rPr lang="de-DE" sz="1050" dirty="0" smtClean="0">
+                <a:latin typeface="Helvetica Neue LT Std 67 Medium Condensed" charset="0"/>
+                <a:ea typeface="Helvetica Neue LT Std 67 Medium Condensed" charset="0"/>
+                <a:cs typeface="Helvetica Neue LT Std 67 Medium Condensed" charset="0"/>
+              </a:rPr>
+              <a:t>Z</a:t>
+            </a:r>
+            <a:endParaRPr lang="de-DE" sz="1050" dirty="0">
+              <a:latin typeface="Helvetica Neue LT Std 67 Medium Condensed" charset="0"/>
+              <a:ea typeface="Helvetica Neue LT Std 67 Medium Condensed" charset="0"/>
+              <a:cs typeface="Helvetica Neue LT Std 67 Medium Condensed" charset="0"/>
+            </a:endParaRPr>
+          </a:p>
+        </p:txBody>
+      </p:sp>
+      <p:sp>
+        <p:nvSpPr>
+          <p:cNvPr id="166" name="Textfeld 165"/>
+          <p:cNvSpPr txBox="1"/>
+          <p:nvPr/>
+        </p:nvSpPr>
+        <p:spPr>
+          <a:xfrm>
+            <a:off x="4403714" y="3344806"/>
+            <a:ext cx="398899" cy="169277"/>
+          </a:xfrm>
+          <a:prstGeom prst="rect">
+            <a:avLst/>
+          </a:prstGeom>
+          <a:noFill/>
+        </p:spPr>
+        <p:txBody>
           <a:bodyPr wrap="square" rtlCol="0" anchor="t">
             <a:spAutoFit/>
           </a:bodyPr>
           <a:lstStyle/>
           <a:p>
-            <a:pPr algn="r">
-              <a:lnSpc>
-                <a:spcPts val="500"/>
-              </a:lnSpc>
-            </a:pPr>
-            <a:r>
-              <a:rPr lang="de-DE" sz="500" dirty="0" smtClean="0">
-                <a:latin typeface="Helvetica Neue LT Std 67 Medium Condensed" charset="0"/>
-                <a:ea typeface="Helvetica Neue LT Std 67 Medium Condensed" charset="0"/>
-                <a:cs typeface="Helvetica Neue LT Std 67 Medium Condensed" charset="0"/>
-              </a:rPr>
-              <a:t>        </a:t>
-            </a:r>
             <a:r>
               <a:rPr lang="de-DE" sz="500" dirty="0" err="1" smtClean="0">
-                <a:latin typeface="Helvetica Neue LT Std 67 Medium Condensed" charset="0"/>
-                <a:ea typeface="Helvetica Neue LT Std 67 Medium Condensed" charset="0"/>
-                <a:cs typeface="Helvetica Neue LT Std 67 Medium Condensed" charset="0"/>
-              </a:rPr>
-              <a:t>Toggle</a:t>
-            </a:r>
-            <a:r>
-              <a:rPr lang="de-DE" sz="500" dirty="0" smtClean="0">
-                <a:latin typeface="Helvetica Neue LT Std 67 Medium Condensed" charset="0"/>
-                <a:ea typeface="Helvetica Neue LT Std 67 Medium Condensed" charset="0"/>
-                <a:cs typeface="Helvetica Neue LT Std 67 Medium Condensed" charset="0"/>
-              </a:rPr>
-              <a:t> Lock</a:t>
-            </a:r>
-            <a:br>
-              <a:rPr lang="de-DE" sz="500" dirty="0" smtClean="0">
-                <a:latin typeface="Helvetica Neue LT Std 67 Medium Condensed" charset="0"/>
-                <a:ea typeface="Helvetica Neue LT Std 67 Medium Condensed" charset="0"/>
-                <a:cs typeface="Helvetica Neue LT Std 67 Medium Condensed" charset="0"/>
-              </a:rPr>
-            </a:br>
-            <a:r>
-              <a:rPr lang="de-DE" sz="500" dirty="0" smtClean="0">
-                <a:latin typeface="Helvetica Neue LT Std 67 Medium Condensed" charset="0"/>
-                <a:ea typeface="Helvetica Neue LT Std 67 Medium Condensed" charset="0"/>
-                <a:cs typeface="Helvetica Neue LT Std 67 Medium Condensed" charset="0"/>
-              </a:rPr>
-              <a:t>Items</a:t>
+                <a:solidFill>
+                  <a:srgbClr val="7030A0"/>
+                </a:solidFill>
+                <a:latin typeface="Helvetica Neue LT Std 67 Medium Condensed" charset="0"/>
+                <a:ea typeface="Helvetica Neue LT Std 67 Medium Condensed" charset="0"/>
+                <a:cs typeface="Helvetica Neue LT Std 67 Medium Condensed" charset="0"/>
+              </a:rPr>
+              <a:t>Undo</a:t>
             </a:r>
             <a:endParaRPr lang="de-DE" sz="500" dirty="0" smtClean="0">
               <a:solidFill>
-                <a:schemeClr val="accent2">
-                  <a:lumMod val="75000"/>
-                </a:schemeClr>
+                <a:srgbClr val="7030A0"/>
               </a:solidFill>
               <a:latin typeface="Helvetica Neue LT Std 67 Medium Condensed" charset="0"/>
               <a:ea typeface="Helvetica Neue LT Std 67 Medium Condensed" charset="0"/>
@@ -12516,52 +12947,14 @@
       </p:sp>
       <p:sp>
         <p:nvSpPr>
-          <p:cNvPr id="162" name="Textfeld 161"/>
-          <p:cNvSpPr txBox="1"/>
-          <p:nvPr/>
-        </p:nvSpPr>
-        <p:spPr>
-          <a:xfrm>
-            <a:off x="6064407" y="4061278"/>
-            <a:ext cx="243978" cy="253916"/>
-          </a:xfrm>
-          <a:prstGeom prst="rect">
-            <a:avLst/>
-          </a:prstGeom>
-          <a:noFill/>
-        </p:spPr>
-        <p:txBody>
-          <a:bodyPr wrap="none" rtlCol="0">
-            <a:spAutoFit/>
-          </a:bodyPr>
-          <a:lstStyle/>
-          <a:p>
-            <a:r>
-              <a:rPr lang="de-DE" sz="1050" dirty="0" smtClean="0">
-                <a:latin typeface="Helvetica Neue LT Std 67 Medium Condensed" charset="0"/>
-                <a:ea typeface="Helvetica Neue LT Std 67 Medium Condensed" charset="0"/>
-                <a:cs typeface="Helvetica Neue LT Std 67 Medium Condensed" charset="0"/>
-              </a:rPr>
-              <a:t>L</a:t>
-            </a:r>
-            <a:endParaRPr lang="de-DE" sz="1050" dirty="0">
-              <a:latin typeface="Helvetica Neue LT Std 67 Medium Condensed" charset="0"/>
-              <a:ea typeface="Helvetica Neue LT Std 67 Medium Condensed" charset="0"/>
-              <a:cs typeface="Helvetica Neue LT Std 67 Medium Condensed" charset="0"/>
-            </a:endParaRPr>
-          </a:p>
-        </p:txBody>
-      </p:sp>
-      <p:sp>
-        <p:nvSpPr>
-          <p:cNvPr id="163" name="Rechteck 162"/>
+          <p:cNvPr id="167" name="Rechteck 166"/>
           <p:cNvSpPr/>
           <p:nvPr/>
         </p:nvSpPr>
         <p:spPr>
           <a:xfrm>
-            <a:off x="1857814" y="3988250"/>
-            <a:ext cx="635109" cy="223779"/>
+            <a:off x="4283684" y="3328856"/>
+            <a:ext cx="261610" cy="184666"/>
           </a:xfrm>
           <a:prstGeom prst="rect">
             <a:avLst/>
@@ -12573,111 +12966,35 @@
           </a:bodyPr>
           <a:lstStyle/>
           <a:p>
-            <a:pPr algn="r">
-              <a:lnSpc>
-                <a:spcPts val="500"/>
-              </a:lnSpc>
-            </a:pPr>
-            <a:r>
-              <a:rPr lang="de-DE" sz="500" dirty="0">
-                <a:solidFill>
-                  <a:schemeClr val="accent6">
-                    <a:lumMod val="75000"/>
-                  </a:schemeClr>
-                </a:solidFill>
-                <a:latin typeface="Helvetica Neue LT Std 67 Medium Condensed" charset="0"/>
-                <a:ea typeface="Helvetica Neue LT Std 67 Medium Condensed" charset="0"/>
-                <a:cs typeface="Helvetica Neue LT Std 67 Medium Condensed" charset="0"/>
-              </a:rPr>
-              <a:t>⌥ </a:t>
-            </a:r>
-            <a:r>
-              <a:rPr lang="de-DE" sz="500" dirty="0" smtClean="0">
-                <a:solidFill>
-                  <a:schemeClr val="accent6">
-                    <a:lumMod val="75000"/>
-                  </a:schemeClr>
-                </a:solidFill>
-                <a:latin typeface="Helvetica Neue LT Std 67 Medium Condensed" charset="0"/>
-                <a:ea typeface="Helvetica Neue LT Std 67 Medium Condensed" charset="0"/>
-                <a:cs typeface="Helvetica Neue LT Std 67 Medium Condensed" charset="0"/>
-              </a:rPr>
-              <a:t>Split Time Sel. </a:t>
-            </a:r>
-            <a:br>
-              <a:rPr lang="de-DE" sz="500" dirty="0" smtClean="0">
-                <a:solidFill>
-                  <a:schemeClr val="accent6">
-                    <a:lumMod val="75000"/>
-                  </a:schemeClr>
-                </a:solidFill>
-                <a:latin typeface="Helvetica Neue LT Std 67 Medium Condensed" charset="0"/>
-                <a:ea typeface="Helvetica Neue LT Std 67 Medium Condensed" charset="0"/>
-                <a:cs typeface="Helvetica Neue LT Std 67 Medium Condensed" charset="0"/>
-              </a:rPr>
-            </a:br>
-            <a:r>
-              <a:rPr lang="de-DE" sz="500" dirty="0" smtClean="0">
-                <a:solidFill>
-                  <a:schemeClr val="accent6">
-                    <a:lumMod val="75000"/>
-                  </a:schemeClr>
-                </a:solidFill>
-                <a:latin typeface="Helvetica Neue LT Std 67 Medium Condensed" charset="0"/>
-                <a:ea typeface="Helvetica Neue LT Std 67 Medium Condensed" charset="0"/>
-                <a:cs typeface="Helvetica Neue LT Std 67 Medium Condensed" charset="0"/>
-              </a:rPr>
-              <a:t>&amp; </a:t>
-            </a:r>
-            <a:r>
-              <a:rPr lang="de-DE" sz="500" dirty="0" err="1" smtClean="0">
-                <a:solidFill>
-                  <a:schemeClr val="accent6">
-                    <a:lumMod val="75000"/>
-                  </a:schemeClr>
-                </a:solidFill>
-                <a:latin typeface="Helvetica Neue LT Std 67 Medium Condensed" charset="0"/>
-                <a:ea typeface="Helvetica Neue LT Std 67 Medium Condensed" charset="0"/>
-                <a:cs typeface="Helvetica Neue LT Std 67 Medium Condensed" charset="0"/>
-              </a:rPr>
-              <a:t>add</a:t>
-            </a:r>
-            <a:r>
-              <a:rPr lang="de-DE" sz="500" dirty="0" smtClean="0">
-                <a:solidFill>
-                  <a:schemeClr val="accent6">
-                    <a:lumMod val="75000"/>
-                  </a:schemeClr>
-                </a:solidFill>
-                <a:latin typeface="Helvetica Neue LT Std 67 Medium Condensed" charset="0"/>
-                <a:ea typeface="Helvetica Neue LT Std 67 Medium Condensed" charset="0"/>
-                <a:cs typeface="Helvetica Neue LT Std 67 Medium Condensed" charset="0"/>
-              </a:rPr>
-              <a:t> Name  </a:t>
-            </a:r>
-            <a:endParaRPr lang="de-DE" sz="500" dirty="0">
+            <a:r>
+              <a:rPr lang="de-DE" sz="600" b="1" dirty="0" smtClean="0">
+                <a:solidFill>
+                  <a:srgbClr val="7030A0"/>
+                </a:solidFill>
+                <a:latin typeface="Helvetica Neue LT Std 67 Medium Condensed" charset="0"/>
+                <a:ea typeface="Helvetica Neue LT Std 67 Medium Condensed" charset="0"/>
+                <a:cs typeface="Helvetica Neue LT Std 67 Medium Condensed" charset="0"/>
+              </a:rPr>
+              <a:t>⌘</a:t>
+            </a:r>
+            <a:endParaRPr lang="de-DE" sz="4000" b="1" dirty="0">
               <a:solidFill>
-                <a:schemeClr val="accent6">
-                  <a:lumMod val="75000"/>
-                </a:schemeClr>
+                <a:srgbClr val="7030A0"/>
               </a:solidFill>
-              <a:latin typeface="Helvetica Neue LT Std 67 Medium Condensed" charset="0"/>
-              <a:ea typeface="Helvetica Neue LT Std 67 Medium Condensed" charset="0"/>
-              <a:cs typeface="Helvetica Neue LT Std 67 Medium Condensed" charset="0"/>
-            </a:endParaRPr>
-          </a:p>
-        </p:txBody>
-      </p:sp>
-      <p:sp>
-        <p:nvSpPr>
-          <p:cNvPr id="164" name="Abgerundetes Rechteck 163"/>
+            </a:endParaRPr>
+          </a:p>
+        </p:txBody>
+      </p:sp>
+      <p:sp>
+        <p:nvSpPr>
+          <p:cNvPr id="168" name="Abgerundetes Rechteck 167"/>
           <p:cNvSpPr/>
           <p:nvPr/>
         </p:nvSpPr>
         <p:spPr>
           <a:xfrm>
-            <a:off x="4166233" y="3173686"/>
-            <a:ext cx="495160" cy="483856"/>
+            <a:off x="7762092" y="4934872"/>
+            <a:ext cx="495160" cy="279576"/>
           </a:xfrm>
           <a:prstGeom prst="roundRect">
             <a:avLst>
@@ -12731,135 +13048,13 @@
       </p:sp>
       <p:sp>
         <p:nvSpPr>
-          <p:cNvPr id="165" name="Textfeld 164"/>
-          <p:cNvSpPr txBox="1"/>
-          <p:nvPr/>
-        </p:nvSpPr>
-        <p:spPr>
-          <a:xfrm>
-            <a:off x="4122093" y="3455219"/>
-            <a:ext cx="247184" cy="253916"/>
-          </a:xfrm>
-          <a:prstGeom prst="rect">
-            <a:avLst/>
-          </a:prstGeom>
-          <a:noFill/>
-        </p:spPr>
-        <p:txBody>
-          <a:bodyPr wrap="none" rtlCol="0">
-            <a:spAutoFit/>
-          </a:bodyPr>
-          <a:lstStyle/>
-          <a:p>
-            <a:r>
-              <a:rPr lang="de-DE" sz="1050" dirty="0" smtClean="0">
-                <a:latin typeface="Helvetica Neue LT Std 67 Medium Condensed" charset="0"/>
-                <a:ea typeface="Helvetica Neue LT Std 67 Medium Condensed" charset="0"/>
-                <a:cs typeface="Helvetica Neue LT Std 67 Medium Condensed" charset="0"/>
-              </a:rPr>
-              <a:t>Z</a:t>
-            </a:r>
-            <a:endParaRPr lang="de-DE" sz="1050" dirty="0">
-              <a:latin typeface="Helvetica Neue LT Std 67 Medium Condensed" charset="0"/>
-              <a:ea typeface="Helvetica Neue LT Std 67 Medium Condensed" charset="0"/>
-              <a:cs typeface="Helvetica Neue LT Std 67 Medium Condensed" charset="0"/>
-            </a:endParaRPr>
-          </a:p>
-        </p:txBody>
-      </p:sp>
-      <p:sp>
-        <p:nvSpPr>
-          <p:cNvPr id="166" name="Textfeld 165"/>
-          <p:cNvSpPr txBox="1"/>
-          <p:nvPr/>
-        </p:nvSpPr>
-        <p:spPr>
-          <a:xfrm>
-            <a:off x="4403714" y="3344806"/>
-            <a:ext cx="398899" cy="169277"/>
-          </a:xfrm>
-          <a:prstGeom prst="rect">
-            <a:avLst/>
-          </a:prstGeom>
-          <a:noFill/>
-        </p:spPr>
-        <p:txBody>
-          <a:bodyPr wrap="square" rtlCol="0" anchor="t">
-            <a:spAutoFit/>
-          </a:bodyPr>
-          <a:lstStyle/>
-          <a:p>
-            <a:r>
-              <a:rPr lang="de-DE" sz="500" dirty="0" err="1" smtClean="0">
-                <a:solidFill>
-                  <a:srgbClr val="7030A0"/>
-                </a:solidFill>
-                <a:latin typeface="Helvetica Neue LT Std 67 Medium Condensed" charset="0"/>
-                <a:ea typeface="Helvetica Neue LT Std 67 Medium Condensed" charset="0"/>
-                <a:cs typeface="Helvetica Neue LT Std 67 Medium Condensed" charset="0"/>
-              </a:rPr>
-              <a:t>Undo</a:t>
-            </a:r>
-            <a:endParaRPr lang="de-DE" sz="500" dirty="0" smtClean="0">
-              <a:solidFill>
-                <a:srgbClr val="7030A0"/>
-              </a:solidFill>
-              <a:latin typeface="Helvetica Neue LT Std 67 Medium Condensed" charset="0"/>
-              <a:ea typeface="Helvetica Neue LT Std 67 Medium Condensed" charset="0"/>
-              <a:cs typeface="Helvetica Neue LT Std 67 Medium Condensed" charset="0"/>
-            </a:endParaRPr>
-          </a:p>
-        </p:txBody>
-      </p:sp>
-      <p:sp>
-        <p:nvSpPr>
-          <p:cNvPr id="167" name="Rechteck 166"/>
+          <p:cNvPr id="170" name="Abgerundetes Rechteck 169"/>
           <p:cNvSpPr/>
           <p:nvPr/>
         </p:nvSpPr>
         <p:spPr>
           <a:xfrm>
-            <a:off x="4283684" y="3328856"/>
-            <a:ext cx="261610" cy="184666"/>
-          </a:xfrm>
-          <a:prstGeom prst="rect">
-            <a:avLst/>
-          </a:prstGeom>
-        </p:spPr>
-        <p:txBody>
-          <a:bodyPr wrap="none">
-            <a:spAutoFit/>
-          </a:bodyPr>
-          <a:lstStyle/>
-          <a:p>
-            <a:r>
-              <a:rPr lang="de-DE" sz="600" b="1" dirty="0" smtClean="0">
-                <a:solidFill>
-                  <a:srgbClr val="7030A0"/>
-                </a:solidFill>
-                <a:latin typeface="Helvetica Neue LT Std 67 Medium Condensed" charset="0"/>
-                <a:ea typeface="Helvetica Neue LT Std 67 Medium Condensed" charset="0"/>
-                <a:cs typeface="Helvetica Neue LT Std 67 Medium Condensed" charset="0"/>
-              </a:rPr>
-              <a:t>⌘</a:t>
-            </a:r>
-            <a:endParaRPr lang="de-DE" sz="4000" b="1" dirty="0">
-              <a:solidFill>
-                <a:srgbClr val="7030A0"/>
-              </a:solidFill>
-            </a:endParaRPr>
-          </a:p>
-        </p:txBody>
-      </p:sp>
-      <p:sp>
-        <p:nvSpPr>
-          <p:cNvPr id="168" name="Abgerundetes Rechteck 167"/>
-          <p:cNvSpPr/>
-          <p:nvPr/>
-        </p:nvSpPr>
-        <p:spPr>
-          <a:xfrm>
-            <a:off x="7762092" y="4934872"/>
+            <a:off x="7762092" y="5225068"/>
             <a:ext cx="495160" cy="279576"/>
           </a:xfrm>
           <a:prstGeom prst="roundRect">
@@ -12914,13 +13109,13 @@
       </p:sp>
       <p:sp>
         <p:nvSpPr>
-          <p:cNvPr id="170" name="Abgerundetes Rechteck 169"/>
+          <p:cNvPr id="171" name="Abgerundetes Rechteck 170"/>
           <p:cNvSpPr/>
           <p:nvPr/>
         </p:nvSpPr>
         <p:spPr>
           <a:xfrm>
-            <a:off x="7762092" y="5225068"/>
+            <a:off x="8359450" y="5226379"/>
             <a:ext cx="495160" cy="279576"/>
           </a:xfrm>
           <a:prstGeom prst="roundRect">
@@ -12975,13 +13170,13 @@
       </p:sp>
       <p:sp>
         <p:nvSpPr>
-          <p:cNvPr id="171" name="Abgerundetes Rechteck 170"/>
+          <p:cNvPr id="172" name="Abgerundetes Rechteck 171"/>
           <p:cNvSpPr/>
           <p:nvPr/>
         </p:nvSpPr>
         <p:spPr>
           <a:xfrm>
-            <a:off x="8359450" y="5226379"/>
+            <a:off x="7168724" y="5225068"/>
             <a:ext cx="495160" cy="279576"/>
           </a:xfrm>
           <a:prstGeom prst="roundRect">
@@ -13036,14 +13231,704 @@
       </p:sp>
       <p:sp>
         <p:nvSpPr>
-          <p:cNvPr id="172" name="Abgerundetes Rechteck 171"/>
+          <p:cNvPr id="173" name="Rechteck 172"/>
           <p:cNvSpPr/>
           <p:nvPr/>
         </p:nvSpPr>
         <p:spPr>
           <a:xfrm>
-            <a:off x="7168724" y="5225068"/>
-            <a:ext cx="495160" cy="279576"/>
+            <a:off x="7808886" y="4929727"/>
+            <a:ext cx="503664" cy="223779"/>
+          </a:xfrm>
+          <a:prstGeom prst="rect">
+            <a:avLst/>
+          </a:prstGeom>
+        </p:spPr>
+        <p:txBody>
+          <a:bodyPr wrap="none">
+            <a:spAutoFit/>
+          </a:bodyPr>
+          <a:lstStyle/>
+          <a:p>
+            <a:pPr algn="r">
+              <a:lnSpc>
+                <a:spcPts val="500"/>
+              </a:lnSpc>
+            </a:pPr>
+            <a:r>
+              <a:rPr lang="de-DE" sz="500" dirty="0">
+                <a:solidFill>
+                  <a:schemeClr val="accent6">
+                    <a:lumMod val="75000"/>
+                  </a:schemeClr>
+                </a:solidFill>
+                <a:latin typeface="Helvetica Neue LT Std 67 Medium Condensed" charset="0"/>
+                <a:ea typeface="Helvetica Neue LT Std 67 Medium Condensed" charset="0"/>
+                <a:cs typeface="Helvetica Neue LT Std 67 Medium Condensed" charset="0"/>
+              </a:rPr>
+              <a:t>⌥ </a:t>
+            </a:r>
+            <a:r>
+              <a:rPr lang="de-DE" sz="500" dirty="0" smtClean="0">
+                <a:solidFill>
+                  <a:schemeClr val="accent6">
+                    <a:lumMod val="75000"/>
+                  </a:schemeClr>
+                </a:solidFill>
+                <a:latin typeface="Helvetica Neue LT Std 67 Medium Condensed" charset="0"/>
+                <a:ea typeface="Helvetica Neue LT Std 67 Medium Condensed" charset="0"/>
+                <a:cs typeface="Helvetica Neue LT Std 67 Medium Condensed" charset="0"/>
+              </a:rPr>
+              <a:t>Move </a:t>
+            </a:r>
+            <a:r>
+              <a:rPr lang="de-DE" sz="500" dirty="0" err="1" smtClean="0">
+                <a:solidFill>
+                  <a:schemeClr val="accent6">
+                    <a:lumMod val="75000"/>
+                  </a:schemeClr>
+                </a:solidFill>
+                <a:latin typeface="Helvetica Neue LT Std 67 Medium Condensed" charset="0"/>
+                <a:ea typeface="Helvetica Neue LT Std 67 Medium Condensed" charset="0"/>
+                <a:cs typeface="Helvetica Neue LT Std 67 Medium Condensed" charset="0"/>
+              </a:rPr>
+              <a:t>Left</a:t>
+            </a:r>
+            <a:r>
+              <a:rPr lang="de-DE" sz="500" dirty="0" smtClean="0">
+                <a:solidFill>
+                  <a:schemeClr val="accent6">
+                    <a:lumMod val="75000"/>
+                  </a:schemeClr>
+                </a:solidFill>
+                <a:latin typeface="Helvetica Neue LT Std 67 Medium Condensed" charset="0"/>
+                <a:ea typeface="Helvetica Neue LT Std 67 Medium Condensed" charset="0"/>
+                <a:cs typeface="Helvetica Neue LT Std 67 Medium Condensed" charset="0"/>
+              </a:rPr>
+              <a:t/>
+            </a:r>
+            <a:br>
+              <a:rPr lang="de-DE" sz="500" dirty="0" smtClean="0">
+                <a:solidFill>
+                  <a:schemeClr val="accent6">
+                    <a:lumMod val="75000"/>
+                  </a:schemeClr>
+                </a:solidFill>
+                <a:latin typeface="Helvetica Neue LT Std 67 Medium Condensed" charset="0"/>
+                <a:ea typeface="Helvetica Neue LT Std 67 Medium Condensed" charset="0"/>
+                <a:cs typeface="Helvetica Neue LT Std 67 Medium Condensed" charset="0"/>
+              </a:rPr>
+            </a:br>
+            <a:r>
+              <a:rPr lang="de-DE" sz="500" dirty="0" err="1" smtClean="0">
+                <a:solidFill>
+                  <a:schemeClr val="accent6">
+                    <a:lumMod val="75000"/>
+                  </a:schemeClr>
+                </a:solidFill>
+                <a:latin typeface="Helvetica Neue LT Std 67 Medium Condensed" charset="0"/>
+                <a:ea typeface="Helvetica Neue LT Std 67 Medium Condensed" charset="0"/>
+                <a:cs typeface="Helvetica Neue LT Std 67 Medium Condensed" charset="0"/>
+              </a:rPr>
+              <a:t>to</a:t>
+            </a:r>
+            <a:r>
+              <a:rPr lang="de-DE" sz="500" dirty="0" smtClean="0">
+                <a:solidFill>
+                  <a:schemeClr val="accent6">
+                    <a:lumMod val="75000"/>
+                  </a:schemeClr>
+                </a:solidFill>
+                <a:latin typeface="Helvetica Neue LT Std 67 Medium Condensed" charset="0"/>
+                <a:ea typeface="Helvetica Neue LT Std 67 Medium Condensed" charset="0"/>
+                <a:cs typeface="Helvetica Neue LT Std 67 Medium Condensed" charset="0"/>
+              </a:rPr>
+              <a:t> </a:t>
+            </a:r>
+            <a:r>
+              <a:rPr lang="de-DE" sz="500" dirty="0" err="1" smtClean="0">
+                <a:solidFill>
+                  <a:schemeClr val="accent6">
+                    <a:lumMod val="75000"/>
+                  </a:schemeClr>
+                </a:solidFill>
+                <a:latin typeface="Helvetica Neue LT Std 67 Medium Condensed" charset="0"/>
+                <a:ea typeface="Helvetica Neue LT Std 67 Medium Condensed" charset="0"/>
+                <a:cs typeface="Helvetica Neue LT Std 67 Medium Condensed" charset="0"/>
+              </a:rPr>
+              <a:t>next</a:t>
+            </a:r>
+            <a:r>
+              <a:rPr lang="de-DE" sz="500" dirty="0" smtClean="0">
+                <a:solidFill>
+                  <a:schemeClr val="accent6">
+                    <a:lumMod val="75000"/>
+                  </a:schemeClr>
+                </a:solidFill>
+                <a:latin typeface="Helvetica Neue LT Std 67 Medium Condensed" charset="0"/>
+                <a:ea typeface="Helvetica Neue LT Std 67 Medium Condensed" charset="0"/>
+                <a:cs typeface="Helvetica Neue LT Std 67 Medium Condensed" charset="0"/>
+              </a:rPr>
+              <a:t> Edge</a:t>
+            </a:r>
+            <a:endParaRPr lang="de-DE" sz="500" dirty="0">
+              <a:solidFill>
+                <a:schemeClr val="accent6">
+                  <a:lumMod val="75000"/>
+                </a:schemeClr>
+              </a:solidFill>
+              <a:latin typeface="Helvetica Neue LT Std 67 Medium Condensed" charset="0"/>
+              <a:ea typeface="Helvetica Neue LT Std 67 Medium Condensed" charset="0"/>
+              <a:cs typeface="Helvetica Neue LT Std 67 Medium Condensed" charset="0"/>
+            </a:endParaRPr>
+          </a:p>
+        </p:txBody>
+      </p:sp>
+      <p:sp>
+        <p:nvSpPr>
+          <p:cNvPr id="174" name="Rechteck 173"/>
+          <p:cNvSpPr/>
+          <p:nvPr/>
+        </p:nvSpPr>
+        <p:spPr>
+          <a:xfrm>
+            <a:off x="7772627" y="5224676"/>
+            <a:ext cx="535724" cy="220573"/>
+          </a:xfrm>
+          <a:prstGeom prst="rect">
+            <a:avLst/>
+          </a:prstGeom>
+        </p:spPr>
+        <p:txBody>
+          <a:bodyPr wrap="none">
+            <a:spAutoFit/>
+          </a:bodyPr>
+          <a:lstStyle/>
+          <a:p>
+            <a:pPr algn="r">
+              <a:lnSpc>
+                <a:spcPts val="500"/>
+              </a:lnSpc>
+            </a:pPr>
+            <a:r>
+              <a:rPr lang="de-DE" sz="500" dirty="0">
+                <a:solidFill>
+                  <a:schemeClr val="accent6">
+                    <a:lumMod val="75000"/>
+                  </a:schemeClr>
+                </a:solidFill>
+                <a:latin typeface="Helvetica Neue LT Std 67 Medium Condensed" charset="0"/>
+                <a:ea typeface="Helvetica Neue LT Std 67 Medium Condensed" charset="0"/>
+                <a:cs typeface="Helvetica Neue LT Std 67 Medium Condensed" charset="0"/>
+              </a:rPr>
+              <a:t>⌥ </a:t>
+            </a:r>
+            <a:r>
+              <a:rPr lang="de-DE" sz="500" dirty="0" smtClean="0">
+                <a:solidFill>
+                  <a:schemeClr val="accent6">
+                    <a:lumMod val="75000"/>
+                  </a:schemeClr>
+                </a:solidFill>
+                <a:latin typeface="Helvetica Neue LT Std 67 Medium Condensed" charset="0"/>
+                <a:ea typeface="Helvetica Neue LT Std 67 Medium Condensed" charset="0"/>
+                <a:cs typeface="Helvetica Neue LT Std 67 Medium Condensed" charset="0"/>
+              </a:rPr>
+              <a:t>Move </a:t>
+            </a:r>
+            <a:r>
+              <a:rPr lang="de-DE" sz="500" dirty="0" err="1" smtClean="0">
+                <a:solidFill>
+                  <a:schemeClr val="accent6">
+                    <a:lumMod val="75000"/>
+                  </a:schemeClr>
+                </a:solidFill>
+                <a:latin typeface="Helvetica Neue LT Std 67 Medium Condensed" charset="0"/>
+                <a:ea typeface="Helvetica Neue LT Std 67 Medium Condensed" charset="0"/>
+                <a:cs typeface="Helvetica Neue LT Std 67 Medium Condensed" charset="0"/>
+              </a:rPr>
+              <a:t>Right</a:t>
+            </a:r>
+            <a:r>
+              <a:rPr lang="de-DE" sz="500" dirty="0" smtClean="0">
+                <a:solidFill>
+                  <a:schemeClr val="accent6">
+                    <a:lumMod val="75000"/>
+                  </a:schemeClr>
+                </a:solidFill>
+                <a:latin typeface="Helvetica Neue LT Std 67 Medium Condensed" charset="0"/>
+                <a:ea typeface="Helvetica Neue LT Std 67 Medium Condensed" charset="0"/>
+                <a:cs typeface="Helvetica Neue LT Std 67 Medium Condensed" charset="0"/>
+              </a:rPr>
+              <a:t/>
+            </a:r>
+            <a:br>
+              <a:rPr lang="de-DE" sz="500" dirty="0" smtClean="0">
+                <a:solidFill>
+                  <a:schemeClr val="accent6">
+                    <a:lumMod val="75000"/>
+                  </a:schemeClr>
+                </a:solidFill>
+                <a:latin typeface="Helvetica Neue LT Std 67 Medium Condensed" charset="0"/>
+                <a:ea typeface="Helvetica Neue LT Std 67 Medium Condensed" charset="0"/>
+                <a:cs typeface="Helvetica Neue LT Std 67 Medium Condensed" charset="0"/>
+              </a:rPr>
+            </a:br>
+            <a:r>
+              <a:rPr lang="de-DE" sz="500" dirty="0" err="1" smtClean="0">
+                <a:solidFill>
+                  <a:schemeClr val="accent6">
+                    <a:lumMod val="75000"/>
+                  </a:schemeClr>
+                </a:solidFill>
+                <a:latin typeface="Helvetica Neue LT Std 67 Medium Condensed" charset="0"/>
+                <a:ea typeface="Helvetica Neue LT Std 67 Medium Condensed" charset="0"/>
+                <a:cs typeface="Helvetica Neue LT Std 67 Medium Condensed" charset="0"/>
+              </a:rPr>
+              <a:t>to</a:t>
+            </a:r>
+            <a:r>
+              <a:rPr lang="de-DE" sz="500" dirty="0" smtClean="0">
+                <a:solidFill>
+                  <a:schemeClr val="accent6">
+                    <a:lumMod val="75000"/>
+                  </a:schemeClr>
+                </a:solidFill>
+                <a:latin typeface="Helvetica Neue LT Std 67 Medium Condensed" charset="0"/>
+                <a:ea typeface="Helvetica Neue LT Std 67 Medium Condensed" charset="0"/>
+                <a:cs typeface="Helvetica Neue LT Std 67 Medium Condensed" charset="0"/>
+              </a:rPr>
+              <a:t> </a:t>
+            </a:r>
+            <a:r>
+              <a:rPr lang="de-DE" sz="500" dirty="0" err="1" smtClean="0">
+                <a:solidFill>
+                  <a:schemeClr val="accent6">
+                    <a:lumMod val="75000"/>
+                  </a:schemeClr>
+                </a:solidFill>
+                <a:latin typeface="Helvetica Neue LT Std 67 Medium Condensed" charset="0"/>
+                <a:ea typeface="Helvetica Neue LT Std 67 Medium Condensed" charset="0"/>
+                <a:cs typeface="Helvetica Neue LT Std 67 Medium Condensed" charset="0"/>
+              </a:rPr>
+              <a:t>next</a:t>
+            </a:r>
+            <a:r>
+              <a:rPr lang="de-DE" sz="500" dirty="0" smtClean="0">
+                <a:solidFill>
+                  <a:schemeClr val="accent6">
+                    <a:lumMod val="75000"/>
+                  </a:schemeClr>
+                </a:solidFill>
+                <a:latin typeface="Helvetica Neue LT Std 67 Medium Condensed" charset="0"/>
+                <a:ea typeface="Helvetica Neue LT Std 67 Medium Condensed" charset="0"/>
+                <a:cs typeface="Helvetica Neue LT Std 67 Medium Condensed" charset="0"/>
+              </a:rPr>
+              <a:t> Edge</a:t>
+            </a:r>
+            <a:endParaRPr lang="de-DE" sz="500" dirty="0">
+              <a:solidFill>
+                <a:schemeClr val="accent6">
+                  <a:lumMod val="75000"/>
+                </a:schemeClr>
+              </a:solidFill>
+              <a:latin typeface="Helvetica Neue LT Std 67 Medium Condensed" charset="0"/>
+              <a:ea typeface="Helvetica Neue LT Std 67 Medium Condensed" charset="0"/>
+              <a:cs typeface="Helvetica Neue LT Std 67 Medium Condensed" charset="0"/>
+            </a:endParaRPr>
+          </a:p>
+        </p:txBody>
+      </p:sp>
+      <p:sp>
+        <p:nvSpPr>
+          <p:cNvPr id="36" name="Textfeld 35"/>
+          <p:cNvSpPr txBox="1"/>
+          <p:nvPr/>
+        </p:nvSpPr>
+        <p:spPr>
+          <a:xfrm>
+            <a:off x="7710891" y="5029252"/>
+            <a:ext cx="154813" cy="215444"/>
+          </a:xfrm>
+          <a:prstGeom prst="rect">
+            <a:avLst/>
+          </a:prstGeom>
+          <a:noFill/>
+        </p:spPr>
+        <p:txBody>
+          <a:bodyPr wrap="square" rtlCol="0">
+            <a:spAutoFit/>
+          </a:bodyPr>
+          <a:lstStyle/>
+          <a:p>
+            <a:r>
+              <a:rPr lang="de-DE" sz="800" smtClean="0"/>
+              <a:t>▲</a:t>
+            </a:r>
+            <a:endParaRPr lang="de-DE" sz="800"/>
+          </a:p>
+        </p:txBody>
+      </p:sp>
+      <p:sp>
+        <p:nvSpPr>
+          <p:cNvPr id="175" name="Textfeld 174"/>
+          <p:cNvSpPr txBox="1"/>
+          <p:nvPr/>
+        </p:nvSpPr>
+        <p:spPr>
+          <a:xfrm>
+            <a:off x="7712091" y="5325652"/>
+            <a:ext cx="154813" cy="215444"/>
+          </a:xfrm>
+          <a:prstGeom prst="rect">
+            <a:avLst/>
+          </a:prstGeom>
+          <a:noFill/>
+        </p:spPr>
+        <p:txBody>
+          <a:bodyPr wrap="square" rtlCol="0">
+            <a:spAutoFit/>
+          </a:bodyPr>
+          <a:lstStyle/>
+          <a:p>
+            <a:r>
+              <a:rPr lang="de-DE" sz="800" dirty="0" smtClean="0"/>
+              <a:t>▼</a:t>
+            </a:r>
+            <a:endParaRPr lang="de-DE" sz="800" dirty="0"/>
+          </a:p>
+        </p:txBody>
+      </p:sp>
+      <p:sp>
+        <p:nvSpPr>
+          <p:cNvPr id="176" name="Textfeld 175"/>
+          <p:cNvSpPr txBox="1"/>
+          <p:nvPr/>
+        </p:nvSpPr>
+        <p:spPr>
+          <a:xfrm>
+            <a:off x="8296015" y="5261443"/>
+            <a:ext cx="276770" cy="338554"/>
+          </a:xfrm>
+          <a:prstGeom prst="rect">
+            <a:avLst/>
+          </a:prstGeom>
+          <a:noFill/>
+        </p:spPr>
+        <p:txBody>
+          <a:bodyPr wrap="square" rtlCol="0">
+            <a:spAutoFit/>
+          </a:bodyPr>
+          <a:lstStyle/>
+          <a:p>
+            <a:r>
+              <a:rPr lang="de-DE" sz="1600" smtClean="0"/>
+              <a:t>►</a:t>
+            </a:r>
+            <a:endParaRPr lang="de-DE" sz="1600" dirty="0"/>
+          </a:p>
+        </p:txBody>
+      </p:sp>
+      <p:sp>
+        <p:nvSpPr>
+          <p:cNvPr id="177" name="Textfeld 176"/>
+          <p:cNvSpPr txBox="1"/>
+          <p:nvPr/>
+        </p:nvSpPr>
+        <p:spPr>
+          <a:xfrm rot="10800000">
+            <a:off x="7450703" y="5264130"/>
+            <a:ext cx="276770" cy="338554"/>
+          </a:xfrm>
+          <a:prstGeom prst="rect">
+            <a:avLst/>
+          </a:prstGeom>
+          <a:noFill/>
+        </p:spPr>
+        <p:txBody>
+          <a:bodyPr wrap="square" rtlCol="0">
+            <a:spAutoFit/>
+          </a:bodyPr>
+          <a:lstStyle/>
+          <a:p>
+            <a:r>
+              <a:rPr lang="de-DE" sz="1600" smtClean="0"/>
+              <a:t>►</a:t>
+            </a:r>
+            <a:endParaRPr lang="de-DE" sz="1600" dirty="0"/>
+          </a:p>
+        </p:txBody>
+      </p:sp>
+      <p:sp>
+        <p:nvSpPr>
+          <p:cNvPr id="178" name="Textfeld 177"/>
+          <p:cNvSpPr txBox="1"/>
+          <p:nvPr/>
+        </p:nvSpPr>
+        <p:spPr>
+          <a:xfrm>
+            <a:off x="7211476" y="5201060"/>
+            <a:ext cx="669410" cy="323165"/>
+          </a:xfrm>
+          <a:prstGeom prst="rect">
+            <a:avLst/>
+          </a:prstGeom>
+          <a:noFill/>
+        </p:spPr>
+        <p:txBody>
+          <a:bodyPr wrap="square" rtlCol="0" anchor="t">
+            <a:spAutoFit/>
+          </a:bodyPr>
+          <a:lstStyle/>
+          <a:p>
+            <a:r>
+              <a:rPr lang="de-DE" sz="500" dirty="0" smtClean="0">
+                <a:solidFill>
+                  <a:srgbClr val="7030A0"/>
+                </a:solidFill>
+                <a:latin typeface="Helvetica Neue LT Std 67 Medium Condensed" charset="0"/>
+                <a:ea typeface="Helvetica Neue LT Std 67 Medium Condensed" charset="0"/>
+                <a:cs typeface="Helvetica Neue LT Std 67 Medium Condensed" charset="0"/>
+              </a:rPr>
+              <a:t>Move </a:t>
+            </a:r>
+            <a:r>
+              <a:rPr lang="de-DE" sz="500" dirty="0" err="1" smtClean="0">
+                <a:solidFill>
+                  <a:srgbClr val="7030A0"/>
+                </a:solidFill>
+                <a:latin typeface="Helvetica Neue LT Std 67 Medium Condensed" charset="0"/>
+                <a:ea typeface="Helvetica Neue LT Std 67 Medium Condensed" charset="0"/>
+                <a:cs typeface="Helvetica Neue LT Std 67 Medium Condensed" charset="0"/>
+              </a:rPr>
+              <a:t>to</a:t>
+            </a:r>
+            <a:endParaRPr lang="de-DE" sz="500" dirty="0" smtClean="0">
+              <a:solidFill>
+                <a:srgbClr val="7030A0"/>
+              </a:solidFill>
+              <a:latin typeface="Helvetica Neue LT Std 67 Medium Condensed" charset="0"/>
+              <a:ea typeface="Helvetica Neue LT Std 67 Medium Condensed" charset="0"/>
+              <a:cs typeface="Helvetica Neue LT Std 67 Medium Condensed" charset="0"/>
+            </a:endParaRPr>
+          </a:p>
+          <a:p>
+            <a:r>
+              <a:rPr lang="de-DE" sz="500" dirty="0" err="1" smtClean="0">
+                <a:solidFill>
+                  <a:srgbClr val="7030A0"/>
+                </a:solidFill>
+                <a:latin typeface="Helvetica Neue LT Std 67 Medium Condensed" charset="0"/>
+                <a:ea typeface="Helvetica Neue LT Std 67 Medium Condensed" charset="0"/>
+                <a:cs typeface="Helvetica Neue LT Std 67 Medium Condensed" charset="0"/>
+              </a:rPr>
+              <a:t>Previous</a:t>
+            </a:r>
+            <a:endParaRPr lang="de-DE" sz="500" dirty="0">
+              <a:solidFill>
+                <a:srgbClr val="7030A0"/>
+              </a:solidFill>
+              <a:latin typeface="Helvetica Neue LT Std 67 Medium Condensed" charset="0"/>
+              <a:ea typeface="Helvetica Neue LT Std 67 Medium Condensed" charset="0"/>
+              <a:cs typeface="Helvetica Neue LT Std 67 Medium Condensed" charset="0"/>
+            </a:endParaRPr>
+          </a:p>
+          <a:p>
+            <a:r>
+              <a:rPr lang="de-DE" sz="500" dirty="0" smtClean="0">
+                <a:solidFill>
+                  <a:srgbClr val="7030A0"/>
+                </a:solidFill>
+                <a:latin typeface="Helvetica Neue LT Std 67 Medium Condensed" charset="0"/>
+                <a:ea typeface="Helvetica Neue LT Std 67 Medium Condensed" charset="0"/>
+                <a:cs typeface="Helvetica Neue LT Std 67 Medium Condensed" charset="0"/>
+              </a:rPr>
+              <a:t>Marker</a:t>
+            </a:r>
+          </a:p>
+        </p:txBody>
+      </p:sp>
+      <p:sp>
+        <p:nvSpPr>
+          <p:cNvPr id="179" name="Rechteck 178"/>
+          <p:cNvSpPr/>
+          <p:nvPr/>
+        </p:nvSpPr>
+        <p:spPr>
+          <a:xfrm>
+            <a:off x="7111778" y="5206536"/>
+            <a:ext cx="261610" cy="184666"/>
+          </a:xfrm>
+          <a:prstGeom prst="rect">
+            <a:avLst/>
+          </a:prstGeom>
+        </p:spPr>
+        <p:txBody>
+          <a:bodyPr wrap="none">
+            <a:spAutoFit/>
+          </a:bodyPr>
+          <a:lstStyle/>
+          <a:p>
+            <a:r>
+              <a:rPr lang="de-DE" sz="600" b="1" dirty="0" smtClean="0">
+                <a:solidFill>
+                  <a:srgbClr val="7030A0"/>
+                </a:solidFill>
+                <a:latin typeface="Helvetica Neue LT Std 67 Medium Condensed" charset="0"/>
+                <a:ea typeface="Helvetica Neue LT Std 67 Medium Condensed" charset="0"/>
+                <a:cs typeface="Helvetica Neue LT Std 67 Medium Condensed" charset="0"/>
+              </a:rPr>
+              <a:t>⌘</a:t>
+            </a:r>
+            <a:endParaRPr lang="de-DE" sz="4000" b="1" dirty="0">
+              <a:solidFill>
+                <a:srgbClr val="7030A0"/>
+              </a:solidFill>
+            </a:endParaRPr>
+          </a:p>
+        </p:txBody>
+      </p:sp>
+      <p:sp>
+        <p:nvSpPr>
+          <p:cNvPr id="180" name="Textfeld 179"/>
+          <p:cNvSpPr txBox="1"/>
+          <p:nvPr/>
+        </p:nvSpPr>
+        <p:spPr>
+          <a:xfrm>
+            <a:off x="8240755" y="5208173"/>
+            <a:ext cx="669410" cy="323165"/>
+          </a:xfrm>
+          <a:prstGeom prst="rect">
+            <a:avLst/>
+          </a:prstGeom>
+          <a:noFill/>
+        </p:spPr>
+        <p:txBody>
+          <a:bodyPr wrap="square" rtlCol="0" anchor="t">
+            <a:spAutoFit/>
+          </a:bodyPr>
+          <a:lstStyle/>
+          <a:p>
+            <a:pPr algn="r"/>
+            <a:r>
+              <a:rPr lang="de-DE" sz="500" dirty="0" smtClean="0">
+                <a:solidFill>
+                  <a:srgbClr val="7030A0"/>
+                </a:solidFill>
+                <a:latin typeface="Helvetica Neue LT Std 67 Medium Condensed" charset="0"/>
+                <a:ea typeface="Helvetica Neue LT Std 67 Medium Condensed" charset="0"/>
+                <a:cs typeface="Helvetica Neue LT Std 67 Medium Condensed" charset="0"/>
+              </a:rPr>
+              <a:t>Move </a:t>
+            </a:r>
+            <a:r>
+              <a:rPr lang="de-DE" sz="500" dirty="0" err="1" smtClean="0">
+                <a:solidFill>
+                  <a:srgbClr val="7030A0"/>
+                </a:solidFill>
+                <a:latin typeface="Helvetica Neue LT Std 67 Medium Condensed" charset="0"/>
+                <a:ea typeface="Helvetica Neue LT Std 67 Medium Condensed" charset="0"/>
+                <a:cs typeface="Helvetica Neue LT Std 67 Medium Condensed" charset="0"/>
+              </a:rPr>
+              <a:t>to</a:t>
+            </a:r>
+            <a:endParaRPr lang="de-DE" sz="500" dirty="0" smtClean="0">
+              <a:solidFill>
+                <a:srgbClr val="7030A0"/>
+              </a:solidFill>
+              <a:latin typeface="Helvetica Neue LT Std 67 Medium Condensed" charset="0"/>
+              <a:ea typeface="Helvetica Neue LT Std 67 Medium Condensed" charset="0"/>
+              <a:cs typeface="Helvetica Neue LT Std 67 Medium Condensed" charset="0"/>
+            </a:endParaRPr>
+          </a:p>
+          <a:p>
+            <a:pPr algn="r"/>
+            <a:r>
+              <a:rPr lang="de-DE" sz="500" dirty="0" smtClean="0">
+                <a:solidFill>
+                  <a:srgbClr val="7030A0"/>
+                </a:solidFill>
+                <a:latin typeface="Helvetica Neue LT Std 67 Medium Condensed" charset="0"/>
+                <a:ea typeface="Helvetica Neue LT Std 67 Medium Condensed" charset="0"/>
+                <a:cs typeface="Helvetica Neue LT Std 67 Medium Condensed" charset="0"/>
+              </a:rPr>
+              <a:t>Next</a:t>
+            </a:r>
+            <a:br>
+              <a:rPr lang="de-DE" sz="500" dirty="0" smtClean="0">
+                <a:solidFill>
+                  <a:srgbClr val="7030A0"/>
+                </a:solidFill>
+                <a:latin typeface="Helvetica Neue LT Std 67 Medium Condensed" charset="0"/>
+                <a:ea typeface="Helvetica Neue LT Std 67 Medium Condensed" charset="0"/>
+                <a:cs typeface="Helvetica Neue LT Std 67 Medium Condensed" charset="0"/>
+              </a:rPr>
+            </a:br>
+            <a:r>
+              <a:rPr lang="de-DE" sz="500" dirty="0" smtClean="0">
+                <a:solidFill>
+                  <a:srgbClr val="7030A0"/>
+                </a:solidFill>
+                <a:latin typeface="Helvetica Neue LT Std 67 Medium Condensed" charset="0"/>
+                <a:ea typeface="Helvetica Neue LT Std 67 Medium Condensed" charset="0"/>
+                <a:cs typeface="Helvetica Neue LT Std 67 Medium Condensed" charset="0"/>
+              </a:rPr>
+              <a:t>Marker</a:t>
+            </a:r>
+          </a:p>
+        </p:txBody>
+      </p:sp>
+      <p:sp>
+        <p:nvSpPr>
+          <p:cNvPr id="181" name="Rechteck 180"/>
+          <p:cNvSpPr/>
+          <p:nvPr/>
+        </p:nvSpPr>
+        <p:spPr>
+          <a:xfrm>
+            <a:off x="8429057" y="5199249"/>
+            <a:ext cx="261610" cy="184666"/>
+          </a:xfrm>
+          <a:prstGeom prst="rect">
+            <a:avLst/>
+          </a:prstGeom>
+        </p:spPr>
+        <p:txBody>
+          <a:bodyPr wrap="none">
+            <a:spAutoFit/>
+          </a:bodyPr>
+          <a:lstStyle/>
+          <a:p>
+            <a:r>
+              <a:rPr lang="de-DE" sz="600" b="1" dirty="0" smtClean="0">
+                <a:solidFill>
+                  <a:srgbClr val="7030A0"/>
+                </a:solidFill>
+                <a:latin typeface="Helvetica Neue LT Std 67 Medium Condensed" charset="0"/>
+                <a:ea typeface="Helvetica Neue LT Std 67 Medium Condensed" charset="0"/>
+                <a:cs typeface="Helvetica Neue LT Std 67 Medium Condensed" charset="0"/>
+              </a:rPr>
+              <a:t>⌘</a:t>
+            </a:r>
+            <a:endParaRPr lang="de-DE" sz="4000" b="1" dirty="0">
+              <a:solidFill>
+                <a:srgbClr val="7030A0"/>
+              </a:solidFill>
+            </a:endParaRPr>
+          </a:p>
+        </p:txBody>
+      </p:sp>
+      <p:sp>
+        <p:nvSpPr>
+          <p:cNvPr id="182" name="Abgerundetes Rechteck 181"/>
+          <p:cNvSpPr/>
+          <p:nvPr/>
+        </p:nvSpPr>
+        <p:spPr>
+          <a:xfrm>
+            <a:off x="7458140" y="2586011"/>
+            <a:ext cx="495160" cy="483856"/>
           </a:xfrm>
           <a:prstGeom prst="roundRect">
             <a:avLst>
@@ -13097,703 +13982,107 @@
       </p:sp>
       <p:sp>
         <p:nvSpPr>
-          <p:cNvPr id="173" name="Rechteck 172"/>
+          <p:cNvPr id="183" name="Textfeld 182"/>
+          <p:cNvSpPr txBox="1"/>
+          <p:nvPr/>
+        </p:nvSpPr>
+        <p:spPr>
+          <a:xfrm>
+            <a:off x="7414000" y="2857536"/>
+            <a:ext cx="215123" cy="253916"/>
+          </a:xfrm>
+          <a:prstGeom prst="rect">
+            <a:avLst/>
+          </a:prstGeom>
+          <a:noFill/>
+        </p:spPr>
+        <p:txBody>
+          <a:bodyPr wrap="none" rtlCol="0">
+            <a:spAutoFit/>
+          </a:bodyPr>
+          <a:lstStyle/>
+          <a:p>
+            <a:r>
+              <a:rPr lang="de-DE" sz="1050" dirty="0" smtClean="0">
+                <a:latin typeface="Helvetica Neue LT Std 67 Medium Condensed" charset="0"/>
+                <a:ea typeface="Helvetica Neue LT Std 67 Medium Condensed" charset="0"/>
+                <a:cs typeface="Helvetica Neue LT Std 67 Medium Condensed" charset="0"/>
+              </a:rPr>
+              <a:t>´</a:t>
+            </a:r>
+            <a:endParaRPr lang="de-DE" sz="1050" dirty="0">
+              <a:latin typeface="Helvetica Neue LT Std 67 Medium Condensed" charset="0"/>
+              <a:ea typeface="Helvetica Neue LT Std 67 Medium Condensed" charset="0"/>
+              <a:cs typeface="Helvetica Neue LT Std 67 Medium Condensed" charset="0"/>
+            </a:endParaRPr>
+          </a:p>
+        </p:txBody>
+      </p:sp>
+      <p:sp>
+        <p:nvSpPr>
+          <p:cNvPr id="184" name="Textfeld 183"/>
+          <p:cNvSpPr txBox="1"/>
+          <p:nvPr/>
+        </p:nvSpPr>
+        <p:spPr>
+          <a:xfrm>
+            <a:off x="7415963" y="2602657"/>
+            <a:ext cx="759239" cy="246221"/>
+          </a:xfrm>
+          <a:prstGeom prst="rect">
+            <a:avLst/>
+          </a:prstGeom>
+          <a:noFill/>
+        </p:spPr>
+        <p:txBody>
+          <a:bodyPr wrap="square" rtlCol="0" anchor="t">
+            <a:spAutoFit/>
+          </a:bodyPr>
+          <a:lstStyle/>
+          <a:p>
+            <a:r>
+              <a:rPr lang="de-DE" sz="500" dirty="0" smtClean="0">
+                <a:latin typeface="Helvetica Neue LT Std 67 Medium Condensed" charset="0"/>
+                <a:ea typeface="Helvetica Neue LT Std 67 Medium Condensed" charset="0"/>
+                <a:cs typeface="Helvetica Neue LT Std 67 Medium Condensed" charset="0"/>
+              </a:rPr>
+              <a:t>Move Edit Cursor</a:t>
+            </a:r>
+            <a:br>
+              <a:rPr lang="de-DE" sz="500" dirty="0" smtClean="0">
+                <a:latin typeface="Helvetica Neue LT Std 67 Medium Condensed" charset="0"/>
+                <a:ea typeface="Helvetica Neue LT Std 67 Medium Condensed" charset="0"/>
+                <a:cs typeface="Helvetica Neue LT Std 67 Medium Condensed" charset="0"/>
+              </a:rPr>
+            </a:br>
+            <a:r>
+              <a:rPr lang="de-DE" sz="500" dirty="0" err="1" smtClean="0">
+                <a:latin typeface="Helvetica Neue LT Std 67 Medium Condensed" charset="0"/>
+                <a:ea typeface="Helvetica Neue LT Std 67 Medium Condensed" charset="0"/>
+                <a:cs typeface="Helvetica Neue LT Std 67 Medium Condensed" charset="0"/>
+              </a:rPr>
+              <a:t>to</a:t>
+            </a:r>
+            <a:r>
+              <a:rPr lang="de-DE" sz="500" dirty="0" smtClean="0">
+                <a:latin typeface="Helvetica Neue LT Std 67 Medium Condensed" charset="0"/>
+                <a:ea typeface="Helvetica Neue LT Std 67 Medium Condensed" charset="0"/>
+                <a:cs typeface="Helvetica Neue LT Std 67 Medium Condensed" charset="0"/>
+              </a:rPr>
+              <a:t> Play Cursor</a:t>
+            </a:r>
+          </a:p>
+        </p:txBody>
+      </p:sp>
+      <p:sp>
+        <p:nvSpPr>
+          <p:cNvPr id="188" name="Abgerundetes Rechteck 187"/>
           <p:cNvSpPr/>
           <p:nvPr/>
         </p:nvSpPr>
         <p:spPr>
           <a:xfrm>
-            <a:off x="7808886" y="4929727"/>
-            <a:ext cx="503664" cy="223779"/>
-          </a:xfrm>
-          <a:prstGeom prst="rect">
-            <a:avLst/>
-          </a:prstGeom>
-        </p:spPr>
-        <p:txBody>
-          <a:bodyPr wrap="none">
-            <a:spAutoFit/>
-          </a:bodyPr>
-          <a:lstStyle/>
-          <a:p>
-            <a:pPr algn="r">
-              <a:lnSpc>
-                <a:spcPts val="500"/>
-              </a:lnSpc>
-            </a:pPr>
-            <a:r>
-              <a:rPr lang="de-DE" sz="500" dirty="0">
-                <a:solidFill>
-                  <a:schemeClr val="accent6">
-                    <a:lumMod val="75000"/>
-                  </a:schemeClr>
-                </a:solidFill>
-                <a:latin typeface="Helvetica Neue LT Std 67 Medium Condensed" charset="0"/>
-                <a:ea typeface="Helvetica Neue LT Std 67 Medium Condensed" charset="0"/>
-                <a:cs typeface="Helvetica Neue LT Std 67 Medium Condensed" charset="0"/>
-              </a:rPr>
-              <a:t>⌥ </a:t>
-            </a:r>
-            <a:r>
-              <a:rPr lang="de-DE" sz="500" dirty="0" smtClean="0">
-                <a:solidFill>
-                  <a:schemeClr val="accent6">
-                    <a:lumMod val="75000"/>
-                  </a:schemeClr>
-                </a:solidFill>
-                <a:latin typeface="Helvetica Neue LT Std 67 Medium Condensed" charset="0"/>
-                <a:ea typeface="Helvetica Neue LT Std 67 Medium Condensed" charset="0"/>
-                <a:cs typeface="Helvetica Neue LT Std 67 Medium Condensed" charset="0"/>
-              </a:rPr>
-              <a:t>Move </a:t>
-            </a:r>
-            <a:r>
-              <a:rPr lang="de-DE" sz="500" dirty="0" err="1" smtClean="0">
-                <a:solidFill>
-                  <a:schemeClr val="accent6">
-                    <a:lumMod val="75000"/>
-                  </a:schemeClr>
-                </a:solidFill>
-                <a:latin typeface="Helvetica Neue LT Std 67 Medium Condensed" charset="0"/>
-                <a:ea typeface="Helvetica Neue LT Std 67 Medium Condensed" charset="0"/>
-                <a:cs typeface="Helvetica Neue LT Std 67 Medium Condensed" charset="0"/>
-              </a:rPr>
-              <a:t>Left</a:t>
-            </a:r>
-            <a:r>
-              <a:rPr lang="de-DE" sz="500" dirty="0" smtClean="0">
-                <a:solidFill>
-                  <a:schemeClr val="accent6">
-                    <a:lumMod val="75000"/>
-                  </a:schemeClr>
-                </a:solidFill>
-                <a:latin typeface="Helvetica Neue LT Std 67 Medium Condensed" charset="0"/>
-                <a:ea typeface="Helvetica Neue LT Std 67 Medium Condensed" charset="0"/>
-                <a:cs typeface="Helvetica Neue LT Std 67 Medium Condensed" charset="0"/>
-              </a:rPr>
-              <a:t/>
-            </a:r>
-            <a:br>
-              <a:rPr lang="de-DE" sz="500" dirty="0" smtClean="0">
-                <a:solidFill>
-                  <a:schemeClr val="accent6">
-                    <a:lumMod val="75000"/>
-                  </a:schemeClr>
-                </a:solidFill>
-                <a:latin typeface="Helvetica Neue LT Std 67 Medium Condensed" charset="0"/>
-                <a:ea typeface="Helvetica Neue LT Std 67 Medium Condensed" charset="0"/>
-                <a:cs typeface="Helvetica Neue LT Std 67 Medium Condensed" charset="0"/>
-              </a:rPr>
-            </a:br>
-            <a:r>
-              <a:rPr lang="de-DE" sz="500" dirty="0" err="1" smtClean="0">
-                <a:solidFill>
-                  <a:schemeClr val="accent6">
-                    <a:lumMod val="75000"/>
-                  </a:schemeClr>
-                </a:solidFill>
-                <a:latin typeface="Helvetica Neue LT Std 67 Medium Condensed" charset="0"/>
-                <a:ea typeface="Helvetica Neue LT Std 67 Medium Condensed" charset="0"/>
-                <a:cs typeface="Helvetica Neue LT Std 67 Medium Condensed" charset="0"/>
-              </a:rPr>
-              <a:t>to</a:t>
-            </a:r>
-            <a:r>
-              <a:rPr lang="de-DE" sz="500" dirty="0" smtClean="0">
-                <a:solidFill>
-                  <a:schemeClr val="accent6">
-                    <a:lumMod val="75000"/>
-                  </a:schemeClr>
-                </a:solidFill>
-                <a:latin typeface="Helvetica Neue LT Std 67 Medium Condensed" charset="0"/>
-                <a:ea typeface="Helvetica Neue LT Std 67 Medium Condensed" charset="0"/>
-                <a:cs typeface="Helvetica Neue LT Std 67 Medium Condensed" charset="0"/>
-              </a:rPr>
-              <a:t> </a:t>
-            </a:r>
-            <a:r>
-              <a:rPr lang="de-DE" sz="500" dirty="0" err="1" smtClean="0">
-                <a:solidFill>
-                  <a:schemeClr val="accent6">
-                    <a:lumMod val="75000"/>
-                  </a:schemeClr>
-                </a:solidFill>
-                <a:latin typeface="Helvetica Neue LT Std 67 Medium Condensed" charset="0"/>
-                <a:ea typeface="Helvetica Neue LT Std 67 Medium Condensed" charset="0"/>
-                <a:cs typeface="Helvetica Neue LT Std 67 Medium Condensed" charset="0"/>
-              </a:rPr>
-              <a:t>next</a:t>
-            </a:r>
-            <a:r>
-              <a:rPr lang="de-DE" sz="500" dirty="0" smtClean="0">
-                <a:solidFill>
-                  <a:schemeClr val="accent6">
-                    <a:lumMod val="75000"/>
-                  </a:schemeClr>
-                </a:solidFill>
-                <a:latin typeface="Helvetica Neue LT Std 67 Medium Condensed" charset="0"/>
-                <a:ea typeface="Helvetica Neue LT Std 67 Medium Condensed" charset="0"/>
-                <a:cs typeface="Helvetica Neue LT Std 67 Medium Condensed" charset="0"/>
-              </a:rPr>
-              <a:t> Edge</a:t>
-            </a:r>
-            <a:endParaRPr lang="de-DE" sz="500" dirty="0">
-              <a:solidFill>
-                <a:schemeClr val="accent6">
-                  <a:lumMod val="75000"/>
-                </a:schemeClr>
-              </a:solidFill>
-              <a:latin typeface="Helvetica Neue LT Std 67 Medium Condensed" charset="0"/>
-              <a:ea typeface="Helvetica Neue LT Std 67 Medium Condensed" charset="0"/>
-              <a:cs typeface="Helvetica Neue LT Std 67 Medium Condensed" charset="0"/>
-            </a:endParaRPr>
-          </a:p>
-        </p:txBody>
-      </p:sp>
-      <p:sp>
-        <p:nvSpPr>
-          <p:cNvPr id="174" name="Rechteck 173"/>
-          <p:cNvSpPr/>
-          <p:nvPr/>
-        </p:nvSpPr>
-        <p:spPr>
-          <a:xfrm>
-            <a:off x="7772627" y="5224676"/>
-            <a:ext cx="535724" cy="220573"/>
-          </a:xfrm>
-          <a:prstGeom prst="rect">
-            <a:avLst/>
-          </a:prstGeom>
-        </p:spPr>
-        <p:txBody>
-          <a:bodyPr wrap="none">
-            <a:spAutoFit/>
-          </a:bodyPr>
-          <a:lstStyle/>
-          <a:p>
-            <a:pPr algn="r">
-              <a:lnSpc>
-                <a:spcPts val="500"/>
-              </a:lnSpc>
-            </a:pPr>
-            <a:r>
-              <a:rPr lang="de-DE" sz="500" dirty="0">
-                <a:solidFill>
-                  <a:schemeClr val="accent6">
-                    <a:lumMod val="75000"/>
-                  </a:schemeClr>
-                </a:solidFill>
-                <a:latin typeface="Helvetica Neue LT Std 67 Medium Condensed" charset="0"/>
-                <a:ea typeface="Helvetica Neue LT Std 67 Medium Condensed" charset="0"/>
-                <a:cs typeface="Helvetica Neue LT Std 67 Medium Condensed" charset="0"/>
-              </a:rPr>
-              <a:t>⌥ </a:t>
-            </a:r>
-            <a:r>
-              <a:rPr lang="de-DE" sz="500" dirty="0" smtClean="0">
-                <a:solidFill>
-                  <a:schemeClr val="accent6">
-                    <a:lumMod val="75000"/>
-                  </a:schemeClr>
-                </a:solidFill>
-                <a:latin typeface="Helvetica Neue LT Std 67 Medium Condensed" charset="0"/>
-                <a:ea typeface="Helvetica Neue LT Std 67 Medium Condensed" charset="0"/>
-                <a:cs typeface="Helvetica Neue LT Std 67 Medium Condensed" charset="0"/>
-              </a:rPr>
-              <a:t>Move </a:t>
-            </a:r>
-            <a:r>
-              <a:rPr lang="de-DE" sz="500" dirty="0" err="1" smtClean="0">
-                <a:solidFill>
-                  <a:schemeClr val="accent6">
-                    <a:lumMod val="75000"/>
-                  </a:schemeClr>
-                </a:solidFill>
-                <a:latin typeface="Helvetica Neue LT Std 67 Medium Condensed" charset="0"/>
-                <a:ea typeface="Helvetica Neue LT Std 67 Medium Condensed" charset="0"/>
-                <a:cs typeface="Helvetica Neue LT Std 67 Medium Condensed" charset="0"/>
-              </a:rPr>
-              <a:t>Right</a:t>
-            </a:r>
-            <a:r>
-              <a:rPr lang="de-DE" sz="500" dirty="0" smtClean="0">
-                <a:solidFill>
-                  <a:schemeClr val="accent6">
-                    <a:lumMod val="75000"/>
-                  </a:schemeClr>
-                </a:solidFill>
-                <a:latin typeface="Helvetica Neue LT Std 67 Medium Condensed" charset="0"/>
-                <a:ea typeface="Helvetica Neue LT Std 67 Medium Condensed" charset="0"/>
-                <a:cs typeface="Helvetica Neue LT Std 67 Medium Condensed" charset="0"/>
-              </a:rPr>
-              <a:t/>
-            </a:r>
-            <a:br>
-              <a:rPr lang="de-DE" sz="500" dirty="0" smtClean="0">
-                <a:solidFill>
-                  <a:schemeClr val="accent6">
-                    <a:lumMod val="75000"/>
-                  </a:schemeClr>
-                </a:solidFill>
-                <a:latin typeface="Helvetica Neue LT Std 67 Medium Condensed" charset="0"/>
-                <a:ea typeface="Helvetica Neue LT Std 67 Medium Condensed" charset="0"/>
-                <a:cs typeface="Helvetica Neue LT Std 67 Medium Condensed" charset="0"/>
-              </a:rPr>
-            </a:br>
-            <a:r>
-              <a:rPr lang="de-DE" sz="500" dirty="0" err="1" smtClean="0">
-                <a:solidFill>
-                  <a:schemeClr val="accent6">
-                    <a:lumMod val="75000"/>
-                  </a:schemeClr>
-                </a:solidFill>
-                <a:latin typeface="Helvetica Neue LT Std 67 Medium Condensed" charset="0"/>
-                <a:ea typeface="Helvetica Neue LT Std 67 Medium Condensed" charset="0"/>
-                <a:cs typeface="Helvetica Neue LT Std 67 Medium Condensed" charset="0"/>
-              </a:rPr>
-              <a:t>to</a:t>
-            </a:r>
-            <a:r>
-              <a:rPr lang="de-DE" sz="500" dirty="0" smtClean="0">
-                <a:solidFill>
-                  <a:schemeClr val="accent6">
-                    <a:lumMod val="75000"/>
-                  </a:schemeClr>
-                </a:solidFill>
-                <a:latin typeface="Helvetica Neue LT Std 67 Medium Condensed" charset="0"/>
-                <a:ea typeface="Helvetica Neue LT Std 67 Medium Condensed" charset="0"/>
-                <a:cs typeface="Helvetica Neue LT Std 67 Medium Condensed" charset="0"/>
-              </a:rPr>
-              <a:t> </a:t>
-            </a:r>
-            <a:r>
-              <a:rPr lang="de-DE" sz="500" dirty="0" err="1" smtClean="0">
-                <a:solidFill>
-                  <a:schemeClr val="accent6">
-                    <a:lumMod val="75000"/>
-                  </a:schemeClr>
-                </a:solidFill>
-                <a:latin typeface="Helvetica Neue LT Std 67 Medium Condensed" charset="0"/>
-                <a:ea typeface="Helvetica Neue LT Std 67 Medium Condensed" charset="0"/>
-                <a:cs typeface="Helvetica Neue LT Std 67 Medium Condensed" charset="0"/>
-              </a:rPr>
-              <a:t>next</a:t>
-            </a:r>
-            <a:r>
-              <a:rPr lang="de-DE" sz="500" dirty="0" smtClean="0">
-                <a:solidFill>
-                  <a:schemeClr val="accent6">
-                    <a:lumMod val="75000"/>
-                  </a:schemeClr>
-                </a:solidFill>
-                <a:latin typeface="Helvetica Neue LT Std 67 Medium Condensed" charset="0"/>
-                <a:ea typeface="Helvetica Neue LT Std 67 Medium Condensed" charset="0"/>
-                <a:cs typeface="Helvetica Neue LT Std 67 Medium Condensed" charset="0"/>
-              </a:rPr>
-              <a:t> Edge</a:t>
-            </a:r>
-            <a:endParaRPr lang="de-DE" sz="500" dirty="0">
-              <a:solidFill>
-                <a:schemeClr val="accent6">
-                  <a:lumMod val="75000"/>
-                </a:schemeClr>
-              </a:solidFill>
-              <a:latin typeface="Helvetica Neue LT Std 67 Medium Condensed" charset="0"/>
-              <a:ea typeface="Helvetica Neue LT Std 67 Medium Condensed" charset="0"/>
-              <a:cs typeface="Helvetica Neue LT Std 67 Medium Condensed" charset="0"/>
-            </a:endParaRPr>
-          </a:p>
-        </p:txBody>
-      </p:sp>
-      <p:sp>
-        <p:nvSpPr>
-          <p:cNvPr id="36" name="Textfeld 35"/>
-          <p:cNvSpPr txBox="1"/>
-          <p:nvPr/>
-        </p:nvSpPr>
-        <p:spPr>
-          <a:xfrm>
-            <a:off x="7710891" y="5029252"/>
-            <a:ext cx="154813" cy="215444"/>
-          </a:xfrm>
-          <a:prstGeom prst="rect">
-            <a:avLst/>
-          </a:prstGeom>
-          <a:noFill/>
-        </p:spPr>
-        <p:txBody>
-          <a:bodyPr wrap="square" rtlCol="0">
-            <a:spAutoFit/>
-          </a:bodyPr>
-          <a:lstStyle/>
-          <a:p>
-            <a:r>
-              <a:rPr lang="de-DE" sz="800" smtClean="0"/>
-              <a:t>▲</a:t>
-            </a:r>
-            <a:endParaRPr lang="de-DE" sz="800"/>
-          </a:p>
-        </p:txBody>
-      </p:sp>
-      <p:sp>
-        <p:nvSpPr>
-          <p:cNvPr id="175" name="Textfeld 174"/>
-          <p:cNvSpPr txBox="1"/>
-          <p:nvPr/>
-        </p:nvSpPr>
-        <p:spPr>
-          <a:xfrm>
-            <a:off x="7712091" y="5325652"/>
-            <a:ext cx="154813" cy="215444"/>
-          </a:xfrm>
-          <a:prstGeom prst="rect">
-            <a:avLst/>
-          </a:prstGeom>
-          <a:noFill/>
-        </p:spPr>
-        <p:txBody>
-          <a:bodyPr wrap="square" rtlCol="0">
-            <a:spAutoFit/>
-          </a:bodyPr>
-          <a:lstStyle/>
-          <a:p>
-            <a:r>
-              <a:rPr lang="de-DE" sz="800" dirty="0" smtClean="0"/>
-              <a:t>▼</a:t>
-            </a:r>
-            <a:endParaRPr lang="de-DE" sz="800" dirty="0"/>
-          </a:p>
-        </p:txBody>
-      </p:sp>
-      <p:sp>
-        <p:nvSpPr>
-          <p:cNvPr id="176" name="Textfeld 175"/>
-          <p:cNvSpPr txBox="1"/>
-          <p:nvPr/>
-        </p:nvSpPr>
-        <p:spPr>
-          <a:xfrm>
-            <a:off x="8296015" y="5261443"/>
-            <a:ext cx="276770" cy="338554"/>
-          </a:xfrm>
-          <a:prstGeom prst="rect">
-            <a:avLst/>
-          </a:prstGeom>
-          <a:noFill/>
-        </p:spPr>
-        <p:txBody>
-          <a:bodyPr wrap="square" rtlCol="0">
-            <a:spAutoFit/>
-          </a:bodyPr>
-          <a:lstStyle/>
-          <a:p>
-            <a:r>
-              <a:rPr lang="de-DE" sz="1600" smtClean="0"/>
-              <a:t>►</a:t>
-            </a:r>
-            <a:endParaRPr lang="de-DE" sz="1600" dirty="0"/>
-          </a:p>
-        </p:txBody>
-      </p:sp>
-      <p:sp>
-        <p:nvSpPr>
-          <p:cNvPr id="177" name="Textfeld 176"/>
-          <p:cNvSpPr txBox="1"/>
-          <p:nvPr/>
-        </p:nvSpPr>
-        <p:spPr>
-          <a:xfrm rot="10800000">
-            <a:off x="7450703" y="5264130"/>
-            <a:ext cx="276770" cy="338554"/>
-          </a:xfrm>
-          <a:prstGeom prst="rect">
-            <a:avLst/>
-          </a:prstGeom>
-          <a:noFill/>
-        </p:spPr>
-        <p:txBody>
-          <a:bodyPr wrap="square" rtlCol="0">
-            <a:spAutoFit/>
-          </a:bodyPr>
-          <a:lstStyle/>
-          <a:p>
-            <a:r>
-              <a:rPr lang="de-DE" sz="1600" smtClean="0"/>
-              <a:t>►</a:t>
-            </a:r>
-            <a:endParaRPr lang="de-DE" sz="1600" dirty="0"/>
-          </a:p>
-        </p:txBody>
-      </p:sp>
-      <p:sp>
-        <p:nvSpPr>
-          <p:cNvPr id="178" name="Textfeld 177"/>
-          <p:cNvSpPr txBox="1"/>
-          <p:nvPr/>
-        </p:nvSpPr>
-        <p:spPr>
-          <a:xfrm>
-            <a:off x="7211476" y="5201060"/>
-            <a:ext cx="669410" cy="323165"/>
-          </a:xfrm>
-          <a:prstGeom prst="rect">
-            <a:avLst/>
-          </a:prstGeom>
-          <a:noFill/>
-        </p:spPr>
-        <p:txBody>
-          <a:bodyPr wrap="square" rtlCol="0" anchor="t">
-            <a:spAutoFit/>
-          </a:bodyPr>
-          <a:lstStyle/>
-          <a:p>
-            <a:r>
-              <a:rPr lang="de-DE" sz="500" dirty="0" smtClean="0">
-                <a:solidFill>
-                  <a:srgbClr val="7030A0"/>
-                </a:solidFill>
-                <a:latin typeface="Helvetica Neue LT Std 67 Medium Condensed" charset="0"/>
-                <a:ea typeface="Helvetica Neue LT Std 67 Medium Condensed" charset="0"/>
-                <a:cs typeface="Helvetica Neue LT Std 67 Medium Condensed" charset="0"/>
-              </a:rPr>
-              <a:t>Move </a:t>
-            </a:r>
-            <a:r>
-              <a:rPr lang="de-DE" sz="500" dirty="0" err="1" smtClean="0">
-                <a:solidFill>
-                  <a:srgbClr val="7030A0"/>
-                </a:solidFill>
-                <a:latin typeface="Helvetica Neue LT Std 67 Medium Condensed" charset="0"/>
-                <a:ea typeface="Helvetica Neue LT Std 67 Medium Condensed" charset="0"/>
-                <a:cs typeface="Helvetica Neue LT Std 67 Medium Condensed" charset="0"/>
-              </a:rPr>
-              <a:t>to</a:t>
-            </a:r>
-            <a:endParaRPr lang="de-DE" sz="500" dirty="0" smtClean="0">
-              <a:solidFill>
-                <a:srgbClr val="7030A0"/>
-              </a:solidFill>
-              <a:latin typeface="Helvetica Neue LT Std 67 Medium Condensed" charset="0"/>
-              <a:ea typeface="Helvetica Neue LT Std 67 Medium Condensed" charset="0"/>
-              <a:cs typeface="Helvetica Neue LT Std 67 Medium Condensed" charset="0"/>
-            </a:endParaRPr>
-          </a:p>
-          <a:p>
-            <a:r>
-              <a:rPr lang="de-DE" sz="500" dirty="0" err="1" smtClean="0">
-                <a:solidFill>
-                  <a:srgbClr val="7030A0"/>
-                </a:solidFill>
-                <a:latin typeface="Helvetica Neue LT Std 67 Medium Condensed" charset="0"/>
-                <a:ea typeface="Helvetica Neue LT Std 67 Medium Condensed" charset="0"/>
-                <a:cs typeface="Helvetica Neue LT Std 67 Medium Condensed" charset="0"/>
-              </a:rPr>
-              <a:t>Previous</a:t>
-            </a:r>
-            <a:endParaRPr lang="de-DE" sz="500" dirty="0">
-              <a:solidFill>
-                <a:srgbClr val="7030A0"/>
-              </a:solidFill>
-              <a:latin typeface="Helvetica Neue LT Std 67 Medium Condensed" charset="0"/>
-              <a:ea typeface="Helvetica Neue LT Std 67 Medium Condensed" charset="0"/>
-              <a:cs typeface="Helvetica Neue LT Std 67 Medium Condensed" charset="0"/>
-            </a:endParaRPr>
-          </a:p>
-          <a:p>
-            <a:r>
-              <a:rPr lang="de-DE" sz="500" dirty="0" smtClean="0">
-                <a:solidFill>
-                  <a:srgbClr val="7030A0"/>
-                </a:solidFill>
-                <a:latin typeface="Helvetica Neue LT Std 67 Medium Condensed" charset="0"/>
-                <a:ea typeface="Helvetica Neue LT Std 67 Medium Condensed" charset="0"/>
-                <a:cs typeface="Helvetica Neue LT Std 67 Medium Condensed" charset="0"/>
-              </a:rPr>
-              <a:t>Marker</a:t>
-            </a:r>
-          </a:p>
-        </p:txBody>
-      </p:sp>
-      <p:sp>
-        <p:nvSpPr>
-          <p:cNvPr id="179" name="Rechteck 178"/>
-          <p:cNvSpPr/>
-          <p:nvPr/>
-        </p:nvSpPr>
-        <p:spPr>
-          <a:xfrm>
-            <a:off x="7111778" y="5206536"/>
-            <a:ext cx="261610" cy="184666"/>
-          </a:xfrm>
-          <a:prstGeom prst="rect">
-            <a:avLst/>
-          </a:prstGeom>
-        </p:spPr>
-        <p:txBody>
-          <a:bodyPr wrap="none">
-            <a:spAutoFit/>
-          </a:bodyPr>
-          <a:lstStyle/>
-          <a:p>
-            <a:r>
-              <a:rPr lang="de-DE" sz="600" b="1" dirty="0" smtClean="0">
-                <a:solidFill>
-                  <a:srgbClr val="7030A0"/>
-                </a:solidFill>
-                <a:latin typeface="Helvetica Neue LT Std 67 Medium Condensed" charset="0"/>
-                <a:ea typeface="Helvetica Neue LT Std 67 Medium Condensed" charset="0"/>
-                <a:cs typeface="Helvetica Neue LT Std 67 Medium Condensed" charset="0"/>
-              </a:rPr>
-              <a:t>⌘</a:t>
-            </a:r>
-            <a:endParaRPr lang="de-DE" sz="4000" b="1" dirty="0">
-              <a:solidFill>
-                <a:srgbClr val="7030A0"/>
-              </a:solidFill>
-            </a:endParaRPr>
-          </a:p>
-        </p:txBody>
-      </p:sp>
-      <p:sp>
-        <p:nvSpPr>
-          <p:cNvPr id="180" name="Textfeld 179"/>
-          <p:cNvSpPr txBox="1"/>
-          <p:nvPr/>
-        </p:nvSpPr>
-        <p:spPr>
-          <a:xfrm>
-            <a:off x="8240755" y="5208173"/>
-            <a:ext cx="669410" cy="323165"/>
-          </a:xfrm>
-          <a:prstGeom prst="rect">
-            <a:avLst/>
-          </a:prstGeom>
-          <a:noFill/>
-        </p:spPr>
-        <p:txBody>
-          <a:bodyPr wrap="square" rtlCol="0" anchor="t">
-            <a:spAutoFit/>
-          </a:bodyPr>
-          <a:lstStyle/>
-          <a:p>
-            <a:pPr algn="r"/>
-            <a:r>
-              <a:rPr lang="de-DE" sz="500" dirty="0" smtClean="0">
-                <a:solidFill>
-                  <a:srgbClr val="7030A0"/>
-                </a:solidFill>
-                <a:latin typeface="Helvetica Neue LT Std 67 Medium Condensed" charset="0"/>
-                <a:ea typeface="Helvetica Neue LT Std 67 Medium Condensed" charset="0"/>
-                <a:cs typeface="Helvetica Neue LT Std 67 Medium Condensed" charset="0"/>
-              </a:rPr>
-              <a:t>Move </a:t>
-            </a:r>
-            <a:r>
-              <a:rPr lang="de-DE" sz="500" dirty="0" err="1" smtClean="0">
-                <a:solidFill>
-                  <a:srgbClr val="7030A0"/>
-                </a:solidFill>
-                <a:latin typeface="Helvetica Neue LT Std 67 Medium Condensed" charset="0"/>
-                <a:ea typeface="Helvetica Neue LT Std 67 Medium Condensed" charset="0"/>
-                <a:cs typeface="Helvetica Neue LT Std 67 Medium Condensed" charset="0"/>
-              </a:rPr>
-              <a:t>to</a:t>
-            </a:r>
-            <a:endParaRPr lang="de-DE" sz="500" dirty="0" smtClean="0">
-              <a:solidFill>
-                <a:srgbClr val="7030A0"/>
-              </a:solidFill>
-              <a:latin typeface="Helvetica Neue LT Std 67 Medium Condensed" charset="0"/>
-              <a:ea typeface="Helvetica Neue LT Std 67 Medium Condensed" charset="0"/>
-              <a:cs typeface="Helvetica Neue LT Std 67 Medium Condensed" charset="0"/>
-            </a:endParaRPr>
-          </a:p>
-          <a:p>
-            <a:pPr algn="r"/>
-            <a:r>
-              <a:rPr lang="de-DE" sz="500" dirty="0" smtClean="0">
-                <a:solidFill>
-                  <a:srgbClr val="7030A0"/>
-                </a:solidFill>
-                <a:latin typeface="Helvetica Neue LT Std 67 Medium Condensed" charset="0"/>
-                <a:ea typeface="Helvetica Neue LT Std 67 Medium Condensed" charset="0"/>
-                <a:cs typeface="Helvetica Neue LT Std 67 Medium Condensed" charset="0"/>
-              </a:rPr>
-              <a:t>Next</a:t>
-            </a:r>
-            <a:br>
-              <a:rPr lang="de-DE" sz="500" dirty="0" smtClean="0">
-                <a:solidFill>
-                  <a:srgbClr val="7030A0"/>
-                </a:solidFill>
-                <a:latin typeface="Helvetica Neue LT Std 67 Medium Condensed" charset="0"/>
-                <a:ea typeface="Helvetica Neue LT Std 67 Medium Condensed" charset="0"/>
-                <a:cs typeface="Helvetica Neue LT Std 67 Medium Condensed" charset="0"/>
-              </a:rPr>
-            </a:br>
-            <a:r>
-              <a:rPr lang="de-DE" sz="500" dirty="0" smtClean="0">
-                <a:solidFill>
-                  <a:srgbClr val="7030A0"/>
-                </a:solidFill>
-                <a:latin typeface="Helvetica Neue LT Std 67 Medium Condensed" charset="0"/>
-                <a:ea typeface="Helvetica Neue LT Std 67 Medium Condensed" charset="0"/>
-                <a:cs typeface="Helvetica Neue LT Std 67 Medium Condensed" charset="0"/>
-              </a:rPr>
-              <a:t>Marker</a:t>
-            </a:r>
-          </a:p>
-        </p:txBody>
-      </p:sp>
-      <p:sp>
-        <p:nvSpPr>
-          <p:cNvPr id="181" name="Rechteck 180"/>
-          <p:cNvSpPr/>
-          <p:nvPr/>
-        </p:nvSpPr>
-        <p:spPr>
-          <a:xfrm>
-            <a:off x="8429057" y="5199249"/>
-            <a:ext cx="261610" cy="184666"/>
-          </a:xfrm>
-          <a:prstGeom prst="rect">
-            <a:avLst/>
-          </a:prstGeom>
-        </p:spPr>
-        <p:txBody>
-          <a:bodyPr wrap="none">
-            <a:spAutoFit/>
-          </a:bodyPr>
-          <a:lstStyle/>
-          <a:p>
-            <a:r>
-              <a:rPr lang="de-DE" sz="600" b="1" dirty="0" smtClean="0">
-                <a:solidFill>
-                  <a:srgbClr val="7030A0"/>
-                </a:solidFill>
-                <a:latin typeface="Helvetica Neue LT Std 67 Medium Condensed" charset="0"/>
-                <a:ea typeface="Helvetica Neue LT Std 67 Medium Condensed" charset="0"/>
-                <a:cs typeface="Helvetica Neue LT Std 67 Medium Condensed" charset="0"/>
-              </a:rPr>
-              <a:t>⌘</a:t>
-            </a:r>
-            <a:endParaRPr lang="de-DE" sz="4000" b="1" dirty="0">
-              <a:solidFill>
-                <a:srgbClr val="7030A0"/>
-              </a:solidFill>
-            </a:endParaRPr>
-          </a:p>
-        </p:txBody>
-      </p:sp>
-      <p:sp>
-        <p:nvSpPr>
-          <p:cNvPr id="182" name="Abgerundetes Rechteck 181"/>
-          <p:cNvSpPr/>
-          <p:nvPr/>
-        </p:nvSpPr>
-        <p:spPr>
-          <a:xfrm>
-            <a:off x="7458140" y="2586011"/>
+            <a:off x="6864684" y="2586011"/>
             <a:ext cx="495160" cy="483856"/>
           </a:xfrm>
           <a:prstGeom prst="roundRect">
@@ -13802,14 +14091,11 @@
             </a:avLst>
           </a:prstGeom>
           <a:solidFill>
-            <a:schemeClr val="accent6">
-              <a:lumMod val="20000"/>
-              <a:lumOff val="80000"/>
-            </a:schemeClr>
+            <a:schemeClr val="bg1"/>
           </a:solidFill>
           <a:ln>
             <a:solidFill>
-              <a:schemeClr val="accent6">
+              <a:schemeClr val="bg1">
                 <a:lumMod val="50000"/>
               </a:schemeClr>
             </a:solidFill>
@@ -13848,19 +14134,22 @@
       </p:sp>
       <p:sp>
         <p:nvSpPr>
-          <p:cNvPr id="183" name="Textfeld 182"/>
+          <p:cNvPr id="189" name="Textfeld 188"/>
           <p:cNvSpPr txBox="1"/>
           <p:nvPr/>
         </p:nvSpPr>
         <p:spPr>
           <a:xfrm>
-            <a:off x="7414000" y="2857536"/>
-            <a:ext cx="215123" cy="253916"/>
+            <a:off x="6826659" y="2859035"/>
+            <a:ext cx="248786" cy="253916"/>
           </a:xfrm>
           <a:prstGeom prst="rect">
             <a:avLst/>
           </a:prstGeom>
           <a:noFill/>
+          <a:ln>
+            <a:noFill/>
+          </a:ln>
         </p:spPr>
         <p:txBody>
           <a:bodyPr wrap="none" rtlCol="0">
@@ -13869,12 +14158,12 @@
           <a:lstStyle/>
           <a:p>
             <a:r>
-              <a:rPr lang="de-DE" sz="1050" dirty="0" smtClean="0">
-                <a:latin typeface="Helvetica Neue LT Std 67 Medium Condensed" charset="0"/>
-                <a:ea typeface="Helvetica Neue LT Std 67 Medium Condensed" charset="0"/>
-                <a:cs typeface="Helvetica Neue LT Std 67 Medium Condensed" charset="0"/>
-              </a:rPr>
-              <a:t>´</a:t>
+              <a:rPr lang="de-DE" sz="1050" dirty="0" err="1" smtClean="0">
+                <a:latin typeface="Helvetica Neue LT Std 67 Medium Condensed" charset="0"/>
+                <a:ea typeface="Helvetica Neue LT Std 67 Medium Condensed" charset="0"/>
+                <a:cs typeface="Helvetica Neue LT Std 67 Medium Condensed" charset="0"/>
+              </a:rPr>
+              <a:t>ß</a:t>
             </a:r>
             <a:endParaRPr lang="de-DE" sz="1050" dirty="0">
               <a:latin typeface="Helvetica Neue LT Std 67 Medium Condensed" charset="0"/>
@@ -13886,69 +14175,13 @@
       </p:sp>
       <p:sp>
         <p:nvSpPr>
-          <p:cNvPr id="184" name="Textfeld 183"/>
-          <p:cNvSpPr txBox="1"/>
-          <p:nvPr/>
-        </p:nvSpPr>
-        <p:spPr>
-          <a:xfrm>
-            <a:off x="7415963" y="2602657"/>
-            <a:ext cx="759239" cy="246221"/>
-          </a:xfrm>
-          <a:prstGeom prst="rect">
-            <a:avLst/>
-          </a:prstGeom>
-          <a:noFill/>
-        </p:spPr>
-        <p:txBody>
-          <a:bodyPr wrap="square" rtlCol="0" anchor="t">
-            <a:spAutoFit/>
-          </a:bodyPr>
-          <a:lstStyle/>
-          <a:p>
-            <a:r>
-              <a:rPr lang="de-DE" sz="500" dirty="0" smtClean="0">
-                <a:latin typeface="Helvetica Neue LT Std 67 Medium Condensed" charset="0"/>
-                <a:ea typeface="Helvetica Neue LT Std 67 Medium Condensed" charset="0"/>
-                <a:cs typeface="Helvetica Neue LT Std 67 Medium Condensed" charset="0"/>
-              </a:rPr>
-              <a:t>Move Edit Cursor</a:t>
-            </a:r>
-            <a:br>
-              <a:rPr lang="de-DE" sz="500" dirty="0" smtClean="0">
-                <a:latin typeface="Helvetica Neue LT Std 67 Medium Condensed" charset="0"/>
-                <a:ea typeface="Helvetica Neue LT Std 67 Medium Condensed" charset="0"/>
-                <a:cs typeface="Helvetica Neue LT Std 67 Medium Condensed" charset="0"/>
-              </a:rPr>
-            </a:br>
-            <a:r>
-              <a:rPr lang="de-DE" sz="500" dirty="0" err="1" smtClean="0">
-                <a:latin typeface="Helvetica Neue LT Std 67 Medium Condensed" charset="0"/>
-                <a:ea typeface="Helvetica Neue LT Std 67 Medium Condensed" charset="0"/>
-                <a:cs typeface="Helvetica Neue LT Std 67 Medium Condensed" charset="0"/>
-              </a:rPr>
-              <a:t>to</a:t>
-            </a:r>
-            <a:r>
-              <a:rPr lang="de-DE" sz="500" dirty="0" smtClean="0">
-                <a:latin typeface="Helvetica Neue LT Std 67 Medium Condensed" charset="0"/>
-                <a:ea typeface="Helvetica Neue LT Std 67 Medium Condensed" charset="0"/>
-                <a:cs typeface="Helvetica Neue LT Std 67 Medium Condensed" charset="0"/>
-              </a:rPr>
-              <a:t> Play Cursor</a:t>
-            </a:r>
-          </a:p>
-        </p:txBody>
-      </p:sp>
-      <p:sp>
-        <p:nvSpPr>
-          <p:cNvPr id="188" name="Abgerundetes Rechteck 187"/>
+          <p:cNvPr id="190" name="Abgerundetes Rechteck 189"/>
           <p:cNvSpPr/>
           <p:nvPr/>
         </p:nvSpPr>
         <p:spPr>
           <a:xfrm>
-            <a:off x="6864684" y="2586011"/>
+            <a:off x="1166070" y="3173686"/>
             <a:ext cx="495160" cy="483856"/>
           </a:xfrm>
           <a:prstGeom prst="roundRect">
@@ -14000,14 +14233,14 @@
       </p:sp>
       <p:sp>
         <p:nvSpPr>
-          <p:cNvPr id="189" name="Textfeld 188"/>
+          <p:cNvPr id="191" name="Textfeld 190"/>
           <p:cNvSpPr txBox="1"/>
           <p:nvPr/>
         </p:nvSpPr>
         <p:spPr>
           <a:xfrm>
-            <a:off x="6826659" y="2859035"/>
-            <a:ext cx="248786" cy="253916"/>
+            <a:off x="1128045" y="3444214"/>
+            <a:ext cx="264816" cy="253916"/>
           </a:xfrm>
           <a:prstGeom prst="rect">
             <a:avLst/>
@@ -14024,12 +14257,12 @@
           <a:lstStyle/>
           <a:p>
             <a:r>
-              <a:rPr lang="de-DE" sz="1050" dirty="0" err="1" smtClean="0">
-                <a:latin typeface="Helvetica Neue LT Std 67 Medium Condensed" charset="0"/>
-                <a:ea typeface="Helvetica Neue LT Std 67 Medium Condensed" charset="0"/>
-                <a:cs typeface="Helvetica Neue LT Std 67 Medium Condensed" charset="0"/>
-              </a:rPr>
-              <a:t>ß</a:t>
+              <a:rPr lang="de-DE" sz="1050" dirty="0" smtClean="0">
+                <a:latin typeface="Helvetica Neue LT Std 67 Medium Condensed" charset="0"/>
+                <a:ea typeface="Helvetica Neue LT Std 67 Medium Condensed" charset="0"/>
+                <a:cs typeface="Helvetica Neue LT Std 67 Medium Condensed" charset="0"/>
+              </a:rPr>
+              <a:t>Q</a:t>
             </a:r>
             <a:endParaRPr lang="de-DE" sz="1050" dirty="0">
               <a:latin typeface="Helvetica Neue LT Std 67 Medium Condensed" charset="0"/>
@@ -14041,13 +14274,54 @@
       </p:sp>
       <p:sp>
         <p:nvSpPr>
-          <p:cNvPr id="190" name="Abgerundetes Rechteck 189"/>
+          <p:cNvPr id="193" name="Textfeld 192"/>
+          <p:cNvSpPr txBox="1"/>
+          <p:nvPr/>
+        </p:nvSpPr>
+        <p:spPr>
+          <a:xfrm>
+            <a:off x="1733542" y="3453985"/>
+            <a:ext cx="284052" cy="253916"/>
+          </a:xfrm>
+          <a:prstGeom prst="rect">
+            <a:avLst/>
+          </a:prstGeom>
+          <a:noFill/>
+          <a:ln>
+            <a:noFill/>
+          </a:ln>
+        </p:spPr>
+        <p:txBody>
+          <a:bodyPr wrap="none" rtlCol="0">
+            <a:spAutoFit/>
+          </a:bodyPr>
+          <a:lstStyle/>
+          <a:p>
+            <a:r>
+              <a:rPr lang="de-DE" sz="1050" dirty="0" smtClean="0">
+                <a:latin typeface="Helvetica Neue LT Std 67 Medium Condensed" charset="0"/>
+                <a:ea typeface="Helvetica Neue LT Std 67 Medium Condensed" charset="0"/>
+                <a:cs typeface="Helvetica Neue LT Std 67 Medium Condensed" charset="0"/>
+              </a:rPr>
+              <a:t>W</a:t>
+            </a:r>
+            <a:endParaRPr lang="de-DE" sz="1050" dirty="0">
+              <a:latin typeface="Helvetica Neue LT Std 67 Medium Condensed" charset="0"/>
+              <a:ea typeface="Helvetica Neue LT Std 67 Medium Condensed" charset="0"/>
+              <a:cs typeface="Helvetica Neue LT Std 67 Medium Condensed" charset="0"/>
+            </a:endParaRPr>
+          </a:p>
+        </p:txBody>
+      </p:sp>
+      <p:sp>
+        <p:nvSpPr>
+          <p:cNvPr id="196" name="Abgerundetes Rechteck 195"/>
           <p:cNvSpPr/>
           <p:nvPr/>
         </p:nvSpPr>
         <p:spPr>
           <a:xfrm>
-            <a:off x="1166070" y="3173686"/>
+            <a:off x="7168724" y="3173686"/>
             <a:ext cx="495160" cy="483856"/>
           </a:xfrm>
           <a:prstGeom prst="roundRect">
@@ -14099,14 +14373,14 @@
       </p:sp>
       <p:sp>
         <p:nvSpPr>
-          <p:cNvPr id="191" name="Textfeld 190"/>
+          <p:cNvPr id="197" name="Textfeld 196"/>
           <p:cNvSpPr txBox="1"/>
           <p:nvPr/>
         </p:nvSpPr>
         <p:spPr>
           <a:xfrm>
-            <a:off x="1128045" y="3444214"/>
-            <a:ext cx="264816" cy="253916"/>
+            <a:off x="7130699" y="3441370"/>
+            <a:ext cx="256802" cy="253916"/>
           </a:xfrm>
           <a:prstGeom prst="rect">
             <a:avLst/>
@@ -14123,12 +14397,12 @@
           <a:lstStyle/>
           <a:p>
             <a:r>
-              <a:rPr lang="de-DE" sz="1050" dirty="0" smtClean="0">
-                <a:latin typeface="Helvetica Neue LT Std 67 Medium Condensed" charset="0"/>
-                <a:ea typeface="Helvetica Neue LT Std 67 Medium Condensed" charset="0"/>
-                <a:cs typeface="Helvetica Neue LT Std 67 Medium Condensed" charset="0"/>
-              </a:rPr>
-              <a:t>Q</a:t>
+              <a:rPr lang="de-DE" sz="1050" dirty="0" err="1" smtClean="0">
+                <a:latin typeface="Helvetica Neue LT Std 67 Medium Condensed" charset="0"/>
+                <a:ea typeface="Helvetica Neue LT Std 67 Medium Condensed" charset="0"/>
+                <a:cs typeface="Helvetica Neue LT Std 67 Medium Condensed" charset="0"/>
+              </a:rPr>
+              <a:t>Ü</a:t>
             </a:r>
             <a:endParaRPr lang="de-DE" sz="1050" dirty="0">
               <a:latin typeface="Helvetica Neue LT Std 67 Medium Condensed" charset="0"/>
@@ -14140,55 +14414,14 @@
       </p:sp>
       <p:sp>
         <p:nvSpPr>
-          <p:cNvPr id="193" name="Textfeld 192"/>
-          <p:cNvSpPr txBox="1"/>
-          <p:nvPr/>
-        </p:nvSpPr>
-        <p:spPr>
-          <a:xfrm>
-            <a:off x="1733542" y="3453985"/>
-            <a:ext cx="284052" cy="253916"/>
-          </a:xfrm>
-          <a:prstGeom prst="rect">
-            <a:avLst/>
-          </a:prstGeom>
-          <a:noFill/>
-          <a:ln>
-            <a:noFill/>
-          </a:ln>
-        </p:spPr>
-        <p:txBody>
-          <a:bodyPr wrap="none" rtlCol="0">
-            <a:spAutoFit/>
-          </a:bodyPr>
-          <a:lstStyle/>
-          <a:p>
-            <a:r>
-              <a:rPr lang="de-DE" sz="1050" dirty="0" smtClean="0">
-                <a:latin typeface="Helvetica Neue LT Std 67 Medium Condensed" charset="0"/>
-                <a:ea typeface="Helvetica Neue LT Std 67 Medium Condensed" charset="0"/>
-                <a:cs typeface="Helvetica Neue LT Std 67 Medium Condensed" charset="0"/>
-              </a:rPr>
-              <a:t>W</a:t>
-            </a:r>
-            <a:endParaRPr lang="de-DE" sz="1050" dirty="0">
-              <a:latin typeface="Helvetica Neue LT Std 67 Medium Condensed" charset="0"/>
-              <a:ea typeface="Helvetica Neue LT Std 67 Medium Condensed" charset="0"/>
-              <a:cs typeface="Helvetica Neue LT Std 67 Medium Condensed" charset="0"/>
-            </a:endParaRPr>
-          </a:p>
-        </p:txBody>
-      </p:sp>
-      <p:sp>
-        <p:nvSpPr>
-          <p:cNvPr id="196" name="Abgerundetes Rechteck 195"/>
+          <p:cNvPr id="198" name="Abgerundetes Rechteck 197"/>
           <p:cNvSpPr/>
           <p:nvPr/>
         </p:nvSpPr>
         <p:spPr>
           <a:xfrm>
-            <a:off x="7168724" y="3173686"/>
-            <a:ext cx="495160" cy="483856"/>
+            <a:off x="269655" y="3173686"/>
+            <a:ext cx="785759" cy="483856"/>
           </a:xfrm>
           <a:prstGeom prst="roundRect">
             <a:avLst>
@@ -14239,14 +14472,14 @@
       </p:sp>
       <p:sp>
         <p:nvSpPr>
-          <p:cNvPr id="197" name="Textfeld 196"/>
+          <p:cNvPr id="199" name="Textfeld 198"/>
           <p:cNvSpPr txBox="1"/>
           <p:nvPr/>
         </p:nvSpPr>
         <p:spPr>
           <a:xfrm>
-            <a:off x="7130699" y="3441370"/>
-            <a:ext cx="256802" cy="253916"/>
+            <a:off x="235381" y="3375167"/>
+            <a:ext cx="709352" cy="369332"/>
           </a:xfrm>
           <a:prstGeom prst="rect">
             <a:avLst/>
@@ -14257,18 +14490,59 @@
           </a:ln>
         </p:spPr>
         <p:txBody>
+          <a:bodyPr wrap="square" rtlCol="0">
+            <a:spAutoFit/>
+          </a:bodyPr>
+          <a:lstStyle/>
+          <a:p>
+            <a:r>
+              <a:rPr lang="de-DE" smtClean="0">
+                <a:latin typeface="Helvetica Neue LT Std 67 Medium Condensed" charset="0"/>
+                <a:ea typeface="Helvetica Neue LT Std 67 Medium Condensed" charset="0"/>
+                <a:cs typeface="Helvetica Neue LT Std 67 Medium Condensed" charset="0"/>
+              </a:rPr>
+              <a:t>⇥</a:t>
+            </a:r>
+            <a:endParaRPr lang="de-DE" sz="700" dirty="0">
+              <a:latin typeface="Helvetica Neue LT Std 67 Medium Condensed" charset="0"/>
+              <a:ea typeface="Helvetica Neue LT Std 67 Medium Condensed" charset="0"/>
+              <a:cs typeface="Helvetica Neue LT Std 67 Medium Condensed" charset="0"/>
+            </a:endParaRPr>
+          </a:p>
+        </p:txBody>
+      </p:sp>
+      <p:sp>
+        <p:nvSpPr>
+          <p:cNvPr id="201" name="Textfeld 200"/>
+          <p:cNvSpPr txBox="1"/>
+          <p:nvPr/>
+        </p:nvSpPr>
+        <p:spPr>
+          <a:xfrm>
+            <a:off x="1270548" y="4040765"/>
+            <a:ext cx="255198" cy="253916"/>
+          </a:xfrm>
+          <a:prstGeom prst="rect">
+            <a:avLst/>
+          </a:prstGeom>
+          <a:noFill/>
+          <a:ln>
+            <a:noFill/>
+          </a:ln>
+        </p:spPr>
+        <p:txBody>
           <a:bodyPr wrap="none" rtlCol="0">
             <a:spAutoFit/>
           </a:bodyPr>
           <a:lstStyle/>
           <a:p>
             <a:r>
-              <a:rPr lang="de-DE" sz="1050" dirty="0" err="1" smtClean="0">
-                <a:latin typeface="Helvetica Neue LT Std 67 Medium Condensed" charset="0"/>
-                <a:ea typeface="Helvetica Neue LT Std 67 Medium Condensed" charset="0"/>
-                <a:cs typeface="Helvetica Neue LT Std 67 Medium Condensed" charset="0"/>
-              </a:rPr>
-              <a:t>Ü</a:t>
+              <a:rPr lang="de-DE" sz="1050" dirty="0" smtClean="0">
+                <a:latin typeface="Helvetica Neue LT Std 67 Medium Condensed" charset="0"/>
+                <a:ea typeface="Helvetica Neue LT Std 67 Medium Condensed" charset="0"/>
+                <a:cs typeface="Helvetica Neue LT Std 67 Medium Condensed" charset="0"/>
+              </a:rPr>
+              <a:t>A</a:t>
             </a:r>
             <a:endParaRPr lang="de-DE" sz="1050" dirty="0">
               <a:latin typeface="Helvetica Neue LT Std 67 Medium Condensed" charset="0"/>
@@ -14280,14 +14554,178 @@
       </p:sp>
       <p:sp>
         <p:nvSpPr>
-          <p:cNvPr id="198" name="Abgerundetes Rechteck 197"/>
+          <p:cNvPr id="203" name="Textfeld 202"/>
+          <p:cNvSpPr txBox="1"/>
+          <p:nvPr/>
+        </p:nvSpPr>
+        <p:spPr>
+          <a:xfrm>
+            <a:off x="2478983" y="4039579"/>
+            <a:ext cx="260008" cy="253916"/>
+          </a:xfrm>
+          <a:prstGeom prst="rect">
+            <a:avLst/>
+          </a:prstGeom>
+          <a:noFill/>
+          <a:ln>
+            <a:noFill/>
+          </a:ln>
+        </p:spPr>
+        <p:txBody>
+          <a:bodyPr wrap="none" rtlCol="0">
+            <a:spAutoFit/>
+          </a:bodyPr>
+          <a:lstStyle/>
+          <a:p>
+            <a:r>
+              <a:rPr lang="de-DE" sz="1050" dirty="0" smtClean="0">
+                <a:latin typeface="Helvetica Neue LT Std 67 Medium Condensed" charset="0"/>
+                <a:ea typeface="Helvetica Neue LT Std 67 Medium Condensed" charset="0"/>
+                <a:cs typeface="Helvetica Neue LT Std 67 Medium Condensed" charset="0"/>
+              </a:rPr>
+              <a:t>D</a:t>
+            </a:r>
+            <a:endParaRPr lang="de-DE" sz="1050" dirty="0">
+              <a:latin typeface="Helvetica Neue LT Std 67 Medium Condensed" charset="0"/>
+              <a:ea typeface="Helvetica Neue LT Std 67 Medium Condensed" charset="0"/>
+              <a:cs typeface="Helvetica Neue LT Std 67 Medium Condensed" charset="0"/>
+            </a:endParaRPr>
+          </a:p>
+        </p:txBody>
+      </p:sp>
+      <p:sp>
+        <p:nvSpPr>
+          <p:cNvPr id="207" name="Textfeld 206"/>
+          <p:cNvSpPr txBox="1"/>
+          <p:nvPr/>
+        </p:nvSpPr>
+        <p:spPr>
+          <a:xfrm>
+            <a:off x="4287959" y="4029640"/>
+            <a:ext cx="260008" cy="253916"/>
+          </a:xfrm>
+          <a:prstGeom prst="rect">
+            <a:avLst/>
+          </a:prstGeom>
+          <a:noFill/>
+          <a:ln>
+            <a:noFill/>
+          </a:ln>
+        </p:spPr>
+        <p:txBody>
+          <a:bodyPr wrap="none" rtlCol="0">
+            <a:spAutoFit/>
+          </a:bodyPr>
+          <a:lstStyle/>
+          <a:p>
+            <a:r>
+              <a:rPr lang="de-DE" sz="1050" dirty="0" smtClean="0">
+                <a:latin typeface="Helvetica Neue LT Std 67 Medium Condensed" charset="0"/>
+                <a:ea typeface="Helvetica Neue LT Std 67 Medium Condensed" charset="0"/>
+                <a:cs typeface="Helvetica Neue LT Std 67 Medium Condensed" charset="0"/>
+              </a:rPr>
+              <a:t>H</a:t>
+            </a:r>
+            <a:endParaRPr lang="de-DE" sz="1050" dirty="0">
+              <a:latin typeface="Helvetica Neue LT Std 67 Medium Condensed" charset="0"/>
+              <a:ea typeface="Helvetica Neue LT Std 67 Medium Condensed" charset="0"/>
+              <a:cs typeface="Helvetica Neue LT Std 67 Medium Condensed" charset="0"/>
+            </a:endParaRPr>
+          </a:p>
+        </p:txBody>
+      </p:sp>
+      <p:sp>
+        <p:nvSpPr>
+          <p:cNvPr id="209" name="Textfeld 208"/>
+          <p:cNvSpPr txBox="1"/>
+          <p:nvPr/>
+        </p:nvSpPr>
+        <p:spPr>
+          <a:xfrm>
+            <a:off x="4878795" y="4027695"/>
+            <a:ext cx="243978" cy="253916"/>
+          </a:xfrm>
+          <a:prstGeom prst="rect">
+            <a:avLst/>
+          </a:prstGeom>
+          <a:noFill/>
+          <a:ln>
+            <a:noFill/>
+          </a:ln>
+        </p:spPr>
+        <p:txBody>
+          <a:bodyPr wrap="none" rtlCol="0">
+            <a:spAutoFit/>
+          </a:bodyPr>
+          <a:lstStyle/>
+          <a:p>
+            <a:r>
+              <a:rPr lang="de-DE" sz="1050" dirty="0" smtClean="0">
+                <a:latin typeface="Helvetica Neue LT Std 67 Medium Condensed" charset="0"/>
+                <a:ea typeface="Helvetica Neue LT Std 67 Medium Condensed" charset="0"/>
+                <a:cs typeface="Helvetica Neue LT Std 67 Medium Condensed" charset="0"/>
+              </a:rPr>
+              <a:t>J</a:t>
+            </a:r>
+            <a:endParaRPr lang="de-DE" sz="1050" dirty="0">
+              <a:latin typeface="Helvetica Neue LT Std 67 Medium Condensed" charset="0"/>
+              <a:ea typeface="Helvetica Neue LT Std 67 Medium Condensed" charset="0"/>
+              <a:cs typeface="Helvetica Neue LT Std 67 Medium Condensed" charset="0"/>
+            </a:endParaRPr>
+          </a:p>
+        </p:txBody>
+      </p:sp>
+      <p:sp>
+        <p:nvSpPr>
+          <p:cNvPr id="211" name="Textfeld 210"/>
+          <p:cNvSpPr txBox="1"/>
+          <p:nvPr/>
+        </p:nvSpPr>
+        <p:spPr>
+          <a:xfrm>
+            <a:off x="5478779" y="4025956"/>
+            <a:ext cx="255198" cy="253916"/>
+          </a:xfrm>
+          <a:prstGeom prst="rect">
+            <a:avLst/>
+          </a:prstGeom>
+          <a:noFill/>
+          <a:ln>
+            <a:noFill/>
+          </a:ln>
+        </p:spPr>
+        <p:txBody>
+          <a:bodyPr wrap="none" rtlCol="0">
+            <a:spAutoFit/>
+          </a:bodyPr>
+          <a:lstStyle/>
+          <a:p>
+            <a:r>
+              <a:rPr lang="de-DE" sz="1050" dirty="0" smtClean="0">
+                <a:latin typeface="Helvetica Neue LT Std 67 Medium Condensed" charset="0"/>
+                <a:ea typeface="Helvetica Neue LT Std 67 Medium Condensed" charset="0"/>
+                <a:cs typeface="Helvetica Neue LT Std 67 Medium Condensed" charset="0"/>
+              </a:rPr>
+              <a:t>K</a:t>
+            </a:r>
+            <a:endParaRPr lang="de-DE" sz="1050" dirty="0">
+              <a:latin typeface="Helvetica Neue LT Std 67 Medium Condensed" charset="0"/>
+              <a:ea typeface="Helvetica Neue LT Std 67 Medium Condensed" charset="0"/>
+              <a:cs typeface="Helvetica Neue LT Std 67 Medium Condensed" charset="0"/>
+            </a:endParaRPr>
+          </a:p>
+        </p:txBody>
+      </p:sp>
+      <p:sp>
+        <p:nvSpPr>
+          <p:cNvPr id="212" name="Abgerundetes Rechteck 211"/>
           <p:cNvSpPr/>
           <p:nvPr/>
         </p:nvSpPr>
         <p:spPr>
           <a:xfrm>
-            <a:off x="269655" y="3173686"/>
-            <a:ext cx="785759" cy="483856"/>
+            <a:off x="6724413" y="3772794"/>
+            <a:ext cx="495160" cy="483856"/>
           </a:xfrm>
           <a:prstGeom prst="roundRect">
             <a:avLst>
@@ -14338,14 +14776,14 @@
       </p:sp>
       <p:sp>
         <p:nvSpPr>
-          <p:cNvPr id="199" name="Textfeld 198"/>
+          <p:cNvPr id="213" name="Textfeld 212"/>
           <p:cNvSpPr txBox="1"/>
           <p:nvPr/>
         </p:nvSpPr>
         <p:spPr>
           <a:xfrm>
-            <a:off x="235381" y="3375167"/>
-            <a:ext cx="709352" cy="369332"/>
+            <a:off x="6686388" y="4038068"/>
+            <a:ext cx="260008" cy="253916"/>
           </a:xfrm>
           <a:prstGeom prst="rect">
             <a:avLst/>
@@ -14356,37 +14794,37 @@
           </a:ln>
         </p:spPr>
         <p:txBody>
-          <a:bodyPr wrap="square" rtlCol="0">
-            <a:spAutoFit/>
-          </a:bodyPr>
-          <a:lstStyle/>
-          <a:p>
-            <a:r>
-              <a:rPr lang="de-DE" smtClean="0">
-                <a:latin typeface="Helvetica Neue LT Std 67 Medium Condensed" charset="0"/>
-                <a:ea typeface="Helvetica Neue LT Std 67 Medium Condensed" charset="0"/>
-                <a:cs typeface="Helvetica Neue LT Std 67 Medium Condensed" charset="0"/>
-              </a:rPr>
-              <a:t>⇥</a:t>
-            </a:r>
-            <a:endParaRPr lang="de-DE" sz="700" dirty="0">
-              <a:latin typeface="Helvetica Neue LT Std 67 Medium Condensed" charset="0"/>
-              <a:ea typeface="Helvetica Neue LT Std 67 Medium Condensed" charset="0"/>
-              <a:cs typeface="Helvetica Neue LT Std 67 Medium Condensed" charset="0"/>
-            </a:endParaRPr>
-          </a:p>
-        </p:txBody>
-      </p:sp>
-      <p:sp>
-        <p:nvSpPr>
-          <p:cNvPr id="201" name="Textfeld 200"/>
+          <a:bodyPr wrap="none" rtlCol="0">
+            <a:spAutoFit/>
+          </a:bodyPr>
+          <a:lstStyle/>
+          <a:p>
+            <a:r>
+              <a:rPr lang="de-DE" sz="1050" dirty="0" smtClean="0">
+                <a:latin typeface="Helvetica Neue LT Std 67 Medium Condensed" charset="0"/>
+                <a:ea typeface="Helvetica Neue LT Std 67 Medium Condensed" charset="0"/>
+                <a:cs typeface="Helvetica Neue LT Std 67 Medium Condensed" charset="0"/>
+              </a:rPr>
+              <a:t>Ö</a:t>
+            </a:r>
+            <a:endParaRPr lang="de-DE" sz="1050" dirty="0">
+              <a:latin typeface="Helvetica Neue LT Std 67 Medium Condensed" charset="0"/>
+              <a:ea typeface="Helvetica Neue LT Std 67 Medium Condensed" charset="0"/>
+              <a:cs typeface="Helvetica Neue LT Std 67 Medium Condensed" charset="0"/>
+            </a:endParaRPr>
+          </a:p>
+        </p:txBody>
+      </p:sp>
+      <p:sp>
+        <p:nvSpPr>
+          <p:cNvPr id="215" name="Textfeld 214"/>
           <p:cNvSpPr txBox="1"/>
           <p:nvPr/>
         </p:nvSpPr>
         <p:spPr>
           <a:xfrm>
-            <a:off x="1270548" y="4040765"/>
-            <a:ext cx="255198" cy="253916"/>
+            <a:off x="7880176" y="4030871"/>
+            <a:ext cx="248786" cy="253916"/>
           </a:xfrm>
           <a:prstGeom prst="rect">
             <a:avLst/>
@@ -14408,7 +14846,7 @@
                 <a:ea typeface="Helvetica Neue LT Std 67 Medium Condensed" charset="0"/>
                 <a:cs typeface="Helvetica Neue LT Std 67 Medium Condensed" charset="0"/>
               </a:rPr>
-              <a:t>A</a:t>
+              <a:t>#</a:t>
             </a:r>
             <a:endParaRPr lang="de-DE" sz="1050" dirty="0">
               <a:latin typeface="Helvetica Neue LT Std 67 Medium Condensed" charset="0"/>
@@ -14420,14 +14858,14 @@
       </p:sp>
       <p:sp>
         <p:nvSpPr>
-          <p:cNvPr id="203" name="Textfeld 202"/>
+          <p:cNvPr id="221" name="Textfeld 220"/>
           <p:cNvSpPr txBox="1"/>
           <p:nvPr/>
         </p:nvSpPr>
         <p:spPr>
           <a:xfrm>
-            <a:off x="2478983" y="4039579"/>
-            <a:ext cx="260008" cy="253916"/>
+            <a:off x="3375987" y="4612399"/>
+            <a:ext cx="248786" cy="253916"/>
           </a:xfrm>
           <a:prstGeom prst="rect">
             <a:avLst/>
@@ -14449,371 +14887,9 @@
                 <a:ea typeface="Helvetica Neue LT Std 67 Medium Condensed" charset="0"/>
                 <a:cs typeface="Helvetica Neue LT Std 67 Medium Condensed" charset="0"/>
               </a:rPr>
-              <a:t>D</a:t>
+              <a:t>V</a:t>
             </a:r>
             <a:endParaRPr lang="de-DE" sz="1050" dirty="0">
-              <a:latin typeface="Helvetica Neue LT Std 67 Medium Condensed" charset="0"/>
-              <a:ea typeface="Helvetica Neue LT Std 67 Medium Condensed" charset="0"/>
-              <a:cs typeface="Helvetica Neue LT Std 67 Medium Condensed" charset="0"/>
-            </a:endParaRPr>
-          </a:p>
-        </p:txBody>
-      </p:sp>
-      <p:sp>
-        <p:nvSpPr>
-          <p:cNvPr id="207" name="Textfeld 206"/>
-          <p:cNvSpPr txBox="1"/>
-          <p:nvPr/>
-        </p:nvSpPr>
-        <p:spPr>
-          <a:xfrm>
-            <a:off x="4287959" y="4029640"/>
-            <a:ext cx="260008" cy="253916"/>
-          </a:xfrm>
-          <a:prstGeom prst="rect">
-            <a:avLst/>
-          </a:prstGeom>
-          <a:noFill/>
-          <a:ln>
-            <a:noFill/>
-          </a:ln>
-        </p:spPr>
-        <p:txBody>
-          <a:bodyPr wrap="none" rtlCol="0">
-            <a:spAutoFit/>
-          </a:bodyPr>
-          <a:lstStyle/>
-          <a:p>
-            <a:r>
-              <a:rPr lang="de-DE" sz="1050" dirty="0" smtClean="0">
-                <a:latin typeface="Helvetica Neue LT Std 67 Medium Condensed" charset="0"/>
-                <a:ea typeface="Helvetica Neue LT Std 67 Medium Condensed" charset="0"/>
-                <a:cs typeface="Helvetica Neue LT Std 67 Medium Condensed" charset="0"/>
-              </a:rPr>
-              <a:t>H</a:t>
-            </a:r>
-            <a:endParaRPr lang="de-DE" sz="1050" dirty="0">
-              <a:latin typeface="Helvetica Neue LT Std 67 Medium Condensed" charset="0"/>
-              <a:ea typeface="Helvetica Neue LT Std 67 Medium Condensed" charset="0"/>
-              <a:cs typeface="Helvetica Neue LT Std 67 Medium Condensed" charset="0"/>
-            </a:endParaRPr>
-          </a:p>
-        </p:txBody>
-      </p:sp>
-      <p:sp>
-        <p:nvSpPr>
-          <p:cNvPr id="209" name="Textfeld 208"/>
-          <p:cNvSpPr txBox="1"/>
-          <p:nvPr/>
-        </p:nvSpPr>
-        <p:spPr>
-          <a:xfrm>
-            <a:off x="4878795" y="4027695"/>
-            <a:ext cx="243978" cy="253916"/>
-          </a:xfrm>
-          <a:prstGeom prst="rect">
-            <a:avLst/>
-          </a:prstGeom>
-          <a:noFill/>
-          <a:ln>
-            <a:noFill/>
-          </a:ln>
-        </p:spPr>
-        <p:txBody>
-          <a:bodyPr wrap="none" rtlCol="0">
-            <a:spAutoFit/>
-          </a:bodyPr>
-          <a:lstStyle/>
-          <a:p>
-            <a:r>
-              <a:rPr lang="de-DE" sz="1050" dirty="0" smtClean="0">
-                <a:latin typeface="Helvetica Neue LT Std 67 Medium Condensed" charset="0"/>
-                <a:ea typeface="Helvetica Neue LT Std 67 Medium Condensed" charset="0"/>
-                <a:cs typeface="Helvetica Neue LT Std 67 Medium Condensed" charset="0"/>
-              </a:rPr>
-              <a:t>J</a:t>
-            </a:r>
-            <a:endParaRPr lang="de-DE" sz="1050" dirty="0">
-              <a:latin typeface="Helvetica Neue LT Std 67 Medium Condensed" charset="0"/>
-              <a:ea typeface="Helvetica Neue LT Std 67 Medium Condensed" charset="0"/>
-              <a:cs typeface="Helvetica Neue LT Std 67 Medium Condensed" charset="0"/>
-            </a:endParaRPr>
-          </a:p>
-        </p:txBody>
-      </p:sp>
-      <p:sp>
-        <p:nvSpPr>
-          <p:cNvPr id="211" name="Textfeld 210"/>
-          <p:cNvSpPr txBox="1"/>
-          <p:nvPr/>
-        </p:nvSpPr>
-        <p:spPr>
-          <a:xfrm>
-            <a:off x="5478779" y="4025956"/>
-            <a:ext cx="255198" cy="253916"/>
-          </a:xfrm>
-          <a:prstGeom prst="rect">
-            <a:avLst/>
-          </a:prstGeom>
-          <a:noFill/>
-          <a:ln>
-            <a:noFill/>
-          </a:ln>
-        </p:spPr>
-        <p:txBody>
-          <a:bodyPr wrap="none" rtlCol="0">
-            <a:spAutoFit/>
-          </a:bodyPr>
-          <a:lstStyle/>
-          <a:p>
-            <a:r>
-              <a:rPr lang="de-DE" sz="1050" dirty="0" smtClean="0">
-                <a:latin typeface="Helvetica Neue LT Std 67 Medium Condensed" charset="0"/>
-                <a:ea typeface="Helvetica Neue LT Std 67 Medium Condensed" charset="0"/>
-                <a:cs typeface="Helvetica Neue LT Std 67 Medium Condensed" charset="0"/>
-              </a:rPr>
-              <a:t>K</a:t>
-            </a:r>
-            <a:endParaRPr lang="de-DE" sz="1050" dirty="0">
-              <a:latin typeface="Helvetica Neue LT Std 67 Medium Condensed" charset="0"/>
-              <a:ea typeface="Helvetica Neue LT Std 67 Medium Condensed" charset="0"/>
-              <a:cs typeface="Helvetica Neue LT Std 67 Medium Condensed" charset="0"/>
-            </a:endParaRPr>
-          </a:p>
-        </p:txBody>
-      </p:sp>
-      <p:sp>
-        <p:nvSpPr>
-          <p:cNvPr id="212" name="Abgerundetes Rechteck 211"/>
-          <p:cNvSpPr/>
-          <p:nvPr/>
-        </p:nvSpPr>
-        <p:spPr>
-          <a:xfrm>
-            <a:off x="6724413" y="3772794"/>
-            <a:ext cx="495160" cy="483856"/>
-          </a:xfrm>
-          <a:prstGeom prst="roundRect">
-            <a:avLst>
-              <a:gd name="adj" fmla="val 8710"/>
-            </a:avLst>
-          </a:prstGeom>
-          <a:solidFill>
-            <a:schemeClr val="bg1"/>
-          </a:solidFill>
-          <a:ln>
-            <a:solidFill>
-              <a:schemeClr val="bg1">
-                <a:lumMod val="50000"/>
-              </a:schemeClr>
-            </a:solidFill>
-          </a:ln>
-        </p:spPr>
-        <p:style>
-          <a:lnRef idx="2">
-            <a:schemeClr val="accent1">
-              <a:shade val="50000"/>
-            </a:schemeClr>
-          </a:lnRef>
-          <a:fillRef idx="1">
-            <a:schemeClr val="accent1"/>
-          </a:fillRef>
-          <a:effectRef idx="0">
-            <a:schemeClr val="accent1"/>
-          </a:effectRef>
-          <a:fontRef idx="minor">
-            <a:schemeClr val="lt1"/>
-          </a:fontRef>
-        </p:style>
-        <p:txBody>
-          <a:bodyPr rtlCol="0" anchor="b"/>
-          <a:lstStyle/>
-          <a:p>
-            <a:endParaRPr lang="de-DE" sz="1000" dirty="0">
-              <a:solidFill>
-                <a:schemeClr val="tx1"/>
-              </a:solidFill>
-              <a:latin typeface="Helvetica Neue LT Std 67 Medium Condensed" charset="0"/>
-              <a:ea typeface="Helvetica Neue LT Std 67 Medium Condensed" charset="0"/>
-              <a:cs typeface="Helvetica Neue LT Std 67 Medium Condensed" charset="0"/>
-            </a:endParaRPr>
-          </a:p>
-        </p:txBody>
-      </p:sp>
-      <p:sp>
-        <p:nvSpPr>
-          <p:cNvPr id="213" name="Textfeld 212"/>
-          <p:cNvSpPr txBox="1"/>
-          <p:nvPr/>
-        </p:nvSpPr>
-        <p:spPr>
-          <a:xfrm>
-            <a:off x="6686388" y="4038068"/>
-            <a:ext cx="260008" cy="253916"/>
-          </a:xfrm>
-          <a:prstGeom prst="rect">
-            <a:avLst/>
-          </a:prstGeom>
-          <a:noFill/>
-          <a:ln>
-            <a:noFill/>
-          </a:ln>
-        </p:spPr>
-        <p:txBody>
-          <a:bodyPr wrap="none" rtlCol="0">
-            <a:spAutoFit/>
-          </a:bodyPr>
-          <a:lstStyle/>
-          <a:p>
-            <a:r>
-              <a:rPr lang="de-DE" sz="1050" dirty="0" smtClean="0">
-                <a:latin typeface="Helvetica Neue LT Std 67 Medium Condensed" charset="0"/>
-                <a:ea typeface="Helvetica Neue LT Std 67 Medium Condensed" charset="0"/>
-                <a:cs typeface="Helvetica Neue LT Std 67 Medium Condensed" charset="0"/>
-              </a:rPr>
-              <a:t>Ö</a:t>
-            </a:r>
-            <a:endParaRPr lang="de-DE" sz="1050" dirty="0">
-              <a:latin typeface="Helvetica Neue LT Std 67 Medium Condensed" charset="0"/>
-              <a:ea typeface="Helvetica Neue LT Std 67 Medium Condensed" charset="0"/>
-              <a:cs typeface="Helvetica Neue LT Std 67 Medium Condensed" charset="0"/>
-            </a:endParaRPr>
-          </a:p>
-        </p:txBody>
-      </p:sp>
-      <p:sp>
-        <p:nvSpPr>
-          <p:cNvPr id="215" name="Textfeld 214"/>
-          <p:cNvSpPr txBox="1"/>
-          <p:nvPr/>
-        </p:nvSpPr>
-        <p:spPr>
-          <a:xfrm>
-            <a:off x="7880176" y="4030871"/>
-            <a:ext cx="248786" cy="253916"/>
-          </a:xfrm>
-          <a:prstGeom prst="rect">
-            <a:avLst/>
-          </a:prstGeom>
-          <a:noFill/>
-          <a:ln>
-            <a:noFill/>
-          </a:ln>
-        </p:spPr>
-        <p:txBody>
-          <a:bodyPr wrap="none" rtlCol="0">
-            <a:spAutoFit/>
-          </a:bodyPr>
-          <a:lstStyle/>
-          <a:p>
-            <a:r>
-              <a:rPr lang="de-DE" sz="1050" dirty="0" smtClean="0">
-                <a:latin typeface="Helvetica Neue LT Std 67 Medium Condensed" charset="0"/>
-                <a:ea typeface="Helvetica Neue LT Std 67 Medium Condensed" charset="0"/>
-                <a:cs typeface="Helvetica Neue LT Std 67 Medium Condensed" charset="0"/>
-              </a:rPr>
-              <a:t>#</a:t>
-            </a:r>
-            <a:endParaRPr lang="de-DE" sz="1050" dirty="0">
-              <a:latin typeface="Helvetica Neue LT Std 67 Medium Condensed" charset="0"/>
-              <a:ea typeface="Helvetica Neue LT Std 67 Medium Condensed" charset="0"/>
-              <a:cs typeface="Helvetica Neue LT Std 67 Medium Condensed" charset="0"/>
-            </a:endParaRPr>
-          </a:p>
-        </p:txBody>
-      </p:sp>
-      <p:sp>
-        <p:nvSpPr>
-          <p:cNvPr id="221" name="Textfeld 220"/>
-          <p:cNvSpPr txBox="1"/>
-          <p:nvPr/>
-        </p:nvSpPr>
-        <p:spPr>
-          <a:xfrm>
-            <a:off x="3375987" y="4612399"/>
-            <a:ext cx="248786" cy="253916"/>
-          </a:xfrm>
-          <a:prstGeom prst="rect">
-            <a:avLst/>
-          </a:prstGeom>
-          <a:noFill/>
-          <a:ln>
-            <a:noFill/>
-          </a:ln>
-        </p:spPr>
-        <p:txBody>
-          <a:bodyPr wrap="none" rtlCol="0">
-            <a:spAutoFit/>
-          </a:bodyPr>
-          <a:lstStyle/>
-          <a:p>
-            <a:r>
-              <a:rPr lang="de-DE" sz="1050" dirty="0" smtClean="0">
-                <a:latin typeface="Helvetica Neue LT Std 67 Medium Condensed" charset="0"/>
-                <a:ea typeface="Helvetica Neue LT Std 67 Medium Condensed" charset="0"/>
-                <a:cs typeface="Helvetica Neue LT Std 67 Medium Condensed" charset="0"/>
-              </a:rPr>
-              <a:t>V</a:t>
-            </a:r>
-            <a:endParaRPr lang="de-DE" sz="1050" dirty="0">
-              <a:latin typeface="Helvetica Neue LT Std 67 Medium Condensed" charset="0"/>
-              <a:ea typeface="Helvetica Neue LT Std 67 Medium Condensed" charset="0"/>
-              <a:cs typeface="Helvetica Neue LT Std 67 Medium Condensed" charset="0"/>
-            </a:endParaRPr>
-          </a:p>
-        </p:txBody>
-      </p:sp>
-      <p:sp>
-        <p:nvSpPr>
-          <p:cNvPr id="222" name="Abgerundetes Rechteck 221"/>
-          <p:cNvSpPr/>
-          <p:nvPr/>
-        </p:nvSpPr>
-        <p:spPr>
-          <a:xfrm>
-            <a:off x="4020078" y="4346279"/>
-            <a:ext cx="495160" cy="483856"/>
-          </a:xfrm>
-          <a:prstGeom prst="roundRect">
-            <a:avLst>
-              <a:gd name="adj" fmla="val 8710"/>
-            </a:avLst>
-          </a:prstGeom>
-          <a:solidFill>
-            <a:schemeClr val="bg1"/>
-          </a:solidFill>
-          <a:ln>
-            <a:solidFill>
-              <a:schemeClr val="bg1">
-                <a:lumMod val="50000"/>
-              </a:schemeClr>
-            </a:solidFill>
-          </a:ln>
-        </p:spPr>
-        <p:style>
-          <a:lnRef idx="2">
-            <a:schemeClr val="accent1">
-              <a:shade val="50000"/>
-            </a:schemeClr>
-          </a:lnRef>
-          <a:fillRef idx="1">
-            <a:schemeClr val="accent1"/>
-          </a:fillRef>
-          <a:effectRef idx="0">
-            <a:schemeClr val="accent1"/>
-          </a:effectRef>
-          <a:fontRef idx="minor">
-            <a:schemeClr val="lt1"/>
-          </a:fontRef>
-        </p:style>
-        <p:txBody>
-          <a:bodyPr rtlCol="0" anchor="b"/>
-          <a:lstStyle/>
-          <a:p>
-            <a:endParaRPr lang="de-DE" sz="1000" dirty="0">
-              <a:solidFill>
-                <a:schemeClr val="tx1"/>
-              </a:solidFill>
               <a:latin typeface="Helvetica Neue LT Std 67 Medium Condensed" charset="0"/>
               <a:ea typeface="Helvetica Neue LT Std 67 Medium Condensed" charset="0"/>
               <a:cs typeface="Helvetica Neue LT Std 67 Medium Condensed" charset="0"/>
@@ -16892,7 +16968,7 @@
                 <a:ea typeface="ultraschall" charset="-127"/>
                 <a:cs typeface="ultraschall" charset="-127"/>
               </a:rPr>
-              <a:t>9</a:t>
+              <a:t>0</a:t>
             </a:r>
             <a:endParaRPr lang="de-DE" sz="1100" dirty="0">
               <a:latin typeface="ultraschall" charset="-127"/>
@@ -16930,7 +17006,7 @@
                 <a:ea typeface="ultraschall" charset="-127"/>
                 <a:cs typeface="ultraschall" charset="-127"/>
               </a:rPr>
-              <a:t>8</a:t>
+              <a:t>9</a:t>
             </a:r>
             <a:endParaRPr lang="de-DE" sz="1000" dirty="0">
               <a:latin typeface="ultraschall" charset="-127"/>
@@ -17071,7 +17147,7 @@
         </p:nvSpPr>
         <p:spPr>
           <a:xfrm>
-            <a:off x="3269330" y="3761343"/>
+            <a:off x="4163986" y="4335308"/>
             <a:ext cx="398899" cy="323165"/>
           </a:xfrm>
           <a:prstGeom prst="rect">
@@ -17129,7 +17205,7 @@
         </p:nvSpPr>
         <p:spPr>
           <a:xfrm>
-            <a:off x="3260862" y="3754905"/>
+            <a:off x="3233150" y="3754905"/>
             <a:ext cx="261610" cy="184666"/>
           </a:xfrm>
           <a:prstGeom prst="rect">
@@ -17210,7 +17286,7 @@
         </p:nvSpPr>
         <p:spPr>
           <a:xfrm>
-            <a:off x="3079950" y="3728600"/>
+            <a:off x="3974606" y="4302565"/>
             <a:ext cx="325730" cy="261610"/>
           </a:xfrm>
           <a:prstGeom prst="rect">
@@ -20886,7 +20962,7 @@
                 <a:ea typeface="ultraschall" charset="-127"/>
                 <a:cs typeface="ultraschall" charset="-127"/>
               </a:rPr>
-              <a:t>7</a:t>
+              <a:t>8</a:t>
             </a:r>
             <a:endParaRPr lang="de-DE" sz="1100" dirty="0">
               <a:latin typeface="ultraschall" charset="-127"/>
@@ -21135,6 +21211,84 @@
               <a:latin typeface="Helvetica Neue LT Std 67 Medium Condensed" charset="0"/>
               <a:ea typeface="Helvetica Neue LT Std 67 Medium Condensed" charset="0"/>
               <a:cs typeface="Helvetica Neue LT Std 67 Medium Condensed" charset="0"/>
+            </a:endParaRPr>
+          </a:p>
+        </p:txBody>
+      </p:sp>
+      <p:sp>
+        <p:nvSpPr>
+          <p:cNvPr id="353" name="Rechteck 352"/>
+          <p:cNvSpPr/>
+          <p:nvPr/>
+        </p:nvSpPr>
+        <p:spPr>
+          <a:xfrm>
+            <a:off x="4163585" y="4325295"/>
+            <a:ext cx="261610" cy="184666"/>
+          </a:xfrm>
+          <a:prstGeom prst="rect">
+            <a:avLst/>
+          </a:prstGeom>
+        </p:spPr>
+        <p:txBody>
+          <a:bodyPr wrap="none">
+            <a:spAutoFit/>
+          </a:bodyPr>
+          <a:lstStyle/>
+          <a:p>
+            <a:r>
+              <a:rPr lang="de-DE" sz="600" b="1" dirty="0" smtClean="0">
+                <a:solidFill>
+                  <a:srgbClr val="7030A0"/>
+                </a:solidFill>
+                <a:latin typeface="Helvetica Neue LT Std 67 Medium Condensed" charset="0"/>
+                <a:ea typeface="Helvetica Neue LT Std 67 Medium Condensed" charset="0"/>
+                <a:cs typeface="Helvetica Neue LT Std 67 Medium Condensed" charset="0"/>
+              </a:rPr>
+              <a:t>⌘</a:t>
+            </a:r>
+            <a:endParaRPr lang="de-DE" sz="4000" b="1" dirty="0">
+              <a:solidFill>
+                <a:srgbClr val="7030A0"/>
+              </a:solidFill>
+            </a:endParaRPr>
+          </a:p>
+        </p:txBody>
+      </p:sp>
+      <p:sp>
+        <p:nvSpPr>
+          <p:cNvPr id="357" name="Textfeld 356"/>
+          <p:cNvSpPr txBox="1"/>
+          <p:nvPr/>
+        </p:nvSpPr>
+        <p:spPr>
+          <a:xfrm>
+            <a:off x="3062443" y="3708832"/>
+            <a:ext cx="226322" cy="261610"/>
+          </a:xfrm>
+          <a:prstGeom prst="rect">
+            <a:avLst/>
+          </a:prstGeom>
+          <a:noFill/>
+        </p:spPr>
+        <p:txBody>
+          <a:bodyPr wrap="square" rtlCol="0">
+            <a:spAutoFit/>
+          </a:bodyPr>
+          <a:lstStyle/>
+          <a:p>
+            <a:r>
+              <a:rPr lang="de-DE" sz="1100" dirty="0" smtClean="0">
+                <a:latin typeface="ultraschall" charset="-127"/>
+                <a:ea typeface="ultraschall" charset="-127"/>
+                <a:cs typeface="ultraschall" charset="-127"/>
+              </a:rPr>
+              <a:t>2</a:t>
+            </a:r>
+            <a:endParaRPr lang="de-DE" sz="1100" dirty="0">
+              <a:latin typeface="ultraschall" charset="-127"/>
+              <a:ea typeface="ultraschall" charset="-127"/>
+              <a:cs typeface="ultraschall" charset="-127"/>
             </a:endParaRPr>
           </a:p>
         </p:txBody>

--- a/Documentation/Keymap.pptx
+++ b/Documentation/Keymap.pptx
@@ -19867,67 +19867,6 @@
       </p:sp>
       <p:sp>
         <p:nvSpPr>
-          <p:cNvPr id="320" name="Abgerundetes Rechteck 319"/>
-          <p:cNvSpPr/>
-          <p:nvPr/>
-        </p:nvSpPr>
-        <p:spPr>
-          <a:xfrm>
-            <a:off x="-2815795" y="2140567"/>
-            <a:ext cx="495160" cy="349570"/>
-          </a:xfrm>
-          <a:prstGeom prst="roundRect">
-            <a:avLst>
-              <a:gd name="adj" fmla="val 8710"/>
-            </a:avLst>
-          </a:prstGeom>
-          <a:solidFill>
-            <a:schemeClr val="accent6">
-              <a:lumMod val="20000"/>
-              <a:lumOff val="80000"/>
-            </a:schemeClr>
-          </a:solidFill>
-          <a:ln>
-            <a:solidFill>
-              <a:schemeClr val="accent6">
-                <a:lumMod val="50000"/>
-              </a:schemeClr>
-            </a:solidFill>
-          </a:ln>
-        </p:spPr>
-        <p:style>
-          <a:lnRef idx="2">
-            <a:schemeClr val="accent1">
-              <a:shade val="50000"/>
-            </a:schemeClr>
-          </a:lnRef>
-          <a:fillRef idx="1">
-            <a:schemeClr val="accent1"/>
-          </a:fillRef>
-          <a:effectRef idx="0">
-            <a:schemeClr val="accent1"/>
-          </a:effectRef>
-          <a:fontRef idx="minor">
-            <a:schemeClr val="lt1"/>
-          </a:fontRef>
-        </p:style>
-        <p:txBody>
-          <a:bodyPr rtlCol="0" anchor="b"/>
-          <a:lstStyle/>
-          <a:p>
-            <a:endParaRPr lang="de-DE" sz="1000" dirty="0">
-              <a:solidFill>
-                <a:schemeClr val="tx1"/>
-              </a:solidFill>
-              <a:latin typeface="Helvetica Neue LT Std 67 Medium Condensed" charset="0"/>
-              <a:ea typeface="Helvetica Neue LT Std 67 Medium Condensed" charset="0"/>
-              <a:cs typeface="Helvetica Neue LT Std 67 Medium Condensed" charset="0"/>
-            </a:endParaRPr>
-          </a:p>
-        </p:txBody>
-      </p:sp>
-      <p:sp>
-        <p:nvSpPr>
           <p:cNvPr id="325" name="Textfeld 324"/>
           <p:cNvSpPr txBox="1"/>
           <p:nvPr/>
@@ -21289,6 +21228,112 @@
               <a:latin typeface="ultraschall" charset="-127"/>
               <a:ea typeface="ultraschall" charset="-127"/>
               <a:cs typeface="ultraschall" charset="-127"/>
+            </a:endParaRPr>
+          </a:p>
+        </p:txBody>
+      </p:sp>
+      <p:sp>
+        <p:nvSpPr>
+          <p:cNvPr id="359" name="Textfeld 358"/>
+          <p:cNvSpPr txBox="1"/>
+          <p:nvPr/>
+        </p:nvSpPr>
+        <p:spPr>
+          <a:xfrm>
+            <a:off x="1696922" y="4591767"/>
+            <a:ext cx="450079" cy="246221"/>
+          </a:xfrm>
+          <a:prstGeom prst="rect">
+            <a:avLst/>
+          </a:prstGeom>
+          <a:noFill/>
+        </p:spPr>
+        <p:txBody>
+          <a:bodyPr wrap="square" rtlCol="0" anchor="t">
+            <a:spAutoFit/>
+          </a:bodyPr>
+          <a:lstStyle/>
+          <a:p>
+            <a:pPr algn="r"/>
+            <a:r>
+              <a:rPr lang="de-DE" sz="500" dirty="0" smtClean="0">
+                <a:solidFill>
+                  <a:srgbClr val="7030A0"/>
+                </a:solidFill>
+                <a:latin typeface="Helvetica Neue LT Std 67 Medium Condensed" charset="0"/>
+                <a:ea typeface="Helvetica Neue LT Std 67 Medium Condensed" charset="0"/>
+                <a:cs typeface="Helvetica Neue LT Std 67 Medium Condensed" charset="0"/>
+              </a:rPr>
+              <a:t>Mute</a:t>
+            </a:r>
+            <a:br>
+              <a:rPr lang="de-DE" sz="500" dirty="0" smtClean="0">
+                <a:solidFill>
+                  <a:srgbClr val="7030A0"/>
+                </a:solidFill>
+                <a:latin typeface="Helvetica Neue LT Std 67 Medium Condensed" charset="0"/>
+                <a:ea typeface="Helvetica Neue LT Std 67 Medium Condensed" charset="0"/>
+                <a:cs typeface="Helvetica Neue LT Std 67 Medium Condensed" charset="0"/>
+              </a:rPr>
+            </a:br>
+            <a:r>
+              <a:rPr lang="de-DE" sz="500" dirty="0" smtClean="0">
+                <a:solidFill>
+                  <a:srgbClr val="7030A0"/>
+                </a:solidFill>
+                <a:latin typeface="Helvetica Neue LT Std 67 Medium Condensed" charset="0"/>
+                <a:ea typeface="Helvetica Neue LT Std 67 Medium Condensed" charset="0"/>
+                <a:cs typeface="Helvetica Neue LT Std 67 Medium Condensed" charset="0"/>
+              </a:rPr>
+              <a:t>Time Sel.</a:t>
+            </a:r>
+            <a:endParaRPr lang="de-DE" sz="500" dirty="0" smtClean="0">
+              <a:solidFill>
+                <a:srgbClr val="7030A0"/>
+              </a:solidFill>
+              <a:latin typeface="Helvetica Neue LT Std 67 Medium Condensed" charset="0"/>
+              <a:ea typeface="Helvetica Neue LT Std 67 Medium Condensed" charset="0"/>
+              <a:cs typeface="Helvetica Neue LT Std 67 Medium Condensed" charset="0"/>
+            </a:endParaRPr>
+          </a:p>
+        </p:txBody>
+      </p:sp>
+      <p:sp>
+        <p:nvSpPr>
+          <p:cNvPr id="360" name="Rechteck 359"/>
+          <p:cNvSpPr/>
+          <p:nvPr/>
+        </p:nvSpPr>
+        <p:spPr>
+          <a:xfrm>
+            <a:off x="1743481" y="4575940"/>
+            <a:ext cx="261610" cy="184666"/>
+          </a:xfrm>
+          <a:prstGeom prst="rect">
+            <a:avLst/>
+          </a:prstGeom>
+        </p:spPr>
+        <p:txBody>
+          <a:bodyPr wrap="none">
+            <a:spAutoFit/>
+          </a:bodyPr>
+          <a:lstStyle/>
+          <a:p>
+            <a:r>
+              <a:rPr lang="de-DE" sz="600" b="1" dirty="0" smtClean="0">
+                <a:solidFill>
+                  <a:srgbClr val="7030A0"/>
+                </a:solidFill>
+                <a:latin typeface="Helvetica Neue LT Std 67 Medium Condensed" charset="0"/>
+                <a:ea typeface="Helvetica Neue LT Std 67 Medium Condensed" charset="0"/>
+                <a:cs typeface="Helvetica Neue LT Std 67 Medium Condensed" charset="0"/>
+              </a:rPr>
+              <a:t>⌘</a:t>
+            </a:r>
+            <a:endParaRPr lang="de-DE" sz="4000" b="1" dirty="0">
+              <a:solidFill>
+                <a:srgbClr val="7030A0"/>
+              </a:solidFill>
             </a:endParaRPr>
           </a:p>
         </p:txBody>

--- a/Documentation/Keymap.pptx
+++ b/Documentation/Keymap.pptx
@@ -197,7 +197,7 @@
           <a:p>
             <a:fld id="{D04F8CED-0623-C742-B972-F53D35E16E19}" type="datetimeFigureOut">
               <a:rPr lang="de-DE" smtClean="0"/>
-              <a:t>12.11.17</a:t>
+              <a:t>02.12.17</a:t>
             </a:fld>
             <a:endParaRPr lang="de-DE"/>
           </a:p>
@@ -680,7 +680,7 @@
           <a:p>
             <a:fld id="{A97692CC-6688-1145-811E-FE1ABB97A7A4}" type="datetimeFigureOut">
               <a:rPr lang="de-DE" smtClean="0"/>
-              <a:t>12.11.17</a:t>
+              <a:t>02.12.17</a:t>
             </a:fld>
             <a:endParaRPr lang="de-DE"/>
           </a:p>
@@ -845,7 +845,7 @@
           <a:p>
             <a:fld id="{A97692CC-6688-1145-811E-FE1ABB97A7A4}" type="datetimeFigureOut">
               <a:rPr lang="de-DE" smtClean="0"/>
-              <a:t>12.11.17</a:t>
+              <a:t>02.12.17</a:t>
             </a:fld>
             <a:endParaRPr lang="de-DE"/>
           </a:p>
@@ -1020,7 +1020,7 @@
           <a:p>
             <a:fld id="{A97692CC-6688-1145-811E-FE1ABB97A7A4}" type="datetimeFigureOut">
               <a:rPr lang="de-DE" smtClean="0"/>
-              <a:t>12.11.17</a:t>
+              <a:t>02.12.17</a:t>
             </a:fld>
             <a:endParaRPr lang="de-DE"/>
           </a:p>
@@ -1185,7 +1185,7 @@
           <a:p>
             <a:fld id="{A97692CC-6688-1145-811E-FE1ABB97A7A4}" type="datetimeFigureOut">
               <a:rPr lang="de-DE" smtClean="0"/>
-              <a:t>12.11.17</a:t>
+              <a:t>02.12.17</a:t>
             </a:fld>
             <a:endParaRPr lang="de-DE"/>
           </a:p>
@@ -1424,7 +1424,7 @@
           <a:p>
             <a:fld id="{A97692CC-6688-1145-811E-FE1ABB97A7A4}" type="datetimeFigureOut">
               <a:rPr lang="de-DE" smtClean="0"/>
-              <a:t>12.11.17</a:t>
+              <a:t>02.12.17</a:t>
             </a:fld>
             <a:endParaRPr lang="de-DE"/>
           </a:p>
@@ -1651,7 +1651,7 @@
           <a:p>
             <a:fld id="{A97692CC-6688-1145-811E-FE1ABB97A7A4}" type="datetimeFigureOut">
               <a:rPr lang="de-DE" smtClean="0"/>
-              <a:t>12.11.17</a:t>
+              <a:t>02.12.17</a:t>
             </a:fld>
             <a:endParaRPr lang="de-DE"/>
           </a:p>
@@ -2013,7 +2013,7 @@
           <a:p>
             <a:fld id="{A97692CC-6688-1145-811E-FE1ABB97A7A4}" type="datetimeFigureOut">
               <a:rPr lang="de-DE" smtClean="0"/>
-              <a:t>12.11.17</a:t>
+              <a:t>02.12.17</a:t>
             </a:fld>
             <a:endParaRPr lang="de-DE"/>
           </a:p>
@@ -2126,7 +2126,7 @@
           <a:p>
             <a:fld id="{A97692CC-6688-1145-811E-FE1ABB97A7A4}" type="datetimeFigureOut">
               <a:rPr lang="de-DE" smtClean="0"/>
-              <a:t>12.11.17</a:t>
+              <a:t>02.12.17</a:t>
             </a:fld>
             <a:endParaRPr lang="de-DE"/>
           </a:p>
@@ -2216,7 +2216,7 @@
           <a:p>
             <a:fld id="{A97692CC-6688-1145-811E-FE1ABB97A7A4}" type="datetimeFigureOut">
               <a:rPr lang="de-DE" smtClean="0"/>
-              <a:t>12.11.17</a:t>
+              <a:t>02.12.17</a:t>
             </a:fld>
             <a:endParaRPr lang="de-DE"/>
           </a:p>
@@ -2488,7 +2488,7 @@
           <a:p>
             <a:fld id="{A97692CC-6688-1145-811E-FE1ABB97A7A4}" type="datetimeFigureOut">
               <a:rPr lang="de-DE" smtClean="0"/>
-              <a:t>12.11.17</a:t>
+              <a:t>02.12.17</a:t>
             </a:fld>
             <a:endParaRPr lang="de-DE"/>
           </a:p>
@@ -2740,7 +2740,7 @@
           <a:p>
             <a:fld id="{A97692CC-6688-1145-811E-FE1ABB97A7A4}" type="datetimeFigureOut">
               <a:rPr lang="de-DE" smtClean="0"/>
-              <a:t>12.11.17</a:t>
+              <a:t>02.12.17</a:t>
             </a:fld>
             <a:endParaRPr lang="de-DE"/>
           </a:p>
@@ -2948,7 +2948,7 @@
           <a:p>
             <a:fld id="{A97692CC-6688-1145-811E-FE1ABB97A7A4}" type="datetimeFigureOut">
               <a:rPr lang="de-DE" smtClean="0"/>
-              <a:t>12.11.17</a:t>
+              <a:t>02.12.17</a:t>
             </a:fld>
             <a:endParaRPr lang="de-DE"/>
           </a:p>
@@ -3557,14 +3557,6 @@
               </a:rPr>
               <a:t>Mode</a:t>
             </a:r>
-            <a:endParaRPr lang="de-DE" sz="500" dirty="0" smtClean="0">
-              <a:solidFill>
-                <a:srgbClr val="7030A0"/>
-              </a:solidFill>
-              <a:latin typeface="Helvetica Neue LT Std 67 Medium Condensed" charset="0"/>
-              <a:ea typeface="Helvetica Neue LT Std 67 Medium Condensed" charset="0"/>
-              <a:cs typeface="Helvetica Neue LT Std 67 Medium Condensed" charset="0"/>
-            </a:endParaRPr>
           </a:p>
         </p:txBody>
       </p:sp>
@@ -21287,14 +21279,6 @@
               </a:rPr>
               <a:t>Time Sel.</a:t>
             </a:r>
-            <a:endParaRPr lang="de-DE" sz="500" dirty="0" smtClean="0">
-              <a:solidFill>
-                <a:srgbClr val="7030A0"/>
-              </a:solidFill>
-              <a:latin typeface="Helvetica Neue LT Std 67 Medium Condensed" charset="0"/>
-              <a:ea typeface="Helvetica Neue LT Std 67 Medium Condensed" charset="0"/>
-              <a:cs typeface="Helvetica Neue LT Std 67 Medium Condensed" charset="0"/>
-            </a:endParaRPr>
           </a:p>
         </p:txBody>
       </p:sp>
@@ -21335,6 +21319,151 @@
                 <a:srgbClr val="7030A0"/>
               </a:solidFill>
             </a:endParaRPr>
+          </a:p>
+        </p:txBody>
+      </p:sp>
+      <p:sp>
+        <p:nvSpPr>
+          <p:cNvPr id="352" name="Rechteck 351"/>
+          <p:cNvSpPr/>
+          <p:nvPr/>
+        </p:nvSpPr>
+        <p:spPr>
+          <a:xfrm>
+            <a:off x="1410005" y="3981964"/>
+            <a:ext cx="248786" cy="246221"/>
+          </a:xfrm>
+          <a:prstGeom prst="rect">
+            <a:avLst/>
+          </a:prstGeom>
+        </p:spPr>
+        <p:txBody>
+          <a:bodyPr wrap="none">
+            <a:spAutoFit/>
+          </a:bodyPr>
+          <a:lstStyle/>
+          <a:p>
+            <a:r>
+              <a:rPr lang="de-DE" sz="1000" dirty="0" smtClean="0">
+                <a:solidFill>
+                  <a:schemeClr val="accent2">
+                    <a:lumMod val="75000"/>
+                  </a:schemeClr>
+                </a:solidFill>
+                <a:latin typeface="Helvetica Neue LT Std 67 Medium Condensed" charset="0"/>
+                <a:ea typeface="Helvetica Neue LT Std 67 Medium Condensed" charset="0"/>
+                <a:cs typeface="Helvetica Neue LT Std 67 Medium Condensed" charset="0"/>
+              </a:rPr>
+              <a:t>⇧</a:t>
+            </a:r>
+            <a:endParaRPr lang="de-DE" sz="1400" dirty="0"/>
+          </a:p>
+        </p:txBody>
+      </p:sp>
+      <p:sp>
+        <p:nvSpPr>
+          <p:cNvPr id="361" name="Rechteck 360"/>
+          <p:cNvSpPr/>
+          <p:nvPr/>
+        </p:nvSpPr>
+        <p:spPr>
+          <a:xfrm>
+            <a:off x="1478029" y="4026809"/>
+            <a:ext cx="367408" cy="221471"/>
+          </a:xfrm>
+          <a:prstGeom prst="rect">
+            <a:avLst/>
+          </a:prstGeom>
+        </p:spPr>
+        <p:txBody>
+          <a:bodyPr wrap="none">
+            <a:spAutoFit/>
+          </a:bodyPr>
+          <a:lstStyle/>
+          <a:p>
+            <a:pPr>
+              <a:lnSpc>
+                <a:spcPts val="500"/>
+              </a:lnSpc>
+            </a:pPr>
+            <a:r>
+              <a:rPr lang="de-DE" sz="500" dirty="0">
+                <a:solidFill>
+                  <a:schemeClr val="accent2">
+                    <a:lumMod val="75000"/>
+                  </a:schemeClr>
+                </a:solidFill>
+                <a:latin typeface="Helvetica Neue LT Std 67 Medium Condensed" charset="0"/>
+                <a:ea typeface="Helvetica Neue LT Std 67 Medium Condensed" charset="0"/>
+                <a:cs typeface="Helvetica Neue LT Std 67 Medium Condensed" charset="0"/>
+              </a:rPr>
+              <a:t> </a:t>
+            </a:r>
+            <a:r>
+              <a:rPr lang="de-DE" sz="500" dirty="0" err="1" smtClean="0">
+                <a:solidFill>
+                  <a:schemeClr val="accent2">
+                    <a:lumMod val="75000"/>
+                  </a:schemeClr>
+                </a:solidFill>
+                <a:latin typeface="Helvetica Neue LT Std 67 Medium Condensed" charset="0"/>
+                <a:ea typeface="Helvetica Neue LT Std 67 Medium Condensed" charset="0"/>
+                <a:cs typeface="Helvetica Neue LT Std 67 Medium Condensed" charset="0"/>
+              </a:rPr>
+              <a:t>Toggle</a:t>
+            </a:r>
+            <a:r>
+              <a:rPr lang="de-DE" sz="500" dirty="0" smtClean="0">
+                <a:solidFill>
+                  <a:schemeClr val="accent2">
+                    <a:lumMod val="75000"/>
+                  </a:schemeClr>
+                </a:solidFill>
+                <a:latin typeface="Helvetica Neue LT Std 67 Medium Condensed" charset="0"/>
+                <a:ea typeface="Helvetica Neue LT Std 67 Medium Condensed" charset="0"/>
+                <a:cs typeface="Helvetica Neue LT Std 67 Medium Condensed" charset="0"/>
+              </a:rPr>
+              <a:t/>
+            </a:r>
+            <a:br>
+              <a:rPr lang="de-DE" sz="500" dirty="0" smtClean="0">
+                <a:solidFill>
+                  <a:schemeClr val="accent2">
+                    <a:lumMod val="75000"/>
+                  </a:schemeClr>
+                </a:solidFill>
+                <a:latin typeface="Helvetica Neue LT Std 67 Medium Condensed" charset="0"/>
+                <a:ea typeface="Helvetica Neue LT Std 67 Medium Condensed" charset="0"/>
+                <a:cs typeface="Helvetica Neue LT Std 67 Medium Condensed" charset="0"/>
+              </a:rPr>
+            </a:br>
+            <a:r>
+              <a:rPr lang="de-DE" sz="500" dirty="0" err="1" smtClean="0">
+                <a:solidFill>
+                  <a:schemeClr val="accent2">
+                    <a:lumMod val="75000"/>
+                  </a:schemeClr>
+                </a:solidFill>
+                <a:latin typeface="Helvetica Neue LT Std 67 Medium Condensed" charset="0"/>
+                <a:ea typeface="Helvetica Neue LT Std 67 Medium Condensed" charset="0"/>
+                <a:cs typeface="Helvetica Neue LT Std 67 Medium Condensed" charset="0"/>
+              </a:rPr>
+              <a:t>recAr</a:t>
+            </a:r>
+            <a:r>
+              <a:rPr lang="de-DE" sz="500" dirty="0" err="1">
+                <a:solidFill>
+                  <a:schemeClr val="accent2">
+                    <a:lumMod val="75000"/>
+                  </a:schemeClr>
+                </a:solidFill>
+                <a:latin typeface="Helvetica Neue LT Std 67 Medium Condensed" charset="0"/>
+                <a:ea typeface="Helvetica Neue LT Std 67 Medium Condensed" charset="0"/>
+                <a:cs typeface="Helvetica Neue LT Std 67 Medium Condensed" charset="0"/>
+              </a:rPr>
+              <a:t>m</a:t>
+            </a:r>
+            <a:endParaRPr lang="de-DE" sz="500" dirty="0"/>
           </a:p>
         </p:txBody>
       </p:sp>

--- a/Documentation/Keymap.pptx
+++ b/Documentation/Keymap.pptx
@@ -4350,7 +4350,7 @@
         </p:nvSpPr>
         <p:spPr>
           <a:xfrm>
-            <a:off x="4101876" y="3780303"/>
+            <a:off x="4106358" y="3748929"/>
             <a:ext cx="759239" cy="246221"/>
           </a:xfrm>
           <a:prstGeom prst="rect">
@@ -14593,7 +14593,7 @@
         </p:nvSpPr>
         <p:spPr>
           <a:xfrm>
-            <a:off x="4287959" y="4029640"/>
+            <a:off x="4278995" y="4043086"/>
             <a:ext cx="260008" cy="253916"/>
           </a:xfrm>
           <a:prstGeom prst="rect">
@@ -20987,7 +20987,7 @@
         </p:nvSpPr>
         <p:spPr>
           <a:xfrm>
-            <a:off x="4404237" y="4035578"/>
+            <a:off x="4408719" y="4062470"/>
             <a:ext cx="463588" cy="220573"/>
           </a:xfrm>
           <a:prstGeom prst="rect">
@@ -21462,6 +21462,156 @@
                 <a:cs typeface="Helvetica Neue LT Std 67 Medium Condensed" charset="0"/>
               </a:rPr>
               <a:t>m</a:t>
+            </a:r>
+            <a:endParaRPr lang="de-DE" sz="500" dirty="0"/>
+          </a:p>
+        </p:txBody>
+      </p:sp>
+      <p:sp>
+        <p:nvSpPr>
+          <p:cNvPr id="362" name="Rechteck 361"/>
+          <p:cNvSpPr/>
+          <p:nvPr/>
+        </p:nvSpPr>
+        <p:spPr>
+          <a:xfrm>
+            <a:off x="4454008" y="3856194"/>
+            <a:ext cx="248786" cy="246221"/>
+          </a:xfrm>
+          <a:prstGeom prst="rect">
+            <a:avLst/>
+          </a:prstGeom>
+        </p:spPr>
+        <p:txBody>
+          <a:bodyPr wrap="none">
+            <a:spAutoFit/>
+          </a:bodyPr>
+          <a:lstStyle/>
+          <a:p>
+            <a:r>
+              <a:rPr lang="de-DE" sz="1000" dirty="0" smtClean="0">
+                <a:solidFill>
+                  <a:schemeClr val="accent2">
+                    <a:lumMod val="75000"/>
+                  </a:schemeClr>
+                </a:solidFill>
+                <a:latin typeface="Helvetica Neue LT Std 67 Medium Condensed" charset="0"/>
+                <a:ea typeface="Helvetica Neue LT Std 67 Medium Condensed" charset="0"/>
+                <a:cs typeface="Helvetica Neue LT Std 67 Medium Condensed" charset="0"/>
+              </a:rPr>
+              <a:t>⇧</a:t>
+            </a:r>
+            <a:endParaRPr lang="de-DE" sz="1400" dirty="0"/>
+          </a:p>
+        </p:txBody>
+      </p:sp>
+      <p:sp>
+        <p:nvSpPr>
+          <p:cNvPr id="363" name="Rechteck 362"/>
+          <p:cNvSpPr/>
+          <p:nvPr/>
+        </p:nvSpPr>
+        <p:spPr>
+          <a:xfrm>
+            <a:off x="4291791" y="3913480"/>
+            <a:ext cx="579005" cy="220573"/>
+          </a:xfrm>
+          <a:prstGeom prst="rect">
+            <a:avLst/>
+          </a:prstGeom>
+        </p:spPr>
+        <p:txBody>
+          <a:bodyPr wrap="none">
+            <a:spAutoFit/>
+          </a:bodyPr>
+          <a:lstStyle/>
+          <a:p>
+            <a:pPr algn="r">
+              <a:lnSpc>
+                <a:spcPts val="500"/>
+              </a:lnSpc>
+            </a:pPr>
+            <a:r>
+              <a:rPr lang="de-DE" sz="500" dirty="0">
+                <a:solidFill>
+                  <a:schemeClr val="accent2">
+                    <a:lumMod val="75000"/>
+                  </a:schemeClr>
+                </a:solidFill>
+                <a:latin typeface="Helvetica Neue LT Std 67 Medium Condensed" charset="0"/>
+                <a:ea typeface="Helvetica Neue LT Std 67 Medium Condensed" charset="0"/>
+                <a:cs typeface="Helvetica Neue LT Std 67 Medium Condensed" charset="0"/>
+              </a:rPr>
+              <a:t> </a:t>
+            </a:r>
+            <a:r>
+              <a:rPr lang="de-DE" sz="500" dirty="0" err="1" smtClean="0">
+                <a:solidFill>
+                  <a:schemeClr val="accent2">
+                    <a:lumMod val="75000"/>
+                  </a:schemeClr>
+                </a:solidFill>
+                <a:latin typeface="Helvetica Neue LT Std 67 Medium Condensed" charset="0"/>
+                <a:ea typeface="Helvetica Neue LT Std 67 Medium Condensed" charset="0"/>
+                <a:cs typeface="Helvetica Neue LT Std 67 Medium Condensed" charset="0"/>
+              </a:rPr>
+              <a:t>Toggle</a:t>
+            </a:r>
+            <a:endParaRPr lang="de-DE" sz="500" dirty="0">
+              <a:solidFill>
+                <a:schemeClr val="accent2">
+                  <a:lumMod val="75000"/>
+                </a:schemeClr>
+              </a:solidFill>
+              <a:latin typeface="Helvetica Neue LT Std 67 Medium Condensed" charset="0"/>
+              <a:ea typeface="Helvetica Neue LT Std 67 Medium Condensed" charset="0"/>
+              <a:cs typeface="Helvetica Neue LT Std 67 Medium Condensed" charset="0"/>
+            </a:endParaRPr>
+          </a:p>
+          <a:p>
+            <a:pPr>
+              <a:lnSpc>
+                <a:spcPts val="500"/>
+              </a:lnSpc>
+            </a:pPr>
+            <a:r>
+              <a:rPr lang="de-DE" sz="500" dirty="0" err="1" smtClean="0">
+                <a:solidFill>
+                  <a:schemeClr val="accent2">
+                    <a:lumMod val="75000"/>
+                  </a:schemeClr>
+                </a:solidFill>
+                <a:latin typeface="Helvetica Neue LT Std 67 Medium Condensed" charset="0"/>
+                <a:ea typeface="Helvetica Neue LT Std 67 Medium Condensed" charset="0"/>
+                <a:cs typeface="Helvetica Neue LT Std 67 Medium Condensed" charset="0"/>
+              </a:rPr>
+              <a:t>Envelope</a:t>
+            </a:r>
+            <a:r>
+              <a:rPr lang="de-DE" sz="500" dirty="0" smtClean="0">
+                <a:solidFill>
+                  <a:schemeClr val="accent2">
+                    <a:lumMod val="75000"/>
+                  </a:schemeClr>
+                </a:solidFill>
+                <a:latin typeface="Helvetica Neue LT Std 67 Medium Condensed" charset="0"/>
+                <a:ea typeface="Helvetica Neue LT Std 67 Medium Condensed" charset="0"/>
+                <a:cs typeface="Helvetica Neue LT Std 67 Medium Condensed" charset="0"/>
+              </a:rPr>
+              <a:t> </a:t>
+            </a:r>
+            <a:r>
+              <a:rPr lang="de-DE" sz="500" dirty="0" err="1" smtClean="0">
+                <a:solidFill>
+                  <a:schemeClr val="accent2">
+                    <a:lumMod val="75000"/>
+                  </a:schemeClr>
+                </a:solidFill>
+                <a:latin typeface="Helvetica Neue LT Std 67 Medium Condensed" charset="0"/>
+                <a:ea typeface="Helvetica Neue LT Std 67 Medium Condensed" charset="0"/>
+                <a:cs typeface="Helvetica Neue LT Std 67 Medium Condensed" charset="0"/>
+              </a:rPr>
+              <a:t>height</a:t>
             </a:r>
             <a:endParaRPr lang="de-DE" sz="500" dirty="0"/>
           </a:p>

--- a/Documentation/Keymap.pptx
+++ b/Documentation/Keymap.pptx
@@ -197,7 +197,7 @@
           <a:p>
             <a:fld id="{D04F8CED-0623-C742-B972-F53D35E16E19}" type="datetimeFigureOut">
               <a:rPr lang="de-DE" smtClean="0"/>
-              <a:t>02.12.17</a:t>
+              <a:t>28.12.17</a:t>
             </a:fld>
             <a:endParaRPr lang="de-DE"/>
           </a:p>
@@ -680,7 +680,7 @@
           <a:p>
             <a:fld id="{A97692CC-6688-1145-811E-FE1ABB97A7A4}" type="datetimeFigureOut">
               <a:rPr lang="de-DE" smtClean="0"/>
-              <a:t>02.12.17</a:t>
+              <a:t>28.12.17</a:t>
             </a:fld>
             <a:endParaRPr lang="de-DE"/>
           </a:p>
@@ -845,7 +845,7 @@
           <a:p>
             <a:fld id="{A97692CC-6688-1145-811E-FE1ABB97A7A4}" type="datetimeFigureOut">
               <a:rPr lang="de-DE" smtClean="0"/>
-              <a:t>02.12.17</a:t>
+              <a:t>28.12.17</a:t>
             </a:fld>
             <a:endParaRPr lang="de-DE"/>
           </a:p>
@@ -1020,7 +1020,7 @@
           <a:p>
             <a:fld id="{A97692CC-6688-1145-811E-FE1ABB97A7A4}" type="datetimeFigureOut">
               <a:rPr lang="de-DE" smtClean="0"/>
-              <a:t>02.12.17</a:t>
+              <a:t>28.12.17</a:t>
             </a:fld>
             <a:endParaRPr lang="de-DE"/>
           </a:p>
@@ -1185,7 +1185,7 @@
           <a:p>
             <a:fld id="{A97692CC-6688-1145-811E-FE1ABB97A7A4}" type="datetimeFigureOut">
               <a:rPr lang="de-DE" smtClean="0"/>
-              <a:t>02.12.17</a:t>
+              <a:t>28.12.17</a:t>
             </a:fld>
             <a:endParaRPr lang="de-DE"/>
           </a:p>
@@ -1424,7 +1424,7 @@
           <a:p>
             <a:fld id="{A97692CC-6688-1145-811E-FE1ABB97A7A4}" type="datetimeFigureOut">
               <a:rPr lang="de-DE" smtClean="0"/>
-              <a:t>02.12.17</a:t>
+              <a:t>28.12.17</a:t>
             </a:fld>
             <a:endParaRPr lang="de-DE"/>
           </a:p>
@@ -1651,7 +1651,7 @@
           <a:p>
             <a:fld id="{A97692CC-6688-1145-811E-FE1ABB97A7A4}" type="datetimeFigureOut">
               <a:rPr lang="de-DE" smtClean="0"/>
-              <a:t>02.12.17</a:t>
+              <a:t>28.12.17</a:t>
             </a:fld>
             <a:endParaRPr lang="de-DE"/>
           </a:p>
@@ -2013,7 +2013,7 @@
           <a:p>
             <a:fld id="{A97692CC-6688-1145-811E-FE1ABB97A7A4}" type="datetimeFigureOut">
               <a:rPr lang="de-DE" smtClean="0"/>
-              <a:t>02.12.17</a:t>
+              <a:t>28.12.17</a:t>
             </a:fld>
             <a:endParaRPr lang="de-DE"/>
           </a:p>
@@ -2126,7 +2126,7 @@
           <a:p>
             <a:fld id="{A97692CC-6688-1145-811E-FE1ABB97A7A4}" type="datetimeFigureOut">
               <a:rPr lang="de-DE" smtClean="0"/>
-              <a:t>02.12.17</a:t>
+              <a:t>28.12.17</a:t>
             </a:fld>
             <a:endParaRPr lang="de-DE"/>
           </a:p>
@@ -2216,7 +2216,7 @@
           <a:p>
             <a:fld id="{A97692CC-6688-1145-811E-FE1ABB97A7A4}" type="datetimeFigureOut">
               <a:rPr lang="de-DE" smtClean="0"/>
-              <a:t>02.12.17</a:t>
+              <a:t>28.12.17</a:t>
             </a:fld>
             <a:endParaRPr lang="de-DE"/>
           </a:p>
@@ -2488,7 +2488,7 @@
           <a:p>
             <a:fld id="{A97692CC-6688-1145-811E-FE1ABB97A7A4}" type="datetimeFigureOut">
               <a:rPr lang="de-DE" smtClean="0"/>
-              <a:t>02.12.17</a:t>
+              <a:t>28.12.17</a:t>
             </a:fld>
             <a:endParaRPr lang="de-DE"/>
           </a:p>
@@ -2740,7 +2740,7 @@
           <a:p>
             <a:fld id="{A97692CC-6688-1145-811E-FE1ABB97A7A4}" type="datetimeFigureOut">
               <a:rPr lang="de-DE" smtClean="0"/>
-              <a:t>02.12.17</a:t>
+              <a:t>28.12.17</a:t>
             </a:fld>
             <a:endParaRPr lang="de-DE"/>
           </a:p>
@@ -2948,7 +2948,7 @@
           <a:p>
             <a:fld id="{A97692CC-6688-1145-811E-FE1ABB97A7A4}" type="datetimeFigureOut">
               <a:rPr lang="de-DE" smtClean="0"/>
-              <a:t>02.12.17</a:t>
+              <a:t>28.12.17</a:t>
             </a:fld>
             <a:endParaRPr lang="de-DE"/>
           </a:p>
@@ -15644,7 +15644,10 @@
             </a:avLst>
           </a:prstGeom>
           <a:solidFill>
-            <a:schemeClr val="bg1"/>
+            <a:schemeClr val="accent6">
+              <a:lumMod val="20000"/>
+              <a:lumOff val="80000"/>
+            </a:schemeClr>
           </a:solidFill>
           <a:ln>
             <a:solidFill>
@@ -21614,6 +21617,52 @@
               <a:t>height</a:t>
             </a:r>
             <a:endParaRPr lang="de-DE" sz="500" dirty="0"/>
+          </a:p>
+        </p:txBody>
+      </p:sp>
+      <p:sp>
+        <p:nvSpPr>
+          <p:cNvPr id="365" name="Textfeld 364"/>
+          <p:cNvSpPr txBox="1"/>
+          <p:nvPr/>
+        </p:nvSpPr>
+        <p:spPr>
+          <a:xfrm>
+            <a:off x="7742266" y="2126896"/>
+            <a:ext cx="759239" cy="169277"/>
+          </a:xfrm>
+          <a:prstGeom prst="rect">
+            <a:avLst/>
+          </a:prstGeom>
+          <a:noFill/>
+        </p:spPr>
+        <p:txBody>
+          <a:bodyPr wrap="square" rtlCol="0" anchor="t">
+            <a:spAutoFit/>
+          </a:bodyPr>
+          <a:lstStyle/>
+          <a:p>
+            <a:r>
+              <a:rPr lang="de-DE" sz="500" dirty="0" smtClean="0">
+                <a:latin typeface="Helvetica Neue LT Std 67 Medium Condensed" charset="0"/>
+                <a:ea typeface="Helvetica Neue LT Std 67 Medium Condensed" charset="0"/>
+                <a:cs typeface="Helvetica Neue LT Std 67 Medium Condensed" charset="0"/>
+              </a:rPr>
+              <a:t>Item </a:t>
+            </a:r>
+            <a:r>
+              <a:rPr lang="de-DE" sz="500" dirty="0" err="1" smtClean="0">
+                <a:latin typeface="Helvetica Neue LT Std 67 Medium Condensed" charset="0"/>
+                <a:ea typeface="Helvetica Neue LT Std 67 Medium Condensed" charset="0"/>
+                <a:cs typeface="Helvetica Neue LT Std 67 Medium Condensed" charset="0"/>
+              </a:rPr>
+              <a:t>properties</a:t>
+            </a:r>
+            <a:endParaRPr lang="de-DE" sz="500" dirty="0" smtClean="0">
+              <a:latin typeface="Helvetica Neue LT Std 67 Medium Condensed" charset="0"/>
+              <a:ea typeface="Helvetica Neue LT Std 67 Medium Condensed" charset="0"/>
+              <a:cs typeface="Helvetica Neue LT Std 67 Medium Condensed" charset="0"/>
+            </a:endParaRPr>
           </a:p>
         </p:txBody>
       </p:sp>

--- a/Documentation/Keymap.pptx
+++ b/Documentation/Keymap.pptx
@@ -197,7 +197,7 @@
           <a:p>
             <a:fld id="{D04F8CED-0623-C742-B972-F53D35E16E19}" type="datetimeFigureOut">
               <a:rPr lang="de-DE" smtClean="0"/>
-              <a:t>28.12.17</a:t>
+              <a:t>05.01.18</a:t>
             </a:fld>
             <a:endParaRPr lang="de-DE"/>
           </a:p>
@@ -680,7 +680,7 @@
           <a:p>
             <a:fld id="{A97692CC-6688-1145-811E-FE1ABB97A7A4}" type="datetimeFigureOut">
               <a:rPr lang="de-DE" smtClean="0"/>
-              <a:t>28.12.17</a:t>
+              <a:t>05.01.18</a:t>
             </a:fld>
             <a:endParaRPr lang="de-DE"/>
           </a:p>
@@ -845,7 +845,7 @@
           <a:p>
             <a:fld id="{A97692CC-6688-1145-811E-FE1ABB97A7A4}" type="datetimeFigureOut">
               <a:rPr lang="de-DE" smtClean="0"/>
-              <a:t>28.12.17</a:t>
+              <a:t>05.01.18</a:t>
             </a:fld>
             <a:endParaRPr lang="de-DE"/>
           </a:p>
@@ -1020,7 +1020,7 @@
           <a:p>
             <a:fld id="{A97692CC-6688-1145-811E-FE1ABB97A7A4}" type="datetimeFigureOut">
               <a:rPr lang="de-DE" smtClean="0"/>
-              <a:t>28.12.17</a:t>
+              <a:t>05.01.18</a:t>
             </a:fld>
             <a:endParaRPr lang="de-DE"/>
           </a:p>
@@ -1185,7 +1185,7 @@
           <a:p>
             <a:fld id="{A97692CC-6688-1145-811E-FE1ABB97A7A4}" type="datetimeFigureOut">
               <a:rPr lang="de-DE" smtClean="0"/>
-              <a:t>28.12.17</a:t>
+              <a:t>05.01.18</a:t>
             </a:fld>
             <a:endParaRPr lang="de-DE"/>
           </a:p>
@@ -1424,7 +1424,7 @@
           <a:p>
             <a:fld id="{A97692CC-6688-1145-811E-FE1ABB97A7A4}" type="datetimeFigureOut">
               <a:rPr lang="de-DE" smtClean="0"/>
-              <a:t>28.12.17</a:t>
+              <a:t>05.01.18</a:t>
             </a:fld>
             <a:endParaRPr lang="de-DE"/>
           </a:p>
@@ -1651,7 +1651,7 @@
           <a:p>
             <a:fld id="{A97692CC-6688-1145-811E-FE1ABB97A7A4}" type="datetimeFigureOut">
               <a:rPr lang="de-DE" smtClean="0"/>
-              <a:t>28.12.17</a:t>
+              <a:t>05.01.18</a:t>
             </a:fld>
             <a:endParaRPr lang="de-DE"/>
           </a:p>
@@ -2013,7 +2013,7 @@
           <a:p>
             <a:fld id="{A97692CC-6688-1145-811E-FE1ABB97A7A4}" type="datetimeFigureOut">
               <a:rPr lang="de-DE" smtClean="0"/>
-              <a:t>28.12.17</a:t>
+              <a:t>05.01.18</a:t>
             </a:fld>
             <a:endParaRPr lang="de-DE"/>
           </a:p>
@@ -2126,7 +2126,7 @@
           <a:p>
             <a:fld id="{A97692CC-6688-1145-811E-FE1ABB97A7A4}" type="datetimeFigureOut">
               <a:rPr lang="de-DE" smtClean="0"/>
-              <a:t>28.12.17</a:t>
+              <a:t>05.01.18</a:t>
             </a:fld>
             <a:endParaRPr lang="de-DE"/>
           </a:p>
@@ -2216,7 +2216,7 @@
           <a:p>
             <a:fld id="{A97692CC-6688-1145-811E-FE1ABB97A7A4}" type="datetimeFigureOut">
               <a:rPr lang="de-DE" smtClean="0"/>
-              <a:t>28.12.17</a:t>
+              <a:t>05.01.18</a:t>
             </a:fld>
             <a:endParaRPr lang="de-DE"/>
           </a:p>
@@ -2488,7 +2488,7 @@
           <a:p>
             <a:fld id="{A97692CC-6688-1145-811E-FE1ABB97A7A4}" type="datetimeFigureOut">
               <a:rPr lang="de-DE" smtClean="0"/>
-              <a:t>28.12.17</a:t>
+              <a:t>05.01.18</a:t>
             </a:fld>
             <a:endParaRPr lang="de-DE"/>
           </a:p>
@@ -2740,7 +2740,7 @@
           <a:p>
             <a:fld id="{A97692CC-6688-1145-811E-FE1ABB97A7A4}" type="datetimeFigureOut">
               <a:rPr lang="de-DE" smtClean="0"/>
-              <a:t>28.12.17</a:t>
+              <a:t>05.01.18</a:t>
             </a:fld>
             <a:endParaRPr lang="de-DE"/>
           </a:p>
@@ -2948,7 +2948,7 @@
           <a:p>
             <a:fld id="{A97692CC-6688-1145-811E-FE1ABB97A7A4}" type="datetimeFigureOut">
               <a:rPr lang="de-DE" smtClean="0"/>
-              <a:t>28.12.17</a:t>
+              <a:t>05.01.18</a:t>
             </a:fld>
             <a:endParaRPr lang="de-DE"/>
           </a:p>
@@ -3370,12 +3370,15 @@
             </a:avLst>
           </a:prstGeom>
           <a:solidFill>
-            <a:schemeClr val="bg1"/>
+            <a:schemeClr val="accent6">
+              <a:lumMod val="20000"/>
+              <a:lumOff val="80000"/>
+            </a:schemeClr>
           </a:solidFill>
           <a:ln>
             <a:solidFill>
-              <a:schemeClr val="bg1">
-                <a:lumMod val="50000"/>
+              <a:schemeClr val="accent6">
+                <a:lumMod val="75000"/>
               </a:schemeClr>
             </a:solidFill>
           </a:ln>
@@ -4239,14 +4242,16 @@
             </a:avLst>
           </a:prstGeom>
           <a:solidFill>
-            <a:schemeClr val="accent1">
+            <a:schemeClr val="accent6">
               <a:lumMod val="20000"/>
               <a:lumOff val="80000"/>
             </a:schemeClr>
           </a:solidFill>
           <a:ln>
             <a:solidFill>
-              <a:schemeClr val="accent1"/>
+              <a:schemeClr val="accent6">
+                <a:lumMod val="75000"/>
+              </a:schemeClr>
             </a:solidFill>
           </a:ln>
         </p:spPr>
@@ -11537,8 +11542,8 @@
         </p:nvSpPr>
         <p:spPr>
           <a:xfrm>
-            <a:off x="7917509" y="3191909"/>
-            <a:ext cx="759239" cy="169277"/>
+            <a:off x="7728819" y="3165017"/>
+            <a:ext cx="563071" cy="246221"/>
           </a:xfrm>
           <a:prstGeom prst="rect">
             <a:avLst/>
@@ -11551,13 +11556,45 @@
           </a:bodyPr>
           <a:lstStyle/>
           <a:p>
-            <a:r>
-              <a:rPr lang="de-DE" sz="500" dirty="0" smtClean="0">
-                <a:latin typeface="Helvetica Neue LT Std 67 Medium Condensed" charset="0"/>
-                <a:ea typeface="Helvetica Neue LT Std 67 Medium Condensed" charset="0"/>
-                <a:cs typeface="Helvetica Neue LT Std 67 Medium Condensed" charset="0"/>
-              </a:rPr>
-              <a:t>Zoom in</a:t>
+            <a:pPr algn="r"/>
+            <a:r>
+              <a:rPr lang="de-DE" sz="500" dirty="0" smtClean="0">
+                <a:latin typeface="Helvetica Neue LT Std 67 Medium Condensed" charset="0"/>
+                <a:ea typeface="Helvetica Neue LT Std 67 Medium Condensed" charset="0"/>
+                <a:cs typeface="Helvetica Neue LT Std 67 Medium Condensed" charset="0"/>
+              </a:rPr>
+              <a:t>Zoom </a:t>
+            </a:r>
+            <a:r>
+              <a:rPr lang="de-DE" sz="500" dirty="0" smtClean="0">
+                <a:latin typeface="Helvetica Neue LT Std 67 Medium Condensed" charset="0"/>
+                <a:ea typeface="Helvetica Neue LT Std 67 Medium Condensed" charset="0"/>
+                <a:cs typeface="Helvetica Neue LT Std 67 Medium Condensed" charset="0"/>
+              </a:rPr>
+              <a:t>in</a:t>
+            </a:r>
+            <a:br>
+              <a:rPr lang="de-DE" sz="500" dirty="0" smtClean="0">
+                <a:latin typeface="Helvetica Neue LT Std 67 Medium Condensed" charset="0"/>
+                <a:ea typeface="Helvetica Neue LT Std 67 Medium Condensed" charset="0"/>
+                <a:cs typeface="Helvetica Neue LT Std 67 Medium Condensed" charset="0"/>
+              </a:rPr>
+            </a:br>
+            <a:r>
+              <a:rPr lang="de-DE" sz="500" dirty="0" err="1" smtClean="0">
+                <a:latin typeface="Helvetica Neue LT Std 67 Medium Condensed" charset="0"/>
+                <a:ea typeface="Helvetica Neue LT Std 67 Medium Condensed" charset="0"/>
+                <a:cs typeface="Helvetica Neue LT Std 67 Medium Condensed" charset="0"/>
+              </a:rPr>
+              <a:t>to</a:t>
+            </a:r>
+            <a:r>
+              <a:rPr lang="de-DE" sz="500" dirty="0" smtClean="0">
+                <a:latin typeface="Helvetica Neue LT Std 67 Medium Condensed" charset="0"/>
+                <a:ea typeface="Helvetica Neue LT Std 67 Medium Condensed" charset="0"/>
+                <a:cs typeface="Helvetica Neue LT Std 67 Medium Condensed" charset="0"/>
+              </a:rPr>
+              <a:t> Cursor</a:t>
             </a:r>
             <a:endParaRPr lang="de-DE" sz="500" dirty="0" smtClean="0">
               <a:solidFill>
@@ -11580,7 +11617,7 @@
         </p:nvSpPr>
         <p:spPr>
           <a:xfrm>
-            <a:off x="7014819" y="4346279"/>
+            <a:off x="7014955" y="4354132"/>
             <a:ext cx="495160" cy="483856"/>
           </a:xfrm>
           <a:prstGeom prst="roundRect">
@@ -11679,8 +11716,8 @@
         </p:nvSpPr>
         <p:spPr>
           <a:xfrm>
-            <a:off x="7151745" y="4345196"/>
-            <a:ext cx="759239" cy="169277"/>
+            <a:off x="7051357" y="4345196"/>
+            <a:ext cx="501257" cy="246221"/>
           </a:xfrm>
           <a:prstGeom prst="rect">
             <a:avLst/>
@@ -11693,13 +11730,53 @@
           </a:bodyPr>
           <a:lstStyle/>
           <a:p>
-            <a:r>
-              <a:rPr lang="de-DE" sz="500" dirty="0" smtClean="0">
-                <a:latin typeface="Helvetica Neue LT Std 67 Medium Condensed" charset="0"/>
-                <a:ea typeface="Helvetica Neue LT Std 67 Medium Condensed" charset="0"/>
-                <a:cs typeface="Helvetica Neue LT Std 67 Medium Condensed" charset="0"/>
-              </a:rPr>
-              <a:t>Zoom out</a:t>
+            <a:pPr algn="r"/>
+            <a:r>
+              <a:rPr lang="de-DE" sz="500" dirty="0" smtClean="0">
+                <a:latin typeface="Helvetica Neue LT Std 67 Medium Condensed" charset="0"/>
+                <a:ea typeface="Helvetica Neue LT Std 67 Medium Condensed" charset="0"/>
+                <a:cs typeface="Helvetica Neue LT Std 67 Medium Condensed" charset="0"/>
+              </a:rPr>
+              <a:t>Zoom </a:t>
+            </a:r>
+            <a:r>
+              <a:rPr lang="de-DE" sz="500" dirty="0" smtClean="0">
+                <a:latin typeface="Helvetica Neue LT Std 67 Medium Condensed" charset="0"/>
+                <a:ea typeface="Helvetica Neue LT Std 67 Medium Condensed" charset="0"/>
+                <a:cs typeface="Helvetica Neue LT Std 67 Medium Condensed" charset="0"/>
+              </a:rPr>
+              <a:t>out</a:t>
+            </a:r>
+            <a:br>
+              <a:rPr lang="de-DE" sz="500" dirty="0" smtClean="0">
+                <a:latin typeface="Helvetica Neue LT Std 67 Medium Condensed" charset="0"/>
+                <a:ea typeface="Helvetica Neue LT Std 67 Medium Condensed" charset="0"/>
+                <a:cs typeface="Helvetica Neue LT Std 67 Medium Condensed" charset="0"/>
+              </a:rPr>
+            </a:br>
+            <a:r>
+              <a:rPr lang="de-DE" sz="500" dirty="0" err="1" smtClean="0">
+                <a:latin typeface="Helvetica Neue LT Std 67 Medium Condensed" charset="0"/>
+                <a:ea typeface="Helvetica Neue LT Std 67 Medium Condensed" charset="0"/>
+                <a:cs typeface="Helvetica Neue LT Std 67 Medium Condensed" charset="0"/>
+              </a:rPr>
+              <a:t>to</a:t>
+            </a:r>
+            <a:r>
+              <a:rPr lang="de-DE" sz="500" dirty="0" smtClean="0">
+                <a:latin typeface="Helvetica Neue LT Std 67 Medium Condensed" charset="0"/>
+                <a:ea typeface="Helvetica Neue LT Std 67 Medium Condensed" charset="0"/>
+                <a:cs typeface="Helvetica Neue LT Std 67 Medium Condensed" charset="0"/>
+              </a:rPr>
+              <a:t> </a:t>
+            </a:r>
+            <a:r>
+              <a:rPr lang="de-DE" sz="500" dirty="0" err="1" smtClean="0">
+                <a:latin typeface="Helvetica Neue LT Std 67 Medium Condensed" charset="0"/>
+                <a:ea typeface="Helvetica Neue LT Std 67 Medium Condensed" charset="0"/>
+                <a:cs typeface="Helvetica Neue LT Std 67 Medium Condensed" charset="0"/>
+              </a:rPr>
+              <a:t>cursor</a:t>
             </a:r>
             <a:endParaRPr lang="de-DE" sz="500" dirty="0" smtClean="0">
               <a:solidFill>
@@ -11760,7 +11837,7 @@
         </p:nvSpPr>
         <p:spPr>
           <a:xfrm>
-            <a:off x="7063744" y="4457030"/>
+            <a:off x="7063744" y="4528742"/>
             <a:ext cx="503664" cy="223779"/>
           </a:xfrm>
           <a:prstGeom prst="rect">
@@ -11876,7 +11953,7 @@
         </p:nvSpPr>
         <p:spPr>
           <a:xfrm>
-            <a:off x="6974880" y="4485594"/>
+            <a:off x="6974880" y="4310791"/>
             <a:ext cx="325730" cy="261610"/>
           </a:xfrm>
           <a:prstGeom prst="rect">
@@ -19203,7 +19280,7 @@
         </p:nvSpPr>
         <p:spPr>
           <a:xfrm>
-            <a:off x="5023706" y="3778557"/>
+            <a:off x="5023706" y="3935442"/>
             <a:ext cx="759239" cy="169277"/>
           </a:xfrm>
           <a:prstGeom prst="rect">
@@ -19261,7 +19338,7 @@
         </p:nvSpPr>
         <p:spPr>
           <a:xfrm>
-            <a:off x="4925898" y="3762730"/>
+            <a:off x="4925898" y="3919611"/>
             <a:ext cx="261610" cy="184666"/>
           </a:xfrm>
           <a:prstGeom prst="rect">
@@ -19471,7 +19548,7 @@
         </p:nvSpPr>
         <p:spPr>
           <a:xfrm>
-            <a:off x="7838804" y="3270632"/>
+            <a:off x="7838804" y="3306488"/>
             <a:ext cx="248786" cy="246221"/>
           </a:xfrm>
           <a:prstGeom prst="rect">
@@ -19509,7 +19586,7 @@
         </p:nvSpPr>
         <p:spPr>
           <a:xfrm>
-            <a:off x="7902015" y="3310664"/>
+            <a:off x="7902015" y="3351002"/>
             <a:ext cx="394660" cy="323165"/>
           </a:xfrm>
           <a:prstGeom prst="rect">
@@ -21659,6 +21736,168 @@
               <a:t>properties</a:t>
             </a:r>
             <a:endParaRPr lang="de-DE" sz="500" dirty="0" smtClean="0">
+              <a:latin typeface="Helvetica Neue LT Std 67 Medium Condensed" charset="0"/>
+              <a:ea typeface="Helvetica Neue LT Std 67 Medium Condensed" charset="0"/>
+              <a:cs typeface="Helvetica Neue LT Std 67 Medium Condensed" charset="0"/>
+            </a:endParaRPr>
+          </a:p>
+        </p:txBody>
+      </p:sp>
+      <p:sp>
+        <p:nvSpPr>
+          <p:cNvPr id="364" name="Textfeld 363"/>
+          <p:cNvSpPr txBox="1"/>
+          <p:nvPr/>
+        </p:nvSpPr>
+        <p:spPr>
+          <a:xfrm>
+            <a:off x="256108" y="2599318"/>
+            <a:ext cx="759239" cy="169277"/>
+          </a:xfrm>
+          <a:prstGeom prst="rect">
+            <a:avLst/>
+          </a:prstGeom>
+          <a:noFill/>
+        </p:spPr>
+        <p:txBody>
+          <a:bodyPr wrap="square" rtlCol="0" anchor="t">
+            <a:spAutoFit/>
+          </a:bodyPr>
+          <a:lstStyle/>
+          <a:p>
+            <a:r>
+              <a:rPr lang="de-DE" sz="500" dirty="0" smtClean="0">
+                <a:latin typeface="Helvetica Neue LT Std 67 Medium Condensed" charset="0"/>
+                <a:ea typeface="Helvetica Neue LT Std 67 Medium Condensed" charset="0"/>
+                <a:cs typeface="Helvetica Neue LT Std 67 Medium Condensed" charset="0"/>
+              </a:rPr>
+              <a:t>Go </a:t>
+            </a:r>
+            <a:r>
+              <a:rPr lang="de-DE" sz="500" dirty="0" err="1" smtClean="0">
+                <a:latin typeface="Helvetica Neue LT Std 67 Medium Condensed" charset="0"/>
+                <a:ea typeface="Helvetica Neue LT Std 67 Medium Condensed" charset="0"/>
+                <a:cs typeface="Helvetica Neue LT Std 67 Medium Condensed" charset="0"/>
+              </a:rPr>
+              <a:t>to</a:t>
+            </a:r>
+            <a:r>
+              <a:rPr lang="de-DE" sz="500" dirty="0" smtClean="0">
+                <a:latin typeface="Helvetica Neue LT Std 67 Medium Condensed" charset="0"/>
+                <a:ea typeface="Helvetica Neue LT Std 67 Medium Condensed" charset="0"/>
+                <a:cs typeface="Helvetica Neue LT Std 67 Medium Condensed" charset="0"/>
+              </a:rPr>
+              <a:t> Cursor</a:t>
+            </a:r>
+            <a:endParaRPr lang="de-DE" sz="500" dirty="0" smtClean="0">
+              <a:solidFill>
+                <a:schemeClr val="accent2">
+                  <a:lumMod val="75000"/>
+                </a:schemeClr>
+              </a:solidFill>
+              <a:latin typeface="Helvetica Neue LT Std 67 Medium Condensed" charset="0"/>
+              <a:ea typeface="Helvetica Neue LT Std 67 Medium Condensed" charset="0"/>
+              <a:cs typeface="Helvetica Neue LT Std 67 Medium Condensed" charset="0"/>
+            </a:endParaRPr>
+          </a:p>
+        </p:txBody>
+      </p:sp>
+      <p:sp>
+        <p:nvSpPr>
+          <p:cNvPr id="366" name="Rechteck 365"/>
+          <p:cNvSpPr/>
+          <p:nvPr/>
+        </p:nvSpPr>
+        <p:spPr>
+          <a:xfrm>
+            <a:off x="5034864" y="3777680"/>
+            <a:ext cx="425117" cy="220573"/>
+          </a:xfrm>
+          <a:prstGeom prst="rect">
+            <a:avLst/>
+          </a:prstGeom>
+        </p:spPr>
+        <p:txBody>
+          <a:bodyPr wrap="none">
+            <a:spAutoFit/>
+          </a:bodyPr>
+          <a:lstStyle/>
+          <a:p>
+            <a:pPr algn="r">
+              <a:lnSpc>
+                <a:spcPts val="500"/>
+              </a:lnSpc>
+            </a:pPr>
+            <a:r>
+              <a:rPr lang="de-DE" sz="500" dirty="0">
+                <a:solidFill>
+                  <a:schemeClr val="accent6">
+                    <a:lumMod val="75000"/>
+                  </a:schemeClr>
+                </a:solidFill>
+                <a:latin typeface="Helvetica Neue LT Std 67 Medium Condensed" charset="0"/>
+                <a:ea typeface="Helvetica Neue LT Std 67 Medium Condensed" charset="0"/>
+                <a:cs typeface="Helvetica Neue LT Std 67 Medium Condensed" charset="0"/>
+              </a:rPr>
+              <a:t>⌥ </a:t>
+            </a:r>
+            <a:r>
+              <a:rPr lang="de-DE" sz="500" dirty="0" err="1" smtClean="0">
+                <a:solidFill>
+                  <a:schemeClr val="accent6">
+                    <a:lumMod val="75000"/>
+                  </a:schemeClr>
+                </a:solidFill>
+                <a:latin typeface="Helvetica Neue LT Std 67 Medium Condensed" charset="0"/>
+                <a:ea typeface="Helvetica Neue LT Std 67 Medium Condensed" charset="0"/>
+                <a:cs typeface="Helvetica Neue LT Std 67 Medium Condensed" charset="0"/>
+              </a:rPr>
+              <a:t>Toggle</a:t>
+            </a:r>
+            <a:r>
+              <a:rPr lang="de-DE" sz="500" dirty="0" smtClean="0">
+                <a:solidFill>
+                  <a:schemeClr val="accent6">
+                    <a:lumMod val="75000"/>
+                  </a:schemeClr>
+                </a:solidFill>
+                <a:latin typeface="Helvetica Neue LT Std 67 Medium Condensed" charset="0"/>
+                <a:ea typeface="Helvetica Neue LT Std 67 Medium Condensed" charset="0"/>
+                <a:cs typeface="Helvetica Neue LT Std 67 Medium Condensed" charset="0"/>
+              </a:rPr>
+              <a:t/>
+            </a:r>
+            <a:br>
+              <a:rPr lang="de-DE" sz="500" dirty="0" smtClean="0">
+                <a:solidFill>
+                  <a:schemeClr val="accent6">
+                    <a:lumMod val="75000"/>
+                  </a:schemeClr>
+                </a:solidFill>
+                <a:latin typeface="Helvetica Neue LT Std 67 Medium Condensed" charset="0"/>
+                <a:ea typeface="Helvetica Neue LT Std 67 Medium Condensed" charset="0"/>
+                <a:cs typeface="Helvetica Neue LT Std 67 Medium Condensed" charset="0"/>
+              </a:rPr>
+            </a:br>
+            <a:r>
+              <a:rPr lang="de-DE" sz="500" dirty="0" err="1" smtClean="0">
+                <a:solidFill>
+                  <a:schemeClr val="accent6">
+                    <a:lumMod val="75000"/>
+                  </a:schemeClr>
+                </a:solidFill>
+                <a:latin typeface="Helvetica Neue LT Std 67 Medium Condensed" charset="0"/>
+                <a:ea typeface="Helvetica Neue LT Std 67 Medium Condensed" charset="0"/>
+                <a:cs typeface="Helvetica Neue LT Std 67 Medium Condensed" charset="0"/>
+              </a:rPr>
+              <a:t>Playrate</a:t>
+            </a:r>
+            <a:endParaRPr lang="de-DE" sz="500" dirty="0">
+              <a:solidFill>
+                <a:schemeClr val="accent6">
+                  <a:lumMod val="75000"/>
+                </a:schemeClr>
+              </a:solidFill>
               <a:latin typeface="Helvetica Neue LT Std 67 Medium Condensed" charset="0"/>
               <a:ea typeface="Helvetica Neue LT Std 67 Medium Condensed" charset="0"/>
               <a:cs typeface="Helvetica Neue LT Std 67 Medium Condensed" charset="0"/>

--- a/Documentation/Keymap.pptx
+++ b/Documentation/Keymap.pptx
@@ -197,7 +197,7 @@
           <a:p>
             <a:fld id="{D04F8CED-0623-C742-B972-F53D35E16E19}" type="datetimeFigureOut">
               <a:rPr lang="de-DE" smtClean="0"/>
-              <a:t>05.01.18</a:t>
+              <a:t>16.01.18</a:t>
             </a:fld>
             <a:endParaRPr lang="de-DE"/>
           </a:p>
@@ -680,7 +680,7 @@
           <a:p>
             <a:fld id="{A97692CC-6688-1145-811E-FE1ABB97A7A4}" type="datetimeFigureOut">
               <a:rPr lang="de-DE" smtClean="0"/>
-              <a:t>05.01.18</a:t>
+              <a:t>16.01.18</a:t>
             </a:fld>
             <a:endParaRPr lang="de-DE"/>
           </a:p>
@@ -845,7 +845,7 @@
           <a:p>
             <a:fld id="{A97692CC-6688-1145-811E-FE1ABB97A7A4}" type="datetimeFigureOut">
               <a:rPr lang="de-DE" smtClean="0"/>
-              <a:t>05.01.18</a:t>
+              <a:t>16.01.18</a:t>
             </a:fld>
             <a:endParaRPr lang="de-DE"/>
           </a:p>
@@ -1020,7 +1020,7 @@
           <a:p>
             <a:fld id="{A97692CC-6688-1145-811E-FE1ABB97A7A4}" type="datetimeFigureOut">
               <a:rPr lang="de-DE" smtClean="0"/>
-              <a:t>05.01.18</a:t>
+              <a:t>16.01.18</a:t>
             </a:fld>
             <a:endParaRPr lang="de-DE"/>
           </a:p>
@@ -1185,7 +1185,7 @@
           <a:p>
             <a:fld id="{A97692CC-6688-1145-811E-FE1ABB97A7A4}" type="datetimeFigureOut">
               <a:rPr lang="de-DE" smtClean="0"/>
-              <a:t>05.01.18</a:t>
+              <a:t>16.01.18</a:t>
             </a:fld>
             <a:endParaRPr lang="de-DE"/>
           </a:p>
@@ -1424,7 +1424,7 @@
           <a:p>
             <a:fld id="{A97692CC-6688-1145-811E-FE1ABB97A7A4}" type="datetimeFigureOut">
               <a:rPr lang="de-DE" smtClean="0"/>
-              <a:t>05.01.18</a:t>
+              <a:t>16.01.18</a:t>
             </a:fld>
             <a:endParaRPr lang="de-DE"/>
           </a:p>
@@ -1651,7 +1651,7 @@
           <a:p>
             <a:fld id="{A97692CC-6688-1145-811E-FE1ABB97A7A4}" type="datetimeFigureOut">
               <a:rPr lang="de-DE" smtClean="0"/>
-              <a:t>05.01.18</a:t>
+              <a:t>16.01.18</a:t>
             </a:fld>
             <a:endParaRPr lang="de-DE"/>
           </a:p>
@@ -2013,7 +2013,7 @@
           <a:p>
             <a:fld id="{A97692CC-6688-1145-811E-FE1ABB97A7A4}" type="datetimeFigureOut">
               <a:rPr lang="de-DE" smtClean="0"/>
-              <a:t>05.01.18</a:t>
+              <a:t>16.01.18</a:t>
             </a:fld>
             <a:endParaRPr lang="de-DE"/>
           </a:p>
@@ -2126,7 +2126,7 @@
           <a:p>
             <a:fld id="{A97692CC-6688-1145-811E-FE1ABB97A7A4}" type="datetimeFigureOut">
               <a:rPr lang="de-DE" smtClean="0"/>
-              <a:t>05.01.18</a:t>
+              <a:t>16.01.18</a:t>
             </a:fld>
             <a:endParaRPr lang="de-DE"/>
           </a:p>
@@ -2216,7 +2216,7 @@
           <a:p>
             <a:fld id="{A97692CC-6688-1145-811E-FE1ABB97A7A4}" type="datetimeFigureOut">
               <a:rPr lang="de-DE" smtClean="0"/>
-              <a:t>05.01.18</a:t>
+              <a:t>16.01.18</a:t>
             </a:fld>
             <a:endParaRPr lang="de-DE"/>
           </a:p>
@@ -2488,7 +2488,7 @@
           <a:p>
             <a:fld id="{A97692CC-6688-1145-811E-FE1ABB97A7A4}" type="datetimeFigureOut">
               <a:rPr lang="de-DE" smtClean="0"/>
-              <a:t>05.01.18</a:t>
+              <a:t>16.01.18</a:t>
             </a:fld>
             <a:endParaRPr lang="de-DE"/>
           </a:p>
@@ -2740,7 +2740,7 @@
           <a:p>
             <a:fld id="{A97692CC-6688-1145-811E-FE1ABB97A7A4}" type="datetimeFigureOut">
               <a:rPr lang="de-DE" smtClean="0"/>
-              <a:t>05.01.18</a:t>
+              <a:t>16.01.18</a:t>
             </a:fld>
             <a:endParaRPr lang="de-DE"/>
           </a:p>
@@ -2948,7 +2948,7 @@
           <a:p>
             <a:fld id="{A97692CC-6688-1145-811E-FE1ABB97A7A4}" type="datetimeFigureOut">
               <a:rPr lang="de-DE" smtClean="0"/>
-              <a:t>05.01.18</a:t>
+              <a:t>16.01.18</a:t>
             </a:fld>
             <a:endParaRPr lang="de-DE"/>
           </a:p>
@@ -11563,15 +11563,7 @@
                 <a:ea typeface="Helvetica Neue LT Std 67 Medium Condensed" charset="0"/>
                 <a:cs typeface="Helvetica Neue LT Std 67 Medium Condensed" charset="0"/>
               </a:rPr>
-              <a:t>Zoom </a:t>
-            </a:r>
-            <a:r>
-              <a:rPr lang="de-DE" sz="500" dirty="0" smtClean="0">
-                <a:latin typeface="Helvetica Neue LT Std 67 Medium Condensed" charset="0"/>
-                <a:ea typeface="Helvetica Neue LT Std 67 Medium Condensed" charset="0"/>
-                <a:cs typeface="Helvetica Neue LT Std 67 Medium Condensed" charset="0"/>
-              </a:rPr>
-              <a:t>in</a:t>
+              <a:t>Zoom in</a:t>
             </a:r>
             <a:br>
               <a:rPr lang="de-DE" sz="500" dirty="0" smtClean="0">
@@ -11737,15 +11729,7 @@
                 <a:ea typeface="Helvetica Neue LT Std 67 Medium Condensed" charset="0"/>
                 <a:cs typeface="Helvetica Neue LT Std 67 Medium Condensed" charset="0"/>
               </a:rPr>
-              <a:t>Zoom </a:t>
-            </a:r>
-            <a:r>
-              <a:rPr lang="de-DE" sz="500" dirty="0" smtClean="0">
-                <a:latin typeface="Helvetica Neue LT Std 67 Medium Condensed" charset="0"/>
-                <a:ea typeface="Helvetica Neue LT Std 67 Medium Condensed" charset="0"/>
-                <a:cs typeface="Helvetica Neue LT Std 67 Medium Condensed" charset="0"/>
-              </a:rPr>
-              <a:t>out</a:t>
+              <a:t>Zoom out</a:t>
             </a:r>
             <a:br>
               <a:rPr lang="de-DE" sz="500" dirty="0" smtClean="0">
@@ -17213,64 +17197,6 @@
       </p:sp>
       <p:sp>
         <p:nvSpPr>
-          <p:cNvPr id="277" name="Textfeld 276"/>
-          <p:cNvSpPr txBox="1"/>
-          <p:nvPr/>
-        </p:nvSpPr>
-        <p:spPr>
-          <a:xfrm>
-            <a:off x="4163986" y="4335308"/>
-            <a:ext cx="398899" cy="323165"/>
-          </a:xfrm>
-          <a:prstGeom prst="rect">
-            <a:avLst/>
-          </a:prstGeom>
-          <a:noFill/>
-        </p:spPr>
-        <p:txBody>
-          <a:bodyPr wrap="square" rtlCol="0" anchor="t">
-            <a:spAutoFit/>
-          </a:bodyPr>
-          <a:lstStyle/>
-          <a:p>
-            <a:pPr algn="r"/>
-            <a:r>
-              <a:rPr lang="de-DE" sz="500" dirty="0" smtClean="0">
-                <a:solidFill>
-                  <a:srgbClr val="7030A0"/>
-                </a:solidFill>
-                <a:latin typeface="Helvetica Neue LT Std 67 Medium Condensed" charset="0"/>
-                <a:ea typeface="Helvetica Neue LT Std 67 Medium Condensed" charset="0"/>
-                <a:cs typeface="Helvetica Neue LT Std 67 Medium Condensed" charset="0"/>
-              </a:rPr>
-              <a:t>Open</a:t>
-            </a:r>
-            <a:br>
-              <a:rPr lang="de-DE" sz="500" dirty="0" smtClean="0">
-                <a:solidFill>
-                  <a:srgbClr val="7030A0"/>
-                </a:solidFill>
-                <a:latin typeface="Helvetica Neue LT Std 67 Medium Condensed" charset="0"/>
-                <a:ea typeface="Helvetica Neue LT Std 67 Medium Condensed" charset="0"/>
-                <a:cs typeface="Helvetica Neue LT Std 67 Medium Condensed" charset="0"/>
-              </a:rPr>
-            </a:br>
-            <a:r>
-              <a:rPr lang="de-DE" sz="500" dirty="0" smtClean="0">
-                <a:solidFill>
-                  <a:srgbClr val="7030A0"/>
-                </a:solidFill>
-                <a:latin typeface="Helvetica Neue LT Std 67 Medium Condensed" charset="0"/>
-                <a:ea typeface="Helvetica Neue LT Std 67 Medium Condensed" charset="0"/>
-                <a:cs typeface="Helvetica Neue LT Std 67 Medium Condensed" charset="0"/>
-              </a:rPr>
-              <a:t>Project Folder</a:t>
-            </a:r>
-          </a:p>
-        </p:txBody>
-      </p:sp>
-      <p:sp>
-        <p:nvSpPr>
           <p:cNvPr id="278" name="Rechteck 277"/>
           <p:cNvSpPr/>
           <p:nvPr/>
@@ -17358,7 +17284,7 @@
         </p:nvSpPr>
         <p:spPr>
           <a:xfrm>
-            <a:off x="3974606" y="4302565"/>
+            <a:off x="4005812" y="4450176"/>
             <a:ext cx="325730" cy="261610"/>
           </a:xfrm>
           <a:prstGeom prst="rect">
@@ -21228,46 +21154,6 @@
       </p:sp>
       <p:sp>
         <p:nvSpPr>
-          <p:cNvPr id="353" name="Rechteck 352"/>
-          <p:cNvSpPr/>
-          <p:nvPr/>
-        </p:nvSpPr>
-        <p:spPr>
-          <a:xfrm>
-            <a:off x="4163585" y="4325295"/>
-            <a:ext cx="261610" cy="184666"/>
-          </a:xfrm>
-          <a:prstGeom prst="rect">
-            <a:avLst/>
-          </a:prstGeom>
-        </p:spPr>
-        <p:txBody>
-          <a:bodyPr wrap="none">
-            <a:spAutoFit/>
-          </a:bodyPr>
-          <a:lstStyle/>
-          <a:p>
-            <a:r>
-              <a:rPr lang="de-DE" sz="600" b="1" dirty="0" smtClean="0">
-                <a:solidFill>
-                  <a:srgbClr val="7030A0"/>
-                </a:solidFill>
-                <a:latin typeface="Helvetica Neue LT Std 67 Medium Condensed" charset="0"/>
-                <a:ea typeface="Helvetica Neue LT Std 67 Medium Condensed" charset="0"/>
-                <a:cs typeface="Helvetica Neue LT Std 67 Medium Condensed" charset="0"/>
-              </a:rPr>
-              <a:t>⌘</a:t>
-            </a:r>
-            <a:endParaRPr lang="de-DE" sz="4000" b="1" dirty="0">
-              <a:solidFill>
-                <a:srgbClr val="7030A0"/>
-              </a:solidFill>
-            </a:endParaRPr>
-          </a:p>
-        </p:txBody>
-      </p:sp>
-      <p:sp>
-        <p:nvSpPr>
           <p:cNvPr id="357" name="Textfeld 356"/>
           <p:cNvSpPr txBox="1"/>
           <p:nvPr/>
@@ -21895,6 +21781,196 @@
             <a:endParaRPr lang="de-DE" sz="500" dirty="0">
               <a:solidFill>
                 <a:schemeClr val="accent6">
+                  <a:lumMod val="75000"/>
+                </a:schemeClr>
+              </a:solidFill>
+              <a:latin typeface="Helvetica Neue LT Std 67 Medium Condensed" charset="0"/>
+              <a:ea typeface="Helvetica Neue LT Std 67 Medium Condensed" charset="0"/>
+              <a:cs typeface="Helvetica Neue LT Std 67 Medium Condensed" charset="0"/>
+            </a:endParaRPr>
+          </a:p>
+        </p:txBody>
+      </p:sp>
+      <p:sp>
+        <p:nvSpPr>
+          <p:cNvPr id="367" name="Rechteck 366"/>
+          <p:cNvSpPr/>
+          <p:nvPr/>
+        </p:nvSpPr>
+        <p:spPr>
+          <a:xfrm>
+            <a:off x="4174250" y="4541108"/>
+            <a:ext cx="385105" cy="284693"/>
+          </a:xfrm>
+          <a:prstGeom prst="rect">
+            <a:avLst/>
+          </a:prstGeom>
+        </p:spPr>
+        <p:txBody>
+          <a:bodyPr wrap="none">
+            <a:spAutoFit/>
+          </a:bodyPr>
+          <a:lstStyle/>
+          <a:p>
+            <a:pPr algn="r">
+              <a:lnSpc>
+                <a:spcPts val="500"/>
+              </a:lnSpc>
+            </a:pPr>
+            <a:r>
+              <a:rPr lang="de-DE" sz="500" dirty="0">
+                <a:solidFill>
+                  <a:schemeClr val="accent6">
+                    <a:lumMod val="75000"/>
+                  </a:schemeClr>
+                </a:solidFill>
+                <a:latin typeface="Helvetica Neue LT Std 67 Medium Condensed" charset="0"/>
+                <a:ea typeface="Helvetica Neue LT Std 67 Medium Condensed" charset="0"/>
+                <a:cs typeface="Helvetica Neue LT Std 67 Medium Condensed" charset="0"/>
+              </a:rPr>
+              <a:t>⌥ </a:t>
+            </a:r>
+            <a:r>
+              <a:rPr lang="de-DE" sz="500" dirty="0" smtClean="0">
+                <a:solidFill>
+                  <a:schemeClr val="accent6">
+                    <a:lumMod val="75000"/>
+                  </a:schemeClr>
+                </a:solidFill>
+                <a:latin typeface="Helvetica Neue LT Std 67 Medium Condensed" charset="0"/>
+                <a:ea typeface="Helvetica Neue LT Std 67 Medium Condensed" charset="0"/>
+                <a:cs typeface="Helvetica Neue LT Std 67 Medium Condensed" charset="0"/>
+              </a:rPr>
+              <a:t>Open</a:t>
+            </a:r>
+            <a:br>
+              <a:rPr lang="de-DE" sz="500" dirty="0" smtClean="0">
+                <a:solidFill>
+                  <a:schemeClr val="accent6">
+                    <a:lumMod val="75000"/>
+                  </a:schemeClr>
+                </a:solidFill>
+                <a:latin typeface="Helvetica Neue LT Std 67 Medium Condensed" charset="0"/>
+                <a:ea typeface="Helvetica Neue LT Std 67 Medium Condensed" charset="0"/>
+                <a:cs typeface="Helvetica Neue LT Std 67 Medium Condensed" charset="0"/>
+              </a:rPr>
+            </a:br>
+            <a:r>
+              <a:rPr lang="de-DE" sz="500" dirty="0" smtClean="0">
+                <a:solidFill>
+                  <a:schemeClr val="accent6">
+                    <a:lumMod val="75000"/>
+                  </a:schemeClr>
+                </a:solidFill>
+                <a:latin typeface="Helvetica Neue LT Std 67 Medium Condensed" charset="0"/>
+                <a:ea typeface="Helvetica Neue LT Std 67 Medium Condensed" charset="0"/>
+                <a:cs typeface="Helvetica Neue LT Std 67 Medium Condensed" charset="0"/>
+              </a:rPr>
+              <a:t>Project</a:t>
+            </a:r>
+            <a:br>
+              <a:rPr lang="de-DE" sz="500" dirty="0" smtClean="0">
+                <a:solidFill>
+                  <a:schemeClr val="accent6">
+                    <a:lumMod val="75000"/>
+                  </a:schemeClr>
+                </a:solidFill>
+                <a:latin typeface="Helvetica Neue LT Std 67 Medium Condensed" charset="0"/>
+                <a:ea typeface="Helvetica Neue LT Std 67 Medium Condensed" charset="0"/>
+                <a:cs typeface="Helvetica Neue LT Std 67 Medium Condensed" charset="0"/>
+              </a:rPr>
+            </a:br>
+            <a:r>
+              <a:rPr lang="de-DE" sz="500" dirty="0" smtClean="0">
+                <a:solidFill>
+                  <a:schemeClr val="accent6">
+                    <a:lumMod val="75000"/>
+                  </a:schemeClr>
+                </a:solidFill>
+                <a:latin typeface="Helvetica Neue LT Std 67 Medium Condensed" charset="0"/>
+                <a:ea typeface="Helvetica Neue LT Std 67 Medium Condensed" charset="0"/>
+                <a:cs typeface="Helvetica Neue LT Std 67 Medium Condensed" charset="0"/>
+              </a:rPr>
+              <a:t>Folder</a:t>
+            </a:r>
+            <a:endParaRPr lang="de-DE" sz="500" dirty="0">
+              <a:solidFill>
+                <a:schemeClr val="accent6">
+                  <a:lumMod val="75000"/>
+                </a:schemeClr>
+              </a:solidFill>
+              <a:latin typeface="Helvetica Neue LT Std 67 Medium Condensed" charset="0"/>
+              <a:ea typeface="Helvetica Neue LT Std 67 Medium Condensed" charset="0"/>
+              <a:cs typeface="Helvetica Neue LT Std 67 Medium Condensed" charset="0"/>
+            </a:endParaRPr>
+          </a:p>
+        </p:txBody>
+      </p:sp>
+      <p:sp>
+        <p:nvSpPr>
+          <p:cNvPr id="368" name="Textfeld 367"/>
+          <p:cNvSpPr txBox="1"/>
+          <p:nvPr/>
+        </p:nvSpPr>
+        <p:spPr>
+          <a:xfrm>
+            <a:off x="4000668" y="4342236"/>
+            <a:ext cx="563170" cy="246221"/>
+          </a:xfrm>
+          <a:prstGeom prst="rect">
+            <a:avLst/>
+          </a:prstGeom>
+          <a:noFill/>
+        </p:spPr>
+        <p:txBody>
+          <a:bodyPr wrap="square" rtlCol="0" anchor="t">
+            <a:spAutoFit/>
+          </a:bodyPr>
+          <a:lstStyle/>
+          <a:p>
+            <a:pPr algn="r"/>
+            <a:r>
+              <a:rPr lang="de-DE" sz="500" dirty="0" smtClean="0">
+                <a:latin typeface="Helvetica Neue LT Std 67 Medium Condensed" charset="0"/>
+                <a:ea typeface="Helvetica Neue LT Std 67 Medium Condensed" charset="0"/>
+                <a:cs typeface="Helvetica Neue LT Std 67 Medium Condensed" charset="0"/>
+              </a:rPr>
+              <a:t>Set </a:t>
+            </a:r>
+            <a:r>
+              <a:rPr lang="de-DE" sz="500" dirty="0" err="1" smtClean="0">
+                <a:latin typeface="Helvetica Neue LT Std 67 Medium Condensed" charset="0"/>
+                <a:ea typeface="Helvetica Neue LT Std 67 Medium Condensed" charset="0"/>
+                <a:cs typeface="Helvetica Neue LT Std 67 Medium Condensed" charset="0"/>
+              </a:rPr>
+              <a:t>Planned</a:t>
+            </a:r>
+            <a:r>
+              <a:rPr lang="de-DE" sz="500" dirty="0" smtClean="0">
+                <a:latin typeface="Helvetica Neue LT Std 67 Medium Condensed" charset="0"/>
+                <a:ea typeface="Helvetica Neue LT Std 67 Medium Condensed" charset="0"/>
+                <a:cs typeface="Helvetica Neue LT Std 67 Medium Condensed" charset="0"/>
+              </a:rPr>
+              <a:t/>
+            </a:r>
+            <a:br>
+              <a:rPr lang="de-DE" sz="500" dirty="0" smtClean="0">
+                <a:latin typeface="Helvetica Neue LT Std 67 Medium Condensed" charset="0"/>
+                <a:ea typeface="Helvetica Neue LT Std 67 Medium Condensed" charset="0"/>
+                <a:cs typeface="Helvetica Neue LT Std 67 Medium Condensed" charset="0"/>
+              </a:rPr>
+            </a:br>
+            <a:r>
+              <a:rPr lang="de-DE" sz="500" dirty="0" smtClean="0">
+                <a:latin typeface="Helvetica Neue LT Std 67 Medium Condensed" charset="0"/>
+                <a:ea typeface="Helvetica Neue LT Std 67 Medium Condensed" charset="0"/>
+                <a:cs typeface="Helvetica Neue LT Std 67 Medium Condensed" charset="0"/>
+              </a:rPr>
+              <a:t>Marker</a:t>
+            </a:r>
+            <a:endParaRPr lang="de-DE" sz="500" dirty="0" smtClean="0">
+              <a:solidFill>
+                <a:schemeClr val="accent2">
                   <a:lumMod val="75000"/>
                 </a:schemeClr>
               </a:solidFill>
